--- a/slides/1_systems.pptx
+++ b/slides/1_systems.pptx
@@ -5,23 +5,25 @@
     <p:sldMasterId id="2147483648" r:id="rId1"/>
   </p:sldMasterIdLst>
   <p:notesMasterIdLst>
-    <p:notesMasterId r:id="rId16"/>
+    <p:notesMasterId r:id="rId18"/>
   </p:notesMasterIdLst>
   <p:sldIdLst>
     <p:sldId id="256" r:id="rId2"/>
     <p:sldId id="265" r:id="rId3"/>
     <p:sldId id="266" r:id="rId4"/>
     <p:sldId id="267" r:id="rId5"/>
-    <p:sldId id="268" r:id="rId6"/>
-    <p:sldId id="269" r:id="rId7"/>
-    <p:sldId id="270" r:id="rId8"/>
-    <p:sldId id="271" r:id="rId9"/>
-    <p:sldId id="272" r:id="rId10"/>
-    <p:sldId id="273" r:id="rId11"/>
-    <p:sldId id="274" r:id="rId12"/>
-    <p:sldId id="275" r:id="rId13"/>
-    <p:sldId id="276" r:id="rId14"/>
-    <p:sldId id="277" r:id="rId15"/>
+    <p:sldId id="278" r:id="rId6"/>
+    <p:sldId id="279" r:id="rId7"/>
+    <p:sldId id="268" r:id="rId8"/>
+    <p:sldId id="269" r:id="rId9"/>
+    <p:sldId id="270" r:id="rId10"/>
+    <p:sldId id="271" r:id="rId11"/>
+    <p:sldId id="272" r:id="rId12"/>
+    <p:sldId id="273" r:id="rId13"/>
+    <p:sldId id="274" r:id="rId14"/>
+    <p:sldId id="275" r:id="rId15"/>
+    <p:sldId id="276" r:id="rId16"/>
+    <p:sldId id="277" r:id="rId17"/>
   </p:sldIdLst>
   <p:sldSz cx="12192000" cy="6858000"/>
   <p:notesSz cx="6858000" cy="9144000"/>
@@ -492,7 +494,7 @@
           <a:p>
             <a:fld id="{506E0FD1-891F-4B1E-916D-E9B585160BB8}" type="datetimeFigureOut">
               <a:rPr lang="en-GB" smtClean="0"/>
-              <a:t>24/01/2026</a:t>
+              <a:t>29/01/2026</a:t>
             </a:fld>
             <a:endParaRPr lang="en-GB"/>
           </a:p>
@@ -909,7 +911,7 @@
           <a:p>
             <a:fld id="{D68C3F22-27B2-44E3-9C5F-D08126455F6F}" type="datetime1">
               <a:rPr lang="en-GB" smtClean="0"/>
-              <a:t>24/01/2026</a:t>
+              <a:t>29/01/2026</a:t>
             </a:fld>
             <a:endParaRPr lang="en-GB"/>
           </a:p>
@@ -1109,7 +1111,7 @@
           <a:p>
             <a:fld id="{1CD03846-7BF6-4FB6-A921-FF3379ADBD4C}" type="datetime1">
               <a:rPr lang="en-GB" smtClean="0"/>
-              <a:t>24/01/2026</a:t>
+              <a:t>29/01/2026</a:t>
             </a:fld>
             <a:endParaRPr lang="en-GB"/>
           </a:p>
@@ -1319,7 +1321,7 @@
           <a:p>
             <a:fld id="{99E1B91A-3FD0-4144-9C84-63E9688ED2FE}" type="datetime1">
               <a:rPr lang="en-GB" smtClean="0"/>
-              <a:t>24/01/2026</a:t>
+              <a:t>29/01/2026</a:t>
             </a:fld>
             <a:endParaRPr lang="en-GB"/>
           </a:p>
@@ -1519,7 +1521,7 @@
           <a:p>
             <a:fld id="{5295ED7B-FEAD-4734-819F-93EF4B0EA908}" type="datetime1">
               <a:rPr lang="en-GB" smtClean="0"/>
-              <a:t>24/01/2026</a:t>
+              <a:t>29/01/2026</a:t>
             </a:fld>
             <a:endParaRPr lang="en-GB"/>
           </a:p>
@@ -1795,7 +1797,7 @@
           <a:p>
             <a:fld id="{D2D5D4B4-C926-4B45-8815-1ED8911179A2}" type="datetime1">
               <a:rPr lang="en-GB" smtClean="0"/>
-              <a:t>24/01/2026</a:t>
+              <a:t>29/01/2026</a:t>
             </a:fld>
             <a:endParaRPr lang="en-GB"/>
           </a:p>
@@ -2063,7 +2065,7 @@
           <a:p>
             <a:fld id="{B4C5210A-0E37-4935-93AF-69F21A5F712F}" type="datetime1">
               <a:rPr lang="en-GB" smtClean="0"/>
-              <a:t>24/01/2026</a:t>
+              <a:t>29/01/2026</a:t>
             </a:fld>
             <a:endParaRPr lang="en-GB"/>
           </a:p>
@@ -2478,7 +2480,7 @@
           <a:p>
             <a:fld id="{3D3A6B2F-436C-4691-80E8-9C890E000E9D}" type="datetime1">
               <a:rPr lang="en-GB" smtClean="0"/>
-              <a:t>24/01/2026</a:t>
+              <a:t>29/01/2026</a:t>
             </a:fld>
             <a:endParaRPr lang="en-GB"/>
           </a:p>
@@ -2620,7 +2622,7 @@
           <a:p>
             <a:fld id="{84385F4C-D74B-496F-8D21-97E3549C783B}" type="datetime1">
               <a:rPr lang="en-GB" smtClean="0"/>
-              <a:t>24/01/2026</a:t>
+              <a:t>29/01/2026</a:t>
             </a:fld>
             <a:endParaRPr lang="en-GB"/>
           </a:p>
@@ -2733,7 +2735,7 @@
           <a:p>
             <a:fld id="{0CBDCB32-C241-4703-A832-4EB47BD54E83}" type="datetime1">
               <a:rPr lang="en-GB" smtClean="0"/>
-              <a:t>24/01/2026</a:t>
+              <a:t>29/01/2026</a:t>
             </a:fld>
             <a:endParaRPr lang="en-GB"/>
           </a:p>
@@ -3046,7 +3048,7 @@
           <a:p>
             <a:fld id="{85C150FF-BE95-4D25-A16A-E368A81CBF24}" type="datetime1">
               <a:rPr lang="en-GB" smtClean="0"/>
-              <a:t>24/01/2026</a:t>
+              <a:t>29/01/2026</a:t>
             </a:fld>
             <a:endParaRPr lang="en-GB"/>
           </a:p>
@@ -3335,7 +3337,7 @@
           <a:p>
             <a:fld id="{F3C5DB4B-B349-43C9-A424-BADA723AD9F1}" type="datetime1">
               <a:rPr lang="en-GB" smtClean="0"/>
-              <a:t>24/01/2026</a:t>
+              <a:t>29/01/2026</a:t>
             </a:fld>
             <a:endParaRPr lang="en-GB"/>
           </a:p>
@@ -3578,7 +3580,7 @@
           <a:p>
             <a:fld id="{12632426-0A0C-405F-A3D0-2D11AA44702A}" type="datetime1">
               <a:rPr lang="en-GB" smtClean="0"/>
-              <a:t>24/01/2026</a:t>
+              <a:t>29/01/2026</a:t>
             </a:fld>
             <a:endParaRPr lang="en-GB"/>
           </a:p>
@@ -4021,7 +4023,7 @@
           <a:p>
             <a:r>
               <a:rPr lang="en-GB" dirty="0"/>
-              <a:t>Systems, Processes, Models</a:t>
+              <a:t>Systems</a:t>
             </a:r>
           </a:p>
         </p:txBody>
@@ -4089,7 +4091,7 @@
           <p:cNvPr id="2" name="Titel 1">
             <a:extLst>
               <a:ext uri="{FF2B5EF4-FFF2-40B4-BE49-F238E27FC236}">
-                <a16:creationId xmlns:a16="http://schemas.microsoft.com/office/drawing/2014/main" id="{39244CBF-9F85-6A17-680B-700361A6A7B9}"/>
+                <a16:creationId xmlns:a16="http://schemas.microsoft.com/office/drawing/2014/main" id="{A24430FE-3799-1595-6BBF-C595E3B33173}"/>
               </a:ext>
             </a:extLst>
           </p:cNvPr>
@@ -4106,26 +4108,9 @@
           <a:lstStyle/>
           <a:p>
             <a:r>
-              <a:rPr lang="de-DE" dirty="0" err="1"/>
-              <a:t>Integrating</a:t>
-            </a:r>
-            <a:r>
               <a:rPr lang="de-DE" dirty="0"/>
-              <a:t> and </a:t>
-            </a:r>
-            <a:r>
-              <a:rPr lang="de-DE" dirty="0" err="1"/>
-              <a:t>Differentiating</a:t>
-            </a:r>
-            <a:r>
-              <a:rPr lang="de-DE" dirty="0"/>
-              <a:t> </a:t>
-            </a:r>
-            <a:r>
-              <a:rPr lang="de-DE" dirty="0" err="1"/>
-              <a:t>Behavior</a:t>
-            </a:r>
-            <a:endParaRPr lang="de-DE" dirty="0"/>
+              <a:t>Linear Time-Invariant (LTI) Systems</a:t>
+            </a:r>
           </a:p>
         </p:txBody>
       </p:sp>
@@ -4134,7 +4119,7 @@
           <p:cNvPr id="3" name="Inhaltsplatzhalter 2">
             <a:extLst>
               <a:ext uri="{FF2B5EF4-FFF2-40B4-BE49-F238E27FC236}">
-                <a16:creationId xmlns:a16="http://schemas.microsoft.com/office/drawing/2014/main" id="{72B04744-0A78-585A-ABF6-255841A38FDB}"/>
+                <a16:creationId xmlns:a16="http://schemas.microsoft.com/office/drawing/2014/main" id="{C5707770-EA62-1D7F-DA49-55EA5F60F0AF}"/>
               </a:ext>
             </a:extLst>
           </p:cNvPr>
@@ -4152,11 +4137,11 @@
           <a:p>
             <a:r>
               <a:rPr lang="de-DE" dirty="0"/>
-              <a:t>Integrator </a:t>
+              <a:t>Linear: </a:t>
             </a:r>
             <a:r>
               <a:rPr lang="de-DE" dirty="0" err="1"/>
-              <a:t>accumulates</a:t>
+              <a:t>superposition</a:t>
             </a:r>
             <a:r>
               <a:rPr lang="de-DE" dirty="0"/>
@@ -4164,7 +4149,51 @@
             </a:r>
             <a:r>
               <a:rPr lang="de-DE" dirty="0" err="1"/>
-              <a:t>input</a:t>
+              <a:t>applies</a:t>
+            </a:r>
+            <a:r>
+              <a:rPr lang="de-DE" dirty="0"/>
+              <a:t> (</a:t>
+            </a:r>
+            <a:r>
+              <a:rPr lang="de-DE" dirty="0" err="1"/>
+              <a:t>scaling</a:t>
+            </a:r>
+            <a:r>
+              <a:rPr lang="de-DE" dirty="0"/>
+              <a:t> and </a:t>
+            </a:r>
+            <a:r>
+              <a:rPr lang="de-DE" dirty="0" err="1"/>
+              <a:t>additivity</a:t>
+            </a:r>
+            <a:r>
+              <a:rPr lang="de-DE" dirty="0"/>
+              <a:t>)</a:t>
+            </a:r>
+          </a:p>
+          <a:p>
+            <a:pPr marL="0" indent="0">
+              <a:buNone/>
+            </a:pPr>
+            <a:endParaRPr lang="de-DE" dirty="0"/>
+          </a:p>
+          <a:p>
+            <a:r>
+              <a:rPr lang="de-DE" dirty="0"/>
+              <a:t>Time-invariant: </a:t>
+            </a:r>
+            <a:r>
+              <a:rPr lang="de-DE" dirty="0" err="1"/>
+              <a:t>parameters</a:t>
+            </a:r>
+            <a:r>
+              <a:rPr lang="de-DE" dirty="0"/>
+              <a:t> do not </a:t>
+            </a:r>
+            <a:r>
+              <a:rPr lang="de-DE" dirty="0" err="1"/>
+              <a:t>change</a:t>
             </a:r>
             <a:r>
               <a:rPr lang="de-DE" dirty="0"/>
@@ -4180,13 +4209,15 @@
             </a:r>
           </a:p>
           <a:p>
-            <a:r>
-              <a:rPr lang="de-DE" dirty="0"/>
-              <a:t>Differentiator </a:t>
-            </a:r>
+            <a:pPr marL="0" indent="0">
+              <a:buNone/>
+            </a:pPr>
+            <a:endParaRPr lang="de-DE" dirty="0"/>
+          </a:p>
+          <a:p>
             <a:r>
               <a:rPr lang="de-DE" dirty="0" err="1"/>
-              <a:t>responds</a:t>
+              <a:t>Foundation</a:t>
             </a:r>
             <a:r>
               <a:rPr lang="de-DE" dirty="0"/>
@@ -4194,14 +4225,6 @@
             </a:r>
             <a:r>
               <a:rPr lang="de-DE" dirty="0" err="1"/>
-              <a:t>to</a:t>
-            </a:r>
-            <a:r>
-              <a:rPr lang="de-DE" dirty="0"/>
-              <a:t> rate </a:t>
-            </a:r>
-            <a:r>
-              <a:rPr lang="de-DE" dirty="0" err="1"/>
               <a:t>of</a:t>
             </a:r>
             <a:r>
@@ -4210,14 +4233,7 @@
             </a:r>
             <a:r>
               <a:rPr lang="de-DE" dirty="0" err="1"/>
-              <a:t>change</a:t>
-            </a:r>
-            <a:endParaRPr lang="de-DE" dirty="0"/>
-          </a:p>
-          <a:p>
-            <a:r>
-              <a:rPr lang="de-DE" dirty="0" err="1"/>
-              <a:t>Often</a:t>
+              <a:t>classical</a:t>
             </a:r>
             <a:r>
               <a:rPr lang="de-DE" dirty="0"/>
@@ -4225,7 +4241,7 @@
             </a:r>
             <a:r>
               <a:rPr lang="de-DE" dirty="0" err="1"/>
-              <a:t>appear</a:t>
+              <a:t>control</a:t>
             </a:r>
             <a:r>
               <a:rPr lang="de-DE" dirty="0"/>
@@ -4233,23 +4249,7 @@
             </a:r>
             <a:r>
               <a:rPr lang="de-DE" dirty="0" err="1"/>
-              <a:t>implicitly</a:t>
-            </a:r>
-            <a:r>
-              <a:rPr lang="de-DE" dirty="0"/>
-              <a:t> in </a:t>
-            </a:r>
-            <a:r>
-              <a:rPr lang="de-DE" dirty="0" err="1"/>
-              <a:t>physical</a:t>
-            </a:r>
-            <a:r>
-              <a:rPr lang="de-DE" dirty="0"/>
-              <a:t> </a:t>
-            </a:r>
-            <a:r>
-              <a:rPr lang="de-DE" dirty="0" err="1"/>
-              <a:t>systems</a:t>
+              <a:t>theory</a:t>
             </a:r>
             <a:endParaRPr lang="de-DE" dirty="0"/>
           </a:p>
@@ -4260,7 +4260,7 @@
           <p:cNvPr id="4" name="Foliennummernplatzhalter 3">
             <a:extLst>
               <a:ext uri="{FF2B5EF4-FFF2-40B4-BE49-F238E27FC236}">
-                <a16:creationId xmlns:a16="http://schemas.microsoft.com/office/drawing/2014/main" id="{2B72E14E-7EB9-A40B-34AA-AC73D257EDEC}"/>
+                <a16:creationId xmlns:a16="http://schemas.microsoft.com/office/drawing/2014/main" id="{D438F975-57B4-D1A4-A311-7F4987444403}"/>
               </a:ext>
             </a:extLst>
           </p:cNvPr>
@@ -4287,7 +4287,7 @@
     </p:spTree>
     <p:extLst>
       <p:ext uri="{BB962C8B-B14F-4D97-AF65-F5344CB8AC3E}">
-        <p14:creationId xmlns:p14="http://schemas.microsoft.com/office/powerpoint/2010/main" val="4220411841"/>
+        <p14:creationId xmlns:p14="http://schemas.microsoft.com/office/powerpoint/2010/main" val="195159656"/>
       </p:ext>
     </p:extLst>
   </p:cSld>
@@ -4319,7 +4319,7 @@
           <p:cNvPr id="2" name="Titel 1">
             <a:extLst>
               <a:ext uri="{FF2B5EF4-FFF2-40B4-BE49-F238E27FC236}">
-                <a16:creationId xmlns:a16="http://schemas.microsoft.com/office/drawing/2014/main" id="{C6745A1B-AEBE-B4CE-44F5-18B930F7C84D}"/>
+                <a16:creationId xmlns:a16="http://schemas.microsoft.com/office/drawing/2014/main" id="{28EDA3A2-F561-C805-764F-7D8E46B25AA0}"/>
               </a:ext>
             </a:extLst>
           </p:cNvPr>
@@ -4337,196 +4337,243 @@
           <a:p>
             <a:r>
               <a:rPr lang="de-DE" dirty="0"/>
-              <a:t>First-Order Systems (PT1)</a:t>
-            </a:r>
-          </a:p>
-        </p:txBody>
-      </p:sp>
-      <p:sp>
-        <p:nvSpPr>
-          <p:cNvPr id="3" name="Inhaltsplatzhalter 2">
-            <a:extLst>
-              <a:ext uri="{FF2B5EF4-FFF2-40B4-BE49-F238E27FC236}">
-                <a16:creationId xmlns:a16="http://schemas.microsoft.com/office/drawing/2014/main" id="{CDD7E54A-26B6-1A1F-EFCD-3CB7658FC97D}"/>
-              </a:ext>
-            </a:extLst>
-          </p:cNvPr>
-          <p:cNvSpPr>
-            <a:spLocks noGrp="1"/>
-          </p:cNvSpPr>
-          <p:nvPr>
-            <p:ph idx="1"/>
-          </p:nvPr>
-        </p:nvSpPr>
-        <p:spPr/>
-        <p:txBody>
-          <a:bodyPr/>
-          <a:lstStyle/>
-          <a:p>
-            <a:r>
-              <a:rPr lang="de-DE" dirty="0" err="1"/>
-              <a:t>One</a:t>
-            </a:r>
-            <a:r>
-              <a:rPr lang="de-DE" dirty="0"/>
-              <a:t> </a:t>
-            </a:r>
-            <a:r>
-              <a:rPr lang="de-DE" dirty="0" err="1"/>
-              <a:t>energy</a:t>
-            </a:r>
-            <a:r>
-              <a:rPr lang="de-DE" dirty="0"/>
-              <a:t> </a:t>
-            </a:r>
-            <a:r>
-              <a:rPr lang="de-DE" dirty="0" err="1"/>
-              <a:t>storage</a:t>
-            </a:r>
-            <a:r>
-              <a:rPr lang="de-DE" dirty="0"/>
-              <a:t> </a:t>
-            </a:r>
-            <a:r>
-              <a:rPr lang="de-DE" dirty="0" err="1"/>
-              <a:t>element</a:t>
-            </a:r>
-            <a:endParaRPr lang="de-DE" dirty="0"/>
-          </a:p>
-          <a:p>
-            <a:r>
-              <a:rPr lang="de-DE" dirty="0" err="1"/>
-              <a:t>Characterized</a:t>
-            </a:r>
-            <a:r>
-              <a:rPr lang="de-DE" dirty="0"/>
-              <a:t> </a:t>
-            </a:r>
-            <a:r>
-              <a:rPr lang="de-DE" dirty="0" err="1"/>
-              <a:t>by</a:t>
-            </a:r>
-            <a:r>
-              <a:rPr lang="de-DE" dirty="0"/>
-              <a:t> time </a:t>
-            </a:r>
-            <a:r>
-              <a:rPr lang="de-DE" dirty="0" err="1"/>
-              <a:t>constant</a:t>
-            </a:r>
-            <a:endParaRPr lang="de-DE" dirty="0"/>
-          </a:p>
-          <a:p>
-            <a:r>
-              <a:rPr lang="de-DE" dirty="0"/>
-              <a:t>Smooth </a:t>
-            </a:r>
-            <a:r>
-              <a:rPr lang="de-DE" dirty="0" err="1"/>
-              <a:t>exponential</a:t>
-            </a:r>
-            <a:r>
-              <a:rPr lang="de-DE" dirty="0"/>
-              <a:t> </a:t>
-            </a:r>
-            <a:r>
-              <a:rPr lang="de-DE" dirty="0" err="1"/>
-              <a:t>response</a:t>
-            </a:r>
-            <a:endParaRPr lang="de-DE" dirty="0"/>
-          </a:p>
-          <a:p>
-            <a:pPr marL="0" indent="0">
-              <a:buNone/>
-            </a:pPr>
-            <a:endParaRPr lang="de-DE" dirty="0"/>
-          </a:p>
-          <a:p>
-            <a:pPr marL="0" indent="0">
-              <a:buNone/>
-            </a:pPr>
-            <a:r>
-              <a:rPr lang="de-DE" b="1" dirty="0" err="1"/>
-              <a:t>Equation</a:t>
-            </a:r>
-            <a:r>
-              <a:rPr lang="de-DE" b="1" dirty="0"/>
-              <a:t>:</a:t>
-            </a:r>
-            <a:r>
-              <a:rPr lang="de-DE" dirty="0"/>
-              <a:t> \tau \</a:t>
-            </a:r>
-            <a:r>
-              <a:rPr lang="de-DE" dirty="0" err="1"/>
-              <a:t>dot</a:t>
-            </a:r>
-            <a:r>
-              <a:rPr lang="de-DE" dirty="0"/>
-              <a:t>{</a:t>
-            </a:r>
-            <a:r>
-              <a:rPr lang="de-DE" dirty="0" err="1"/>
-              <a:t>y</a:t>
-            </a:r>
-            <a:r>
-              <a:rPr lang="de-DE" dirty="0"/>
-              <a:t>} + </a:t>
-            </a:r>
-            <a:r>
-              <a:rPr lang="de-DE" dirty="0" err="1"/>
-              <a:t>y</a:t>
-            </a:r>
-            <a:r>
-              <a:rPr lang="de-DE" dirty="0"/>
-              <a:t> = K </a:t>
-            </a:r>
-            <a:r>
-              <a:rPr lang="de-DE" dirty="0" err="1"/>
-              <a:t>u</a:t>
-            </a:r>
-            <a:endParaRPr lang="de-DE" dirty="0"/>
-          </a:p>
-          <a:p>
-            <a:pPr marL="0" indent="0">
-              <a:buNone/>
-            </a:pPr>
-            <a:endParaRPr lang="de-DE" dirty="0"/>
-          </a:p>
-          <a:p>
-            <a:pPr marL="0" indent="0">
-              <a:buNone/>
-            </a:pPr>
-            <a:r>
-              <a:rPr lang="de-DE" b="1" dirty="0"/>
-              <a:t>Plot:</a:t>
-            </a:r>
-            <a:r>
-              <a:rPr lang="de-DE" dirty="0"/>
-              <a:t> </a:t>
-            </a:r>
-            <a:r>
-              <a:rPr lang="de-DE" dirty="0" err="1"/>
-              <a:t>step</a:t>
-            </a:r>
-            <a:r>
-              <a:rPr lang="de-DE" dirty="0"/>
-              <a:t> </a:t>
-            </a:r>
-            <a:r>
-              <a:rPr lang="de-DE" dirty="0" err="1"/>
-              <a:t>response</a:t>
-            </a:r>
-            <a:endParaRPr lang="de-DE" dirty="0"/>
-          </a:p>
-        </p:txBody>
-      </p:sp>
+              <a:t>Proportional (P) Systems</a:t>
+            </a:r>
+          </a:p>
+        </p:txBody>
+      </p:sp>
+      <mc:AlternateContent xmlns:mc="http://schemas.openxmlformats.org/markup-compatibility/2006">
+        <mc:Choice xmlns:a14="http://schemas.microsoft.com/office/drawing/2010/main" Requires="a14">
+          <p:sp>
+            <p:nvSpPr>
+              <p:cNvPr id="3" name="Inhaltsplatzhalter 2">
+                <a:extLst>
+                  <a:ext uri="{FF2B5EF4-FFF2-40B4-BE49-F238E27FC236}">
+                    <a16:creationId xmlns:a16="http://schemas.microsoft.com/office/drawing/2014/main" id="{E5D93057-B654-A742-35B1-8FC40DA947BC}"/>
+                  </a:ext>
+                </a:extLst>
+              </p:cNvPr>
+              <p:cNvSpPr>
+                <a:spLocks noGrp="1"/>
+              </p:cNvSpPr>
+              <p:nvPr>
+                <p:ph idx="1"/>
+              </p:nvPr>
+            </p:nvSpPr>
+            <p:spPr/>
+            <p:txBody>
+              <a:bodyPr/>
+              <a:lstStyle/>
+              <a:p>
+                <a:r>
+                  <a:rPr lang="de-DE" dirty="0"/>
+                  <a:t>Output proportional </a:t>
+                </a:r>
+                <a:r>
+                  <a:rPr lang="de-DE" dirty="0" err="1"/>
+                  <a:t>to</a:t>
+                </a:r>
+                <a:r>
+                  <a:rPr lang="de-DE" dirty="0"/>
+                  <a:t> </a:t>
+                </a:r>
+                <a:r>
+                  <a:rPr lang="de-DE" dirty="0" err="1"/>
+                  <a:t>input</a:t>
+                </a:r>
+                <a:endParaRPr lang="de-DE" dirty="0"/>
+              </a:p>
+              <a:p>
+                <a:pPr marL="0" indent="0">
+                  <a:buNone/>
+                </a:pPr>
+                <a:r>
+                  <a:rPr lang="de-DE" dirty="0"/>
+                  <a:t>	</a:t>
+                </a:r>
+                <a14:m>
+                  <m:oMath xmlns:m="http://schemas.openxmlformats.org/officeDocument/2006/math">
+                    <m:r>
+                      <a:rPr lang="de-DE" i="1">
+                        <a:latin typeface="Cambria Math" panose="02040503050406030204" pitchFamily="18" charset="0"/>
+                      </a:rPr>
+                      <m:t>𝑦</m:t>
+                    </m:r>
+                    <m:d>
+                      <m:dPr>
+                        <m:ctrlPr>
+                          <a:rPr lang="de-DE" i="1">
+                            <a:latin typeface="Cambria Math" panose="02040503050406030204" pitchFamily="18" charset="0"/>
+                          </a:rPr>
+                        </m:ctrlPr>
+                      </m:dPr>
+                      <m:e>
+                        <m:r>
+                          <a:rPr lang="de-DE" i="1">
+                            <a:latin typeface="Cambria Math" panose="02040503050406030204" pitchFamily="18" charset="0"/>
+                          </a:rPr>
+                          <m:t>𝑡</m:t>
+                        </m:r>
+                      </m:e>
+                    </m:d>
+                    <m:r>
+                      <a:rPr lang="de-DE" i="1">
+                        <a:latin typeface="Cambria Math" panose="02040503050406030204" pitchFamily="18" charset="0"/>
+                      </a:rPr>
+                      <m:t>=</m:t>
+                    </m:r>
+                    <m:r>
+                      <a:rPr lang="de-DE" b="0" i="1" smtClean="0">
+                        <a:latin typeface="Cambria Math" panose="02040503050406030204" pitchFamily="18" charset="0"/>
+                      </a:rPr>
+                      <m:t>𝐾</m:t>
+                    </m:r>
+                    <m:r>
+                      <a:rPr lang="de-DE" i="1">
+                        <a:latin typeface="Cambria Math" panose="02040503050406030204" pitchFamily="18" charset="0"/>
+                        <a:ea typeface="Cambria Math" panose="02040503050406030204" pitchFamily="18" charset="0"/>
+                      </a:rPr>
+                      <m:t>∙</m:t>
+                    </m:r>
+                    <m:r>
+                      <a:rPr lang="de-DE" i="1">
+                        <a:latin typeface="Cambria Math" panose="02040503050406030204" pitchFamily="18" charset="0"/>
+                      </a:rPr>
+                      <m:t>𝑢</m:t>
+                    </m:r>
+                    <m:r>
+                      <a:rPr lang="de-DE" i="1">
+                        <a:latin typeface="Cambria Math" panose="02040503050406030204" pitchFamily="18" charset="0"/>
+                      </a:rPr>
+                      <m:t>(</m:t>
+                    </m:r>
+                    <m:r>
+                      <a:rPr lang="de-DE" i="1">
+                        <a:latin typeface="Cambria Math" panose="02040503050406030204" pitchFamily="18" charset="0"/>
+                      </a:rPr>
+                      <m:t>𝑡</m:t>
+                    </m:r>
+                    <m:r>
+                      <a:rPr lang="de-DE" i="1">
+                        <a:latin typeface="Cambria Math" panose="02040503050406030204" pitchFamily="18" charset="0"/>
+                      </a:rPr>
+                      <m:t>)</m:t>
+                    </m:r>
+                  </m:oMath>
+                </a14:m>
+                <a:endParaRPr lang="de-DE" dirty="0"/>
+              </a:p>
+              <a:p>
+                <a:pPr marL="0" indent="0">
+                  <a:buNone/>
+                </a:pPr>
+                <a:endParaRPr lang="de-DE" dirty="0"/>
+              </a:p>
+              <a:p>
+                <a:r>
+                  <a:rPr lang="de-DE" dirty="0"/>
+                  <a:t>Static </a:t>
+                </a:r>
+                <a:r>
+                  <a:rPr lang="de-DE" dirty="0" err="1"/>
+                  <a:t>gain</a:t>
+                </a:r>
+                <a:endParaRPr lang="de-DE" dirty="0"/>
+              </a:p>
+              <a:p>
+                <a:pPr marL="0" indent="0">
+                  <a:buNone/>
+                </a:pPr>
+                <a:endParaRPr lang="de-DE" dirty="0"/>
+              </a:p>
+              <a:p>
+                <a:r>
+                  <a:rPr lang="de-DE" dirty="0" err="1"/>
+                  <a:t>No</a:t>
+                </a:r>
+                <a:r>
+                  <a:rPr lang="de-DE" dirty="0"/>
+                  <a:t> </a:t>
+                </a:r>
+                <a:r>
+                  <a:rPr lang="de-DE" dirty="0" err="1"/>
+                  <a:t>dynamics</a:t>
+                </a:r>
+                <a:endParaRPr lang="de-DE" dirty="0"/>
+              </a:p>
+              <a:p>
+                <a:pPr marL="0" indent="0">
+                  <a:buNone/>
+                </a:pPr>
+                <a:endParaRPr lang="de-DE" dirty="0"/>
+              </a:p>
+              <a:p>
+                <a:pPr marL="0" indent="0">
+                  <a:buNone/>
+                </a:pPr>
+                <a:r>
+                  <a:rPr lang="de-DE" dirty="0" err="1"/>
+                  <a:t>Example</a:t>
+                </a:r>
+                <a:r>
+                  <a:rPr lang="de-DE" dirty="0"/>
+                  <a:t>: </a:t>
+                </a:r>
+                <a:r>
+                  <a:rPr lang="de-DE" dirty="0" err="1"/>
+                  <a:t>amplifier</a:t>
+                </a:r>
+                <a:endParaRPr lang="de-DE" dirty="0"/>
+              </a:p>
+            </p:txBody>
+          </p:sp>
+        </mc:Choice>
+        <mc:Fallback>
+          <p:sp>
+            <p:nvSpPr>
+              <p:cNvPr id="3" name="Inhaltsplatzhalter 2">
+                <a:extLst>
+                  <a:ext uri="{FF2B5EF4-FFF2-40B4-BE49-F238E27FC236}">
+                    <a16:creationId xmlns:a16="http://schemas.microsoft.com/office/drawing/2014/main" id="{E5D93057-B654-A742-35B1-8FC40DA947BC}"/>
+                  </a:ext>
+                </a:extLst>
+              </p:cNvPr>
+              <p:cNvSpPr>
+                <a:spLocks noGrp="1" noRot="1" noChangeAspect="1" noMove="1" noResize="1" noEditPoints="1" noAdjustHandles="1" noChangeArrowheads="1" noChangeShapeType="1" noTextEdit="1"/>
+              </p:cNvSpPr>
+              <p:nvPr>
+                <p:ph idx="1"/>
+              </p:nvPr>
+            </p:nvSpPr>
+            <p:spPr>
+              <a:blipFill>
+                <a:blip r:embed="rId2"/>
+                <a:stretch>
+                  <a:fillRect l="-1206" t="-2326"/>
+                </a:stretch>
+              </a:blipFill>
+            </p:spPr>
+            <p:txBody>
+              <a:bodyPr/>
+              <a:lstStyle/>
+              <a:p>
+                <a:r>
+                  <a:rPr lang="de-DE">
+                    <a:noFill/>
+                  </a:rPr>
+                  <a:t> </a:t>
+                </a:r>
+              </a:p>
+            </p:txBody>
+          </p:sp>
+        </mc:Fallback>
+      </mc:AlternateContent>
       <p:sp>
         <p:nvSpPr>
           <p:cNvPr id="4" name="Foliennummernplatzhalter 3">
             <a:extLst>
               <a:ext uri="{FF2B5EF4-FFF2-40B4-BE49-F238E27FC236}">
-                <a16:creationId xmlns:a16="http://schemas.microsoft.com/office/drawing/2014/main" id="{E8A2CB85-35FF-7939-CCB6-F661E5A24577}"/>
+                <a16:creationId xmlns:a16="http://schemas.microsoft.com/office/drawing/2014/main" id="{C4759E45-F9D5-78E4-AB35-D7A48D2F9781}"/>
               </a:ext>
             </a:extLst>
           </p:cNvPr>
@@ -4550,10 +4597,49 @@
           </a:p>
         </p:txBody>
       </p:sp>
+      <p:cxnSp>
+        <p:nvCxnSpPr>
+          <p:cNvPr id="6" name="Gerade Verbindung mit Pfeil 5">
+            <a:extLst>
+              <a:ext uri="{FF2B5EF4-FFF2-40B4-BE49-F238E27FC236}">
+                <a16:creationId xmlns:a16="http://schemas.microsoft.com/office/drawing/2014/main" id="{DD233A60-217F-FEDE-E919-A1B9410F4E07}"/>
+              </a:ext>
+            </a:extLst>
+          </p:cNvPr>
+          <p:cNvCxnSpPr/>
+          <p:nvPr/>
+        </p:nvCxnSpPr>
+        <p:spPr>
+          <a:xfrm flipV="1">
+            <a:off x="2312894" y="2716306"/>
+            <a:ext cx="609600" cy="712694"/>
+          </a:xfrm>
+          <a:prstGeom prst="straightConnector1">
+            <a:avLst/>
+          </a:prstGeom>
+          <a:ln>
+            <a:tailEnd type="triangle"/>
+          </a:ln>
+        </p:spPr>
+        <p:style>
+          <a:lnRef idx="2">
+            <a:schemeClr val="accent1"/>
+          </a:lnRef>
+          <a:fillRef idx="0">
+            <a:schemeClr val="accent1"/>
+          </a:fillRef>
+          <a:effectRef idx="1">
+            <a:schemeClr val="accent1"/>
+          </a:effectRef>
+          <a:fontRef idx="minor">
+            <a:schemeClr val="tx1"/>
+          </a:fontRef>
+        </p:style>
+      </p:cxnSp>
     </p:spTree>
     <p:extLst>
       <p:ext uri="{BB962C8B-B14F-4D97-AF65-F5344CB8AC3E}">
-        <p14:creationId xmlns:p14="http://schemas.microsoft.com/office/powerpoint/2010/main" val="3467835423"/>
+        <p14:creationId xmlns:p14="http://schemas.microsoft.com/office/powerpoint/2010/main" val="2101393843"/>
       </p:ext>
     </p:extLst>
   </p:cSld>
@@ -4585,7 +4671,7 @@
           <p:cNvPr id="2" name="Titel 1">
             <a:extLst>
               <a:ext uri="{FF2B5EF4-FFF2-40B4-BE49-F238E27FC236}">
-                <a16:creationId xmlns:a16="http://schemas.microsoft.com/office/drawing/2014/main" id="{CE787393-544D-703C-713F-00B09CCF1DD7}"/>
+                <a16:creationId xmlns:a16="http://schemas.microsoft.com/office/drawing/2014/main" id="{39244CBF-9F85-6A17-680B-700361A6A7B9}"/>
               </a:ext>
             </a:extLst>
           </p:cNvPr>
@@ -4602,9 +4688,26 @@
           <a:lstStyle/>
           <a:p>
             <a:r>
+              <a:rPr lang="de-DE" dirty="0" err="1"/>
+              <a:t>Integrating</a:t>
+            </a:r>
+            <a:r>
               <a:rPr lang="de-DE" dirty="0"/>
-              <a:t>Second-Order Systems (PT2)</a:t>
-            </a:r>
+              <a:t> and </a:t>
+            </a:r>
+            <a:r>
+              <a:rPr lang="de-DE" dirty="0" err="1"/>
+              <a:t>Differentiating</a:t>
+            </a:r>
+            <a:r>
+              <a:rPr lang="de-DE" dirty="0"/>
+              <a:t> </a:t>
+            </a:r>
+            <a:r>
+              <a:rPr lang="de-DE" dirty="0" err="1"/>
+              <a:t>Behavior</a:t>
+            </a:r>
+            <a:endParaRPr lang="de-DE" dirty="0"/>
           </a:p>
         </p:txBody>
       </p:sp>
@@ -4613,7 +4716,7 @@
           <p:cNvPr id="3" name="Inhaltsplatzhalter 2">
             <a:extLst>
               <a:ext uri="{FF2B5EF4-FFF2-40B4-BE49-F238E27FC236}">
-                <a16:creationId xmlns:a16="http://schemas.microsoft.com/office/drawing/2014/main" id="{864AE596-18C7-3B34-C44D-8A40912DE6B5}"/>
+                <a16:creationId xmlns:a16="http://schemas.microsoft.com/office/drawing/2014/main" id="{72B04744-0A78-585A-ABF6-255841A38FDB}"/>
               </a:ext>
             </a:extLst>
           </p:cNvPr>
@@ -4630,8 +4733,12 @@
           <a:lstStyle/>
           <a:p>
             <a:r>
+              <a:rPr lang="de-DE" dirty="0"/>
+              <a:t>Integrator </a:t>
+            </a:r>
+            <a:r>
               <a:rPr lang="de-DE" dirty="0" err="1"/>
-              <a:t>Two</a:t>
+              <a:t>accumulates</a:t>
             </a:r>
             <a:r>
               <a:rPr lang="de-DE" dirty="0"/>
@@ -4639,7 +4746,7 @@
             </a:r>
             <a:r>
               <a:rPr lang="de-DE" dirty="0" err="1"/>
-              <a:t>energy</a:t>
+              <a:t>input</a:t>
             </a:r>
             <a:r>
               <a:rPr lang="de-DE" dirty="0"/>
@@ -4647,75 +4754,12 @@
             </a:r>
             <a:r>
               <a:rPr lang="de-DE" dirty="0" err="1"/>
-              <a:t>storage</a:t>
+              <a:t>over</a:t>
             </a:r>
             <a:r>
               <a:rPr lang="de-DE" dirty="0"/>
-              <a:t> </a:t>
-            </a:r>
-            <a:r>
-              <a:rPr lang="de-DE" dirty="0" err="1"/>
-              <a:t>elements</a:t>
-            </a:r>
-            <a:endParaRPr lang="de-DE" dirty="0"/>
-          </a:p>
-          <a:p>
-            <a:r>
-              <a:rPr lang="de-DE" dirty="0"/>
-              <a:t>Can </a:t>
-            </a:r>
-            <a:r>
-              <a:rPr lang="de-DE" dirty="0" err="1"/>
-              <a:t>show</a:t>
-            </a:r>
-            <a:r>
-              <a:rPr lang="de-DE" dirty="0"/>
-              <a:t> </a:t>
-            </a:r>
-            <a:r>
-              <a:rPr lang="de-DE" dirty="0" err="1"/>
-              <a:t>oscillations</a:t>
-            </a:r>
-            <a:endParaRPr lang="de-DE" dirty="0"/>
-          </a:p>
-          <a:p>
-            <a:r>
-              <a:rPr lang="de-DE" dirty="0" err="1"/>
-              <a:t>Characterized</a:t>
-            </a:r>
-            <a:r>
-              <a:rPr lang="de-DE" dirty="0"/>
-              <a:t> </a:t>
-            </a:r>
-            <a:r>
-              <a:rPr lang="de-DE" dirty="0" err="1"/>
-              <a:t>by</a:t>
-            </a:r>
-            <a:r>
-              <a:rPr lang="de-DE" dirty="0"/>
-              <a:t> </a:t>
-            </a:r>
-            <a:r>
-              <a:rPr lang="de-DE" dirty="0" err="1"/>
-              <a:t>natural</a:t>
-            </a:r>
-            <a:r>
-              <a:rPr lang="de-DE" dirty="0"/>
-              <a:t> </a:t>
-            </a:r>
-            <a:r>
-              <a:rPr lang="de-DE" dirty="0" err="1"/>
-              <a:t>frequency</a:t>
-            </a:r>
-            <a:r>
-              <a:rPr lang="de-DE" dirty="0"/>
-              <a:t> and </a:t>
-            </a:r>
-            <a:r>
-              <a:rPr lang="de-DE" dirty="0" err="1"/>
-              <a:t>damping</a:t>
-            </a:r>
-            <a:endParaRPr lang="de-DE" dirty="0"/>
+              <a:t> time</a:t>
+            </a:r>
           </a:p>
           <a:p>
             <a:pPr marL="0" indent="0">
@@ -4724,12 +4768,50 @@
             <a:endParaRPr lang="de-DE" dirty="0"/>
           </a:p>
           <a:p>
+            <a:r>
+              <a:rPr lang="de-DE" dirty="0"/>
+              <a:t>Differentiator </a:t>
+            </a:r>
+            <a:r>
+              <a:rPr lang="de-DE" dirty="0" err="1"/>
+              <a:t>responds</a:t>
+            </a:r>
+            <a:r>
+              <a:rPr lang="de-DE" dirty="0"/>
+              <a:t> </a:t>
+            </a:r>
+            <a:r>
+              <a:rPr lang="de-DE" dirty="0" err="1"/>
+              <a:t>to</a:t>
+            </a:r>
+            <a:r>
+              <a:rPr lang="de-DE" dirty="0"/>
+              <a:t> rate </a:t>
+            </a:r>
+            <a:r>
+              <a:rPr lang="de-DE" dirty="0" err="1"/>
+              <a:t>of</a:t>
+            </a:r>
+            <a:r>
+              <a:rPr lang="de-DE" dirty="0"/>
+              <a:t> </a:t>
+            </a:r>
+            <a:r>
+              <a:rPr lang="de-DE" dirty="0" err="1"/>
+              <a:t>change</a:t>
+            </a:r>
+            <a:endParaRPr lang="de-DE" dirty="0"/>
+          </a:p>
+          <a:p>
             <a:pPr marL="0" indent="0">
               <a:buNone/>
             </a:pPr>
-            <a:r>
-              <a:rPr lang="de-DE" b="1" dirty="0"/>
-              <a:t>Plot:</a:t>
+            <a:endParaRPr lang="de-DE" dirty="0"/>
+          </a:p>
+          <a:p>
+            <a:r>
+              <a:rPr lang="de-DE" dirty="0" err="1"/>
+              <a:t>Often</a:t>
             </a:r>
             <a:r>
               <a:rPr lang="de-DE" dirty="0"/>
@@ -4737,7 +4819,7 @@
             </a:r>
             <a:r>
               <a:rPr lang="de-DE" dirty="0" err="1"/>
-              <a:t>underdamped</a:t>
+              <a:t>appear</a:t>
             </a:r>
             <a:r>
               <a:rPr lang="de-DE" dirty="0"/>
@@ -4745,7 +4827,15 @@
             </a:r>
             <a:r>
               <a:rPr lang="de-DE" dirty="0" err="1"/>
-              <a:t>vs</a:t>
+              <a:t>implicitly</a:t>
+            </a:r>
+            <a:r>
+              <a:rPr lang="de-DE" dirty="0"/>
+              <a:t> in </a:t>
+            </a:r>
+            <a:r>
+              <a:rPr lang="de-DE" dirty="0" err="1"/>
+              <a:t>physical</a:t>
             </a:r>
             <a:r>
               <a:rPr lang="de-DE" dirty="0"/>
@@ -4753,23 +4843,7 @@
             </a:r>
             <a:r>
               <a:rPr lang="de-DE" dirty="0" err="1"/>
-              <a:t>overdamped</a:t>
-            </a:r>
-            <a:r>
-              <a:rPr lang="de-DE" dirty="0"/>
-              <a:t> </a:t>
-            </a:r>
-            <a:r>
-              <a:rPr lang="de-DE" dirty="0" err="1"/>
-              <a:t>step</a:t>
-            </a:r>
-            <a:r>
-              <a:rPr lang="de-DE" dirty="0"/>
-              <a:t> </a:t>
-            </a:r>
-            <a:r>
-              <a:rPr lang="de-DE" dirty="0" err="1"/>
-              <a:t>response</a:t>
+              <a:t>systems</a:t>
             </a:r>
             <a:endParaRPr lang="de-DE" dirty="0"/>
           </a:p>
@@ -4780,7 +4854,7 @@
           <p:cNvPr id="4" name="Foliennummernplatzhalter 3">
             <a:extLst>
               <a:ext uri="{FF2B5EF4-FFF2-40B4-BE49-F238E27FC236}">
-                <a16:creationId xmlns:a16="http://schemas.microsoft.com/office/drawing/2014/main" id="{923C8AB7-4D08-3D96-5BB4-B17DE1DB7C07}"/>
+                <a16:creationId xmlns:a16="http://schemas.microsoft.com/office/drawing/2014/main" id="{2B72E14E-7EB9-A40B-34AA-AC73D257EDEC}"/>
               </a:ext>
             </a:extLst>
           </p:cNvPr>
@@ -4807,7 +4881,7 @@
     </p:spTree>
     <p:extLst>
       <p:ext uri="{BB962C8B-B14F-4D97-AF65-F5344CB8AC3E}">
-        <p14:creationId xmlns:p14="http://schemas.microsoft.com/office/powerpoint/2010/main" val="1216483348"/>
+        <p14:creationId xmlns:p14="http://schemas.microsoft.com/office/powerpoint/2010/main" val="4220411841"/>
       </p:ext>
     </p:extLst>
   </p:cSld>
@@ -4839,7 +4913,7 @@
           <p:cNvPr id="2" name="Titel 1">
             <a:extLst>
               <a:ext uri="{FF2B5EF4-FFF2-40B4-BE49-F238E27FC236}">
-                <a16:creationId xmlns:a16="http://schemas.microsoft.com/office/drawing/2014/main" id="{D5744C1E-E015-47BF-5487-BEED8BB417DD}"/>
+                <a16:creationId xmlns:a16="http://schemas.microsoft.com/office/drawing/2014/main" id="{C6745A1B-AEBE-B4CE-44F5-18B930F7C84D}"/>
               </a:ext>
             </a:extLst>
           </p:cNvPr>
@@ -4857,156 +4931,331 @@
           <a:p>
             <a:r>
               <a:rPr lang="de-DE" dirty="0"/>
-              <a:t>Dead Time</a:t>
-            </a:r>
-          </a:p>
-        </p:txBody>
-      </p:sp>
-      <p:sp>
-        <p:nvSpPr>
-          <p:cNvPr id="3" name="Inhaltsplatzhalter 2">
-            <a:extLst>
-              <a:ext uri="{FF2B5EF4-FFF2-40B4-BE49-F238E27FC236}">
-                <a16:creationId xmlns:a16="http://schemas.microsoft.com/office/drawing/2014/main" id="{F9AE5EC4-52A4-BBD7-A547-E7DA4C4B3937}"/>
-              </a:ext>
-            </a:extLst>
-          </p:cNvPr>
-          <p:cNvSpPr>
-            <a:spLocks noGrp="1"/>
-          </p:cNvSpPr>
-          <p:nvPr>
-            <p:ph idx="1"/>
-          </p:nvPr>
-        </p:nvSpPr>
-        <p:spPr/>
-        <p:txBody>
-          <a:bodyPr/>
-          <a:lstStyle/>
-          <a:p>
-            <a:r>
-              <a:rPr lang="de-DE" dirty="0"/>
-              <a:t>Delay </a:t>
-            </a:r>
-            <a:r>
-              <a:rPr lang="de-DE" dirty="0" err="1"/>
-              <a:t>between</a:t>
-            </a:r>
-            <a:r>
-              <a:rPr lang="de-DE" dirty="0"/>
-              <a:t> </a:t>
-            </a:r>
-            <a:r>
-              <a:rPr lang="de-DE" dirty="0" err="1"/>
-              <a:t>input</a:t>
-            </a:r>
-            <a:r>
-              <a:rPr lang="de-DE" dirty="0"/>
-              <a:t> and </a:t>
-            </a:r>
-            <a:r>
-              <a:rPr lang="de-DE" dirty="0" err="1"/>
-              <a:t>output</a:t>
-            </a:r>
-            <a:endParaRPr lang="de-DE" dirty="0"/>
-          </a:p>
-          <a:p>
-            <a:r>
-              <a:rPr lang="de-DE" dirty="0"/>
-              <a:t>Common in </a:t>
-            </a:r>
-            <a:r>
-              <a:rPr lang="de-DE" dirty="0" err="1"/>
-              <a:t>processes</a:t>
-            </a:r>
-            <a:r>
-              <a:rPr lang="de-DE" dirty="0"/>
-              <a:t> and </a:t>
-            </a:r>
-            <a:r>
-              <a:rPr lang="de-DE" dirty="0" err="1"/>
-              <a:t>networks</a:t>
-            </a:r>
-            <a:endParaRPr lang="de-DE" dirty="0"/>
-          </a:p>
-          <a:p>
-            <a:r>
-              <a:rPr lang="de-DE" dirty="0" err="1"/>
-              <a:t>Makes</a:t>
-            </a:r>
-            <a:r>
-              <a:rPr lang="de-DE" dirty="0"/>
-              <a:t> </a:t>
-            </a:r>
-            <a:r>
-              <a:rPr lang="de-DE" dirty="0" err="1"/>
-              <a:t>control</a:t>
-            </a:r>
-            <a:r>
-              <a:rPr lang="de-DE" dirty="0"/>
-              <a:t> </a:t>
-            </a:r>
-            <a:r>
-              <a:rPr lang="de-DE" dirty="0" err="1"/>
-              <a:t>more</a:t>
-            </a:r>
-            <a:r>
-              <a:rPr lang="de-DE" dirty="0"/>
-              <a:t> </a:t>
-            </a:r>
-            <a:r>
-              <a:rPr lang="de-DE" dirty="0" err="1"/>
-              <a:t>difficult</a:t>
-            </a:r>
-            <a:endParaRPr lang="de-DE" dirty="0"/>
-          </a:p>
-          <a:p>
-            <a:pPr marL="0" indent="0">
-              <a:buNone/>
-            </a:pPr>
-            <a:endParaRPr lang="de-DE" dirty="0"/>
-          </a:p>
-          <a:p>
-            <a:pPr marL="0" indent="0">
-              <a:buNone/>
-            </a:pPr>
-            <a:r>
-              <a:rPr lang="de-DE" b="1" dirty="0"/>
-              <a:t>Plot:</a:t>
-            </a:r>
-            <a:r>
-              <a:rPr lang="de-DE" dirty="0"/>
-              <a:t> </a:t>
-            </a:r>
-            <a:r>
-              <a:rPr lang="de-DE" dirty="0" err="1"/>
-              <a:t>delayed</a:t>
-            </a:r>
-            <a:r>
-              <a:rPr lang="de-DE" dirty="0"/>
-              <a:t> </a:t>
-            </a:r>
-            <a:r>
-              <a:rPr lang="de-DE" dirty="0" err="1"/>
-              <a:t>step</a:t>
-            </a:r>
-            <a:r>
-              <a:rPr lang="de-DE" dirty="0"/>
-              <a:t> </a:t>
-            </a:r>
-            <a:r>
-              <a:rPr lang="de-DE" dirty="0" err="1"/>
-              <a:t>response</a:t>
-            </a:r>
-            <a:endParaRPr lang="de-DE" dirty="0"/>
-          </a:p>
-        </p:txBody>
-      </p:sp>
+              <a:t>First-Order Systems (PT1)</a:t>
+            </a:r>
+          </a:p>
+        </p:txBody>
+      </p:sp>
+      <mc:AlternateContent xmlns:mc="http://schemas.openxmlformats.org/markup-compatibility/2006">
+        <mc:Choice xmlns:a14="http://schemas.microsoft.com/office/drawing/2010/main" Requires="a14">
+          <p:sp>
+            <p:nvSpPr>
+              <p:cNvPr id="3" name="Inhaltsplatzhalter 2">
+                <a:extLst>
+                  <a:ext uri="{FF2B5EF4-FFF2-40B4-BE49-F238E27FC236}">
+                    <a16:creationId xmlns:a16="http://schemas.microsoft.com/office/drawing/2014/main" id="{CDD7E54A-26B6-1A1F-EFCD-3CB7658FC97D}"/>
+                  </a:ext>
+                </a:extLst>
+              </p:cNvPr>
+              <p:cNvSpPr>
+                <a:spLocks noGrp="1"/>
+              </p:cNvSpPr>
+              <p:nvPr>
+                <p:ph idx="1"/>
+              </p:nvPr>
+            </p:nvSpPr>
+            <p:spPr/>
+            <p:txBody>
+              <a:bodyPr>
+                <a:normAutofit/>
+              </a:bodyPr>
+              <a:lstStyle/>
+              <a:p>
+                <a:r>
+                  <a:rPr lang="de-DE" dirty="0"/>
+                  <a:t>One </a:t>
+                </a:r>
+                <a:r>
+                  <a:rPr lang="de-DE" dirty="0" err="1"/>
+                  <a:t>energy</a:t>
+                </a:r>
+                <a:r>
+                  <a:rPr lang="de-DE" dirty="0"/>
+                  <a:t> </a:t>
+                </a:r>
+                <a:r>
+                  <a:rPr lang="de-DE" dirty="0" err="1"/>
+                  <a:t>storage</a:t>
+                </a:r>
+                <a:r>
+                  <a:rPr lang="de-DE" dirty="0"/>
+                  <a:t> </a:t>
+                </a:r>
+                <a:r>
+                  <a:rPr lang="de-DE" dirty="0" err="1"/>
+                  <a:t>element</a:t>
+                </a:r>
+                <a:endParaRPr lang="de-DE" dirty="0"/>
+              </a:p>
+              <a:p>
+                <a:r>
+                  <a:rPr lang="de-DE" dirty="0" err="1"/>
+                  <a:t>Characterized</a:t>
+                </a:r>
+                <a:r>
+                  <a:rPr lang="de-DE" dirty="0"/>
+                  <a:t> </a:t>
+                </a:r>
+                <a:r>
+                  <a:rPr lang="de-DE" dirty="0" err="1"/>
+                  <a:t>by</a:t>
+                </a:r>
+                <a:r>
+                  <a:rPr lang="de-DE" dirty="0"/>
+                  <a:t> time </a:t>
+                </a:r>
+                <a:r>
+                  <a:rPr lang="de-DE" dirty="0" err="1"/>
+                  <a:t>constant</a:t>
+                </a:r>
+                <a:r>
+                  <a:rPr lang="de-DE" dirty="0"/>
+                  <a:t> </a:t>
+                </a:r>
+                <a14:m>
+                  <m:oMath xmlns:m="http://schemas.openxmlformats.org/officeDocument/2006/math">
+                    <m:r>
+                      <a:rPr lang="el-GR" i="1">
+                        <a:latin typeface="Cambria Math" panose="02040503050406030204" pitchFamily="18" charset="0"/>
+                        <a:ea typeface="Cambria Math" panose="02040503050406030204" pitchFamily="18" charset="0"/>
+                      </a:rPr>
+                      <m:t>𝜏</m:t>
+                    </m:r>
+                  </m:oMath>
+                </a14:m>
+                <a:endParaRPr lang="de-DE" dirty="0"/>
+              </a:p>
+              <a:p>
+                <a:pPr marL="0" indent="0">
+                  <a:buNone/>
+                </a:pPr>
+                <a:r>
+                  <a:rPr lang="de-DE" dirty="0"/>
+                  <a:t>	</a:t>
+                </a:r>
+                <a14:m>
+                  <m:oMath xmlns:m="http://schemas.openxmlformats.org/officeDocument/2006/math">
+                    <m:r>
+                      <a:rPr lang="el-GR" i="1">
+                        <a:latin typeface="Cambria Math" panose="02040503050406030204" pitchFamily="18" charset="0"/>
+                        <a:ea typeface="Cambria Math" panose="02040503050406030204" pitchFamily="18" charset="0"/>
+                      </a:rPr>
+                      <m:t>𝜏</m:t>
+                    </m:r>
+                    <m:r>
+                      <a:rPr lang="el-GR" i="1">
+                        <a:latin typeface="Cambria Math" panose="02040503050406030204" pitchFamily="18" charset="0"/>
+                        <a:ea typeface="Cambria Math" panose="02040503050406030204" pitchFamily="18" charset="0"/>
+                      </a:rPr>
+                      <m:t>∙</m:t>
+                    </m:r>
+                    <m:acc>
+                      <m:accPr>
+                        <m:chr m:val="̇"/>
+                        <m:ctrlPr>
+                          <a:rPr lang="de-DE" i="1">
+                            <a:latin typeface="Cambria Math" panose="02040503050406030204" pitchFamily="18" charset="0"/>
+                          </a:rPr>
+                        </m:ctrlPr>
+                      </m:accPr>
+                      <m:e>
+                        <m:r>
+                          <a:rPr lang="de-DE" i="1">
+                            <a:latin typeface="Cambria Math" panose="02040503050406030204" pitchFamily="18" charset="0"/>
+                          </a:rPr>
+                          <m:t>𝑦</m:t>
+                        </m:r>
+                      </m:e>
+                    </m:acc>
+                    <m:r>
+                      <a:rPr lang="de-DE" i="1">
+                        <a:latin typeface="Cambria Math" panose="02040503050406030204" pitchFamily="18" charset="0"/>
+                      </a:rPr>
+                      <m:t>(</m:t>
+                    </m:r>
+                    <m:r>
+                      <a:rPr lang="de-DE" i="1">
+                        <a:latin typeface="Cambria Math" panose="02040503050406030204" pitchFamily="18" charset="0"/>
+                      </a:rPr>
+                      <m:t>𝑡</m:t>
+                    </m:r>
+                    <m:r>
+                      <a:rPr lang="de-DE" i="1">
+                        <a:latin typeface="Cambria Math" panose="02040503050406030204" pitchFamily="18" charset="0"/>
+                      </a:rPr>
+                      <m:t>)+</m:t>
+                    </m:r>
+                    <m:r>
+                      <a:rPr lang="de-DE" i="1">
+                        <a:latin typeface="Cambria Math" panose="02040503050406030204" pitchFamily="18" charset="0"/>
+                      </a:rPr>
+                      <m:t>𝑦</m:t>
+                    </m:r>
+                    <m:r>
+                      <a:rPr lang="de-DE" i="1">
+                        <a:latin typeface="Cambria Math" panose="02040503050406030204" pitchFamily="18" charset="0"/>
+                      </a:rPr>
+                      <m:t>(</m:t>
+                    </m:r>
+                    <m:r>
+                      <a:rPr lang="de-DE" i="1">
+                        <a:latin typeface="Cambria Math" panose="02040503050406030204" pitchFamily="18" charset="0"/>
+                      </a:rPr>
+                      <m:t>𝑡</m:t>
+                    </m:r>
+                    <m:r>
+                      <a:rPr lang="de-DE" i="1">
+                        <a:latin typeface="Cambria Math" panose="02040503050406030204" pitchFamily="18" charset="0"/>
+                      </a:rPr>
+                      <m:t>)=</m:t>
+                    </m:r>
+                    <m:r>
+                      <a:rPr lang="de-DE" i="1">
+                        <a:latin typeface="Cambria Math" panose="02040503050406030204" pitchFamily="18" charset="0"/>
+                      </a:rPr>
+                      <m:t>𝐾</m:t>
+                    </m:r>
+                    <m:r>
+                      <a:rPr lang="de-DE" i="1">
+                        <a:latin typeface="Cambria Math" panose="02040503050406030204" pitchFamily="18" charset="0"/>
+                        <a:ea typeface="Cambria Math" panose="02040503050406030204" pitchFamily="18" charset="0"/>
+                      </a:rPr>
+                      <m:t>∙</m:t>
+                    </m:r>
+                    <m:r>
+                      <a:rPr lang="de-DE" i="1">
+                        <a:latin typeface="Cambria Math" panose="02040503050406030204" pitchFamily="18" charset="0"/>
+                      </a:rPr>
+                      <m:t>𝑢</m:t>
+                    </m:r>
+                    <m:r>
+                      <a:rPr lang="de-DE" i="1">
+                        <a:latin typeface="Cambria Math" panose="02040503050406030204" pitchFamily="18" charset="0"/>
+                      </a:rPr>
+                      <m:t>(</m:t>
+                    </m:r>
+                    <m:r>
+                      <a:rPr lang="de-DE" i="1">
+                        <a:latin typeface="Cambria Math" panose="02040503050406030204" pitchFamily="18" charset="0"/>
+                      </a:rPr>
+                      <m:t>𝑡</m:t>
+                    </m:r>
+                    <m:r>
+                      <a:rPr lang="de-DE" i="1">
+                        <a:latin typeface="Cambria Math" panose="02040503050406030204" pitchFamily="18" charset="0"/>
+                      </a:rPr>
+                      <m:t>)</m:t>
+                    </m:r>
+                  </m:oMath>
+                </a14:m>
+                <a:endParaRPr lang="de-DE" dirty="0"/>
+              </a:p>
+              <a:p>
+                <a:pPr marL="0" indent="0">
+                  <a:buNone/>
+                </a:pPr>
+                <a:endParaRPr lang="de-DE" dirty="0"/>
+              </a:p>
+              <a:p>
+                <a:r>
+                  <a:rPr lang="de-DE" dirty="0"/>
+                  <a:t>Smooth </a:t>
+                </a:r>
+                <a:r>
+                  <a:rPr lang="de-DE" dirty="0" err="1"/>
+                  <a:t>exponential</a:t>
+                </a:r>
+                <a:r>
+                  <a:rPr lang="de-DE" dirty="0"/>
+                  <a:t> </a:t>
+                </a:r>
+                <a:r>
+                  <a:rPr lang="de-DE" dirty="0" err="1"/>
+                  <a:t>response</a:t>
+                </a:r>
+                <a:endParaRPr lang="de-DE" dirty="0"/>
+              </a:p>
+              <a:p>
+                <a:pPr marL="0" indent="0">
+                  <a:buNone/>
+                </a:pPr>
+                <a:endParaRPr lang="de-DE" dirty="0"/>
+              </a:p>
+              <a:p>
+                <a:pPr marL="0" indent="0">
+                  <a:buNone/>
+                </a:pPr>
+                <a:r>
+                  <a:rPr lang="de-DE" b="1" dirty="0"/>
+                  <a:t>Plot:</a:t>
+                </a:r>
+                <a:r>
+                  <a:rPr lang="de-DE" dirty="0"/>
+                  <a:t> </a:t>
+                </a:r>
+                <a:r>
+                  <a:rPr lang="de-DE" dirty="0" err="1"/>
+                  <a:t>step</a:t>
+                </a:r>
+                <a:r>
+                  <a:rPr lang="de-DE" dirty="0"/>
+                  <a:t> </a:t>
+                </a:r>
+                <a:r>
+                  <a:rPr lang="de-DE" dirty="0" err="1"/>
+                  <a:t>response</a:t>
+                </a:r>
+                <a:endParaRPr lang="de-DE" dirty="0"/>
+              </a:p>
+            </p:txBody>
+          </p:sp>
+        </mc:Choice>
+        <mc:Fallback>
+          <p:sp>
+            <p:nvSpPr>
+              <p:cNvPr id="3" name="Inhaltsplatzhalter 2">
+                <a:extLst>
+                  <a:ext uri="{FF2B5EF4-FFF2-40B4-BE49-F238E27FC236}">
+                    <a16:creationId xmlns:a16="http://schemas.microsoft.com/office/drawing/2014/main" id="{CDD7E54A-26B6-1A1F-EFCD-3CB7658FC97D}"/>
+                  </a:ext>
+                </a:extLst>
+              </p:cNvPr>
+              <p:cNvSpPr>
+                <a:spLocks noGrp="1" noRot="1" noChangeAspect="1" noMove="1" noResize="1" noEditPoints="1" noAdjustHandles="1" noChangeArrowheads="1" noChangeShapeType="1" noTextEdit="1"/>
+              </p:cNvSpPr>
+              <p:nvPr>
+                <p:ph idx="1"/>
+              </p:nvPr>
+            </p:nvSpPr>
+            <p:spPr>
+              <a:blipFill>
+                <a:blip r:embed="rId2"/>
+                <a:stretch>
+                  <a:fillRect l="-1206" t="-2326"/>
+                </a:stretch>
+              </a:blipFill>
+            </p:spPr>
+            <p:txBody>
+              <a:bodyPr/>
+              <a:lstStyle/>
+              <a:p>
+                <a:r>
+                  <a:rPr lang="de-DE">
+                    <a:noFill/>
+                  </a:rPr>
+                  <a:t> </a:t>
+                </a:r>
+              </a:p>
+            </p:txBody>
+          </p:sp>
+        </mc:Fallback>
+      </mc:AlternateContent>
       <p:sp>
         <p:nvSpPr>
           <p:cNvPr id="4" name="Foliennummernplatzhalter 3">
             <a:extLst>
               <a:ext uri="{FF2B5EF4-FFF2-40B4-BE49-F238E27FC236}">
-                <a16:creationId xmlns:a16="http://schemas.microsoft.com/office/drawing/2014/main" id="{01B8C4DB-992A-84DE-7144-6A990A34D033}"/>
+                <a16:creationId xmlns:a16="http://schemas.microsoft.com/office/drawing/2014/main" id="{E8A2CB85-35FF-7939-CCB6-F661E5A24577}"/>
               </a:ext>
             </a:extLst>
           </p:cNvPr>
@@ -5033,7 +5282,7 @@
     </p:spTree>
     <p:extLst>
       <p:ext uri="{BB962C8B-B14F-4D97-AF65-F5344CB8AC3E}">
-        <p14:creationId xmlns:p14="http://schemas.microsoft.com/office/powerpoint/2010/main" val="2198874170"/>
+        <p14:creationId xmlns:p14="http://schemas.microsoft.com/office/powerpoint/2010/main" val="3467835423"/>
       </p:ext>
     </p:extLst>
   </p:cSld>
@@ -5065,7 +5314,7 @@
           <p:cNvPr id="2" name="Titel 1">
             <a:extLst>
               <a:ext uri="{FF2B5EF4-FFF2-40B4-BE49-F238E27FC236}">
-                <a16:creationId xmlns:a16="http://schemas.microsoft.com/office/drawing/2014/main" id="{389529AB-26C3-8699-F6E0-44E6F99C40EC}"/>
+                <a16:creationId xmlns:a16="http://schemas.microsoft.com/office/drawing/2014/main" id="{CE787393-544D-703C-713F-00B09CCF1DD7}"/>
               </a:ext>
             </a:extLst>
           </p:cNvPr>
@@ -5082,20 +5331,8 @@
           <a:lstStyle/>
           <a:p>
             <a:r>
-              <a:rPr lang="de-DE" dirty="0" err="1"/>
-              <a:t>From</a:t>
-            </a:r>
-            <a:r>
               <a:rPr lang="de-DE" dirty="0"/>
-              <a:t> Physics </a:t>
-            </a:r>
-            <a:r>
-              <a:rPr lang="de-DE" dirty="0" err="1"/>
-              <a:t>to</a:t>
-            </a:r>
-            <a:r>
-              <a:rPr lang="de-DE" dirty="0"/>
-              <a:t> Model</a:t>
+              <a:t>Second-Order Systems (PT2)</a:t>
             </a:r>
           </a:p>
         </p:txBody>
@@ -5105,7 +5342,7 @@
           <p:cNvPr id="3" name="Inhaltsplatzhalter 2">
             <a:extLst>
               <a:ext uri="{FF2B5EF4-FFF2-40B4-BE49-F238E27FC236}">
-                <a16:creationId xmlns:a16="http://schemas.microsoft.com/office/drawing/2014/main" id="{338842CF-55F2-BFAD-1DD3-9B17F04331E8}"/>
+                <a16:creationId xmlns:a16="http://schemas.microsoft.com/office/drawing/2014/main" id="{864AE596-18C7-3B34-C44D-8A40912DE6B5}"/>
               </a:ext>
             </a:extLst>
           </p:cNvPr>
@@ -5123,7 +5360,7 @@
           <a:p>
             <a:r>
               <a:rPr lang="de-DE" dirty="0" err="1"/>
-              <a:t>Identify</a:t>
+              <a:t>Two</a:t>
             </a:r>
             <a:r>
               <a:rPr lang="de-DE" dirty="0"/>
@@ -5131,7 +5368,73 @@
             </a:r>
             <a:r>
               <a:rPr lang="de-DE" dirty="0" err="1"/>
-              <a:t>inputs</a:t>
+              <a:t>energy</a:t>
+            </a:r>
+            <a:r>
+              <a:rPr lang="de-DE" dirty="0"/>
+              <a:t> </a:t>
+            </a:r>
+            <a:r>
+              <a:rPr lang="de-DE" dirty="0" err="1"/>
+              <a:t>storage</a:t>
+            </a:r>
+            <a:r>
+              <a:rPr lang="de-DE" dirty="0"/>
+              <a:t> </a:t>
+            </a:r>
+            <a:r>
+              <a:rPr lang="de-DE" dirty="0" err="1"/>
+              <a:t>elements</a:t>
+            </a:r>
+            <a:endParaRPr lang="de-DE" dirty="0"/>
+          </a:p>
+          <a:p>
+            <a:r>
+              <a:rPr lang="de-DE" dirty="0"/>
+              <a:t>Can </a:t>
+            </a:r>
+            <a:r>
+              <a:rPr lang="de-DE" dirty="0" err="1"/>
+              <a:t>show</a:t>
+            </a:r>
+            <a:r>
+              <a:rPr lang="de-DE" dirty="0"/>
+              <a:t> </a:t>
+            </a:r>
+            <a:r>
+              <a:rPr lang="de-DE" dirty="0" err="1"/>
+              <a:t>oscillations</a:t>
+            </a:r>
+            <a:endParaRPr lang="de-DE" dirty="0"/>
+          </a:p>
+          <a:p>
+            <a:r>
+              <a:rPr lang="de-DE" dirty="0" err="1"/>
+              <a:t>Characterized</a:t>
+            </a:r>
+            <a:r>
+              <a:rPr lang="de-DE" dirty="0"/>
+              <a:t> </a:t>
+            </a:r>
+            <a:r>
+              <a:rPr lang="de-DE" dirty="0" err="1"/>
+              <a:t>by</a:t>
+            </a:r>
+            <a:r>
+              <a:rPr lang="de-DE" dirty="0"/>
+              <a:t> </a:t>
+            </a:r>
+            <a:r>
+              <a:rPr lang="de-DE" dirty="0" err="1"/>
+              <a:t>natural</a:t>
+            </a:r>
+            <a:r>
+              <a:rPr lang="de-DE" dirty="0"/>
+              <a:t> </a:t>
+            </a:r>
+            <a:r>
+              <a:rPr lang="de-DE" dirty="0" err="1"/>
+              <a:t>frequency</a:t>
             </a:r>
             <a:r>
               <a:rPr lang="de-DE" dirty="0"/>
@@ -5139,14 +5442,23 @@
             </a:r>
             <a:r>
               <a:rPr lang="de-DE" dirty="0" err="1"/>
-              <a:t>outputs</a:t>
+              <a:t>damping</a:t>
             </a:r>
             <a:endParaRPr lang="de-DE" dirty="0"/>
           </a:p>
           <a:p>
-            <a:r>
-              <a:rPr lang="de-DE" dirty="0" err="1"/>
-              <a:t>Apply</a:t>
+            <a:pPr marL="0" indent="0">
+              <a:buNone/>
+            </a:pPr>
+            <a:endParaRPr lang="de-DE" dirty="0"/>
+          </a:p>
+          <a:p>
+            <a:pPr marL="0" indent="0">
+              <a:buNone/>
+            </a:pPr>
+            <a:r>
+              <a:rPr lang="de-DE" b="1" dirty="0"/>
+              <a:t>Plot:</a:t>
             </a:r>
             <a:r>
               <a:rPr lang="de-DE" dirty="0"/>
@@ -5154,7 +5466,7 @@
             </a:r>
             <a:r>
               <a:rPr lang="de-DE" dirty="0" err="1"/>
-              <a:t>physical</a:t>
+              <a:t>underdamped</a:t>
             </a:r>
             <a:r>
               <a:rPr lang="de-DE" dirty="0"/>
@@ -5162,14 +5474,7 @@
             </a:r>
             <a:r>
               <a:rPr lang="de-DE" dirty="0" err="1"/>
-              <a:t>laws</a:t>
-            </a:r>
-            <a:endParaRPr lang="de-DE" dirty="0"/>
-          </a:p>
-          <a:p>
-            <a:r>
-              <a:rPr lang="de-DE" dirty="0" err="1"/>
-              <a:t>Simplify</a:t>
+              <a:t>vs</a:t>
             </a:r>
             <a:r>
               <a:rPr lang="de-DE" dirty="0"/>
@@ -5177,14 +5482,7 @@
             </a:r>
             <a:r>
               <a:rPr lang="de-DE" dirty="0" err="1"/>
-              <a:t>assumptions</a:t>
-            </a:r>
-            <a:endParaRPr lang="de-DE" dirty="0"/>
-          </a:p>
-          <a:p>
-            <a:r>
-              <a:rPr lang="de-DE" dirty="0" err="1"/>
-              <a:t>Validate</a:t>
+              <a:t>overdamped</a:t>
             </a:r>
             <a:r>
               <a:rPr lang="de-DE" dirty="0"/>
@@ -5192,7 +5490,7 @@
             </a:r>
             <a:r>
               <a:rPr lang="de-DE" dirty="0" err="1"/>
-              <a:t>against</a:t>
+              <a:t>step</a:t>
             </a:r>
             <a:r>
               <a:rPr lang="de-DE" dirty="0"/>
@@ -5200,7 +5498,7 @@
             </a:r>
             <a:r>
               <a:rPr lang="de-DE" dirty="0" err="1"/>
-              <a:t>measurements</a:t>
+              <a:t>response</a:t>
             </a:r>
             <a:endParaRPr lang="de-DE" dirty="0"/>
           </a:p>
@@ -5211,7 +5509,7 @@
           <p:cNvPr id="4" name="Foliennummernplatzhalter 3">
             <a:extLst>
               <a:ext uri="{FF2B5EF4-FFF2-40B4-BE49-F238E27FC236}">
-                <a16:creationId xmlns:a16="http://schemas.microsoft.com/office/drawing/2014/main" id="{C4CFFC39-4C8A-4A66-CC5D-F43A3FFE42E1}"/>
+                <a16:creationId xmlns:a16="http://schemas.microsoft.com/office/drawing/2014/main" id="{923C8AB7-4D08-3D96-5BB4-B17DE1DB7C07}"/>
               </a:ext>
             </a:extLst>
           </p:cNvPr>
@@ -5230,6 +5528,437 @@
             <a:fld id="{08C366F5-AFAD-49CB-854A-9D9E238FCA13}" type="slidenum">
               <a:rPr lang="en-GB" smtClean="0"/>
               <a:t>14</a:t>
+            </a:fld>
+            <a:endParaRPr lang="en-GB"/>
+          </a:p>
+        </p:txBody>
+      </p:sp>
+    </p:spTree>
+    <p:extLst>
+      <p:ext uri="{BB962C8B-B14F-4D97-AF65-F5344CB8AC3E}">
+        <p14:creationId xmlns:p14="http://schemas.microsoft.com/office/powerpoint/2010/main" val="1216483348"/>
+      </p:ext>
+    </p:extLst>
+  </p:cSld>
+  <p:clrMapOvr>
+    <a:masterClrMapping/>
+  </p:clrMapOvr>
+</p:sld>
+</file>
+
+<file path=ppt/slides/slide15.xml><?xml version="1.0" encoding="utf-8"?>
+<p:sld xmlns:a="http://schemas.openxmlformats.org/drawingml/2006/main" xmlns:r="http://schemas.openxmlformats.org/officeDocument/2006/relationships" xmlns:p="http://schemas.openxmlformats.org/presentationml/2006/main">
+  <p:cSld>
+    <p:spTree>
+      <p:nvGrpSpPr>
+        <p:cNvPr id="1" name=""/>
+        <p:cNvGrpSpPr/>
+        <p:nvPr/>
+      </p:nvGrpSpPr>
+      <p:grpSpPr>
+        <a:xfrm>
+          <a:off x="0" y="0"/>
+          <a:ext cx="0" cy="0"/>
+          <a:chOff x="0" y="0"/>
+          <a:chExt cx="0" cy="0"/>
+        </a:xfrm>
+      </p:grpSpPr>
+      <p:sp>
+        <p:nvSpPr>
+          <p:cNvPr id="2" name="Titel 1">
+            <a:extLst>
+              <a:ext uri="{FF2B5EF4-FFF2-40B4-BE49-F238E27FC236}">
+                <a16:creationId xmlns:a16="http://schemas.microsoft.com/office/drawing/2014/main" id="{D5744C1E-E015-47BF-5487-BEED8BB417DD}"/>
+              </a:ext>
+            </a:extLst>
+          </p:cNvPr>
+          <p:cNvSpPr>
+            <a:spLocks noGrp="1"/>
+          </p:cNvSpPr>
+          <p:nvPr>
+            <p:ph type="title"/>
+          </p:nvPr>
+        </p:nvSpPr>
+        <p:spPr/>
+        <p:txBody>
+          <a:bodyPr/>
+          <a:lstStyle/>
+          <a:p>
+            <a:r>
+              <a:rPr lang="de-DE" dirty="0"/>
+              <a:t>Dead Time</a:t>
+            </a:r>
+          </a:p>
+        </p:txBody>
+      </p:sp>
+      <p:sp>
+        <p:nvSpPr>
+          <p:cNvPr id="3" name="Inhaltsplatzhalter 2">
+            <a:extLst>
+              <a:ext uri="{FF2B5EF4-FFF2-40B4-BE49-F238E27FC236}">
+                <a16:creationId xmlns:a16="http://schemas.microsoft.com/office/drawing/2014/main" id="{F9AE5EC4-52A4-BBD7-A547-E7DA4C4B3937}"/>
+              </a:ext>
+            </a:extLst>
+          </p:cNvPr>
+          <p:cNvSpPr>
+            <a:spLocks noGrp="1"/>
+          </p:cNvSpPr>
+          <p:nvPr>
+            <p:ph idx="1"/>
+          </p:nvPr>
+        </p:nvSpPr>
+        <p:spPr/>
+        <p:txBody>
+          <a:bodyPr/>
+          <a:lstStyle/>
+          <a:p>
+            <a:r>
+              <a:rPr lang="de-DE" dirty="0"/>
+              <a:t>Delay </a:t>
+            </a:r>
+            <a:r>
+              <a:rPr lang="de-DE" dirty="0" err="1"/>
+              <a:t>between</a:t>
+            </a:r>
+            <a:r>
+              <a:rPr lang="de-DE" dirty="0"/>
+              <a:t> </a:t>
+            </a:r>
+            <a:r>
+              <a:rPr lang="de-DE" dirty="0" err="1"/>
+              <a:t>input</a:t>
+            </a:r>
+            <a:r>
+              <a:rPr lang="de-DE" dirty="0"/>
+              <a:t> and </a:t>
+            </a:r>
+            <a:r>
+              <a:rPr lang="de-DE" dirty="0" err="1"/>
+              <a:t>output</a:t>
+            </a:r>
+            <a:endParaRPr lang="de-DE" dirty="0"/>
+          </a:p>
+          <a:p>
+            <a:r>
+              <a:rPr lang="de-DE" dirty="0"/>
+              <a:t>Common in </a:t>
+            </a:r>
+            <a:r>
+              <a:rPr lang="de-DE" dirty="0" err="1"/>
+              <a:t>processes</a:t>
+            </a:r>
+            <a:r>
+              <a:rPr lang="de-DE" dirty="0"/>
+              <a:t> and </a:t>
+            </a:r>
+            <a:r>
+              <a:rPr lang="de-DE" dirty="0" err="1"/>
+              <a:t>networks</a:t>
+            </a:r>
+            <a:endParaRPr lang="de-DE" dirty="0"/>
+          </a:p>
+          <a:p>
+            <a:r>
+              <a:rPr lang="de-DE" dirty="0" err="1"/>
+              <a:t>Makes</a:t>
+            </a:r>
+            <a:r>
+              <a:rPr lang="de-DE" dirty="0"/>
+              <a:t> </a:t>
+            </a:r>
+            <a:r>
+              <a:rPr lang="de-DE" dirty="0" err="1"/>
+              <a:t>control</a:t>
+            </a:r>
+            <a:r>
+              <a:rPr lang="de-DE" dirty="0"/>
+              <a:t> </a:t>
+            </a:r>
+            <a:r>
+              <a:rPr lang="de-DE" dirty="0" err="1"/>
+              <a:t>more</a:t>
+            </a:r>
+            <a:r>
+              <a:rPr lang="de-DE" dirty="0"/>
+              <a:t> </a:t>
+            </a:r>
+            <a:r>
+              <a:rPr lang="de-DE" dirty="0" err="1"/>
+              <a:t>difficult</a:t>
+            </a:r>
+            <a:endParaRPr lang="de-DE" dirty="0"/>
+          </a:p>
+          <a:p>
+            <a:pPr marL="0" indent="0">
+              <a:buNone/>
+            </a:pPr>
+            <a:endParaRPr lang="de-DE" dirty="0"/>
+          </a:p>
+          <a:p>
+            <a:pPr marL="0" indent="0">
+              <a:buNone/>
+            </a:pPr>
+            <a:r>
+              <a:rPr lang="de-DE" b="1" dirty="0"/>
+              <a:t>Plot:</a:t>
+            </a:r>
+            <a:r>
+              <a:rPr lang="de-DE" dirty="0"/>
+              <a:t> </a:t>
+            </a:r>
+            <a:r>
+              <a:rPr lang="de-DE" dirty="0" err="1"/>
+              <a:t>delayed</a:t>
+            </a:r>
+            <a:r>
+              <a:rPr lang="de-DE" dirty="0"/>
+              <a:t> </a:t>
+            </a:r>
+            <a:r>
+              <a:rPr lang="de-DE" dirty="0" err="1"/>
+              <a:t>step</a:t>
+            </a:r>
+            <a:r>
+              <a:rPr lang="de-DE" dirty="0"/>
+              <a:t> </a:t>
+            </a:r>
+            <a:r>
+              <a:rPr lang="de-DE" dirty="0" err="1"/>
+              <a:t>response</a:t>
+            </a:r>
+            <a:endParaRPr lang="de-DE" dirty="0"/>
+          </a:p>
+        </p:txBody>
+      </p:sp>
+      <p:sp>
+        <p:nvSpPr>
+          <p:cNvPr id="4" name="Foliennummernplatzhalter 3">
+            <a:extLst>
+              <a:ext uri="{FF2B5EF4-FFF2-40B4-BE49-F238E27FC236}">
+                <a16:creationId xmlns:a16="http://schemas.microsoft.com/office/drawing/2014/main" id="{01B8C4DB-992A-84DE-7144-6A990A34D033}"/>
+              </a:ext>
+            </a:extLst>
+          </p:cNvPr>
+          <p:cNvSpPr>
+            <a:spLocks noGrp="1"/>
+          </p:cNvSpPr>
+          <p:nvPr>
+            <p:ph type="sldNum" sz="quarter" idx="12"/>
+          </p:nvPr>
+        </p:nvSpPr>
+        <p:spPr/>
+        <p:txBody>
+          <a:bodyPr/>
+          <a:lstStyle/>
+          <a:p>
+            <a:fld id="{08C366F5-AFAD-49CB-854A-9D9E238FCA13}" type="slidenum">
+              <a:rPr lang="en-GB" smtClean="0"/>
+              <a:t>15</a:t>
+            </a:fld>
+            <a:endParaRPr lang="en-GB"/>
+          </a:p>
+        </p:txBody>
+      </p:sp>
+    </p:spTree>
+    <p:extLst>
+      <p:ext uri="{BB962C8B-B14F-4D97-AF65-F5344CB8AC3E}">
+        <p14:creationId xmlns:p14="http://schemas.microsoft.com/office/powerpoint/2010/main" val="2198874170"/>
+      </p:ext>
+    </p:extLst>
+  </p:cSld>
+  <p:clrMapOvr>
+    <a:masterClrMapping/>
+  </p:clrMapOvr>
+</p:sld>
+</file>
+
+<file path=ppt/slides/slide16.xml><?xml version="1.0" encoding="utf-8"?>
+<p:sld xmlns:a="http://schemas.openxmlformats.org/drawingml/2006/main" xmlns:r="http://schemas.openxmlformats.org/officeDocument/2006/relationships" xmlns:p="http://schemas.openxmlformats.org/presentationml/2006/main">
+  <p:cSld>
+    <p:spTree>
+      <p:nvGrpSpPr>
+        <p:cNvPr id="1" name=""/>
+        <p:cNvGrpSpPr/>
+        <p:nvPr/>
+      </p:nvGrpSpPr>
+      <p:grpSpPr>
+        <a:xfrm>
+          <a:off x="0" y="0"/>
+          <a:ext cx="0" cy="0"/>
+          <a:chOff x="0" y="0"/>
+          <a:chExt cx="0" cy="0"/>
+        </a:xfrm>
+      </p:grpSpPr>
+      <p:sp>
+        <p:nvSpPr>
+          <p:cNvPr id="2" name="Titel 1">
+            <a:extLst>
+              <a:ext uri="{FF2B5EF4-FFF2-40B4-BE49-F238E27FC236}">
+                <a16:creationId xmlns:a16="http://schemas.microsoft.com/office/drawing/2014/main" id="{389529AB-26C3-8699-F6E0-44E6F99C40EC}"/>
+              </a:ext>
+            </a:extLst>
+          </p:cNvPr>
+          <p:cNvSpPr>
+            <a:spLocks noGrp="1"/>
+          </p:cNvSpPr>
+          <p:nvPr>
+            <p:ph type="title"/>
+          </p:nvPr>
+        </p:nvSpPr>
+        <p:spPr/>
+        <p:txBody>
+          <a:bodyPr/>
+          <a:lstStyle/>
+          <a:p>
+            <a:r>
+              <a:rPr lang="de-DE" dirty="0" err="1"/>
+              <a:t>From</a:t>
+            </a:r>
+            <a:r>
+              <a:rPr lang="de-DE" dirty="0"/>
+              <a:t> Physics </a:t>
+            </a:r>
+            <a:r>
+              <a:rPr lang="de-DE" dirty="0" err="1"/>
+              <a:t>to</a:t>
+            </a:r>
+            <a:r>
+              <a:rPr lang="de-DE" dirty="0"/>
+              <a:t> Model</a:t>
+            </a:r>
+          </a:p>
+        </p:txBody>
+      </p:sp>
+      <p:sp>
+        <p:nvSpPr>
+          <p:cNvPr id="3" name="Inhaltsplatzhalter 2">
+            <a:extLst>
+              <a:ext uri="{FF2B5EF4-FFF2-40B4-BE49-F238E27FC236}">
+                <a16:creationId xmlns:a16="http://schemas.microsoft.com/office/drawing/2014/main" id="{338842CF-55F2-BFAD-1DD3-9B17F04331E8}"/>
+              </a:ext>
+            </a:extLst>
+          </p:cNvPr>
+          <p:cNvSpPr>
+            <a:spLocks noGrp="1"/>
+          </p:cNvSpPr>
+          <p:nvPr>
+            <p:ph idx="1"/>
+          </p:nvPr>
+        </p:nvSpPr>
+        <p:spPr/>
+        <p:txBody>
+          <a:bodyPr/>
+          <a:lstStyle/>
+          <a:p>
+            <a:r>
+              <a:rPr lang="de-DE" dirty="0" err="1"/>
+              <a:t>Identify</a:t>
+            </a:r>
+            <a:r>
+              <a:rPr lang="de-DE" dirty="0"/>
+              <a:t> </a:t>
+            </a:r>
+            <a:r>
+              <a:rPr lang="de-DE" dirty="0" err="1"/>
+              <a:t>inputs</a:t>
+            </a:r>
+            <a:r>
+              <a:rPr lang="de-DE" dirty="0"/>
+              <a:t> and </a:t>
+            </a:r>
+            <a:r>
+              <a:rPr lang="de-DE" dirty="0" err="1"/>
+              <a:t>outputs</a:t>
+            </a:r>
+            <a:endParaRPr lang="de-DE" dirty="0"/>
+          </a:p>
+          <a:p>
+            <a:r>
+              <a:rPr lang="de-DE" dirty="0" err="1"/>
+              <a:t>Apply</a:t>
+            </a:r>
+            <a:r>
+              <a:rPr lang="de-DE" dirty="0"/>
+              <a:t> </a:t>
+            </a:r>
+            <a:r>
+              <a:rPr lang="de-DE" dirty="0" err="1"/>
+              <a:t>physical</a:t>
+            </a:r>
+            <a:r>
+              <a:rPr lang="de-DE" dirty="0"/>
+              <a:t> </a:t>
+            </a:r>
+            <a:r>
+              <a:rPr lang="de-DE" dirty="0" err="1"/>
+              <a:t>laws</a:t>
+            </a:r>
+            <a:endParaRPr lang="de-DE" dirty="0"/>
+          </a:p>
+          <a:p>
+            <a:r>
+              <a:rPr lang="de-DE" dirty="0" err="1"/>
+              <a:t>Simplify</a:t>
+            </a:r>
+            <a:r>
+              <a:rPr lang="de-DE" dirty="0"/>
+              <a:t> </a:t>
+            </a:r>
+            <a:r>
+              <a:rPr lang="de-DE" dirty="0" err="1"/>
+              <a:t>assumptions</a:t>
+            </a:r>
+            <a:endParaRPr lang="de-DE" dirty="0"/>
+          </a:p>
+          <a:p>
+            <a:r>
+              <a:rPr lang="de-DE" dirty="0" err="1"/>
+              <a:t>Validate</a:t>
+            </a:r>
+            <a:r>
+              <a:rPr lang="de-DE" dirty="0"/>
+              <a:t> </a:t>
+            </a:r>
+            <a:r>
+              <a:rPr lang="de-DE" dirty="0" err="1"/>
+              <a:t>against</a:t>
+            </a:r>
+            <a:r>
+              <a:rPr lang="de-DE" dirty="0"/>
+              <a:t> </a:t>
+            </a:r>
+            <a:r>
+              <a:rPr lang="de-DE" dirty="0" err="1"/>
+              <a:t>measurements</a:t>
+            </a:r>
+            <a:endParaRPr lang="de-DE" dirty="0"/>
+          </a:p>
+        </p:txBody>
+      </p:sp>
+      <p:sp>
+        <p:nvSpPr>
+          <p:cNvPr id="4" name="Foliennummernplatzhalter 3">
+            <a:extLst>
+              <a:ext uri="{FF2B5EF4-FFF2-40B4-BE49-F238E27FC236}">
+                <a16:creationId xmlns:a16="http://schemas.microsoft.com/office/drawing/2014/main" id="{C4CFFC39-4C8A-4A66-CC5D-F43A3FFE42E1}"/>
+              </a:ext>
+            </a:extLst>
+          </p:cNvPr>
+          <p:cNvSpPr>
+            <a:spLocks noGrp="1"/>
+          </p:cNvSpPr>
+          <p:nvPr>
+            <p:ph type="sldNum" sz="quarter" idx="12"/>
+          </p:nvPr>
+        </p:nvSpPr>
+        <p:spPr/>
+        <p:txBody>
+          <a:bodyPr/>
+          <a:lstStyle/>
+          <a:p>
+            <a:fld id="{08C366F5-AFAD-49CB-854A-9D9E238FCA13}" type="slidenum">
+              <a:rPr lang="en-GB" smtClean="0"/>
+              <a:t>16</a:t>
             </a:fld>
             <a:endParaRPr lang="en-GB"/>
           </a:p>
@@ -5322,15 +6051,7 @@
             </a:pPr>
             <a:r>
               <a:rPr lang="de-DE" dirty="0"/>
-              <a:t>Systems, </a:t>
-            </a:r>
-            <a:r>
-              <a:rPr lang="de-DE" dirty="0" err="1"/>
-              <a:t>Processes</a:t>
-            </a:r>
-            <a:r>
-              <a:rPr lang="de-DE" dirty="0"/>
-              <a:t>, Models</a:t>
+              <a:t>Systems</a:t>
             </a:r>
           </a:p>
           <a:p>
@@ -5575,7 +6296,7 @@
           <a:p>
             <a:r>
               <a:rPr lang="en-GB" dirty="0"/>
-              <a:t>Systems, Processes, Models</a:t>
+              <a:t>Systems</a:t>
             </a:r>
             <a:endParaRPr lang="de-DE" dirty="0"/>
           </a:p>
@@ -5601,6 +6322,48 @@
         <p:txBody>
           <a:bodyPr/>
           <a:lstStyle/>
+          <a:p>
+            <a:r>
+              <a:rPr lang="de-DE" dirty="0" err="1"/>
+              <a:t>From</a:t>
+            </a:r>
+            <a:r>
+              <a:rPr lang="de-DE" dirty="0"/>
+              <a:t> </a:t>
+            </a:r>
+            <a:r>
+              <a:rPr lang="de-DE" dirty="0" err="1"/>
+              <a:t>processes</a:t>
+            </a:r>
+            <a:r>
+              <a:rPr lang="de-DE" dirty="0"/>
+              <a:t> </a:t>
+            </a:r>
+            <a:r>
+              <a:rPr lang="de-DE" dirty="0" err="1"/>
+              <a:t>to</a:t>
+            </a:r>
+            <a:r>
+              <a:rPr lang="de-DE" dirty="0"/>
+              <a:t> </a:t>
+            </a:r>
+            <a:r>
+              <a:rPr lang="de-DE" dirty="0" err="1"/>
+              <a:t>models</a:t>
+            </a:r>
+            <a:endParaRPr lang="de-DE" dirty="0"/>
+          </a:p>
+          <a:p>
+            <a:r>
+              <a:rPr lang="de-DE" dirty="0"/>
+              <a:t>Dynamic </a:t>
+            </a:r>
+            <a:r>
+              <a:rPr lang="de-DE" dirty="0" err="1"/>
+              <a:t>systems</a:t>
+            </a:r>
+            <a:endParaRPr lang="de-DE" dirty="0"/>
+          </a:p>
           <a:p>
             <a:r>
               <a:rPr lang="de-DE" dirty="0"/>
@@ -5758,19 +6521,11 @@
           <a:p>
             <a:r>
               <a:rPr lang="de-DE" dirty="0" err="1"/>
-              <a:t>What</a:t>
+              <a:t>Processes</a:t>
             </a:r>
             <a:r>
               <a:rPr lang="de-DE" dirty="0"/>
-              <a:t> </a:t>
-            </a:r>
-            <a:r>
-              <a:rPr lang="de-DE" dirty="0" err="1"/>
-              <a:t>Is</a:t>
-            </a:r>
-            <a:r>
-              <a:rPr lang="de-DE" dirty="0"/>
-              <a:t> a System?</a:t>
+              <a:t>, Systems, Models</a:t>
             </a:r>
           </a:p>
         </p:txBody>
@@ -5793,122 +6548,227 @@
         </p:nvSpPr>
         <p:spPr/>
         <p:txBody>
-          <a:bodyPr/>
+          <a:bodyPr>
+            <a:normAutofit/>
+          </a:bodyPr>
           <a:lstStyle/>
           <a:p>
-            <a:r>
-              <a:rPr lang="de-DE" dirty="0"/>
+            <a:pPr marL="0" indent="0">
+              <a:buNone/>
+            </a:pPr>
+            <a:r>
+              <a:rPr lang="de-DE" sz="2600" dirty="0" err="1"/>
+              <a:t>Process</a:t>
+            </a:r>
+            <a:r>
+              <a:rPr lang="de-DE" sz="2600" dirty="0"/>
+              <a:t>: </a:t>
+            </a:r>
+            <a:r>
+              <a:rPr lang="de-DE" sz="2600" dirty="0" err="1"/>
+              <a:t>the</a:t>
+            </a:r>
+            <a:r>
+              <a:rPr lang="de-DE" sz="2600" dirty="0"/>
+              <a:t> real-</a:t>
+            </a:r>
+            <a:r>
+              <a:rPr lang="de-DE" sz="2600" dirty="0" err="1"/>
+              <a:t>world</a:t>
+            </a:r>
+            <a:r>
+              <a:rPr lang="de-DE" sz="2600" dirty="0"/>
+              <a:t> </a:t>
+            </a:r>
+            <a:r>
+              <a:rPr lang="de-DE" sz="2600" dirty="0" err="1"/>
+              <a:t>phenomenon</a:t>
+            </a:r>
+            <a:r>
+              <a:rPr lang="de-DE" sz="2600" dirty="0"/>
+              <a:t> (</a:t>
+            </a:r>
+            <a:r>
+              <a:rPr lang="de-DE" sz="2600" dirty="0" err="1"/>
+              <a:t>physical</a:t>
+            </a:r>
+            <a:r>
+              <a:rPr lang="de-DE" sz="2600" dirty="0"/>
+              <a:t>, </a:t>
+            </a:r>
+            <a:r>
+              <a:rPr lang="de-DE" sz="2600" dirty="0" err="1"/>
+              <a:t>biological</a:t>
+            </a:r>
+            <a:r>
+              <a:rPr lang="de-DE" sz="2600" dirty="0"/>
+              <a:t>, ...), aka plant</a:t>
+            </a:r>
+          </a:p>
+          <a:p>
+            <a:pPr marL="0" indent="0">
+              <a:buNone/>
+            </a:pPr>
+            <a:r>
+              <a:rPr lang="de-DE" sz="2600" dirty="0"/>
+              <a:t>System: </a:t>
+            </a:r>
+            <a:r>
+              <a:rPr lang="de-DE" sz="2600" dirty="0" err="1"/>
+              <a:t>abstraction</a:t>
+            </a:r>
+            <a:r>
+              <a:rPr lang="de-DE" sz="2600" dirty="0"/>
+              <a:t> </a:t>
+            </a:r>
+            <a:r>
+              <a:rPr lang="de-DE" sz="2600" dirty="0" err="1"/>
+              <a:t>of</a:t>
+            </a:r>
+            <a:r>
+              <a:rPr lang="de-DE" sz="2600" dirty="0"/>
+              <a:t> </a:t>
+            </a:r>
+            <a:r>
+              <a:rPr lang="de-DE" sz="2600" dirty="0" err="1"/>
+              <a:t>that</a:t>
+            </a:r>
+            <a:r>
+              <a:rPr lang="de-DE" sz="2600" dirty="0"/>
+              <a:t> </a:t>
+            </a:r>
+            <a:r>
+              <a:rPr lang="de-DE" sz="2600" dirty="0" err="1"/>
+              <a:t>process</a:t>
+            </a:r>
+            <a:r>
+              <a:rPr lang="de-DE" sz="2600" dirty="0"/>
+              <a:t> (</a:t>
+            </a:r>
+            <a:r>
+              <a:rPr lang="de-DE" sz="2600" dirty="0" err="1"/>
+              <a:t>behavior</a:t>
+            </a:r>
+            <a:r>
+              <a:rPr lang="de-DE" sz="2600" dirty="0"/>
+              <a:t>, </a:t>
+            </a:r>
+            <a:r>
+              <a:rPr lang="de-DE" sz="2600" dirty="0" err="1"/>
+              <a:t>dynamics</a:t>
+            </a:r>
+            <a:r>
+              <a:rPr lang="de-DE" sz="2600" dirty="0"/>
+              <a:t>)</a:t>
+            </a:r>
+          </a:p>
+          <a:p>
+            <a:pPr marL="0" indent="0">
+              <a:buNone/>
+            </a:pPr>
+            <a:r>
+              <a:rPr lang="de-DE" sz="2600" dirty="0"/>
+              <a:t>Model: </a:t>
+            </a:r>
+            <a:r>
+              <a:rPr lang="de-DE" sz="2600" dirty="0" err="1"/>
+              <a:t>mathematical</a:t>
+            </a:r>
+            <a:r>
+              <a:rPr lang="de-DE" sz="2600" dirty="0"/>
+              <a:t> </a:t>
+            </a:r>
+            <a:r>
+              <a:rPr lang="de-DE" sz="2600" dirty="0" err="1"/>
+              <a:t>representation</a:t>
+            </a:r>
+            <a:r>
+              <a:rPr lang="de-DE" sz="2600" dirty="0"/>
+              <a:t> </a:t>
+            </a:r>
+            <a:r>
+              <a:rPr lang="de-DE" sz="2600" dirty="0" err="1"/>
+              <a:t>of</a:t>
+            </a:r>
+            <a:r>
+              <a:rPr lang="de-DE" sz="2600" dirty="0"/>
+              <a:t> </a:t>
+            </a:r>
+            <a:r>
+              <a:rPr lang="de-DE" sz="2600" dirty="0" err="1"/>
+              <a:t>the</a:t>
+            </a:r>
+            <a:r>
+              <a:rPr lang="de-DE" sz="2600" dirty="0"/>
+              <a:t> </a:t>
+            </a:r>
+            <a:r>
+              <a:rPr lang="de-DE" sz="2600" dirty="0" err="1"/>
+              <a:t>system</a:t>
+            </a:r>
+            <a:endParaRPr lang="de-DE" sz="2600" dirty="0"/>
+          </a:p>
+          <a:p>
+            <a:pPr marL="0" indent="0">
+              <a:buNone/>
+            </a:pPr>
+            <a:endParaRPr lang="de-DE" sz="2600" dirty="0"/>
+          </a:p>
+          <a:p>
+            <a:pPr marL="0" indent="0">
+              <a:buNone/>
+            </a:pPr>
+            <a:r>
+              <a:rPr lang="de-DE" sz="2600" dirty="0"/>
               <a:t>A </a:t>
             </a:r>
             <a:r>
-              <a:rPr lang="de-DE" dirty="0" err="1"/>
+              <a:rPr lang="de-DE" sz="2600" dirty="0" err="1"/>
               <a:t>system</a:t>
             </a:r>
             <a:r>
-              <a:rPr lang="de-DE" dirty="0"/>
+              <a:rPr lang="de-DE" sz="2600" dirty="0"/>
               <a:t> </a:t>
             </a:r>
             <a:r>
-              <a:rPr lang="de-DE" dirty="0" err="1"/>
+              <a:rPr lang="de-DE" sz="2600" dirty="0" err="1"/>
               <a:t>maps</a:t>
             </a:r>
             <a:r>
-              <a:rPr lang="de-DE" dirty="0"/>
+              <a:rPr lang="de-DE" sz="2600" dirty="0"/>
               <a:t> </a:t>
             </a:r>
             <a:r>
-              <a:rPr lang="de-DE" b="1" dirty="0" err="1"/>
+              <a:rPr lang="de-DE" sz="2600" dirty="0" err="1"/>
               <a:t>inputs</a:t>
             </a:r>
             <a:r>
-              <a:rPr lang="de-DE" dirty="0"/>
+              <a:rPr lang="de-DE" sz="2600" dirty="0"/>
               <a:t> </a:t>
             </a:r>
             <a:r>
-              <a:rPr lang="de-DE" dirty="0" err="1"/>
+              <a:rPr lang="de-DE" sz="2600" dirty="0" err="1"/>
               <a:t>to</a:t>
             </a:r>
             <a:r>
-              <a:rPr lang="de-DE" dirty="0"/>
+              <a:rPr lang="de-DE" sz="2600" dirty="0"/>
               <a:t> </a:t>
             </a:r>
             <a:r>
-              <a:rPr lang="de-DE" b="1" dirty="0" err="1"/>
+              <a:rPr lang="de-DE" sz="2600" dirty="0" err="1"/>
               <a:t>outputs</a:t>
             </a:r>
-            <a:endParaRPr lang="de-DE" dirty="0"/>
-          </a:p>
-          <a:p>
-            <a:r>
-              <a:rPr lang="de-DE" dirty="0"/>
-              <a:t>Can </a:t>
-            </a:r>
-            <a:r>
-              <a:rPr lang="de-DE" dirty="0" err="1"/>
-              <a:t>be</a:t>
-            </a:r>
-            <a:r>
-              <a:rPr lang="de-DE" dirty="0"/>
-              <a:t> </a:t>
-            </a:r>
-            <a:r>
-              <a:rPr lang="de-DE" dirty="0" err="1"/>
-              <a:t>physical</a:t>
-            </a:r>
-            <a:r>
-              <a:rPr lang="de-DE" dirty="0"/>
-              <a:t>, </a:t>
-            </a:r>
-            <a:r>
-              <a:rPr lang="de-DE" dirty="0" err="1"/>
-              <a:t>biological</a:t>
-            </a:r>
-            <a:r>
-              <a:rPr lang="de-DE" dirty="0"/>
-              <a:t>, </a:t>
-            </a:r>
-            <a:r>
-              <a:rPr lang="de-DE" dirty="0" err="1"/>
-              <a:t>or</a:t>
-            </a:r>
-            <a:r>
-              <a:rPr lang="de-DE" dirty="0"/>
-              <a:t> </a:t>
-            </a:r>
-            <a:r>
-              <a:rPr lang="de-DE" dirty="0" err="1"/>
-              <a:t>abstract</a:t>
-            </a:r>
-            <a:endParaRPr lang="de-DE" dirty="0"/>
-          </a:p>
-          <a:p>
-            <a:r>
-              <a:rPr lang="de-DE" dirty="0"/>
-              <a:t>Dynamic </a:t>
-            </a:r>
-            <a:r>
-              <a:rPr lang="de-DE" dirty="0" err="1"/>
-              <a:t>systems</a:t>
-            </a:r>
-            <a:r>
-              <a:rPr lang="de-DE" dirty="0"/>
-              <a:t> </a:t>
-            </a:r>
-            <a:r>
-              <a:rPr lang="de-DE" dirty="0" err="1"/>
-              <a:t>evolve</a:t>
-            </a:r>
-            <a:r>
-              <a:rPr lang="de-DE" dirty="0"/>
-              <a:t> </a:t>
-            </a:r>
-            <a:r>
-              <a:rPr lang="de-DE" dirty="0" err="1"/>
-              <a:t>over</a:t>
-            </a:r>
-            <a:r>
-              <a:rPr lang="de-DE" dirty="0"/>
-              <a:t> time</a:t>
+            <a:r>
+              <a:rPr lang="de-DE" sz="2600" dirty="0"/>
+              <a:t> (just like </a:t>
+            </a:r>
+            <a:r>
+              <a:rPr lang="de-DE" sz="2600" dirty="0" err="1"/>
+              <a:t>processes</a:t>
+            </a:r>
+            <a:r>
+              <a:rPr lang="de-DE" sz="2600" dirty="0"/>
+              <a:t>)</a:t>
             </a:r>
           </a:p>
         </p:txBody>
@@ -5939,6 +6799,326 @@
               <a:t>4</a:t>
             </a:fld>
             <a:endParaRPr lang="en-GB"/>
+          </a:p>
+        </p:txBody>
+      </p:sp>
+      <p:grpSp>
+        <p:nvGrpSpPr>
+          <p:cNvPr id="10" name="Gruppieren 9">
+            <a:extLst>
+              <a:ext uri="{FF2B5EF4-FFF2-40B4-BE49-F238E27FC236}">
+                <a16:creationId xmlns:a16="http://schemas.microsoft.com/office/drawing/2014/main" id="{26180031-A75F-3AC2-3F38-AC11E63A41E7}"/>
+              </a:ext>
+            </a:extLst>
+          </p:cNvPr>
+          <p:cNvGrpSpPr/>
+          <p:nvPr/>
+        </p:nvGrpSpPr>
+        <p:grpSpPr>
+          <a:xfrm>
+            <a:off x="838200" y="4511630"/>
+            <a:ext cx="6229171" cy="779319"/>
+            <a:chOff x="3118757" y="2475922"/>
+            <a:chExt cx="6229171" cy="779319"/>
+          </a:xfrm>
+        </p:grpSpPr>
+        <p:sp>
+          <p:nvSpPr>
+            <p:cNvPr id="5" name="Rechteck 4">
+              <a:extLst>
+                <a:ext uri="{FF2B5EF4-FFF2-40B4-BE49-F238E27FC236}">
+                  <a16:creationId xmlns:a16="http://schemas.microsoft.com/office/drawing/2014/main" id="{CA79A6B5-E635-45E3-1B26-A02487173C96}"/>
+                </a:ext>
+              </a:extLst>
+            </p:cNvPr>
+            <p:cNvSpPr/>
+            <p:nvPr/>
+          </p:nvSpPr>
+          <p:spPr>
+            <a:xfrm>
+              <a:off x="5103668" y="2475922"/>
+              <a:ext cx="1984663" cy="779319"/>
+            </a:xfrm>
+            <a:prstGeom prst="rect">
+              <a:avLst/>
+            </a:prstGeom>
+            <a:noFill/>
+            <a:ln>
+              <a:solidFill>
+                <a:schemeClr val="tx1"/>
+              </a:solidFill>
+            </a:ln>
+          </p:spPr>
+          <p:style>
+            <a:lnRef idx="2">
+              <a:schemeClr val="accent1">
+                <a:shade val="15000"/>
+              </a:schemeClr>
+            </a:lnRef>
+            <a:fillRef idx="1">
+              <a:schemeClr val="accent1"/>
+            </a:fillRef>
+            <a:effectRef idx="0">
+              <a:schemeClr val="accent1"/>
+            </a:effectRef>
+            <a:fontRef idx="minor">
+              <a:schemeClr val="lt1"/>
+            </a:fontRef>
+          </p:style>
+          <p:txBody>
+            <a:bodyPr rtlCol="0" anchor="ctr"/>
+            <a:lstStyle/>
+            <a:p>
+              <a:pPr algn="ctr"/>
+              <a:r>
+                <a:rPr lang="de-DE" sz="2800" dirty="0">
+                  <a:solidFill>
+                    <a:schemeClr val="tx1"/>
+                  </a:solidFill>
+                </a:rPr>
+                <a:t>System</a:t>
+              </a:r>
+            </a:p>
+          </p:txBody>
+        </p:sp>
+        <p:sp>
+          <p:nvSpPr>
+            <p:cNvPr id="6" name="Textfeld 5">
+              <a:extLst>
+                <a:ext uri="{FF2B5EF4-FFF2-40B4-BE49-F238E27FC236}">
+                  <a16:creationId xmlns:a16="http://schemas.microsoft.com/office/drawing/2014/main" id="{445ECD13-2956-37B4-A2D4-865F188C4763}"/>
+                </a:ext>
+              </a:extLst>
+            </p:cNvPr>
+            <p:cNvSpPr txBox="1"/>
+            <p:nvPr/>
+          </p:nvSpPr>
+          <p:spPr>
+            <a:xfrm>
+              <a:off x="3118757" y="2603970"/>
+              <a:ext cx="992579" cy="523220"/>
+            </a:xfrm>
+            <a:prstGeom prst="rect">
+              <a:avLst/>
+            </a:prstGeom>
+            <a:noFill/>
+          </p:spPr>
+          <p:txBody>
+            <a:bodyPr wrap="none" rtlCol="0">
+              <a:spAutoFit/>
+            </a:bodyPr>
+            <a:lstStyle/>
+            <a:p>
+              <a:r>
+                <a:rPr lang="de-DE" sz="2800" dirty="0"/>
+                <a:t>Input</a:t>
+              </a:r>
+            </a:p>
+          </p:txBody>
+        </p:sp>
+        <p:sp>
+          <p:nvSpPr>
+            <p:cNvPr id="7" name="Textfeld 6">
+              <a:extLst>
+                <a:ext uri="{FF2B5EF4-FFF2-40B4-BE49-F238E27FC236}">
+                  <a16:creationId xmlns:a16="http://schemas.microsoft.com/office/drawing/2014/main" id="{4E0954CB-8FEC-D438-8DF1-F08406595F2A}"/>
+                </a:ext>
+              </a:extLst>
+            </p:cNvPr>
+            <p:cNvSpPr txBox="1"/>
+            <p:nvPr/>
+          </p:nvSpPr>
+          <p:spPr>
+            <a:xfrm>
+              <a:off x="8066808" y="2603970"/>
+              <a:ext cx="1281120" cy="523220"/>
+            </a:xfrm>
+            <a:prstGeom prst="rect">
+              <a:avLst/>
+            </a:prstGeom>
+            <a:noFill/>
+          </p:spPr>
+          <p:txBody>
+            <a:bodyPr wrap="none" rtlCol="0">
+              <a:spAutoFit/>
+            </a:bodyPr>
+            <a:lstStyle/>
+            <a:p>
+              <a:r>
+                <a:rPr lang="de-DE" sz="2800" dirty="0"/>
+                <a:t>Output</a:t>
+              </a:r>
+            </a:p>
+          </p:txBody>
+        </p:sp>
+        <p:cxnSp>
+          <p:nvCxnSpPr>
+            <p:cNvPr id="8" name="Gerade Verbindung mit Pfeil 7">
+              <a:extLst>
+                <a:ext uri="{FF2B5EF4-FFF2-40B4-BE49-F238E27FC236}">
+                  <a16:creationId xmlns:a16="http://schemas.microsoft.com/office/drawing/2014/main" id="{AEAC545C-64A5-274D-2F85-1BE9EEEC911E}"/>
+                </a:ext>
+              </a:extLst>
+            </p:cNvPr>
+            <p:cNvCxnSpPr>
+              <a:endCxn id="5" idx="1"/>
+            </p:cNvCxnSpPr>
+            <p:nvPr/>
+          </p:nvCxnSpPr>
+          <p:spPr>
+            <a:xfrm>
+              <a:off x="4125191" y="2865581"/>
+              <a:ext cx="978477" cy="1"/>
+            </a:xfrm>
+            <a:prstGeom prst="straightConnector1">
+              <a:avLst/>
+            </a:prstGeom>
+            <a:ln>
+              <a:tailEnd type="triangle"/>
+            </a:ln>
+          </p:spPr>
+          <p:style>
+            <a:lnRef idx="3">
+              <a:schemeClr val="dk1"/>
+            </a:lnRef>
+            <a:fillRef idx="0">
+              <a:schemeClr val="dk1"/>
+            </a:fillRef>
+            <a:effectRef idx="2">
+              <a:schemeClr val="dk1"/>
+            </a:effectRef>
+            <a:fontRef idx="minor">
+              <a:schemeClr val="tx1"/>
+            </a:fontRef>
+          </p:style>
+        </p:cxnSp>
+        <p:cxnSp>
+          <p:nvCxnSpPr>
+            <p:cNvPr id="9" name="Gerade Verbindung mit Pfeil 8">
+              <a:extLst>
+                <a:ext uri="{FF2B5EF4-FFF2-40B4-BE49-F238E27FC236}">
+                  <a16:creationId xmlns:a16="http://schemas.microsoft.com/office/drawing/2014/main" id="{0F1911F2-5D6C-62F5-520D-54636FEB189A}"/>
+                </a:ext>
+              </a:extLst>
+            </p:cNvPr>
+            <p:cNvCxnSpPr/>
+            <p:nvPr/>
+          </p:nvCxnSpPr>
+          <p:spPr>
+            <a:xfrm>
+              <a:off x="7088331" y="2865580"/>
+              <a:ext cx="978477" cy="1"/>
+            </a:xfrm>
+            <a:prstGeom prst="straightConnector1">
+              <a:avLst/>
+            </a:prstGeom>
+            <a:ln>
+              <a:tailEnd type="triangle"/>
+            </a:ln>
+          </p:spPr>
+          <p:style>
+            <a:lnRef idx="3">
+              <a:schemeClr val="dk1"/>
+            </a:lnRef>
+            <a:fillRef idx="0">
+              <a:schemeClr val="dk1"/>
+            </a:fillRef>
+            <a:effectRef idx="2">
+              <a:schemeClr val="dk1"/>
+            </a:effectRef>
+            <a:fontRef idx="minor">
+              <a:schemeClr val="tx1"/>
+            </a:fontRef>
+          </p:style>
+        </p:cxnSp>
+      </p:grpSp>
+      <p:pic>
+        <p:nvPicPr>
+          <p:cNvPr id="15" name="Grafik 14" descr="Ein Bild, das Screenshot, Design enthält.&#10;&#10;KI-generierte Inhalte können fehlerhaft sein.">
+            <a:extLst>
+              <a:ext uri="{FF2B5EF4-FFF2-40B4-BE49-F238E27FC236}">
+                <a16:creationId xmlns:a16="http://schemas.microsoft.com/office/drawing/2014/main" id="{71FFB093-9F42-8E87-5125-95311FC01F80}"/>
+              </a:ext>
+            </a:extLst>
+          </p:cNvPr>
+          <p:cNvPicPr>
+            <a:picLocks noChangeAspect="1"/>
+          </p:cNvPicPr>
+          <p:nvPr/>
+        </p:nvPicPr>
+        <p:blipFill>
+          <a:blip r:embed="rId2">
+            <a:extLst>
+              <a:ext uri="{28A0092B-C50C-407E-A947-70E740481C1C}">
+                <a14:useLocalDpi xmlns:a14="http://schemas.microsoft.com/office/drawing/2010/main" val="0"/>
+              </a:ext>
+            </a:extLst>
+          </a:blip>
+          <a:stretch>
+            <a:fillRect/>
+          </a:stretch>
+        </p:blipFill>
+        <p:spPr>
+          <a:xfrm>
+            <a:off x="8045848" y="4570700"/>
+            <a:ext cx="1007922" cy="2266260"/>
+          </a:xfrm>
+          <a:prstGeom prst="rect">
+            <a:avLst/>
+          </a:prstGeom>
+        </p:spPr>
+      </p:pic>
+      <p:sp>
+        <p:nvSpPr>
+          <p:cNvPr id="16" name="Textfeld 15">
+            <a:extLst>
+              <a:ext uri="{FF2B5EF4-FFF2-40B4-BE49-F238E27FC236}">
+                <a16:creationId xmlns:a16="http://schemas.microsoft.com/office/drawing/2014/main" id="{51A18DA6-E292-9399-7437-B86DDA383137}"/>
+              </a:ext>
+            </a:extLst>
+          </p:cNvPr>
+          <p:cNvSpPr txBox="1"/>
+          <p:nvPr/>
+        </p:nvSpPr>
+        <p:spPr>
+          <a:xfrm>
+            <a:off x="9153982" y="4570700"/>
+            <a:ext cx="2864887" cy="1107996"/>
+          </a:xfrm>
+          <a:prstGeom prst="rect">
+            <a:avLst/>
+          </a:prstGeom>
+          <a:noFill/>
+        </p:spPr>
+        <p:txBody>
+          <a:bodyPr wrap="none" rtlCol="0">
+            <a:spAutoFit/>
+          </a:bodyPr>
+          <a:lstStyle/>
+          <a:p>
+            <a:r>
+              <a:rPr lang="de-DE" sz="2200" dirty="0"/>
+              <a:t>Input: external </a:t>
+            </a:r>
+            <a:r>
+              <a:rPr lang="de-DE" sz="2200" dirty="0" err="1"/>
+              <a:t>force</a:t>
+            </a:r>
+            <a:endParaRPr lang="de-DE" sz="2200" dirty="0"/>
+          </a:p>
+          <a:p>
+            <a:endParaRPr lang="de-DE" sz="2200" dirty="0"/>
+          </a:p>
+          <a:p>
+            <a:r>
+              <a:rPr lang="de-DE" sz="2200" dirty="0"/>
+              <a:t>Output: </a:t>
+            </a:r>
+            <a:r>
+              <a:rPr lang="de-DE" sz="2200" dirty="0" err="1"/>
+              <a:t>displacement</a:t>
+            </a:r>
+            <a:endParaRPr lang="de-DE" sz="2200" dirty="0"/>
           </a:p>
         </p:txBody>
       </p:sp>
@@ -5974,10 +7154,10 @@
       </p:grpSpPr>
       <p:sp>
         <p:nvSpPr>
-          <p:cNvPr id="2" name="Titel 1">
-            <a:extLst>
-              <a:ext uri="{FF2B5EF4-FFF2-40B4-BE49-F238E27FC236}">
-                <a16:creationId xmlns:a16="http://schemas.microsoft.com/office/drawing/2014/main" id="{A71606A2-6F1E-C0EF-03AE-7388CF78167A}"/>
+          <p:cNvPr id="5" name="Titel 4">
+            <a:extLst>
+              <a:ext uri="{FF2B5EF4-FFF2-40B4-BE49-F238E27FC236}">
+                <a16:creationId xmlns:a16="http://schemas.microsoft.com/office/drawing/2014/main" id="{DBBC1F88-92A4-BDC4-FF33-BC5C3DAAF090}"/>
               </a:ext>
             </a:extLst>
           </p:cNvPr>
@@ -5995,7 +7175,7 @@
           <a:p>
             <a:r>
               <a:rPr lang="de-DE" dirty="0" err="1"/>
-              <a:t>Why</a:t>
+              <a:t>Examples</a:t>
             </a:r>
             <a:r>
               <a:rPr lang="de-DE" dirty="0"/>
@@ -6003,39 +7183,7 @@
             </a:r>
             <a:r>
               <a:rPr lang="de-DE" dirty="0" err="1"/>
-              <a:t>We</a:t>
-            </a:r>
-            <a:r>
-              <a:rPr lang="de-DE" dirty="0"/>
-              <a:t> Need Models</a:t>
-            </a:r>
-          </a:p>
-        </p:txBody>
-      </p:sp>
-      <p:sp>
-        <p:nvSpPr>
-          <p:cNvPr id="3" name="Inhaltsplatzhalter 2">
-            <a:extLst>
-              <a:ext uri="{FF2B5EF4-FFF2-40B4-BE49-F238E27FC236}">
-                <a16:creationId xmlns:a16="http://schemas.microsoft.com/office/drawing/2014/main" id="{BAEF1E5E-946D-EAB2-3D18-108394A5EEA1}"/>
-              </a:ext>
-            </a:extLst>
-          </p:cNvPr>
-          <p:cNvSpPr>
-            <a:spLocks noGrp="1"/>
-          </p:cNvSpPr>
-          <p:nvPr>
-            <p:ph idx="1"/>
-          </p:nvPr>
-        </p:nvSpPr>
-        <p:spPr/>
-        <p:txBody>
-          <a:bodyPr/>
-          <a:lstStyle/>
-          <a:p>
-            <a:r>
-              <a:rPr lang="de-DE" dirty="0" err="1"/>
-              <a:t>Predict</a:t>
+              <a:t>from</a:t>
             </a:r>
             <a:r>
               <a:rPr lang="de-DE" dirty="0"/>
@@ -6043,106 +7191,12 @@
             </a:r>
             <a:r>
               <a:rPr lang="de-DE" dirty="0" err="1"/>
-              <a:t>system</a:t>
+              <a:t>Electrical</a:t>
             </a:r>
             <a:r>
               <a:rPr lang="de-DE" dirty="0"/>
-              <a:t> </a:t>
-            </a:r>
-            <a:r>
-              <a:rPr lang="de-DE" dirty="0" err="1"/>
-              <a:t>behavior</a:t>
-            </a:r>
-            <a:endParaRPr lang="de-DE" dirty="0"/>
-          </a:p>
-          <a:p>
-            <a:r>
-              <a:rPr lang="de-DE" dirty="0"/>
-              <a:t>Design </a:t>
-            </a:r>
-            <a:r>
-              <a:rPr lang="de-DE" dirty="0" err="1"/>
-              <a:t>controllers</a:t>
-            </a:r>
-            <a:r>
-              <a:rPr lang="de-DE" dirty="0"/>
-              <a:t> </a:t>
-            </a:r>
-            <a:r>
-              <a:rPr lang="de-DE" dirty="0" err="1"/>
-              <a:t>before</a:t>
-            </a:r>
-            <a:r>
-              <a:rPr lang="de-DE" dirty="0"/>
-              <a:t> </a:t>
-            </a:r>
-            <a:r>
-              <a:rPr lang="de-DE" dirty="0" err="1"/>
-              <a:t>implementation</a:t>
-            </a:r>
-            <a:endParaRPr lang="de-DE" dirty="0"/>
-          </a:p>
-          <a:p>
-            <a:r>
-              <a:rPr lang="de-DE" dirty="0" err="1"/>
-              <a:t>Understand</a:t>
-            </a:r>
-            <a:r>
-              <a:rPr lang="de-DE" dirty="0"/>
-              <a:t> </a:t>
-            </a:r>
-            <a:r>
-              <a:rPr lang="de-DE" dirty="0" err="1"/>
-              <a:t>cause</a:t>
-            </a:r>
-            <a:r>
-              <a:rPr lang="de-DE" dirty="0"/>
-              <a:t>-and-</a:t>
-            </a:r>
-            <a:r>
-              <a:rPr lang="de-DE" dirty="0" err="1"/>
-              <a:t>effect</a:t>
-            </a:r>
-            <a:r>
-              <a:rPr lang="de-DE" dirty="0"/>
-              <a:t> </a:t>
-            </a:r>
-            <a:r>
-              <a:rPr lang="de-DE" dirty="0" err="1"/>
-              <a:t>relationships</a:t>
-            </a:r>
-            <a:endParaRPr lang="de-DE" dirty="0"/>
-          </a:p>
-          <a:p>
-            <a:r>
-              <a:rPr lang="de-DE" dirty="0" err="1"/>
-              <a:t>Simplify</a:t>
-            </a:r>
-            <a:r>
-              <a:rPr lang="de-DE" dirty="0"/>
-              <a:t> </a:t>
-            </a:r>
-            <a:r>
-              <a:rPr lang="de-DE" dirty="0" err="1"/>
-              <a:t>complex</a:t>
-            </a:r>
-            <a:r>
-              <a:rPr lang="de-DE" dirty="0"/>
-              <a:t> real-</a:t>
-            </a:r>
-            <a:r>
-              <a:rPr lang="de-DE" dirty="0" err="1"/>
-              <a:t>world</a:t>
-            </a:r>
-            <a:r>
-              <a:rPr lang="de-DE" dirty="0"/>
-              <a:t> </a:t>
-            </a:r>
-            <a:r>
-              <a:rPr lang="de-DE" dirty="0" err="1"/>
-              <a:t>systems</a:t>
-            </a:r>
-            <a:endParaRPr lang="de-DE" dirty="0"/>
+              <a:t> Engineering</a:t>
+            </a:r>
           </a:p>
         </p:txBody>
       </p:sp>
@@ -6151,7 +7205,7 @@
           <p:cNvPr id="4" name="Foliennummernplatzhalter 3">
             <a:extLst>
               <a:ext uri="{FF2B5EF4-FFF2-40B4-BE49-F238E27FC236}">
-                <a16:creationId xmlns:a16="http://schemas.microsoft.com/office/drawing/2014/main" id="{1945D2F4-D7D0-AE36-EB76-D655433A4960}"/>
+                <a16:creationId xmlns:a16="http://schemas.microsoft.com/office/drawing/2014/main" id="{F9B18FA1-6A05-6187-A225-0C7F9F98FEF7}"/>
               </a:ext>
             </a:extLst>
           </p:cNvPr>
@@ -6175,10 +7229,847 @@
           </a:p>
         </p:txBody>
       </p:sp>
+      <p:pic>
+        <p:nvPicPr>
+          <p:cNvPr id="6" name="Grafik 5" descr="Ein Bild, das Symbol, Kreis, Diagramm, Uhr enthält.&#10;&#10;KI-generierte Inhalte können fehlerhaft sein.">
+            <a:extLst>
+              <a:ext uri="{FF2B5EF4-FFF2-40B4-BE49-F238E27FC236}">
+                <a16:creationId xmlns:a16="http://schemas.microsoft.com/office/drawing/2014/main" id="{0880E623-0321-9C6F-4C36-1014069D03AA}"/>
+              </a:ext>
+            </a:extLst>
+          </p:cNvPr>
+          <p:cNvPicPr>
+            <a:picLocks noChangeAspect="1"/>
+          </p:cNvPicPr>
+          <p:nvPr/>
+        </p:nvPicPr>
+        <p:blipFill>
+          <a:blip r:embed="rId2">
+            <a:extLst>
+              <a:ext uri="{28A0092B-C50C-407E-A947-70E740481C1C}">
+                <a14:useLocalDpi xmlns:a14="http://schemas.microsoft.com/office/drawing/2010/main" val="0"/>
+              </a:ext>
+            </a:extLst>
+          </a:blip>
+          <a:stretch>
+            <a:fillRect/>
+          </a:stretch>
+        </p:blipFill>
+        <p:spPr>
+          <a:xfrm>
+            <a:off x="838200" y="2901192"/>
+            <a:ext cx="3982885" cy="2275935"/>
+          </a:xfrm>
+          <a:prstGeom prst="rect">
+            <a:avLst/>
+          </a:prstGeom>
+        </p:spPr>
+      </p:pic>
+      <p:pic>
+        <p:nvPicPr>
+          <p:cNvPr id="7" name="Grafik 6" descr="Ein Bild, das Natur, Schraubenfeder, Frühling, Metallwaren enthält.&#10;&#10;KI-generierte Inhalte können fehlerhaft sein.">
+            <a:extLst>
+              <a:ext uri="{FF2B5EF4-FFF2-40B4-BE49-F238E27FC236}">
+                <a16:creationId xmlns:a16="http://schemas.microsoft.com/office/drawing/2014/main" id="{D23C063E-AF1A-9081-C901-094C848CBA19}"/>
+              </a:ext>
+            </a:extLst>
+          </p:cNvPr>
+          <p:cNvPicPr>
+            <a:picLocks noChangeAspect="1"/>
+          </p:cNvPicPr>
+          <p:nvPr/>
+        </p:nvPicPr>
+        <p:blipFill>
+          <a:blip r:embed="rId3">
+            <a:extLst>
+              <a:ext uri="{28A0092B-C50C-407E-A947-70E740481C1C}">
+                <a14:useLocalDpi xmlns:a14="http://schemas.microsoft.com/office/drawing/2010/main" val="0"/>
+              </a:ext>
+            </a:extLst>
+          </a:blip>
+          <a:stretch>
+            <a:fillRect/>
+          </a:stretch>
+        </p:blipFill>
+        <p:spPr>
+          <a:xfrm>
+            <a:off x="7327680" y="2901192"/>
+            <a:ext cx="4026120" cy="2275935"/>
+          </a:xfrm>
+          <a:prstGeom prst="rect">
+            <a:avLst/>
+          </a:prstGeom>
+        </p:spPr>
+      </p:pic>
+      <mc:AlternateContent xmlns:mc="http://schemas.openxmlformats.org/markup-compatibility/2006" xmlns:a14="http://schemas.microsoft.com/office/drawing/2010/main">
+        <mc:Choice Requires="a14">
+          <p:sp>
+            <p:nvSpPr>
+              <p:cNvPr id="9" name="Textfeld 8">
+                <a:extLst>
+                  <a:ext uri="{FF2B5EF4-FFF2-40B4-BE49-F238E27FC236}">
+                    <a16:creationId xmlns:a16="http://schemas.microsoft.com/office/drawing/2014/main" id="{4EA9700C-9ADB-C161-BFDF-D553D99BEDF0}"/>
+                  </a:ext>
+                </a:extLst>
+              </p:cNvPr>
+              <p:cNvSpPr txBox="1"/>
+              <p:nvPr/>
+            </p:nvSpPr>
+            <p:spPr>
+              <a:xfrm>
+                <a:off x="1518079" y="5504257"/>
+                <a:ext cx="1505527" cy="852093"/>
+              </a:xfrm>
+              <a:prstGeom prst="rect">
+                <a:avLst/>
+              </a:prstGeom>
+              <a:noFill/>
+              <a:ln>
+                <a:solidFill>
+                  <a:schemeClr val="tx1"/>
+                </a:solidFill>
+              </a:ln>
+            </p:spPr>
+            <p:txBody>
+              <a:bodyPr wrap="square">
+                <a:spAutoFit/>
+              </a:bodyPr>
+              <a:lstStyle/>
+              <a:p>
+                <a:pPr/>
+                <a14:m>
+                  <m:oMathPara xmlns:m="http://schemas.openxmlformats.org/officeDocument/2006/math">
+                    <m:oMathParaPr>
+                      <m:jc m:val="centerGroup"/>
+                    </m:oMathParaPr>
+                    <m:oMath xmlns:m="http://schemas.openxmlformats.org/officeDocument/2006/math">
+                      <m:f>
+                        <m:fPr>
+                          <m:ctrlPr>
+                            <a:rPr lang="de-DE" sz="2600" i="1">
+                              <a:latin typeface="Cambria Math" panose="02040503050406030204" pitchFamily="18" charset="0"/>
+                            </a:rPr>
+                          </m:ctrlPr>
+                        </m:fPr>
+                        <m:num>
+                          <m:r>
+                            <a:rPr lang="de-DE" sz="2600" i="1">
+                              <a:latin typeface="Cambria Math" panose="02040503050406030204" pitchFamily="18" charset="0"/>
+                            </a:rPr>
+                            <m:t>𝑑</m:t>
+                          </m:r>
+                          <m:r>
+                            <a:rPr lang="de-DE" sz="2600" b="0" i="1" smtClean="0">
+                              <a:latin typeface="Cambria Math" panose="02040503050406030204" pitchFamily="18" charset="0"/>
+                            </a:rPr>
+                            <m:t>𝑣</m:t>
+                          </m:r>
+                        </m:num>
+                        <m:den>
+                          <m:r>
+                            <a:rPr lang="de-DE" sz="2600" i="1" smtClean="0">
+                              <a:latin typeface="Cambria Math" panose="02040503050406030204" pitchFamily="18" charset="0"/>
+                            </a:rPr>
+                            <m:t>𝑑𝑡</m:t>
+                          </m:r>
+                        </m:den>
+                      </m:f>
+                      <m:r>
+                        <a:rPr lang="de-DE" sz="2600" b="0" i="1" smtClean="0">
+                          <a:latin typeface="Cambria Math" panose="02040503050406030204" pitchFamily="18" charset="0"/>
+                        </a:rPr>
+                        <m:t>=</m:t>
+                      </m:r>
+                      <m:f>
+                        <m:fPr>
+                          <m:ctrlPr>
+                            <a:rPr lang="de-DE" sz="2600" b="0" i="1" smtClean="0">
+                              <a:latin typeface="Cambria Math" panose="02040503050406030204" pitchFamily="18" charset="0"/>
+                            </a:rPr>
+                          </m:ctrlPr>
+                        </m:fPr>
+                        <m:num>
+                          <m:r>
+                            <a:rPr lang="de-DE" sz="2600" b="0" i="1" smtClean="0">
+                              <a:latin typeface="Cambria Math" panose="02040503050406030204" pitchFamily="18" charset="0"/>
+                            </a:rPr>
+                            <m:t>1</m:t>
+                          </m:r>
+                        </m:num>
+                        <m:den>
+                          <m:r>
+                            <a:rPr lang="de-DE" sz="2600" b="0" i="1" smtClean="0">
+                              <a:latin typeface="Cambria Math" panose="02040503050406030204" pitchFamily="18" charset="0"/>
+                            </a:rPr>
+                            <m:t>𝐶</m:t>
+                          </m:r>
+                        </m:den>
+                      </m:f>
+                      <m:r>
+                        <a:rPr lang="de-DE" sz="2600" b="0" i="1" smtClean="0">
+                          <a:latin typeface="Cambria Math" panose="02040503050406030204" pitchFamily="18" charset="0"/>
+                        </a:rPr>
+                        <m:t>𝑖</m:t>
+                      </m:r>
+                    </m:oMath>
+                  </m:oMathPara>
+                </a14:m>
+                <a:endParaRPr lang="de-DE" sz="2600" dirty="0"/>
+              </a:p>
+            </p:txBody>
+          </p:sp>
+        </mc:Choice>
+        <mc:Fallback xmlns="">
+          <p:sp>
+            <p:nvSpPr>
+              <p:cNvPr id="9" name="Textfeld 8">
+                <a:extLst>
+                  <a:ext uri="{FF2B5EF4-FFF2-40B4-BE49-F238E27FC236}">
+                    <a16:creationId xmlns:a16="http://schemas.microsoft.com/office/drawing/2014/main" id="{4EA9700C-9ADB-C161-BFDF-D553D99BEDF0}"/>
+                  </a:ext>
+                </a:extLst>
+              </p:cNvPr>
+              <p:cNvSpPr txBox="1">
+                <a:spLocks noRot="1" noChangeAspect="1" noMove="1" noResize="1" noEditPoints="1" noAdjustHandles="1" noChangeArrowheads="1" noChangeShapeType="1" noTextEdit="1"/>
+              </p:cNvSpPr>
+              <p:nvPr/>
+            </p:nvSpPr>
+            <p:spPr>
+              <a:xfrm>
+                <a:off x="1518079" y="5504257"/>
+                <a:ext cx="1505527" cy="852093"/>
+              </a:xfrm>
+              <a:prstGeom prst="rect">
+                <a:avLst/>
+              </a:prstGeom>
+              <a:blipFill>
+                <a:blip r:embed="rId4"/>
+                <a:stretch>
+                  <a:fillRect b="-5714"/>
+                </a:stretch>
+              </a:blipFill>
+              <a:ln>
+                <a:solidFill>
+                  <a:schemeClr val="tx1"/>
+                </a:solidFill>
+              </a:ln>
+            </p:spPr>
+            <p:txBody>
+              <a:bodyPr/>
+              <a:lstStyle/>
+              <a:p>
+                <a:r>
+                  <a:rPr lang="de-DE">
+                    <a:noFill/>
+                  </a:rPr>
+                  <a:t> </a:t>
+                </a:r>
+              </a:p>
+            </p:txBody>
+          </p:sp>
+        </mc:Fallback>
+      </mc:AlternateContent>
+      <mc:AlternateContent xmlns:mc="http://schemas.openxmlformats.org/markup-compatibility/2006" xmlns:a14="http://schemas.microsoft.com/office/drawing/2010/main">
+        <mc:Choice Requires="a14">
+          <p:sp>
+            <p:nvSpPr>
+              <p:cNvPr id="10" name="Textfeld 9">
+                <a:extLst>
+                  <a:ext uri="{FF2B5EF4-FFF2-40B4-BE49-F238E27FC236}">
+                    <a16:creationId xmlns:a16="http://schemas.microsoft.com/office/drawing/2014/main" id="{16BAB09D-2B5A-60A0-67CA-EE8B28CA9A0C}"/>
+                  </a:ext>
+                </a:extLst>
+              </p:cNvPr>
+              <p:cNvSpPr txBox="1"/>
+              <p:nvPr/>
+            </p:nvSpPr>
+            <p:spPr>
+              <a:xfrm>
+                <a:off x="8135933" y="5504256"/>
+                <a:ext cx="1505527" cy="852093"/>
+              </a:xfrm>
+              <a:prstGeom prst="rect">
+                <a:avLst/>
+              </a:prstGeom>
+              <a:noFill/>
+              <a:ln>
+                <a:solidFill>
+                  <a:schemeClr val="tx1"/>
+                </a:solidFill>
+              </a:ln>
+            </p:spPr>
+            <p:txBody>
+              <a:bodyPr wrap="square">
+                <a:spAutoFit/>
+              </a:bodyPr>
+              <a:lstStyle/>
+              <a:p>
+                <a:pPr/>
+                <a14:m>
+                  <m:oMathPara xmlns:m="http://schemas.openxmlformats.org/officeDocument/2006/math">
+                    <m:oMathParaPr>
+                      <m:jc m:val="centerGroup"/>
+                    </m:oMathParaPr>
+                    <m:oMath xmlns:m="http://schemas.openxmlformats.org/officeDocument/2006/math">
+                      <m:f>
+                        <m:fPr>
+                          <m:ctrlPr>
+                            <a:rPr lang="de-DE" sz="2600" i="1" smtClean="0">
+                              <a:latin typeface="Cambria Math" panose="02040503050406030204" pitchFamily="18" charset="0"/>
+                            </a:rPr>
+                          </m:ctrlPr>
+                        </m:fPr>
+                        <m:num>
+                          <m:r>
+                            <a:rPr lang="de-DE" sz="2600" i="1">
+                              <a:latin typeface="Cambria Math" panose="02040503050406030204" pitchFamily="18" charset="0"/>
+                            </a:rPr>
+                            <m:t>𝑑</m:t>
+                          </m:r>
+                          <m:r>
+                            <a:rPr lang="de-DE" sz="2600" b="0" i="1" smtClean="0">
+                              <a:latin typeface="Cambria Math" panose="02040503050406030204" pitchFamily="18" charset="0"/>
+                            </a:rPr>
+                            <m:t>𝑖</m:t>
+                          </m:r>
+                        </m:num>
+                        <m:den>
+                          <m:r>
+                            <a:rPr lang="de-DE" sz="2600" i="1" smtClean="0">
+                              <a:latin typeface="Cambria Math" panose="02040503050406030204" pitchFamily="18" charset="0"/>
+                            </a:rPr>
+                            <m:t>𝑑𝑡</m:t>
+                          </m:r>
+                        </m:den>
+                      </m:f>
+                      <m:r>
+                        <a:rPr lang="de-DE" sz="2600" b="0" i="1" smtClean="0">
+                          <a:latin typeface="Cambria Math" panose="02040503050406030204" pitchFamily="18" charset="0"/>
+                        </a:rPr>
+                        <m:t>=</m:t>
+                      </m:r>
+                      <m:f>
+                        <m:fPr>
+                          <m:ctrlPr>
+                            <a:rPr lang="de-DE" sz="2600" b="0" i="1" smtClean="0">
+                              <a:latin typeface="Cambria Math" panose="02040503050406030204" pitchFamily="18" charset="0"/>
+                            </a:rPr>
+                          </m:ctrlPr>
+                        </m:fPr>
+                        <m:num>
+                          <m:r>
+                            <a:rPr lang="de-DE" sz="2600" b="0" i="1" smtClean="0">
+                              <a:latin typeface="Cambria Math" panose="02040503050406030204" pitchFamily="18" charset="0"/>
+                            </a:rPr>
+                            <m:t>1</m:t>
+                          </m:r>
+                        </m:num>
+                        <m:den>
+                          <m:r>
+                            <a:rPr lang="de-DE" sz="2600" b="0" i="1" smtClean="0">
+                              <a:latin typeface="Cambria Math" panose="02040503050406030204" pitchFamily="18" charset="0"/>
+                            </a:rPr>
+                            <m:t>𝐿</m:t>
+                          </m:r>
+                        </m:den>
+                      </m:f>
+                      <m:r>
+                        <a:rPr lang="de-DE" sz="2600" b="0" i="1" smtClean="0">
+                          <a:latin typeface="Cambria Math" panose="02040503050406030204" pitchFamily="18" charset="0"/>
+                        </a:rPr>
+                        <m:t>𝑣</m:t>
+                      </m:r>
+                    </m:oMath>
+                  </m:oMathPara>
+                </a14:m>
+                <a:endParaRPr lang="de-DE" sz="2600" dirty="0"/>
+              </a:p>
+            </p:txBody>
+          </p:sp>
+        </mc:Choice>
+        <mc:Fallback xmlns="">
+          <p:sp>
+            <p:nvSpPr>
+              <p:cNvPr id="10" name="Textfeld 9">
+                <a:extLst>
+                  <a:ext uri="{FF2B5EF4-FFF2-40B4-BE49-F238E27FC236}">
+                    <a16:creationId xmlns:a16="http://schemas.microsoft.com/office/drawing/2014/main" id="{16BAB09D-2B5A-60A0-67CA-EE8B28CA9A0C}"/>
+                  </a:ext>
+                </a:extLst>
+              </p:cNvPr>
+              <p:cNvSpPr txBox="1">
+                <a:spLocks noRot="1" noChangeAspect="1" noMove="1" noResize="1" noEditPoints="1" noAdjustHandles="1" noChangeArrowheads="1" noChangeShapeType="1" noTextEdit="1"/>
+              </p:cNvSpPr>
+              <p:nvPr/>
+            </p:nvSpPr>
+            <p:spPr>
+              <a:xfrm>
+                <a:off x="8135933" y="5504256"/>
+                <a:ext cx="1505527" cy="852093"/>
+              </a:xfrm>
+              <a:prstGeom prst="rect">
+                <a:avLst/>
+              </a:prstGeom>
+              <a:blipFill>
+                <a:blip r:embed="rId5"/>
+                <a:stretch>
+                  <a:fillRect b="-5714"/>
+                </a:stretch>
+              </a:blipFill>
+              <a:ln>
+                <a:solidFill>
+                  <a:schemeClr val="tx1"/>
+                </a:solidFill>
+              </a:ln>
+            </p:spPr>
+            <p:txBody>
+              <a:bodyPr/>
+              <a:lstStyle/>
+              <a:p>
+                <a:r>
+                  <a:rPr lang="de-DE">
+                    <a:noFill/>
+                  </a:rPr>
+                  <a:t> </a:t>
+                </a:r>
+              </a:p>
+            </p:txBody>
+          </p:sp>
+        </mc:Fallback>
+      </mc:AlternateContent>
+      <p:sp>
+        <p:nvSpPr>
+          <p:cNvPr id="11" name="Textfeld 10">
+            <a:extLst>
+              <a:ext uri="{FF2B5EF4-FFF2-40B4-BE49-F238E27FC236}">
+                <a16:creationId xmlns:a16="http://schemas.microsoft.com/office/drawing/2014/main" id="{05F6B445-4D6F-969D-B06C-7546F3FF2786}"/>
+              </a:ext>
+            </a:extLst>
+          </p:cNvPr>
+          <p:cNvSpPr txBox="1"/>
+          <p:nvPr/>
+        </p:nvSpPr>
+        <p:spPr>
+          <a:xfrm>
+            <a:off x="4043319" y="2327840"/>
+            <a:ext cx="930063" cy="492443"/>
+          </a:xfrm>
+          <a:prstGeom prst="rect">
+            <a:avLst/>
+          </a:prstGeom>
+          <a:noFill/>
+        </p:spPr>
+        <p:txBody>
+          <a:bodyPr wrap="none" rtlCol="0">
+            <a:spAutoFit/>
+          </a:bodyPr>
+          <a:lstStyle/>
+          <a:p>
+            <a:r>
+              <a:rPr lang="de-DE" sz="2600" dirty="0" err="1"/>
+              <a:t>input</a:t>
+            </a:r>
+            <a:endParaRPr lang="de-DE" sz="2600" dirty="0"/>
+          </a:p>
+        </p:txBody>
+      </p:sp>
+      <p:sp>
+        <p:nvSpPr>
+          <p:cNvPr id="12" name="Textfeld 11">
+            <a:extLst>
+              <a:ext uri="{FF2B5EF4-FFF2-40B4-BE49-F238E27FC236}">
+                <a16:creationId xmlns:a16="http://schemas.microsoft.com/office/drawing/2014/main" id="{D6AA7A4D-A095-494D-E518-B74729095780}"/>
+              </a:ext>
+            </a:extLst>
+          </p:cNvPr>
+          <p:cNvSpPr txBox="1"/>
+          <p:nvPr/>
+        </p:nvSpPr>
+        <p:spPr>
+          <a:xfrm>
+            <a:off x="7983532" y="2327839"/>
+            <a:ext cx="930063" cy="492443"/>
+          </a:xfrm>
+          <a:prstGeom prst="rect">
+            <a:avLst/>
+          </a:prstGeom>
+          <a:noFill/>
+        </p:spPr>
+        <p:txBody>
+          <a:bodyPr wrap="none" rtlCol="0">
+            <a:spAutoFit/>
+          </a:bodyPr>
+          <a:lstStyle/>
+          <a:p>
+            <a:r>
+              <a:rPr lang="de-DE" sz="2600" dirty="0" err="1"/>
+              <a:t>input</a:t>
+            </a:r>
+            <a:endParaRPr lang="de-DE" sz="2600" dirty="0"/>
+          </a:p>
+        </p:txBody>
+      </p:sp>
+      <p:sp>
+        <p:nvSpPr>
+          <p:cNvPr id="13" name="Textfeld 12">
+            <a:extLst>
+              <a:ext uri="{FF2B5EF4-FFF2-40B4-BE49-F238E27FC236}">
+                <a16:creationId xmlns:a16="http://schemas.microsoft.com/office/drawing/2014/main" id="{DA0A9184-808B-6FFE-8313-058147AF64C1}"/>
+              </a:ext>
+            </a:extLst>
+          </p:cNvPr>
+          <p:cNvSpPr txBox="1"/>
+          <p:nvPr/>
+        </p:nvSpPr>
+        <p:spPr>
+          <a:xfrm>
+            <a:off x="1518079" y="2327838"/>
+            <a:ext cx="1143262" cy="492443"/>
+          </a:xfrm>
+          <a:prstGeom prst="rect">
+            <a:avLst/>
+          </a:prstGeom>
+          <a:noFill/>
+        </p:spPr>
+        <p:txBody>
+          <a:bodyPr wrap="none" rtlCol="0">
+            <a:spAutoFit/>
+          </a:bodyPr>
+          <a:lstStyle/>
+          <a:p>
+            <a:r>
+              <a:rPr lang="de-DE" sz="2600" dirty="0" err="1"/>
+              <a:t>output</a:t>
+            </a:r>
+            <a:endParaRPr lang="de-DE" sz="2600" dirty="0"/>
+          </a:p>
+        </p:txBody>
+      </p:sp>
+      <p:sp>
+        <p:nvSpPr>
+          <p:cNvPr id="14" name="Textfeld 13">
+            <a:extLst>
+              <a:ext uri="{FF2B5EF4-FFF2-40B4-BE49-F238E27FC236}">
+                <a16:creationId xmlns:a16="http://schemas.microsoft.com/office/drawing/2014/main" id="{C6DBBE2E-AFEA-49C1-B06A-F6A89A9A88FC}"/>
+              </a:ext>
+            </a:extLst>
+          </p:cNvPr>
+          <p:cNvSpPr txBox="1"/>
+          <p:nvPr/>
+        </p:nvSpPr>
+        <p:spPr>
+          <a:xfrm>
+            <a:off x="9982200" y="2327837"/>
+            <a:ext cx="1143262" cy="492443"/>
+          </a:xfrm>
+          <a:prstGeom prst="rect">
+            <a:avLst/>
+          </a:prstGeom>
+          <a:noFill/>
+        </p:spPr>
+        <p:txBody>
+          <a:bodyPr wrap="none" rtlCol="0">
+            <a:spAutoFit/>
+          </a:bodyPr>
+          <a:lstStyle/>
+          <a:p>
+            <a:r>
+              <a:rPr lang="de-DE" sz="2600" dirty="0" err="1"/>
+              <a:t>output</a:t>
+            </a:r>
+            <a:endParaRPr lang="de-DE" sz="2600" dirty="0"/>
+          </a:p>
+        </p:txBody>
+      </p:sp>
+      <p:cxnSp>
+        <p:nvCxnSpPr>
+          <p:cNvPr id="16" name="Gerade Verbindung mit Pfeil 15">
+            <a:extLst>
+              <a:ext uri="{FF2B5EF4-FFF2-40B4-BE49-F238E27FC236}">
+                <a16:creationId xmlns:a16="http://schemas.microsoft.com/office/drawing/2014/main" id="{A5D4B663-9056-4F72-AC56-22458F3E43B7}"/>
+              </a:ext>
+            </a:extLst>
+          </p:cNvPr>
+          <p:cNvCxnSpPr>
+            <a:stCxn id="14" idx="2"/>
+          </p:cNvCxnSpPr>
+          <p:nvPr/>
+        </p:nvCxnSpPr>
+        <p:spPr>
+          <a:xfrm>
+            <a:off x="10553831" y="2820280"/>
+            <a:ext cx="474387" cy="837320"/>
+          </a:xfrm>
+          <a:prstGeom prst="straightConnector1">
+            <a:avLst/>
+          </a:prstGeom>
+          <a:ln>
+            <a:tailEnd type="triangle"/>
+          </a:ln>
+        </p:spPr>
+        <p:style>
+          <a:lnRef idx="2">
+            <a:schemeClr val="accent1"/>
+          </a:lnRef>
+          <a:fillRef idx="0">
+            <a:schemeClr val="accent1"/>
+          </a:fillRef>
+          <a:effectRef idx="1">
+            <a:schemeClr val="accent1"/>
+          </a:effectRef>
+          <a:fontRef idx="minor">
+            <a:schemeClr val="tx1"/>
+          </a:fontRef>
+        </p:style>
+      </p:cxnSp>
+      <p:cxnSp>
+        <p:nvCxnSpPr>
+          <p:cNvPr id="18" name="Gerade Verbindung mit Pfeil 17">
+            <a:extLst>
+              <a:ext uri="{FF2B5EF4-FFF2-40B4-BE49-F238E27FC236}">
+                <a16:creationId xmlns:a16="http://schemas.microsoft.com/office/drawing/2014/main" id="{284D980A-068C-3D37-4DD5-7E4DE59D5067}"/>
+              </a:ext>
+            </a:extLst>
+          </p:cNvPr>
+          <p:cNvCxnSpPr>
+            <a:stCxn id="12" idx="2"/>
+          </p:cNvCxnSpPr>
+          <p:nvPr/>
+        </p:nvCxnSpPr>
+        <p:spPr>
+          <a:xfrm flipH="1">
+            <a:off x="7878618" y="2820282"/>
+            <a:ext cx="569946" cy="985100"/>
+          </a:xfrm>
+          <a:prstGeom prst="straightConnector1">
+            <a:avLst/>
+          </a:prstGeom>
+          <a:ln>
+            <a:tailEnd type="triangle"/>
+          </a:ln>
+        </p:spPr>
+        <p:style>
+          <a:lnRef idx="2">
+            <a:schemeClr val="accent1"/>
+          </a:lnRef>
+          <a:fillRef idx="0">
+            <a:schemeClr val="accent1"/>
+          </a:fillRef>
+          <a:effectRef idx="1">
+            <a:schemeClr val="accent1"/>
+          </a:effectRef>
+          <a:fontRef idx="minor">
+            <a:schemeClr val="tx1"/>
+          </a:fontRef>
+        </p:style>
+      </p:cxnSp>
+      <p:cxnSp>
+        <p:nvCxnSpPr>
+          <p:cNvPr id="20" name="Gerade Verbindung mit Pfeil 19">
+            <a:extLst>
+              <a:ext uri="{FF2B5EF4-FFF2-40B4-BE49-F238E27FC236}">
+                <a16:creationId xmlns:a16="http://schemas.microsoft.com/office/drawing/2014/main" id="{EA971D6C-9261-85F2-0E65-CB9DA5B90560}"/>
+              </a:ext>
+            </a:extLst>
+          </p:cNvPr>
+          <p:cNvCxnSpPr>
+            <a:stCxn id="11" idx="2"/>
+          </p:cNvCxnSpPr>
+          <p:nvPr/>
+        </p:nvCxnSpPr>
+        <p:spPr>
+          <a:xfrm>
+            <a:off x="4508351" y="2820283"/>
+            <a:ext cx="144568" cy="837317"/>
+          </a:xfrm>
+          <a:prstGeom prst="straightConnector1">
+            <a:avLst/>
+          </a:prstGeom>
+          <a:ln>
+            <a:tailEnd type="triangle"/>
+          </a:ln>
+        </p:spPr>
+        <p:style>
+          <a:lnRef idx="2">
+            <a:schemeClr val="accent1"/>
+          </a:lnRef>
+          <a:fillRef idx="0">
+            <a:schemeClr val="accent1"/>
+          </a:fillRef>
+          <a:effectRef idx="1">
+            <a:schemeClr val="accent1"/>
+          </a:effectRef>
+          <a:fontRef idx="minor">
+            <a:schemeClr val="tx1"/>
+          </a:fontRef>
+        </p:style>
+      </p:cxnSp>
+      <p:cxnSp>
+        <p:nvCxnSpPr>
+          <p:cNvPr id="22" name="Gerade Verbindung mit Pfeil 21">
+            <a:extLst>
+              <a:ext uri="{FF2B5EF4-FFF2-40B4-BE49-F238E27FC236}">
+                <a16:creationId xmlns:a16="http://schemas.microsoft.com/office/drawing/2014/main" id="{D055DEDA-57B7-1635-3CD4-3C0C910EDDE2}"/>
+              </a:ext>
+            </a:extLst>
+          </p:cNvPr>
+          <p:cNvCxnSpPr>
+            <a:cxnSpLocks/>
+            <a:stCxn id="13" idx="2"/>
+          </p:cNvCxnSpPr>
+          <p:nvPr/>
+        </p:nvCxnSpPr>
+        <p:spPr>
+          <a:xfrm flipH="1">
+            <a:off x="1349913" y="2820281"/>
+            <a:ext cx="739797" cy="985101"/>
+          </a:xfrm>
+          <a:prstGeom prst="straightConnector1">
+            <a:avLst/>
+          </a:prstGeom>
+          <a:ln>
+            <a:tailEnd type="triangle"/>
+          </a:ln>
+        </p:spPr>
+        <p:style>
+          <a:lnRef idx="2">
+            <a:schemeClr val="accent1"/>
+          </a:lnRef>
+          <a:fillRef idx="0">
+            <a:schemeClr val="accent1"/>
+          </a:fillRef>
+          <a:effectRef idx="1">
+            <a:schemeClr val="accent1"/>
+          </a:effectRef>
+          <a:fontRef idx="minor">
+            <a:schemeClr val="tx1"/>
+          </a:fontRef>
+        </p:style>
+      </p:cxnSp>
+      <p:sp>
+        <p:nvSpPr>
+          <p:cNvPr id="24" name="Textfeld 23">
+            <a:extLst>
+              <a:ext uri="{FF2B5EF4-FFF2-40B4-BE49-F238E27FC236}">
+                <a16:creationId xmlns:a16="http://schemas.microsoft.com/office/drawing/2014/main" id="{0EE07AB7-9F49-8EF7-51A5-6A604B4ECB7B}"/>
+              </a:ext>
+            </a:extLst>
+          </p:cNvPr>
+          <p:cNvSpPr txBox="1"/>
+          <p:nvPr/>
+        </p:nvSpPr>
+        <p:spPr>
+          <a:xfrm>
+            <a:off x="5028176" y="5684080"/>
+            <a:ext cx="1103187" cy="492443"/>
+          </a:xfrm>
+          <a:prstGeom prst="rect">
+            <a:avLst/>
+          </a:prstGeom>
+          <a:noFill/>
+        </p:spPr>
+        <p:txBody>
+          <a:bodyPr wrap="none" rtlCol="0">
+            <a:spAutoFit/>
+          </a:bodyPr>
+          <a:lstStyle/>
+          <a:p>
+            <a:r>
+              <a:rPr lang="de-DE" sz="2600" dirty="0" err="1"/>
+              <a:t>model</a:t>
+            </a:r>
+            <a:endParaRPr lang="de-DE" sz="2600" dirty="0"/>
+          </a:p>
+        </p:txBody>
+      </p:sp>
+      <p:cxnSp>
+        <p:nvCxnSpPr>
+          <p:cNvPr id="26" name="Gerade Verbindung mit Pfeil 25">
+            <a:extLst>
+              <a:ext uri="{FF2B5EF4-FFF2-40B4-BE49-F238E27FC236}">
+                <a16:creationId xmlns:a16="http://schemas.microsoft.com/office/drawing/2014/main" id="{530B8D0B-72F6-B57A-81B7-1E6E9F5E7A1A}"/>
+              </a:ext>
+            </a:extLst>
+          </p:cNvPr>
+          <p:cNvCxnSpPr>
+            <a:stCxn id="24" idx="1"/>
+            <a:endCxn id="9" idx="3"/>
+          </p:cNvCxnSpPr>
+          <p:nvPr/>
+        </p:nvCxnSpPr>
+        <p:spPr>
+          <a:xfrm flipH="1">
+            <a:off x="3023606" y="5930302"/>
+            <a:ext cx="2004570" cy="2"/>
+          </a:xfrm>
+          <a:prstGeom prst="straightConnector1">
+            <a:avLst/>
+          </a:prstGeom>
+          <a:ln>
+            <a:tailEnd type="triangle"/>
+          </a:ln>
+        </p:spPr>
+        <p:style>
+          <a:lnRef idx="2">
+            <a:schemeClr val="accent1"/>
+          </a:lnRef>
+          <a:fillRef idx="0">
+            <a:schemeClr val="accent1"/>
+          </a:fillRef>
+          <a:effectRef idx="1">
+            <a:schemeClr val="accent1"/>
+          </a:effectRef>
+          <a:fontRef idx="minor">
+            <a:schemeClr val="tx1"/>
+          </a:fontRef>
+        </p:style>
+      </p:cxnSp>
+      <p:cxnSp>
+        <p:nvCxnSpPr>
+          <p:cNvPr id="28" name="Gerade Verbindung mit Pfeil 27">
+            <a:extLst>
+              <a:ext uri="{FF2B5EF4-FFF2-40B4-BE49-F238E27FC236}">
+                <a16:creationId xmlns:a16="http://schemas.microsoft.com/office/drawing/2014/main" id="{26594CF1-074C-E8CD-3C7E-0CF751457D7B}"/>
+              </a:ext>
+            </a:extLst>
+          </p:cNvPr>
+          <p:cNvCxnSpPr>
+            <a:stCxn id="24" idx="3"/>
+            <a:endCxn id="10" idx="1"/>
+          </p:cNvCxnSpPr>
+          <p:nvPr/>
+        </p:nvCxnSpPr>
+        <p:spPr>
+          <a:xfrm>
+            <a:off x="6131363" y="5930302"/>
+            <a:ext cx="2004570" cy="1"/>
+          </a:xfrm>
+          <a:prstGeom prst="straightConnector1">
+            <a:avLst/>
+          </a:prstGeom>
+          <a:ln>
+            <a:tailEnd type="triangle"/>
+          </a:ln>
+        </p:spPr>
+        <p:style>
+          <a:lnRef idx="2">
+            <a:schemeClr val="accent1"/>
+          </a:lnRef>
+          <a:fillRef idx="0">
+            <a:schemeClr val="accent1"/>
+          </a:fillRef>
+          <a:effectRef idx="1">
+            <a:schemeClr val="accent1"/>
+          </a:effectRef>
+          <a:fontRef idx="minor">
+            <a:schemeClr val="tx1"/>
+          </a:fontRef>
+        </p:style>
+      </p:cxnSp>
     </p:spTree>
     <p:extLst>
       <p:ext uri="{BB962C8B-B14F-4D97-AF65-F5344CB8AC3E}">
-        <p14:creationId xmlns:p14="http://schemas.microsoft.com/office/powerpoint/2010/main" val="453630846"/>
+        <p14:creationId xmlns:p14="http://schemas.microsoft.com/office/powerpoint/2010/main" val="1428755676"/>
       </p:ext>
     </p:extLst>
   </p:cSld>
@@ -6210,7 +8101,7 @@
           <p:cNvPr id="2" name="Titel 1">
             <a:extLst>
               <a:ext uri="{FF2B5EF4-FFF2-40B4-BE49-F238E27FC236}">
-                <a16:creationId xmlns:a16="http://schemas.microsoft.com/office/drawing/2014/main" id="{5557BBD5-0976-992A-C54D-C2DDFAFB23F8}"/>
+                <a16:creationId xmlns:a16="http://schemas.microsoft.com/office/drawing/2014/main" id="{709B6817-D8E2-2AA6-7697-58C1469A6DEF}"/>
               </a:ext>
             </a:extLst>
           </p:cNvPr>
@@ -6227,22 +8118,18 @@
           <a:lstStyle/>
           <a:p>
             <a:r>
-              <a:rPr lang="de-DE" dirty="0" err="1"/>
-              <a:t>Mathematical</a:t>
-            </a:r>
-            <a:r>
               <a:rPr lang="de-DE" dirty="0"/>
-              <a:t> Models</a:t>
-            </a:r>
-          </a:p>
-        </p:txBody>
-      </p:sp>
-      <p:sp>
-        <p:nvSpPr>
-          <p:cNvPr id="3" name="Inhaltsplatzhalter 2">
-            <a:extLst>
-              <a:ext uri="{FF2B5EF4-FFF2-40B4-BE49-F238E27FC236}">
-                <a16:creationId xmlns:a16="http://schemas.microsoft.com/office/drawing/2014/main" id="{8DE79026-1D13-D336-F5DD-95F40151C1EC}"/>
+              <a:t>Static and Dynamic Systems</a:t>
+            </a:r>
+          </a:p>
+        </p:txBody>
+      </p:sp>
+      <p:sp>
+        <p:nvSpPr>
+          <p:cNvPr id="5" name="Inhaltsplatzhalter 4">
+            <a:extLst>
+              <a:ext uri="{FF2B5EF4-FFF2-40B4-BE49-F238E27FC236}">
+                <a16:creationId xmlns:a16="http://schemas.microsoft.com/office/drawing/2014/main" id="{CDFBEA91-6A2C-D74A-3F3D-4F9B9F075436}"/>
               </a:ext>
             </a:extLst>
           </p:cNvPr>
@@ -6250,110 +8137,350 @@
             <a:spLocks noGrp="1"/>
           </p:cNvSpPr>
           <p:nvPr>
-            <p:ph idx="1"/>
+            <p:ph sz="half" idx="1"/>
           </p:nvPr>
         </p:nvSpPr>
         <p:spPr/>
         <p:txBody>
-          <a:bodyPr/>
+          <a:bodyPr>
+            <a:normAutofit lnSpcReduction="10000"/>
+          </a:bodyPr>
           <a:lstStyle/>
           <a:p>
-            <a:r>
-              <a:rPr lang="de-DE" dirty="0" err="1"/>
-              <a:t>Algebraic</a:t>
-            </a:r>
-            <a:r>
-              <a:rPr lang="de-DE" dirty="0"/>
+            <a:pPr marL="0" indent="0">
+              <a:buNone/>
+            </a:pPr>
+            <a:r>
+              <a:rPr lang="de-DE" sz="2400" dirty="0"/>
+              <a:t>Static </a:t>
+            </a:r>
+            <a:r>
+              <a:rPr lang="de-DE" sz="2400" dirty="0" err="1"/>
+              <a:t>system</a:t>
+            </a:r>
+            <a:r>
+              <a:rPr lang="de-DE" sz="2400" dirty="0"/>
+              <a:t>:</a:t>
+            </a:r>
+          </a:p>
+          <a:p>
+            <a:pPr marL="0" indent="0">
+              <a:buNone/>
+            </a:pPr>
+            <a:endParaRPr lang="de-DE" sz="2400" dirty="0"/>
+          </a:p>
+          <a:p>
+            <a:pPr marL="0" indent="0">
+              <a:buNone/>
+            </a:pPr>
+            <a:r>
+              <a:rPr lang="de-DE" sz="2400" dirty="0"/>
+              <a:t>Output </a:t>
+            </a:r>
+            <a:r>
+              <a:rPr lang="de-DE" sz="2400" dirty="0" err="1"/>
+              <a:t>depends</a:t>
+            </a:r>
+            <a:r>
+              <a:rPr lang="de-DE" sz="2400" dirty="0"/>
               <a:t> </a:t>
             </a:r>
             <a:r>
-              <a:rPr lang="de-DE" dirty="0" err="1"/>
-              <a:t>equations</a:t>
-            </a:r>
-            <a:r>
-              <a:rPr lang="de-DE" dirty="0"/>
-              <a:t> (</a:t>
-            </a:r>
-            <a:r>
-              <a:rPr lang="de-DE" dirty="0" err="1"/>
-              <a:t>static</a:t>
-            </a:r>
-            <a:r>
-              <a:rPr lang="de-DE" dirty="0"/>
+              <a:rPr lang="de-DE" sz="2400" dirty="0" err="1"/>
+              <a:t>only</a:t>
+            </a:r>
+            <a:r>
+              <a:rPr lang="de-DE" sz="2400" dirty="0"/>
+              <a:t> on </a:t>
+            </a:r>
+            <a:r>
+              <a:rPr lang="de-DE" sz="2400" dirty="0" err="1"/>
+              <a:t>the</a:t>
+            </a:r>
+            <a:r>
+              <a:rPr lang="de-DE" sz="2400" dirty="0"/>
               <a:t> </a:t>
             </a:r>
             <a:r>
-              <a:rPr lang="de-DE" dirty="0" err="1"/>
-              <a:t>systems</a:t>
-            </a:r>
-            <a:r>
-              <a:rPr lang="de-DE" dirty="0"/>
-              <a:t>)</a:t>
-            </a:r>
-          </a:p>
-          <a:p>
-            <a:r>
-              <a:rPr lang="de-DE" dirty="0"/>
-              <a:t>Differential </a:t>
-            </a:r>
-            <a:r>
-              <a:rPr lang="de-DE" dirty="0" err="1"/>
-              <a:t>equations</a:t>
-            </a:r>
-            <a:r>
-              <a:rPr lang="de-DE" dirty="0"/>
-              <a:t> (</a:t>
-            </a:r>
-            <a:r>
-              <a:rPr lang="de-DE" dirty="0" err="1"/>
+              <a:rPr lang="de-DE" sz="2400" dirty="0" err="1"/>
+              <a:t>current</a:t>
+            </a:r>
+            <a:r>
+              <a:rPr lang="de-DE" sz="2400" dirty="0"/>
+              <a:t> </a:t>
+            </a:r>
+            <a:r>
+              <a:rPr lang="de-DE" sz="2400" dirty="0" err="1"/>
+              <a:t>input</a:t>
+            </a:r>
+            <a:r>
+              <a:rPr lang="de-DE" sz="2400" dirty="0"/>
+              <a:t>, </a:t>
+            </a:r>
+            <a:r>
+              <a:rPr lang="de-DE" sz="2400" dirty="0" err="1"/>
+              <a:t>no</a:t>
+            </a:r>
+            <a:r>
+              <a:rPr lang="de-DE" sz="2400" dirty="0"/>
+              <a:t> </a:t>
+            </a:r>
+            <a:r>
+              <a:rPr lang="de-DE" sz="2400" dirty="0" err="1"/>
+              <a:t>memory</a:t>
+            </a:r>
+            <a:endParaRPr lang="de-DE" sz="2400" dirty="0"/>
+          </a:p>
+          <a:p>
+            <a:pPr marL="0" indent="0">
+              <a:buNone/>
+            </a:pPr>
+            <a:endParaRPr lang="de-DE" sz="2400" dirty="0"/>
+          </a:p>
+          <a:p>
+            <a:pPr marL="0" indent="0">
+              <a:buNone/>
+            </a:pPr>
+            <a:r>
+              <a:rPr lang="de-DE" sz="2400" dirty="0"/>
+              <a:t>Time-</a:t>
+            </a:r>
+            <a:r>
+              <a:rPr lang="de-DE" sz="2400" dirty="0" err="1"/>
+              <a:t>varying</a:t>
+            </a:r>
+            <a:r>
+              <a:rPr lang="de-DE" sz="2400" dirty="0"/>
+              <a:t> ≠ </a:t>
+            </a:r>
+            <a:r>
+              <a:rPr lang="de-DE" sz="2400" dirty="0" err="1"/>
               <a:t>dynamic</a:t>
             </a:r>
-            <a:r>
-              <a:rPr lang="de-DE" dirty="0"/>
+            <a:endParaRPr lang="de-DE" sz="2400" dirty="0"/>
+          </a:p>
+          <a:p>
+            <a:pPr marL="0" indent="0">
+              <a:buNone/>
+            </a:pPr>
+            <a:endParaRPr lang="de-DE" sz="2400" dirty="0"/>
+          </a:p>
+          <a:p>
+            <a:pPr marL="0" indent="0">
+              <a:buNone/>
+            </a:pPr>
+            <a:r>
+              <a:rPr lang="de-DE" sz="2400" dirty="0" err="1"/>
+              <a:t>Examples</a:t>
+            </a:r>
+            <a:r>
+              <a:rPr lang="de-DE" sz="2400" dirty="0"/>
+              <a:t>:</a:t>
+            </a:r>
+          </a:p>
+          <a:p>
+            <a:r>
+              <a:rPr lang="de-DE" sz="2400" dirty="0" err="1"/>
+              <a:t>Resistor</a:t>
+            </a:r>
+            <a:endParaRPr lang="de-DE" sz="2400" dirty="0"/>
+          </a:p>
+          <a:p>
+            <a:r>
+              <a:rPr lang="de-DE" sz="2400" dirty="0"/>
+              <a:t>Valve</a:t>
+            </a:r>
+          </a:p>
+          <a:p>
+            <a:pPr marL="0" indent="0">
+              <a:buNone/>
+            </a:pPr>
+            <a:endParaRPr lang="de-DE" sz="2400" dirty="0"/>
+          </a:p>
+        </p:txBody>
+      </p:sp>
+      <p:sp>
+        <p:nvSpPr>
+          <p:cNvPr id="6" name="Inhaltsplatzhalter 5">
+            <a:extLst>
+              <a:ext uri="{FF2B5EF4-FFF2-40B4-BE49-F238E27FC236}">
+                <a16:creationId xmlns:a16="http://schemas.microsoft.com/office/drawing/2014/main" id="{6CFF3653-0989-4B37-A4F6-8582EF393869}"/>
+              </a:ext>
+            </a:extLst>
+          </p:cNvPr>
+          <p:cNvSpPr>
+            <a:spLocks noGrp="1"/>
+          </p:cNvSpPr>
+          <p:nvPr>
+            <p:ph sz="half" idx="2"/>
+          </p:nvPr>
+        </p:nvSpPr>
+        <p:spPr/>
+        <p:txBody>
+          <a:bodyPr>
+            <a:normAutofit lnSpcReduction="10000"/>
+          </a:bodyPr>
+          <a:lstStyle/>
+          <a:p>
+            <a:pPr marL="0" indent="0">
+              <a:buNone/>
+            </a:pPr>
+            <a:r>
+              <a:rPr lang="de-DE" sz="2600" dirty="0"/>
+              <a:t>Dynamic </a:t>
+            </a:r>
+            <a:r>
+              <a:rPr lang="de-DE" sz="2600" dirty="0" err="1"/>
+              <a:t>system</a:t>
+            </a:r>
+            <a:r>
+              <a:rPr lang="de-DE" sz="2600" dirty="0"/>
+              <a:t>:</a:t>
+            </a:r>
+          </a:p>
+          <a:p>
+            <a:pPr marL="0" indent="0">
+              <a:buNone/>
+            </a:pPr>
+            <a:endParaRPr lang="de-DE" sz="2400" dirty="0"/>
+          </a:p>
+          <a:p>
+            <a:pPr marL="0" indent="0">
+              <a:buNone/>
+            </a:pPr>
+            <a:r>
+              <a:rPr lang="de-DE" sz="2400" dirty="0"/>
+              <a:t>Output </a:t>
+            </a:r>
+            <a:r>
+              <a:rPr lang="de-DE" sz="2400" dirty="0" err="1"/>
+              <a:t>depends</a:t>
+            </a:r>
+            <a:r>
+              <a:rPr lang="de-DE" sz="2400" dirty="0"/>
+              <a:t> on </a:t>
+            </a:r>
+            <a:r>
+              <a:rPr lang="de-DE" sz="2400" dirty="0" err="1"/>
+              <a:t>input</a:t>
+            </a:r>
+            <a:r>
+              <a:rPr lang="de-DE" sz="2400" dirty="0"/>
+              <a:t> and </a:t>
+            </a:r>
+            <a:r>
+              <a:rPr lang="de-DE" sz="2400" dirty="0" err="1"/>
+              <a:t>past</a:t>
+            </a:r>
+            <a:r>
+              <a:rPr lang="de-DE" sz="2400" dirty="0"/>
               <a:t> </a:t>
             </a:r>
             <a:r>
-              <a:rPr lang="de-DE" dirty="0" err="1"/>
-              <a:t>systems</a:t>
-            </a:r>
-            <a:r>
-              <a:rPr lang="de-DE" dirty="0"/>
-              <a:t>)</a:t>
-            </a:r>
-          </a:p>
-          <a:p>
-            <a:r>
-              <a:rPr lang="de-DE" dirty="0" err="1"/>
-              <a:t>Difference</a:t>
-            </a:r>
-            <a:r>
-              <a:rPr lang="de-DE" dirty="0"/>
+              <a:rPr lang="de-DE" sz="2400" dirty="0" err="1"/>
+              <a:t>states</a:t>
+            </a:r>
+            <a:r>
+              <a:rPr lang="de-DE" sz="2400" dirty="0"/>
               <a:t> </a:t>
             </a:r>
             <a:r>
-              <a:rPr lang="de-DE" dirty="0" err="1"/>
-              <a:t>equations</a:t>
-            </a:r>
-            <a:r>
-              <a:rPr lang="de-DE" dirty="0"/>
-              <a:t> (</a:t>
-            </a:r>
-            <a:r>
-              <a:rPr lang="de-DE" dirty="0" err="1"/>
-              <a:t>discrete</a:t>
-            </a:r>
-            <a:r>
-              <a:rPr lang="de-DE" dirty="0"/>
-              <a:t>-time </a:t>
-            </a:r>
-            <a:r>
-              <a:rPr lang="de-DE" dirty="0" err="1"/>
-              <a:t>systems</a:t>
-            </a:r>
-            <a:r>
-              <a:rPr lang="de-DE" dirty="0"/>
-              <a:t>)</a:t>
-            </a:r>
+              <a:rPr lang="de-DE" sz="2400" dirty="0">
+                <a:sym typeface="Wingdings" pitchFamily="2" charset="2"/>
+              </a:rPr>
+              <a:t> </a:t>
+            </a:r>
+            <a:r>
+              <a:rPr lang="de-DE" sz="2400" dirty="0" err="1">
+                <a:sym typeface="Wingdings" pitchFamily="2" charset="2"/>
+              </a:rPr>
+              <a:t>e</a:t>
+            </a:r>
+            <a:r>
+              <a:rPr lang="de-DE" sz="2400" dirty="0" err="1"/>
+              <a:t>volves</a:t>
+            </a:r>
+            <a:r>
+              <a:rPr lang="de-DE" sz="2400" dirty="0"/>
+              <a:t> </a:t>
+            </a:r>
+            <a:r>
+              <a:rPr lang="de-DE" sz="2400" dirty="0" err="1"/>
+              <a:t>over</a:t>
+            </a:r>
+            <a:r>
+              <a:rPr lang="de-DE" sz="2400" dirty="0"/>
+              <a:t> time</a:t>
+            </a:r>
+          </a:p>
+          <a:p>
+            <a:pPr marL="0" indent="0">
+              <a:buNone/>
+            </a:pPr>
+            <a:endParaRPr lang="de-DE" sz="2400" dirty="0"/>
+          </a:p>
+          <a:p>
+            <a:pPr marL="0" indent="0">
+              <a:buNone/>
+            </a:pPr>
+            <a:r>
+              <a:rPr lang="de-DE" sz="2400" dirty="0"/>
+              <a:t>Energy </a:t>
+            </a:r>
+            <a:r>
+              <a:rPr lang="de-DE" sz="2400" dirty="0" err="1"/>
+              <a:t>storage</a:t>
+            </a:r>
+            <a:r>
+              <a:rPr lang="de-DE" sz="2400" dirty="0"/>
+              <a:t> → </a:t>
+            </a:r>
+            <a:r>
+              <a:rPr lang="de-DE" sz="2400" dirty="0" err="1"/>
+              <a:t>memory</a:t>
+            </a:r>
+            <a:endParaRPr lang="de-DE" sz="2400" dirty="0"/>
+          </a:p>
+          <a:p>
+            <a:pPr marL="0" indent="0">
+              <a:buNone/>
+            </a:pPr>
+            <a:endParaRPr lang="de-DE" sz="2400" dirty="0"/>
+          </a:p>
+          <a:p>
+            <a:pPr marL="0" indent="0">
+              <a:buNone/>
+            </a:pPr>
+            <a:r>
+              <a:rPr lang="de-DE" sz="2400" dirty="0" err="1"/>
+              <a:t>Examples</a:t>
+            </a:r>
+            <a:r>
+              <a:rPr lang="de-DE" sz="2400" dirty="0"/>
+              <a:t>:</a:t>
+            </a:r>
+          </a:p>
+          <a:p>
+            <a:r>
+              <a:rPr lang="de-DE" sz="2400" dirty="0" err="1"/>
+              <a:t>Capacitor</a:t>
+            </a:r>
+            <a:endParaRPr lang="de-DE" sz="2400" dirty="0"/>
+          </a:p>
+          <a:p>
+            <a:r>
+              <a:rPr lang="de-DE" sz="2400" dirty="0" err="1"/>
+              <a:t>Mass</a:t>
+            </a:r>
+            <a:r>
+              <a:rPr lang="de-DE" sz="2400" dirty="0"/>
+              <a:t>–spring–</a:t>
+            </a:r>
+            <a:r>
+              <a:rPr lang="de-DE" sz="2400" dirty="0" err="1"/>
+              <a:t>damper</a:t>
+            </a:r>
+            <a:endParaRPr lang="de-DE" sz="2400" dirty="0"/>
           </a:p>
         </p:txBody>
       </p:sp>
@@ -6362,7 +8489,7 @@
           <p:cNvPr id="4" name="Foliennummernplatzhalter 3">
             <a:extLst>
               <a:ext uri="{FF2B5EF4-FFF2-40B4-BE49-F238E27FC236}">
-                <a16:creationId xmlns:a16="http://schemas.microsoft.com/office/drawing/2014/main" id="{B7583754-5D23-8629-F02D-3782D4A73C78}"/>
+                <a16:creationId xmlns:a16="http://schemas.microsoft.com/office/drawing/2014/main" id="{22028F3F-A06F-B192-9493-474FEFE31776}"/>
               </a:ext>
             </a:extLst>
           </p:cNvPr>
@@ -6389,7 +8516,7 @@
     </p:spTree>
     <p:extLst>
       <p:ext uri="{BB962C8B-B14F-4D97-AF65-F5344CB8AC3E}">
-        <p14:creationId xmlns:p14="http://schemas.microsoft.com/office/powerpoint/2010/main" val="3721757896"/>
+        <p14:creationId xmlns:p14="http://schemas.microsoft.com/office/powerpoint/2010/main" val="1398063689"/>
       </p:ext>
     </p:extLst>
   </p:cSld>
@@ -6421,7 +8548,7 @@
           <p:cNvPr id="2" name="Titel 1">
             <a:extLst>
               <a:ext uri="{FF2B5EF4-FFF2-40B4-BE49-F238E27FC236}">
-                <a16:creationId xmlns:a16="http://schemas.microsoft.com/office/drawing/2014/main" id="{6790FEE8-8184-DD9F-1C24-7654B2B8CF92}"/>
+                <a16:creationId xmlns:a16="http://schemas.microsoft.com/office/drawing/2014/main" id="{A71606A2-6F1E-C0EF-03AE-7388CF78167A}"/>
               </a:ext>
             </a:extLst>
           </p:cNvPr>
@@ -6438,16 +8565,20 @@
           <a:lstStyle/>
           <a:p>
             <a:r>
+              <a:rPr lang="de-DE" dirty="0" err="1"/>
+              <a:t>Why</a:t>
+            </a:r>
+            <a:r>
               <a:rPr lang="de-DE" dirty="0"/>
-              <a:t>Differential </a:t>
+              <a:t> </a:t>
             </a:r>
             <a:r>
               <a:rPr lang="de-DE" dirty="0" err="1"/>
-              <a:t>Equations</a:t>
+              <a:t>We</a:t>
             </a:r>
             <a:r>
               <a:rPr lang="de-DE" dirty="0"/>
-              <a:t> in Control</a:t>
+              <a:t> Need Models</a:t>
             </a:r>
           </a:p>
         </p:txBody>
@@ -6457,7 +8588,7 @@
           <p:cNvPr id="3" name="Inhaltsplatzhalter 2">
             <a:extLst>
               <a:ext uri="{FF2B5EF4-FFF2-40B4-BE49-F238E27FC236}">
-                <a16:creationId xmlns:a16="http://schemas.microsoft.com/office/drawing/2014/main" id="{833EE465-2DFE-E432-459B-8A985DE18EC4}"/>
+                <a16:creationId xmlns:a16="http://schemas.microsoft.com/office/drawing/2014/main" id="{BAEF1E5E-946D-EAB2-3D18-108394A5EEA1}"/>
               </a:ext>
             </a:extLst>
           </p:cNvPr>
@@ -6475,7 +8606,7 @@
           <a:p>
             <a:r>
               <a:rPr lang="de-DE" dirty="0" err="1"/>
-              <a:t>Describe</a:t>
+              <a:t>Predict</a:t>
             </a:r>
             <a:r>
               <a:rPr lang="de-DE" dirty="0"/>
@@ -6483,7 +8614,7 @@
             </a:r>
             <a:r>
               <a:rPr lang="de-DE" dirty="0" err="1"/>
-              <a:t>dynamics</a:t>
+              <a:t>system</a:t>
             </a:r>
             <a:r>
               <a:rPr lang="de-DE" dirty="0"/>
@@ -6491,76 +8622,7 @@
             </a:r>
             <a:r>
               <a:rPr lang="de-DE" dirty="0" err="1"/>
-              <a:t>using</a:t>
-            </a:r>
-            <a:r>
-              <a:rPr lang="de-DE" dirty="0"/>
-              <a:t> derivatives</a:t>
-            </a:r>
-          </a:p>
-          <a:p>
-            <a:r>
-              <a:rPr lang="de-DE" dirty="0" err="1"/>
-              <a:t>Example</a:t>
-            </a:r>
-            <a:r>
-              <a:rPr lang="de-DE" dirty="0"/>
-              <a:t>: </a:t>
-            </a:r>
-            <a:r>
-              <a:rPr lang="de-DE" dirty="0" err="1"/>
-              <a:t>mass</a:t>
-            </a:r>
-            <a:r>
-              <a:rPr lang="de-DE" dirty="0"/>
-              <a:t>–spring–</a:t>
-            </a:r>
-            <a:r>
-              <a:rPr lang="de-DE" dirty="0" err="1"/>
-              <a:t>damper</a:t>
-            </a:r>
-            <a:r>
-              <a:rPr lang="de-DE" dirty="0"/>
-              <a:t> </a:t>
-            </a:r>
-            <a:r>
-              <a:rPr lang="de-DE" dirty="0" err="1"/>
-              <a:t>system</a:t>
-            </a:r>
-            <a:endParaRPr lang="de-DE" dirty="0"/>
-          </a:p>
-          <a:p>
-            <a:r>
-              <a:rPr lang="de-DE" dirty="0"/>
-              <a:t>Order </a:t>
-            </a:r>
-            <a:r>
-              <a:rPr lang="de-DE" dirty="0" err="1"/>
-              <a:t>of</a:t>
-            </a:r>
-            <a:r>
-              <a:rPr lang="de-DE" dirty="0"/>
-              <a:t> </a:t>
-            </a:r>
-            <a:r>
-              <a:rPr lang="de-DE" dirty="0" err="1"/>
-              <a:t>equation</a:t>
-            </a:r>
-            <a:r>
-              <a:rPr lang="de-DE" dirty="0"/>
-              <a:t> = </a:t>
-            </a:r>
-            <a:r>
-              <a:rPr lang="de-DE" dirty="0" err="1"/>
-              <a:t>system</a:t>
-            </a:r>
-            <a:r>
-              <a:rPr lang="de-DE" dirty="0"/>
-              <a:t> </a:t>
-            </a:r>
-            <a:r>
-              <a:rPr lang="de-DE" dirty="0" err="1"/>
-              <a:t>order</a:t>
+              <a:t>behavior</a:t>
             </a:r>
             <a:endParaRPr lang="de-DE" dirty="0"/>
           </a:p>
@@ -6571,12 +8633,42 @@
             <a:endParaRPr lang="de-DE" dirty="0"/>
           </a:p>
           <a:p>
+            <a:r>
+              <a:rPr lang="de-DE" dirty="0"/>
+              <a:t>Design </a:t>
+            </a:r>
+            <a:r>
+              <a:rPr lang="de-DE" dirty="0" err="1"/>
+              <a:t>controllers</a:t>
+            </a:r>
+            <a:r>
+              <a:rPr lang="de-DE" dirty="0"/>
+              <a:t> </a:t>
+            </a:r>
+            <a:r>
+              <a:rPr lang="de-DE" dirty="0" err="1"/>
+              <a:t>before</a:t>
+            </a:r>
+            <a:r>
+              <a:rPr lang="de-DE" dirty="0"/>
+              <a:t> </a:t>
+            </a:r>
+            <a:r>
+              <a:rPr lang="de-DE" dirty="0" err="1"/>
+              <a:t>implementation</a:t>
+            </a:r>
+            <a:endParaRPr lang="de-DE" dirty="0"/>
+          </a:p>
+          <a:p>
             <a:pPr marL="0" indent="0">
               <a:buNone/>
             </a:pPr>
-            <a:r>
-              <a:rPr lang="de-DE" b="1" dirty="0"/>
-              <a:t>Image:</a:t>
+            <a:endParaRPr lang="de-DE" dirty="0"/>
+          </a:p>
+          <a:p>
+            <a:r>
+              <a:rPr lang="de-DE" dirty="0" err="1"/>
+              <a:t>Understand</a:t>
             </a:r>
             <a:r>
               <a:rPr lang="de-DE" dirty="0"/>
@@ -6584,15 +8676,15 @@
             </a:r>
             <a:r>
               <a:rPr lang="de-DE" dirty="0" err="1"/>
-              <a:t>mass</a:t>
+              <a:t>cause</a:t>
             </a:r>
             <a:r>
               <a:rPr lang="de-DE" dirty="0"/>
-              <a:t>–spring–</a:t>
+              <a:t>-and-</a:t>
             </a:r>
             <a:r>
               <a:rPr lang="de-DE" dirty="0" err="1"/>
-              <a:t>damper</a:t>
+              <a:t>effect</a:t>
             </a:r>
             <a:r>
               <a:rPr lang="de-DE" dirty="0"/>
@@ -6600,10 +8692,47 @@
             </a:r>
             <a:r>
               <a:rPr lang="de-DE" dirty="0" err="1"/>
-              <a:t>schematic</a:t>
+              <a:t>relationships</a:t>
             </a:r>
             <a:endParaRPr lang="de-DE" dirty="0"/>
           </a:p>
+          <a:p>
+            <a:pPr marL="0" indent="0">
+              <a:buNone/>
+            </a:pPr>
+            <a:endParaRPr lang="de-DE" dirty="0"/>
+          </a:p>
+          <a:p>
+            <a:r>
+              <a:rPr lang="de-DE" dirty="0" err="1"/>
+              <a:t>Simplify</a:t>
+            </a:r>
+            <a:r>
+              <a:rPr lang="de-DE" dirty="0"/>
+              <a:t> </a:t>
+            </a:r>
+            <a:r>
+              <a:rPr lang="de-DE" dirty="0" err="1"/>
+              <a:t>complex</a:t>
+            </a:r>
+            <a:r>
+              <a:rPr lang="de-DE" dirty="0"/>
+              <a:t> real-</a:t>
+            </a:r>
+            <a:r>
+              <a:rPr lang="de-DE" dirty="0" err="1"/>
+              <a:t>world</a:t>
+            </a:r>
+            <a:r>
+              <a:rPr lang="de-DE" dirty="0"/>
+              <a:t> </a:t>
+            </a:r>
+            <a:r>
+              <a:rPr lang="de-DE" dirty="0" err="1"/>
+              <a:t>systems</a:t>
+            </a:r>
+            <a:endParaRPr lang="de-DE" dirty="0"/>
+          </a:p>
         </p:txBody>
       </p:sp>
       <p:sp>
@@ -6611,7 +8740,7 @@
           <p:cNvPr id="4" name="Foliennummernplatzhalter 3">
             <a:extLst>
               <a:ext uri="{FF2B5EF4-FFF2-40B4-BE49-F238E27FC236}">
-                <a16:creationId xmlns:a16="http://schemas.microsoft.com/office/drawing/2014/main" id="{A6162B11-9C37-F0BA-412F-DEFAC076B222}"/>
+                <a16:creationId xmlns:a16="http://schemas.microsoft.com/office/drawing/2014/main" id="{1945D2F4-D7D0-AE36-EB76-D655433A4960}"/>
               </a:ext>
             </a:extLst>
           </p:cNvPr>
@@ -6638,7 +8767,7 @@
     </p:spTree>
     <p:extLst>
       <p:ext uri="{BB962C8B-B14F-4D97-AF65-F5344CB8AC3E}">
-        <p14:creationId xmlns:p14="http://schemas.microsoft.com/office/powerpoint/2010/main" val="444853122"/>
+        <p14:creationId xmlns:p14="http://schemas.microsoft.com/office/powerpoint/2010/main" val="453630846"/>
       </p:ext>
     </p:extLst>
   </p:cSld>
@@ -6670,7 +8799,7 @@
           <p:cNvPr id="2" name="Titel 1">
             <a:extLst>
               <a:ext uri="{FF2B5EF4-FFF2-40B4-BE49-F238E27FC236}">
-                <a16:creationId xmlns:a16="http://schemas.microsoft.com/office/drawing/2014/main" id="{A24430FE-3799-1595-6BBF-C595E3B33173}"/>
+                <a16:creationId xmlns:a16="http://schemas.microsoft.com/office/drawing/2014/main" id="{5557BBD5-0976-992A-C54D-C2DDFAFB23F8}"/>
               </a:ext>
             </a:extLst>
           </p:cNvPr>
@@ -6687,128 +8816,542 @@
           <a:lstStyle/>
           <a:p>
             <a:r>
+              <a:rPr lang="de-DE" dirty="0" err="1"/>
+              <a:t>Mathematical</a:t>
+            </a:r>
+            <a:r>
               <a:rPr lang="de-DE" dirty="0"/>
-              <a:t>Linear Time-Invariant (LTI) Systems</a:t>
-            </a:r>
-          </a:p>
-        </p:txBody>
-      </p:sp>
-      <p:sp>
-        <p:nvSpPr>
-          <p:cNvPr id="3" name="Inhaltsplatzhalter 2">
-            <a:extLst>
-              <a:ext uri="{FF2B5EF4-FFF2-40B4-BE49-F238E27FC236}">
-                <a16:creationId xmlns:a16="http://schemas.microsoft.com/office/drawing/2014/main" id="{C5707770-EA62-1D7F-DA49-55EA5F60F0AF}"/>
-              </a:ext>
-            </a:extLst>
-          </p:cNvPr>
-          <p:cNvSpPr>
-            <a:spLocks noGrp="1"/>
-          </p:cNvSpPr>
-          <p:nvPr>
-            <p:ph idx="1"/>
-          </p:nvPr>
-        </p:nvSpPr>
-        <p:spPr/>
-        <p:txBody>
-          <a:bodyPr/>
-          <a:lstStyle/>
-          <a:p>
-            <a:r>
-              <a:rPr lang="de-DE" dirty="0"/>
-              <a:t>Linear: </a:t>
-            </a:r>
-            <a:r>
-              <a:rPr lang="de-DE" dirty="0" err="1"/>
-              <a:t>superposition</a:t>
-            </a:r>
-            <a:r>
-              <a:rPr lang="de-DE" dirty="0"/>
-              <a:t> </a:t>
-            </a:r>
-            <a:r>
-              <a:rPr lang="de-DE" dirty="0" err="1"/>
-              <a:t>applies</a:t>
-            </a:r>
-            <a:endParaRPr lang="de-DE" dirty="0"/>
-          </a:p>
-          <a:p>
-            <a:r>
-              <a:rPr lang="de-DE" dirty="0"/>
-              <a:t>Time-invariant: </a:t>
-            </a:r>
-            <a:r>
-              <a:rPr lang="de-DE" dirty="0" err="1"/>
-              <a:t>parameters</a:t>
-            </a:r>
-            <a:r>
-              <a:rPr lang="de-DE" dirty="0"/>
-              <a:t> do not </a:t>
-            </a:r>
-            <a:r>
-              <a:rPr lang="de-DE" dirty="0" err="1"/>
-              <a:t>change</a:t>
-            </a:r>
-            <a:r>
-              <a:rPr lang="de-DE" dirty="0"/>
-              <a:t> </a:t>
-            </a:r>
-            <a:r>
-              <a:rPr lang="de-DE" dirty="0" err="1"/>
-              <a:t>over</a:t>
-            </a:r>
-            <a:r>
-              <a:rPr lang="de-DE" dirty="0"/>
-              <a:t> time</a:t>
-            </a:r>
-          </a:p>
-          <a:p>
-            <a:r>
-              <a:rPr lang="de-DE" dirty="0" err="1"/>
-              <a:t>Foundation</a:t>
-            </a:r>
-            <a:r>
-              <a:rPr lang="de-DE" dirty="0"/>
-              <a:t> </a:t>
-            </a:r>
-            <a:r>
-              <a:rPr lang="de-DE" dirty="0" err="1"/>
-              <a:t>of</a:t>
-            </a:r>
-            <a:r>
-              <a:rPr lang="de-DE" dirty="0"/>
-              <a:t> </a:t>
-            </a:r>
-            <a:r>
-              <a:rPr lang="de-DE" dirty="0" err="1"/>
-              <a:t>classical</a:t>
-            </a:r>
-            <a:r>
-              <a:rPr lang="de-DE" dirty="0"/>
-              <a:t> </a:t>
-            </a:r>
-            <a:r>
-              <a:rPr lang="de-DE" dirty="0" err="1"/>
-              <a:t>control</a:t>
-            </a:r>
-            <a:r>
-              <a:rPr lang="de-DE" dirty="0"/>
-              <a:t> </a:t>
-            </a:r>
-            <a:r>
-              <a:rPr lang="de-DE" dirty="0" err="1"/>
-              <a:t>theory</a:t>
-            </a:r>
-            <a:endParaRPr lang="de-DE" dirty="0"/>
-          </a:p>
-        </p:txBody>
-      </p:sp>
+              <a:t> Models</a:t>
+            </a:r>
+          </a:p>
+        </p:txBody>
+      </p:sp>
+      <mc:AlternateContent xmlns:mc="http://schemas.openxmlformats.org/markup-compatibility/2006">
+        <mc:Choice xmlns:a14="http://schemas.microsoft.com/office/drawing/2010/main" Requires="a14">
+          <p:sp>
+            <p:nvSpPr>
+              <p:cNvPr id="3" name="Inhaltsplatzhalter 2">
+                <a:extLst>
+                  <a:ext uri="{FF2B5EF4-FFF2-40B4-BE49-F238E27FC236}">
+                    <a16:creationId xmlns:a16="http://schemas.microsoft.com/office/drawing/2014/main" id="{8DE79026-1D13-D336-F5DD-95F40151C1EC}"/>
+                  </a:ext>
+                </a:extLst>
+              </p:cNvPr>
+              <p:cNvSpPr>
+                <a:spLocks noGrp="1"/>
+              </p:cNvSpPr>
+              <p:nvPr>
+                <p:ph idx="1"/>
+              </p:nvPr>
+            </p:nvSpPr>
+            <p:spPr/>
+            <p:txBody>
+              <a:bodyPr/>
+              <a:lstStyle/>
+              <a:p>
+                <a:r>
+                  <a:rPr lang="de-DE" dirty="0"/>
+                  <a:t>Algebraic </a:t>
+                </a:r>
+                <a:r>
+                  <a:rPr lang="de-DE" dirty="0" err="1"/>
+                  <a:t>equations</a:t>
+                </a:r>
+                <a:r>
+                  <a:rPr lang="de-DE" dirty="0"/>
+                  <a:t> (</a:t>
+                </a:r>
+                <a:r>
+                  <a:rPr lang="de-DE" dirty="0" err="1"/>
+                  <a:t>static</a:t>
+                </a:r>
+                <a:r>
+                  <a:rPr lang="de-DE" dirty="0"/>
+                  <a:t> </a:t>
+                </a:r>
+                <a:r>
+                  <a:rPr lang="de-DE" dirty="0" err="1"/>
+                  <a:t>systems</a:t>
+                </a:r>
+                <a:r>
+                  <a:rPr lang="de-DE" dirty="0"/>
+                  <a:t>)</a:t>
+                </a:r>
+              </a:p>
+              <a:p>
+                <a:pPr marL="0" indent="0">
+                  <a:buNone/>
+                </a:pPr>
+                <a:r>
+                  <a:rPr lang="de-DE" dirty="0"/>
+                  <a:t>	</a:t>
+                </a:r>
+                <a14:m>
+                  <m:oMath xmlns:m="http://schemas.openxmlformats.org/officeDocument/2006/math">
+                    <m:r>
+                      <a:rPr lang="de-DE" b="0" i="1" smtClean="0">
+                        <a:latin typeface="Cambria Math" panose="02040503050406030204" pitchFamily="18" charset="0"/>
+                      </a:rPr>
+                      <m:t>𝑦</m:t>
+                    </m:r>
+                    <m:r>
+                      <a:rPr lang="de-DE" b="0" i="1" smtClean="0">
+                        <a:latin typeface="Cambria Math" panose="02040503050406030204" pitchFamily="18" charset="0"/>
+                      </a:rPr>
+                      <m:t>(</m:t>
+                    </m:r>
+                    <m:r>
+                      <a:rPr lang="de-DE" i="1">
+                        <a:latin typeface="Cambria Math" panose="02040503050406030204" pitchFamily="18" charset="0"/>
+                      </a:rPr>
+                      <m:t>𝑡</m:t>
+                    </m:r>
+                    <m:r>
+                      <a:rPr lang="de-DE" i="1">
+                        <a:latin typeface="Cambria Math" panose="02040503050406030204" pitchFamily="18" charset="0"/>
+                      </a:rPr>
+                      <m:t>)=</m:t>
+                    </m:r>
+                    <m:r>
+                      <a:rPr lang="de-DE" i="1">
+                        <a:latin typeface="Cambria Math" panose="02040503050406030204" pitchFamily="18" charset="0"/>
+                      </a:rPr>
+                      <m:t>𝑓</m:t>
+                    </m:r>
+                    <m:r>
+                      <a:rPr lang="de-DE" i="1">
+                        <a:latin typeface="Cambria Math" panose="02040503050406030204" pitchFamily="18" charset="0"/>
+                      </a:rPr>
+                      <m:t>(</m:t>
+                    </m:r>
+                    <m:r>
+                      <a:rPr lang="de-DE" i="1">
+                        <a:latin typeface="Cambria Math" panose="02040503050406030204" pitchFamily="18" charset="0"/>
+                      </a:rPr>
+                      <m:t>𝑢</m:t>
+                    </m:r>
+                    <m:d>
+                      <m:dPr>
+                        <m:ctrlPr>
+                          <a:rPr lang="de-DE" i="1">
+                            <a:latin typeface="Cambria Math" panose="02040503050406030204" pitchFamily="18" charset="0"/>
+                          </a:rPr>
+                        </m:ctrlPr>
+                      </m:dPr>
+                      <m:e>
+                        <m:r>
+                          <a:rPr lang="de-DE" i="1">
+                            <a:latin typeface="Cambria Math" panose="02040503050406030204" pitchFamily="18" charset="0"/>
+                          </a:rPr>
+                          <m:t>𝑡</m:t>
+                        </m:r>
+                      </m:e>
+                    </m:d>
+                    <m:r>
+                      <a:rPr lang="de-DE" i="1">
+                        <a:latin typeface="Cambria Math" panose="02040503050406030204" pitchFamily="18" charset="0"/>
+                      </a:rPr>
+                      <m:t>, </m:t>
+                    </m:r>
+                    <m:r>
+                      <a:rPr lang="de-DE" i="1">
+                        <a:latin typeface="Cambria Math" panose="02040503050406030204" pitchFamily="18" charset="0"/>
+                      </a:rPr>
+                      <m:t>𝑡</m:t>
+                    </m:r>
+                    <m:r>
+                      <a:rPr lang="de-DE" i="1">
+                        <a:latin typeface="Cambria Math" panose="02040503050406030204" pitchFamily="18" charset="0"/>
+                      </a:rPr>
+                      <m:t>)</m:t>
+                    </m:r>
+                  </m:oMath>
+                </a14:m>
+                <a:endParaRPr lang="de-DE" dirty="0"/>
+              </a:p>
+              <a:p>
+                <a:pPr marL="0" indent="0">
+                  <a:buNone/>
+                </a:pPr>
+                <a:endParaRPr lang="de-DE" dirty="0"/>
+              </a:p>
+              <a:p>
+                <a:r>
+                  <a:rPr lang="de-DE" dirty="0"/>
+                  <a:t>Differential </a:t>
+                </a:r>
+                <a:r>
+                  <a:rPr lang="de-DE" dirty="0" err="1"/>
+                  <a:t>equations</a:t>
+                </a:r>
+                <a:r>
+                  <a:rPr lang="de-DE" dirty="0"/>
+                  <a:t> (</a:t>
+                </a:r>
+                <a:r>
+                  <a:rPr lang="de-DE" dirty="0" err="1"/>
+                  <a:t>dynamic</a:t>
+                </a:r>
+                <a:r>
+                  <a:rPr lang="de-DE" dirty="0"/>
+                  <a:t> </a:t>
+                </a:r>
+                <a:r>
+                  <a:rPr lang="de-DE" dirty="0" err="1"/>
+                  <a:t>systems</a:t>
+                </a:r>
+                <a:r>
+                  <a:rPr lang="de-DE" dirty="0"/>
+                  <a:t>)</a:t>
+                </a:r>
+              </a:p>
+              <a:p>
+                <a:pPr marL="0" indent="0">
+                  <a:buNone/>
+                </a:pPr>
+                <a:r>
+                  <a:rPr lang="de-DE" dirty="0"/>
+                  <a:t>	</a:t>
+                </a:r>
+                <a14:m>
+                  <m:oMath xmlns:m="http://schemas.openxmlformats.org/officeDocument/2006/math">
+                    <m:acc>
+                      <m:accPr>
+                        <m:chr m:val="̇"/>
+                        <m:ctrlPr>
+                          <a:rPr lang="de-DE" i="1">
+                            <a:latin typeface="Cambria Math" panose="02040503050406030204" pitchFamily="18" charset="0"/>
+                          </a:rPr>
+                        </m:ctrlPr>
+                      </m:accPr>
+                      <m:e>
+                        <m:r>
+                          <a:rPr lang="de-DE" i="1">
+                            <a:latin typeface="Cambria Math" panose="02040503050406030204" pitchFamily="18" charset="0"/>
+                          </a:rPr>
+                          <m:t>𝑥</m:t>
+                        </m:r>
+                      </m:e>
+                    </m:acc>
+                    <m:r>
+                      <a:rPr lang="de-DE" b="0" i="1" smtClean="0">
+                        <a:latin typeface="Cambria Math" panose="02040503050406030204" pitchFamily="18" charset="0"/>
+                      </a:rPr>
+                      <m:t>(</m:t>
+                    </m:r>
+                    <m:r>
+                      <a:rPr lang="de-DE" b="0" i="1" smtClean="0">
+                        <a:latin typeface="Cambria Math" panose="02040503050406030204" pitchFamily="18" charset="0"/>
+                      </a:rPr>
+                      <m:t>𝑡</m:t>
+                    </m:r>
+                    <m:r>
+                      <a:rPr lang="de-DE" b="0" i="1" smtClean="0">
+                        <a:latin typeface="Cambria Math" panose="02040503050406030204" pitchFamily="18" charset="0"/>
+                      </a:rPr>
+                      <m:t>)=</m:t>
+                    </m:r>
+                    <m:r>
+                      <a:rPr lang="de-DE" b="0" i="1" smtClean="0">
+                        <a:latin typeface="Cambria Math" panose="02040503050406030204" pitchFamily="18" charset="0"/>
+                      </a:rPr>
+                      <m:t>𝑓</m:t>
+                    </m:r>
+                    <m:r>
+                      <a:rPr lang="de-DE" b="0" i="1" smtClean="0">
+                        <a:latin typeface="Cambria Math" panose="02040503050406030204" pitchFamily="18" charset="0"/>
+                      </a:rPr>
+                      <m:t>(</m:t>
+                    </m:r>
+                    <m:r>
+                      <a:rPr lang="de-DE" b="0" i="1" smtClean="0">
+                        <a:latin typeface="Cambria Math" panose="02040503050406030204" pitchFamily="18" charset="0"/>
+                      </a:rPr>
+                      <m:t>𝑥</m:t>
+                    </m:r>
+                    <m:d>
+                      <m:dPr>
+                        <m:ctrlPr>
+                          <a:rPr lang="de-DE" b="0" i="1" smtClean="0">
+                            <a:latin typeface="Cambria Math" panose="02040503050406030204" pitchFamily="18" charset="0"/>
+                          </a:rPr>
+                        </m:ctrlPr>
+                      </m:dPr>
+                      <m:e>
+                        <m:r>
+                          <a:rPr lang="de-DE" b="0" i="1" smtClean="0">
+                            <a:latin typeface="Cambria Math" panose="02040503050406030204" pitchFamily="18" charset="0"/>
+                          </a:rPr>
+                          <m:t>𝑡</m:t>
+                        </m:r>
+                      </m:e>
+                    </m:d>
+                    <m:r>
+                      <a:rPr lang="de-DE" b="0" i="1" smtClean="0">
+                        <a:latin typeface="Cambria Math" panose="02040503050406030204" pitchFamily="18" charset="0"/>
+                      </a:rPr>
+                      <m:t>, </m:t>
+                    </m:r>
+                    <m:r>
+                      <a:rPr lang="de-DE" b="0" i="1" smtClean="0">
+                        <a:latin typeface="Cambria Math" panose="02040503050406030204" pitchFamily="18" charset="0"/>
+                      </a:rPr>
+                      <m:t>𝑢</m:t>
+                    </m:r>
+                    <m:d>
+                      <m:dPr>
+                        <m:ctrlPr>
+                          <a:rPr lang="de-DE" b="0" i="1" smtClean="0">
+                            <a:latin typeface="Cambria Math" panose="02040503050406030204" pitchFamily="18" charset="0"/>
+                          </a:rPr>
+                        </m:ctrlPr>
+                      </m:dPr>
+                      <m:e>
+                        <m:r>
+                          <a:rPr lang="de-DE" b="0" i="1" smtClean="0">
+                            <a:latin typeface="Cambria Math" panose="02040503050406030204" pitchFamily="18" charset="0"/>
+                          </a:rPr>
+                          <m:t>𝑡</m:t>
+                        </m:r>
+                      </m:e>
+                    </m:d>
+                    <m:r>
+                      <a:rPr lang="de-DE" b="0" i="1" smtClean="0">
+                        <a:latin typeface="Cambria Math" panose="02040503050406030204" pitchFamily="18" charset="0"/>
+                      </a:rPr>
+                      <m:t>, </m:t>
+                    </m:r>
+                    <m:r>
+                      <a:rPr lang="de-DE" b="0" i="1" smtClean="0">
+                        <a:latin typeface="Cambria Math" panose="02040503050406030204" pitchFamily="18" charset="0"/>
+                      </a:rPr>
+                      <m:t>𝑡</m:t>
+                    </m:r>
+                    <m:r>
+                      <a:rPr lang="de-DE" b="0" i="1" smtClean="0">
+                        <a:latin typeface="Cambria Math" panose="02040503050406030204" pitchFamily="18" charset="0"/>
+                      </a:rPr>
+                      <m:t>)</m:t>
+                    </m:r>
+                  </m:oMath>
+                </a14:m>
+                <a:endParaRPr lang="de-DE" dirty="0"/>
+              </a:p>
+              <a:p>
+                <a:pPr marL="0" indent="0">
+                  <a:buNone/>
+                </a:pPr>
+                <a:endParaRPr lang="de-DE" dirty="0"/>
+              </a:p>
+              <a:p>
+                <a:r>
+                  <a:rPr lang="de-DE" dirty="0" err="1"/>
+                  <a:t>Difference</a:t>
+                </a:r>
+                <a:r>
+                  <a:rPr lang="de-DE" dirty="0"/>
+                  <a:t> </a:t>
+                </a:r>
+                <a:r>
+                  <a:rPr lang="de-DE" dirty="0" err="1"/>
+                  <a:t>equations</a:t>
+                </a:r>
+                <a:r>
+                  <a:rPr lang="de-DE" dirty="0"/>
+                  <a:t> (</a:t>
+                </a:r>
+                <a:r>
+                  <a:rPr lang="de-DE" dirty="0" err="1"/>
+                  <a:t>discrete</a:t>
+                </a:r>
+                <a:r>
+                  <a:rPr lang="de-DE" dirty="0"/>
+                  <a:t>-time </a:t>
+                </a:r>
+                <a:r>
+                  <a:rPr lang="de-DE" dirty="0" err="1"/>
+                  <a:t>systems</a:t>
+                </a:r>
+                <a:r>
+                  <a:rPr lang="de-DE" dirty="0"/>
+                  <a:t>)</a:t>
+                </a:r>
+              </a:p>
+              <a:p>
+                <a:pPr marL="0" indent="0">
+                  <a:buNone/>
+                </a:pPr>
+                <a:r>
+                  <a:rPr lang="de-DE" dirty="0"/>
+                  <a:t>	</a:t>
+                </a:r>
+                <a14:m>
+                  <m:oMath xmlns:m="http://schemas.openxmlformats.org/officeDocument/2006/math">
+                    <m:r>
+                      <a:rPr lang="de-DE" b="0" i="1" smtClean="0">
+                        <a:latin typeface="Cambria Math" panose="02040503050406030204" pitchFamily="18" charset="0"/>
+                      </a:rPr>
+                      <m:t>𝑥</m:t>
+                    </m:r>
+                    <m:r>
+                      <a:rPr lang="de-DE" i="1">
+                        <a:latin typeface="Cambria Math" panose="02040503050406030204" pitchFamily="18" charset="0"/>
+                      </a:rPr>
+                      <m:t>(</m:t>
+                    </m:r>
+                    <m:r>
+                      <a:rPr lang="de-DE" i="1">
+                        <a:latin typeface="Cambria Math" panose="02040503050406030204" pitchFamily="18" charset="0"/>
+                      </a:rPr>
+                      <m:t>𝑡</m:t>
+                    </m:r>
+                    <m:r>
+                      <a:rPr lang="de-DE" b="0" i="1" smtClean="0">
+                        <a:latin typeface="Cambria Math" panose="02040503050406030204" pitchFamily="18" charset="0"/>
+                      </a:rPr>
+                      <m:t>+1</m:t>
+                    </m:r>
+                    <m:r>
+                      <a:rPr lang="de-DE" i="1">
+                        <a:latin typeface="Cambria Math" panose="02040503050406030204" pitchFamily="18" charset="0"/>
+                      </a:rPr>
+                      <m:t>)=</m:t>
+                    </m:r>
+                    <m:r>
+                      <a:rPr lang="de-DE" i="1">
+                        <a:latin typeface="Cambria Math" panose="02040503050406030204" pitchFamily="18" charset="0"/>
+                      </a:rPr>
+                      <m:t>𝑓</m:t>
+                    </m:r>
+                    <m:r>
+                      <a:rPr lang="de-DE" i="1">
+                        <a:latin typeface="Cambria Math" panose="02040503050406030204" pitchFamily="18" charset="0"/>
+                      </a:rPr>
+                      <m:t>(</m:t>
+                    </m:r>
+                    <m:r>
+                      <a:rPr lang="de-DE" i="1">
+                        <a:latin typeface="Cambria Math" panose="02040503050406030204" pitchFamily="18" charset="0"/>
+                      </a:rPr>
+                      <m:t>𝑥</m:t>
+                    </m:r>
+                    <m:d>
+                      <m:dPr>
+                        <m:ctrlPr>
+                          <a:rPr lang="de-DE" i="1">
+                            <a:latin typeface="Cambria Math" panose="02040503050406030204" pitchFamily="18" charset="0"/>
+                          </a:rPr>
+                        </m:ctrlPr>
+                      </m:dPr>
+                      <m:e>
+                        <m:r>
+                          <a:rPr lang="de-DE" i="1">
+                            <a:latin typeface="Cambria Math" panose="02040503050406030204" pitchFamily="18" charset="0"/>
+                          </a:rPr>
+                          <m:t>𝑡</m:t>
+                        </m:r>
+                      </m:e>
+                    </m:d>
+                    <m:r>
+                      <a:rPr lang="de-DE" i="1">
+                        <a:latin typeface="Cambria Math" panose="02040503050406030204" pitchFamily="18" charset="0"/>
+                      </a:rPr>
+                      <m:t>, </m:t>
+                    </m:r>
+                    <m:r>
+                      <a:rPr lang="de-DE" i="1">
+                        <a:latin typeface="Cambria Math" panose="02040503050406030204" pitchFamily="18" charset="0"/>
+                      </a:rPr>
+                      <m:t>𝑢</m:t>
+                    </m:r>
+                    <m:d>
+                      <m:dPr>
+                        <m:ctrlPr>
+                          <a:rPr lang="de-DE" i="1">
+                            <a:latin typeface="Cambria Math" panose="02040503050406030204" pitchFamily="18" charset="0"/>
+                          </a:rPr>
+                        </m:ctrlPr>
+                      </m:dPr>
+                      <m:e>
+                        <m:r>
+                          <a:rPr lang="de-DE" i="1">
+                            <a:latin typeface="Cambria Math" panose="02040503050406030204" pitchFamily="18" charset="0"/>
+                          </a:rPr>
+                          <m:t>𝑡</m:t>
+                        </m:r>
+                      </m:e>
+                    </m:d>
+                    <m:r>
+                      <a:rPr lang="de-DE" i="1">
+                        <a:latin typeface="Cambria Math" panose="02040503050406030204" pitchFamily="18" charset="0"/>
+                      </a:rPr>
+                      <m:t>, </m:t>
+                    </m:r>
+                    <m:r>
+                      <a:rPr lang="de-DE" i="1">
+                        <a:latin typeface="Cambria Math" panose="02040503050406030204" pitchFamily="18" charset="0"/>
+                      </a:rPr>
+                      <m:t>𝑡</m:t>
+                    </m:r>
+                    <m:r>
+                      <a:rPr lang="de-DE" i="1">
+                        <a:latin typeface="Cambria Math" panose="02040503050406030204" pitchFamily="18" charset="0"/>
+                      </a:rPr>
+                      <m:t>)</m:t>
+                    </m:r>
+                  </m:oMath>
+                </a14:m>
+                <a:endParaRPr lang="de-DE" dirty="0"/>
+              </a:p>
+            </p:txBody>
+          </p:sp>
+        </mc:Choice>
+        <mc:Fallback>
+          <p:sp>
+            <p:nvSpPr>
+              <p:cNvPr id="3" name="Inhaltsplatzhalter 2">
+                <a:extLst>
+                  <a:ext uri="{FF2B5EF4-FFF2-40B4-BE49-F238E27FC236}">
+                    <a16:creationId xmlns:a16="http://schemas.microsoft.com/office/drawing/2014/main" id="{8DE79026-1D13-D336-F5DD-95F40151C1EC}"/>
+                  </a:ext>
+                </a:extLst>
+              </p:cNvPr>
+              <p:cNvSpPr>
+                <a:spLocks noGrp="1" noRot="1" noChangeAspect="1" noMove="1" noResize="1" noEditPoints="1" noAdjustHandles="1" noChangeArrowheads="1" noChangeShapeType="1" noTextEdit="1"/>
+              </p:cNvSpPr>
+              <p:nvPr>
+                <p:ph idx="1"/>
+              </p:nvPr>
+            </p:nvSpPr>
+            <p:spPr>
+              <a:blipFill>
+                <a:blip r:embed="rId2"/>
+                <a:stretch>
+                  <a:fillRect l="-1086" t="-2326"/>
+                </a:stretch>
+              </a:blipFill>
+            </p:spPr>
+            <p:txBody>
+              <a:bodyPr/>
+              <a:lstStyle/>
+              <a:p>
+                <a:r>
+                  <a:rPr lang="de-DE">
+                    <a:noFill/>
+                  </a:rPr>
+                  <a:t> </a:t>
+                </a:r>
+              </a:p>
+            </p:txBody>
+          </p:sp>
+        </mc:Fallback>
+      </mc:AlternateContent>
       <p:sp>
         <p:nvSpPr>
           <p:cNvPr id="4" name="Foliennummernplatzhalter 3">
             <a:extLst>
               <a:ext uri="{FF2B5EF4-FFF2-40B4-BE49-F238E27FC236}">
-                <a16:creationId xmlns:a16="http://schemas.microsoft.com/office/drawing/2014/main" id="{D438F975-57B4-D1A4-A311-7F4987444403}"/>
+                <a16:creationId xmlns:a16="http://schemas.microsoft.com/office/drawing/2014/main" id="{B7583754-5D23-8629-F02D-3782D4A73C78}"/>
               </a:ext>
             </a:extLst>
           </p:cNvPr>
@@ -6832,10 +9375,612 @@
           </a:p>
         </p:txBody>
       </p:sp>
+      <mc:AlternateContent xmlns:mc="http://schemas.openxmlformats.org/markup-compatibility/2006">
+        <mc:Choice xmlns:a14="http://schemas.microsoft.com/office/drawing/2010/main" Requires="a14">
+          <p:sp>
+            <p:nvSpPr>
+              <p:cNvPr id="6" name="Textfeld 5">
+                <a:extLst>
+                  <a:ext uri="{FF2B5EF4-FFF2-40B4-BE49-F238E27FC236}">
+                    <a16:creationId xmlns:a16="http://schemas.microsoft.com/office/drawing/2014/main" id="{30885979-B62F-33FF-777E-719FFD0993D3}"/>
+                  </a:ext>
+                </a:extLst>
+              </p:cNvPr>
+              <p:cNvSpPr txBox="1"/>
+              <p:nvPr/>
+            </p:nvSpPr>
+            <p:spPr>
+              <a:xfrm>
+                <a:off x="10452847" y="662827"/>
+                <a:ext cx="900953" cy="619913"/>
+              </a:xfrm>
+              <a:prstGeom prst="rect">
+                <a:avLst/>
+              </a:prstGeom>
+              <a:noFill/>
+              <a:ln>
+                <a:solidFill>
+                  <a:schemeClr val="tx1"/>
+                </a:solidFill>
+              </a:ln>
+            </p:spPr>
+            <p:txBody>
+              <a:bodyPr wrap="square">
+                <a:spAutoFit/>
+              </a:bodyPr>
+              <a:lstStyle/>
+              <a:p>
+                <a:pPr/>
+                <a14:m>
+                  <m:oMathPara xmlns:m="http://schemas.openxmlformats.org/officeDocument/2006/math">
+                    <m:oMathParaPr>
+                      <m:jc m:val="centerGroup"/>
+                    </m:oMathParaPr>
+                    <m:oMath xmlns:m="http://schemas.openxmlformats.org/officeDocument/2006/math">
+                      <m:f>
+                        <m:fPr>
+                          <m:ctrlPr>
+                            <a:rPr lang="de-DE" i="1" smtClean="0">
+                              <a:latin typeface="Cambria Math" panose="02040503050406030204" pitchFamily="18" charset="0"/>
+                            </a:rPr>
+                          </m:ctrlPr>
+                        </m:fPr>
+                        <m:num>
+                          <m:r>
+                            <a:rPr lang="de-DE" i="1">
+                              <a:latin typeface="Cambria Math" panose="02040503050406030204" pitchFamily="18" charset="0"/>
+                            </a:rPr>
+                            <m:t>𝑑</m:t>
+                          </m:r>
+                          <m:r>
+                            <a:rPr lang="de-DE" b="0" i="1" smtClean="0">
+                              <a:latin typeface="Cambria Math" panose="02040503050406030204" pitchFamily="18" charset="0"/>
+                            </a:rPr>
+                            <m:t>𝑥</m:t>
+                          </m:r>
+                        </m:num>
+                        <m:den>
+                          <m:r>
+                            <a:rPr lang="de-DE" i="1">
+                              <a:latin typeface="Cambria Math" panose="02040503050406030204" pitchFamily="18" charset="0"/>
+                            </a:rPr>
+                            <m:t>𝑑𝑡</m:t>
+                          </m:r>
+                        </m:den>
+                      </m:f>
+                      <m:r>
+                        <a:rPr lang="de-DE" b="0" i="1" smtClean="0">
+                          <a:latin typeface="Cambria Math" panose="02040503050406030204" pitchFamily="18" charset="0"/>
+                        </a:rPr>
+                        <m:t>=</m:t>
+                      </m:r>
+                      <m:acc>
+                        <m:accPr>
+                          <m:chr m:val="̇"/>
+                          <m:ctrlPr>
+                            <a:rPr lang="de-DE" b="0" i="1" smtClean="0">
+                              <a:latin typeface="Cambria Math" panose="02040503050406030204" pitchFamily="18" charset="0"/>
+                            </a:rPr>
+                          </m:ctrlPr>
+                        </m:accPr>
+                        <m:e>
+                          <m:r>
+                            <a:rPr lang="de-DE" b="0" i="1" smtClean="0">
+                              <a:latin typeface="Cambria Math" panose="02040503050406030204" pitchFamily="18" charset="0"/>
+                            </a:rPr>
+                            <m:t>𝑥</m:t>
+                          </m:r>
+                        </m:e>
+                      </m:acc>
+                    </m:oMath>
+                  </m:oMathPara>
+                </a14:m>
+                <a:endParaRPr lang="de-DE" dirty="0"/>
+              </a:p>
+            </p:txBody>
+          </p:sp>
+        </mc:Choice>
+        <mc:Fallback>
+          <p:sp>
+            <p:nvSpPr>
+              <p:cNvPr id="6" name="Textfeld 5">
+                <a:extLst>
+                  <a:ext uri="{FF2B5EF4-FFF2-40B4-BE49-F238E27FC236}">
+                    <a16:creationId xmlns:a16="http://schemas.microsoft.com/office/drawing/2014/main" id="{30885979-B62F-33FF-777E-719FFD0993D3}"/>
+                  </a:ext>
+                </a:extLst>
+              </p:cNvPr>
+              <p:cNvSpPr txBox="1">
+                <a:spLocks noRot="1" noChangeAspect="1" noMove="1" noResize="1" noEditPoints="1" noAdjustHandles="1" noChangeArrowheads="1" noChangeShapeType="1" noTextEdit="1"/>
+              </p:cNvSpPr>
+              <p:nvPr/>
+            </p:nvSpPr>
+            <p:spPr>
+              <a:xfrm>
+                <a:off x="10452847" y="662827"/>
+                <a:ext cx="900953" cy="619913"/>
+              </a:xfrm>
+              <a:prstGeom prst="rect">
+                <a:avLst/>
+              </a:prstGeom>
+              <a:blipFill>
+                <a:blip r:embed="rId3"/>
+                <a:stretch>
+                  <a:fillRect b="-3922"/>
+                </a:stretch>
+              </a:blipFill>
+              <a:ln>
+                <a:solidFill>
+                  <a:schemeClr val="tx1"/>
+                </a:solidFill>
+              </a:ln>
+            </p:spPr>
+            <p:txBody>
+              <a:bodyPr/>
+              <a:lstStyle/>
+              <a:p>
+                <a:r>
+                  <a:rPr lang="de-DE">
+                    <a:noFill/>
+                  </a:rPr>
+                  <a:t> </a:t>
+                </a:r>
+              </a:p>
+            </p:txBody>
+          </p:sp>
+        </mc:Fallback>
+      </mc:AlternateContent>
+      <mc:AlternateContent xmlns:mc="http://schemas.openxmlformats.org/markup-compatibility/2006">
+        <mc:Choice xmlns:a14="http://schemas.microsoft.com/office/drawing/2010/main" Requires="a14">
+          <p:sp>
+            <p:nvSpPr>
+              <p:cNvPr id="5" name="Textfeld 4">
+                <a:extLst>
+                  <a:ext uri="{FF2B5EF4-FFF2-40B4-BE49-F238E27FC236}">
+                    <a16:creationId xmlns:a16="http://schemas.microsoft.com/office/drawing/2014/main" id="{C69BE650-7290-773E-0375-3B8FE804FDDB}"/>
+                  </a:ext>
+                </a:extLst>
+              </p:cNvPr>
+              <p:cNvSpPr txBox="1"/>
+              <p:nvPr/>
+            </p:nvSpPr>
+            <p:spPr>
+              <a:xfrm>
+                <a:off x="8610600" y="3429000"/>
+                <a:ext cx="3351367" cy="1477328"/>
+              </a:xfrm>
+              <a:prstGeom prst="rect">
+                <a:avLst/>
+              </a:prstGeom>
+              <a:noFill/>
+              <a:ln>
+                <a:solidFill>
+                  <a:schemeClr val="tx1"/>
+                </a:solidFill>
+              </a:ln>
+            </p:spPr>
+            <p:txBody>
+              <a:bodyPr wrap="none" lIns="0" tIns="0" rIns="0" bIns="0" rtlCol="0">
+                <a:spAutoFit/>
+              </a:bodyPr>
+              <a:lstStyle/>
+              <a:p>
+                <a:r>
+                  <a:rPr lang="de-DE" sz="2400" dirty="0" err="1"/>
+                  <a:t>Define</a:t>
+                </a:r>
+                <a:r>
+                  <a:rPr lang="de-DE" sz="2400" dirty="0"/>
+                  <a:t> </a:t>
+                </a:r>
+                <a:r>
+                  <a:rPr lang="de-DE" sz="2400" dirty="0" err="1"/>
+                  <a:t>output</a:t>
+                </a:r>
+                <a:r>
+                  <a:rPr lang="de-DE" sz="2400" dirty="0"/>
+                  <a:t> </a:t>
+                </a:r>
+                <a:r>
+                  <a:rPr lang="de-DE" sz="2400" dirty="0" err="1"/>
+                  <a:t>separately</a:t>
+                </a:r>
+                <a:r>
+                  <a:rPr lang="de-DE" sz="2400" dirty="0"/>
+                  <a:t>:</a:t>
+                </a:r>
+                <a:endParaRPr lang="de-DE" sz="2400" b="0" i="1" dirty="0">
+                  <a:latin typeface="Cambria Math" panose="02040503050406030204" pitchFamily="18" charset="0"/>
+                </a:endParaRPr>
+              </a:p>
+              <a:p>
+                <a14:m>
+                  <m:oMathPara xmlns:m="http://schemas.openxmlformats.org/officeDocument/2006/math">
+                    <m:oMathParaPr>
+                      <m:jc m:val="centerGroup"/>
+                    </m:oMathParaPr>
+                    <m:oMath xmlns:m="http://schemas.openxmlformats.org/officeDocument/2006/math">
+                      <m:r>
+                        <a:rPr lang="de-DE" sz="2400" b="0" i="1" smtClean="0">
+                          <a:latin typeface="Cambria Math" panose="02040503050406030204" pitchFamily="18" charset="0"/>
+                        </a:rPr>
+                        <m:t>𝑦</m:t>
+                      </m:r>
+                      <m:r>
+                        <a:rPr lang="de-DE" sz="2400" b="0" i="1" smtClean="0">
+                          <a:latin typeface="Cambria Math" panose="02040503050406030204" pitchFamily="18" charset="0"/>
+                        </a:rPr>
+                        <m:t>=</m:t>
+                      </m:r>
+                      <m:r>
+                        <a:rPr lang="de-DE" sz="2400" b="0" i="1" smtClean="0">
+                          <a:latin typeface="Cambria Math" panose="02040503050406030204" pitchFamily="18" charset="0"/>
+                        </a:rPr>
+                        <m:t>𝑥</m:t>
+                      </m:r>
+                    </m:oMath>
+                  </m:oMathPara>
+                </a14:m>
+                <a:endParaRPr lang="de-DE" sz="2400" b="0" dirty="0"/>
+              </a:p>
+              <a:p>
+                <a14:m>
+                  <m:oMathPara xmlns:m="http://schemas.openxmlformats.org/officeDocument/2006/math">
+                    <m:oMathParaPr>
+                      <m:jc m:val="centerGroup"/>
+                    </m:oMathParaPr>
+                    <m:oMath xmlns:m="http://schemas.openxmlformats.org/officeDocument/2006/math">
+                      <m:r>
+                        <a:rPr lang="de-DE" sz="2400" b="0" i="1" smtClean="0">
+                          <a:latin typeface="Cambria Math" panose="02040503050406030204" pitchFamily="18" charset="0"/>
+                        </a:rPr>
+                        <m:t>𝑦</m:t>
+                      </m:r>
+                      <m:r>
+                        <a:rPr lang="de-DE" sz="2400" b="0" i="1" smtClean="0">
+                          <a:latin typeface="Cambria Math" panose="02040503050406030204" pitchFamily="18" charset="0"/>
+                        </a:rPr>
+                        <m:t>=</m:t>
+                      </m:r>
+                      <m:acc>
+                        <m:accPr>
+                          <m:chr m:val="̇"/>
+                          <m:ctrlPr>
+                            <a:rPr lang="de-DE" sz="2400" i="1">
+                              <a:latin typeface="Cambria Math" panose="02040503050406030204" pitchFamily="18" charset="0"/>
+                            </a:rPr>
+                          </m:ctrlPr>
+                        </m:accPr>
+                        <m:e>
+                          <m:r>
+                            <a:rPr lang="de-DE" sz="2400" i="1">
+                              <a:latin typeface="Cambria Math" panose="02040503050406030204" pitchFamily="18" charset="0"/>
+                            </a:rPr>
+                            <m:t>𝑥</m:t>
+                          </m:r>
+                        </m:e>
+                      </m:acc>
+                    </m:oMath>
+                  </m:oMathPara>
+                </a14:m>
+                <a:endParaRPr lang="de-DE" sz="2400" dirty="0"/>
+              </a:p>
+              <a:p>
+                <a:pPr algn="ctr"/>
+                <a:r>
+                  <a:rPr lang="de-DE" sz="2400" dirty="0"/>
+                  <a:t>…</a:t>
+                </a:r>
+              </a:p>
+            </p:txBody>
+          </p:sp>
+        </mc:Choice>
+        <mc:Fallback>
+          <p:sp>
+            <p:nvSpPr>
+              <p:cNvPr id="5" name="Textfeld 4">
+                <a:extLst>
+                  <a:ext uri="{FF2B5EF4-FFF2-40B4-BE49-F238E27FC236}">
+                    <a16:creationId xmlns:a16="http://schemas.microsoft.com/office/drawing/2014/main" id="{C69BE650-7290-773E-0375-3B8FE804FDDB}"/>
+                  </a:ext>
+                </a:extLst>
+              </p:cNvPr>
+              <p:cNvSpPr txBox="1">
+                <a:spLocks noRot="1" noChangeAspect="1" noMove="1" noResize="1" noEditPoints="1" noAdjustHandles="1" noChangeArrowheads="1" noChangeShapeType="1" noTextEdit="1"/>
+              </p:cNvSpPr>
+              <p:nvPr/>
+            </p:nvSpPr>
+            <p:spPr>
+              <a:xfrm>
+                <a:off x="8610600" y="3429000"/>
+                <a:ext cx="3351367" cy="1477328"/>
+              </a:xfrm>
+              <a:prstGeom prst="rect">
+                <a:avLst/>
+              </a:prstGeom>
+              <a:blipFill>
+                <a:blip r:embed="rId4"/>
+                <a:stretch>
+                  <a:fillRect l="-5263" t="-5932" r="-4511" b="-11864"/>
+                </a:stretch>
+              </a:blipFill>
+              <a:ln>
+                <a:solidFill>
+                  <a:schemeClr val="tx1"/>
+                </a:solidFill>
+              </a:ln>
+            </p:spPr>
+            <p:txBody>
+              <a:bodyPr/>
+              <a:lstStyle/>
+              <a:p>
+                <a:r>
+                  <a:rPr lang="de-DE">
+                    <a:noFill/>
+                  </a:rPr>
+                  <a:t> </a:t>
+                </a:r>
+              </a:p>
+            </p:txBody>
+          </p:sp>
+        </mc:Fallback>
+      </mc:AlternateContent>
+      <p:sp>
+        <p:nvSpPr>
+          <p:cNvPr id="7" name="Textfeld 6">
+            <a:extLst>
+              <a:ext uri="{FF2B5EF4-FFF2-40B4-BE49-F238E27FC236}">
+                <a16:creationId xmlns:a16="http://schemas.microsoft.com/office/drawing/2014/main" id="{0D4B5114-D8FD-0C65-92AB-8B23832DE539}"/>
+              </a:ext>
+            </a:extLst>
+          </p:cNvPr>
+          <p:cNvSpPr txBox="1"/>
+          <p:nvPr/>
+        </p:nvSpPr>
+        <p:spPr>
+          <a:xfrm>
+            <a:off x="4267198" y="2826179"/>
+            <a:ext cx="872355" cy="461665"/>
+          </a:xfrm>
+          <a:prstGeom prst="rect">
+            <a:avLst/>
+          </a:prstGeom>
+          <a:noFill/>
+          <a:ln>
+            <a:solidFill>
+              <a:schemeClr val="tx1"/>
+            </a:solidFill>
+          </a:ln>
+        </p:spPr>
+        <p:txBody>
+          <a:bodyPr wrap="none" rtlCol="0">
+            <a:spAutoFit/>
+          </a:bodyPr>
+          <a:lstStyle/>
+          <a:p>
+            <a:r>
+              <a:rPr lang="de-DE" sz="2400" dirty="0" err="1"/>
+              <a:t>input</a:t>
+            </a:r>
+            <a:endParaRPr lang="de-DE" sz="2400" dirty="0"/>
+          </a:p>
+        </p:txBody>
+      </p:sp>
+      <p:cxnSp>
+        <p:nvCxnSpPr>
+          <p:cNvPr id="9" name="Gerade Verbindung mit Pfeil 8">
+            <a:extLst>
+              <a:ext uri="{FF2B5EF4-FFF2-40B4-BE49-F238E27FC236}">
+                <a16:creationId xmlns:a16="http://schemas.microsoft.com/office/drawing/2014/main" id="{6CC80E5E-4951-6CFD-13B1-4AF3B8813149}"/>
+              </a:ext>
+            </a:extLst>
+          </p:cNvPr>
+          <p:cNvCxnSpPr>
+            <a:cxnSpLocks/>
+            <a:stCxn id="7" idx="1"/>
+          </p:cNvCxnSpPr>
+          <p:nvPr/>
+        </p:nvCxnSpPr>
+        <p:spPr>
+          <a:xfrm flipH="1" flipV="1">
+            <a:off x="3478304" y="2691242"/>
+            <a:ext cx="788894" cy="365770"/>
+          </a:xfrm>
+          <a:prstGeom prst="straightConnector1">
+            <a:avLst/>
+          </a:prstGeom>
+          <a:ln>
+            <a:tailEnd type="triangle"/>
+          </a:ln>
+        </p:spPr>
+        <p:style>
+          <a:lnRef idx="2">
+            <a:schemeClr val="accent1"/>
+          </a:lnRef>
+          <a:fillRef idx="0">
+            <a:schemeClr val="accent1"/>
+          </a:fillRef>
+          <a:effectRef idx="1">
+            <a:schemeClr val="accent1"/>
+          </a:effectRef>
+          <a:fontRef idx="minor">
+            <a:schemeClr val="tx1"/>
+          </a:fontRef>
+        </p:style>
+      </p:cxnSp>
+      <p:sp>
+        <p:nvSpPr>
+          <p:cNvPr id="12" name="Textfeld 11">
+            <a:extLst>
+              <a:ext uri="{FF2B5EF4-FFF2-40B4-BE49-F238E27FC236}">
+                <a16:creationId xmlns:a16="http://schemas.microsoft.com/office/drawing/2014/main" id="{7EEBEBA3-D47F-178F-DDC4-0D17A6654F34}"/>
+              </a:ext>
+            </a:extLst>
+          </p:cNvPr>
+          <p:cNvSpPr txBox="1"/>
+          <p:nvPr/>
+        </p:nvSpPr>
+        <p:spPr>
+          <a:xfrm>
+            <a:off x="455273" y="2826179"/>
+            <a:ext cx="1069524" cy="461665"/>
+          </a:xfrm>
+          <a:prstGeom prst="rect">
+            <a:avLst/>
+          </a:prstGeom>
+          <a:noFill/>
+          <a:ln>
+            <a:solidFill>
+              <a:schemeClr val="tx1"/>
+            </a:solidFill>
+          </a:ln>
+        </p:spPr>
+        <p:txBody>
+          <a:bodyPr wrap="none" rtlCol="0">
+            <a:spAutoFit/>
+          </a:bodyPr>
+          <a:lstStyle/>
+          <a:p>
+            <a:r>
+              <a:rPr lang="de-DE" sz="2400" dirty="0" err="1"/>
+              <a:t>output</a:t>
+            </a:r>
+            <a:endParaRPr lang="de-DE" sz="2400" dirty="0"/>
+          </a:p>
+        </p:txBody>
+      </p:sp>
+      <p:cxnSp>
+        <p:nvCxnSpPr>
+          <p:cNvPr id="14" name="Gerade Verbindung mit Pfeil 13">
+            <a:extLst>
+              <a:ext uri="{FF2B5EF4-FFF2-40B4-BE49-F238E27FC236}">
+                <a16:creationId xmlns:a16="http://schemas.microsoft.com/office/drawing/2014/main" id="{D1A711C0-3029-17B9-4320-E7AEF623F9F2}"/>
+              </a:ext>
+            </a:extLst>
+          </p:cNvPr>
+          <p:cNvCxnSpPr>
+            <a:cxnSpLocks/>
+            <a:stCxn id="12" idx="0"/>
+          </p:cNvCxnSpPr>
+          <p:nvPr/>
+        </p:nvCxnSpPr>
+        <p:spPr>
+          <a:xfrm flipV="1">
+            <a:off x="990035" y="2626659"/>
+            <a:ext cx="847730" cy="199520"/>
+          </a:xfrm>
+          <a:prstGeom prst="straightConnector1">
+            <a:avLst/>
+          </a:prstGeom>
+          <a:ln>
+            <a:tailEnd type="triangle"/>
+          </a:ln>
+        </p:spPr>
+        <p:style>
+          <a:lnRef idx="2">
+            <a:schemeClr val="accent1"/>
+          </a:lnRef>
+          <a:fillRef idx="0">
+            <a:schemeClr val="accent1"/>
+          </a:fillRef>
+          <a:effectRef idx="1">
+            <a:schemeClr val="accent1"/>
+          </a:effectRef>
+          <a:fontRef idx="minor">
+            <a:schemeClr val="tx1"/>
+          </a:fontRef>
+        </p:style>
+      </p:cxnSp>
+      <p:sp>
+        <p:nvSpPr>
+          <p:cNvPr id="16" name="Textfeld 15">
+            <a:extLst>
+              <a:ext uri="{FF2B5EF4-FFF2-40B4-BE49-F238E27FC236}">
+                <a16:creationId xmlns:a16="http://schemas.microsoft.com/office/drawing/2014/main" id="{539B8B7B-318D-3C88-F919-2AC5DFA2EE29}"/>
+              </a:ext>
+            </a:extLst>
+          </p:cNvPr>
+          <p:cNvSpPr txBox="1"/>
+          <p:nvPr/>
+        </p:nvSpPr>
+        <p:spPr>
+          <a:xfrm>
+            <a:off x="2754181" y="4444663"/>
+            <a:ext cx="1970219" cy="461665"/>
+          </a:xfrm>
+          <a:prstGeom prst="rect">
+            <a:avLst/>
+          </a:prstGeom>
+          <a:noFill/>
+          <a:ln>
+            <a:solidFill>
+              <a:schemeClr val="tx1"/>
+            </a:solidFill>
+          </a:ln>
+        </p:spPr>
+        <p:txBody>
+          <a:bodyPr wrap="none" rtlCol="0">
+            <a:spAutoFit/>
+          </a:bodyPr>
+          <a:lstStyle/>
+          <a:p>
+            <a:r>
+              <a:rPr lang="de-DE" sz="2400" dirty="0" err="1"/>
+              <a:t>state</a:t>
+            </a:r>
+            <a:r>
+              <a:rPr lang="de-DE" sz="2400" dirty="0"/>
+              <a:t> variable</a:t>
+            </a:r>
+          </a:p>
+        </p:txBody>
+      </p:sp>
+      <p:cxnSp>
+        <p:nvCxnSpPr>
+          <p:cNvPr id="18" name="Gerade Verbindung mit Pfeil 17">
+            <a:extLst>
+              <a:ext uri="{FF2B5EF4-FFF2-40B4-BE49-F238E27FC236}">
+                <a16:creationId xmlns:a16="http://schemas.microsoft.com/office/drawing/2014/main" id="{91DB3ED4-916D-A36D-7EE5-90705408C92C}"/>
+              </a:ext>
+            </a:extLst>
+          </p:cNvPr>
+          <p:cNvCxnSpPr>
+            <a:cxnSpLocks/>
+            <a:stCxn id="16" idx="0"/>
+          </p:cNvCxnSpPr>
+          <p:nvPr/>
+        </p:nvCxnSpPr>
+        <p:spPr>
+          <a:xfrm flipH="1" flipV="1">
+            <a:off x="3478304" y="4240306"/>
+            <a:ext cx="260987" cy="204357"/>
+          </a:xfrm>
+          <a:prstGeom prst="straightConnector1">
+            <a:avLst/>
+          </a:prstGeom>
+          <a:ln>
+            <a:tailEnd type="triangle"/>
+          </a:ln>
+        </p:spPr>
+        <p:style>
+          <a:lnRef idx="2">
+            <a:schemeClr val="accent1"/>
+          </a:lnRef>
+          <a:fillRef idx="0">
+            <a:schemeClr val="accent1"/>
+          </a:fillRef>
+          <a:effectRef idx="1">
+            <a:schemeClr val="accent1"/>
+          </a:effectRef>
+          <a:fontRef idx="minor">
+            <a:schemeClr val="tx1"/>
+          </a:fontRef>
+        </p:style>
+      </p:cxnSp>
     </p:spTree>
     <p:extLst>
       <p:ext uri="{BB962C8B-B14F-4D97-AF65-F5344CB8AC3E}">
-        <p14:creationId xmlns:p14="http://schemas.microsoft.com/office/powerpoint/2010/main" val="195159656"/>
+        <p14:creationId xmlns:p14="http://schemas.microsoft.com/office/powerpoint/2010/main" val="3721757896"/>
       </p:ext>
     </p:extLst>
   </p:cSld>
@@ -6862,12 +10007,227 @@
           <a:chExt cx="0" cy="0"/>
         </a:xfrm>
       </p:grpSpPr>
+      <mc:AlternateContent xmlns:mc="http://schemas.openxmlformats.org/markup-compatibility/2006">
+        <mc:Choice xmlns:a14="http://schemas.microsoft.com/office/drawing/2010/main" Requires="a14">
+          <p:sp>
+            <p:nvSpPr>
+              <p:cNvPr id="11" name="Textfeld 10">
+                <a:extLst>
+                  <a:ext uri="{FF2B5EF4-FFF2-40B4-BE49-F238E27FC236}">
+                    <a16:creationId xmlns:a16="http://schemas.microsoft.com/office/drawing/2014/main" id="{9D7B3B12-381B-F8DF-684C-AE270F707C30}"/>
+                  </a:ext>
+                </a:extLst>
+              </p:cNvPr>
+              <p:cNvSpPr txBox="1"/>
+              <p:nvPr/>
+            </p:nvSpPr>
+            <p:spPr>
+              <a:xfrm>
+                <a:off x="7355740" y="5243272"/>
+                <a:ext cx="4662734" cy="1077218"/>
+              </a:xfrm>
+              <a:prstGeom prst="rect">
+                <a:avLst/>
+              </a:prstGeom>
+              <a:noFill/>
+            </p:spPr>
+            <p:txBody>
+              <a:bodyPr wrap="square">
+                <a:spAutoFit/>
+              </a:bodyPr>
+              <a:lstStyle/>
+              <a:p>
+                <a:pPr marL="285750" indent="-285750">
+                  <a:buFont typeface="Wingdings" pitchFamily="2" charset="2"/>
+                  <a:buChar char="à"/>
+                </a:pPr>
+                <a:r>
+                  <a:rPr lang="de-DE" sz="2400" dirty="0"/>
+                  <a:t>here: </a:t>
+                </a:r>
+                <a:r>
+                  <a:rPr lang="de-DE" sz="2400" dirty="0" err="1"/>
+                  <a:t>second</a:t>
+                </a:r>
+                <a:r>
+                  <a:rPr lang="de-DE" sz="2400" dirty="0"/>
+                  <a:t>-order </a:t>
+                </a:r>
+                <a:r>
+                  <a:rPr lang="de-DE" sz="2400" dirty="0" err="1"/>
+                  <a:t>system</a:t>
+                </a:r>
+                <a:endParaRPr lang="de-DE" sz="2400" dirty="0"/>
+              </a:p>
+              <a:p>
+                <a:r>
+                  <a:rPr lang="de-DE" sz="2000" dirty="0" err="1"/>
+                  <a:t>even</a:t>
+                </a:r>
+                <a:r>
+                  <a:rPr lang="de-DE" sz="2000" dirty="0"/>
+                  <a:t> </a:t>
+                </a:r>
+                <a:r>
+                  <a:rPr lang="de-DE" sz="2000" dirty="0" err="1"/>
+                  <a:t>if</a:t>
+                </a:r>
+                <a:r>
+                  <a:rPr lang="de-DE" sz="2000" dirty="0"/>
+                  <a:t> </a:t>
+                </a:r>
+                <a:r>
+                  <a:rPr lang="de-DE" sz="2000" dirty="0" err="1"/>
+                  <a:t>we</a:t>
+                </a:r>
+                <a:r>
+                  <a:rPr lang="de-DE" sz="2000" dirty="0"/>
+                  <a:t> </a:t>
+                </a:r>
+                <a:r>
+                  <a:rPr lang="de-DE" sz="2000" dirty="0" err="1"/>
+                  <a:t>choose</a:t>
+                </a:r>
+                <a:r>
+                  <a:rPr lang="de-DE" sz="2000" dirty="0"/>
+                  <a:t> </a:t>
+                </a:r>
+                <a14:m>
+                  <m:oMath xmlns:m="http://schemas.openxmlformats.org/officeDocument/2006/math">
+                    <m:r>
+                      <a:rPr lang="de-DE" sz="2000" i="1">
+                        <a:latin typeface="Cambria Math" panose="02040503050406030204" pitchFamily="18" charset="0"/>
+                      </a:rPr>
+                      <m:t>𝑦</m:t>
+                    </m:r>
+                    <m:r>
+                      <a:rPr lang="de-DE" sz="2000" i="1">
+                        <a:latin typeface="Cambria Math" panose="02040503050406030204" pitchFamily="18" charset="0"/>
+                      </a:rPr>
+                      <m:t>=</m:t>
+                    </m:r>
+                    <m:acc>
+                      <m:accPr>
+                        <m:chr m:val="̇"/>
+                        <m:ctrlPr>
+                          <a:rPr lang="de-DE" sz="2000" i="1">
+                            <a:latin typeface="Cambria Math" panose="02040503050406030204" pitchFamily="18" charset="0"/>
+                          </a:rPr>
+                        </m:ctrlPr>
+                      </m:accPr>
+                      <m:e>
+                        <m:r>
+                          <a:rPr lang="de-DE" sz="2000" i="1">
+                            <a:latin typeface="Cambria Math" panose="02040503050406030204" pitchFamily="18" charset="0"/>
+                          </a:rPr>
+                          <m:t>𝑥</m:t>
+                        </m:r>
+                      </m:e>
+                    </m:acc>
+                  </m:oMath>
+                </a14:m>
+                <a:endParaRPr lang="de-DE" sz="2000" dirty="0"/>
+              </a:p>
+              <a:p>
+                <a:r>
+                  <a:rPr lang="de-DE" sz="2000" dirty="0"/>
+                  <a:t>(first-order </a:t>
+                </a:r>
+                <a:r>
+                  <a:rPr lang="de-DE" sz="2000" dirty="0" err="1"/>
+                  <a:t>only</a:t>
+                </a:r>
+                <a:r>
+                  <a:rPr lang="de-DE" sz="2000" dirty="0"/>
+                  <a:t> </a:t>
+                </a:r>
+                <a:r>
+                  <a:rPr lang="de-DE" sz="2000" dirty="0" err="1"/>
+                  <a:t>if</a:t>
+                </a:r>
+                <a:r>
+                  <a:rPr lang="de-DE" sz="2000" dirty="0"/>
+                  <a:t> </a:t>
+                </a:r>
+                <a:r>
+                  <a:rPr lang="de-DE" sz="2000" dirty="0" err="1"/>
+                  <a:t>we</a:t>
+                </a:r>
+                <a:r>
+                  <a:rPr lang="de-DE" sz="2000" dirty="0"/>
+                  <a:t> </a:t>
+                </a:r>
+                <a:r>
+                  <a:rPr lang="de-DE" sz="2000" dirty="0" err="1"/>
+                  <a:t>removed</a:t>
+                </a:r>
+                <a:r>
+                  <a:rPr lang="de-DE" sz="2000" dirty="0"/>
+                  <a:t> </a:t>
+                </a:r>
+                <a:r>
+                  <a:rPr lang="de-DE" sz="2000" dirty="0" err="1"/>
+                  <a:t>the</a:t>
+                </a:r>
+                <a:r>
+                  <a:rPr lang="de-DE" sz="2000" dirty="0"/>
+                  <a:t> spring)</a:t>
+                </a:r>
+              </a:p>
+            </p:txBody>
+          </p:sp>
+        </mc:Choice>
+        <mc:Fallback>
+          <p:sp>
+            <p:nvSpPr>
+              <p:cNvPr id="11" name="Textfeld 10">
+                <a:extLst>
+                  <a:ext uri="{FF2B5EF4-FFF2-40B4-BE49-F238E27FC236}">
+                    <a16:creationId xmlns:a16="http://schemas.microsoft.com/office/drawing/2014/main" id="{9D7B3B12-381B-F8DF-684C-AE270F707C30}"/>
+                  </a:ext>
+                </a:extLst>
+              </p:cNvPr>
+              <p:cNvSpPr txBox="1">
+                <a:spLocks noRot="1" noChangeAspect="1" noMove="1" noResize="1" noEditPoints="1" noAdjustHandles="1" noChangeArrowheads="1" noChangeShapeType="1" noTextEdit="1"/>
+              </p:cNvSpPr>
+              <p:nvPr/>
+            </p:nvSpPr>
+            <p:spPr>
+              <a:xfrm>
+                <a:off x="7355740" y="5243272"/>
+                <a:ext cx="4662734" cy="1077218"/>
+              </a:xfrm>
+              <a:prstGeom prst="rect">
+                <a:avLst/>
+              </a:prstGeom>
+              <a:blipFill>
+                <a:blip r:embed="rId2"/>
+                <a:stretch>
+                  <a:fillRect l="-1902" t="-4651" r="-815" b="-9302"/>
+                </a:stretch>
+              </a:blipFill>
+            </p:spPr>
+            <p:txBody>
+              <a:bodyPr/>
+              <a:lstStyle/>
+              <a:p>
+                <a:r>
+                  <a:rPr lang="de-DE">
+                    <a:noFill/>
+                  </a:rPr>
+                  <a:t> </a:t>
+                </a:r>
+              </a:p>
+            </p:txBody>
+          </p:sp>
+        </mc:Fallback>
+      </mc:AlternateContent>
       <p:sp>
         <p:nvSpPr>
           <p:cNvPr id="2" name="Titel 1">
             <a:extLst>
               <a:ext uri="{FF2B5EF4-FFF2-40B4-BE49-F238E27FC236}">
-                <a16:creationId xmlns:a16="http://schemas.microsoft.com/office/drawing/2014/main" id="{28EDA3A2-F561-C805-764F-7D8E46B25AA0}"/>
+                <a16:creationId xmlns:a16="http://schemas.microsoft.com/office/drawing/2014/main" id="{6790FEE8-8184-DD9F-1C24-7654B2B8CF92}"/>
               </a:ext>
             </a:extLst>
           </p:cNvPr>
@@ -6885,7 +10245,15 @@
           <a:p>
             <a:r>
               <a:rPr lang="de-DE" dirty="0"/>
-              <a:t>Proportional (P) Systems</a:t>
+              <a:t>Differential-</a:t>
+            </a:r>
+            <a:r>
+              <a:rPr lang="de-DE" dirty="0" err="1"/>
+              <a:t>Equation</a:t>
+            </a:r>
+            <a:r>
+              <a:rPr lang="de-DE" dirty="0"/>
+              <a:t> Models</a:t>
             </a:r>
           </a:p>
         </p:txBody>
@@ -6895,7 +10263,7 @@
           <p:cNvPr id="3" name="Inhaltsplatzhalter 2">
             <a:extLst>
               <a:ext uri="{FF2B5EF4-FFF2-40B4-BE49-F238E27FC236}">
-                <a16:creationId xmlns:a16="http://schemas.microsoft.com/office/drawing/2014/main" id="{E5D93057-B654-A742-35B1-8FC40DA947BC}"/>
+                <a16:creationId xmlns:a16="http://schemas.microsoft.com/office/drawing/2014/main" id="{833EE465-2DFE-E432-459B-8A985DE18EC4}"/>
               </a:ext>
             </a:extLst>
           </p:cNvPr>
@@ -6906,121 +10274,228 @@
             <p:ph idx="1"/>
           </p:nvPr>
         </p:nvSpPr>
-        <p:spPr/>
-        <p:txBody>
-          <a:bodyPr/>
+        <p:spPr>
+          <a:xfrm>
+            <a:off x="838200" y="1690688"/>
+            <a:ext cx="10515600" cy="5030787"/>
+          </a:xfrm>
+        </p:spPr>
+        <p:txBody>
+          <a:bodyPr>
+            <a:noAutofit/>
+          </a:bodyPr>
           <a:lstStyle/>
-          <a:p>
-            <a:r>
-              <a:rPr lang="de-DE" dirty="0"/>
-              <a:t>Output proportional </a:t>
-            </a:r>
-            <a:r>
-              <a:rPr lang="de-DE" dirty="0" err="1"/>
-              <a:t>to</a:t>
-            </a:r>
-            <a:r>
-              <a:rPr lang="de-DE" dirty="0"/>
-              <a:t> </a:t>
-            </a:r>
-            <a:r>
-              <a:rPr lang="de-DE" dirty="0" err="1"/>
-              <a:t>input</a:t>
-            </a:r>
-            <a:endParaRPr lang="de-DE" dirty="0"/>
-          </a:p>
-          <a:p>
-            <a:r>
-              <a:rPr lang="de-DE" dirty="0"/>
-              <a:t>Static </a:t>
-            </a:r>
-            <a:r>
-              <a:rPr lang="de-DE" dirty="0" err="1"/>
-              <a:t>gain</a:t>
-            </a:r>
-            <a:endParaRPr lang="de-DE" dirty="0"/>
-          </a:p>
-          <a:p>
-            <a:r>
-              <a:rPr lang="de-DE" dirty="0" err="1"/>
-              <a:t>No</a:t>
-            </a:r>
-            <a:r>
-              <a:rPr lang="de-DE" dirty="0"/>
-              <a:t> </a:t>
-            </a:r>
-            <a:r>
-              <a:rPr lang="de-DE" dirty="0" err="1"/>
-              <a:t>dynamics</a:t>
-            </a:r>
-            <a:endParaRPr lang="de-DE" dirty="0"/>
-          </a:p>
           <a:p>
             <a:pPr marL="0" indent="0">
               <a:buNone/>
             </a:pPr>
-            <a:endParaRPr lang="de-DE" dirty="0"/>
+            <a:r>
+              <a:rPr lang="de-DE" sz="2400" dirty="0" err="1"/>
+              <a:t>Describe</a:t>
+            </a:r>
+            <a:r>
+              <a:rPr lang="de-DE" sz="2400" dirty="0"/>
+              <a:t> </a:t>
+            </a:r>
+            <a:r>
+              <a:rPr lang="de-DE" sz="2400" dirty="0" err="1"/>
+              <a:t>dynamics</a:t>
+            </a:r>
+            <a:r>
+              <a:rPr lang="de-DE" sz="2400" dirty="0"/>
+              <a:t> </a:t>
+            </a:r>
+            <a:r>
+              <a:rPr lang="de-DE" sz="2400" dirty="0" err="1"/>
+              <a:t>using</a:t>
+            </a:r>
+            <a:r>
+              <a:rPr lang="de-DE" sz="2400" dirty="0"/>
+              <a:t> derivatives</a:t>
+            </a:r>
           </a:p>
           <a:p>
             <a:pPr marL="0" indent="0">
               <a:buNone/>
             </a:pPr>
             <a:r>
-              <a:rPr lang="de-DE" b="1" dirty="0" err="1"/>
+              <a:rPr lang="de-DE" sz="2400" dirty="0" err="1"/>
               <a:t>Example</a:t>
             </a:r>
             <a:r>
-              <a:rPr lang="de-DE" b="1" dirty="0"/>
-              <a:t>:</a:t>
-            </a:r>
-            <a:r>
-              <a:rPr lang="de-DE" dirty="0"/>
+              <a:rPr lang="de-DE" sz="2400" dirty="0"/>
+              <a:t>: </a:t>
+            </a:r>
+            <a:r>
+              <a:rPr lang="de-DE" sz="2400" dirty="0" err="1"/>
+              <a:t>mass</a:t>
+            </a:r>
+            <a:r>
+              <a:rPr lang="de-DE" sz="2400" dirty="0"/>
+              <a:t>–spring–</a:t>
+            </a:r>
+            <a:r>
+              <a:rPr lang="de-DE" sz="2400" dirty="0" err="1"/>
+              <a:t>damper</a:t>
+            </a:r>
+            <a:r>
+              <a:rPr lang="de-DE" sz="2400" dirty="0"/>
               <a:t> </a:t>
             </a:r>
             <a:r>
-              <a:rPr lang="de-DE" dirty="0" err="1"/>
-              <a:t>amplifier</a:t>
-            </a:r>
-            <a:endParaRPr lang="de-DE" dirty="0"/>
+              <a:rPr lang="de-DE" sz="2400" dirty="0" err="1"/>
+              <a:t>system</a:t>
+            </a:r>
+            <a:endParaRPr lang="de-DE" sz="2400" dirty="0"/>
           </a:p>
           <a:p>
             <a:pPr marL="0" indent="0">
               <a:buNone/>
             </a:pPr>
-            <a:endParaRPr lang="de-DE" b="1" dirty="0"/>
+            <a:endParaRPr lang="de-DE" sz="2400" dirty="0"/>
           </a:p>
           <a:p>
             <a:pPr marL="0" indent="0">
               <a:buNone/>
             </a:pPr>
-            <a:r>
-              <a:rPr lang="de-DE" b="1" dirty="0" err="1"/>
-              <a:t>Equation</a:t>
-            </a:r>
-            <a:r>
-              <a:rPr lang="de-DE" b="1" dirty="0"/>
-              <a:t>:</a:t>
-            </a:r>
-            <a:r>
-              <a:rPr lang="de-DE" dirty="0"/>
+            <a:endParaRPr lang="de-DE" sz="2400" dirty="0"/>
+          </a:p>
+          <a:p>
+            <a:pPr marL="0" indent="0">
+              <a:buNone/>
+            </a:pPr>
+            <a:endParaRPr lang="de-DE" sz="2400" dirty="0"/>
+          </a:p>
+          <a:p>
+            <a:pPr marL="0" indent="0">
+              <a:buNone/>
+            </a:pPr>
+            <a:endParaRPr lang="de-DE" sz="2400" dirty="0"/>
+          </a:p>
+          <a:p>
+            <a:pPr marL="0" indent="0">
+              <a:buNone/>
+            </a:pPr>
+            <a:endParaRPr lang="de-DE" sz="2400" dirty="0"/>
+          </a:p>
+          <a:p>
+            <a:pPr marL="0" indent="0">
+              <a:buNone/>
+            </a:pPr>
+            <a:endParaRPr lang="de-DE" sz="2400" dirty="0"/>
+          </a:p>
+          <a:p>
+            <a:pPr marL="0" indent="0">
+              <a:buNone/>
+            </a:pPr>
+            <a:r>
+              <a:rPr lang="de-DE" sz="2400" dirty="0"/>
+              <a:t>Order </a:t>
+            </a:r>
+            <a:r>
+              <a:rPr lang="de-DE" sz="2400" dirty="0" err="1"/>
+              <a:t>of</a:t>
+            </a:r>
+            <a:r>
+              <a:rPr lang="de-DE" sz="2400" dirty="0"/>
               <a:t> </a:t>
             </a:r>
             <a:r>
-              <a:rPr lang="de-DE" dirty="0" err="1"/>
-              <a:t>y</a:t>
-            </a:r>
-            <a:r>
-              <a:rPr lang="de-DE" dirty="0"/>
-              <a:t>(t) = K </a:t>
-            </a:r>
-            <a:r>
-              <a:rPr lang="de-DE" dirty="0" err="1"/>
-              <a:t>u</a:t>
-            </a:r>
-            <a:r>
-              <a:rPr lang="de-DE" dirty="0"/>
-              <a:t>(t)</a:t>
-            </a:r>
+              <a:rPr lang="de-DE" sz="2400" dirty="0" err="1"/>
+              <a:t>equation</a:t>
+            </a:r>
+            <a:r>
+              <a:rPr lang="de-DE" sz="2400" dirty="0"/>
+              <a:t> = </a:t>
+            </a:r>
+            <a:r>
+              <a:rPr lang="de-DE" sz="2400" dirty="0" err="1"/>
+              <a:t>system</a:t>
+            </a:r>
+            <a:r>
+              <a:rPr lang="de-DE" sz="2400" dirty="0"/>
+              <a:t> </a:t>
+            </a:r>
+            <a:r>
+              <a:rPr lang="de-DE" sz="2400" dirty="0" err="1"/>
+              <a:t>order</a:t>
+            </a:r>
+            <a:endParaRPr lang="de-DE" sz="2400" dirty="0"/>
+          </a:p>
+          <a:p>
+            <a:pPr lvl="1"/>
+            <a:r>
+              <a:rPr lang="de-DE" sz="2000" dirty="0"/>
+              <a:t>= </a:t>
+            </a:r>
+            <a:r>
+              <a:rPr lang="de-DE" sz="2000" dirty="0" err="1"/>
+              <a:t>number</a:t>
+            </a:r>
+            <a:r>
+              <a:rPr lang="de-DE" sz="2000" dirty="0"/>
+              <a:t> </a:t>
+            </a:r>
+            <a:r>
+              <a:rPr lang="de-DE" sz="2000" dirty="0" err="1"/>
+              <a:t>of</a:t>
+            </a:r>
+            <a:r>
+              <a:rPr lang="de-DE" sz="2000" dirty="0"/>
+              <a:t> </a:t>
+            </a:r>
+            <a:r>
+              <a:rPr lang="de-DE" sz="2000" dirty="0" err="1"/>
+              <a:t>state</a:t>
+            </a:r>
+            <a:r>
+              <a:rPr lang="de-DE" sz="2000" dirty="0"/>
+              <a:t> variables</a:t>
+            </a:r>
+          </a:p>
+          <a:p>
+            <a:pPr lvl="1"/>
+            <a:r>
+              <a:rPr lang="de-DE" sz="2000" dirty="0"/>
+              <a:t>= </a:t>
+            </a:r>
+            <a:r>
+              <a:rPr lang="de-DE" sz="2000" dirty="0" err="1"/>
+              <a:t>number</a:t>
+            </a:r>
+            <a:r>
+              <a:rPr lang="de-DE" sz="2000" dirty="0"/>
+              <a:t> </a:t>
+            </a:r>
+            <a:r>
+              <a:rPr lang="de-DE" sz="2000" dirty="0" err="1"/>
+              <a:t>of</a:t>
+            </a:r>
+            <a:r>
+              <a:rPr lang="de-DE" sz="2000" dirty="0"/>
+              <a:t> </a:t>
+            </a:r>
+            <a:r>
+              <a:rPr lang="de-DE" sz="2000" dirty="0" err="1"/>
+              <a:t>energy</a:t>
+            </a:r>
+            <a:r>
+              <a:rPr lang="de-DE" sz="2000" dirty="0"/>
+              <a:t> </a:t>
+            </a:r>
+            <a:r>
+              <a:rPr lang="de-DE" sz="2000" dirty="0" err="1"/>
+              <a:t>storage</a:t>
+            </a:r>
+            <a:r>
+              <a:rPr lang="de-DE" sz="2000" dirty="0"/>
+              <a:t> </a:t>
+            </a:r>
+            <a:r>
+              <a:rPr lang="de-DE" sz="2000" dirty="0" err="1"/>
+              <a:t>elements</a:t>
+            </a:r>
+            <a:endParaRPr lang="de-DE" sz="2000" dirty="0"/>
           </a:p>
         </p:txBody>
       </p:sp>
@@ -7029,7 +10504,7 @@
           <p:cNvPr id="4" name="Foliennummernplatzhalter 3">
             <a:extLst>
               <a:ext uri="{FF2B5EF4-FFF2-40B4-BE49-F238E27FC236}">
-                <a16:creationId xmlns:a16="http://schemas.microsoft.com/office/drawing/2014/main" id="{C4759E45-F9D5-78E4-AB35-D7A48D2F9781}"/>
+                <a16:creationId xmlns:a16="http://schemas.microsoft.com/office/drawing/2014/main" id="{A6162B11-9C37-F0BA-412F-DEFAC076B222}"/>
               </a:ext>
             </a:extLst>
           </p:cNvPr>
@@ -7049,14 +10524,463 @@
               <a:rPr lang="en-GB" smtClean="0"/>
               <a:t>9</a:t>
             </a:fld>
-            <a:endParaRPr lang="en-GB"/>
-          </a:p>
-        </p:txBody>
-      </p:sp>
+            <a:endParaRPr lang="en-GB" dirty="0"/>
+          </a:p>
+        </p:txBody>
+      </p:sp>
+      <p:pic>
+        <p:nvPicPr>
+          <p:cNvPr id="14" name="Grafik 13" descr="Ein Bild, das Text, Reihe, Diagramm, Schrift enthält.&#10;&#10;KI-generierte Inhalte können fehlerhaft sein.">
+            <a:extLst>
+              <a:ext uri="{FF2B5EF4-FFF2-40B4-BE49-F238E27FC236}">
+                <a16:creationId xmlns:a16="http://schemas.microsoft.com/office/drawing/2014/main" id="{B257B890-6432-CC1A-D6AD-4BD0B2A7EEDB}"/>
+              </a:ext>
+            </a:extLst>
+          </p:cNvPr>
+          <p:cNvPicPr>
+            <a:picLocks noChangeAspect="1"/>
+          </p:cNvPicPr>
+          <p:nvPr/>
+        </p:nvPicPr>
+        <p:blipFill>
+          <a:blip r:embed="rId3">
+            <a:extLst>
+              <a:ext uri="{28A0092B-C50C-407E-A947-70E740481C1C}">
+                <a14:useLocalDpi xmlns:a14="http://schemas.microsoft.com/office/drawing/2010/main" val="0"/>
+              </a:ext>
+            </a:extLst>
+          </a:blip>
+          <a:stretch>
+            <a:fillRect/>
+          </a:stretch>
+        </p:blipFill>
+        <p:spPr>
+          <a:xfrm>
+            <a:off x="838200" y="2522923"/>
+            <a:ext cx="5941291" cy="2644389"/>
+          </a:xfrm>
+          <a:prstGeom prst="rect">
+            <a:avLst/>
+          </a:prstGeom>
+        </p:spPr>
+      </p:pic>
+      <mc:AlternateContent xmlns:mc="http://schemas.openxmlformats.org/markup-compatibility/2006">
+        <mc:Choice xmlns:a14="http://schemas.microsoft.com/office/drawing/2010/main" Requires="a14">
+          <p:sp>
+            <p:nvSpPr>
+              <p:cNvPr id="5" name="Textfeld 4">
+                <a:extLst>
+                  <a:ext uri="{FF2B5EF4-FFF2-40B4-BE49-F238E27FC236}">
+                    <a16:creationId xmlns:a16="http://schemas.microsoft.com/office/drawing/2014/main" id="{002D29F3-CFB5-A7A0-EC47-01A7F08DF4C8}"/>
+                  </a:ext>
+                </a:extLst>
+              </p:cNvPr>
+              <p:cNvSpPr txBox="1"/>
+              <p:nvPr/>
+            </p:nvSpPr>
+            <p:spPr>
+              <a:xfrm>
+                <a:off x="7518390" y="2852697"/>
+                <a:ext cx="3835409" cy="1984839"/>
+              </a:xfrm>
+              <a:prstGeom prst="rect">
+                <a:avLst/>
+              </a:prstGeom>
+              <a:noFill/>
+              <a:ln>
+                <a:solidFill>
+                  <a:schemeClr val="tx1"/>
+                </a:solidFill>
+              </a:ln>
+            </p:spPr>
+            <p:txBody>
+              <a:bodyPr wrap="none" rtlCol="0">
+                <a:spAutoFit/>
+              </a:bodyPr>
+              <a:lstStyle/>
+              <a:p>
+                <a:r>
+                  <a:rPr lang="de-DE" sz="2400" dirty="0"/>
+                  <a:t>Newton:</a:t>
+                </a:r>
+              </a:p>
+              <a:p>
+                <a14:m>
+                  <m:oMathPara xmlns:m="http://schemas.openxmlformats.org/officeDocument/2006/math">
+                    <m:oMathParaPr>
+                      <m:jc m:val="centerGroup"/>
+                    </m:oMathParaPr>
+                    <m:oMath xmlns:m="http://schemas.openxmlformats.org/officeDocument/2006/math">
+                      <m:r>
+                        <a:rPr lang="de-DE" sz="2400" i="1">
+                          <a:latin typeface="Cambria Math" panose="02040503050406030204" pitchFamily="18" charset="0"/>
+                        </a:rPr>
+                        <m:t>𝑚</m:t>
+                      </m:r>
+                      <m:r>
+                        <a:rPr lang="de-DE" sz="2400" b="0" i="1" smtClean="0">
+                          <a:latin typeface="Cambria Math" panose="02040503050406030204" pitchFamily="18" charset="0"/>
+                        </a:rPr>
+                        <m:t>𝑎</m:t>
+                      </m:r>
+                      <m:r>
+                        <a:rPr lang="de-DE" sz="2400" b="0" i="1" smtClean="0">
+                          <a:latin typeface="Cambria Math" panose="02040503050406030204" pitchFamily="18" charset="0"/>
+                        </a:rPr>
+                        <m:t>=</m:t>
+                      </m:r>
+                      <m:r>
+                        <a:rPr lang="de-DE" sz="2400" i="1">
+                          <a:latin typeface="Cambria Math" panose="02040503050406030204" pitchFamily="18" charset="0"/>
+                        </a:rPr>
+                        <m:t>𝐹</m:t>
+                      </m:r>
+                      <m:d>
+                        <m:dPr>
+                          <m:ctrlPr>
+                            <a:rPr lang="de-DE" sz="2400" i="1">
+                              <a:latin typeface="Cambria Math" panose="02040503050406030204" pitchFamily="18" charset="0"/>
+                            </a:rPr>
+                          </m:ctrlPr>
+                        </m:dPr>
+                        <m:e>
+                          <m:r>
+                            <a:rPr lang="de-DE" sz="2400" i="1">
+                              <a:latin typeface="Cambria Math" panose="02040503050406030204" pitchFamily="18" charset="0"/>
+                            </a:rPr>
+                            <m:t>𝑡</m:t>
+                          </m:r>
+                        </m:e>
+                      </m:d>
+                      <m:r>
+                        <a:rPr lang="de-DE" sz="2400" b="0" i="1" smtClean="0">
+                          <a:latin typeface="Cambria Math" panose="02040503050406030204" pitchFamily="18" charset="0"/>
+                        </a:rPr>
+                        <m:t>−</m:t>
+                      </m:r>
+                      <m:sSub>
+                        <m:sSubPr>
+                          <m:ctrlPr>
+                            <a:rPr lang="de-DE" sz="2400" b="0" i="1" smtClean="0">
+                              <a:latin typeface="Cambria Math" panose="02040503050406030204" pitchFamily="18" charset="0"/>
+                            </a:rPr>
+                          </m:ctrlPr>
+                        </m:sSubPr>
+                        <m:e>
+                          <m:r>
+                            <a:rPr lang="de-DE" sz="2400" b="0" i="1" smtClean="0">
+                              <a:latin typeface="Cambria Math" panose="02040503050406030204" pitchFamily="18" charset="0"/>
+                            </a:rPr>
+                            <m:t>𝐹</m:t>
+                          </m:r>
+                        </m:e>
+                        <m:sub>
+                          <m:r>
+                            <a:rPr lang="de-DE" sz="2400" b="0" i="1" smtClean="0">
+                              <a:latin typeface="Cambria Math" panose="02040503050406030204" pitchFamily="18" charset="0"/>
+                            </a:rPr>
+                            <m:t>𝑒</m:t>
+                          </m:r>
+                        </m:sub>
+                      </m:sSub>
+                      <m:d>
+                        <m:dPr>
+                          <m:ctrlPr>
+                            <a:rPr lang="de-DE" sz="2400" b="0" i="1" smtClean="0">
+                              <a:latin typeface="Cambria Math" panose="02040503050406030204" pitchFamily="18" charset="0"/>
+                            </a:rPr>
+                          </m:ctrlPr>
+                        </m:dPr>
+                        <m:e>
+                          <m:r>
+                            <a:rPr lang="de-DE" sz="2400" b="0" i="1" smtClean="0">
+                              <a:latin typeface="Cambria Math" panose="02040503050406030204" pitchFamily="18" charset="0"/>
+                            </a:rPr>
+                            <m:t>𝑡</m:t>
+                          </m:r>
+                        </m:e>
+                      </m:d>
+                      <m:r>
+                        <a:rPr lang="de-DE" sz="2400" b="0" i="1" smtClean="0">
+                          <a:latin typeface="Cambria Math" panose="02040503050406030204" pitchFamily="18" charset="0"/>
+                        </a:rPr>
+                        <m:t>−</m:t>
+                      </m:r>
+                      <m:sSub>
+                        <m:sSubPr>
+                          <m:ctrlPr>
+                            <a:rPr lang="de-DE" sz="2400" b="0" i="1" smtClean="0">
+                              <a:latin typeface="Cambria Math" panose="02040503050406030204" pitchFamily="18" charset="0"/>
+                            </a:rPr>
+                          </m:ctrlPr>
+                        </m:sSubPr>
+                        <m:e>
+                          <m:r>
+                            <a:rPr lang="de-DE" sz="2400" b="0" i="1" smtClean="0">
+                              <a:latin typeface="Cambria Math" panose="02040503050406030204" pitchFamily="18" charset="0"/>
+                            </a:rPr>
+                            <m:t>𝐹</m:t>
+                          </m:r>
+                        </m:e>
+                        <m:sub>
+                          <m:r>
+                            <a:rPr lang="de-DE" sz="2400" b="0" i="1" smtClean="0">
+                              <a:latin typeface="Cambria Math" panose="02040503050406030204" pitchFamily="18" charset="0"/>
+                            </a:rPr>
+                            <m:t>𝑎</m:t>
+                          </m:r>
+                        </m:sub>
+                      </m:sSub>
+                      <m:r>
+                        <a:rPr lang="de-DE" sz="2400" b="0" i="1" smtClean="0">
+                          <a:latin typeface="Cambria Math" panose="02040503050406030204" pitchFamily="18" charset="0"/>
+                        </a:rPr>
+                        <m:t>(</m:t>
+                      </m:r>
+                      <m:r>
+                        <a:rPr lang="de-DE" sz="2400" b="0" i="1" smtClean="0">
+                          <a:latin typeface="Cambria Math" panose="02040503050406030204" pitchFamily="18" charset="0"/>
+                        </a:rPr>
+                        <m:t>𝑡</m:t>
+                      </m:r>
+                      <m:r>
+                        <a:rPr lang="de-DE" sz="2400" b="0" i="1" smtClean="0">
+                          <a:latin typeface="Cambria Math" panose="02040503050406030204" pitchFamily="18" charset="0"/>
+                        </a:rPr>
+                        <m:t>)</m:t>
+                      </m:r>
+                    </m:oMath>
+                  </m:oMathPara>
+                </a14:m>
+                <a:endParaRPr lang="de-DE" sz="2400" b="0" i="1" dirty="0">
+                  <a:latin typeface="Cambria Math" panose="02040503050406030204" pitchFamily="18" charset="0"/>
+                </a:endParaRPr>
+              </a:p>
+              <a:p>
+                <a:endParaRPr lang="de-DE" sz="2400" dirty="0"/>
+              </a:p>
+              <a:p>
+                <a:r>
+                  <a:rPr lang="de-DE" sz="2400" dirty="0">
+                    <a:sym typeface="Wingdings" pitchFamily="2" charset="2"/>
+                  </a:rPr>
+                  <a:t> </a:t>
+                </a:r>
+                <a:r>
+                  <a:rPr lang="de-DE" sz="2400" dirty="0"/>
+                  <a:t>Model:</a:t>
+                </a:r>
+                <a:endParaRPr lang="de-DE" sz="2400" b="0" i="1" dirty="0">
+                  <a:latin typeface="Cambria Math" panose="02040503050406030204" pitchFamily="18" charset="0"/>
+                </a:endParaRPr>
+              </a:p>
+              <a:p>
+                <a14:m>
+                  <m:oMathPara xmlns:m="http://schemas.openxmlformats.org/officeDocument/2006/math">
+                    <m:oMathParaPr>
+                      <m:jc m:val="centerGroup"/>
+                    </m:oMathParaPr>
+                    <m:oMath xmlns:m="http://schemas.openxmlformats.org/officeDocument/2006/math">
+                      <m:r>
+                        <a:rPr lang="de-DE" sz="2400" b="0" i="1" smtClean="0">
+                          <a:latin typeface="Cambria Math" panose="02040503050406030204" pitchFamily="18" charset="0"/>
+                        </a:rPr>
+                        <m:t>𝑚</m:t>
+                      </m:r>
+                      <m:acc>
+                        <m:accPr>
+                          <m:chr m:val="̈"/>
+                          <m:ctrlPr>
+                            <a:rPr lang="de-DE" sz="2400" b="0" i="1" smtClean="0">
+                              <a:latin typeface="Cambria Math" panose="02040503050406030204" pitchFamily="18" charset="0"/>
+                            </a:rPr>
+                          </m:ctrlPr>
+                        </m:accPr>
+                        <m:e>
+                          <m:r>
+                            <a:rPr lang="de-DE" sz="2400" b="0" i="1" smtClean="0">
+                              <a:latin typeface="Cambria Math" panose="02040503050406030204" pitchFamily="18" charset="0"/>
+                            </a:rPr>
+                            <m:t>𝑥</m:t>
+                          </m:r>
+                        </m:e>
+                      </m:acc>
+                      <m:r>
+                        <a:rPr lang="de-DE" sz="2400" b="0" i="1" smtClean="0">
+                          <a:latin typeface="Cambria Math" panose="02040503050406030204" pitchFamily="18" charset="0"/>
+                        </a:rPr>
+                        <m:t>+</m:t>
+                      </m:r>
+                      <m:r>
+                        <a:rPr lang="de-DE" sz="2400" b="0" i="1" smtClean="0">
+                          <a:latin typeface="Cambria Math" panose="02040503050406030204" pitchFamily="18" charset="0"/>
+                          <a:ea typeface="Cambria Math" panose="02040503050406030204" pitchFamily="18" charset="0"/>
+                        </a:rPr>
+                        <m:t>𝜇</m:t>
+                      </m:r>
+                      <m:acc>
+                        <m:accPr>
+                          <m:chr m:val="̇"/>
+                          <m:ctrlPr>
+                            <a:rPr lang="de-DE" sz="2400" i="1">
+                              <a:latin typeface="Cambria Math" panose="02040503050406030204" pitchFamily="18" charset="0"/>
+                            </a:rPr>
+                          </m:ctrlPr>
+                        </m:accPr>
+                        <m:e>
+                          <m:r>
+                            <a:rPr lang="de-DE" sz="2400" i="1">
+                              <a:latin typeface="Cambria Math" panose="02040503050406030204" pitchFamily="18" charset="0"/>
+                            </a:rPr>
+                            <m:t>𝑥</m:t>
+                          </m:r>
+                        </m:e>
+                      </m:acc>
+                      <m:r>
+                        <a:rPr lang="de-DE" sz="2400" b="0" i="1" smtClean="0">
+                          <a:latin typeface="Cambria Math" panose="02040503050406030204" pitchFamily="18" charset="0"/>
+                        </a:rPr>
+                        <m:t>+</m:t>
+                      </m:r>
+                      <m:r>
+                        <a:rPr lang="de-DE" sz="2400" b="0" i="1" smtClean="0">
+                          <a:latin typeface="Cambria Math" panose="02040503050406030204" pitchFamily="18" charset="0"/>
+                        </a:rPr>
+                        <m:t>𝑘𝑥</m:t>
+                      </m:r>
+                      <m:r>
+                        <a:rPr lang="de-DE" sz="2400" b="0" i="1" smtClean="0">
+                          <a:latin typeface="Cambria Math" panose="02040503050406030204" pitchFamily="18" charset="0"/>
+                        </a:rPr>
+                        <m:t>=</m:t>
+                      </m:r>
+                      <m:r>
+                        <a:rPr lang="de-DE" sz="2400" b="0" i="1" smtClean="0">
+                          <a:latin typeface="Cambria Math" panose="02040503050406030204" pitchFamily="18" charset="0"/>
+                        </a:rPr>
+                        <m:t>𝐹</m:t>
+                      </m:r>
+                      <m:r>
+                        <a:rPr lang="de-DE" sz="2400" b="0" i="1" smtClean="0">
+                          <a:latin typeface="Cambria Math" panose="02040503050406030204" pitchFamily="18" charset="0"/>
+                        </a:rPr>
+                        <m:t>(</m:t>
+                      </m:r>
+                      <m:r>
+                        <a:rPr lang="de-DE" sz="2400" b="0" i="1" smtClean="0">
+                          <a:latin typeface="Cambria Math" panose="02040503050406030204" pitchFamily="18" charset="0"/>
+                        </a:rPr>
+                        <m:t>𝑡</m:t>
+                      </m:r>
+                      <m:r>
+                        <a:rPr lang="de-DE" sz="2400" b="0" i="1" smtClean="0">
+                          <a:latin typeface="Cambria Math" panose="02040503050406030204" pitchFamily="18" charset="0"/>
+                        </a:rPr>
+                        <m:t>)</m:t>
+                      </m:r>
+                    </m:oMath>
+                  </m:oMathPara>
+                </a14:m>
+                <a:endParaRPr lang="de-DE" sz="2400" dirty="0"/>
+              </a:p>
+            </p:txBody>
+          </p:sp>
+        </mc:Choice>
+        <mc:Fallback>
+          <p:sp>
+            <p:nvSpPr>
+              <p:cNvPr id="5" name="Textfeld 4">
+                <a:extLst>
+                  <a:ext uri="{FF2B5EF4-FFF2-40B4-BE49-F238E27FC236}">
+                    <a16:creationId xmlns:a16="http://schemas.microsoft.com/office/drawing/2014/main" id="{002D29F3-CFB5-A7A0-EC47-01A7F08DF4C8}"/>
+                  </a:ext>
+                </a:extLst>
+              </p:cNvPr>
+              <p:cNvSpPr txBox="1">
+                <a:spLocks noRot="1" noChangeAspect="1" noMove="1" noResize="1" noEditPoints="1" noAdjustHandles="1" noChangeArrowheads="1" noChangeShapeType="1" noTextEdit="1"/>
+              </p:cNvSpPr>
+              <p:nvPr/>
+            </p:nvSpPr>
+            <p:spPr>
+              <a:xfrm>
+                <a:off x="7518390" y="2852697"/>
+                <a:ext cx="3835409" cy="1984839"/>
+              </a:xfrm>
+              <a:prstGeom prst="rect">
+                <a:avLst/>
+              </a:prstGeom>
+              <a:blipFill>
+                <a:blip r:embed="rId4"/>
+                <a:stretch>
+                  <a:fillRect l="-2303" t="-2532" b="-633"/>
+                </a:stretch>
+              </a:blipFill>
+              <a:ln>
+                <a:solidFill>
+                  <a:schemeClr val="tx1"/>
+                </a:solidFill>
+              </a:ln>
+            </p:spPr>
+            <p:txBody>
+              <a:bodyPr/>
+              <a:lstStyle/>
+              <a:p>
+                <a:r>
+                  <a:rPr lang="de-DE">
+                    <a:noFill/>
+                  </a:rPr>
+                  <a:t> </a:t>
+                </a:r>
+              </a:p>
+            </p:txBody>
+          </p:sp>
+        </mc:Fallback>
+      </mc:AlternateContent>
+      <p:cxnSp>
+        <p:nvCxnSpPr>
+          <p:cNvPr id="7" name="Gerade Verbindung mit Pfeil 6">
+            <a:extLst>
+              <a:ext uri="{FF2B5EF4-FFF2-40B4-BE49-F238E27FC236}">
+                <a16:creationId xmlns:a16="http://schemas.microsoft.com/office/drawing/2014/main" id="{80E24689-D178-8F94-86ED-3E45D44F9A03}"/>
+              </a:ext>
+            </a:extLst>
+          </p:cNvPr>
+          <p:cNvCxnSpPr>
+            <a:cxnSpLocks/>
+          </p:cNvCxnSpPr>
+          <p:nvPr/>
+        </p:nvCxnSpPr>
+        <p:spPr>
+          <a:xfrm flipH="1" flipV="1">
+            <a:off x="8417859" y="4717326"/>
+            <a:ext cx="192741" cy="612970"/>
+          </a:xfrm>
+          <a:prstGeom prst="straightConnector1">
+            <a:avLst/>
+          </a:prstGeom>
+          <a:ln>
+            <a:tailEnd type="triangle"/>
+          </a:ln>
+        </p:spPr>
+        <p:style>
+          <a:lnRef idx="2">
+            <a:schemeClr val="accent1"/>
+          </a:lnRef>
+          <a:fillRef idx="0">
+            <a:schemeClr val="accent1"/>
+          </a:fillRef>
+          <a:effectRef idx="1">
+            <a:schemeClr val="accent1"/>
+          </a:effectRef>
+          <a:fontRef idx="minor">
+            <a:schemeClr val="tx1"/>
+          </a:fontRef>
+        </p:style>
+      </p:cxnSp>
     </p:spTree>
     <p:extLst>
       <p:ext uri="{BB962C8B-B14F-4D97-AF65-F5344CB8AC3E}">
-        <p14:creationId xmlns:p14="http://schemas.microsoft.com/office/powerpoint/2010/main" val="2101393843"/>
+        <p14:creationId xmlns:p14="http://schemas.microsoft.com/office/powerpoint/2010/main" val="444853122"/>
       </p:ext>
     </p:extLst>
   </p:cSld>

--- a/slides/1_systems.pptx
+++ b/slides/1_systems.pptx
@@ -4342,8 +4342,8 @@
           </a:p>
         </p:txBody>
       </p:sp>
-      <mc:AlternateContent xmlns:mc="http://schemas.openxmlformats.org/markup-compatibility/2006">
-        <mc:Choice xmlns:a14="http://schemas.microsoft.com/office/drawing/2010/main" Requires="a14">
+      <mc:AlternateContent xmlns:mc="http://schemas.openxmlformats.org/markup-compatibility/2006" xmlns:a14="http://schemas.microsoft.com/office/drawing/2010/main">
+        <mc:Choice Requires="a14">
           <p:sp>
             <p:nvSpPr>
               <p:cNvPr id="3" name="Inhaltsplatzhalter 2">
@@ -4528,7 +4528,7 @@
             </p:txBody>
           </p:sp>
         </mc:Choice>
-        <mc:Fallback>
+        <mc:Fallback xmlns="">
           <p:sp>
             <p:nvSpPr>
               <p:cNvPr id="3" name="Inhaltsplatzhalter 2">
@@ -4908,6 +4908,36 @@
           <a:chExt cx="0" cy="0"/>
         </a:xfrm>
       </p:grpSpPr>
+      <p:pic>
+        <p:nvPicPr>
+          <p:cNvPr id="5" name="Grafik 4">
+            <a:extLst>
+              <a:ext uri="{FF2B5EF4-FFF2-40B4-BE49-F238E27FC236}">
+                <a16:creationId xmlns:a16="http://schemas.microsoft.com/office/drawing/2014/main" id="{67B3AFA5-F42B-1CAA-6F55-BCB974EFB65F}"/>
+              </a:ext>
+            </a:extLst>
+          </p:cNvPr>
+          <p:cNvPicPr>
+            <a:picLocks noChangeAspect="1"/>
+          </p:cNvPicPr>
+          <p:nvPr/>
+        </p:nvPicPr>
+        <p:blipFill>
+          <a:blip r:embed="rId2"/>
+          <a:stretch>
+            <a:fillRect/>
+          </a:stretch>
+        </p:blipFill>
+        <p:spPr>
+          <a:xfrm>
+            <a:off x="6320901" y="2658286"/>
+            <a:ext cx="5032899" cy="3834589"/>
+          </a:xfrm>
+          <a:prstGeom prst="rect">
+            <a:avLst/>
+          </a:prstGeom>
+        </p:spPr>
+      </p:pic>
       <p:sp>
         <p:nvSpPr>
           <p:cNvPr id="2" name="Titel 1">
@@ -4961,6 +4991,9 @@
               </a:bodyPr>
               <a:lstStyle/>
               <a:p>
+                <a:pPr marL="0" indent="0">
+                  <a:buNone/>
+                </a:pPr>
                 <a:r>
                   <a:rPr lang="de-DE" dirty="0"/>
                   <a:t>One </a:t>
@@ -4988,6 +5021,15 @@
                 <a:endParaRPr lang="de-DE" dirty="0"/>
               </a:p>
               <a:p>
+                <a:pPr marL="0" indent="0">
+                  <a:buNone/>
+                </a:pPr>
+                <a:endParaRPr lang="de-DE" dirty="0"/>
+              </a:p>
+              <a:p>
+                <a:pPr marL="0" indent="0">
+                  <a:buNone/>
+                </a:pPr>
                 <a:r>
                   <a:rPr lang="de-DE" dirty="0" err="1"/>
                   <a:t>Characterized</a:t>
@@ -5157,6 +5199,9 @@
                 <a:endParaRPr lang="de-DE" dirty="0"/>
               </a:p>
               <a:p>
+                <a:pPr marL="0" indent="0">
+                  <a:buNone/>
+                </a:pPr>
                 <a:r>
                   <a:rPr lang="de-DE" dirty="0"/>
                   <a:t>Smooth </a:t>
@@ -5164,38 +5209,6 @@
                 <a:r>
                   <a:rPr lang="de-DE" dirty="0" err="1"/>
                   <a:t>exponential</a:t>
-                </a:r>
-                <a:r>
-                  <a:rPr lang="de-DE" dirty="0"/>
-                  <a:t> </a:t>
-                </a:r>
-                <a:r>
-                  <a:rPr lang="de-DE" dirty="0" err="1"/>
-                  <a:t>response</a:t>
-                </a:r>
-                <a:endParaRPr lang="de-DE" dirty="0"/>
-              </a:p>
-              <a:p>
-                <a:pPr marL="0" indent="0">
-                  <a:buNone/>
-                </a:pPr>
-                <a:endParaRPr lang="de-DE" dirty="0"/>
-              </a:p>
-              <a:p>
-                <a:pPr marL="0" indent="0">
-                  <a:buNone/>
-                </a:pPr>
-                <a:r>
-                  <a:rPr lang="de-DE" b="1" dirty="0"/>
-                  <a:t>Plot:</a:t>
-                </a:r>
-                <a:r>
-                  <a:rPr lang="de-DE" dirty="0"/>
-                  <a:t> </a:t>
-                </a:r>
-                <a:r>
-                  <a:rPr lang="de-DE" dirty="0" err="1"/>
-                  <a:t>step</a:t>
                 </a:r>
                 <a:r>
                   <a:rPr lang="de-DE" dirty="0"/>
@@ -5229,7 +5242,7 @@
             </p:nvSpPr>
             <p:spPr>
               <a:blipFill>
-                <a:blip r:embed="rId2"/>
+                <a:blip r:embed="rId3"/>
                 <a:stretch>
                   <a:fillRect l="-1206" t="-2326"/>
                 </a:stretch>
@@ -5276,6 +5289,53 @@
               <a:t>13</a:t>
             </a:fld>
             <a:endParaRPr lang="en-GB"/>
+          </a:p>
+        </p:txBody>
+      </p:sp>
+      <p:sp>
+        <p:nvSpPr>
+          <p:cNvPr id="7" name="Textfeld 6">
+            <a:extLst>
+              <a:ext uri="{FF2B5EF4-FFF2-40B4-BE49-F238E27FC236}">
+                <a16:creationId xmlns:a16="http://schemas.microsoft.com/office/drawing/2014/main" id="{4B9C476A-5E24-7EB7-4348-D3FCC0B3AA08}"/>
+              </a:ext>
+            </a:extLst>
+          </p:cNvPr>
+          <p:cNvSpPr txBox="1"/>
+          <p:nvPr/>
+        </p:nvSpPr>
+        <p:spPr>
+          <a:xfrm>
+            <a:off x="6885003" y="2196621"/>
+            <a:ext cx="3451194" cy="461665"/>
+          </a:xfrm>
+          <a:prstGeom prst="rect">
+            <a:avLst/>
+          </a:prstGeom>
+          <a:noFill/>
+        </p:spPr>
+        <p:txBody>
+          <a:bodyPr wrap="square">
+            <a:spAutoFit/>
+          </a:bodyPr>
+          <a:lstStyle/>
+          <a:p>
+            <a:r>
+              <a:rPr lang="de-DE" sz="2400" dirty="0" err="1"/>
+              <a:t>step</a:t>
+            </a:r>
+            <a:r>
+              <a:rPr lang="de-DE" sz="2400" dirty="0"/>
+              <a:t> </a:t>
+            </a:r>
+            <a:r>
+              <a:rPr lang="de-DE" sz="2400" dirty="0" err="1"/>
+              <a:t>response</a:t>
+            </a:r>
+            <a:r>
+              <a:rPr lang="de-DE" sz="2400" dirty="0"/>
+              <a:t>:</a:t>
+            </a:r>
           </a:p>
         </p:txBody>
       </p:sp>
@@ -5353,11 +5413,19 @@
             <p:ph idx="1"/>
           </p:nvPr>
         </p:nvSpPr>
-        <p:spPr/>
+        <p:spPr>
+          <a:xfrm>
+            <a:off x="838200" y="1825625"/>
+            <a:ext cx="5464946" cy="4351338"/>
+          </a:xfrm>
+        </p:spPr>
         <p:txBody>
           <a:bodyPr/>
           <a:lstStyle/>
           <a:p>
+            <a:pPr marL="0" indent="0">
+              <a:buNone/>
+            </a:pPr>
             <a:r>
               <a:rPr lang="de-DE" dirty="0" err="1"/>
               <a:t>Two</a:t>
@@ -5385,64 +5453,6 @@
             <a:r>
               <a:rPr lang="de-DE" dirty="0" err="1"/>
               <a:t>elements</a:t>
-            </a:r>
-            <a:endParaRPr lang="de-DE" dirty="0"/>
-          </a:p>
-          <a:p>
-            <a:r>
-              <a:rPr lang="de-DE" dirty="0"/>
-              <a:t>Can </a:t>
-            </a:r>
-            <a:r>
-              <a:rPr lang="de-DE" dirty="0" err="1"/>
-              <a:t>show</a:t>
-            </a:r>
-            <a:r>
-              <a:rPr lang="de-DE" dirty="0"/>
-              <a:t> </a:t>
-            </a:r>
-            <a:r>
-              <a:rPr lang="de-DE" dirty="0" err="1"/>
-              <a:t>oscillations</a:t>
-            </a:r>
-            <a:endParaRPr lang="de-DE" dirty="0"/>
-          </a:p>
-          <a:p>
-            <a:r>
-              <a:rPr lang="de-DE" dirty="0" err="1"/>
-              <a:t>Characterized</a:t>
-            </a:r>
-            <a:r>
-              <a:rPr lang="de-DE" dirty="0"/>
-              <a:t> </a:t>
-            </a:r>
-            <a:r>
-              <a:rPr lang="de-DE" dirty="0" err="1"/>
-              <a:t>by</a:t>
-            </a:r>
-            <a:r>
-              <a:rPr lang="de-DE" dirty="0"/>
-              <a:t> </a:t>
-            </a:r>
-            <a:r>
-              <a:rPr lang="de-DE" dirty="0" err="1"/>
-              <a:t>natural</a:t>
-            </a:r>
-            <a:r>
-              <a:rPr lang="de-DE" dirty="0"/>
-              <a:t> </a:t>
-            </a:r>
-            <a:r>
-              <a:rPr lang="de-DE" dirty="0" err="1"/>
-              <a:t>frequency</a:t>
-            </a:r>
-            <a:r>
-              <a:rPr lang="de-DE" dirty="0"/>
-              <a:t> and </a:t>
-            </a:r>
-            <a:r>
-              <a:rPr lang="de-DE" dirty="0" err="1"/>
-              <a:t>damping</a:t>
             </a:r>
             <a:endParaRPr lang="de-DE" dirty="0"/>
           </a:p>
@@ -5457,8 +5467,12 @@
               <a:buNone/>
             </a:pPr>
             <a:r>
-              <a:rPr lang="de-DE" b="1" dirty="0"/>
-              <a:t>Plot:</a:t>
+              <a:rPr lang="de-DE" dirty="0"/>
+              <a:t>Can </a:t>
+            </a:r>
+            <a:r>
+              <a:rPr lang="de-DE" dirty="0" err="1"/>
+              <a:t>show</a:t>
             </a:r>
             <a:r>
               <a:rPr lang="de-DE" dirty="0"/>
@@ -5466,7 +5480,23 @@
             </a:r>
             <a:r>
               <a:rPr lang="de-DE" dirty="0" err="1"/>
-              <a:t>underdamped</a:t>
+              <a:t>oscillations</a:t>
+            </a:r>
+            <a:endParaRPr lang="de-DE" dirty="0"/>
+          </a:p>
+          <a:p>
+            <a:pPr marL="0" indent="0">
+              <a:buNone/>
+            </a:pPr>
+            <a:endParaRPr lang="de-DE" dirty="0"/>
+          </a:p>
+          <a:p>
+            <a:pPr marL="0" indent="0">
+              <a:buNone/>
+            </a:pPr>
+            <a:r>
+              <a:rPr lang="de-DE" dirty="0" err="1"/>
+              <a:t>Characterized</a:t>
             </a:r>
             <a:r>
               <a:rPr lang="de-DE" dirty="0"/>
@@ -5474,7 +5504,7 @@
             </a:r>
             <a:r>
               <a:rPr lang="de-DE" dirty="0" err="1"/>
-              <a:t>vs</a:t>
+              <a:t>by</a:t>
             </a:r>
             <a:r>
               <a:rPr lang="de-DE" dirty="0"/>
@@ -5482,7 +5512,7 @@
             </a:r>
             <a:r>
               <a:rPr lang="de-DE" dirty="0" err="1"/>
-              <a:t>overdamped</a:t>
+              <a:t>natural</a:t>
             </a:r>
             <a:r>
               <a:rPr lang="de-DE" dirty="0"/>
@@ -5490,15 +5520,15 @@
             </a:r>
             <a:r>
               <a:rPr lang="de-DE" dirty="0" err="1"/>
-              <a:t>step</a:t>
+              <a:t>frequency</a:t>
             </a:r>
             <a:r>
               <a:rPr lang="de-DE" dirty="0"/>
-              <a:t> </a:t>
+              <a:t> and </a:t>
             </a:r>
             <a:r>
               <a:rPr lang="de-DE" dirty="0" err="1"/>
-              <a:t>response</a:t>
+              <a:t>damping</a:t>
             </a:r>
             <a:endParaRPr lang="de-DE" dirty="0"/>
           </a:p>
@@ -5530,6 +5560,99 @@
               <a:t>14</a:t>
             </a:fld>
             <a:endParaRPr lang="en-GB"/>
+          </a:p>
+        </p:txBody>
+      </p:sp>
+      <p:pic>
+        <p:nvPicPr>
+          <p:cNvPr id="5" name="Grafik 4">
+            <a:extLst>
+              <a:ext uri="{FF2B5EF4-FFF2-40B4-BE49-F238E27FC236}">
+                <a16:creationId xmlns:a16="http://schemas.microsoft.com/office/drawing/2014/main" id="{440B91D4-5F29-B7E7-E568-E5CE0BB558AC}"/>
+              </a:ext>
+            </a:extLst>
+          </p:cNvPr>
+          <p:cNvPicPr>
+            <a:picLocks noChangeAspect="1"/>
+          </p:cNvPicPr>
+          <p:nvPr/>
+        </p:nvPicPr>
+        <p:blipFill>
+          <a:blip r:embed="rId2"/>
+          <a:stretch>
+            <a:fillRect/>
+          </a:stretch>
+        </p:blipFill>
+        <p:spPr>
+          <a:xfrm>
+            <a:off x="6303146" y="2600219"/>
+            <a:ext cx="5050654" cy="3892656"/>
+          </a:xfrm>
+          <a:prstGeom prst="rect">
+            <a:avLst/>
+          </a:prstGeom>
+        </p:spPr>
+      </p:pic>
+      <p:sp>
+        <p:nvSpPr>
+          <p:cNvPr id="7" name="Textfeld 6">
+            <a:extLst>
+              <a:ext uri="{FF2B5EF4-FFF2-40B4-BE49-F238E27FC236}">
+                <a16:creationId xmlns:a16="http://schemas.microsoft.com/office/drawing/2014/main" id="{4E3617C7-60E3-4AD5-CB4C-AF5151E922A9}"/>
+              </a:ext>
+            </a:extLst>
+          </p:cNvPr>
+          <p:cNvSpPr txBox="1"/>
+          <p:nvPr/>
+        </p:nvSpPr>
+        <p:spPr>
+          <a:xfrm>
+            <a:off x="6768854" y="1729955"/>
+            <a:ext cx="4584946" cy="830997"/>
+          </a:xfrm>
+          <a:prstGeom prst="rect">
+            <a:avLst/>
+          </a:prstGeom>
+          <a:noFill/>
+        </p:spPr>
+        <p:txBody>
+          <a:bodyPr wrap="square">
+            <a:spAutoFit/>
+          </a:bodyPr>
+          <a:lstStyle/>
+          <a:p>
+            <a:r>
+              <a:rPr lang="de-DE" sz="2400" dirty="0" err="1"/>
+              <a:t>underdamped</a:t>
+            </a:r>
+            <a:r>
+              <a:rPr lang="de-DE" sz="2400" dirty="0"/>
+              <a:t> vs. </a:t>
+            </a:r>
+            <a:r>
+              <a:rPr lang="de-DE" sz="2400" dirty="0" err="1"/>
+              <a:t>overdamped</a:t>
+            </a:r>
+            <a:r>
+              <a:rPr lang="de-DE" sz="2400" dirty="0"/>
+              <a:t> </a:t>
+            </a:r>
+            <a:r>
+              <a:rPr lang="de-DE" sz="2400" dirty="0" err="1"/>
+              <a:t>step</a:t>
+            </a:r>
+            <a:r>
+              <a:rPr lang="de-DE" sz="2400" dirty="0"/>
+              <a:t> </a:t>
+            </a:r>
+            <a:r>
+              <a:rPr lang="de-DE" sz="2400" dirty="0" err="1"/>
+              <a:t>response</a:t>
+            </a:r>
+            <a:r>
+              <a:rPr lang="de-DE" sz="2400" dirty="0"/>
+              <a:t>:</a:t>
+            </a:r>
           </a:p>
         </p:txBody>
       </p:sp>
@@ -8826,8 +8949,8 @@
           </a:p>
         </p:txBody>
       </p:sp>
-      <mc:AlternateContent xmlns:mc="http://schemas.openxmlformats.org/markup-compatibility/2006">
-        <mc:Choice xmlns:a14="http://schemas.microsoft.com/office/drawing/2010/main" Requires="a14">
+      <mc:AlternateContent xmlns:mc="http://schemas.openxmlformats.org/markup-compatibility/2006" xmlns:a14="http://schemas.microsoft.com/office/drawing/2010/main">
+        <mc:Choice Requires="a14">
           <p:sp>
             <p:nvSpPr>
               <p:cNvPr id="3" name="Inhaltsplatzhalter 2">
@@ -9306,7 +9429,7 @@
             </p:txBody>
           </p:sp>
         </mc:Choice>
-        <mc:Fallback>
+        <mc:Fallback xmlns="">
           <p:sp>
             <p:nvSpPr>
               <p:cNvPr id="3" name="Inhaltsplatzhalter 2">
@@ -9375,8 +9498,8 @@
           </a:p>
         </p:txBody>
       </p:sp>
-      <mc:AlternateContent xmlns:mc="http://schemas.openxmlformats.org/markup-compatibility/2006">
-        <mc:Choice xmlns:a14="http://schemas.microsoft.com/office/drawing/2010/main" Requires="a14">
+      <mc:AlternateContent xmlns:mc="http://schemas.openxmlformats.org/markup-compatibility/2006" xmlns:a14="http://schemas.microsoft.com/office/drawing/2010/main">
+        <mc:Choice Requires="a14">
           <p:sp>
             <p:nvSpPr>
               <p:cNvPr id="6" name="Textfeld 5">
@@ -9480,7 +9603,7 @@
             </p:txBody>
           </p:sp>
         </mc:Choice>
-        <mc:Fallback>
+        <mc:Fallback xmlns="">
           <p:sp>
             <p:nvSpPr>
               <p:cNvPr id="6" name="Textfeld 5">
@@ -9530,8 +9653,8 @@
           </p:sp>
         </mc:Fallback>
       </mc:AlternateContent>
-      <mc:AlternateContent xmlns:mc="http://schemas.openxmlformats.org/markup-compatibility/2006">
-        <mc:Choice xmlns:a14="http://schemas.microsoft.com/office/drawing/2010/main" Requires="a14">
+      <mc:AlternateContent xmlns:mc="http://schemas.openxmlformats.org/markup-compatibility/2006" xmlns:a14="http://schemas.microsoft.com/office/drawing/2010/main">
+        <mc:Choice Requires="a14">
           <p:sp>
             <p:nvSpPr>
               <p:cNvPr id="5" name="Textfeld 4">
@@ -9594,6 +9717,7 @@
                 </a:endParaRPr>
               </a:p>
               <a:p>
+                <a:pPr/>
                 <a14:m>
                   <m:oMathPara xmlns:m="http://schemas.openxmlformats.org/officeDocument/2006/math">
                     <m:oMathParaPr>
@@ -9624,6 +9748,7 @@
                 <a:endParaRPr lang="de-DE" sz="2400" b="0" dirty="0"/>
               </a:p>
               <a:p>
+                <a:pPr/>
                 <a14:m>
                   <m:oMathPara xmlns:m="http://schemas.openxmlformats.org/officeDocument/2006/math">
                     <m:oMathParaPr>
@@ -9675,7 +9800,7 @@
             </p:txBody>
           </p:sp>
         </mc:Choice>
-        <mc:Fallback>
+        <mc:Fallback xmlns="">
           <p:sp>
             <p:nvSpPr>
               <p:cNvPr id="5" name="Textfeld 4">
@@ -10023,8 +10148,8 @@
             </p:nvSpPr>
             <p:spPr>
               <a:xfrm>
-                <a:off x="7355740" y="5243272"/>
-                <a:ext cx="4662734" cy="1077218"/>
+                <a:off x="6427433" y="5239576"/>
+                <a:ext cx="5184559" cy="1446550"/>
               </a:xfrm>
               <a:prstGeom prst="rect">
                 <a:avLst/>
@@ -10037,14 +10162,6 @@
               </a:bodyPr>
               <a:lstStyle/>
               <a:p>
-                <a:pPr marL="285750" indent="-285750">
-                  <a:buFont typeface="Wingdings" pitchFamily="2" charset="2"/>
-                  <a:buChar char="à"/>
-                </a:pPr>
-                <a:r>
-                  <a:rPr lang="de-DE" sz="2400" dirty="0"/>
-                  <a:t>here: </a:t>
-                </a:r>
                 <a:r>
                   <a:rPr lang="de-DE" sz="2400" dirty="0" err="1"/>
                   <a:t>second</a:t>
@@ -10057,7 +10174,34 @@
                   <a:rPr lang="de-DE" sz="2400" dirty="0" err="1"/>
                   <a:t>system</a:t>
                 </a:r>
-                <a:endParaRPr lang="de-DE" sz="2400" dirty="0"/>
+                <a:r>
+                  <a:rPr lang="de-DE" sz="2400" dirty="0"/>
+                  <a:t>: </a:t>
+                </a:r>
+                <a:r>
+                  <a:rPr lang="de-DE" sz="2400" dirty="0" err="1"/>
+                  <a:t>energy</a:t>
+                </a:r>
+                <a:r>
+                  <a:rPr lang="de-DE" sz="2400" dirty="0"/>
+                  <a:t> </a:t>
+                </a:r>
+                <a:r>
+                  <a:rPr lang="de-DE" sz="2400" dirty="0" err="1"/>
+                  <a:t>storages</a:t>
+                </a:r>
+                <a:r>
+                  <a:rPr lang="de-DE" sz="2400" dirty="0"/>
+                  <a:t> </a:t>
+                </a:r>
+                <a:r>
+                  <a:rPr lang="de-DE" sz="2400" dirty="0" err="1"/>
+                  <a:t>mass</a:t>
+                </a:r>
+                <a:r>
+                  <a:rPr lang="de-DE" sz="2400" dirty="0"/>
+                  <a:t> and spring</a:t>
+                </a:r>
               </a:p>
               <a:p>
                 <a:r>
@@ -10194,8 +10338,8 @@
             </p:nvSpPr>
             <p:spPr>
               <a:xfrm>
-                <a:off x="7355740" y="5243272"/>
-                <a:ext cx="4662734" cy="1077218"/>
+                <a:off x="6427433" y="5239576"/>
+                <a:ext cx="5184559" cy="1446550"/>
               </a:xfrm>
               <a:prstGeom prst="rect">
                 <a:avLst/>
@@ -10203,7 +10347,7 @@
               <a:blipFill>
                 <a:blip r:embed="rId2"/>
                 <a:stretch>
-                  <a:fillRect l="-1902" t="-4651" r="-815" b="-9302"/>
+                  <a:fillRect l="-1707" t="-3478" r="-1463" b="-6957"/>
                 </a:stretch>
               </a:blipFill>
             </p:spPr>
@@ -10564,8 +10708,8 @@
           </a:prstGeom>
         </p:spPr>
       </p:pic>
-      <mc:AlternateContent xmlns:mc="http://schemas.openxmlformats.org/markup-compatibility/2006">
-        <mc:Choice xmlns:a14="http://schemas.microsoft.com/office/drawing/2010/main" Requires="a14">
+      <mc:AlternateContent xmlns:mc="http://schemas.openxmlformats.org/markup-compatibility/2006" xmlns:a14="http://schemas.microsoft.com/office/drawing/2010/main">
+        <mc:Choice Requires="a14">
           <p:sp>
             <p:nvSpPr>
               <p:cNvPr id="5" name="Textfeld 4">
@@ -10605,6 +10749,7 @@
                 </a:r>
               </a:p>
               <a:p>
+                <a:pPr/>
                 <a14:m>
                   <m:oMathPara xmlns:m="http://schemas.openxmlformats.org/officeDocument/2006/math">
                     <m:oMathParaPr>
@@ -10775,6 +10920,7 @@
                 </a:endParaRPr>
               </a:p>
               <a:p>
+                <a:pPr/>
                 <a14:m>
                   <m:oMathPara xmlns:m="http://schemas.openxmlformats.org/officeDocument/2006/math">
                     <m:oMathParaPr>
@@ -10886,7 +11032,7 @@
             </p:txBody>
           </p:sp>
         </mc:Choice>
-        <mc:Fallback>
+        <mc:Fallback xmlns="">
           <p:sp>
             <p:nvSpPr>
               <p:cNvPr id="5" name="Textfeld 4">
@@ -10951,9 +11097,9 @@
           <p:nvPr/>
         </p:nvCxnSpPr>
         <p:spPr>
-          <a:xfrm flipH="1" flipV="1">
-            <a:off x="8417859" y="4717326"/>
-            <a:ext cx="192741" cy="612970"/>
+          <a:xfrm flipV="1">
+            <a:off x="8069802" y="4738357"/>
+            <a:ext cx="250403" cy="600398"/>
           </a:xfrm>
           <a:prstGeom prst="straightConnector1">
             <a:avLst/>

--- a/slides/1_systems.pptx
+++ b/slides/1_systems.pptx
@@ -4966,8 +4966,8 @@
           </a:p>
         </p:txBody>
       </p:sp>
-      <mc:AlternateContent xmlns:mc="http://schemas.openxmlformats.org/markup-compatibility/2006">
-        <mc:Choice xmlns:a14="http://schemas.microsoft.com/office/drawing/2010/main" Requires="a14">
+      <mc:AlternateContent xmlns:mc="http://schemas.openxmlformats.org/markup-compatibility/2006" xmlns:a14="http://schemas.microsoft.com/office/drawing/2010/main">
+        <mc:Choice Requires="a14">
           <p:sp>
             <p:nvSpPr>
               <p:cNvPr id="3" name="Inhaltsplatzhalter 2">
@@ -5223,7 +5223,7 @@
             </p:txBody>
           </p:sp>
         </mc:Choice>
-        <mc:Fallback>
+        <mc:Fallback xmlns="">
           <p:sp>
             <p:nvSpPr>
               <p:cNvPr id="3" name="Inhaltsplatzhalter 2">
@@ -5369,206 +5369,12 @@
           <a:chExt cx="0" cy="0"/>
         </a:xfrm>
       </p:grpSpPr>
-      <p:sp>
-        <p:nvSpPr>
-          <p:cNvPr id="2" name="Titel 1">
-            <a:extLst>
-              <a:ext uri="{FF2B5EF4-FFF2-40B4-BE49-F238E27FC236}">
-                <a16:creationId xmlns:a16="http://schemas.microsoft.com/office/drawing/2014/main" id="{CE787393-544D-703C-713F-00B09CCF1DD7}"/>
-              </a:ext>
-            </a:extLst>
-          </p:cNvPr>
-          <p:cNvSpPr>
-            <a:spLocks noGrp="1"/>
-          </p:cNvSpPr>
-          <p:nvPr>
-            <p:ph type="title"/>
-          </p:nvPr>
-        </p:nvSpPr>
-        <p:spPr/>
-        <p:txBody>
-          <a:bodyPr/>
-          <a:lstStyle/>
-          <a:p>
-            <a:r>
-              <a:rPr lang="de-DE" dirty="0"/>
-              <a:t>Second-Order Systems (PT2)</a:t>
-            </a:r>
-          </a:p>
-        </p:txBody>
-      </p:sp>
-      <p:sp>
-        <p:nvSpPr>
-          <p:cNvPr id="3" name="Inhaltsplatzhalter 2">
-            <a:extLst>
-              <a:ext uri="{FF2B5EF4-FFF2-40B4-BE49-F238E27FC236}">
-                <a16:creationId xmlns:a16="http://schemas.microsoft.com/office/drawing/2014/main" id="{864AE596-18C7-3B34-C44D-8A40912DE6B5}"/>
-              </a:ext>
-            </a:extLst>
-          </p:cNvPr>
-          <p:cNvSpPr>
-            <a:spLocks noGrp="1"/>
-          </p:cNvSpPr>
-          <p:nvPr>
-            <p:ph idx="1"/>
-          </p:nvPr>
-        </p:nvSpPr>
-        <p:spPr>
-          <a:xfrm>
-            <a:off x="838200" y="1825625"/>
-            <a:ext cx="5464946" cy="4351338"/>
-          </a:xfrm>
-        </p:spPr>
-        <p:txBody>
-          <a:bodyPr/>
-          <a:lstStyle/>
-          <a:p>
-            <a:pPr marL="0" indent="0">
-              <a:buNone/>
-            </a:pPr>
-            <a:r>
-              <a:rPr lang="de-DE" dirty="0" err="1"/>
-              <a:t>Two</a:t>
-            </a:r>
-            <a:r>
-              <a:rPr lang="de-DE" dirty="0"/>
-              <a:t> </a:t>
-            </a:r>
-            <a:r>
-              <a:rPr lang="de-DE" dirty="0" err="1"/>
-              <a:t>energy</a:t>
-            </a:r>
-            <a:r>
-              <a:rPr lang="de-DE" dirty="0"/>
-              <a:t> </a:t>
-            </a:r>
-            <a:r>
-              <a:rPr lang="de-DE" dirty="0" err="1"/>
-              <a:t>storage</a:t>
-            </a:r>
-            <a:r>
-              <a:rPr lang="de-DE" dirty="0"/>
-              <a:t> </a:t>
-            </a:r>
-            <a:r>
-              <a:rPr lang="de-DE" dirty="0" err="1"/>
-              <a:t>elements</a:t>
-            </a:r>
-            <a:endParaRPr lang="de-DE" dirty="0"/>
-          </a:p>
-          <a:p>
-            <a:pPr marL="0" indent="0">
-              <a:buNone/>
-            </a:pPr>
-            <a:endParaRPr lang="de-DE" dirty="0"/>
-          </a:p>
-          <a:p>
-            <a:pPr marL="0" indent="0">
-              <a:buNone/>
-            </a:pPr>
-            <a:r>
-              <a:rPr lang="de-DE" dirty="0"/>
-              <a:t>Can </a:t>
-            </a:r>
-            <a:r>
-              <a:rPr lang="de-DE" dirty="0" err="1"/>
-              <a:t>show</a:t>
-            </a:r>
-            <a:r>
-              <a:rPr lang="de-DE" dirty="0"/>
-              <a:t> </a:t>
-            </a:r>
-            <a:r>
-              <a:rPr lang="de-DE" dirty="0" err="1"/>
-              <a:t>oscillations</a:t>
-            </a:r>
-            <a:endParaRPr lang="de-DE" dirty="0"/>
-          </a:p>
-          <a:p>
-            <a:pPr marL="0" indent="0">
-              <a:buNone/>
-            </a:pPr>
-            <a:endParaRPr lang="de-DE" dirty="0"/>
-          </a:p>
-          <a:p>
-            <a:pPr marL="0" indent="0">
-              <a:buNone/>
-            </a:pPr>
-            <a:r>
-              <a:rPr lang="de-DE" dirty="0" err="1"/>
-              <a:t>Characterized</a:t>
-            </a:r>
-            <a:r>
-              <a:rPr lang="de-DE" dirty="0"/>
-              <a:t> </a:t>
-            </a:r>
-            <a:r>
-              <a:rPr lang="de-DE" dirty="0" err="1"/>
-              <a:t>by</a:t>
-            </a:r>
-            <a:r>
-              <a:rPr lang="de-DE" dirty="0"/>
-              <a:t> </a:t>
-            </a:r>
-            <a:r>
-              <a:rPr lang="de-DE" dirty="0" err="1"/>
-              <a:t>natural</a:t>
-            </a:r>
-            <a:r>
-              <a:rPr lang="de-DE" dirty="0"/>
-              <a:t> </a:t>
-            </a:r>
-            <a:r>
-              <a:rPr lang="de-DE" dirty="0" err="1"/>
-              <a:t>frequency</a:t>
-            </a:r>
-            <a:r>
-              <a:rPr lang="de-DE" dirty="0"/>
-              <a:t> and </a:t>
-            </a:r>
-            <a:r>
-              <a:rPr lang="de-DE" dirty="0" err="1"/>
-              <a:t>damping</a:t>
-            </a:r>
-            <a:endParaRPr lang="de-DE" dirty="0"/>
-          </a:p>
-        </p:txBody>
-      </p:sp>
-      <p:sp>
-        <p:nvSpPr>
-          <p:cNvPr id="4" name="Foliennummernplatzhalter 3">
-            <a:extLst>
-              <a:ext uri="{FF2B5EF4-FFF2-40B4-BE49-F238E27FC236}">
-                <a16:creationId xmlns:a16="http://schemas.microsoft.com/office/drawing/2014/main" id="{923C8AB7-4D08-3D96-5BB4-B17DE1DB7C07}"/>
-              </a:ext>
-            </a:extLst>
-          </p:cNvPr>
-          <p:cNvSpPr>
-            <a:spLocks noGrp="1"/>
-          </p:cNvSpPr>
-          <p:nvPr>
-            <p:ph type="sldNum" sz="quarter" idx="12"/>
-          </p:nvPr>
-        </p:nvSpPr>
-        <p:spPr/>
-        <p:txBody>
-          <a:bodyPr/>
-          <a:lstStyle/>
-          <a:p>
-            <a:fld id="{08C366F5-AFAD-49CB-854A-9D9E238FCA13}" type="slidenum">
-              <a:rPr lang="en-GB" smtClean="0"/>
-              <a:t>14</a:t>
-            </a:fld>
-            <a:endParaRPr lang="en-GB"/>
-          </a:p>
-        </p:txBody>
-      </p:sp>
       <p:pic>
         <p:nvPicPr>
-          <p:cNvPr id="5" name="Grafik 4">
-            <a:extLst>
-              <a:ext uri="{FF2B5EF4-FFF2-40B4-BE49-F238E27FC236}">
-                <a16:creationId xmlns:a16="http://schemas.microsoft.com/office/drawing/2014/main" id="{440B91D4-5F29-B7E7-E568-E5CE0BB558AC}"/>
+          <p:cNvPr id="6" name="Grafik 5">
+            <a:extLst>
+              <a:ext uri="{FF2B5EF4-FFF2-40B4-BE49-F238E27FC236}">
+                <a16:creationId xmlns:a16="http://schemas.microsoft.com/office/drawing/2014/main" id="{34BFEDDF-DBCB-1E43-1FD3-BC01194BE697}"/>
               </a:ext>
             </a:extLst>
           </p:cNvPr>
@@ -5585,8 +5391,8 @@
         </p:blipFill>
         <p:spPr>
           <a:xfrm>
-            <a:off x="6303146" y="2600219"/>
-            <a:ext cx="5050654" cy="3892656"/>
+            <a:off x="6115975" y="2560952"/>
+            <a:ext cx="5237825" cy="4036913"/>
           </a:xfrm>
           <a:prstGeom prst="rect">
             <a:avLst/>
@@ -5595,6 +5401,200 @@
       </p:pic>
       <p:sp>
         <p:nvSpPr>
+          <p:cNvPr id="2" name="Titel 1">
+            <a:extLst>
+              <a:ext uri="{FF2B5EF4-FFF2-40B4-BE49-F238E27FC236}">
+                <a16:creationId xmlns:a16="http://schemas.microsoft.com/office/drawing/2014/main" id="{CE787393-544D-703C-713F-00B09CCF1DD7}"/>
+              </a:ext>
+            </a:extLst>
+          </p:cNvPr>
+          <p:cNvSpPr>
+            <a:spLocks noGrp="1"/>
+          </p:cNvSpPr>
+          <p:nvPr>
+            <p:ph type="title"/>
+          </p:nvPr>
+        </p:nvSpPr>
+        <p:spPr/>
+        <p:txBody>
+          <a:bodyPr/>
+          <a:lstStyle/>
+          <a:p>
+            <a:r>
+              <a:rPr lang="de-DE" dirty="0"/>
+              <a:t>Second-Order Systems (PT2)</a:t>
+            </a:r>
+          </a:p>
+        </p:txBody>
+      </p:sp>
+      <p:sp>
+        <p:nvSpPr>
+          <p:cNvPr id="3" name="Inhaltsplatzhalter 2">
+            <a:extLst>
+              <a:ext uri="{FF2B5EF4-FFF2-40B4-BE49-F238E27FC236}">
+                <a16:creationId xmlns:a16="http://schemas.microsoft.com/office/drawing/2014/main" id="{864AE596-18C7-3B34-C44D-8A40912DE6B5}"/>
+              </a:ext>
+            </a:extLst>
+          </p:cNvPr>
+          <p:cNvSpPr>
+            <a:spLocks noGrp="1"/>
+          </p:cNvSpPr>
+          <p:nvPr>
+            <p:ph idx="1"/>
+          </p:nvPr>
+        </p:nvSpPr>
+        <p:spPr>
+          <a:xfrm>
+            <a:off x="838200" y="1825625"/>
+            <a:ext cx="5277775" cy="4351338"/>
+          </a:xfrm>
+        </p:spPr>
+        <p:txBody>
+          <a:bodyPr/>
+          <a:lstStyle/>
+          <a:p>
+            <a:pPr marL="0" indent="0">
+              <a:buNone/>
+            </a:pPr>
+            <a:r>
+              <a:rPr lang="de-DE" dirty="0" err="1"/>
+              <a:t>Two</a:t>
+            </a:r>
+            <a:r>
+              <a:rPr lang="de-DE" dirty="0"/>
+              <a:t> </a:t>
+            </a:r>
+            <a:r>
+              <a:rPr lang="de-DE" dirty="0" err="1"/>
+              <a:t>energy</a:t>
+            </a:r>
+            <a:r>
+              <a:rPr lang="de-DE" dirty="0"/>
+              <a:t> </a:t>
+            </a:r>
+            <a:r>
+              <a:rPr lang="de-DE" dirty="0" err="1"/>
+              <a:t>storage</a:t>
+            </a:r>
+            <a:r>
+              <a:rPr lang="de-DE" dirty="0"/>
+              <a:t> </a:t>
+            </a:r>
+            <a:r>
+              <a:rPr lang="de-DE" dirty="0" err="1"/>
+              <a:t>elements</a:t>
+            </a:r>
+            <a:endParaRPr lang="de-DE" dirty="0"/>
+          </a:p>
+          <a:p>
+            <a:pPr marL="0" indent="0">
+              <a:buNone/>
+            </a:pPr>
+            <a:endParaRPr lang="de-DE" dirty="0"/>
+          </a:p>
+          <a:p>
+            <a:pPr marL="0" indent="0">
+              <a:buNone/>
+            </a:pPr>
+            <a:r>
+              <a:rPr lang="de-DE" dirty="0"/>
+              <a:t>Can </a:t>
+            </a:r>
+            <a:r>
+              <a:rPr lang="de-DE" dirty="0" err="1"/>
+              <a:t>show</a:t>
+            </a:r>
+            <a:r>
+              <a:rPr lang="de-DE" dirty="0"/>
+              <a:t> </a:t>
+            </a:r>
+            <a:r>
+              <a:rPr lang="de-DE" dirty="0" err="1"/>
+              <a:t>oscillations</a:t>
+            </a:r>
+            <a:endParaRPr lang="de-DE" dirty="0"/>
+          </a:p>
+          <a:p>
+            <a:pPr marL="0" indent="0">
+              <a:buNone/>
+            </a:pPr>
+            <a:endParaRPr lang="de-DE" dirty="0"/>
+          </a:p>
+          <a:p>
+            <a:pPr marL="0" indent="0">
+              <a:buNone/>
+            </a:pPr>
+            <a:r>
+              <a:rPr lang="de-DE" dirty="0" err="1"/>
+              <a:t>Characterized</a:t>
+            </a:r>
+            <a:r>
+              <a:rPr lang="de-DE" dirty="0"/>
+              <a:t> </a:t>
+            </a:r>
+            <a:r>
+              <a:rPr lang="de-DE" dirty="0" err="1"/>
+              <a:t>by</a:t>
+            </a:r>
+            <a:r>
+              <a:rPr lang="de-DE" dirty="0"/>
+              <a:t> </a:t>
+            </a:r>
+            <a:r>
+              <a:rPr lang="de-DE" dirty="0" err="1"/>
+              <a:t>natural</a:t>
+            </a:r>
+            <a:r>
+              <a:rPr lang="de-DE" dirty="0"/>
+              <a:t> </a:t>
+            </a:r>
+            <a:r>
+              <a:rPr lang="de-DE" dirty="0" err="1"/>
+              <a:t>frequency</a:t>
+            </a:r>
+            <a:r>
+              <a:rPr lang="de-DE" dirty="0"/>
+              <a:t> and </a:t>
+            </a:r>
+            <a:r>
+              <a:rPr lang="de-DE" dirty="0" err="1"/>
+              <a:t>damping</a:t>
+            </a:r>
+            <a:endParaRPr lang="de-DE" dirty="0"/>
+          </a:p>
+        </p:txBody>
+      </p:sp>
+      <p:sp>
+        <p:nvSpPr>
+          <p:cNvPr id="4" name="Foliennummernplatzhalter 3">
+            <a:extLst>
+              <a:ext uri="{FF2B5EF4-FFF2-40B4-BE49-F238E27FC236}">
+                <a16:creationId xmlns:a16="http://schemas.microsoft.com/office/drawing/2014/main" id="{923C8AB7-4D08-3D96-5BB4-B17DE1DB7C07}"/>
+              </a:ext>
+            </a:extLst>
+          </p:cNvPr>
+          <p:cNvSpPr>
+            <a:spLocks noGrp="1"/>
+          </p:cNvSpPr>
+          <p:nvPr>
+            <p:ph type="sldNum" sz="quarter" idx="12"/>
+          </p:nvPr>
+        </p:nvSpPr>
+        <p:spPr/>
+        <p:txBody>
+          <a:bodyPr/>
+          <a:lstStyle/>
+          <a:p>
+            <a:fld id="{08C366F5-AFAD-49CB-854A-9D9E238FCA13}" type="slidenum">
+              <a:rPr lang="en-GB" smtClean="0"/>
+              <a:t>14</a:t>
+            </a:fld>
+            <a:endParaRPr lang="en-GB"/>
+          </a:p>
+        </p:txBody>
+      </p:sp>
+      <p:sp>
+        <p:nvSpPr>
           <p:cNvPr id="7" name="Textfeld 6">
             <a:extLst>
               <a:ext uri="{FF2B5EF4-FFF2-40B4-BE49-F238E27FC236}">
@@ -5607,8 +5607,8 @@
         </p:nvSpPr>
         <p:spPr>
           <a:xfrm>
-            <a:off x="6768854" y="1729955"/>
-            <a:ext cx="4584946" cy="830997"/>
+            <a:off x="6337917" y="1729955"/>
+            <a:ext cx="5277775" cy="830997"/>
           </a:xfrm>
           <a:prstGeom prst="rect">
             <a:avLst/>
@@ -5623,11 +5623,27 @@
           <a:p>
             <a:r>
               <a:rPr lang="de-DE" sz="2400" dirty="0" err="1"/>
-              <a:t>underdamped</a:t>
+              <a:t>Underdamped</a:t>
             </a:r>
             <a:r>
               <a:rPr lang="de-DE" sz="2400" dirty="0"/>
-              <a:t> vs. </a:t>
+              <a:t>, </a:t>
+            </a:r>
+            <a:r>
+              <a:rPr lang="de-DE" sz="2400" dirty="0" err="1"/>
+              <a:t>critically</a:t>
+            </a:r>
+            <a:r>
+              <a:rPr lang="de-DE" sz="2400" dirty="0"/>
+              <a:t> </a:t>
+            </a:r>
+            <a:r>
+              <a:rPr lang="de-DE" sz="2400" dirty="0" err="1"/>
+              <a:t>damped</a:t>
+            </a:r>
+            <a:r>
+              <a:rPr lang="de-DE" sz="2400" dirty="0"/>
+              <a:t>, and </a:t>
             </a:r>
             <a:r>
               <a:rPr lang="de-DE" sz="2400" dirty="0" err="1"/>
@@ -10132,8 +10148,8 @@
           <a:chExt cx="0" cy="0"/>
         </a:xfrm>
       </p:grpSpPr>
-      <mc:AlternateContent xmlns:mc="http://schemas.openxmlformats.org/markup-compatibility/2006">
-        <mc:Choice xmlns:a14="http://schemas.microsoft.com/office/drawing/2010/main" Requires="a14">
+      <mc:AlternateContent xmlns:mc="http://schemas.openxmlformats.org/markup-compatibility/2006" xmlns:a14="http://schemas.microsoft.com/office/drawing/2010/main">
+        <mc:Choice Requires="a14">
           <p:sp>
             <p:nvSpPr>
               <p:cNvPr id="11" name="Textfeld 10">
@@ -10321,7 +10337,7 @@
             </p:txBody>
           </p:sp>
         </mc:Choice>
-        <mc:Fallback>
+        <mc:Fallback xmlns="">
           <p:sp>
             <p:nvSpPr>
               <p:cNvPr id="11" name="Textfeld 10">

--- a/slides/1_systems.pptx
+++ b/slides/1_systems.pptx
@@ -5,7 +5,7 @@
     <p:sldMasterId id="2147483648" r:id="rId1"/>
   </p:sldMasterIdLst>
   <p:notesMasterIdLst>
-    <p:notesMasterId r:id="rId29"/>
+    <p:notesMasterId r:id="rId27"/>
   </p:notesMasterIdLst>
   <p:sldIdLst>
     <p:sldId id="256" r:id="rId2"/>
@@ -29,12 +29,10 @@
     <p:sldId id="275" r:id="rId20"/>
     <p:sldId id="282" r:id="rId21"/>
     <p:sldId id="283" r:id="rId22"/>
-    <p:sldId id="293" r:id="rId23"/>
-    <p:sldId id="295" r:id="rId24"/>
-    <p:sldId id="271" r:id="rId25"/>
-    <p:sldId id="276" r:id="rId26"/>
-    <p:sldId id="280" r:id="rId27"/>
-    <p:sldId id="277" r:id="rId28"/>
+    <p:sldId id="271" r:id="rId23"/>
+    <p:sldId id="276" r:id="rId24"/>
+    <p:sldId id="280" r:id="rId25"/>
+    <p:sldId id="277" r:id="rId26"/>
   </p:sldIdLst>
   <p:sldSz cx="12192000" cy="6858000"/>
   <p:notesSz cx="6858000" cy="9144000"/>
@@ -152,277 +150,6 @@
 </p:presentation>
 </file>
 
-<file path=ppt/revisionInfo.xml><?xml version="1.0" encoding="utf-8"?>
-<p1510:revInfo xmlns:a="http://schemas.openxmlformats.org/drawingml/2006/main" xmlns:r="http://schemas.openxmlformats.org/officeDocument/2006/relationships" xmlns:p1510="http://schemas.microsoft.com/office/powerpoint/2015/10/main">
-  <p1510:revLst>
-    <p1510:client id="{64F59F2E-701A-4175-A64C-D0A9AC6FD62F}" v="178" dt="2025-03-13T14:52:19.337"/>
-  </p1510:revLst>
-</p1510:revInfo>
-</file>
-
-<file path=ppt/changesInfos/changesInfo1.xml><?xml version="1.0" encoding="utf-8"?>
-<pc:chgInfo xmlns:a="http://schemas.openxmlformats.org/drawingml/2006/main" xmlns:r="http://schemas.openxmlformats.org/officeDocument/2006/relationships" xmlns:ac="http://schemas.microsoft.com/office/drawing/2013/main/command" xmlns:pc="http://schemas.microsoft.com/office/powerpoint/2013/main/command">
-  <pc:docChgLst>
-    <pc:chgData name="Wick, Felix" userId="85efb633-acf6-425d-a271-4f136bfa2fb0" providerId="ADAL" clId="{64F59F2E-701A-4175-A64C-D0A9AC6FD62F}"/>
-    <pc:docChg chg="undo redo custSel addSld delSld modSld sldOrd">
-      <pc:chgData name="Wick, Felix" userId="85efb633-acf6-425d-a271-4f136bfa2fb0" providerId="ADAL" clId="{64F59F2E-701A-4175-A64C-D0A9AC6FD62F}" dt="2025-03-18T21:58:08.602" v="7865" actId="20577"/>
-      <pc:docMkLst>
-        <pc:docMk/>
-      </pc:docMkLst>
-      <pc:sldChg chg="modSp mod">
-        <pc:chgData name="Wick, Felix" userId="85efb633-acf6-425d-a271-4f136bfa2fb0" providerId="ADAL" clId="{64F59F2E-701A-4175-A64C-D0A9AC6FD62F}" dt="2025-01-11T15:55:30.554" v="12" actId="20577"/>
-        <pc:sldMkLst>
-          <pc:docMk/>
-          <pc:sldMk cId="2303947443" sldId="256"/>
-        </pc:sldMkLst>
-        <pc:spChg chg="mod">
-          <ac:chgData name="Wick, Felix" userId="85efb633-acf6-425d-a271-4f136bfa2fb0" providerId="ADAL" clId="{64F59F2E-701A-4175-A64C-D0A9AC6FD62F}" dt="2025-01-11T15:55:30.554" v="12" actId="20577"/>
-          <ac:spMkLst>
-            <pc:docMk/>
-            <pc:sldMk cId="2303947443" sldId="256"/>
-            <ac:spMk id="2" creationId="{F698641C-BAC0-4155-84D5-F4B73D88F27B}"/>
-          </ac:spMkLst>
-        </pc:spChg>
-      </pc:sldChg>
-      <pc:sldChg chg="delSp modSp del mod">
-        <pc:chgData name="Wick, Felix" userId="85efb633-acf6-425d-a271-4f136bfa2fb0" providerId="ADAL" clId="{64F59F2E-701A-4175-A64C-D0A9AC6FD62F}" dt="2025-01-11T15:59:29.377" v="288" actId="47"/>
-        <pc:sldMkLst>
-          <pc:docMk/>
-          <pc:sldMk cId="532403847" sldId="258"/>
-        </pc:sldMkLst>
-      </pc:sldChg>
-      <pc:sldChg chg="modSp mod">
-        <pc:chgData name="Wick, Felix" userId="85efb633-acf6-425d-a271-4f136bfa2fb0" providerId="ADAL" clId="{64F59F2E-701A-4175-A64C-D0A9AC6FD62F}" dt="2025-02-25T14:39:28.114" v="4429" actId="20577"/>
-        <pc:sldMkLst>
-          <pc:docMk/>
-          <pc:sldMk cId="3227613796" sldId="259"/>
-        </pc:sldMkLst>
-        <pc:spChg chg="mod">
-          <ac:chgData name="Wick, Felix" userId="85efb633-acf6-425d-a271-4f136bfa2fb0" providerId="ADAL" clId="{64F59F2E-701A-4175-A64C-D0A9AC6FD62F}" dt="2025-02-25T14:39:28.114" v="4429" actId="20577"/>
-          <ac:spMkLst>
-            <pc:docMk/>
-            <pc:sldMk cId="3227613796" sldId="259"/>
-            <ac:spMk id="2" creationId="{D19A2E5C-5FD4-F085-4DAA-7404FBAAA90F}"/>
-          </ac:spMkLst>
-        </pc:spChg>
-      </pc:sldChg>
-      <pc:sldChg chg="modSp del mod">
-        <pc:chgData name="Wick, Felix" userId="85efb633-acf6-425d-a271-4f136bfa2fb0" providerId="ADAL" clId="{64F59F2E-701A-4175-A64C-D0A9AC6FD62F}" dt="2025-02-27T21:48:52.912" v="4719" actId="47"/>
-        <pc:sldMkLst>
-          <pc:docMk/>
-          <pc:sldMk cId="2989276016" sldId="260"/>
-        </pc:sldMkLst>
-      </pc:sldChg>
-      <pc:sldChg chg="modSp del mod">
-        <pc:chgData name="Wick, Felix" userId="85efb633-acf6-425d-a271-4f136bfa2fb0" providerId="ADAL" clId="{64F59F2E-701A-4175-A64C-D0A9AC6FD62F}" dt="2025-02-27T21:49:44.119" v="4720" actId="47"/>
-        <pc:sldMkLst>
-          <pc:docMk/>
-          <pc:sldMk cId="3084296972" sldId="261"/>
-        </pc:sldMkLst>
-      </pc:sldChg>
-      <pc:sldChg chg="addSp delSp modSp del mod">
-        <pc:chgData name="Wick, Felix" userId="85efb633-acf6-425d-a271-4f136bfa2fb0" providerId="ADAL" clId="{64F59F2E-701A-4175-A64C-D0A9AC6FD62F}" dt="2025-02-27T22:12:12.283" v="4774" actId="47"/>
-        <pc:sldMkLst>
-          <pc:docMk/>
-          <pc:sldMk cId="3879865430" sldId="263"/>
-        </pc:sldMkLst>
-      </pc:sldChg>
-      <pc:sldChg chg="del">
-        <pc:chgData name="Wick, Felix" userId="85efb633-acf6-425d-a271-4f136bfa2fb0" providerId="ADAL" clId="{64F59F2E-701A-4175-A64C-D0A9AC6FD62F}" dt="2025-01-13T13:58:11.553" v="705" actId="47"/>
-        <pc:sldMkLst>
-          <pc:docMk/>
-          <pc:sldMk cId="1504602858" sldId="264"/>
-        </pc:sldMkLst>
-      </pc:sldChg>
-      <pc:sldChg chg="addSp delSp modSp new mod ord modClrScheme chgLayout">
-        <pc:chgData name="Wick, Felix" userId="85efb633-acf6-425d-a271-4f136bfa2fb0" providerId="ADAL" clId="{64F59F2E-701A-4175-A64C-D0A9AC6FD62F}" dt="2025-03-18T21:58:08.602" v="7865" actId="20577"/>
-        <pc:sldMkLst>
-          <pc:docMk/>
-          <pc:sldMk cId="310336692" sldId="265"/>
-        </pc:sldMkLst>
-        <pc:spChg chg="add mod ord">
-          <ac:chgData name="Wick, Felix" userId="85efb633-acf6-425d-a271-4f136bfa2fb0" providerId="ADAL" clId="{64F59F2E-701A-4175-A64C-D0A9AC6FD62F}" dt="2025-03-13T14:46:43.032" v="7444" actId="20577"/>
-          <ac:spMkLst>
-            <pc:docMk/>
-            <pc:sldMk cId="310336692" sldId="265"/>
-            <ac:spMk id="2" creationId="{9E6F3DDA-AA1C-74F2-B6BC-5D82FAA8ECEA}"/>
-          </ac:spMkLst>
-        </pc:spChg>
-        <pc:spChg chg="mod ord">
-          <ac:chgData name="Wick, Felix" userId="85efb633-acf6-425d-a271-4f136bfa2fb0" providerId="ADAL" clId="{64F59F2E-701A-4175-A64C-D0A9AC6FD62F}" dt="2025-03-01T21:02:42.586" v="5242" actId="700"/>
-          <ac:spMkLst>
-            <pc:docMk/>
-            <pc:sldMk cId="310336692" sldId="265"/>
-            <ac:spMk id="3" creationId="{A0664D44-83AC-6A7A-17E0-C1AE2ED18FF5}"/>
-          </ac:spMkLst>
-        </pc:spChg>
-        <pc:spChg chg="add mod ord">
-          <ac:chgData name="Wick, Felix" userId="85efb633-acf6-425d-a271-4f136bfa2fb0" providerId="ADAL" clId="{64F59F2E-701A-4175-A64C-D0A9AC6FD62F}" dt="2025-03-01T21:02:42.586" v="5242" actId="700"/>
-          <ac:spMkLst>
-            <pc:docMk/>
-            <pc:sldMk cId="310336692" sldId="265"/>
-            <ac:spMk id="4" creationId="{080AD447-446B-E09E-6F4A-522C1DBB462E}"/>
-          </ac:spMkLst>
-        </pc:spChg>
-        <pc:spChg chg="add mod ord">
-          <ac:chgData name="Wick, Felix" userId="85efb633-acf6-425d-a271-4f136bfa2fb0" providerId="ADAL" clId="{64F59F2E-701A-4175-A64C-D0A9AC6FD62F}" dt="2025-03-18T21:58:08.602" v="7865" actId="20577"/>
-          <ac:spMkLst>
-            <pc:docMk/>
-            <pc:sldMk cId="310336692" sldId="265"/>
-            <ac:spMk id="5" creationId="{36CB8FEE-6184-4A56-893A-894FD7378451}"/>
-          </ac:spMkLst>
-        </pc:spChg>
-      </pc:sldChg>
-      <pc:sldChg chg="addSp modSp mod modClrScheme chgLayout">
-        <pc:chgData name="Wick, Felix" userId="85efb633-acf6-425d-a271-4f136bfa2fb0" providerId="ADAL" clId="{64F59F2E-701A-4175-A64C-D0A9AC6FD62F}" dt="2025-03-02T20:22:55.225" v="7118" actId="113"/>
-        <pc:sldMkLst>
-          <pc:docMk/>
-          <pc:sldMk cId="3544795835" sldId="270"/>
-        </pc:sldMkLst>
-        <pc:spChg chg="mod ord">
-          <ac:chgData name="Wick, Felix" userId="85efb633-acf6-425d-a271-4f136bfa2fb0" providerId="ADAL" clId="{64F59F2E-701A-4175-A64C-D0A9AC6FD62F}" dt="2025-03-02T20:18:52.071" v="7037" actId="700"/>
-          <ac:spMkLst>
-            <pc:docMk/>
-            <pc:sldMk cId="3544795835" sldId="270"/>
-            <ac:spMk id="2" creationId="{5CFF9571-C6ED-CFC8-29FD-1B24BD4B2A10}"/>
-          </ac:spMkLst>
-        </pc:spChg>
-        <pc:spChg chg="mod ord">
-          <ac:chgData name="Wick, Felix" userId="85efb633-acf6-425d-a271-4f136bfa2fb0" providerId="ADAL" clId="{64F59F2E-701A-4175-A64C-D0A9AC6FD62F}" dt="2025-03-02T20:22:52.794" v="7117" actId="113"/>
-          <ac:spMkLst>
-            <pc:docMk/>
-            <pc:sldMk cId="3544795835" sldId="270"/>
-            <ac:spMk id="3" creationId="{33BBB58C-563A-AD3B-2A93-23C918781FCA}"/>
-          </ac:spMkLst>
-        </pc:spChg>
-        <pc:spChg chg="mod ord">
-          <ac:chgData name="Wick, Felix" userId="85efb633-acf6-425d-a271-4f136bfa2fb0" providerId="ADAL" clId="{64F59F2E-701A-4175-A64C-D0A9AC6FD62F}" dt="2025-03-02T20:18:52.071" v="7037" actId="700"/>
-          <ac:spMkLst>
-            <pc:docMk/>
-            <pc:sldMk cId="3544795835" sldId="270"/>
-            <ac:spMk id="4" creationId="{575B97E4-48D3-5CA3-B6B2-3BC5DD71690F}"/>
-          </ac:spMkLst>
-        </pc:spChg>
-        <pc:spChg chg="add mod">
-          <ac:chgData name="Wick, Felix" userId="85efb633-acf6-425d-a271-4f136bfa2fb0" providerId="ADAL" clId="{64F59F2E-701A-4175-A64C-D0A9AC6FD62F}" dt="2025-03-02T20:20:47.149" v="7107" actId="1076"/>
-          <ac:spMkLst>
-            <pc:docMk/>
-            <pc:sldMk cId="3544795835" sldId="270"/>
-            <ac:spMk id="7" creationId="{DF8A9556-CB38-5619-CC52-7BD00B11B476}"/>
-          </ac:spMkLst>
-        </pc:spChg>
-        <pc:spChg chg="add mod">
-          <ac:chgData name="Wick, Felix" userId="85efb633-acf6-425d-a271-4f136bfa2fb0" providerId="ADAL" clId="{64F59F2E-701A-4175-A64C-D0A9AC6FD62F}" dt="2025-03-02T20:21:04.393" v="7109" actId="1076"/>
-          <ac:spMkLst>
-            <pc:docMk/>
-            <pc:sldMk cId="3544795835" sldId="270"/>
-            <ac:spMk id="8" creationId="{06772F38-26BF-8A94-8631-751A406D153E}"/>
-          </ac:spMkLst>
-        </pc:spChg>
-        <pc:spChg chg="add mod ord">
-          <ac:chgData name="Wick, Felix" userId="85efb633-acf6-425d-a271-4f136bfa2fb0" providerId="ADAL" clId="{64F59F2E-701A-4175-A64C-D0A9AC6FD62F}" dt="2025-03-02T20:22:55.225" v="7118" actId="113"/>
-          <ac:spMkLst>
-            <pc:docMk/>
-            <pc:sldMk cId="3544795835" sldId="270"/>
-            <ac:spMk id="10" creationId="{CD7DF3A1-48C2-8A99-A46A-DED1F4ED5BA1}"/>
-          </ac:spMkLst>
-        </pc:spChg>
-        <pc:picChg chg="mod">
-          <ac:chgData name="Wick, Felix" userId="85efb633-acf6-425d-a271-4f136bfa2fb0" providerId="ADAL" clId="{64F59F2E-701A-4175-A64C-D0A9AC6FD62F}" dt="2025-03-02T20:20:47.149" v="7107" actId="1076"/>
-          <ac:picMkLst>
-            <pc:docMk/>
-            <pc:sldMk cId="3544795835" sldId="270"/>
-            <ac:picMk id="5" creationId="{FD58764D-2B67-728C-787A-C6B642EBCFD8}"/>
-          </ac:picMkLst>
-        </pc:picChg>
-        <pc:picChg chg="mod">
-          <ac:chgData name="Wick, Felix" userId="85efb633-acf6-425d-a271-4f136bfa2fb0" providerId="ADAL" clId="{64F59F2E-701A-4175-A64C-D0A9AC6FD62F}" dt="2025-03-02T20:22:40.037" v="7114" actId="1076"/>
-          <ac:picMkLst>
-            <pc:docMk/>
-            <pc:sldMk cId="3544795835" sldId="270"/>
-            <ac:picMk id="6" creationId="{9C0D363E-EF7C-EEF1-BD05-D7980098DD5A}"/>
-          </ac:picMkLst>
-        </pc:picChg>
-        <pc:picChg chg="add mod">
-          <ac:chgData name="Wick, Felix" userId="85efb633-acf6-425d-a271-4f136bfa2fb0" providerId="ADAL" clId="{64F59F2E-701A-4175-A64C-D0A9AC6FD62F}" dt="2025-03-02T20:21:04.393" v="7109" actId="1076"/>
-          <ac:picMkLst>
-            <pc:docMk/>
-            <pc:sldMk cId="3544795835" sldId="270"/>
-            <ac:picMk id="1028" creationId="{D6FB989F-F436-74B9-405A-7294609108C0}"/>
-          </ac:picMkLst>
-        </pc:picChg>
-        <pc:picChg chg="add mod">
-          <ac:chgData name="Wick, Felix" userId="85efb633-acf6-425d-a271-4f136bfa2fb0" providerId="ADAL" clId="{64F59F2E-701A-4175-A64C-D0A9AC6FD62F}" dt="2025-03-02T20:22:47.567" v="7116" actId="1076"/>
-          <ac:picMkLst>
-            <pc:docMk/>
-            <pc:sldMk cId="3544795835" sldId="270"/>
-            <ac:picMk id="1030" creationId="{78D57E94-E485-4288-6FCE-568DF7CFD6AF}"/>
-          </ac:picMkLst>
-        </pc:picChg>
-      </pc:sldChg>
-      <pc:sldChg chg="modSp mod">
-        <pc:chgData name="Wick, Felix" userId="85efb633-acf6-425d-a271-4f136bfa2fb0" providerId="ADAL" clId="{64F59F2E-701A-4175-A64C-D0A9AC6FD62F}" dt="2025-01-28T11:27:42.599" v="1289" actId="20577"/>
-        <pc:sldMkLst>
-          <pc:docMk/>
-          <pc:sldMk cId="793683279" sldId="272"/>
-        </pc:sldMkLst>
-        <pc:spChg chg="mod">
-          <ac:chgData name="Wick, Felix" userId="85efb633-acf6-425d-a271-4f136bfa2fb0" providerId="ADAL" clId="{64F59F2E-701A-4175-A64C-D0A9AC6FD62F}" dt="2025-01-28T11:27:42.599" v="1289" actId="20577"/>
-          <ac:spMkLst>
-            <pc:docMk/>
-            <pc:sldMk cId="793683279" sldId="272"/>
-            <ac:spMk id="3" creationId="{111AFC3B-A5E8-E02B-3B57-552EF4E575D2}"/>
-          </ac:spMkLst>
-        </pc:spChg>
-      </pc:sldChg>
-      <pc:sldChg chg="addSp delSp modSp new del mod modClrScheme chgLayout">
-        <pc:chgData name="Wick, Felix" userId="85efb633-acf6-425d-a271-4f136bfa2fb0" providerId="ADAL" clId="{64F59F2E-701A-4175-A64C-D0A9AC6FD62F}" dt="2025-02-27T22:09:02.239" v="4773" actId="47"/>
-        <pc:sldMkLst>
-          <pc:docMk/>
-          <pc:sldMk cId="2771831494" sldId="273"/>
-        </pc:sldMkLst>
-      </pc:sldChg>
-      <pc:sldChg chg="del">
-        <pc:chgData name="Wick, Felix" userId="85efb633-acf6-425d-a271-4f136bfa2fb0" providerId="ADAL" clId="{64F59F2E-701A-4175-A64C-D0A9AC6FD62F}" dt="2025-02-27T21:48:46.286" v="4718" actId="47"/>
-        <pc:sldMkLst>
-          <pc:docMk/>
-          <pc:sldMk cId="1504602858" sldId="274"/>
-        </pc:sldMkLst>
-      </pc:sldChg>
-      <pc:sldChg chg="delSp modSp add del mod">
-        <pc:chgData name="Wick, Felix" userId="85efb633-acf6-425d-a271-4f136bfa2fb0" providerId="ADAL" clId="{64F59F2E-701A-4175-A64C-D0A9AC6FD62F}" dt="2025-03-13T14:52:32.226" v="7519"/>
-        <pc:sldMkLst>
-          <pc:docMk/>
-          <pc:sldMk cId="28529905" sldId="275"/>
-        </pc:sldMkLst>
-        <pc:spChg chg="mod">
-          <ac:chgData name="Wick, Felix" userId="85efb633-acf6-425d-a271-4f136bfa2fb0" providerId="ADAL" clId="{64F59F2E-701A-4175-A64C-D0A9AC6FD62F}" dt="2025-03-13T14:52:32.226" v="7519"/>
-          <ac:spMkLst>
-            <pc:docMk/>
-            <pc:sldMk cId="28529905" sldId="275"/>
-            <ac:spMk id="5" creationId="{E07385CB-D725-C163-7B63-8CCA18A2E90E}"/>
-          </ac:spMkLst>
-        </pc:spChg>
-      </pc:sldChg>
-      <pc:sldChg chg="ord">
-        <pc:chgData name="Wick, Felix" userId="85efb633-acf6-425d-a271-4f136bfa2fb0" providerId="ADAL" clId="{64F59F2E-701A-4175-A64C-D0A9AC6FD62F}" dt="2025-03-01T21:21:15.608" v="5784"/>
-        <pc:sldMkLst>
-          <pc:docMk/>
-          <pc:sldMk cId="1504602858" sldId="277"/>
-        </pc:sldMkLst>
-      </pc:sldChg>
-      <pc:sldChg chg="del">
-        <pc:chgData name="Wick, Felix" userId="85efb633-acf6-425d-a271-4f136bfa2fb0" providerId="ADAL" clId="{64F59F2E-701A-4175-A64C-D0A9AC6FD62F}" dt="2025-03-13T14:52:36.426" v="7520" actId="47"/>
-        <pc:sldMkLst>
-          <pc:docMk/>
-          <pc:sldMk cId="61419988" sldId="278"/>
-        </pc:sldMkLst>
-      </pc:sldChg>
-    </pc:docChg>
-  </pc:docChgLst>
-</pc:chgInfo>
-</file>
-
 <file path=ppt/notesMasters/notesMaster1.xml><?xml version="1.0" encoding="utf-8"?>
 <p:notesMaster xmlns:a="http://schemas.openxmlformats.org/drawingml/2006/main" xmlns:r="http://schemas.openxmlformats.org/officeDocument/2006/relationships" xmlns:p="http://schemas.openxmlformats.org/presentationml/2006/main">
   <p:cSld>
@@ -505,7 +232,7 @@
           <a:p>
             <a:fld id="{506E0FD1-891F-4B1E-916D-E9B585160BB8}" type="datetimeFigureOut">
               <a:rPr lang="en-GB" smtClean="0"/>
-              <a:t>30/01/2026</a:t>
+              <a:t>31/01/2026</a:t>
             </a:fld>
             <a:endParaRPr lang="en-GB"/>
           </a:p>
@@ -922,7 +649,7 @@
           <a:p>
             <a:fld id="{D68C3F22-27B2-44E3-9C5F-D08126455F6F}" type="datetime1">
               <a:rPr lang="en-GB" smtClean="0"/>
-              <a:t>30/01/2026</a:t>
+              <a:t>31/01/2026</a:t>
             </a:fld>
             <a:endParaRPr lang="en-GB"/>
           </a:p>
@@ -1122,7 +849,7 @@
           <a:p>
             <a:fld id="{1CD03846-7BF6-4FB6-A921-FF3379ADBD4C}" type="datetime1">
               <a:rPr lang="en-GB" smtClean="0"/>
-              <a:t>30/01/2026</a:t>
+              <a:t>31/01/2026</a:t>
             </a:fld>
             <a:endParaRPr lang="en-GB"/>
           </a:p>
@@ -1332,7 +1059,7 @@
           <a:p>
             <a:fld id="{99E1B91A-3FD0-4144-9C84-63E9688ED2FE}" type="datetime1">
               <a:rPr lang="en-GB" smtClean="0"/>
-              <a:t>30/01/2026</a:t>
+              <a:t>31/01/2026</a:t>
             </a:fld>
             <a:endParaRPr lang="en-GB"/>
           </a:p>
@@ -1532,7 +1259,7 @@
           <a:p>
             <a:fld id="{5295ED7B-FEAD-4734-819F-93EF4B0EA908}" type="datetime1">
               <a:rPr lang="en-GB" smtClean="0"/>
-              <a:t>30/01/2026</a:t>
+              <a:t>31/01/2026</a:t>
             </a:fld>
             <a:endParaRPr lang="en-GB"/>
           </a:p>
@@ -1808,7 +1535,7 @@
           <a:p>
             <a:fld id="{D2D5D4B4-C926-4B45-8815-1ED8911179A2}" type="datetime1">
               <a:rPr lang="en-GB" smtClean="0"/>
-              <a:t>30/01/2026</a:t>
+              <a:t>31/01/2026</a:t>
             </a:fld>
             <a:endParaRPr lang="en-GB"/>
           </a:p>
@@ -2076,7 +1803,7 @@
           <a:p>
             <a:fld id="{B4C5210A-0E37-4935-93AF-69F21A5F712F}" type="datetime1">
               <a:rPr lang="en-GB" smtClean="0"/>
-              <a:t>30/01/2026</a:t>
+              <a:t>31/01/2026</a:t>
             </a:fld>
             <a:endParaRPr lang="en-GB"/>
           </a:p>
@@ -2491,7 +2218,7 @@
           <a:p>
             <a:fld id="{3D3A6B2F-436C-4691-80E8-9C890E000E9D}" type="datetime1">
               <a:rPr lang="en-GB" smtClean="0"/>
-              <a:t>30/01/2026</a:t>
+              <a:t>31/01/2026</a:t>
             </a:fld>
             <a:endParaRPr lang="en-GB"/>
           </a:p>
@@ -2633,7 +2360,7 @@
           <a:p>
             <a:fld id="{84385F4C-D74B-496F-8D21-97E3549C783B}" type="datetime1">
               <a:rPr lang="en-GB" smtClean="0"/>
-              <a:t>30/01/2026</a:t>
+              <a:t>31/01/2026</a:t>
             </a:fld>
             <a:endParaRPr lang="en-GB"/>
           </a:p>
@@ -2746,7 +2473,7 @@
           <a:p>
             <a:fld id="{0CBDCB32-C241-4703-A832-4EB47BD54E83}" type="datetime1">
               <a:rPr lang="en-GB" smtClean="0"/>
-              <a:t>30/01/2026</a:t>
+              <a:t>31/01/2026</a:t>
             </a:fld>
             <a:endParaRPr lang="en-GB"/>
           </a:p>
@@ -3059,7 +2786,7 @@
           <a:p>
             <a:fld id="{85C150FF-BE95-4D25-A16A-E368A81CBF24}" type="datetime1">
               <a:rPr lang="en-GB" smtClean="0"/>
-              <a:t>30/01/2026</a:t>
+              <a:t>31/01/2026</a:t>
             </a:fld>
             <a:endParaRPr lang="en-GB"/>
           </a:p>
@@ -3348,7 +3075,7 @@
           <a:p>
             <a:fld id="{F3C5DB4B-B349-43C9-A424-BADA723AD9F1}" type="datetime1">
               <a:rPr lang="en-GB" smtClean="0"/>
-              <a:t>30/01/2026</a:t>
+              <a:t>31/01/2026</a:t>
             </a:fld>
             <a:endParaRPr lang="en-GB"/>
           </a:p>
@@ -3591,7 +3318,7 @@
           <a:p>
             <a:fld id="{12632426-0A0C-405F-A3D0-2D11AA44702A}" type="datetime1">
               <a:rPr lang="en-GB" smtClean="0"/>
-              <a:t>30/01/2026</a:t>
+              <a:t>31/01/2026</a:t>
             </a:fld>
             <a:endParaRPr lang="en-GB"/>
           </a:p>
@@ -4125,8 +3852,8 @@
           </a:p>
         </p:txBody>
       </p:sp>
-      <mc:AlternateContent xmlns:mc="http://schemas.openxmlformats.org/markup-compatibility/2006">
-        <mc:Choice xmlns:a14="http://schemas.microsoft.com/office/drawing/2010/main" Requires="a14">
+      <mc:AlternateContent xmlns:mc="http://schemas.openxmlformats.org/markup-compatibility/2006" xmlns:a14="http://schemas.microsoft.com/office/drawing/2010/main">
+        <mc:Choice Requires="a14">
           <p:sp>
             <p:nvSpPr>
               <p:cNvPr id="3" name="Inhaltsplatzhalter 2">
@@ -4146,7 +3873,7 @@
             <p:spPr/>
             <p:txBody>
               <a:bodyPr>
-                <a:normAutofit fontScale="92500" lnSpcReduction="10000"/>
+                <a:normAutofit fontScale="92500" lnSpcReduction="20000"/>
               </a:bodyPr>
               <a:lstStyle/>
               <a:p>
@@ -4305,6 +4032,30 @@
                 </a:r>
                 <a:r>
                   <a:rPr lang="de-DE" dirty="0"/>
+                  <a:t>), aka DC </a:t>
+                </a:r>
+                <a:r>
+                  <a:rPr lang="de-DE" dirty="0" err="1"/>
+                  <a:t>gain</a:t>
+                </a:r>
+                <a:r>
+                  <a:rPr lang="de-DE" dirty="0"/>
+                  <a:t> (</a:t>
+                </a:r>
+                <a:r>
+                  <a:rPr lang="de-DE" dirty="0" err="1"/>
+                  <a:t>zero</a:t>
+                </a:r>
+                <a:r>
+                  <a:rPr lang="de-DE" dirty="0"/>
+                  <a:t> </a:t>
+                </a:r>
+                <a:r>
+                  <a:rPr lang="de-DE" dirty="0" err="1"/>
+                  <a:t>frequency</a:t>
+                </a:r>
+                <a:r>
+                  <a:rPr lang="de-DE" dirty="0"/>
                   <a:t>)</a:t>
                 </a:r>
               </a:p>
@@ -4436,7 +4187,7 @@
             </p:txBody>
           </p:sp>
         </mc:Choice>
-        <mc:Fallback>
+        <mc:Fallback xmlns="">
           <p:sp>
             <p:nvSpPr>
               <p:cNvPr id="3" name="Inhaltsplatzhalter 2">
@@ -4457,7 +4208,7 @@
               <a:blipFill>
                 <a:blip r:embed="rId2"/>
                 <a:stretch>
-                  <a:fillRect l="-965" t="-2616"/>
+                  <a:fillRect l="-965" t="-3488"/>
                 </a:stretch>
               </a:blipFill>
             </p:spPr>
@@ -4521,8 +4272,8 @@
         </p:nvCxnSpPr>
         <p:spPr>
           <a:xfrm flipV="1">
-            <a:off x="2312894" y="2601157"/>
-            <a:ext cx="554593" cy="614779"/>
+            <a:off x="2530136" y="2601157"/>
+            <a:ext cx="337351" cy="470517"/>
           </a:xfrm>
           <a:prstGeom prst="straightConnector1">
             <a:avLst/>
@@ -4621,8 +4372,8 @@
           </a:p>
         </p:txBody>
       </p:sp>
-      <mc:AlternateContent xmlns:mc="http://schemas.openxmlformats.org/markup-compatibility/2006">
-        <mc:Choice xmlns:a14="http://schemas.microsoft.com/office/drawing/2010/main" Requires="a14">
+      <mc:AlternateContent xmlns:mc="http://schemas.openxmlformats.org/markup-compatibility/2006" xmlns:a14="http://schemas.microsoft.com/office/drawing/2010/main">
+        <mc:Choice Requires="a14">
           <p:sp>
             <p:nvSpPr>
               <p:cNvPr id="3" name="Inhaltsplatzhalter 2">
@@ -4642,7 +4393,7 @@
             <p:spPr/>
             <p:txBody>
               <a:bodyPr>
-                <a:normAutofit fontScale="92500" lnSpcReduction="20000"/>
+                <a:normAutofit fontScale="92500" lnSpcReduction="10000"/>
               </a:bodyPr>
               <a:lstStyle/>
               <a:p>
@@ -4952,6 +4703,9 @@
                 <a:endParaRPr lang="de-DE" dirty="0"/>
               </a:p>
               <a:p>
+                <a:pPr marL="0" indent="0">
+                  <a:buNone/>
+                </a:pPr>
                 <a:r>
                   <a:rPr lang="de-DE" dirty="0" err="1"/>
                   <a:t>Physical</a:t>
@@ -4963,62 +4717,58 @@
                 <a:r>
                   <a:rPr lang="de-DE" dirty="0" err="1"/>
                   <a:t>systems</a:t>
+                </a:r>
+                <a:r>
+                  <a:rPr lang="de-DE" dirty="0"/>
+                  <a:t> </a:t>
+                </a:r>
+                <a:r>
+                  <a:rPr lang="de-DE" dirty="0" err="1"/>
+                  <a:t>often</a:t>
+                </a:r>
+                <a:r>
+                  <a:rPr lang="de-DE" dirty="0"/>
+                  <a:t> </a:t>
+                </a:r>
+                <a:r>
+                  <a:rPr lang="de-DE" dirty="0" err="1"/>
+                  <a:t>contain</a:t>
+                </a:r>
+                <a:r>
+                  <a:rPr lang="de-DE" dirty="0"/>
+                  <a:t> </a:t>
+                </a:r>
+                <a:r>
+                  <a:rPr lang="de-DE" dirty="0" err="1"/>
+                  <a:t>integrators</a:t>
+                </a:r>
+                <a:r>
+                  <a:rPr lang="de-DE" dirty="0"/>
+                  <a:t> and </a:t>
+                </a:r>
+                <a:r>
+                  <a:rPr lang="de-DE" dirty="0" err="1"/>
+                  <a:t>differentiators</a:t>
+                </a:r>
+                <a:r>
+                  <a:rPr lang="de-DE" dirty="0"/>
+                  <a:t> </a:t>
+                </a:r>
+                <a:r>
+                  <a:rPr lang="de-DE" dirty="0" err="1"/>
+                  <a:t>implicitly</a:t>
                 </a:r>
                 <a:endParaRPr lang="de-DE" dirty="0"/>
               </a:p>
               <a:p>
-                <a:pPr lvl="1"/>
-                <a:r>
-                  <a:rPr lang="de-DE" dirty="0" err="1"/>
-                  <a:t>Often</a:t>
-                </a:r>
-                <a:r>
-                  <a:rPr lang="de-DE" dirty="0"/>
-                  <a:t> </a:t>
-                </a:r>
-                <a:r>
-                  <a:rPr lang="de-DE" dirty="0" err="1"/>
-                  <a:t>contain</a:t>
-                </a:r>
-                <a:r>
-                  <a:rPr lang="de-DE" dirty="0"/>
-                  <a:t> </a:t>
-                </a:r>
-                <a:r>
-                  <a:rPr lang="de-DE" dirty="0" err="1"/>
-                  <a:t>integrators</a:t>
-                </a:r>
-                <a:r>
-                  <a:rPr lang="de-DE" dirty="0"/>
-                  <a:t> and </a:t>
-                </a:r>
-                <a:r>
-                  <a:rPr lang="de-DE" dirty="0" err="1"/>
-                  <a:t>differentiators</a:t>
-                </a:r>
-                <a:r>
-                  <a:rPr lang="de-DE" dirty="0"/>
-                  <a:t> </a:t>
-                </a:r>
-                <a:r>
-                  <a:rPr lang="de-DE" dirty="0" err="1"/>
-                  <a:t>implicitly</a:t>
-                </a:r>
-                <a:endParaRPr lang="de-DE" dirty="0"/>
-              </a:p>
-              <a:p>
-                <a:pPr lvl="1"/>
-                <a:r>
-                  <a:rPr lang="de-DE" dirty="0" err="1"/>
-                  <a:t>Leading</a:t>
-                </a:r>
-                <a:r>
-                  <a:rPr lang="de-DE" dirty="0"/>
-                  <a:t> </a:t>
-                </a:r>
-                <a:r>
-                  <a:rPr lang="de-DE" dirty="0" err="1"/>
-                  <a:t>to</a:t>
+                <a:pPr marL="0" indent="0">
+                  <a:buNone/>
+                </a:pPr>
+                <a:r>
+                  <a:rPr lang="de-DE" dirty="0">
+                    <a:sym typeface="Wingdings" pitchFamily="2" charset="2"/>
+                  </a:rPr>
+                  <a:t></a:t>
                 </a:r>
                 <a:r>
                   <a:rPr lang="de-DE" dirty="0"/>
@@ -5044,7 +4794,7 @@
             </p:txBody>
           </p:sp>
         </mc:Choice>
-        <mc:Fallback>
+        <mc:Fallback xmlns="">
           <p:sp>
             <p:nvSpPr>
               <p:cNvPr id="3" name="Inhaltsplatzhalter 2">
@@ -5065,7 +4815,7 @@
               <a:blipFill>
                 <a:blip r:embed="rId2"/>
                 <a:stretch>
-                  <a:fillRect l="-965" t="-20640"/>
+                  <a:fillRect l="-1086" t="-19767"/>
                 </a:stretch>
               </a:blipFill>
             </p:spPr>
@@ -5110,6 +4860,86 @@
               <a:t>11</a:t>
             </a:fld>
             <a:endParaRPr lang="en-GB"/>
+          </a:p>
+        </p:txBody>
+      </p:sp>
+      <p:sp>
+        <p:nvSpPr>
+          <p:cNvPr id="5" name="Textfeld 4">
+            <a:extLst>
+              <a:ext uri="{FF2B5EF4-FFF2-40B4-BE49-F238E27FC236}">
+                <a16:creationId xmlns:a16="http://schemas.microsoft.com/office/drawing/2014/main" id="{D1743308-3213-0A91-6CB7-32C43C36398F}"/>
+              </a:ext>
+            </a:extLst>
+          </p:cNvPr>
+          <p:cNvSpPr txBox="1"/>
+          <p:nvPr/>
+        </p:nvSpPr>
+        <p:spPr>
+          <a:xfrm>
+            <a:off x="7306323" y="2988101"/>
+            <a:ext cx="1423788" cy="492443"/>
+          </a:xfrm>
+          <a:prstGeom prst="rect">
+            <a:avLst/>
+          </a:prstGeom>
+          <a:noFill/>
+        </p:spPr>
+        <p:txBody>
+          <a:bodyPr wrap="none" rtlCol="0">
+            <a:spAutoFit/>
+          </a:bodyPr>
+          <a:lstStyle/>
+          <a:p>
+            <a:r>
+              <a:rPr lang="de-DE" sz="2600" dirty="0" err="1"/>
+              <a:t>dynamic</a:t>
+            </a:r>
+            <a:endParaRPr lang="de-DE" sz="2600" dirty="0"/>
+          </a:p>
+        </p:txBody>
+      </p:sp>
+      <p:sp>
+        <p:nvSpPr>
+          <p:cNvPr id="6" name="Geschweifte Klammer rechts 5">
+            <a:extLst>
+              <a:ext uri="{FF2B5EF4-FFF2-40B4-BE49-F238E27FC236}">
+                <a16:creationId xmlns:a16="http://schemas.microsoft.com/office/drawing/2014/main" id="{D137E3C6-24DB-72B1-3C20-10C0C8A18AA7}"/>
+              </a:ext>
+            </a:extLst>
+          </p:cNvPr>
+          <p:cNvSpPr/>
+          <p:nvPr/>
+        </p:nvSpPr>
+        <p:spPr>
+          <a:xfrm>
+            <a:off x="6374167" y="1825625"/>
+            <a:ext cx="816746" cy="2817396"/>
+          </a:xfrm>
+          <a:prstGeom prst="rightBrace">
+            <a:avLst/>
+          </a:prstGeom>
+        </p:spPr>
+        <p:style>
+          <a:lnRef idx="2">
+            <a:schemeClr val="accent1"/>
+          </a:lnRef>
+          <a:fillRef idx="0">
+            <a:schemeClr val="accent1"/>
+          </a:fillRef>
+          <a:effectRef idx="1">
+            <a:schemeClr val="accent1"/>
+          </a:effectRef>
+          <a:fontRef idx="minor">
+            <a:schemeClr val="tx1"/>
+          </a:fontRef>
+        </p:style>
+        <p:txBody>
+          <a:bodyPr rtlCol="0" anchor="ctr"/>
+          <a:lstStyle/>
+          <a:p>
+            <a:pPr algn="ctr"/>
+            <a:endParaRPr lang="de-DE"/>
           </a:p>
         </p:txBody>
       </p:sp>
@@ -5175,8 +5005,8 @@
           </a:p>
         </p:txBody>
       </p:sp>
-      <mc:AlternateContent xmlns:mc="http://schemas.openxmlformats.org/markup-compatibility/2006">
-        <mc:Choice xmlns:a14="http://schemas.microsoft.com/office/drawing/2010/main" Requires="a14">
+      <mc:AlternateContent xmlns:mc="http://schemas.openxmlformats.org/markup-compatibility/2006" xmlns:a14="http://schemas.microsoft.com/office/drawing/2010/main">
+        <mc:Choice Requires="a14">
           <p:sp>
             <p:nvSpPr>
               <p:cNvPr id="3" name="Inhaltsplatzhalter 2">
@@ -5579,7 +5409,42 @@
                 <a:pPr marL="0" indent="0">
                   <a:buNone/>
                 </a:pPr>
-                <a:endParaRPr lang="de-DE" dirty="0"/>
+                <a:r>
+                  <a:rPr lang="de-DE" dirty="0">
+                    <a:sym typeface="Wingdings" pitchFamily="2" charset="2"/>
+                  </a:rPr>
+                  <a:t> </a:t>
+                </a:r>
+                <a:r>
+                  <a:rPr lang="de-DE" dirty="0" err="1">
+                    <a:sym typeface="Wingdings" pitchFamily="2" charset="2"/>
+                  </a:rPr>
+                  <a:t>g</a:t>
+                </a:r>
+                <a:r>
+                  <a:rPr lang="de-DE" dirty="0" err="1"/>
+                  <a:t>rows</a:t>
+                </a:r>
+                <a:r>
+                  <a:rPr lang="de-DE" dirty="0"/>
+                  <a:t> </a:t>
+                </a:r>
+                <a:r>
+                  <a:rPr lang="de-DE" dirty="0" err="1"/>
+                  <a:t>linearly</a:t>
+                </a:r>
+                <a:r>
+                  <a:rPr lang="de-DE" dirty="0"/>
+                  <a:t> </a:t>
+                </a:r>
+                <a:r>
+                  <a:rPr lang="de-DE" dirty="0" err="1"/>
+                  <a:t>over</a:t>
+                </a:r>
+                <a:r>
+                  <a:rPr lang="de-DE" dirty="0"/>
+                  <a:t> time</a:t>
+                </a:r>
               </a:p>
               <a:p>
                 <a:pPr marL="0" indent="0">
@@ -5642,7 +5507,7 @@
             </p:txBody>
           </p:sp>
         </mc:Choice>
-        <mc:Fallback>
+        <mc:Fallback xmlns="">
           <p:sp>
             <p:nvSpPr>
               <p:cNvPr id="3" name="Inhaltsplatzhalter 2">
@@ -6113,8 +5978,8 @@
           </a:p>
         </p:txBody>
       </p:sp>
-      <mc:AlternateContent xmlns:mc="http://schemas.openxmlformats.org/markup-compatibility/2006">
-        <mc:Choice xmlns:a14="http://schemas.microsoft.com/office/drawing/2010/main" Requires="a14">
+      <mc:AlternateContent xmlns:mc="http://schemas.openxmlformats.org/markup-compatibility/2006" xmlns:a14="http://schemas.microsoft.com/office/drawing/2010/main">
+        <mc:Choice Requires="a14">
           <p:sp>
             <p:nvSpPr>
               <p:cNvPr id="3" name="Inhaltsplatzhalter 2">
@@ -6170,57 +6035,26 @@
                   <a:rPr lang="de-DE" dirty="0" err="1"/>
                   <a:t>element</a:t>
                 </a:r>
-                <a:endParaRPr lang="de-DE" dirty="0"/>
+                <a:r>
+                  <a:rPr lang="de-DE" dirty="0"/>
+                  <a:t> (</a:t>
+                </a:r>
+                <a:r>
+                  <a:rPr lang="de-DE" dirty="0">
+                    <a:sym typeface="Wingdings" pitchFamily="2" charset="2"/>
+                  </a:rPr>
+                  <a:t> </a:t>
+                </a:r>
+                <a:r>
+                  <a:rPr lang="de-DE" dirty="0"/>
+                  <a:t>1)</a:t>
+                </a:r>
               </a:p>
               <a:p>
                 <a:pPr marL="0" indent="0">
                   <a:buNone/>
                 </a:pPr>
                 <a:endParaRPr lang="de-DE" dirty="0"/>
-              </a:p>
-              <a:p>
-                <a:pPr marL="0" indent="0">
-                  <a:buNone/>
-                </a:pPr>
-                <a:r>
-                  <a:rPr lang="de-DE" dirty="0" err="1"/>
-                  <a:t>Characterized</a:t>
-                </a:r>
-                <a:r>
-                  <a:rPr lang="de-DE" dirty="0"/>
-                  <a:t> </a:t>
-                </a:r>
-                <a:r>
-                  <a:rPr lang="de-DE" dirty="0" err="1"/>
-                  <a:t>by</a:t>
-                </a:r>
-                <a:r>
-                  <a:rPr lang="de-DE" dirty="0"/>
-                  <a:t> time </a:t>
-                </a:r>
-                <a:r>
-                  <a:rPr lang="de-DE" dirty="0" err="1"/>
-                  <a:t>constant</a:t>
-                </a:r>
-                <a:r>
-                  <a:rPr lang="de-DE" dirty="0"/>
-                  <a:t> </a:t>
-                </a:r>
-                <a14:m>
-                  <m:oMath xmlns:m="http://schemas.openxmlformats.org/officeDocument/2006/math">
-                    <m:r>
-                      <a:rPr lang="el-GR" i="1">
-                        <a:latin typeface="Cambria Math" panose="02040503050406030204" pitchFamily="18" charset="0"/>
-                        <a:ea typeface="Cambria Math" panose="02040503050406030204" pitchFamily="18" charset="0"/>
-                      </a:rPr>
-                      <m:t>𝜏</m:t>
-                    </m:r>
-                  </m:oMath>
-                </a14:m>
-                <a:r>
-                  <a:rPr lang="de-DE" dirty="0"/>
-                  <a:t>:</a:t>
-                </a:r>
               </a:p>
               <a:p>
                 <a:pPr marL="0" indent="0">
@@ -6359,7 +6193,80 @@
                 </a:pPr>
                 <a:r>
                   <a:rPr lang="de-DE" dirty="0"/>
-                  <a:t>Static (DC) </a:t>
+                  <a:t>Dynamic (</a:t>
+                </a:r>
+                <a:r>
+                  <a:rPr lang="de-DE" dirty="0">
+                    <a:sym typeface="Wingdings" pitchFamily="2" charset="2"/>
+                  </a:rPr>
+                  <a:t> </a:t>
+                </a:r>
+                <a:r>
+                  <a:rPr lang="de-DE" dirty="0"/>
+                  <a:t>T): </a:t>
+                </a:r>
+                <a:r>
+                  <a:rPr lang="de-DE" dirty="0" err="1"/>
+                  <a:t>characterized</a:t>
+                </a:r>
+                <a:r>
+                  <a:rPr lang="de-DE" dirty="0"/>
+                  <a:t> </a:t>
+                </a:r>
+                <a:r>
+                  <a:rPr lang="de-DE" dirty="0" err="1"/>
+                  <a:t>by</a:t>
+                </a:r>
+                <a:r>
+                  <a:rPr lang="de-DE" dirty="0"/>
+                  <a:t> time </a:t>
+                </a:r>
+                <a:r>
+                  <a:rPr lang="de-DE" dirty="0" err="1"/>
+                  <a:t>constant</a:t>
+                </a:r>
+                <a:r>
+                  <a:rPr lang="de-DE" dirty="0"/>
+                  <a:t> </a:t>
+                </a:r>
+                <a14:m>
+                  <m:oMath xmlns:m="http://schemas.openxmlformats.org/officeDocument/2006/math">
+                    <m:r>
+                      <a:rPr lang="el-GR" i="1">
+                        <a:latin typeface="Cambria Math" panose="02040503050406030204" pitchFamily="18" charset="0"/>
+                        <a:ea typeface="Cambria Math" panose="02040503050406030204" pitchFamily="18" charset="0"/>
+                      </a:rPr>
+                      <m:t>𝜏</m:t>
+                    </m:r>
+                  </m:oMath>
+                </a14:m>
+                <a:endParaRPr lang="de-DE" dirty="0"/>
+              </a:p>
+              <a:p>
+                <a:pPr marL="0" indent="0">
+                  <a:buNone/>
+                </a:pPr>
+                <a:r>
+                  <a:rPr lang="de-DE" dirty="0"/>
+                  <a:t>Proportional (</a:t>
+                </a:r>
+                <a:r>
+                  <a:rPr lang="de-DE" dirty="0">
+                    <a:sym typeface="Wingdings" pitchFamily="2" charset="2"/>
+                  </a:rPr>
+                  <a:t> </a:t>
+                </a:r>
+                <a:r>
+                  <a:rPr lang="de-DE" dirty="0"/>
+                  <a:t>P): </a:t>
+                </a:r>
+                <a:r>
+                  <a:rPr lang="de-DE" dirty="0" err="1"/>
+                  <a:t>static</a:t>
+                </a:r>
+                <a:r>
+                  <a:rPr lang="de-DE" dirty="0"/>
+                  <a:t> (DC) </a:t>
                 </a:r>
                 <a:r>
                   <a:rPr lang="de-DE" dirty="0" err="1"/>
@@ -6367,7 +6274,7 @@
                 </a:r>
                 <a:r>
                   <a:rPr lang="de-DE" dirty="0"/>
-                  <a:t>: </a:t>
+                  <a:t> </a:t>
                 </a:r>
                 <a14:m>
                   <m:oMath xmlns:m="http://schemas.openxmlformats.org/officeDocument/2006/math">
@@ -6799,7 +6706,7 @@
             </p:txBody>
           </p:sp>
         </mc:Choice>
-        <mc:Fallback>
+        <mc:Fallback xmlns="">
           <p:sp>
             <p:nvSpPr>
               <p:cNvPr id="3" name="Inhaltsplatzhalter 2">
@@ -6824,7 +6731,7 @@
               <a:blipFill>
                 <a:blip r:embed="rId3"/>
                 <a:stretch>
-                  <a:fillRect l="-1389" t="-2035" b="-6395"/>
+                  <a:fillRect l="-1389" t="-2616" b="-6395"/>
                 </a:stretch>
               </a:blipFill>
             </p:spPr>
@@ -6919,8 +6826,8 @@
           </a:p>
         </p:txBody>
       </p:sp>
-      <mc:AlternateContent xmlns:mc="http://schemas.openxmlformats.org/markup-compatibility/2006">
-        <mc:Choice xmlns:a14="http://schemas.microsoft.com/office/drawing/2010/main" Requires="a14">
+      <mc:AlternateContent xmlns:mc="http://schemas.openxmlformats.org/markup-compatibility/2006" xmlns:a14="http://schemas.microsoft.com/office/drawing/2010/main">
+        <mc:Choice Requires="a14">
           <p:sp>
             <p:nvSpPr>
               <p:cNvPr id="6" name="Textfeld 5">
@@ -7056,6 +6963,7 @@
                 </a:r>
               </a:p>
               <a:p>
+                <a:pPr/>
                 <a14:m>
                   <m:oMathPara xmlns:m="http://schemas.openxmlformats.org/officeDocument/2006/math">
                     <m:oMathParaPr>
@@ -7171,7 +7079,7 @@
             </p:txBody>
           </p:sp>
         </mc:Choice>
-        <mc:Fallback>
+        <mc:Fallback xmlns="">
           <p:sp>
             <p:nvSpPr>
               <p:cNvPr id="6" name="Textfeld 5">
@@ -7280,8 +7188,8 @@
         </p:nvCxnSpPr>
         <p:spPr>
           <a:xfrm flipV="1">
-            <a:off x="3579550" y="1509713"/>
-            <a:ext cx="5342508" cy="2334318"/>
+            <a:off x="5637320" y="1509713"/>
+            <a:ext cx="3284738" cy="2316563"/>
           </a:xfrm>
           <a:prstGeom prst="straightConnector1">
             <a:avLst/>
@@ -7310,8 +7218,8 @@
           </a:fontRef>
         </p:style>
       </p:cxnSp>
-      <mc:AlternateContent xmlns:mc="http://schemas.openxmlformats.org/markup-compatibility/2006">
-        <mc:Choice xmlns:a14="http://schemas.microsoft.com/office/drawing/2010/main" Requires="a14">
+      <mc:AlternateContent xmlns:mc="http://schemas.openxmlformats.org/markup-compatibility/2006" xmlns:a14="http://schemas.microsoft.com/office/drawing/2010/main">
+        <mc:Choice Requires="a14">
           <p:sp>
             <p:nvSpPr>
               <p:cNvPr id="20" name="Textfeld 19">
@@ -7426,7 +7334,7 @@
             </p:txBody>
           </p:sp>
         </mc:Choice>
-        <mc:Fallback>
+        <mc:Fallback xmlns="">
           <p:sp>
             <p:nvSpPr>
               <p:cNvPr id="20" name="Textfeld 19">
@@ -7550,8 +7458,8 @@
           </a:p>
         </p:txBody>
       </p:sp>
-      <mc:AlternateContent xmlns:mc="http://schemas.openxmlformats.org/markup-compatibility/2006">
-        <mc:Choice xmlns:a14="http://schemas.microsoft.com/office/drawing/2010/main" Requires="a14">
+      <mc:AlternateContent xmlns:mc="http://schemas.openxmlformats.org/markup-compatibility/2006" xmlns:a14="http://schemas.microsoft.com/office/drawing/2010/main">
+        <mc:Choice Requires="a14">
           <p:sp>
             <p:nvSpPr>
               <p:cNvPr id="3" name="Inhaltsplatzhalter 2">
@@ -7877,7 +7785,7 @@
             </p:txBody>
           </p:sp>
         </mc:Choice>
-        <mc:Fallback>
+        <mc:Fallback xmlns="">
           <p:sp>
             <p:nvSpPr>
               <p:cNvPr id="3" name="Inhaltsplatzhalter 2">
@@ -8029,8 +7937,8 @@
           </a:fontRef>
         </p:style>
       </p:cxnSp>
-      <mc:AlternateContent xmlns:mc="http://schemas.openxmlformats.org/markup-compatibility/2006">
-        <mc:Choice xmlns:a14="http://schemas.microsoft.com/office/drawing/2010/main" Requires="a14">
+      <mc:AlternateContent xmlns:mc="http://schemas.openxmlformats.org/markup-compatibility/2006" xmlns:a14="http://schemas.microsoft.com/office/drawing/2010/main">
+        <mc:Choice Requires="a14">
           <p:sp>
             <p:nvSpPr>
               <p:cNvPr id="9" name="Textfeld 8">
@@ -8111,7 +8019,7 @@
             </p:txBody>
           </p:sp>
         </mc:Choice>
-        <mc:Fallback>
+        <mc:Fallback xmlns="">
           <p:sp>
             <p:nvSpPr>
               <p:cNvPr id="9" name="Textfeld 8">
@@ -8156,8 +8064,8 @@
           </p:sp>
         </mc:Fallback>
       </mc:AlternateContent>
-      <mc:AlternateContent xmlns:mc="http://schemas.openxmlformats.org/markup-compatibility/2006">
-        <mc:Choice xmlns:a14="http://schemas.microsoft.com/office/drawing/2010/main" Requires="a14">
+      <mc:AlternateContent xmlns:mc="http://schemas.openxmlformats.org/markup-compatibility/2006" xmlns:a14="http://schemas.microsoft.com/office/drawing/2010/main">
+        <mc:Choice Requires="a14">
           <p:sp>
             <p:nvSpPr>
               <p:cNvPr id="11" name="Textfeld 10">
@@ -8240,7 +8148,7 @@
             </p:txBody>
           </p:sp>
         </mc:Choice>
-        <mc:Fallback>
+        <mc:Fallback xmlns="">
           <p:sp>
             <p:nvSpPr>
               <p:cNvPr id="11" name="Textfeld 10">
@@ -8584,8 +8492,8 @@
           </a:p>
         </p:txBody>
       </p:sp>
-      <mc:AlternateContent xmlns:mc="http://schemas.openxmlformats.org/markup-compatibility/2006">
-        <mc:Choice xmlns:a14="http://schemas.microsoft.com/office/drawing/2010/main" Requires="a14">
+      <mc:AlternateContent xmlns:mc="http://schemas.openxmlformats.org/markup-compatibility/2006" xmlns:a14="http://schemas.microsoft.com/office/drawing/2010/main">
+        <mc:Choice Requires="a14">
           <p:sp>
             <p:nvSpPr>
               <p:cNvPr id="3" name="Inhaltsplatzhalter 2">
@@ -8669,13 +8577,7 @@
                           <a:rPr lang="de-DE" i="1">
                             <a:latin typeface="Cambria Math" panose="02040503050406030204" pitchFamily="18" charset="0"/>
                           </a:rPr>
-                          <m:t>𝑑</m:t>
-                        </m:r>
-                        <m:r>
-                          <a:rPr lang="de-DE" i="1">
-                            <a:latin typeface="Cambria Math" panose="02040503050406030204" pitchFamily="18" charset="0"/>
-                          </a:rPr>
-                          <m:t>𝑣</m:t>
+                          <m:t>𝑑𝑣</m:t>
                         </m:r>
                       </m:num>
                       <m:den>
@@ -8753,13 +8655,7 @@
                           <a:rPr lang="de-DE" i="1">
                             <a:latin typeface="Cambria Math" panose="02040503050406030204" pitchFamily="18" charset="0"/>
                           </a:rPr>
-                          <m:t>𝑑</m:t>
-                        </m:r>
-                        <m:r>
-                          <a:rPr lang="de-DE" i="1">
-                            <a:latin typeface="Cambria Math" panose="02040503050406030204" pitchFamily="18" charset="0"/>
-                          </a:rPr>
-                          <m:t>𝑖</m:t>
+                          <m:t>𝑑𝑖</m:t>
                         </m:r>
                       </m:num>
                       <m:den>
@@ -8942,7 +8838,7 @@
             </p:txBody>
           </p:sp>
         </mc:Choice>
-        <mc:Fallback>
+        <mc:Fallback xmlns="">
           <p:sp>
             <p:nvSpPr>
               <p:cNvPr id="3" name="Inhaltsplatzhalter 2">
@@ -9168,8 +9064,8 @@
           </a:prstGeom>
         </p:spPr>
       </p:pic>
-      <mc:AlternateContent xmlns:mc="http://schemas.openxmlformats.org/markup-compatibility/2006">
-        <mc:Choice xmlns:a14="http://schemas.microsoft.com/office/drawing/2010/main" Requires="a14">
+      <mc:AlternateContent xmlns:mc="http://schemas.openxmlformats.org/markup-compatibility/2006" xmlns:a14="http://schemas.microsoft.com/office/drawing/2010/main">
+        <mc:Choice Requires="a14">
           <p:sp>
             <p:nvSpPr>
               <p:cNvPr id="8" name="Textfeld 7">
@@ -9451,7 +9347,7 @@
             </p:txBody>
           </p:sp>
         </mc:Choice>
-        <mc:Fallback>
+        <mc:Fallback xmlns="">
           <p:sp>
             <p:nvSpPr>
               <p:cNvPr id="8" name="Textfeld 7">
@@ -9496,8 +9392,8 @@
           </p:sp>
         </mc:Fallback>
       </mc:AlternateContent>
-      <mc:AlternateContent xmlns:mc="http://schemas.openxmlformats.org/markup-compatibility/2006">
-        <mc:Choice xmlns:a14="http://schemas.microsoft.com/office/drawing/2010/main" Requires="a14">
+      <mc:AlternateContent xmlns:mc="http://schemas.openxmlformats.org/markup-compatibility/2006" xmlns:a14="http://schemas.microsoft.com/office/drawing/2010/main">
+        <mc:Choice Requires="a14">
           <p:sp>
             <p:nvSpPr>
               <p:cNvPr id="10" name="Textfeld 9">
@@ -9526,6 +9422,7 @@
               </a:bodyPr>
               <a:lstStyle/>
               <a:p>
+                <a:pPr/>
                 <a14:m>
                   <m:oMathPara xmlns:m="http://schemas.openxmlformats.org/officeDocument/2006/math">
                     <m:oMathParaPr>
@@ -9661,7 +9558,6 @@
                 <a:endParaRPr lang="de-DE" dirty="0"/>
               </a:p>
               <a:p>
-                <a:pPr/>
                 <a:endParaRPr lang="de-DE" i="1" dirty="0">
                   <a:latin typeface="Cambria Math" panose="02040503050406030204" pitchFamily="18" charset="0"/>
                 </a:endParaRPr>
@@ -10013,7 +9909,7 @@
             </p:txBody>
           </p:sp>
         </mc:Choice>
-        <mc:Fallback>
+        <mc:Fallback xmlns="">
           <p:sp>
             <p:nvSpPr>
               <p:cNvPr id="10" name="Textfeld 9">
@@ -10419,8 +10315,8 @@
           </a:p>
         </p:txBody>
       </p:sp>
-      <mc:AlternateContent xmlns:mc="http://schemas.openxmlformats.org/markup-compatibility/2006">
-        <mc:Choice xmlns:a14="http://schemas.microsoft.com/office/drawing/2010/main" Requires="a14">
+      <mc:AlternateContent xmlns:mc="http://schemas.openxmlformats.org/markup-compatibility/2006" xmlns:a14="http://schemas.microsoft.com/office/drawing/2010/main">
+        <mc:Choice Requires="a14">
           <p:sp>
             <p:nvSpPr>
               <p:cNvPr id="11" name="Textfeld 10">
@@ -10482,7 +10378,7 @@
             </p:txBody>
           </p:sp>
         </mc:Choice>
-        <mc:Fallback>
+        <mc:Fallback xmlns="">
           <p:sp>
             <p:nvSpPr>
               <p:cNvPr id="11" name="Textfeld 10">
@@ -10571,8 +10467,8 @@
           </a:p>
         </p:txBody>
       </p:sp>
-      <mc:AlternateContent xmlns:mc="http://schemas.openxmlformats.org/markup-compatibility/2006">
-        <mc:Choice xmlns:a14="http://schemas.microsoft.com/office/drawing/2010/main" Requires="a14">
+      <mc:AlternateContent xmlns:mc="http://schemas.openxmlformats.org/markup-compatibility/2006" xmlns:a14="http://schemas.microsoft.com/office/drawing/2010/main">
+        <mc:Choice Requires="a14">
           <p:sp>
             <p:nvSpPr>
               <p:cNvPr id="14" name="Textfeld 13">
@@ -10601,6 +10497,7 @@
               </a:bodyPr>
               <a:lstStyle/>
               <a:p>
+                <a:pPr/>
                 <a14:m>
                   <m:oMathPara xmlns:m="http://schemas.openxmlformats.org/officeDocument/2006/math">
                     <m:oMathParaPr>
@@ -10627,7 +10524,7 @@
             </p:txBody>
           </p:sp>
         </mc:Choice>
-        <mc:Fallback>
+        <mc:Fallback xmlns="">
           <p:sp>
             <p:nvSpPr>
               <p:cNvPr id="14" name="Textfeld 13">
@@ -11082,8 +10979,8 @@
           </a:p>
         </p:txBody>
       </p:sp>
-      <mc:AlternateContent xmlns:mc="http://schemas.openxmlformats.org/markup-compatibility/2006">
-        <mc:Choice xmlns:a14="http://schemas.microsoft.com/office/drawing/2010/main" Requires="a14">
+      <mc:AlternateContent xmlns:mc="http://schemas.openxmlformats.org/markup-compatibility/2006" xmlns:a14="http://schemas.microsoft.com/office/drawing/2010/main">
+        <mc:Choice Requires="a14">
           <p:sp>
             <p:nvSpPr>
               <p:cNvPr id="8" name="Textfeld 7">
@@ -11126,7 +11023,6 @@
                 </a:r>
               </a:p>
               <a:p>
-                <a:pPr/>
                 <a:r>
                   <a:rPr lang="de-DE" sz="2400" dirty="0"/>
                   <a:t>	</a:t>
@@ -11249,7 +11145,6 @@
                 <a:endParaRPr lang="de-DE" sz="2400" dirty="0"/>
               </a:p>
               <a:p>
-                <a:pPr/>
                 <a:endParaRPr lang="de-DE" sz="2400" dirty="0"/>
               </a:p>
               <a:p>
@@ -11284,7 +11179,6 @@
                 <a:endParaRPr lang="de-DE" sz="2400" dirty="0"/>
               </a:p>
               <a:p>
-                <a:pPr/>
                 <a14:m>
                   <m:oMath xmlns:m="http://schemas.openxmlformats.org/officeDocument/2006/math">
                     <m:sSub>
@@ -11527,7 +11421,7 @@
             </p:txBody>
           </p:sp>
         </mc:Choice>
-        <mc:Fallback>
+        <mc:Fallback xmlns="">
           <p:sp>
             <p:nvSpPr>
               <p:cNvPr id="8" name="Textfeld 7">
@@ -11572,8 +11466,8 @@
           </p:sp>
         </mc:Fallback>
       </mc:AlternateContent>
-      <mc:AlternateContent xmlns:mc="http://schemas.openxmlformats.org/markup-compatibility/2006">
-        <mc:Choice xmlns:a14="http://schemas.microsoft.com/office/drawing/2010/main" Requires="a14">
+      <mc:AlternateContent xmlns:mc="http://schemas.openxmlformats.org/markup-compatibility/2006" xmlns:a14="http://schemas.microsoft.com/office/drawing/2010/main">
+        <mc:Choice Requires="a14">
           <p:sp>
             <p:nvSpPr>
               <p:cNvPr id="10" name="Textfeld 9">
@@ -11648,7 +11542,7 @@
             </p:txBody>
           </p:sp>
         </mc:Choice>
-        <mc:Fallback>
+        <mc:Fallback xmlns="">
           <p:sp>
             <p:nvSpPr>
               <p:cNvPr id="10" name="Textfeld 9">
@@ -11812,8 +11706,8 @@
           </a:fontRef>
         </p:style>
       </p:cxnSp>
-      <mc:AlternateContent xmlns:mc="http://schemas.openxmlformats.org/markup-compatibility/2006">
-        <mc:Choice xmlns:a14="http://schemas.microsoft.com/office/drawing/2010/main" Requires="a14">
+      <mc:AlternateContent xmlns:mc="http://schemas.openxmlformats.org/markup-compatibility/2006" xmlns:a14="http://schemas.microsoft.com/office/drawing/2010/main">
+        <mc:Choice Requires="a14">
           <p:sp>
             <p:nvSpPr>
               <p:cNvPr id="18" name="Textfeld 17">
@@ -11912,7 +11806,7 @@
             </p:txBody>
           </p:sp>
         </mc:Choice>
-        <mc:Fallback>
+        <mc:Fallback xmlns="">
           <p:sp>
             <p:nvSpPr>
               <p:cNvPr id="18" name="Textfeld 17">
@@ -12313,8 +12207,8 @@
           </a:p>
         </p:txBody>
       </p:sp>
-      <mc:AlternateContent xmlns:mc="http://schemas.openxmlformats.org/markup-compatibility/2006">
-        <mc:Choice xmlns:a14="http://schemas.microsoft.com/office/drawing/2010/main" Requires="a14">
+      <mc:AlternateContent xmlns:mc="http://schemas.openxmlformats.org/markup-compatibility/2006" xmlns:a14="http://schemas.microsoft.com/office/drawing/2010/main">
+        <mc:Choice Requires="a14">
           <p:sp>
             <p:nvSpPr>
               <p:cNvPr id="8" name="Textfeld 7">
@@ -12826,7 +12720,7 @@
             </p:txBody>
           </p:sp>
         </mc:Choice>
-        <mc:Fallback>
+        <mc:Fallback xmlns="">
           <p:sp>
             <p:nvSpPr>
               <p:cNvPr id="8" name="Textfeld 7">
@@ -12871,8 +12765,8 @@
           </p:sp>
         </mc:Fallback>
       </mc:AlternateContent>
-      <mc:AlternateContent xmlns:mc="http://schemas.openxmlformats.org/markup-compatibility/2006">
-        <mc:Choice xmlns:a14="http://schemas.microsoft.com/office/drawing/2010/main" Requires="a14">
+      <mc:AlternateContent xmlns:mc="http://schemas.openxmlformats.org/markup-compatibility/2006" xmlns:a14="http://schemas.microsoft.com/office/drawing/2010/main">
+        <mc:Choice Requires="a14">
           <p:sp>
             <p:nvSpPr>
               <p:cNvPr id="10" name="Textfeld 9">
@@ -13604,7 +13498,7 @@
             </p:txBody>
           </p:sp>
         </mc:Choice>
-        <mc:Fallback>
+        <mc:Fallback xmlns="">
           <p:sp>
             <p:nvSpPr>
               <p:cNvPr id="10" name="Textfeld 9">
@@ -14105,7 +13999,7 @@
         </p:blipFill>
         <p:spPr>
           <a:xfrm>
-            <a:off x="6115975" y="2560952"/>
+            <a:off x="6954175" y="2502734"/>
             <a:ext cx="5237825" cy="4036913"/>
           </a:xfrm>
           <a:prstGeom prst="rect">
@@ -14141,143 +14035,561 @@
           </a:p>
         </p:txBody>
       </p:sp>
-      <p:sp>
-        <p:nvSpPr>
-          <p:cNvPr id="3" name="Inhaltsplatzhalter 2">
-            <a:extLst>
-              <a:ext uri="{FF2B5EF4-FFF2-40B4-BE49-F238E27FC236}">
-                <a16:creationId xmlns:a16="http://schemas.microsoft.com/office/drawing/2014/main" id="{864AE596-18C7-3B34-C44D-8A40912DE6B5}"/>
-              </a:ext>
-            </a:extLst>
-          </p:cNvPr>
-          <p:cNvSpPr>
-            <a:spLocks noGrp="1"/>
-          </p:cNvSpPr>
-          <p:nvPr>
-            <p:ph idx="1"/>
-          </p:nvPr>
-        </p:nvSpPr>
-        <p:spPr>
-          <a:xfrm>
-            <a:off x="838200" y="1825625"/>
-            <a:ext cx="5277775" cy="4351338"/>
-          </a:xfrm>
-        </p:spPr>
-        <p:txBody>
-          <a:bodyPr/>
-          <a:lstStyle/>
-          <a:p>
-            <a:pPr marL="0" indent="0">
-              <a:buNone/>
-            </a:pPr>
-            <a:r>
-              <a:rPr lang="de-DE" dirty="0" err="1"/>
-              <a:t>Two</a:t>
-            </a:r>
-            <a:r>
-              <a:rPr lang="de-DE" dirty="0"/>
-              <a:t> </a:t>
-            </a:r>
-            <a:r>
-              <a:rPr lang="de-DE" dirty="0" err="1"/>
-              <a:t>energy</a:t>
-            </a:r>
-            <a:r>
-              <a:rPr lang="de-DE" dirty="0"/>
-              <a:t> </a:t>
-            </a:r>
-            <a:r>
-              <a:rPr lang="de-DE" dirty="0" err="1"/>
-              <a:t>storage</a:t>
-            </a:r>
-            <a:r>
-              <a:rPr lang="de-DE" dirty="0"/>
-              <a:t> </a:t>
-            </a:r>
-            <a:r>
-              <a:rPr lang="de-DE" dirty="0" err="1"/>
-              <a:t>elements</a:t>
-            </a:r>
-            <a:endParaRPr lang="de-DE" dirty="0"/>
-          </a:p>
-          <a:p>
-            <a:pPr marL="0" indent="0">
-              <a:buNone/>
-            </a:pPr>
-            <a:endParaRPr lang="de-DE" dirty="0"/>
-          </a:p>
-          <a:p>
-            <a:pPr marL="0" indent="0">
-              <a:buNone/>
-            </a:pPr>
-            <a:r>
-              <a:rPr lang="de-DE" dirty="0"/>
-              <a:t>Can </a:t>
-            </a:r>
-            <a:r>
-              <a:rPr lang="de-DE" dirty="0" err="1"/>
-              <a:t>show</a:t>
-            </a:r>
-            <a:r>
-              <a:rPr lang="de-DE" dirty="0"/>
-              <a:t> </a:t>
-            </a:r>
-            <a:r>
-              <a:rPr lang="de-DE" dirty="0" err="1"/>
-              <a:t>oscillations</a:t>
-            </a:r>
-            <a:endParaRPr lang="de-DE" dirty="0"/>
-          </a:p>
-          <a:p>
-            <a:pPr marL="0" indent="0">
-              <a:buNone/>
-            </a:pPr>
-            <a:endParaRPr lang="de-DE" dirty="0"/>
-          </a:p>
-          <a:p>
-            <a:pPr marL="0" indent="0">
-              <a:buNone/>
-            </a:pPr>
-            <a:r>
-              <a:rPr lang="de-DE" dirty="0" err="1"/>
-              <a:t>Characterized</a:t>
-            </a:r>
-            <a:r>
-              <a:rPr lang="de-DE" dirty="0"/>
-              <a:t> </a:t>
-            </a:r>
-            <a:r>
-              <a:rPr lang="de-DE" dirty="0" err="1"/>
-              <a:t>by</a:t>
-            </a:r>
-            <a:r>
-              <a:rPr lang="de-DE" dirty="0"/>
-              <a:t> </a:t>
-            </a:r>
-            <a:r>
-              <a:rPr lang="de-DE" dirty="0" err="1"/>
-              <a:t>natural</a:t>
-            </a:r>
-            <a:r>
-              <a:rPr lang="de-DE" dirty="0"/>
-              <a:t> </a:t>
-            </a:r>
-            <a:r>
-              <a:rPr lang="de-DE" dirty="0" err="1"/>
-              <a:t>frequency</a:t>
-            </a:r>
-            <a:r>
-              <a:rPr lang="de-DE" dirty="0"/>
-              <a:t> and </a:t>
-            </a:r>
-            <a:r>
-              <a:rPr lang="de-DE" dirty="0" err="1"/>
-              <a:t>damping</a:t>
-            </a:r>
-            <a:endParaRPr lang="de-DE" dirty="0"/>
-          </a:p>
-        </p:txBody>
-      </p:sp>
+      <mc:AlternateContent xmlns:mc="http://schemas.openxmlformats.org/markup-compatibility/2006">
+        <mc:Choice xmlns:a14="http://schemas.microsoft.com/office/drawing/2010/main" Requires="a14">
+          <p:sp>
+            <p:nvSpPr>
+              <p:cNvPr id="3" name="Inhaltsplatzhalter 2">
+                <a:extLst>
+                  <a:ext uri="{FF2B5EF4-FFF2-40B4-BE49-F238E27FC236}">
+                    <a16:creationId xmlns:a16="http://schemas.microsoft.com/office/drawing/2014/main" id="{864AE596-18C7-3B34-C44D-8A40912DE6B5}"/>
+                  </a:ext>
+                </a:extLst>
+              </p:cNvPr>
+              <p:cNvSpPr>
+                <a:spLocks noGrp="1"/>
+              </p:cNvSpPr>
+              <p:nvPr>
+                <p:ph idx="1"/>
+              </p:nvPr>
+            </p:nvSpPr>
+            <p:spPr>
+              <a:xfrm>
+                <a:off x="243379" y="1731480"/>
+                <a:ext cx="5894066" cy="2861785"/>
+              </a:xfrm>
+            </p:spPr>
+            <p:txBody>
+              <a:bodyPr>
+                <a:noAutofit/>
+              </a:bodyPr>
+              <a:lstStyle/>
+              <a:p>
+                <a:pPr marL="0" indent="0">
+                  <a:buNone/>
+                </a:pPr>
+                <a:r>
+                  <a:rPr lang="de-DE" sz="2200" dirty="0"/>
+                  <a:t>	</a:t>
+                </a:r>
+                <a14:m>
+                  <m:oMath xmlns:m="http://schemas.openxmlformats.org/officeDocument/2006/math">
+                    <m:acc>
+                      <m:accPr>
+                        <m:chr m:val="̈"/>
+                        <m:ctrlPr>
+                          <a:rPr lang="el-GR" sz="2200" i="1">
+                            <a:latin typeface="Cambria Math" panose="02040503050406030204" pitchFamily="18" charset="0"/>
+                            <a:ea typeface="Cambria Math" panose="02040503050406030204" pitchFamily="18" charset="0"/>
+                          </a:rPr>
+                        </m:ctrlPr>
+                      </m:accPr>
+                      <m:e>
+                        <m:r>
+                          <a:rPr lang="de-DE" sz="2200" i="1">
+                            <a:latin typeface="Cambria Math" panose="02040503050406030204" pitchFamily="18" charset="0"/>
+                            <a:ea typeface="Cambria Math" panose="02040503050406030204" pitchFamily="18" charset="0"/>
+                          </a:rPr>
+                          <m:t>𝑦</m:t>
+                        </m:r>
+                      </m:e>
+                    </m:acc>
+                    <m:r>
+                      <a:rPr lang="de-DE" sz="2200" i="1">
+                        <a:latin typeface="Cambria Math" panose="02040503050406030204" pitchFamily="18" charset="0"/>
+                        <a:ea typeface="Cambria Math" panose="02040503050406030204" pitchFamily="18" charset="0"/>
+                      </a:rPr>
+                      <m:t>+2</m:t>
+                    </m:r>
+                    <m:r>
+                      <a:rPr lang="el-GR" sz="2200" i="1">
+                        <a:latin typeface="Cambria Math" panose="02040503050406030204" pitchFamily="18" charset="0"/>
+                        <a:ea typeface="Cambria Math" panose="02040503050406030204" pitchFamily="18" charset="0"/>
+                      </a:rPr>
+                      <m:t>𝜁</m:t>
+                    </m:r>
+                    <m:sSub>
+                      <m:sSubPr>
+                        <m:ctrlPr>
+                          <a:rPr lang="el-GR" sz="2200" i="1">
+                            <a:latin typeface="Cambria Math" panose="02040503050406030204" pitchFamily="18" charset="0"/>
+                            <a:ea typeface="Cambria Math" panose="02040503050406030204" pitchFamily="18" charset="0"/>
+                          </a:rPr>
+                        </m:ctrlPr>
+                      </m:sSubPr>
+                      <m:e>
+                        <m:r>
+                          <a:rPr lang="el-GR" sz="2200" i="1">
+                            <a:latin typeface="Cambria Math" panose="02040503050406030204" pitchFamily="18" charset="0"/>
+                            <a:ea typeface="Cambria Math" panose="02040503050406030204" pitchFamily="18" charset="0"/>
+                          </a:rPr>
+                          <m:t>𝜔</m:t>
+                        </m:r>
+                      </m:e>
+                      <m:sub>
+                        <m:r>
+                          <a:rPr lang="de-DE" sz="2200" i="1">
+                            <a:latin typeface="Cambria Math" panose="02040503050406030204" pitchFamily="18" charset="0"/>
+                            <a:ea typeface="Cambria Math" panose="02040503050406030204" pitchFamily="18" charset="0"/>
+                          </a:rPr>
+                          <m:t>𝑛</m:t>
+                        </m:r>
+                      </m:sub>
+                    </m:sSub>
+                    <m:acc>
+                      <m:accPr>
+                        <m:chr m:val="̇"/>
+                        <m:ctrlPr>
+                          <a:rPr lang="de-DE" sz="2200" i="1">
+                            <a:latin typeface="Cambria Math" panose="02040503050406030204" pitchFamily="18" charset="0"/>
+                          </a:rPr>
+                        </m:ctrlPr>
+                      </m:accPr>
+                      <m:e>
+                        <m:r>
+                          <a:rPr lang="de-DE" sz="2200" i="1">
+                            <a:latin typeface="Cambria Math" panose="02040503050406030204" pitchFamily="18" charset="0"/>
+                          </a:rPr>
+                          <m:t>𝑦</m:t>
+                        </m:r>
+                      </m:e>
+                    </m:acc>
+                    <m:r>
+                      <a:rPr lang="de-DE" sz="2200" i="1">
+                        <a:latin typeface="Cambria Math" panose="02040503050406030204" pitchFamily="18" charset="0"/>
+                      </a:rPr>
+                      <m:t>+</m:t>
+                    </m:r>
+                    <m:sSubSup>
+                      <m:sSubSupPr>
+                        <m:ctrlPr>
+                          <a:rPr lang="de-DE" sz="2200" i="1">
+                            <a:latin typeface="Cambria Math" panose="02040503050406030204" pitchFamily="18" charset="0"/>
+                          </a:rPr>
+                        </m:ctrlPr>
+                      </m:sSubSupPr>
+                      <m:e>
+                        <m:r>
+                          <a:rPr lang="de-DE" sz="2200" i="1">
+                            <a:latin typeface="Cambria Math" panose="02040503050406030204" pitchFamily="18" charset="0"/>
+                            <a:ea typeface="Cambria Math" panose="02040503050406030204" pitchFamily="18" charset="0"/>
+                          </a:rPr>
+                          <m:t>𝜔</m:t>
+                        </m:r>
+                      </m:e>
+                      <m:sub>
+                        <m:r>
+                          <a:rPr lang="de-DE" sz="2200" i="1">
+                            <a:latin typeface="Cambria Math" panose="02040503050406030204" pitchFamily="18" charset="0"/>
+                          </a:rPr>
+                          <m:t>𝑛</m:t>
+                        </m:r>
+                      </m:sub>
+                      <m:sup>
+                        <m:r>
+                          <a:rPr lang="de-DE" sz="2200" i="1">
+                            <a:latin typeface="Cambria Math" panose="02040503050406030204" pitchFamily="18" charset="0"/>
+                          </a:rPr>
+                          <m:t>2</m:t>
+                        </m:r>
+                      </m:sup>
+                    </m:sSubSup>
+                    <m:r>
+                      <a:rPr lang="de-DE" sz="2200" i="1">
+                        <a:latin typeface="Cambria Math" panose="02040503050406030204" pitchFamily="18" charset="0"/>
+                      </a:rPr>
+                      <m:t>𝑦</m:t>
+                    </m:r>
+                    <m:r>
+                      <a:rPr lang="de-DE" sz="2200" i="1">
+                        <a:latin typeface="Cambria Math" panose="02040503050406030204" pitchFamily="18" charset="0"/>
+                      </a:rPr>
+                      <m:t>=</m:t>
+                    </m:r>
+                    <m:sSub>
+                      <m:sSubPr>
+                        <m:ctrlPr>
+                          <a:rPr lang="el-GR" sz="2200" i="1">
+                            <a:latin typeface="Cambria Math" panose="02040503050406030204" pitchFamily="18" charset="0"/>
+                            <a:ea typeface="Cambria Math" panose="02040503050406030204" pitchFamily="18" charset="0"/>
+                          </a:rPr>
+                        </m:ctrlPr>
+                      </m:sSubPr>
+                      <m:e>
+                        <m:r>
+                          <a:rPr lang="el-GR" sz="2200" i="1">
+                            <a:latin typeface="Cambria Math" panose="02040503050406030204" pitchFamily="18" charset="0"/>
+                            <a:ea typeface="Cambria Math" panose="02040503050406030204" pitchFamily="18" charset="0"/>
+                          </a:rPr>
+                          <m:t>𝜔</m:t>
+                        </m:r>
+                      </m:e>
+                      <m:sub>
+                        <m:r>
+                          <a:rPr lang="de-DE" sz="2200" i="1">
+                            <a:latin typeface="Cambria Math" panose="02040503050406030204" pitchFamily="18" charset="0"/>
+                            <a:ea typeface="Cambria Math" panose="02040503050406030204" pitchFamily="18" charset="0"/>
+                          </a:rPr>
+                          <m:t>𝑛</m:t>
+                        </m:r>
+                      </m:sub>
+                    </m:sSub>
+                    <m:r>
+                      <a:rPr lang="de-DE" sz="2200" i="1">
+                        <a:latin typeface="Cambria Math" panose="02040503050406030204" pitchFamily="18" charset="0"/>
+                      </a:rPr>
+                      <m:t>𝐾𝑢</m:t>
+                    </m:r>
+                  </m:oMath>
+                </a14:m>
+                <a:endParaRPr lang="de-DE" sz="2200" dirty="0"/>
+              </a:p>
+              <a:p>
+                <a:r>
+                  <a:rPr lang="de-DE" sz="2200" dirty="0" err="1"/>
+                  <a:t>Two</a:t>
+                </a:r>
+                <a:r>
+                  <a:rPr lang="de-DE" sz="2200" dirty="0"/>
+                  <a:t> </a:t>
+                </a:r>
+                <a:r>
+                  <a:rPr lang="de-DE" sz="2200" dirty="0" err="1"/>
+                  <a:t>energy</a:t>
+                </a:r>
+                <a:r>
+                  <a:rPr lang="de-DE" sz="2200" dirty="0"/>
+                  <a:t> </a:t>
+                </a:r>
+                <a:r>
+                  <a:rPr lang="de-DE" sz="2200" dirty="0" err="1"/>
+                  <a:t>storage</a:t>
+                </a:r>
+                <a:r>
+                  <a:rPr lang="de-DE" sz="2200" dirty="0"/>
+                  <a:t> </a:t>
+                </a:r>
+                <a:r>
+                  <a:rPr lang="de-DE" sz="2200" dirty="0" err="1"/>
+                  <a:t>elements</a:t>
+                </a:r>
+                <a:r>
+                  <a:rPr lang="de-DE" sz="2200" dirty="0"/>
+                  <a:t> (</a:t>
+                </a:r>
+                <a:r>
+                  <a:rPr lang="de-DE" sz="2200" dirty="0">
+                    <a:sym typeface="Wingdings" pitchFamily="2" charset="2"/>
+                  </a:rPr>
+                  <a:t> 2</a:t>
+                </a:r>
+                <a:r>
+                  <a:rPr lang="de-DE" sz="2200" dirty="0"/>
+                  <a:t>): </a:t>
+                </a:r>
+                <a:r>
+                  <a:rPr lang="de-DE" sz="2200" dirty="0" err="1">
+                    <a:sym typeface="Wingdings" pitchFamily="2" charset="2"/>
+                  </a:rPr>
+                  <a:t>c</a:t>
+                </a:r>
+                <a:r>
+                  <a:rPr lang="de-DE" sz="2200" dirty="0" err="1"/>
+                  <a:t>an</a:t>
+                </a:r>
+                <a:r>
+                  <a:rPr lang="de-DE" sz="2200" dirty="0"/>
+                  <a:t> </a:t>
+                </a:r>
+                <a:r>
+                  <a:rPr lang="de-DE" sz="2200" dirty="0" err="1"/>
+                  <a:t>show</a:t>
+                </a:r>
+                <a:r>
+                  <a:rPr lang="de-DE" sz="2200" dirty="0"/>
+                  <a:t> </a:t>
+                </a:r>
+                <a:r>
+                  <a:rPr lang="de-DE" sz="2200" dirty="0" err="1"/>
+                  <a:t>oscillations</a:t>
+                </a:r>
+                <a:endParaRPr lang="de-DE" sz="2200" dirty="0"/>
+              </a:p>
+              <a:p>
+                <a:r>
+                  <a:rPr lang="de-DE" sz="2200" dirty="0" err="1"/>
+                  <a:t>Characterized</a:t>
+                </a:r>
+                <a:r>
+                  <a:rPr lang="de-DE" sz="2200" dirty="0"/>
+                  <a:t> </a:t>
+                </a:r>
+                <a:r>
+                  <a:rPr lang="de-DE" sz="2200" dirty="0" err="1"/>
+                  <a:t>by</a:t>
+                </a:r>
+                <a:r>
+                  <a:rPr lang="de-DE" sz="2200" dirty="0"/>
+                  <a:t> </a:t>
+                </a:r>
+                <a:r>
+                  <a:rPr lang="de-DE" sz="2200" dirty="0" err="1"/>
+                  <a:t>natural</a:t>
+                </a:r>
+                <a:r>
+                  <a:rPr lang="de-DE" sz="2200" dirty="0"/>
+                  <a:t> </a:t>
+                </a:r>
+                <a:r>
+                  <a:rPr lang="de-DE" sz="2200" dirty="0" err="1"/>
+                  <a:t>frequency</a:t>
+                </a:r>
+                <a:r>
+                  <a:rPr lang="de-DE" sz="2200" dirty="0"/>
+                  <a:t> </a:t>
+                </a:r>
+                <a14:m>
+                  <m:oMath xmlns:m="http://schemas.openxmlformats.org/officeDocument/2006/math">
+                    <m:sSub>
+                      <m:sSubPr>
+                        <m:ctrlPr>
+                          <a:rPr lang="el-GR" sz="2200" i="1">
+                            <a:latin typeface="Cambria Math" panose="02040503050406030204" pitchFamily="18" charset="0"/>
+                            <a:ea typeface="Cambria Math" panose="02040503050406030204" pitchFamily="18" charset="0"/>
+                          </a:rPr>
+                        </m:ctrlPr>
+                      </m:sSubPr>
+                      <m:e>
+                        <m:r>
+                          <a:rPr lang="el-GR" sz="2200" i="1">
+                            <a:latin typeface="Cambria Math" panose="02040503050406030204" pitchFamily="18" charset="0"/>
+                            <a:ea typeface="Cambria Math" panose="02040503050406030204" pitchFamily="18" charset="0"/>
+                          </a:rPr>
+                          <m:t>𝜔</m:t>
+                        </m:r>
+                      </m:e>
+                      <m:sub>
+                        <m:r>
+                          <a:rPr lang="de-DE" sz="2200" i="1">
+                            <a:latin typeface="Cambria Math" panose="02040503050406030204" pitchFamily="18" charset="0"/>
+                            <a:ea typeface="Cambria Math" panose="02040503050406030204" pitchFamily="18" charset="0"/>
+                          </a:rPr>
+                          <m:t>𝑛</m:t>
+                        </m:r>
+                      </m:sub>
+                    </m:sSub>
+                  </m:oMath>
+                </a14:m>
+                <a:r>
+                  <a:rPr lang="de-DE" sz="2200" dirty="0"/>
+                  <a:t> and </a:t>
+                </a:r>
+                <a:r>
+                  <a:rPr lang="de-DE" sz="2200" dirty="0" err="1"/>
+                  <a:t>damping</a:t>
+                </a:r>
+                <a:r>
+                  <a:rPr lang="de-DE" sz="2200" dirty="0"/>
+                  <a:t> </a:t>
+                </a:r>
+                <a:r>
+                  <a:rPr lang="de-DE" sz="2200" dirty="0" err="1"/>
+                  <a:t>ratio</a:t>
+                </a:r>
+                <a:r>
+                  <a:rPr lang="de-DE" sz="2200" dirty="0"/>
+                  <a:t> </a:t>
+                </a:r>
+                <a14:m>
+                  <m:oMath xmlns:m="http://schemas.openxmlformats.org/officeDocument/2006/math">
+                    <m:r>
+                      <a:rPr lang="el-GR" sz="2200" i="1">
+                        <a:latin typeface="Cambria Math" panose="02040503050406030204" pitchFamily="18" charset="0"/>
+                        <a:ea typeface="Cambria Math" panose="02040503050406030204" pitchFamily="18" charset="0"/>
+                      </a:rPr>
+                      <m:t>𝜁</m:t>
+                    </m:r>
+                  </m:oMath>
+                </a14:m>
+                <a:endParaRPr lang="de-DE" sz="2200" dirty="0"/>
+              </a:p>
+              <a:p>
+                <a:r>
+                  <a:rPr lang="de-DE" sz="2200" dirty="0"/>
+                  <a:t>Static </a:t>
+                </a:r>
+                <a:r>
+                  <a:rPr lang="de-DE" sz="2200" dirty="0" err="1"/>
+                  <a:t>gain</a:t>
+                </a:r>
+                <a:r>
+                  <a:rPr lang="de-DE" sz="2200" dirty="0"/>
+                  <a:t> (</a:t>
+                </a:r>
+                <a:r>
+                  <a:rPr lang="de-DE" sz="2200" dirty="0" err="1"/>
+                  <a:t>as</a:t>
+                </a:r>
+                <a:r>
+                  <a:rPr lang="de-DE" sz="2200" dirty="0"/>
+                  <a:t> in PT1): </a:t>
+                </a:r>
+                <a14:m>
+                  <m:oMath xmlns:m="http://schemas.openxmlformats.org/officeDocument/2006/math">
+                    <m:r>
+                      <a:rPr lang="de-DE" sz="2200" i="1">
+                        <a:latin typeface="Cambria Math" panose="02040503050406030204" pitchFamily="18" charset="0"/>
+                      </a:rPr>
+                      <m:t>𝐾</m:t>
+                    </m:r>
+                    <m:r>
+                      <a:rPr lang="de-DE" sz="2200" i="1">
+                        <a:latin typeface="Cambria Math" panose="02040503050406030204" pitchFamily="18" charset="0"/>
+                      </a:rPr>
+                      <m:t>=</m:t>
+                    </m:r>
+                    <m:f>
+                      <m:fPr>
+                        <m:ctrlPr>
+                          <a:rPr lang="de-DE" sz="2200" i="1">
+                            <a:latin typeface="Cambria Math" panose="02040503050406030204" pitchFamily="18" charset="0"/>
+                          </a:rPr>
+                        </m:ctrlPr>
+                      </m:fPr>
+                      <m:num>
+                        <m:r>
+                          <a:rPr lang="de-DE" sz="2200" i="1">
+                            <a:latin typeface="Cambria Math" panose="02040503050406030204" pitchFamily="18" charset="0"/>
+                          </a:rPr>
+                          <m:t>𝑦</m:t>
+                        </m:r>
+                        <m:r>
+                          <a:rPr lang="de-DE" sz="2200" i="1">
+                            <a:latin typeface="Cambria Math" panose="02040503050406030204" pitchFamily="18" charset="0"/>
+                          </a:rPr>
+                          <m:t>(∞)</m:t>
+                        </m:r>
+                      </m:num>
+                      <m:den>
+                        <m:sSub>
+                          <m:sSubPr>
+                            <m:ctrlPr>
+                              <a:rPr lang="de-DE" sz="2200" i="1" smtClean="0">
+                                <a:latin typeface="Cambria Math" panose="02040503050406030204" pitchFamily="18" charset="0"/>
+                              </a:rPr>
+                            </m:ctrlPr>
+                          </m:sSubPr>
+                          <m:e>
+                            <m:r>
+                              <a:rPr lang="de-DE" sz="2200" b="0" i="1" smtClean="0">
+                                <a:latin typeface="Cambria Math" panose="02040503050406030204" pitchFamily="18" charset="0"/>
+                              </a:rPr>
+                              <m:t>𝑢</m:t>
+                            </m:r>
+                          </m:e>
+                          <m:sub>
+                            <m:r>
+                              <m:rPr>
+                                <m:sty m:val="p"/>
+                              </m:rPr>
+                              <a:rPr lang="de-DE" sz="2200" b="0" i="0" smtClean="0">
+                                <a:latin typeface="Cambria Math" panose="02040503050406030204" pitchFamily="18" charset="0"/>
+                              </a:rPr>
+                              <m:t>step</m:t>
+                            </m:r>
+                          </m:sub>
+                        </m:sSub>
+                      </m:den>
+                    </m:f>
+                  </m:oMath>
+                </a14:m>
+                <a:endParaRPr lang="de-DE" sz="2200" dirty="0"/>
+              </a:p>
+              <a:p>
+                <a:r>
+                  <a:rPr lang="de-DE" sz="2200" dirty="0"/>
+                  <a:t>General </a:t>
+                </a:r>
+                <a:r>
+                  <a:rPr lang="de-DE" sz="2200" dirty="0" err="1"/>
+                  <a:t>solutions</a:t>
+                </a:r>
+                <a:r>
+                  <a:rPr lang="de-DE" sz="2200" dirty="0"/>
+                  <a:t> (</a:t>
+                </a:r>
+                <a:r>
+                  <a:rPr lang="de-DE" sz="2200" dirty="0" err="1"/>
+                  <a:t>natural</a:t>
+                </a:r>
+                <a:r>
+                  <a:rPr lang="de-DE" sz="2200" dirty="0"/>
+                  <a:t> </a:t>
+                </a:r>
+                <a:r>
+                  <a:rPr lang="de-DE" sz="2200" dirty="0" err="1"/>
+                  <a:t>part</a:t>
+                </a:r>
+                <a:r>
+                  <a:rPr lang="de-DE" sz="2200" dirty="0"/>
+                  <a:t>, </a:t>
+                </a:r>
+                <a:r>
+                  <a:rPr lang="de-DE" sz="2200" dirty="0" err="1"/>
+                  <a:t>unforced</a:t>
+                </a:r>
+                <a:r>
+                  <a:rPr lang="de-DE" sz="2200" dirty="0"/>
+                  <a:t>):</a:t>
+                </a:r>
+              </a:p>
+            </p:txBody>
+          </p:sp>
+        </mc:Choice>
+        <mc:Fallback>
+          <p:sp>
+            <p:nvSpPr>
+              <p:cNvPr id="3" name="Inhaltsplatzhalter 2">
+                <a:extLst>
+                  <a:ext uri="{FF2B5EF4-FFF2-40B4-BE49-F238E27FC236}">
+                    <a16:creationId xmlns:a16="http://schemas.microsoft.com/office/drawing/2014/main" id="{864AE596-18C7-3B34-C44D-8A40912DE6B5}"/>
+                  </a:ext>
+                </a:extLst>
+              </p:cNvPr>
+              <p:cNvSpPr>
+                <a:spLocks noGrp="1" noRot="1" noChangeAspect="1" noMove="1" noResize="1" noEditPoints="1" noAdjustHandles="1" noChangeArrowheads="1" noChangeShapeType="1" noTextEdit="1"/>
+              </p:cNvSpPr>
+              <p:nvPr>
+                <p:ph idx="1"/>
+              </p:nvPr>
+            </p:nvSpPr>
+            <p:spPr>
+              <a:xfrm>
+                <a:off x="243379" y="1731480"/>
+                <a:ext cx="5894066" cy="2861785"/>
+              </a:xfrm>
+              <a:blipFill>
+                <a:blip r:embed="rId3"/>
+                <a:stretch>
+                  <a:fillRect l="-1290" t="-442" r="-860" b="-6637"/>
+                </a:stretch>
+              </a:blipFill>
+            </p:spPr>
+            <p:txBody>
+              <a:bodyPr/>
+              <a:lstStyle/>
+              <a:p>
+                <a:r>
+                  <a:rPr lang="de-DE">
+                    <a:noFill/>
+                  </a:rPr>
+                  <a:t> </a:t>
+                </a:r>
+              </a:p>
+            </p:txBody>
+          </p:sp>
+        </mc:Fallback>
+      </mc:AlternateContent>
       <p:sp>
         <p:nvSpPr>
           <p:cNvPr id="4" name="Foliennummernplatzhalter 3">
@@ -14307,12 +14619,1613 @@
           </a:p>
         </p:txBody>
       </p:sp>
+      <mc:AlternateContent xmlns:mc="http://schemas.openxmlformats.org/markup-compatibility/2006" xmlns:a14="http://schemas.microsoft.com/office/drawing/2010/main">
+        <mc:Choice Requires="a14">
+          <p:sp>
+            <p:nvSpPr>
+              <p:cNvPr id="7" name="Textfeld 6">
+                <a:extLst>
+                  <a:ext uri="{FF2B5EF4-FFF2-40B4-BE49-F238E27FC236}">
+                    <a16:creationId xmlns:a16="http://schemas.microsoft.com/office/drawing/2014/main" id="{4E3617C7-60E3-4AD5-CB4C-AF5151E922A9}"/>
+                  </a:ext>
+                </a:extLst>
+              </p:cNvPr>
+              <p:cNvSpPr txBox="1"/>
+              <p:nvPr/>
+            </p:nvSpPr>
+            <p:spPr>
+              <a:xfrm>
+                <a:off x="6652333" y="1742768"/>
+                <a:ext cx="5539667" cy="707886"/>
+              </a:xfrm>
+              <a:prstGeom prst="rect">
+                <a:avLst/>
+              </a:prstGeom>
+              <a:noFill/>
+            </p:spPr>
+            <p:txBody>
+              <a:bodyPr wrap="square">
+                <a:spAutoFit/>
+              </a:bodyPr>
+              <a:lstStyle/>
+              <a:p>
+                <a:r>
+                  <a:rPr lang="de-DE" sz="2000" dirty="0" err="1"/>
+                  <a:t>Underdamped</a:t>
+                </a:r>
+                <a:r>
+                  <a:rPr lang="de-DE" sz="2000" dirty="0"/>
+                  <a:t> (</a:t>
+                </a:r>
+                <a14:m>
+                  <m:oMath xmlns:m="http://schemas.openxmlformats.org/officeDocument/2006/math">
+                    <m:r>
+                      <a:rPr lang="el-GR" sz="2000" i="1">
+                        <a:latin typeface="Cambria Math" panose="02040503050406030204" pitchFamily="18" charset="0"/>
+                        <a:ea typeface="Cambria Math" panose="02040503050406030204" pitchFamily="18" charset="0"/>
+                      </a:rPr>
+                      <m:t>𝜁</m:t>
+                    </m:r>
+                    <m:r>
+                      <a:rPr lang="de-DE" sz="2000" i="1">
+                        <a:latin typeface="Cambria Math" panose="02040503050406030204" pitchFamily="18" charset="0"/>
+                        <a:ea typeface="Cambria Math" panose="02040503050406030204" pitchFamily="18" charset="0"/>
+                      </a:rPr>
+                      <m:t>&lt;1</m:t>
+                    </m:r>
+                  </m:oMath>
+                </a14:m>
+                <a:r>
+                  <a:rPr lang="de-DE" sz="2000" dirty="0"/>
+                  <a:t>), </a:t>
+                </a:r>
+                <a:r>
+                  <a:rPr lang="de-DE" sz="2000" dirty="0" err="1"/>
+                  <a:t>critically</a:t>
+                </a:r>
+                <a:r>
+                  <a:rPr lang="de-DE" sz="2000" dirty="0"/>
+                  <a:t> </a:t>
+                </a:r>
+                <a:r>
+                  <a:rPr lang="de-DE" sz="2000" dirty="0" err="1"/>
+                  <a:t>damped</a:t>
+                </a:r>
+                <a:r>
+                  <a:rPr lang="de-DE" sz="2000" dirty="0"/>
+                  <a:t> (</a:t>
+                </a:r>
+                <a14:m>
+                  <m:oMath xmlns:m="http://schemas.openxmlformats.org/officeDocument/2006/math">
+                    <m:r>
+                      <a:rPr lang="el-GR" sz="2000" i="1">
+                        <a:latin typeface="Cambria Math" panose="02040503050406030204" pitchFamily="18" charset="0"/>
+                        <a:ea typeface="Cambria Math" panose="02040503050406030204" pitchFamily="18" charset="0"/>
+                      </a:rPr>
+                      <m:t>𝜁</m:t>
+                    </m:r>
+                    <m:r>
+                      <a:rPr lang="de-DE" sz="2000" i="1">
+                        <a:latin typeface="Cambria Math" panose="02040503050406030204" pitchFamily="18" charset="0"/>
+                        <a:ea typeface="Cambria Math" panose="02040503050406030204" pitchFamily="18" charset="0"/>
+                      </a:rPr>
+                      <m:t>=1</m:t>
+                    </m:r>
+                  </m:oMath>
+                </a14:m>
+                <a:r>
+                  <a:rPr lang="de-DE" sz="2000" dirty="0"/>
+                  <a:t>), and </a:t>
+                </a:r>
+                <a:r>
+                  <a:rPr lang="de-DE" sz="2000" dirty="0" err="1"/>
+                  <a:t>overdamped</a:t>
+                </a:r>
+                <a:r>
+                  <a:rPr lang="de-DE" sz="2000" dirty="0"/>
+                  <a:t> (</a:t>
+                </a:r>
+                <a14:m>
+                  <m:oMath xmlns:m="http://schemas.openxmlformats.org/officeDocument/2006/math">
+                    <m:r>
+                      <a:rPr lang="el-GR" sz="2000" i="1">
+                        <a:latin typeface="Cambria Math" panose="02040503050406030204" pitchFamily="18" charset="0"/>
+                        <a:ea typeface="Cambria Math" panose="02040503050406030204" pitchFamily="18" charset="0"/>
+                      </a:rPr>
+                      <m:t>𝜁</m:t>
+                    </m:r>
+                    <m:r>
+                      <a:rPr lang="de-DE" sz="2000" i="1">
+                        <a:latin typeface="Cambria Math" panose="02040503050406030204" pitchFamily="18" charset="0"/>
+                        <a:ea typeface="Cambria Math" panose="02040503050406030204" pitchFamily="18" charset="0"/>
+                      </a:rPr>
+                      <m:t>&gt;1</m:t>
+                    </m:r>
+                  </m:oMath>
+                </a14:m>
+                <a:r>
+                  <a:rPr lang="de-DE" sz="2000" dirty="0"/>
+                  <a:t>) </a:t>
+                </a:r>
+                <a:r>
+                  <a:rPr lang="de-DE" sz="2000" dirty="0" err="1"/>
+                  <a:t>step</a:t>
+                </a:r>
+                <a:r>
+                  <a:rPr lang="de-DE" sz="2000" dirty="0"/>
+                  <a:t> </a:t>
+                </a:r>
+                <a:r>
+                  <a:rPr lang="de-DE" sz="2000" dirty="0" err="1"/>
+                  <a:t>response</a:t>
+                </a:r>
+                <a:r>
+                  <a:rPr lang="de-DE" sz="2000" dirty="0"/>
+                  <a:t>:</a:t>
+                </a:r>
+              </a:p>
+            </p:txBody>
+          </p:sp>
+        </mc:Choice>
+        <mc:Fallback xmlns="">
+          <p:sp>
+            <p:nvSpPr>
+              <p:cNvPr id="7" name="Textfeld 6">
+                <a:extLst>
+                  <a:ext uri="{FF2B5EF4-FFF2-40B4-BE49-F238E27FC236}">
+                    <a16:creationId xmlns:a16="http://schemas.microsoft.com/office/drawing/2014/main" id="{4E3617C7-60E3-4AD5-CB4C-AF5151E922A9}"/>
+                  </a:ext>
+                </a:extLst>
+              </p:cNvPr>
+              <p:cNvSpPr txBox="1">
+                <a:spLocks noRot="1" noChangeAspect="1" noMove="1" noResize="1" noEditPoints="1" noAdjustHandles="1" noChangeArrowheads="1" noChangeShapeType="1" noTextEdit="1"/>
+              </p:cNvSpPr>
+              <p:nvPr/>
+            </p:nvSpPr>
+            <p:spPr>
+              <a:xfrm>
+                <a:off x="6652333" y="1742768"/>
+                <a:ext cx="5539667" cy="707886"/>
+              </a:xfrm>
+              <a:prstGeom prst="rect">
+                <a:avLst/>
+              </a:prstGeom>
+              <a:blipFill>
+                <a:blip r:embed="rId4"/>
+                <a:stretch>
+                  <a:fillRect l="-1142" t="-3571" r="-913" b="-17857"/>
+                </a:stretch>
+              </a:blipFill>
+            </p:spPr>
+            <p:txBody>
+              <a:bodyPr/>
+              <a:lstStyle/>
+              <a:p>
+                <a:r>
+                  <a:rPr lang="de-DE">
+                    <a:noFill/>
+                  </a:rPr>
+                  <a:t> </a:t>
+                </a:r>
+              </a:p>
+            </p:txBody>
+          </p:sp>
+        </mc:Fallback>
+      </mc:AlternateContent>
+      <mc:AlternateContent xmlns:mc="http://schemas.openxmlformats.org/markup-compatibility/2006">
+        <mc:Choice xmlns:a14="http://schemas.microsoft.com/office/drawing/2010/main" Requires="a14">
+          <p:sp>
+            <p:nvSpPr>
+              <p:cNvPr id="8" name="Textfeld 7">
+                <a:extLst>
+                  <a:ext uri="{FF2B5EF4-FFF2-40B4-BE49-F238E27FC236}">
+                    <a16:creationId xmlns:a16="http://schemas.microsoft.com/office/drawing/2014/main" id="{DBCD5A82-7984-FF84-8C0A-FBE15093C788}"/>
+                  </a:ext>
+                </a:extLst>
+              </p:cNvPr>
+              <p:cNvSpPr txBox="1"/>
+              <p:nvPr/>
+            </p:nvSpPr>
+            <p:spPr>
+              <a:xfrm>
+                <a:off x="30333" y="4639059"/>
+                <a:ext cx="7102136" cy="2240870"/>
+              </a:xfrm>
+              <a:prstGeom prst="rect">
+                <a:avLst/>
+              </a:prstGeom>
+              <a:noFill/>
+            </p:spPr>
+            <p:txBody>
+              <a:bodyPr wrap="square">
+                <a:spAutoFit/>
+              </a:bodyPr>
+              <a:lstStyle/>
+              <a:p>
+                <a:pPr/>
+                <a14:m>
+                  <m:oMathPara xmlns:m="http://schemas.openxmlformats.org/officeDocument/2006/math">
+                    <m:oMathParaPr>
+                      <m:jc m:val="left"/>
+                    </m:oMathParaPr>
+                    <m:oMath xmlns:m="http://schemas.openxmlformats.org/officeDocument/2006/math">
+                      <m:r>
+                        <a:rPr lang="el-GR" sz="1600" i="1" smtClean="0">
+                          <a:latin typeface="Cambria Math" panose="02040503050406030204" pitchFamily="18" charset="0"/>
+                          <a:ea typeface="Cambria Math" panose="02040503050406030204" pitchFamily="18" charset="0"/>
+                        </a:rPr>
+                        <m:t>𝜁</m:t>
+                      </m:r>
+                      <m:r>
+                        <a:rPr lang="de-DE" sz="1600" b="0" i="1" smtClean="0">
+                          <a:latin typeface="Cambria Math" panose="02040503050406030204" pitchFamily="18" charset="0"/>
+                          <a:ea typeface="Cambria Math" panose="02040503050406030204" pitchFamily="18" charset="0"/>
+                        </a:rPr>
+                        <m:t>&lt;1: </m:t>
+                      </m:r>
+                      <m:r>
+                        <a:rPr lang="de-DE" sz="1600" b="0" i="1" smtClean="0">
+                          <a:latin typeface="Cambria Math" panose="02040503050406030204" pitchFamily="18" charset="0"/>
+                          <a:ea typeface="Cambria Math" panose="02040503050406030204" pitchFamily="18" charset="0"/>
+                        </a:rPr>
+                        <m:t>𝑦</m:t>
+                      </m:r>
+                      <m:d>
+                        <m:dPr>
+                          <m:ctrlPr>
+                            <a:rPr lang="de-DE" sz="1600" b="0" i="1" smtClean="0">
+                              <a:latin typeface="Cambria Math" panose="02040503050406030204" pitchFamily="18" charset="0"/>
+                              <a:ea typeface="Cambria Math" panose="02040503050406030204" pitchFamily="18" charset="0"/>
+                            </a:rPr>
+                          </m:ctrlPr>
+                        </m:dPr>
+                        <m:e>
+                          <m:r>
+                            <a:rPr lang="de-DE" sz="1600" b="0" i="1" smtClean="0">
+                              <a:latin typeface="Cambria Math" panose="02040503050406030204" pitchFamily="18" charset="0"/>
+                              <a:ea typeface="Cambria Math" panose="02040503050406030204" pitchFamily="18" charset="0"/>
+                            </a:rPr>
+                            <m:t>𝑡</m:t>
+                          </m:r>
+                        </m:e>
+                      </m:d>
+                      <m:r>
+                        <a:rPr lang="de-DE" sz="1600" b="0" i="1" smtClean="0">
+                          <a:latin typeface="Cambria Math" panose="02040503050406030204" pitchFamily="18" charset="0"/>
+                          <a:ea typeface="Cambria Math" panose="02040503050406030204" pitchFamily="18" charset="0"/>
+                        </a:rPr>
+                        <m:t>=</m:t>
+                      </m:r>
+                      <m:r>
+                        <a:rPr lang="de-DE" sz="1600" b="0" i="1" smtClean="0">
+                          <a:latin typeface="Cambria Math" panose="02040503050406030204" pitchFamily="18" charset="0"/>
+                          <a:ea typeface="Cambria Math" panose="02040503050406030204" pitchFamily="18" charset="0"/>
+                        </a:rPr>
+                        <m:t>𝐾</m:t>
+                      </m:r>
+                      <m:d>
+                        <m:dPr>
+                          <m:begChr m:val="["/>
+                          <m:endChr m:val="]"/>
+                          <m:ctrlPr>
+                            <a:rPr lang="de-DE" sz="1600" b="0" i="1" smtClean="0">
+                              <a:latin typeface="Cambria Math" panose="02040503050406030204" pitchFamily="18" charset="0"/>
+                              <a:ea typeface="Cambria Math" panose="02040503050406030204" pitchFamily="18" charset="0"/>
+                            </a:rPr>
+                          </m:ctrlPr>
+                        </m:dPr>
+                        <m:e>
+                          <m:r>
+                            <a:rPr lang="de-DE" sz="1600" b="0" i="1" smtClean="0">
+                              <a:latin typeface="Cambria Math" panose="02040503050406030204" pitchFamily="18" charset="0"/>
+                              <a:ea typeface="Cambria Math" panose="02040503050406030204" pitchFamily="18" charset="0"/>
+                            </a:rPr>
+                            <m:t>1−</m:t>
+                          </m:r>
+                          <m:sSup>
+                            <m:sSupPr>
+                              <m:ctrlPr>
+                                <a:rPr lang="de-DE" sz="1600" i="1">
+                                  <a:latin typeface="Cambria Math" panose="02040503050406030204" pitchFamily="18" charset="0"/>
+                                  <a:ea typeface="Cambria Math" panose="02040503050406030204" pitchFamily="18" charset="0"/>
+                                </a:rPr>
+                              </m:ctrlPr>
+                            </m:sSupPr>
+                            <m:e>
+                              <m:r>
+                                <a:rPr lang="de-DE" sz="1600" i="1">
+                                  <a:latin typeface="Cambria Math" panose="02040503050406030204" pitchFamily="18" charset="0"/>
+                                  <a:ea typeface="Cambria Math" panose="02040503050406030204" pitchFamily="18" charset="0"/>
+                                </a:rPr>
+                                <m:t>𝑒</m:t>
+                              </m:r>
+                            </m:e>
+                            <m:sup>
+                              <m:r>
+                                <a:rPr lang="de-DE" sz="1600" i="1">
+                                  <a:latin typeface="Cambria Math" panose="02040503050406030204" pitchFamily="18" charset="0"/>
+                                  <a:ea typeface="Cambria Math" panose="02040503050406030204" pitchFamily="18" charset="0"/>
+                                </a:rPr>
+                                <m:t>−</m:t>
+                              </m:r>
+                              <m:r>
+                                <a:rPr lang="el-GR" sz="1600" i="1">
+                                  <a:latin typeface="Cambria Math" panose="02040503050406030204" pitchFamily="18" charset="0"/>
+                                  <a:ea typeface="Cambria Math" panose="02040503050406030204" pitchFamily="18" charset="0"/>
+                                </a:rPr>
+                                <m:t>𝜁</m:t>
+                              </m:r>
+                              <m:sSub>
+                                <m:sSubPr>
+                                  <m:ctrlPr>
+                                    <a:rPr lang="el-GR" sz="1600" i="1">
+                                      <a:latin typeface="Cambria Math" panose="02040503050406030204" pitchFamily="18" charset="0"/>
+                                      <a:ea typeface="Cambria Math" panose="02040503050406030204" pitchFamily="18" charset="0"/>
+                                    </a:rPr>
+                                  </m:ctrlPr>
+                                </m:sSubPr>
+                                <m:e>
+                                  <m:r>
+                                    <a:rPr lang="el-GR" sz="1600" i="1">
+                                      <a:latin typeface="Cambria Math" panose="02040503050406030204" pitchFamily="18" charset="0"/>
+                                      <a:ea typeface="Cambria Math" panose="02040503050406030204" pitchFamily="18" charset="0"/>
+                                    </a:rPr>
+                                    <m:t>𝜔</m:t>
+                                  </m:r>
+                                </m:e>
+                                <m:sub>
+                                  <m:r>
+                                    <a:rPr lang="de-DE" sz="1600" i="1">
+                                      <a:latin typeface="Cambria Math" panose="02040503050406030204" pitchFamily="18" charset="0"/>
+                                      <a:ea typeface="Cambria Math" panose="02040503050406030204" pitchFamily="18" charset="0"/>
+                                    </a:rPr>
+                                    <m:t>𝑛</m:t>
+                                  </m:r>
+                                </m:sub>
+                              </m:sSub>
+                              <m:r>
+                                <a:rPr lang="de-DE" sz="1600" i="1">
+                                  <a:latin typeface="Cambria Math" panose="02040503050406030204" pitchFamily="18" charset="0"/>
+                                  <a:ea typeface="Cambria Math" panose="02040503050406030204" pitchFamily="18" charset="0"/>
+                                </a:rPr>
+                                <m:t>𝑡</m:t>
+                              </m:r>
+                            </m:sup>
+                          </m:sSup>
+                          <m:d>
+                            <m:dPr>
+                              <m:ctrlPr>
+                                <a:rPr lang="de-DE" sz="1600" i="1">
+                                  <a:latin typeface="Cambria Math" panose="02040503050406030204" pitchFamily="18" charset="0"/>
+                                  <a:ea typeface="Cambria Math" panose="02040503050406030204" pitchFamily="18" charset="0"/>
+                                </a:rPr>
+                              </m:ctrlPr>
+                            </m:dPr>
+                            <m:e>
+                              <m:func>
+                                <m:funcPr>
+                                  <m:ctrlPr>
+                                    <a:rPr lang="de-DE" sz="1600" i="1">
+                                      <a:latin typeface="Cambria Math" panose="02040503050406030204" pitchFamily="18" charset="0"/>
+                                      <a:ea typeface="Cambria Math" panose="02040503050406030204" pitchFamily="18" charset="0"/>
+                                    </a:rPr>
+                                  </m:ctrlPr>
+                                </m:funcPr>
+                                <m:fName>
+                                  <m:r>
+                                    <m:rPr>
+                                      <m:sty m:val="p"/>
+                                    </m:rPr>
+                                    <a:rPr lang="de-DE" sz="1600">
+                                      <a:latin typeface="Cambria Math" panose="02040503050406030204" pitchFamily="18" charset="0"/>
+                                      <a:ea typeface="Cambria Math" panose="02040503050406030204" pitchFamily="18" charset="0"/>
+                                    </a:rPr>
+                                    <m:t>cos</m:t>
+                                  </m:r>
+                                </m:fName>
+                                <m:e>
+                                  <m:d>
+                                    <m:dPr>
+                                      <m:ctrlPr>
+                                        <a:rPr lang="de-DE" sz="1600" i="1">
+                                          <a:latin typeface="Cambria Math" panose="02040503050406030204" pitchFamily="18" charset="0"/>
+                                          <a:ea typeface="Cambria Math" panose="02040503050406030204" pitchFamily="18" charset="0"/>
+                                        </a:rPr>
+                                      </m:ctrlPr>
+                                    </m:dPr>
+                                    <m:e>
+                                      <m:sSub>
+                                        <m:sSubPr>
+                                          <m:ctrlPr>
+                                            <a:rPr lang="el-GR" sz="1600" i="1">
+                                              <a:latin typeface="Cambria Math" panose="02040503050406030204" pitchFamily="18" charset="0"/>
+                                              <a:ea typeface="Cambria Math" panose="02040503050406030204" pitchFamily="18" charset="0"/>
+                                            </a:rPr>
+                                          </m:ctrlPr>
+                                        </m:sSubPr>
+                                        <m:e>
+                                          <m:rad>
+                                            <m:radPr>
+                                              <m:degHide m:val="on"/>
+                                              <m:ctrlPr>
+                                                <a:rPr lang="el-GR" sz="1600" i="1">
+                                                  <a:latin typeface="Cambria Math" panose="02040503050406030204" pitchFamily="18" charset="0"/>
+                                                  <a:ea typeface="Cambria Math" panose="02040503050406030204" pitchFamily="18" charset="0"/>
+                                                </a:rPr>
+                                              </m:ctrlPr>
+                                            </m:radPr>
+                                            <m:deg/>
+                                            <m:e>
+                                              <m:r>
+                                                <a:rPr lang="de-DE" sz="1600" i="1">
+                                                  <a:latin typeface="Cambria Math" panose="02040503050406030204" pitchFamily="18" charset="0"/>
+                                                  <a:ea typeface="Cambria Math" panose="02040503050406030204" pitchFamily="18" charset="0"/>
+                                                </a:rPr>
+                                                <m:t>1−</m:t>
+                                              </m:r>
+                                              <m:sSup>
+                                                <m:sSupPr>
+                                                  <m:ctrlPr>
+                                                    <a:rPr lang="de-DE" sz="1600" i="1">
+                                                      <a:latin typeface="Cambria Math" panose="02040503050406030204" pitchFamily="18" charset="0"/>
+                                                      <a:ea typeface="Cambria Math" panose="02040503050406030204" pitchFamily="18" charset="0"/>
+                                                    </a:rPr>
+                                                  </m:ctrlPr>
+                                                </m:sSupPr>
+                                                <m:e>
+                                                  <m:r>
+                                                    <a:rPr lang="el-GR" sz="1600" i="1">
+                                                      <a:latin typeface="Cambria Math" panose="02040503050406030204" pitchFamily="18" charset="0"/>
+                                                      <a:ea typeface="Cambria Math" panose="02040503050406030204" pitchFamily="18" charset="0"/>
+                                                    </a:rPr>
+                                                    <m:t>𝜁</m:t>
+                                                  </m:r>
+                                                </m:e>
+                                                <m:sup>
+                                                  <m:r>
+                                                    <a:rPr lang="de-DE" sz="1600" i="1">
+                                                      <a:latin typeface="Cambria Math" panose="02040503050406030204" pitchFamily="18" charset="0"/>
+                                                      <a:ea typeface="Cambria Math" panose="02040503050406030204" pitchFamily="18" charset="0"/>
+                                                    </a:rPr>
+                                                    <m:t>2</m:t>
+                                                  </m:r>
+                                                </m:sup>
+                                              </m:sSup>
+                                            </m:e>
+                                          </m:rad>
+                                          <m:r>
+                                            <a:rPr lang="el-GR" sz="1600" i="1">
+                                              <a:latin typeface="Cambria Math" panose="02040503050406030204" pitchFamily="18" charset="0"/>
+                                              <a:ea typeface="Cambria Math" panose="02040503050406030204" pitchFamily="18" charset="0"/>
+                                            </a:rPr>
+                                            <m:t>𝜔</m:t>
+                                          </m:r>
+                                        </m:e>
+                                        <m:sub>
+                                          <m:r>
+                                            <a:rPr lang="de-DE" sz="1600" i="1">
+                                              <a:latin typeface="Cambria Math" panose="02040503050406030204" pitchFamily="18" charset="0"/>
+                                              <a:ea typeface="Cambria Math" panose="02040503050406030204" pitchFamily="18" charset="0"/>
+                                            </a:rPr>
+                                            <m:t>𝑛</m:t>
+                                          </m:r>
+                                        </m:sub>
+                                      </m:sSub>
+                                      <m:r>
+                                        <a:rPr lang="de-DE" sz="1600" i="1">
+                                          <a:latin typeface="Cambria Math" panose="02040503050406030204" pitchFamily="18" charset="0"/>
+                                          <a:ea typeface="Cambria Math" panose="02040503050406030204" pitchFamily="18" charset="0"/>
+                                        </a:rPr>
+                                        <m:t>𝑡</m:t>
+                                      </m:r>
+                                    </m:e>
+                                  </m:d>
+                                </m:e>
+                              </m:func>
+                              <m:r>
+                                <a:rPr lang="de-DE" sz="1600" i="1">
+                                  <a:latin typeface="Cambria Math" panose="02040503050406030204" pitchFamily="18" charset="0"/>
+                                  <a:ea typeface="Cambria Math" panose="02040503050406030204" pitchFamily="18" charset="0"/>
+                                </a:rPr>
+                                <m:t>+</m:t>
+                              </m:r>
+                              <m:f>
+                                <m:fPr>
+                                  <m:ctrlPr>
+                                    <a:rPr lang="de-DE" sz="1600" i="1" smtClean="0">
+                                      <a:latin typeface="Cambria Math" panose="02040503050406030204" pitchFamily="18" charset="0"/>
+                                      <a:ea typeface="Cambria Math" panose="02040503050406030204" pitchFamily="18" charset="0"/>
+                                    </a:rPr>
+                                  </m:ctrlPr>
+                                </m:fPr>
+                                <m:num>
+                                  <m:r>
+                                    <a:rPr lang="el-GR" sz="1600" i="1">
+                                      <a:latin typeface="Cambria Math" panose="02040503050406030204" pitchFamily="18" charset="0"/>
+                                      <a:ea typeface="Cambria Math" panose="02040503050406030204" pitchFamily="18" charset="0"/>
+                                    </a:rPr>
+                                    <m:t>𝜁</m:t>
+                                  </m:r>
+                                </m:num>
+                                <m:den>
+                                  <m:rad>
+                                    <m:radPr>
+                                      <m:degHide m:val="on"/>
+                                      <m:ctrlPr>
+                                        <a:rPr lang="el-GR" sz="1600" i="1">
+                                          <a:latin typeface="Cambria Math" panose="02040503050406030204" pitchFamily="18" charset="0"/>
+                                          <a:ea typeface="Cambria Math" panose="02040503050406030204" pitchFamily="18" charset="0"/>
+                                        </a:rPr>
+                                      </m:ctrlPr>
+                                    </m:radPr>
+                                    <m:deg/>
+                                    <m:e>
+                                      <m:r>
+                                        <a:rPr lang="de-DE" sz="1600" i="1">
+                                          <a:latin typeface="Cambria Math" panose="02040503050406030204" pitchFamily="18" charset="0"/>
+                                          <a:ea typeface="Cambria Math" panose="02040503050406030204" pitchFamily="18" charset="0"/>
+                                        </a:rPr>
+                                        <m:t>1−</m:t>
+                                      </m:r>
+                                      <m:sSup>
+                                        <m:sSupPr>
+                                          <m:ctrlPr>
+                                            <a:rPr lang="de-DE" sz="1600" i="1">
+                                              <a:latin typeface="Cambria Math" panose="02040503050406030204" pitchFamily="18" charset="0"/>
+                                              <a:ea typeface="Cambria Math" panose="02040503050406030204" pitchFamily="18" charset="0"/>
+                                            </a:rPr>
+                                          </m:ctrlPr>
+                                        </m:sSupPr>
+                                        <m:e>
+                                          <m:r>
+                                            <a:rPr lang="el-GR" sz="1600" i="1">
+                                              <a:latin typeface="Cambria Math" panose="02040503050406030204" pitchFamily="18" charset="0"/>
+                                              <a:ea typeface="Cambria Math" panose="02040503050406030204" pitchFamily="18" charset="0"/>
+                                            </a:rPr>
+                                            <m:t>𝜁</m:t>
+                                          </m:r>
+                                        </m:e>
+                                        <m:sup>
+                                          <m:r>
+                                            <a:rPr lang="de-DE" sz="1600" i="1">
+                                              <a:latin typeface="Cambria Math" panose="02040503050406030204" pitchFamily="18" charset="0"/>
+                                              <a:ea typeface="Cambria Math" panose="02040503050406030204" pitchFamily="18" charset="0"/>
+                                            </a:rPr>
+                                            <m:t>2</m:t>
+                                          </m:r>
+                                        </m:sup>
+                                      </m:sSup>
+                                    </m:e>
+                                  </m:rad>
+                                </m:den>
+                              </m:f>
+                              <m:func>
+                                <m:funcPr>
+                                  <m:ctrlPr>
+                                    <a:rPr lang="de-DE" sz="1600" i="1" smtClean="0">
+                                      <a:latin typeface="Cambria Math" panose="02040503050406030204" pitchFamily="18" charset="0"/>
+                                      <a:ea typeface="Cambria Math" panose="02040503050406030204" pitchFamily="18" charset="0"/>
+                                    </a:rPr>
+                                  </m:ctrlPr>
+                                </m:funcPr>
+                                <m:fName>
+                                  <m:r>
+                                    <m:rPr>
+                                      <m:sty m:val="p"/>
+                                    </m:rPr>
+                                    <a:rPr lang="de-DE" sz="1600">
+                                      <a:latin typeface="Cambria Math" panose="02040503050406030204" pitchFamily="18" charset="0"/>
+                                      <a:ea typeface="Cambria Math" panose="02040503050406030204" pitchFamily="18" charset="0"/>
+                                    </a:rPr>
+                                    <m:t>sin</m:t>
+                                  </m:r>
+                                </m:fName>
+                                <m:e>
+                                  <m:d>
+                                    <m:dPr>
+                                      <m:ctrlPr>
+                                        <a:rPr lang="de-DE" sz="1600" i="1">
+                                          <a:latin typeface="Cambria Math" panose="02040503050406030204" pitchFamily="18" charset="0"/>
+                                          <a:ea typeface="Cambria Math" panose="02040503050406030204" pitchFamily="18" charset="0"/>
+                                        </a:rPr>
+                                      </m:ctrlPr>
+                                    </m:dPr>
+                                    <m:e>
+                                      <m:rad>
+                                        <m:radPr>
+                                          <m:degHide m:val="on"/>
+                                          <m:ctrlPr>
+                                            <a:rPr lang="el-GR" sz="1600" i="1">
+                                              <a:latin typeface="Cambria Math" panose="02040503050406030204" pitchFamily="18" charset="0"/>
+                                              <a:ea typeface="Cambria Math" panose="02040503050406030204" pitchFamily="18" charset="0"/>
+                                            </a:rPr>
+                                          </m:ctrlPr>
+                                        </m:radPr>
+                                        <m:deg/>
+                                        <m:e>
+                                          <m:r>
+                                            <a:rPr lang="de-DE" sz="1600" i="1">
+                                              <a:latin typeface="Cambria Math" panose="02040503050406030204" pitchFamily="18" charset="0"/>
+                                              <a:ea typeface="Cambria Math" panose="02040503050406030204" pitchFamily="18" charset="0"/>
+                                            </a:rPr>
+                                            <m:t>1−</m:t>
+                                          </m:r>
+                                          <m:sSup>
+                                            <m:sSupPr>
+                                              <m:ctrlPr>
+                                                <a:rPr lang="de-DE" sz="1600" i="1">
+                                                  <a:latin typeface="Cambria Math" panose="02040503050406030204" pitchFamily="18" charset="0"/>
+                                                  <a:ea typeface="Cambria Math" panose="02040503050406030204" pitchFamily="18" charset="0"/>
+                                                </a:rPr>
+                                              </m:ctrlPr>
+                                            </m:sSupPr>
+                                            <m:e>
+                                              <m:r>
+                                                <a:rPr lang="el-GR" sz="1600" i="1">
+                                                  <a:latin typeface="Cambria Math" panose="02040503050406030204" pitchFamily="18" charset="0"/>
+                                                  <a:ea typeface="Cambria Math" panose="02040503050406030204" pitchFamily="18" charset="0"/>
+                                                </a:rPr>
+                                                <m:t>𝜁</m:t>
+                                              </m:r>
+                                            </m:e>
+                                            <m:sup>
+                                              <m:r>
+                                                <a:rPr lang="de-DE" sz="1600" i="1">
+                                                  <a:latin typeface="Cambria Math" panose="02040503050406030204" pitchFamily="18" charset="0"/>
+                                                  <a:ea typeface="Cambria Math" panose="02040503050406030204" pitchFamily="18" charset="0"/>
+                                                </a:rPr>
+                                                <m:t>2</m:t>
+                                              </m:r>
+                                            </m:sup>
+                                          </m:sSup>
+                                        </m:e>
+                                      </m:rad>
+                                      <m:sSub>
+                                        <m:sSubPr>
+                                          <m:ctrlPr>
+                                            <a:rPr lang="el-GR" sz="1600" i="1">
+                                              <a:latin typeface="Cambria Math" panose="02040503050406030204" pitchFamily="18" charset="0"/>
+                                              <a:ea typeface="Cambria Math" panose="02040503050406030204" pitchFamily="18" charset="0"/>
+                                            </a:rPr>
+                                          </m:ctrlPr>
+                                        </m:sSubPr>
+                                        <m:e>
+                                          <m:r>
+                                            <a:rPr lang="el-GR" sz="1600" i="1">
+                                              <a:latin typeface="Cambria Math" panose="02040503050406030204" pitchFamily="18" charset="0"/>
+                                              <a:ea typeface="Cambria Math" panose="02040503050406030204" pitchFamily="18" charset="0"/>
+                                            </a:rPr>
+                                            <m:t>𝜔</m:t>
+                                          </m:r>
+                                        </m:e>
+                                        <m:sub>
+                                          <m:r>
+                                            <a:rPr lang="de-DE" sz="1600" i="1">
+                                              <a:latin typeface="Cambria Math" panose="02040503050406030204" pitchFamily="18" charset="0"/>
+                                              <a:ea typeface="Cambria Math" panose="02040503050406030204" pitchFamily="18" charset="0"/>
+                                            </a:rPr>
+                                            <m:t>𝑛</m:t>
+                                          </m:r>
+                                        </m:sub>
+                                      </m:sSub>
+                                      <m:r>
+                                        <a:rPr lang="de-DE" sz="1600" i="1">
+                                          <a:latin typeface="Cambria Math" panose="02040503050406030204" pitchFamily="18" charset="0"/>
+                                          <a:ea typeface="Cambria Math" panose="02040503050406030204" pitchFamily="18" charset="0"/>
+                                        </a:rPr>
+                                        <m:t>𝑡</m:t>
+                                      </m:r>
+                                    </m:e>
+                                  </m:d>
+                                </m:e>
+                              </m:func>
+                            </m:e>
+                          </m:d>
+                        </m:e>
+                      </m:d>
+                    </m:oMath>
+                  </m:oMathPara>
+                </a14:m>
+                <a:endParaRPr lang="de-DE" sz="1600" dirty="0">
+                  <a:ea typeface="Cambria Math" panose="02040503050406030204" pitchFamily="18" charset="0"/>
+                </a:endParaRPr>
+              </a:p>
+              <a:p>
+                <a:endParaRPr lang="de-DE" sz="1600" dirty="0"/>
+              </a:p>
+              <a:p>
+                <a:pPr/>
+                <a14:m>
+                  <m:oMathPara xmlns:m="http://schemas.openxmlformats.org/officeDocument/2006/math">
+                    <m:oMathParaPr>
+                      <m:jc m:val="left"/>
+                    </m:oMathParaPr>
+                    <m:oMath xmlns:m="http://schemas.openxmlformats.org/officeDocument/2006/math">
+                      <m:r>
+                        <a:rPr lang="el-GR" sz="1600" i="1">
+                          <a:latin typeface="Cambria Math" panose="02040503050406030204" pitchFamily="18" charset="0"/>
+                          <a:ea typeface="Cambria Math" panose="02040503050406030204" pitchFamily="18" charset="0"/>
+                        </a:rPr>
+                        <m:t>𝜁</m:t>
+                      </m:r>
+                      <m:r>
+                        <a:rPr lang="de-DE" sz="1600" b="0" i="1" smtClean="0">
+                          <a:latin typeface="Cambria Math" panose="02040503050406030204" pitchFamily="18" charset="0"/>
+                          <a:ea typeface="Cambria Math" panose="02040503050406030204" pitchFamily="18" charset="0"/>
+                        </a:rPr>
+                        <m:t>=</m:t>
+                      </m:r>
+                      <m:r>
+                        <a:rPr lang="de-DE" sz="1600" i="1">
+                          <a:latin typeface="Cambria Math" panose="02040503050406030204" pitchFamily="18" charset="0"/>
+                          <a:ea typeface="Cambria Math" panose="02040503050406030204" pitchFamily="18" charset="0"/>
+                        </a:rPr>
+                        <m:t>1: </m:t>
+                      </m:r>
+                      <m:r>
+                        <a:rPr lang="de-DE" sz="1600" i="1">
+                          <a:latin typeface="Cambria Math" panose="02040503050406030204" pitchFamily="18" charset="0"/>
+                          <a:ea typeface="Cambria Math" panose="02040503050406030204" pitchFamily="18" charset="0"/>
+                        </a:rPr>
+                        <m:t>𝑦</m:t>
+                      </m:r>
+                      <m:d>
+                        <m:dPr>
+                          <m:ctrlPr>
+                            <a:rPr lang="de-DE" sz="1600" i="1">
+                              <a:latin typeface="Cambria Math" panose="02040503050406030204" pitchFamily="18" charset="0"/>
+                              <a:ea typeface="Cambria Math" panose="02040503050406030204" pitchFamily="18" charset="0"/>
+                            </a:rPr>
+                          </m:ctrlPr>
+                        </m:dPr>
+                        <m:e>
+                          <m:r>
+                            <a:rPr lang="de-DE" sz="1600" i="1">
+                              <a:latin typeface="Cambria Math" panose="02040503050406030204" pitchFamily="18" charset="0"/>
+                              <a:ea typeface="Cambria Math" panose="02040503050406030204" pitchFamily="18" charset="0"/>
+                            </a:rPr>
+                            <m:t>𝑡</m:t>
+                          </m:r>
+                        </m:e>
+                      </m:d>
+                      <m:r>
+                        <a:rPr lang="de-DE" sz="1600" i="1">
+                          <a:latin typeface="Cambria Math" panose="02040503050406030204" pitchFamily="18" charset="0"/>
+                          <a:ea typeface="Cambria Math" panose="02040503050406030204" pitchFamily="18" charset="0"/>
+                        </a:rPr>
+                        <m:t>=</m:t>
+                      </m:r>
+                      <m:r>
+                        <a:rPr lang="de-DE" sz="1600" b="0" i="1" smtClean="0">
+                          <a:latin typeface="Cambria Math" panose="02040503050406030204" pitchFamily="18" charset="0"/>
+                          <a:ea typeface="Cambria Math" panose="02040503050406030204" pitchFamily="18" charset="0"/>
+                        </a:rPr>
+                        <m:t>𝐾</m:t>
+                      </m:r>
+                      <m:d>
+                        <m:dPr>
+                          <m:begChr m:val="["/>
+                          <m:endChr m:val="]"/>
+                          <m:ctrlPr>
+                            <a:rPr lang="de-DE" sz="1600" b="0" i="1" smtClean="0">
+                              <a:latin typeface="Cambria Math" panose="02040503050406030204" pitchFamily="18" charset="0"/>
+                              <a:ea typeface="Cambria Math" panose="02040503050406030204" pitchFamily="18" charset="0"/>
+                            </a:rPr>
+                          </m:ctrlPr>
+                        </m:dPr>
+                        <m:e>
+                          <m:r>
+                            <a:rPr lang="de-DE" sz="1600" b="0" i="1" smtClean="0">
+                              <a:latin typeface="Cambria Math" panose="02040503050406030204" pitchFamily="18" charset="0"/>
+                              <a:ea typeface="Cambria Math" panose="02040503050406030204" pitchFamily="18" charset="0"/>
+                            </a:rPr>
+                            <m:t>1−</m:t>
+                          </m:r>
+                          <m:d>
+                            <m:dPr>
+                              <m:ctrlPr>
+                                <a:rPr lang="de-DE" sz="1600" b="0" i="1" smtClean="0">
+                                  <a:latin typeface="Cambria Math" panose="02040503050406030204" pitchFamily="18" charset="0"/>
+                                  <a:ea typeface="Cambria Math" panose="02040503050406030204" pitchFamily="18" charset="0"/>
+                                </a:rPr>
+                              </m:ctrlPr>
+                            </m:dPr>
+                            <m:e>
+                              <m:r>
+                                <a:rPr lang="de-DE" sz="1600" b="0" i="1" smtClean="0">
+                                  <a:latin typeface="Cambria Math" panose="02040503050406030204" pitchFamily="18" charset="0"/>
+                                  <a:ea typeface="Cambria Math" panose="02040503050406030204" pitchFamily="18" charset="0"/>
+                                </a:rPr>
+                                <m:t>1+</m:t>
+                              </m:r>
+                              <m:sSub>
+                                <m:sSubPr>
+                                  <m:ctrlPr>
+                                    <a:rPr lang="el-GR" sz="1600" i="1">
+                                      <a:latin typeface="Cambria Math" panose="02040503050406030204" pitchFamily="18" charset="0"/>
+                                      <a:ea typeface="Cambria Math" panose="02040503050406030204" pitchFamily="18" charset="0"/>
+                                    </a:rPr>
+                                  </m:ctrlPr>
+                                </m:sSubPr>
+                                <m:e>
+                                  <m:r>
+                                    <a:rPr lang="el-GR" sz="1600" i="1">
+                                      <a:latin typeface="Cambria Math" panose="02040503050406030204" pitchFamily="18" charset="0"/>
+                                      <a:ea typeface="Cambria Math" panose="02040503050406030204" pitchFamily="18" charset="0"/>
+                                    </a:rPr>
+                                    <m:t>𝜔</m:t>
+                                  </m:r>
+                                </m:e>
+                                <m:sub>
+                                  <m:r>
+                                    <a:rPr lang="de-DE" sz="1600" i="1">
+                                      <a:latin typeface="Cambria Math" panose="02040503050406030204" pitchFamily="18" charset="0"/>
+                                      <a:ea typeface="Cambria Math" panose="02040503050406030204" pitchFamily="18" charset="0"/>
+                                    </a:rPr>
+                                    <m:t>𝑛</m:t>
+                                  </m:r>
+                                </m:sub>
+                              </m:sSub>
+                              <m:r>
+                                <a:rPr lang="de-DE" sz="1600" b="0" i="1" smtClean="0">
+                                  <a:latin typeface="Cambria Math" panose="02040503050406030204" pitchFamily="18" charset="0"/>
+                                  <a:ea typeface="Cambria Math" panose="02040503050406030204" pitchFamily="18" charset="0"/>
+                                </a:rPr>
+                                <m:t>𝑡</m:t>
+                              </m:r>
+                            </m:e>
+                          </m:d>
+                          <m:sSup>
+                            <m:sSupPr>
+                              <m:ctrlPr>
+                                <a:rPr lang="de-DE" sz="1600" i="1">
+                                  <a:latin typeface="Cambria Math" panose="02040503050406030204" pitchFamily="18" charset="0"/>
+                                  <a:ea typeface="Cambria Math" panose="02040503050406030204" pitchFamily="18" charset="0"/>
+                                </a:rPr>
+                              </m:ctrlPr>
+                            </m:sSupPr>
+                            <m:e>
+                              <m:r>
+                                <a:rPr lang="de-DE" sz="1600" i="1">
+                                  <a:latin typeface="Cambria Math" panose="02040503050406030204" pitchFamily="18" charset="0"/>
+                                  <a:ea typeface="Cambria Math" panose="02040503050406030204" pitchFamily="18" charset="0"/>
+                                </a:rPr>
+                                <m:t>𝑒</m:t>
+                              </m:r>
+                            </m:e>
+                            <m:sup>
+                              <m:r>
+                                <a:rPr lang="de-DE" sz="1600" i="1">
+                                  <a:latin typeface="Cambria Math" panose="02040503050406030204" pitchFamily="18" charset="0"/>
+                                  <a:ea typeface="Cambria Math" panose="02040503050406030204" pitchFamily="18" charset="0"/>
+                                </a:rPr>
+                                <m:t>−</m:t>
+                              </m:r>
+                              <m:sSub>
+                                <m:sSubPr>
+                                  <m:ctrlPr>
+                                    <a:rPr lang="el-GR" sz="1600" i="1">
+                                      <a:latin typeface="Cambria Math" panose="02040503050406030204" pitchFamily="18" charset="0"/>
+                                      <a:ea typeface="Cambria Math" panose="02040503050406030204" pitchFamily="18" charset="0"/>
+                                    </a:rPr>
+                                  </m:ctrlPr>
+                                </m:sSubPr>
+                                <m:e>
+                                  <m:r>
+                                    <a:rPr lang="el-GR" sz="1600" i="1">
+                                      <a:latin typeface="Cambria Math" panose="02040503050406030204" pitchFamily="18" charset="0"/>
+                                      <a:ea typeface="Cambria Math" panose="02040503050406030204" pitchFamily="18" charset="0"/>
+                                    </a:rPr>
+                                    <m:t>𝜔</m:t>
+                                  </m:r>
+                                </m:e>
+                                <m:sub>
+                                  <m:r>
+                                    <a:rPr lang="de-DE" sz="1600" i="1">
+                                      <a:latin typeface="Cambria Math" panose="02040503050406030204" pitchFamily="18" charset="0"/>
+                                      <a:ea typeface="Cambria Math" panose="02040503050406030204" pitchFamily="18" charset="0"/>
+                                    </a:rPr>
+                                    <m:t>𝑛</m:t>
+                                  </m:r>
+                                </m:sub>
+                              </m:sSub>
+                              <m:r>
+                                <a:rPr lang="de-DE" sz="1600" i="1">
+                                  <a:latin typeface="Cambria Math" panose="02040503050406030204" pitchFamily="18" charset="0"/>
+                                  <a:ea typeface="Cambria Math" panose="02040503050406030204" pitchFamily="18" charset="0"/>
+                                </a:rPr>
+                                <m:t>𝑡</m:t>
+                              </m:r>
+                            </m:sup>
+                          </m:sSup>
+                        </m:e>
+                      </m:d>
+                    </m:oMath>
+                  </m:oMathPara>
+                </a14:m>
+                <a:endParaRPr lang="de-DE" sz="1600" dirty="0"/>
+              </a:p>
+              <a:p>
+                <a:endParaRPr lang="de-DE" sz="1600" dirty="0"/>
+              </a:p>
+              <a:p>
+                <a14:m>
+                  <m:oMath xmlns:m="http://schemas.openxmlformats.org/officeDocument/2006/math">
+                    <m:r>
+                      <a:rPr lang="el-GR" sz="1600" i="1">
+                        <a:latin typeface="Cambria Math" panose="02040503050406030204" pitchFamily="18" charset="0"/>
+                        <a:ea typeface="Cambria Math" panose="02040503050406030204" pitchFamily="18" charset="0"/>
+                      </a:rPr>
+                      <m:t>𝜁</m:t>
+                    </m:r>
+                    <m:r>
+                      <a:rPr lang="de-DE" sz="1600" b="0" i="1" smtClean="0">
+                        <a:latin typeface="Cambria Math" panose="02040503050406030204" pitchFamily="18" charset="0"/>
+                        <a:ea typeface="Cambria Math" panose="02040503050406030204" pitchFamily="18" charset="0"/>
+                      </a:rPr>
+                      <m:t>&gt;</m:t>
+                    </m:r>
+                    <m:r>
+                      <a:rPr lang="de-DE" sz="1600" i="1">
+                        <a:latin typeface="Cambria Math" panose="02040503050406030204" pitchFamily="18" charset="0"/>
+                        <a:ea typeface="Cambria Math" panose="02040503050406030204" pitchFamily="18" charset="0"/>
+                      </a:rPr>
+                      <m:t>1: </m:t>
+                    </m:r>
+                    <m:r>
+                      <a:rPr lang="de-DE" sz="1600" i="1">
+                        <a:latin typeface="Cambria Math" panose="02040503050406030204" pitchFamily="18" charset="0"/>
+                        <a:ea typeface="Cambria Math" panose="02040503050406030204" pitchFamily="18" charset="0"/>
+                      </a:rPr>
+                      <m:t>𝑦</m:t>
+                    </m:r>
+                    <m:d>
+                      <m:dPr>
+                        <m:ctrlPr>
+                          <a:rPr lang="de-DE" sz="1600" i="1">
+                            <a:latin typeface="Cambria Math" panose="02040503050406030204" pitchFamily="18" charset="0"/>
+                            <a:ea typeface="Cambria Math" panose="02040503050406030204" pitchFamily="18" charset="0"/>
+                          </a:rPr>
+                        </m:ctrlPr>
+                      </m:dPr>
+                      <m:e>
+                        <m:r>
+                          <a:rPr lang="de-DE" sz="1600" i="1">
+                            <a:latin typeface="Cambria Math" panose="02040503050406030204" pitchFamily="18" charset="0"/>
+                            <a:ea typeface="Cambria Math" panose="02040503050406030204" pitchFamily="18" charset="0"/>
+                          </a:rPr>
+                          <m:t>𝑡</m:t>
+                        </m:r>
+                      </m:e>
+                    </m:d>
+                    <m:r>
+                      <a:rPr lang="de-DE" sz="1600" i="1">
+                        <a:latin typeface="Cambria Math" panose="02040503050406030204" pitchFamily="18" charset="0"/>
+                        <a:ea typeface="Cambria Math" panose="02040503050406030204" pitchFamily="18" charset="0"/>
+                      </a:rPr>
+                      <m:t>=</m:t>
+                    </m:r>
+                    <m:r>
+                      <a:rPr lang="de-DE" sz="1600" b="0" i="1" smtClean="0">
+                        <a:latin typeface="Cambria Math" panose="02040503050406030204" pitchFamily="18" charset="0"/>
+                        <a:ea typeface="Cambria Math" panose="02040503050406030204" pitchFamily="18" charset="0"/>
+                      </a:rPr>
+                      <m:t>𝐾</m:t>
+                    </m:r>
+                    <m:d>
+                      <m:dPr>
+                        <m:begChr m:val="["/>
+                        <m:endChr m:val="]"/>
+                        <m:ctrlPr>
+                          <a:rPr lang="de-DE" sz="1600" b="0" i="1" smtClean="0">
+                            <a:latin typeface="Cambria Math" panose="02040503050406030204" pitchFamily="18" charset="0"/>
+                            <a:ea typeface="Cambria Math" panose="02040503050406030204" pitchFamily="18" charset="0"/>
+                          </a:rPr>
+                        </m:ctrlPr>
+                      </m:dPr>
+                      <m:e>
+                        <m:r>
+                          <a:rPr lang="de-DE" sz="1600" b="0" i="1" smtClean="0">
+                            <a:latin typeface="Cambria Math" panose="02040503050406030204" pitchFamily="18" charset="0"/>
+                            <a:ea typeface="Cambria Math" panose="02040503050406030204" pitchFamily="18" charset="0"/>
+                          </a:rPr>
+                          <m:t>1−</m:t>
+                        </m:r>
+                        <m:d>
+                          <m:dPr>
+                            <m:ctrlPr>
+                              <a:rPr lang="de-DE" sz="1600" b="0" i="1" smtClean="0">
+                                <a:latin typeface="Cambria Math" panose="02040503050406030204" pitchFamily="18" charset="0"/>
+                                <a:ea typeface="Cambria Math" panose="02040503050406030204" pitchFamily="18" charset="0"/>
+                              </a:rPr>
+                            </m:ctrlPr>
+                          </m:dPr>
+                          <m:e>
+                            <m:sSub>
+                              <m:sSubPr>
+                                <m:ctrlPr>
+                                  <a:rPr lang="de-DE" sz="1600" i="1">
+                                    <a:latin typeface="Cambria Math" panose="02040503050406030204" pitchFamily="18" charset="0"/>
+                                    <a:ea typeface="Cambria Math" panose="02040503050406030204" pitchFamily="18" charset="0"/>
+                                  </a:rPr>
+                                </m:ctrlPr>
+                              </m:sSubPr>
+                              <m:e>
+                                <m:r>
+                                  <a:rPr lang="de-DE" sz="1600" i="1">
+                                    <a:latin typeface="Cambria Math" panose="02040503050406030204" pitchFamily="18" charset="0"/>
+                                    <a:ea typeface="Cambria Math" panose="02040503050406030204" pitchFamily="18" charset="0"/>
+                                  </a:rPr>
+                                  <m:t>𝐶</m:t>
+                                </m:r>
+                              </m:e>
+                              <m:sub>
+                                <m:r>
+                                  <a:rPr lang="de-DE" sz="1600" i="1">
+                                    <a:latin typeface="Cambria Math" panose="02040503050406030204" pitchFamily="18" charset="0"/>
+                                    <a:ea typeface="Cambria Math" panose="02040503050406030204" pitchFamily="18" charset="0"/>
+                                  </a:rPr>
+                                  <m:t>1</m:t>
+                                </m:r>
+                              </m:sub>
+                            </m:sSub>
+                            <m:r>
+                              <m:rPr>
+                                <m:nor/>
+                              </m:rPr>
+                              <a:rPr lang="de-DE" sz="1600" dirty="0">
+                                <a:ea typeface="Cambria Math" panose="02040503050406030204" pitchFamily="18" charset="0"/>
+                              </a:rPr>
+                              <m:t> </m:t>
+                            </m:r>
+                            <m:sSup>
+                              <m:sSupPr>
+                                <m:ctrlPr>
+                                  <a:rPr lang="de-DE" sz="1600" i="1">
+                                    <a:latin typeface="Cambria Math" panose="02040503050406030204" pitchFamily="18" charset="0"/>
+                                    <a:ea typeface="Cambria Math" panose="02040503050406030204" pitchFamily="18" charset="0"/>
+                                  </a:rPr>
+                                </m:ctrlPr>
+                              </m:sSupPr>
+                              <m:e>
+                                <m:r>
+                                  <a:rPr lang="de-DE" sz="1600" i="1">
+                                    <a:latin typeface="Cambria Math" panose="02040503050406030204" pitchFamily="18" charset="0"/>
+                                    <a:ea typeface="Cambria Math" panose="02040503050406030204" pitchFamily="18" charset="0"/>
+                                  </a:rPr>
+                                  <m:t>𝑒</m:t>
+                                </m:r>
+                              </m:e>
+                              <m:sup>
+                                <m:sSub>
+                                  <m:sSubPr>
+                                    <m:ctrlPr>
+                                      <a:rPr lang="el-GR" sz="1600" i="1">
+                                        <a:latin typeface="Cambria Math" panose="02040503050406030204" pitchFamily="18" charset="0"/>
+                                        <a:ea typeface="Cambria Math" panose="02040503050406030204" pitchFamily="18" charset="0"/>
+                                      </a:rPr>
+                                    </m:ctrlPr>
+                                  </m:sSubPr>
+                                  <m:e>
+                                    <m:r>
+                                      <a:rPr lang="de-DE" sz="1600" i="1">
+                                        <a:latin typeface="Cambria Math" panose="02040503050406030204" pitchFamily="18" charset="0"/>
+                                        <a:ea typeface="Cambria Math" panose="02040503050406030204" pitchFamily="18" charset="0"/>
+                                      </a:rPr>
+                                      <m:t>−</m:t>
+                                    </m:r>
+                                    <m:r>
+                                      <a:rPr lang="de-DE" sz="1600" i="1">
+                                        <a:latin typeface="Cambria Math" panose="02040503050406030204" pitchFamily="18" charset="0"/>
+                                        <a:ea typeface="Cambria Math" panose="02040503050406030204" pitchFamily="18" charset="0"/>
+                                      </a:rPr>
+                                      <m:t>𝑠</m:t>
+                                    </m:r>
+                                  </m:e>
+                                  <m:sub>
+                                    <m:r>
+                                      <a:rPr lang="de-DE" sz="1600" i="1">
+                                        <a:latin typeface="Cambria Math" panose="02040503050406030204" pitchFamily="18" charset="0"/>
+                                        <a:ea typeface="Cambria Math" panose="02040503050406030204" pitchFamily="18" charset="0"/>
+                                      </a:rPr>
+                                      <m:t>1</m:t>
+                                    </m:r>
+                                  </m:sub>
+                                </m:sSub>
+                                <m:sSub>
+                                  <m:sSubPr>
+                                    <m:ctrlPr>
+                                      <a:rPr lang="el-GR" sz="1600" i="1">
+                                        <a:latin typeface="Cambria Math" panose="02040503050406030204" pitchFamily="18" charset="0"/>
+                                        <a:ea typeface="Cambria Math" panose="02040503050406030204" pitchFamily="18" charset="0"/>
+                                      </a:rPr>
+                                    </m:ctrlPr>
+                                  </m:sSubPr>
+                                  <m:e>
+                                    <m:r>
+                                      <a:rPr lang="el-GR" sz="1600" i="1">
+                                        <a:latin typeface="Cambria Math" panose="02040503050406030204" pitchFamily="18" charset="0"/>
+                                        <a:ea typeface="Cambria Math" panose="02040503050406030204" pitchFamily="18" charset="0"/>
+                                      </a:rPr>
+                                      <m:t>𝜔</m:t>
+                                    </m:r>
+                                  </m:e>
+                                  <m:sub>
+                                    <m:r>
+                                      <a:rPr lang="de-DE" sz="1600" i="1">
+                                        <a:latin typeface="Cambria Math" panose="02040503050406030204" pitchFamily="18" charset="0"/>
+                                        <a:ea typeface="Cambria Math" panose="02040503050406030204" pitchFamily="18" charset="0"/>
+                                      </a:rPr>
+                                      <m:t>𝑛</m:t>
+                                    </m:r>
+                                  </m:sub>
+                                </m:sSub>
+                                <m:r>
+                                  <a:rPr lang="de-DE" sz="1600" i="1">
+                                    <a:latin typeface="Cambria Math" panose="02040503050406030204" pitchFamily="18" charset="0"/>
+                                    <a:ea typeface="Cambria Math" panose="02040503050406030204" pitchFamily="18" charset="0"/>
+                                  </a:rPr>
+                                  <m:t>𝑡</m:t>
+                                </m:r>
+                              </m:sup>
+                            </m:sSup>
+                            <m:r>
+                              <a:rPr lang="de-DE" sz="1600" i="1">
+                                <a:latin typeface="Cambria Math" panose="02040503050406030204" pitchFamily="18" charset="0"/>
+                                <a:ea typeface="Cambria Math" panose="02040503050406030204" pitchFamily="18" charset="0"/>
+                              </a:rPr>
+                              <m:t>+</m:t>
+                            </m:r>
+                            <m:sSub>
+                              <m:sSubPr>
+                                <m:ctrlPr>
+                                  <a:rPr lang="de-DE" sz="1600" i="1">
+                                    <a:latin typeface="Cambria Math" panose="02040503050406030204" pitchFamily="18" charset="0"/>
+                                    <a:ea typeface="Cambria Math" panose="02040503050406030204" pitchFamily="18" charset="0"/>
+                                  </a:rPr>
+                                </m:ctrlPr>
+                              </m:sSubPr>
+                              <m:e>
+                                <m:r>
+                                  <a:rPr lang="de-DE" sz="1600" i="1">
+                                    <a:latin typeface="Cambria Math" panose="02040503050406030204" pitchFamily="18" charset="0"/>
+                                    <a:ea typeface="Cambria Math" panose="02040503050406030204" pitchFamily="18" charset="0"/>
+                                  </a:rPr>
+                                  <m:t>𝐶</m:t>
+                                </m:r>
+                              </m:e>
+                              <m:sub>
+                                <m:r>
+                                  <a:rPr lang="de-DE" sz="1600" i="1">
+                                    <a:latin typeface="Cambria Math" panose="02040503050406030204" pitchFamily="18" charset="0"/>
+                                    <a:ea typeface="Cambria Math" panose="02040503050406030204" pitchFamily="18" charset="0"/>
+                                  </a:rPr>
+                                  <m:t>2</m:t>
+                                </m:r>
+                              </m:sub>
+                            </m:sSub>
+                            <m:r>
+                              <m:rPr>
+                                <m:nor/>
+                              </m:rPr>
+                              <a:rPr lang="de-DE" sz="1600" dirty="0">
+                                <a:ea typeface="Cambria Math" panose="02040503050406030204" pitchFamily="18" charset="0"/>
+                              </a:rPr>
+                              <m:t> </m:t>
+                            </m:r>
+                            <m:sSup>
+                              <m:sSupPr>
+                                <m:ctrlPr>
+                                  <a:rPr lang="de-DE" sz="1600" i="1">
+                                    <a:latin typeface="Cambria Math" panose="02040503050406030204" pitchFamily="18" charset="0"/>
+                                    <a:ea typeface="Cambria Math" panose="02040503050406030204" pitchFamily="18" charset="0"/>
+                                  </a:rPr>
+                                </m:ctrlPr>
+                              </m:sSupPr>
+                              <m:e>
+                                <m:r>
+                                  <a:rPr lang="de-DE" sz="1600" i="1">
+                                    <a:latin typeface="Cambria Math" panose="02040503050406030204" pitchFamily="18" charset="0"/>
+                                    <a:ea typeface="Cambria Math" panose="02040503050406030204" pitchFamily="18" charset="0"/>
+                                  </a:rPr>
+                                  <m:t>𝑒</m:t>
+                                </m:r>
+                              </m:e>
+                              <m:sup>
+                                <m:r>
+                                  <a:rPr lang="de-DE" sz="1600" i="1">
+                                    <a:latin typeface="Cambria Math" panose="02040503050406030204" pitchFamily="18" charset="0"/>
+                                    <a:ea typeface="Cambria Math" panose="02040503050406030204" pitchFamily="18" charset="0"/>
+                                  </a:rPr>
+                                  <m:t>−</m:t>
+                                </m:r>
+                                <m:sSub>
+                                  <m:sSubPr>
+                                    <m:ctrlPr>
+                                      <a:rPr lang="el-GR" sz="1600" i="1">
+                                        <a:latin typeface="Cambria Math" panose="02040503050406030204" pitchFamily="18" charset="0"/>
+                                        <a:ea typeface="Cambria Math" panose="02040503050406030204" pitchFamily="18" charset="0"/>
+                                      </a:rPr>
+                                    </m:ctrlPr>
+                                  </m:sSubPr>
+                                  <m:e>
+                                    <m:r>
+                                      <a:rPr lang="de-DE" sz="1600" i="1">
+                                        <a:latin typeface="Cambria Math" panose="02040503050406030204" pitchFamily="18" charset="0"/>
+                                        <a:ea typeface="Cambria Math" panose="02040503050406030204" pitchFamily="18" charset="0"/>
+                                      </a:rPr>
+                                      <m:t>𝑠</m:t>
+                                    </m:r>
+                                  </m:e>
+                                  <m:sub>
+                                    <m:r>
+                                      <a:rPr lang="de-DE" sz="1600" i="1">
+                                        <a:latin typeface="Cambria Math" panose="02040503050406030204" pitchFamily="18" charset="0"/>
+                                        <a:ea typeface="Cambria Math" panose="02040503050406030204" pitchFamily="18" charset="0"/>
+                                      </a:rPr>
+                                      <m:t>2</m:t>
+                                    </m:r>
+                                  </m:sub>
+                                </m:sSub>
+                                <m:sSub>
+                                  <m:sSubPr>
+                                    <m:ctrlPr>
+                                      <a:rPr lang="el-GR" sz="1600" i="1">
+                                        <a:latin typeface="Cambria Math" panose="02040503050406030204" pitchFamily="18" charset="0"/>
+                                        <a:ea typeface="Cambria Math" panose="02040503050406030204" pitchFamily="18" charset="0"/>
+                                      </a:rPr>
+                                    </m:ctrlPr>
+                                  </m:sSubPr>
+                                  <m:e>
+                                    <m:r>
+                                      <a:rPr lang="el-GR" sz="1600" i="1">
+                                        <a:latin typeface="Cambria Math" panose="02040503050406030204" pitchFamily="18" charset="0"/>
+                                        <a:ea typeface="Cambria Math" panose="02040503050406030204" pitchFamily="18" charset="0"/>
+                                      </a:rPr>
+                                      <m:t>𝜔</m:t>
+                                    </m:r>
+                                  </m:e>
+                                  <m:sub>
+                                    <m:r>
+                                      <a:rPr lang="de-DE" sz="1600" i="1">
+                                        <a:latin typeface="Cambria Math" panose="02040503050406030204" pitchFamily="18" charset="0"/>
+                                        <a:ea typeface="Cambria Math" panose="02040503050406030204" pitchFamily="18" charset="0"/>
+                                      </a:rPr>
+                                      <m:t>𝑛</m:t>
+                                    </m:r>
+                                  </m:sub>
+                                </m:sSub>
+                                <m:r>
+                                  <a:rPr lang="de-DE" sz="1600" i="1">
+                                    <a:latin typeface="Cambria Math" panose="02040503050406030204" pitchFamily="18" charset="0"/>
+                                    <a:ea typeface="Cambria Math" panose="02040503050406030204" pitchFamily="18" charset="0"/>
+                                  </a:rPr>
+                                  <m:t>𝑡</m:t>
+                                </m:r>
+                              </m:sup>
+                            </m:sSup>
+                          </m:e>
+                        </m:d>
+                      </m:e>
+                    </m:d>
+                  </m:oMath>
+                </a14:m>
+                <a:r>
+                  <a:rPr lang="de-DE" sz="1600" dirty="0"/>
+                  <a:t>     with     </a:t>
+                </a:r>
+                <a14:m>
+                  <m:oMath xmlns:m="http://schemas.openxmlformats.org/officeDocument/2006/math">
+                    <m:sSub>
+                      <m:sSubPr>
+                        <m:ctrlPr>
+                          <a:rPr lang="de-DE" sz="1600" i="1" smtClean="0">
+                            <a:latin typeface="Cambria Math" panose="02040503050406030204" pitchFamily="18" charset="0"/>
+                          </a:rPr>
+                        </m:ctrlPr>
+                      </m:sSubPr>
+                      <m:e>
+                        <m:r>
+                          <a:rPr lang="de-DE" sz="1600" b="0" i="1" smtClean="0">
+                            <a:latin typeface="Cambria Math" panose="02040503050406030204" pitchFamily="18" charset="0"/>
+                          </a:rPr>
+                          <m:t>𝑠</m:t>
+                        </m:r>
+                      </m:e>
+                      <m:sub>
+                        <m:r>
+                          <a:rPr lang="de-DE" sz="1600" b="0" i="1" smtClean="0">
+                            <a:latin typeface="Cambria Math" panose="02040503050406030204" pitchFamily="18" charset="0"/>
+                          </a:rPr>
+                          <m:t>1,2</m:t>
+                        </m:r>
+                      </m:sub>
+                    </m:sSub>
+                    <m:r>
+                      <a:rPr lang="de-DE" sz="1600" b="0" i="1" smtClean="0">
+                        <a:latin typeface="Cambria Math" panose="02040503050406030204" pitchFamily="18" charset="0"/>
+                      </a:rPr>
+                      <m:t>=</m:t>
+                    </m:r>
+                    <m:r>
+                      <a:rPr lang="el-GR" sz="1600" i="1">
+                        <a:latin typeface="Cambria Math" panose="02040503050406030204" pitchFamily="18" charset="0"/>
+                        <a:ea typeface="Cambria Math" panose="02040503050406030204" pitchFamily="18" charset="0"/>
+                      </a:rPr>
+                      <m:t>𝜁</m:t>
+                    </m:r>
+                    <m:r>
+                      <a:rPr lang="el-GR" sz="1600" i="1">
+                        <a:latin typeface="Cambria Math" panose="02040503050406030204" pitchFamily="18" charset="0"/>
+                        <a:ea typeface="Cambria Math" panose="02040503050406030204" pitchFamily="18" charset="0"/>
+                      </a:rPr>
+                      <m:t>±</m:t>
+                    </m:r>
+                    <m:rad>
+                      <m:radPr>
+                        <m:degHide m:val="on"/>
+                        <m:ctrlPr>
+                          <a:rPr lang="el-GR" sz="1600" i="1">
+                            <a:latin typeface="Cambria Math" panose="02040503050406030204" pitchFamily="18" charset="0"/>
+                            <a:ea typeface="Cambria Math" panose="02040503050406030204" pitchFamily="18" charset="0"/>
+                          </a:rPr>
+                        </m:ctrlPr>
+                      </m:radPr>
+                      <m:deg/>
+                      <m:e>
+                        <m:sSup>
+                          <m:sSupPr>
+                            <m:ctrlPr>
+                              <a:rPr lang="de-DE" sz="1600" i="1">
+                                <a:latin typeface="Cambria Math" panose="02040503050406030204" pitchFamily="18" charset="0"/>
+                                <a:ea typeface="Cambria Math" panose="02040503050406030204" pitchFamily="18" charset="0"/>
+                              </a:rPr>
+                            </m:ctrlPr>
+                          </m:sSupPr>
+                          <m:e>
+                            <m:r>
+                              <a:rPr lang="el-GR" sz="1600" i="1">
+                                <a:latin typeface="Cambria Math" panose="02040503050406030204" pitchFamily="18" charset="0"/>
+                                <a:ea typeface="Cambria Math" panose="02040503050406030204" pitchFamily="18" charset="0"/>
+                              </a:rPr>
+                              <m:t>𝜁</m:t>
+                            </m:r>
+                          </m:e>
+                          <m:sup>
+                            <m:r>
+                              <a:rPr lang="de-DE" sz="1600" i="1">
+                                <a:latin typeface="Cambria Math" panose="02040503050406030204" pitchFamily="18" charset="0"/>
+                                <a:ea typeface="Cambria Math" panose="02040503050406030204" pitchFamily="18" charset="0"/>
+                              </a:rPr>
+                              <m:t>2</m:t>
+                            </m:r>
+                          </m:sup>
+                        </m:sSup>
+                        <m:r>
+                          <a:rPr lang="de-DE" sz="1600" i="1">
+                            <a:latin typeface="Cambria Math" panose="02040503050406030204" pitchFamily="18" charset="0"/>
+                            <a:ea typeface="Cambria Math" panose="02040503050406030204" pitchFamily="18" charset="0"/>
+                          </a:rPr>
+                          <m:t>−1</m:t>
+                        </m:r>
+                      </m:e>
+                    </m:rad>
+                  </m:oMath>
+                </a14:m>
+                <a:endParaRPr lang="de-DE" sz="1600" dirty="0"/>
+              </a:p>
+              <a:p>
+                <a:endParaRPr lang="de-DE" sz="1600" dirty="0"/>
+              </a:p>
+              <a:p>
+                <a:r>
+                  <a:rPr lang="de-DE" sz="1600" dirty="0" err="1"/>
+                  <a:t>Assuming</a:t>
+                </a:r>
+                <a:r>
+                  <a:rPr lang="de-DE" sz="1600" dirty="0"/>
+                  <a:t> </a:t>
+                </a:r>
+                <a14:m>
+                  <m:oMath xmlns:m="http://schemas.openxmlformats.org/officeDocument/2006/math">
+                    <m:sSub>
+                      <m:sSubPr>
+                        <m:ctrlPr>
+                          <a:rPr lang="de-DE" sz="1600" i="1">
+                            <a:latin typeface="Cambria Math" panose="02040503050406030204" pitchFamily="18" charset="0"/>
+                          </a:rPr>
+                        </m:ctrlPr>
+                      </m:sSubPr>
+                      <m:e>
+                        <m:r>
+                          <a:rPr lang="de-DE" sz="1600" i="1">
+                            <a:latin typeface="Cambria Math" panose="02040503050406030204" pitchFamily="18" charset="0"/>
+                          </a:rPr>
+                          <m:t>𝑢</m:t>
+                        </m:r>
+                      </m:e>
+                      <m:sub>
+                        <m:r>
+                          <m:rPr>
+                            <m:sty m:val="p"/>
+                          </m:rPr>
+                          <a:rPr lang="de-DE" sz="1600">
+                            <a:latin typeface="Cambria Math" panose="02040503050406030204" pitchFamily="18" charset="0"/>
+                          </a:rPr>
+                          <m:t>step</m:t>
+                        </m:r>
+                      </m:sub>
+                    </m:sSub>
+                    <m:r>
+                      <a:rPr lang="de-DE" sz="1600" b="0" i="1" smtClean="0">
+                        <a:latin typeface="Cambria Math" panose="02040503050406030204" pitchFamily="18" charset="0"/>
+                      </a:rPr>
+                      <m:t>=1</m:t>
+                    </m:r>
+                  </m:oMath>
+                </a14:m>
+                <a:r>
+                  <a:rPr lang="de-DE" sz="1600" dirty="0"/>
+                  <a:t> and </a:t>
+                </a:r>
+                <a:r>
+                  <a:rPr lang="de-DE" sz="1600" dirty="0" err="1"/>
+                  <a:t>zero</a:t>
+                </a:r>
+                <a:r>
+                  <a:rPr lang="de-DE" sz="1600" dirty="0"/>
+                  <a:t> initial </a:t>
+                </a:r>
+                <a:r>
+                  <a:rPr lang="de-DE" sz="1600" dirty="0" err="1"/>
+                  <a:t>conditions</a:t>
+                </a:r>
+                <a:r>
+                  <a:rPr lang="de-DE" sz="1600" dirty="0"/>
+                  <a:t> </a:t>
+                </a:r>
+                <a14:m>
+                  <m:oMath xmlns:m="http://schemas.openxmlformats.org/officeDocument/2006/math">
+                    <m:r>
+                      <a:rPr lang="de-DE" sz="1600" i="1">
+                        <a:latin typeface="Cambria Math" panose="02040503050406030204" pitchFamily="18" charset="0"/>
+                        <a:ea typeface="Cambria Math" panose="02040503050406030204" pitchFamily="18" charset="0"/>
+                      </a:rPr>
+                      <m:t>𝑦</m:t>
+                    </m:r>
+                    <m:d>
+                      <m:dPr>
+                        <m:ctrlPr>
+                          <a:rPr lang="de-DE" sz="1600" i="1">
+                            <a:latin typeface="Cambria Math" panose="02040503050406030204" pitchFamily="18" charset="0"/>
+                            <a:ea typeface="Cambria Math" panose="02040503050406030204" pitchFamily="18" charset="0"/>
+                          </a:rPr>
+                        </m:ctrlPr>
+                      </m:dPr>
+                      <m:e>
+                        <m:r>
+                          <a:rPr lang="de-DE" sz="1600" b="0" i="1" smtClean="0">
+                            <a:latin typeface="Cambria Math" panose="02040503050406030204" pitchFamily="18" charset="0"/>
+                            <a:ea typeface="Cambria Math" panose="02040503050406030204" pitchFamily="18" charset="0"/>
+                          </a:rPr>
+                          <m:t>0</m:t>
+                        </m:r>
+                      </m:e>
+                    </m:d>
+                    <m:r>
+                      <a:rPr lang="de-DE" sz="1600" b="0" i="1" smtClean="0">
+                        <a:latin typeface="Cambria Math" panose="02040503050406030204" pitchFamily="18" charset="0"/>
+                        <a:ea typeface="Cambria Math" panose="02040503050406030204" pitchFamily="18" charset="0"/>
+                      </a:rPr>
+                      <m:t>=0</m:t>
+                    </m:r>
+                  </m:oMath>
+                </a14:m>
+                <a:r>
+                  <a:rPr lang="de-DE" sz="1600" dirty="0"/>
+                  <a:t>, </a:t>
+                </a:r>
+                <a14:m>
+                  <m:oMath xmlns:m="http://schemas.openxmlformats.org/officeDocument/2006/math">
+                    <m:acc>
+                      <m:accPr>
+                        <m:chr m:val="̇"/>
+                        <m:ctrlPr>
+                          <a:rPr lang="de-DE" sz="1600" i="1">
+                            <a:latin typeface="Cambria Math" panose="02040503050406030204" pitchFamily="18" charset="0"/>
+                          </a:rPr>
+                        </m:ctrlPr>
+                      </m:accPr>
+                      <m:e>
+                        <m:r>
+                          <a:rPr lang="de-DE" sz="1600" i="1">
+                            <a:latin typeface="Cambria Math" panose="02040503050406030204" pitchFamily="18" charset="0"/>
+                          </a:rPr>
+                          <m:t>𝑦</m:t>
+                        </m:r>
+                      </m:e>
+                    </m:acc>
+                    <m:d>
+                      <m:dPr>
+                        <m:ctrlPr>
+                          <a:rPr lang="de-DE" sz="1600" b="0" i="1" smtClean="0">
+                            <a:latin typeface="Cambria Math" panose="02040503050406030204" pitchFamily="18" charset="0"/>
+                          </a:rPr>
+                        </m:ctrlPr>
+                      </m:dPr>
+                      <m:e>
+                        <m:r>
+                          <a:rPr lang="de-DE" sz="1600" b="0" i="1" smtClean="0">
+                            <a:latin typeface="Cambria Math" panose="02040503050406030204" pitchFamily="18" charset="0"/>
+                          </a:rPr>
+                          <m:t>0</m:t>
+                        </m:r>
+                      </m:e>
+                    </m:d>
+                    <m:r>
+                      <a:rPr lang="de-DE" sz="1600" b="0" i="1" smtClean="0">
+                        <a:latin typeface="Cambria Math" panose="02040503050406030204" pitchFamily="18" charset="0"/>
+                      </a:rPr>
+                      <m:t>=0</m:t>
+                    </m:r>
+                  </m:oMath>
+                </a14:m>
+                <a:endParaRPr lang="de-DE" sz="1600" dirty="0"/>
+              </a:p>
+            </p:txBody>
+          </p:sp>
+        </mc:Choice>
+        <mc:Fallback>
+          <p:sp>
+            <p:nvSpPr>
+              <p:cNvPr id="8" name="Textfeld 7">
+                <a:extLst>
+                  <a:ext uri="{FF2B5EF4-FFF2-40B4-BE49-F238E27FC236}">
+                    <a16:creationId xmlns:a16="http://schemas.microsoft.com/office/drawing/2014/main" id="{DBCD5A82-7984-FF84-8C0A-FBE15093C788}"/>
+                  </a:ext>
+                </a:extLst>
+              </p:cNvPr>
+              <p:cNvSpPr txBox="1">
+                <a:spLocks noRot="1" noChangeAspect="1" noMove="1" noResize="1" noEditPoints="1" noAdjustHandles="1" noChangeArrowheads="1" noChangeShapeType="1" noTextEdit="1"/>
+              </p:cNvSpPr>
+              <p:nvPr/>
+            </p:nvSpPr>
+            <p:spPr>
+              <a:xfrm>
+                <a:off x="30333" y="4639059"/>
+                <a:ext cx="7102136" cy="2240870"/>
+              </a:xfrm>
+              <a:prstGeom prst="rect">
+                <a:avLst/>
+              </a:prstGeom>
+              <a:blipFill>
+                <a:blip r:embed="rId5"/>
+                <a:stretch>
+                  <a:fillRect l="-357" b="-1695"/>
+                </a:stretch>
+              </a:blipFill>
+            </p:spPr>
+            <p:txBody>
+              <a:bodyPr/>
+              <a:lstStyle/>
+              <a:p>
+                <a:r>
+                  <a:rPr lang="de-DE">
+                    <a:noFill/>
+                  </a:rPr>
+                  <a:t> </a:t>
+                </a:r>
+              </a:p>
+            </p:txBody>
+          </p:sp>
+        </mc:Fallback>
+      </mc:AlternateContent>
       <p:sp>
         <p:nvSpPr>
-          <p:cNvPr id="7" name="Textfeld 6">
+          <p:cNvPr id="5" name="Textfeld 4">
             <a:extLst>
               <a:ext uri="{FF2B5EF4-FFF2-40B4-BE49-F238E27FC236}">
-                <a16:creationId xmlns:a16="http://schemas.microsoft.com/office/drawing/2014/main" id="{4E3617C7-60E3-4AD5-CB4C-AF5151E922A9}"/>
+                <a16:creationId xmlns:a16="http://schemas.microsoft.com/office/drawing/2014/main" id="{CF56320B-2818-6510-4502-4DB6537AD73D}"/>
               </a:ext>
             </a:extLst>
           </p:cNvPr>
@@ -14321,71 +16234,122 @@
         </p:nvSpPr>
         <p:spPr>
           <a:xfrm>
-            <a:off x="6337917" y="1729955"/>
-            <a:ext cx="5277775" cy="830997"/>
+            <a:off x="4153043" y="5475437"/>
+            <a:ext cx="1522725" cy="369332"/>
           </a:xfrm>
           <a:prstGeom prst="rect">
             <a:avLst/>
           </a:prstGeom>
           <a:noFill/>
+          <a:ln>
+            <a:solidFill>
+              <a:schemeClr val="tx1"/>
+            </a:solidFill>
+          </a:ln>
         </p:spPr>
         <p:txBody>
-          <a:bodyPr wrap="square">
+          <a:bodyPr wrap="none" rtlCol="0">
             <a:spAutoFit/>
           </a:bodyPr>
           <a:lstStyle/>
           <a:p>
             <a:r>
-              <a:rPr lang="de-DE" sz="2400" dirty="0" err="1"/>
-              <a:t>Underdamped</a:t>
-            </a:r>
-            <a:r>
-              <a:rPr lang="de-DE" sz="2400" dirty="0"/>
-              <a:t>, </a:t>
-            </a:r>
-            <a:r>
-              <a:rPr lang="de-DE" sz="2400" dirty="0" err="1"/>
-              <a:t>critically</a:t>
-            </a:r>
-            <a:r>
-              <a:rPr lang="de-DE" sz="2400" dirty="0"/>
+              <a:rPr lang="de-DE" dirty="0" err="1"/>
+              <a:t>no</a:t>
+            </a:r>
+            <a:r>
+              <a:rPr lang="de-DE" dirty="0"/>
               <a:t> </a:t>
             </a:r>
             <a:r>
-              <a:rPr lang="de-DE" sz="2400" dirty="0" err="1"/>
-              <a:t>damped</a:t>
-            </a:r>
-            <a:r>
-              <a:rPr lang="de-DE" sz="2400" dirty="0"/>
-              <a:t>, and </a:t>
-            </a:r>
-            <a:r>
-              <a:rPr lang="de-DE" sz="2400" dirty="0" err="1"/>
-              <a:t>overdamped</a:t>
-            </a:r>
-            <a:r>
-              <a:rPr lang="de-DE" sz="2400" dirty="0"/>
-              <a:t> </a:t>
-            </a:r>
-            <a:r>
-              <a:rPr lang="de-DE" sz="2400" dirty="0" err="1"/>
-              <a:t>step</a:t>
-            </a:r>
-            <a:r>
-              <a:rPr lang="de-DE" sz="2400" dirty="0"/>
-              <a:t> </a:t>
-            </a:r>
-            <a:r>
-              <a:rPr lang="de-DE" sz="2400" dirty="0" err="1"/>
-              <a:t>response</a:t>
-            </a:r>
-            <a:r>
-              <a:rPr lang="de-DE" sz="2400" dirty="0"/>
-              <a:t>:</a:t>
-            </a:r>
+              <a:rPr lang="de-DE" dirty="0" err="1"/>
+              <a:t>oscillation</a:t>
+            </a:r>
+            <a:endParaRPr lang="de-DE" dirty="0"/>
           </a:p>
         </p:txBody>
       </p:sp>
+      <p:cxnSp>
+        <p:nvCxnSpPr>
+          <p:cNvPr id="10" name="Gerade Verbindung mit Pfeil 9">
+            <a:extLst>
+              <a:ext uri="{FF2B5EF4-FFF2-40B4-BE49-F238E27FC236}">
+                <a16:creationId xmlns:a16="http://schemas.microsoft.com/office/drawing/2014/main" id="{0974902D-0B13-21ED-2E40-27086FB6CC48}"/>
+              </a:ext>
+            </a:extLst>
+          </p:cNvPr>
+          <p:cNvCxnSpPr>
+            <a:cxnSpLocks/>
+            <a:stCxn id="5" idx="1"/>
+          </p:cNvCxnSpPr>
+          <p:nvPr/>
+        </p:nvCxnSpPr>
+        <p:spPr>
+          <a:xfrm flipH="1">
+            <a:off x="3488635" y="5660103"/>
+            <a:ext cx="664408" cy="0"/>
+          </a:xfrm>
+          <a:prstGeom prst="straightConnector1">
+            <a:avLst/>
+          </a:prstGeom>
+          <a:ln>
+            <a:tailEnd type="triangle"/>
+          </a:ln>
+        </p:spPr>
+        <p:style>
+          <a:lnRef idx="2">
+            <a:schemeClr val="accent1"/>
+          </a:lnRef>
+          <a:fillRef idx="0">
+            <a:schemeClr val="accent1"/>
+          </a:fillRef>
+          <a:effectRef idx="1">
+            <a:schemeClr val="accent1"/>
+          </a:effectRef>
+          <a:fontRef idx="minor">
+            <a:schemeClr val="tx1"/>
+          </a:fontRef>
+        </p:style>
+      </p:cxnSp>
+      <p:cxnSp>
+        <p:nvCxnSpPr>
+          <p:cNvPr id="14" name="Gerade Verbindung mit Pfeil 13">
+            <a:extLst>
+              <a:ext uri="{FF2B5EF4-FFF2-40B4-BE49-F238E27FC236}">
+                <a16:creationId xmlns:a16="http://schemas.microsoft.com/office/drawing/2014/main" id="{BD753C17-B5A5-B9A8-2DB6-46EBC27E8D89}"/>
+              </a:ext>
+            </a:extLst>
+          </p:cNvPr>
+          <p:cNvCxnSpPr/>
+          <p:nvPr/>
+        </p:nvCxnSpPr>
+        <p:spPr>
+          <a:xfrm flipH="1">
+            <a:off x="3820839" y="5660103"/>
+            <a:ext cx="332204" cy="293436"/>
+          </a:xfrm>
+          <a:prstGeom prst="straightConnector1">
+            <a:avLst/>
+          </a:prstGeom>
+          <a:ln>
+            <a:tailEnd type="triangle"/>
+          </a:ln>
+        </p:spPr>
+        <p:style>
+          <a:lnRef idx="2">
+            <a:schemeClr val="accent1"/>
+          </a:lnRef>
+          <a:fillRef idx="0">
+            <a:schemeClr val="accent1"/>
+          </a:fillRef>
+          <a:effectRef idx="1">
+            <a:schemeClr val="accent1"/>
+          </a:effectRef>
+          <a:fontRef idx="minor">
+            <a:schemeClr val="tx1"/>
+          </a:fontRef>
+        </p:style>
+      </p:cxnSp>
     </p:spTree>
     <p:extLst>
       <p:ext uri="{BB962C8B-B14F-4D97-AF65-F5344CB8AC3E}">
@@ -14740,31 +16704,702 @@
           </a:p>
         </p:txBody>
       </p:sp>
-      <p:sp>
-        <p:nvSpPr>
-          <p:cNvPr id="3" name="Inhaltsplatzhalter 2">
-            <a:extLst>
-              <a:ext uri="{FF2B5EF4-FFF2-40B4-BE49-F238E27FC236}">
-                <a16:creationId xmlns:a16="http://schemas.microsoft.com/office/drawing/2014/main" id="{66BDF905-D4E7-24F3-FF16-09404FF0591E}"/>
-              </a:ext>
-            </a:extLst>
-          </p:cNvPr>
-          <p:cNvSpPr>
-            <a:spLocks noGrp="1"/>
-          </p:cNvSpPr>
-          <p:nvPr>
-            <p:ph idx="1"/>
-          </p:nvPr>
-        </p:nvSpPr>
-        <p:spPr/>
-        <p:txBody>
-          <a:bodyPr/>
-          <a:lstStyle/>
-          <a:p>
-            <a:endParaRPr lang="de-DE"/>
-          </a:p>
-        </p:txBody>
-      </p:sp>
+      <mc:AlternateContent xmlns:mc="http://schemas.openxmlformats.org/markup-compatibility/2006" xmlns:a14="http://schemas.microsoft.com/office/drawing/2010/main">
+        <mc:Choice Requires="a14">
+          <p:sp>
+            <p:nvSpPr>
+              <p:cNvPr id="3" name="Inhaltsplatzhalter 2">
+                <a:extLst>
+                  <a:ext uri="{FF2B5EF4-FFF2-40B4-BE49-F238E27FC236}">
+                    <a16:creationId xmlns:a16="http://schemas.microsoft.com/office/drawing/2014/main" id="{66BDF905-D4E7-24F3-FF16-09404FF0591E}"/>
+                  </a:ext>
+                </a:extLst>
+              </p:cNvPr>
+              <p:cNvSpPr>
+                <a:spLocks noGrp="1"/>
+              </p:cNvSpPr>
+              <p:nvPr>
+                <p:ph idx="1"/>
+              </p:nvPr>
+            </p:nvSpPr>
+            <p:spPr>
+              <a:xfrm>
+                <a:off x="838199" y="1825625"/>
+                <a:ext cx="4513143" cy="4351338"/>
+              </a:xfrm>
+            </p:spPr>
+            <p:txBody>
+              <a:bodyPr>
+                <a:normAutofit fontScale="85000" lnSpcReduction="20000"/>
+              </a:bodyPr>
+              <a:lstStyle/>
+              <a:p>
+                <a:pPr marL="0" indent="0">
+                  <a:buNone/>
+                </a:pPr>
+                <a14:m>
+                  <m:oMathPara xmlns:m="http://schemas.openxmlformats.org/officeDocument/2006/math">
+                    <m:oMathParaPr>
+                      <m:jc m:val="left"/>
+                    </m:oMathParaPr>
+                    <m:oMath xmlns:m="http://schemas.openxmlformats.org/officeDocument/2006/math">
+                      <m:r>
+                        <a:rPr lang="de-DE" i="1" smtClean="0">
+                          <a:latin typeface="Cambria Math" panose="02040503050406030204" pitchFamily="18" charset="0"/>
+                        </a:rPr>
+                        <m:t>𝑚</m:t>
+                      </m:r>
+                      <m:acc>
+                        <m:accPr>
+                          <m:chr m:val="̈"/>
+                          <m:ctrlPr>
+                            <a:rPr lang="de-DE" i="1">
+                              <a:latin typeface="Cambria Math" panose="02040503050406030204" pitchFamily="18" charset="0"/>
+                            </a:rPr>
+                          </m:ctrlPr>
+                        </m:accPr>
+                        <m:e>
+                          <m:r>
+                            <a:rPr lang="de-DE" i="1">
+                              <a:latin typeface="Cambria Math" panose="02040503050406030204" pitchFamily="18" charset="0"/>
+                            </a:rPr>
+                            <m:t>𝑥</m:t>
+                          </m:r>
+                        </m:e>
+                      </m:acc>
+                      <m:r>
+                        <a:rPr lang="de-DE" i="1">
+                          <a:latin typeface="Cambria Math" panose="02040503050406030204" pitchFamily="18" charset="0"/>
+                        </a:rPr>
+                        <m:t>+</m:t>
+                      </m:r>
+                      <m:r>
+                        <a:rPr lang="de-DE" i="1">
+                          <a:latin typeface="Cambria Math" panose="02040503050406030204" pitchFamily="18" charset="0"/>
+                          <a:ea typeface="Cambria Math" panose="02040503050406030204" pitchFamily="18" charset="0"/>
+                        </a:rPr>
+                        <m:t>𝜇</m:t>
+                      </m:r>
+                      <m:acc>
+                        <m:accPr>
+                          <m:chr m:val="̇"/>
+                          <m:ctrlPr>
+                            <a:rPr lang="de-DE" i="1">
+                              <a:latin typeface="Cambria Math" panose="02040503050406030204" pitchFamily="18" charset="0"/>
+                            </a:rPr>
+                          </m:ctrlPr>
+                        </m:accPr>
+                        <m:e>
+                          <m:r>
+                            <a:rPr lang="de-DE" i="1">
+                              <a:latin typeface="Cambria Math" panose="02040503050406030204" pitchFamily="18" charset="0"/>
+                            </a:rPr>
+                            <m:t>𝑥</m:t>
+                          </m:r>
+                        </m:e>
+                      </m:acc>
+                      <m:r>
+                        <a:rPr lang="de-DE" i="1">
+                          <a:latin typeface="Cambria Math" panose="02040503050406030204" pitchFamily="18" charset="0"/>
+                        </a:rPr>
+                        <m:t>+</m:t>
+                      </m:r>
+                      <m:r>
+                        <a:rPr lang="de-DE" i="1">
+                          <a:latin typeface="Cambria Math" panose="02040503050406030204" pitchFamily="18" charset="0"/>
+                        </a:rPr>
+                        <m:t>𝑘𝑥</m:t>
+                      </m:r>
+                      <m:r>
+                        <a:rPr lang="de-DE" i="1">
+                          <a:latin typeface="Cambria Math" panose="02040503050406030204" pitchFamily="18" charset="0"/>
+                        </a:rPr>
+                        <m:t>=</m:t>
+                      </m:r>
+                      <m:r>
+                        <a:rPr lang="de-DE" i="1">
+                          <a:latin typeface="Cambria Math" panose="02040503050406030204" pitchFamily="18" charset="0"/>
+                        </a:rPr>
+                        <m:t>𝐹</m:t>
+                      </m:r>
+                      <m:r>
+                        <a:rPr lang="de-DE" i="1">
+                          <a:latin typeface="Cambria Math" panose="02040503050406030204" pitchFamily="18" charset="0"/>
+                        </a:rPr>
+                        <m:t>(</m:t>
+                      </m:r>
+                      <m:r>
+                        <a:rPr lang="de-DE" i="1">
+                          <a:latin typeface="Cambria Math" panose="02040503050406030204" pitchFamily="18" charset="0"/>
+                        </a:rPr>
+                        <m:t>𝑡</m:t>
+                      </m:r>
+                      <m:r>
+                        <a:rPr lang="de-DE" i="1">
+                          <a:latin typeface="Cambria Math" panose="02040503050406030204" pitchFamily="18" charset="0"/>
+                        </a:rPr>
+                        <m:t>)</m:t>
+                      </m:r>
+                    </m:oMath>
+                  </m:oMathPara>
+                </a14:m>
+                <a:endParaRPr lang="de-DE" dirty="0">
+                  <a:ea typeface="Cambria Math" panose="02040503050406030204" pitchFamily="18" charset="0"/>
+                </a:endParaRPr>
+              </a:p>
+              <a:p>
+                <a:pPr marL="0" indent="0">
+                  <a:buNone/>
+                </a:pPr>
+                <a:endParaRPr lang="de-DE" i="1" dirty="0">
+                  <a:latin typeface="Cambria Math" panose="02040503050406030204" pitchFamily="18" charset="0"/>
+                  <a:ea typeface="Cambria Math" panose="02040503050406030204" pitchFamily="18" charset="0"/>
+                </a:endParaRPr>
+              </a:p>
+              <a:p>
+                <a:pPr marL="0" indent="0">
+                  <a:buNone/>
+                </a:pPr>
+                <a14:m>
+                  <m:oMath xmlns:m="http://schemas.openxmlformats.org/officeDocument/2006/math">
+                    <m:sSub>
+                      <m:sSubPr>
+                        <m:ctrlPr>
+                          <a:rPr lang="el-GR" i="1">
+                            <a:latin typeface="Cambria Math" panose="02040503050406030204" pitchFamily="18" charset="0"/>
+                            <a:ea typeface="Cambria Math" panose="02040503050406030204" pitchFamily="18" charset="0"/>
+                          </a:rPr>
+                        </m:ctrlPr>
+                      </m:sSubPr>
+                      <m:e>
+                        <m:r>
+                          <a:rPr lang="el-GR" i="1">
+                            <a:latin typeface="Cambria Math" panose="02040503050406030204" pitchFamily="18" charset="0"/>
+                            <a:ea typeface="Cambria Math" panose="02040503050406030204" pitchFamily="18" charset="0"/>
+                          </a:rPr>
+                          <m:t>𝜔</m:t>
+                        </m:r>
+                      </m:e>
+                      <m:sub>
+                        <m:r>
+                          <a:rPr lang="de-DE" i="1">
+                            <a:latin typeface="Cambria Math" panose="02040503050406030204" pitchFamily="18" charset="0"/>
+                            <a:ea typeface="Cambria Math" panose="02040503050406030204" pitchFamily="18" charset="0"/>
+                          </a:rPr>
+                          <m:t>𝑛</m:t>
+                        </m:r>
+                      </m:sub>
+                    </m:sSub>
+                    <m:r>
+                      <a:rPr lang="de-DE" b="0" i="1" smtClean="0">
+                        <a:latin typeface="Cambria Math" panose="02040503050406030204" pitchFamily="18" charset="0"/>
+                        <a:ea typeface="Cambria Math" panose="02040503050406030204" pitchFamily="18" charset="0"/>
+                      </a:rPr>
+                      <m:t>=</m:t>
+                    </m:r>
+                    <m:rad>
+                      <m:radPr>
+                        <m:degHide m:val="on"/>
+                        <m:ctrlPr>
+                          <a:rPr lang="de-DE" b="0" i="1" smtClean="0">
+                            <a:latin typeface="Cambria Math" panose="02040503050406030204" pitchFamily="18" charset="0"/>
+                            <a:ea typeface="Cambria Math" panose="02040503050406030204" pitchFamily="18" charset="0"/>
+                          </a:rPr>
+                        </m:ctrlPr>
+                      </m:radPr>
+                      <m:deg/>
+                      <m:e>
+                        <m:f>
+                          <m:fPr>
+                            <m:ctrlPr>
+                              <a:rPr lang="de-DE" b="0" i="1" smtClean="0">
+                                <a:latin typeface="Cambria Math" panose="02040503050406030204" pitchFamily="18" charset="0"/>
+                                <a:ea typeface="Cambria Math" panose="02040503050406030204" pitchFamily="18" charset="0"/>
+                              </a:rPr>
+                            </m:ctrlPr>
+                          </m:fPr>
+                          <m:num>
+                            <m:r>
+                              <a:rPr lang="de-DE" b="0" i="1" smtClean="0">
+                                <a:latin typeface="Cambria Math" panose="02040503050406030204" pitchFamily="18" charset="0"/>
+                                <a:ea typeface="Cambria Math" panose="02040503050406030204" pitchFamily="18" charset="0"/>
+                              </a:rPr>
+                              <m:t>𝑘</m:t>
+                            </m:r>
+                          </m:num>
+                          <m:den>
+                            <m:r>
+                              <a:rPr lang="de-DE" b="0" i="1" smtClean="0">
+                                <a:latin typeface="Cambria Math" panose="02040503050406030204" pitchFamily="18" charset="0"/>
+                                <a:ea typeface="Cambria Math" panose="02040503050406030204" pitchFamily="18" charset="0"/>
+                              </a:rPr>
+                              <m:t>𝑚</m:t>
+                            </m:r>
+                          </m:den>
+                        </m:f>
+                      </m:e>
+                    </m:rad>
+                  </m:oMath>
+                </a14:m>
+                <a:r>
+                  <a:rPr lang="de-DE" b="0" i="1" dirty="0">
+                    <a:latin typeface="Cambria Math" panose="02040503050406030204" pitchFamily="18" charset="0"/>
+                    <a:ea typeface="Cambria Math" panose="02040503050406030204" pitchFamily="18" charset="0"/>
+                  </a:rPr>
+                  <a:t>	</a:t>
+                </a:r>
+              </a:p>
+              <a:p>
+                <a:pPr marL="0" indent="0">
+                  <a:buNone/>
+                </a:pPr>
+                <a:endParaRPr lang="de-DE" i="1" dirty="0">
+                  <a:latin typeface="Cambria Math" panose="02040503050406030204" pitchFamily="18" charset="0"/>
+                  <a:ea typeface="Cambria Math" panose="02040503050406030204" pitchFamily="18" charset="0"/>
+                </a:endParaRPr>
+              </a:p>
+              <a:p>
+                <a:pPr marL="0" indent="0">
+                  <a:buNone/>
+                </a:pPr>
+                <a14:m>
+                  <m:oMath xmlns:m="http://schemas.openxmlformats.org/officeDocument/2006/math">
+                    <m:r>
+                      <a:rPr lang="el-GR" i="1">
+                        <a:latin typeface="Cambria Math" panose="02040503050406030204" pitchFamily="18" charset="0"/>
+                        <a:ea typeface="Cambria Math" panose="02040503050406030204" pitchFamily="18" charset="0"/>
+                      </a:rPr>
+                      <m:t>𝜁</m:t>
+                    </m:r>
+                    <m:r>
+                      <a:rPr lang="de-DE" b="0" i="1" smtClean="0">
+                        <a:latin typeface="Cambria Math" panose="02040503050406030204" pitchFamily="18" charset="0"/>
+                        <a:ea typeface="Cambria Math" panose="02040503050406030204" pitchFamily="18" charset="0"/>
+                      </a:rPr>
+                      <m:t>=</m:t>
+                    </m:r>
+                    <m:f>
+                      <m:fPr>
+                        <m:ctrlPr>
+                          <a:rPr lang="de-DE" b="0" i="1" smtClean="0">
+                            <a:latin typeface="Cambria Math" panose="02040503050406030204" pitchFamily="18" charset="0"/>
+                            <a:ea typeface="Cambria Math" panose="02040503050406030204" pitchFamily="18" charset="0"/>
+                          </a:rPr>
+                        </m:ctrlPr>
+                      </m:fPr>
+                      <m:num>
+                        <m:r>
+                          <a:rPr lang="de-DE" i="1">
+                            <a:latin typeface="Cambria Math" panose="02040503050406030204" pitchFamily="18" charset="0"/>
+                            <a:ea typeface="Cambria Math" panose="02040503050406030204" pitchFamily="18" charset="0"/>
+                          </a:rPr>
+                          <m:t>𝜇</m:t>
+                        </m:r>
+                      </m:num>
+                      <m:den>
+                        <m:r>
+                          <a:rPr lang="de-DE" b="0" i="1" smtClean="0">
+                            <a:latin typeface="Cambria Math" panose="02040503050406030204" pitchFamily="18" charset="0"/>
+                            <a:ea typeface="Cambria Math" panose="02040503050406030204" pitchFamily="18" charset="0"/>
+                          </a:rPr>
+                          <m:t>2</m:t>
+                        </m:r>
+                        <m:r>
+                          <a:rPr lang="de-DE" b="0" i="1" smtClean="0">
+                            <a:latin typeface="Cambria Math" panose="02040503050406030204" pitchFamily="18" charset="0"/>
+                            <a:ea typeface="Cambria Math" panose="02040503050406030204" pitchFamily="18" charset="0"/>
+                          </a:rPr>
+                          <m:t>𝑚</m:t>
+                        </m:r>
+                        <m:sSub>
+                          <m:sSubPr>
+                            <m:ctrlPr>
+                              <a:rPr lang="el-GR" i="1">
+                                <a:latin typeface="Cambria Math" panose="02040503050406030204" pitchFamily="18" charset="0"/>
+                                <a:ea typeface="Cambria Math" panose="02040503050406030204" pitchFamily="18" charset="0"/>
+                              </a:rPr>
+                            </m:ctrlPr>
+                          </m:sSubPr>
+                          <m:e>
+                            <m:r>
+                              <a:rPr lang="el-GR" i="1">
+                                <a:latin typeface="Cambria Math" panose="02040503050406030204" pitchFamily="18" charset="0"/>
+                                <a:ea typeface="Cambria Math" panose="02040503050406030204" pitchFamily="18" charset="0"/>
+                              </a:rPr>
+                              <m:t>𝜔</m:t>
+                            </m:r>
+                          </m:e>
+                          <m:sub>
+                            <m:r>
+                              <a:rPr lang="de-DE" i="1">
+                                <a:latin typeface="Cambria Math" panose="02040503050406030204" pitchFamily="18" charset="0"/>
+                                <a:ea typeface="Cambria Math" panose="02040503050406030204" pitchFamily="18" charset="0"/>
+                              </a:rPr>
+                              <m:t>𝑛</m:t>
+                            </m:r>
+                          </m:sub>
+                        </m:sSub>
+                      </m:den>
+                    </m:f>
+                    <m:r>
+                      <a:rPr lang="de-DE" b="0" i="1" smtClean="0">
+                        <a:latin typeface="Cambria Math" panose="02040503050406030204" pitchFamily="18" charset="0"/>
+                        <a:ea typeface="Cambria Math" panose="02040503050406030204" pitchFamily="18" charset="0"/>
+                      </a:rPr>
+                      <m:t>=</m:t>
+                    </m:r>
+                    <m:f>
+                      <m:fPr>
+                        <m:ctrlPr>
+                          <a:rPr lang="de-DE" b="0" i="1" smtClean="0">
+                            <a:latin typeface="Cambria Math" panose="02040503050406030204" pitchFamily="18" charset="0"/>
+                            <a:ea typeface="Cambria Math" panose="02040503050406030204" pitchFamily="18" charset="0"/>
+                          </a:rPr>
+                        </m:ctrlPr>
+                      </m:fPr>
+                      <m:num>
+                        <m:r>
+                          <a:rPr lang="de-DE" i="1">
+                            <a:latin typeface="Cambria Math" panose="02040503050406030204" pitchFamily="18" charset="0"/>
+                            <a:ea typeface="Cambria Math" panose="02040503050406030204" pitchFamily="18" charset="0"/>
+                          </a:rPr>
+                          <m:t>𝜇</m:t>
+                        </m:r>
+                      </m:num>
+                      <m:den>
+                        <m:r>
+                          <a:rPr lang="de-DE" b="0" i="1" smtClean="0">
+                            <a:latin typeface="Cambria Math" panose="02040503050406030204" pitchFamily="18" charset="0"/>
+                            <a:ea typeface="Cambria Math" panose="02040503050406030204" pitchFamily="18" charset="0"/>
+                          </a:rPr>
+                          <m:t>2</m:t>
+                        </m:r>
+                        <m:rad>
+                          <m:radPr>
+                            <m:degHide m:val="on"/>
+                            <m:ctrlPr>
+                              <a:rPr lang="de-DE" b="0" i="1" smtClean="0">
+                                <a:latin typeface="Cambria Math" panose="02040503050406030204" pitchFamily="18" charset="0"/>
+                                <a:ea typeface="Cambria Math" panose="02040503050406030204" pitchFamily="18" charset="0"/>
+                              </a:rPr>
+                            </m:ctrlPr>
+                          </m:radPr>
+                          <m:deg/>
+                          <m:e>
+                            <m:r>
+                              <a:rPr lang="de-DE" b="0" i="1" smtClean="0">
+                                <a:latin typeface="Cambria Math" panose="02040503050406030204" pitchFamily="18" charset="0"/>
+                                <a:ea typeface="Cambria Math" panose="02040503050406030204" pitchFamily="18" charset="0"/>
+                              </a:rPr>
+                              <m:t>𝑘𝑚</m:t>
+                            </m:r>
+                          </m:e>
+                        </m:rad>
+                      </m:den>
+                    </m:f>
+                  </m:oMath>
+                </a14:m>
+                <a:r>
+                  <a:rPr lang="de-DE" dirty="0"/>
+                  <a:t>	</a:t>
+                </a:r>
+              </a:p>
+              <a:p>
+                <a:pPr marL="0" indent="0">
+                  <a:buNone/>
+                </a:pPr>
+                <a:endParaRPr lang="de-DE" dirty="0"/>
+              </a:p>
+              <a:p>
+                <a:pPr marL="0" indent="0">
+                  <a:buNone/>
+                </a:pPr>
+                <a:r>
+                  <a:rPr lang="de-DE" dirty="0"/>
+                  <a:t>At </a:t>
+                </a:r>
+                <a:r>
+                  <a:rPr lang="de-DE" dirty="0" err="1"/>
+                  <a:t>steady</a:t>
+                </a:r>
+                <a:r>
+                  <a:rPr lang="de-DE" dirty="0"/>
+                  <a:t> </a:t>
+                </a:r>
+                <a:r>
+                  <a:rPr lang="de-DE" dirty="0" err="1"/>
+                  <a:t>state</a:t>
+                </a:r>
+                <a:r>
+                  <a:rPr lang="de-DE" dirty="0"/>
+                  <a:t>:</a:t>
+                </a:r>
+              </a:p>
+              <a:p>
+                <a:pPr marL="0" indent="0">
+                  <a:buNone/>
+                </a:pPr>
+                <a14:m>
+                  <m:oMath xmlns:m="http://schemas.openxmlformats.org/officeDocument/2006/math">
+                    <m:acc>
+                      <m:accPr>
+                        <m:chr m:val="̈"/>
+                        <m:ctrlPr>
+                          <a:rPr lang="de-DE" i="1">
+                            <a:latin typeface="Cambria Math" panose="02040503050406030204" pitchFamily="18" charset="0"/>
+                          </a:rPr>
+                        </m:ctrlPr>
+                      </m:accPr>
+                      <m:e>
+                        <m:r>
+                          <a:rPr lang="de-DE" i="1">
+                            <a:latin typeface="Cambria Math" panose="02040503050406030204" pitchFamily="18" charset="0"/>
+                          </a:rPr>
+                          <m:t>𝑥</m:t>
+                        </m:r>
+                      </m:e>
+                    </m:acc>
+                    <m:r>
+                      <a:rPr lang="de-DE" b="0" i="1" smtClean="0">
+                        <a:latin typeface="Cambria Math" panose="02040503050406030204" pitchFamily="18" charset="0"/>
+                      </a:rPr>
+                      <m:t>=0, </m:t>
+                    </m:r>
+                    <m:acc>
+                      <m:accPr>
+                        <m:chr m:val="̇"/>
+                        <m:ctrlPr>
+                          <a:rPr lang="de-DE" i="1">
+                            <a:latin typeface="Cambria Math" panose="02040503050406030204" pitchFamily="18" charset="0"/>
+                          </a:rPr>
+                        </m:ctrlPr>
+                      </m:accPr>
+                      <m:e>
+                        <m:r>
+                          <a:rPr lang="de-DE" i="1">
+                            <a:latin typeface="Cambria Math" panose="02040503050406030204" pitchFamily="18" charset="0"/>
+                          </a:rPr>
+                          <m:t>𝑥</m:t>
+                        </m:r>
+                      </m:e>
+                    </m:acc>
+                    <m:r>
+                      <a:rPr lang="de-DE" b="0" i="1" smtClean="0">
+                        <a:latin typeface="Cambria Math" panose="02040503050406030204" pitchFamily="18" charset="0"/>
+                      </a:rPr>
+                      <m:t>=0</m:t>
+                    </m:r>
+                    <m:r>
+                      <a:rPr lang="de-DE" i="1" smtClean="0">
+                        <a:latin typeface="Cambria Math" panose="02040503050406030204" pitchFamily="18" charset="0"/>
+                        <a:ea typeface="Cambria Math" panose="02040503050406030204" pitchFamily="18" charset="0"/>
+                      </a:rPr>
+                      <m:t>⟹</m:t>
+                    </m:r>
+                    <m:r>
+                      <a:rPr lang="de-DE" i="1">
+                        <a:latin typeface="Cambria Math" panose="02040503050406030204" pitchFamily="18" charset="0"/>
+                      </a:rPr>
+                      <m:t>𝑘𝑥</m:t>
+                    </m:r>
+                    <m:r>
+                      <a:rPr lang="de-DE" b="0" i="1" smtClean="0">
+                        <a:latin typeface="Cambria Math" panose="02040503050406030204" pitchFamily="18" charset="0"/>
+                      </a:rPr>
+                      <m:t>(</m:t>
+                    </m:r>
+                    <m:r>
+                      <a:rPr lang="de-DE" b="0" i="1" smtClean="0">
+                        <a:latin typeface="Cambria Math" panose="02040503050406030204" pitchFamily="18" charset="0"/>
+                        <a:ea typeface="Cambria Math" panose="02040503050406030204" pitchFamily="18" charset="0"/>
+                      </a:rPr>
+                      <m:t>∞</m:t>
+                    </m:r>
+                    <m:r>
+                      <a:rPr lang="de-DE" b="0" i="1" smtClean="0">
+                        <a:latin typeface="Cambria Math" panose="02040503050406030204" pitchFamily="18" charset="0"/>
+                      </a:rPr>
+                      <m:t>)</m:t>
+                    </m:r>
+                    <m:r>
+                      <a:rPr lang="de-DE" i="1">
+                        <a:latin typeface="Cambria Math" panose="02040503050406030204" pitchFamily="18" charset="0"/>
+                      </a:rPr>
+                      <m:t>=</m:t>
+                    </m:r>
+                    <m:r>
+                      <a:rPr lang="de-DE" i="1">
+                        <a:latin typeface="Cambria Math" panose="02040503050406030204" pitchFamily="18" charset="0"/>
+                      </a:rPr>
+                      <m:t>𝐹</m:t>
+                    </m:r>
+                    <m:r>
+                      <a:rPr lang="de-DE" i="1">
+                        <a:latin typeface="Cambria Math" panose="02040503050406030204" pitchFamily="18" charset="0"/>
+                      </a:rPr>
+                      <m:t>(∞)</m:t>
+                    </m:r>
+                  </m:oMath>
+                </a14:m>
+                <a:r>
+                  <a:rPr lang="de-DE" b="0" i="1" dirty="0">
+                    <a:latin typeface="Cambria Math" panose="02040503050406030204" pitchFamily="18" charset="0"/>
+                  </a:rPr>
+                  <a:t>	</a:t>
+                </a:r>
+              </a:p>
+              <a:p>
+                <a:pPr marL="0" indent="0">
+                  <a:buNone/>
+                </a:pPr>
+                <a14:m>
+                  <m:oMath xmlns:m="http://schemas.openxmlformats.org/officeDocument/2006/math">
+                    <m:r>
+                      <a:rPr lang="de-DE" b="0" i="1" smtClean="0">
+                        <a:latin typeface="Cambria Math" panose="02040503050406030204" pitchFamily="18" charset="0"/>
+                      </a:rPr>
+                      <m:t>𝐾</m:t>
+                    </m:r>
+                    <m:r>
+                      <a:rPr lang="de-DE" b="0" i="1" smtClean="0">
+                        <a:latin typeface="Cambria Math" panose="02040503050406030204" pitchFamily="18" charset="0"/>
+                      </a:rPr>
+                      <m:t>=</m:t>
+                    </m:r>
+                    <m:f>
+                      <m:fPr>
+                        <m:ctrlPr>
+                          <a:rPr lang="de-DE" b="0" i="1" smtClean="0">
+                            <a:latin typeface="Cambria Math" panose="02040503050406030204" pitchFamily="18" charset="0"/>
+                          </a:rPr>
+                        </m:ctrlPr>
+                      </m:fPr>
+                      <m:num>
+                        <m:r>
+                          <a:rPr lang="de-DE" i="1">
+                            <a:latin typeface="Cambria Math" panose="02040503050406030204" pitchFamily="18" charset="0"/>
+                          </a:rPr>
+                          <m:t>𝑥</m:t>
+                        </m:r>
+                        <m:r>
+                          <a:rPr lang="de-DE" i="1">
+                            <a:latin typeface="Cambria Math" panose="02040503050406030204" pitchFamily="18" charset="0"/>
+                          </a:rPr>
+                          <m:t>(∞)</m:t>
+                        </m:r>
+                      </m:num>
+                      <m:den>
+                        <m:r>
+                          <a:rPr lang="de-DE" i="1">
+                            <a:latin typeface="Cambria Math" panose="02040503050406030204" pitchFamily="18" charset="0"/>
+                          </a:rPr>
+                          <m:t>𝐹</m:t>
+                        </m:r>
+                        <m:r>
+                          <a:rPr lang="de-DE" i="1">
+                            <a:latin typeface="Cambria Math" panose="02040503050406030204" pitchFamily="18" charset="0"/>
+                          </a:rPr>
+                          <m:t>(∞)</m:t>
+                        </m:r>
+                      </m:den>
+                    </m:f>
+                    <m:r>
+                      <a:rPr lang="de-DE" b="0" i="1" smtClean="0">
+                        <a:latin typeface="Cambria Math" panose="02040503050406030204" pitchFamily="18" charset="0"/>
+                      </a:rPr>
+                      <m:t>=</m:t>
+                    </m:r>
+                    <m:f>
+                      <m:fPr>
+                        <m:ctrlPr>
+                          <a:rPr lang="de-DE" b="0" i="1" smtClean="0">
+                            <a:latin typeface="Cambria Math" panose="02040503050406030204" pitchFamily="18" charset="0"/>
+                          </a:rPr>
+                        </m:ctrlPr>
+                      </m:fPr>
+                      <m:num>
+                        <m:r>
+                          <a:rPr lang="de-DE" b="0" i="1" smtClean="0">
+                            <a:latin typeface="Cambria Math" panose="02040503050406030204" pitchFamily="18" charset="0"/>
+                          </a:rPr>
+                          <m:t>1</m:t>
+                        </m:r>
+                      </m:num>
+                      <m:den>
+                        <m:r>
+                          <a:rPr lang="de-DE" b="0" i="1" smtClean="0">
+                            <a:latin typeface="Cambria Math" panose="02040503050406030204" pitchFamily="18" charset="0"/>
+                          </a:rPr>
+                          <m:t>𝑘</m:t>
+                        </m:r>
+                      </m:den>
+                    </m:f>
+                  </m:oMath>
+                </a14:m>
+                <a:r>
+                  <a:rPr lang="de-DE" dirty="0"/>
+                  <a:t>	</a:t>
+                </a:r>
+              </a:p>
+              <a:p>
+                <a:pPr marL="0" indent="0">
+                  <a:buNone/>
+                </a:pPr>
+                <a:endParaRPr lang="de-DE" dirty="0"/>
+              </a:p>
+              <a:p>
+                <a:pPr marL="0" indent="0">
+                  <a:buNone/>
+                </a:pPr>
+                <a:endParaRPr lang="de-DE" dirty="0"/>
+              </a:p>
+            </p:txBody>
+          </p:sp>
+        </mc:Choice>
+        <mc:Fallback xmlns="">
+          <p:sp>
+            <p:nvSpPr>
+              <p:cNvPr id="3" name="Inhaltsplatzhalter 2">
+                <a:extLst>
+                  <a:ext uri="{FF2B5EF4-FFF2-40B4-BE49-F238E27FC236}">
+                    <a16:creationId xmlns:a16="http://schemas.microsoft.com/office/drawing/2014/main" id="{66BDF905-D4E7-24F3-FF16-09404FF0591E}"/>
+                  </a:ext>
+                </a:extLst>
+              </p:cNvPr>
+              <p:cNvSpPr>
+                <a:spLocks noGrp="1" noRot="1" noChangeAspect="1" noMove="1" noResize="1" noEditPoints="1" noAdjustHandles="1" noChangeArrowheads="1" noChangeShapeType="1" noTextEdit="1"/>
+              </p:cNvSpPr>
+              <p:nvPr>
+                <p:ph idx="1"/>
+              </p:nvPr>
+            </p:nvSpPr>
+            <p:spPr>
+              <a:xfrm>
+                <a:off x="838199" y="1825625"/>
+                <a:ext cx="4513143" cy="4351338"/>
+              </a:xfrm>
+              <a:blipFill>
+                <a:blip r:embed="rId2"/>
+                <a:stretch>
+                  <a:fillRect l="-1961" b="-291"/>
+                </a:stretch>
+              </a:blipFill>
+            </p:spPr>
+            <p:txBody>
+              <a:bodyPr/>
+              <a:lstStyle/>
+              <a:p>
+                <a:r>
+                  <a:rPr lang="de-DE">
+                    <a:noFill/>
+                  </a:rPr>
+                  <a:t> </a:t>
+                </a:r>
+              </a:p>
+            </p:txBody>
+          </p:sp>
+        </mc:Fallback>
+      </mc:AlternateContent>
       <p:sp>
         <p:nvSpPr>
           <p:cNvPr id="4" name="Foliennummernplatzhalter 3">
@@ -14791,6 +17426,479 @@
               <a:t>20</a:t>
             </a:fld>
             <a:endParaRPr lang="en-GB"/>
+          </a:p>
+        </p:txBody>
+      </p:sp>
+      <mc:AlternateContent xmlns:mc="http://schemas.openxmlformats.org/markup-compatibility/2006" xmlns:a14="http://schemas.microsoft.com/office/drawing/2010/main">
+        <mc:Choice Requires="a14">
+          <p:sp>
+            <p:nvSpPr>
+              <p:cNvPr id="8" name="Textfeld 7">
+                <a:extLst>
+                  <a:ext uri="{FF2B5EF4-FFF2-40B4-BE49-F238E27FC236}">
+                    <a16:creationId xmlns:a16="http://schemas.microsoft.com/office/drawing/2014/main" id="{86A1EB3C-99B4-6C2B-E5D1-20F097E56E74}"/>
+                  </a:ext>
+                </a:extLst>
+              </p:cNvPr>
+              <p:cNvSpPr txBox="1"/>
+              <p:nvPr/>
+            </p:nvSpPr>
+            <p:spPr>
+              <a:xfrm>
+                <a:off x="5635634" y="5698175"/>
+                <a:ext cx="5949932" cy="400110"/>
+              </a:xfrm>
+              <a:prstGeom prst="rect">
+                <a:avLst/>
+              </a:prstGeom>
+              <a:noFill/>
+            </p:spPr>
+            <p:txBody>
+              <a:bodyPr wrap="square">
+                <a:spAutoFit/>
+              </a:bodyPr>
+              <a:lstStyle/>
+              <a:p>
+                <a:pPr marL="0" indent="0">
+                  <a:buNone/>
+                </a:pPr>
+                <a:r>
+                  <a:rPr lang="de-DE" sz="2000" dirty="0">
+                    <a:ea typeface="Cambria Math" panose="02040503050406030204" pitchFamily="18" charset="0"/>
+                  </a:rPr>
+                  <a:t>w</a:t>
+                </a:r>
+                <a:r>
+                  <a:rPr lang="de-DE" sz="2000" dirty="0" err="1">
+                    <a:ea typeface="Cambria Math" panose="02040503050406030204" pitchFamily="18" charset="0"/>
+                  </a:rPr>
+                  <a:t>ithout</a:t>
+                </a:r>
+                <a:r>
+                  <a:rPr lang="de-DE" sz="2000" dirty="0">
+                    <a:ea typeface="Cambria Math" panose="02040503050406030204" pitchFamily="18" charset="0"/>
+                  </a:rPr>
+                  <a:t> </a:t>
+                </a:r>
+                <a:r>
+                  <a:rPr lang="de-DE" sz="2000" dirty="0" err="1">
+                    <a:ea typeface="Cambria Math" panose="02040503050406030204" pitchFamily="18" charset="0"/>
+                  </a:rPr>
+                  <a:t>damping</a:t>
+                </a:r>
+                <a:r>
+                  <a:rPr lang="de-DE" sz="2000" dirty="0">
+                    <a:ea typeface="Cambria Math" panose="02040503050406030204" pitchFamily="18" charset="0"/>
+                  </a:rPr>
+                  <a:t> (</a:t>
+                </a:r>
+                <a14:m>
+                  <m:oMath xmlns:m="http://schemas.openxmlformats.org/officeDocument/2006/math">
+                    <m:r>
+                      <a:rPr lang="el-GR" sz="2000" i="1" smtClean="0">
+                        <a:latin typeface="Cambria Math" panose="02040503050406030204" pitchFamily="18" charset="0"/>
+                        <a:ea typeface="Cambria Math" panose="02040503050406030204" pitchFamily="18" charset="0"/>
+                      </a:rPr>
+                      <m:t>𝜁</m:t>
+                    </m:r>
+                    <m:r>
+                      <a:rPr lang="de-DE" sz="2000" i="1">
+                        <a:latin typeface="Cambria Math" panose="02040503050406030204" pitchFamily="18" charset="0"/>
+                        <a:ea typeface="Cambria Math" panose="02040503050406030204" pitchFamily="18" charset="0"/>
+                      </a:rPr>
+                      <m:t>=</m:t>
+                    </m:r>
+                    <m:r>
+                      <a:rPr lang="de-DE" sz="2000" b="0" i="1" smtClean="0">
+                        <a:latin typeface="Cambria Math" panose="02040503050406030204" pitchFamily="18" charset="0"/>
+                        <a:ea typeface="Cambria Math" panose="02040503050406030204" pitchFamily="18" charset="0"/>
+                      </a:rPr>
+                      <m:t>0): </m:t>
+                    </m:r>
+                    <m:r>
+                      <a:rPr lang="de-DE" sz="2000" b="0" i="1" smtClean="0">
+                        <a:latin typeface="Cambria Math" panose="02040503050406030204" pitchFamily="18" charset="0"/>
+                        <a:ea typeface="Cambria Math" panose="02040503050406030204" pitchFamily="18" charset="0"/>
+                      </a:rPr>
+                      <m:t>𝑦</m:t>
+                    </m:r>
+                    <m:d>
+                      <m:dPr>
+                        <m:ctrlPr>
+                          <a:rPr lang="de-DE" sz="2000" b="0" i="1" smtClean="0">
+                            <a:latin typeface="Cambria Math" panose="02040503050406030204" pitchFamily="18" charset="0"/>
+                            <a:ea typeface="Cambria Math" panose="02040503050406030204" pitchFamily="18" charset="0"/>
+                          </a:rPr>
+                        </m:ctrlPr>
+                      </m:dPr>
+                      <m:e>
+                        <m:r>
+                          <a:rPr lang="de-DE" sz="2000" b="0" i="1" smtClean="0">
+                            <a:latin typeface="Cambria Math" panose="02040503050406030204" pitchFamily="18" charset="0"/>
+                            <a:ea typeface="Cambria Math" panose="02040503050406030204" pitchFamily="18" charset="0"/>
+                          </a:rPr>
+                          <m:t>𝑡</m:t>
+                        </m:r>
+                      </m:e>
+                    </m:d>
+                    <m:r>
+                      <a:rPr lang="de-DE" sz="2000" b="0" i="1" smtClean="0">
+                        <a:latin typeface="Cambria Math" panose="02040503050406030204" pitchFamily="18" charset="0"/>
+                        <a:ea typeface="Cambria Math" panose="02040503050406030204" pitchFamily="18" charset="0"/>
+                      </a:rPr>
+                      <m:t>=</m:t>
+                    </m:r>
+                    <m:r>
+                      <a:rPr lang="de-DE" sz="2000" b="0" i="1" smtClean="0">
+                        <a:latin typeface="Cambria Math" panose="02040503050406030204" pitchFamily="18" charset="0"/>
+                        <a:ea typeface="Cambria Math" panose="02040503050406030204" pitchFamily="18" charset="0"/>
+                      </a:rPr>
+                      <m:t>𝐴</m:t>
+                    </m:r>
+                    <m:r>
+                      <a:rPr lang="de-DE" sz="2000" i="1">
+                        <a:latin typeface="Cambria Math" panose="02040503050406030204" pitchFamily="18" charset="0"/>
+                        <a:ea typeface="Cambria Math" panose="02040503050406030204" pitchFamily="18" charset="0"/>
+                      </a:rPr>
+                      <m:t>∙</m:t>
+                    </m:r>
+                    <m:func>
+                      <m:funcPr>
+                        <m:ctrlPr>
+                          <a:rPr lang="de-DE" sz="2000" i="1">
+                            <a:latin typeface="Cambria Math" panose="02040503050406030204" pitchFamily="18" charset="0"/>
+                            <a:ea typeface="Cambria Math" panose="02040503050406030204" pitchFamily="18" charset="0"/>
+                          </a:rPr>
+                        </m:ctrlPr>
+                      </m:funcPr>
+                      <m:fName>
+                        <m:r>
+                          <m:rPr>
+                            <m:sty m:val="p"/>
+                          </m:rPr>
+                          <a:rPr lang="de-DE" sz="2000">
+                            <a:latin typeface="Cambria Math" panose="02040503050406030204" pitchFamily="18" charset="0"/>
+                            <a:ea typeface="Cambria Math" panose="02040503050406030204" pitchFamily="18" charset="0"/>
+                          </a:rPr>
+                          <m:t>cos</m:t>
+                        </m:r>
+                      </m:fName>
+                      <m:e>
+                        <m:d>
+                          <m:dPr>
+                            <m:ctrlPr>
+                              <a:rPr lang="de-DE" sz="2000" i="1">
+                                <a:latin typeface="Cambria Math" panose="02040503050406030204" pitchFamily="18" charset="0"/>
+                                <a:ea typeface="Cambria Math" panose="02040503050406030204" pitchFamily="18" charset="0"/>
+                              </a:rPr>
+                            </m:ctrlPr>
+                          </m:dPr>
+                          <m:e>
+                            <m:sSub>
+                              <m:sSubPr>
+                                <m:ctrlPr>
+                                  <a:rPr lang="el-GR" sz="2000" i="1">
+                                    <a:latin typeface="Cambria Math" panose="02040503050406030204" pitchFamily="18" charset="0"/>
+                                    <a:ea typeface="Cambria Math" panose="02040503050406030204" pitchFamily="18" charset="0"/>
+                                  </a:rPr>
+                                </m:ctrlPr>
+                              </m:sSubPr>
+                              <m:e>
+                                <m:r>
+                                  <a:rPr lang="el-GR" sz="2000" i="1">
+                                    <a:latin typeface="Cambria Math" panose="02040503050406030204" pitchFamily="18" charset="0"/>
+                                    <a:ea typeface="Cambria Math" panose="02040503050406030204" pitchFamily="18" charset="0"/>
+                                  </a:rPr>
+                                  <m:t>𝜔</m:t>
+                                </m:r>
+                              </m:e>
+                              <m:sub>
+                                <m:r>
+                                  <a:rPr lang="de-DE" sz="2000" i="1">
+                                    <a:latin typeface="Cambria Math" panose="02040503050406030204" pitchFamily="18" charset="0"/>
+                                    <a:ea typeface="Cambria Math" panose="02040503050406030204" pitchFamily="18" charset="0"/>
+                                  </a:rPr>
+                                  <m:t>𝑛</m:t>
+                                </m:r>
+                              </m:sub>
+                            </m:sSub>
+                            <m:r>
+                              <a:rPr lang="de-DE" sz="2000" i="1">
+                                <a:latin typeface="Cambria Math" panose="02040503050406030204" pitchFamily="18" charset="0"/>
+                                <a:ea typeface="Cambria Math" panose="02040503050406030204" pitchFamily="18" charset="0"/>
+                              </a:rPr>
+                              <m:t>𝑡</m:t>
+                            </m:r>
+                            <m:r>
+                              <a:rPr lang="de-DE" sz="2000" b="0" i="1" smtClean="0">
+                                <a:latin typeface="Cambria Math" panose="02040503050406030204" pitchFamily="18" charset="0"/>
+                                <a:ea typeface="Cambria Math" panose="02040503050406030204" pitchFamily="18" charset="0"/>
+                              </a:rPr>
+                              <m:t>+</m:t>
+                            </m:r>
+                            <m:r>
+                              <a:rPr lang="de-DE" sz="2000" b="0" i="1" smtClean="0">
+                                <a:latin typeface="Cambria Math" panose="02040503050406030204" pitchFamily="18" charset="0"/>
+                                <a:ea typeface="Cambria Math" panose="02040503050406030204" pitchFamily="18" charset="0"/>
+                              </a:rPr>
+                              <m:t>𝜙</m:t>
+                            </m:r>
+                          </m:e>
+                        </m:d>
+                      </m:e>
+                    </m:func>
+                  </m:oMath>
+                </a14:m>
+                <a:endParaRPr lang="de-DE" sz="2000" b="0" dirty="0">
+                  <a:ea typeface="Cambria Math" panose="02040503050406030204" pitchFamily="18" charset="0"/>
+                </a:endParaRPr>
+              </a:p>
+            </p:txBody>
+          </p:sp>
+        </mc:Choice>
+        <mc:Fallback xmlns="">
+          <p:sp>
+            <p:nvSpPr>
+              <p:cNvPr id="8" name="Textfeld 7">
+                <a:extLst>
+                  <a:ext uri="{FF2B5EF4-FFF2-40B4-BE49-F238E27FC236}">
+                    <a16:creationId xmlns:a16="http://schemas.microsoft.com/office/drawing/2014/main" id="{86A1EB3C-99B4-6C2B-E5D1-20F097E56E74}"/>
+                  </a:ext>
+                </a:extLst>
+              </p:cNvPr>
+              <p:cNvSpPr txBox="1">
+                <a:spLocks noRot="1" noChangeAspect="1" noMove="1" noResize="1" noEditPoints="1" noAdjustHandles="1" noChangeArrowheads="1" noChangeShapeType="1" noTextEdit="1"/>
+              </p:cNvSpPr>
+              <p:nvPr/>
+            </p:nvSpPr>
+            <p:spPr>
+              <a:xfrm>
+                <a:off x="5635634" y="5698175"/>
+                <a:ext cx="5949932" cy="400110"/>
+              </a:xfrm>
+              <a:prstGeom prst="rect">
+                <a:avLst/>
+              </a:prstGeom>
+              <a:blipFill>
+                <a:blip r:embed="rId3"/>
+                <a:stretch>
+                  <a:fillRect l="-1064" t="-6061" b="-27273"/>
+                </a:stretch>
+              </a:blipFill>
+            </p:spPr>
+            <p:txBody>
+              <a:bodyPr/>
+              <a:lstStyle/>
+              <a:p>
+                <a:r>
+                  <a:rPr lang="de-DE">
+                    <a:noFill/>
+                  </a:rPr>
+                  <a:t> </a:t>
+                </a:r>
+              </a:p>
+            </p:txBody>
+          </p:sp>
+        </mc:Fallback>
+      </mc:AlternateContent>
+      <p:pic>
+        <p:nvPicPr>
+          <p:cNvPr id="15" name="Grafik 14" descr="Ein Bild, das Text, Reihe, Diagramm, Schrift enthält.&#10;&#10;KI-generierte Inhalte können fehlerhaft sein.">
+            <a:extLst>
+              <a:ext uri="{FF2B5EF4-FFF2-40B4-BE49-F238E27FC236}">
+                <a16:creationId xmlns:a16="http://schemas.microsoft.com/office/drawing/2014/main" id="{48245FF6-F62A-7917-774D-22E16CE43140}"/>
+              </a:ext>
+            </a:extLst>
+          </p:cNvPr>
+          <p:cNvPicPr>
+            <a:picLocks noChangeAspect="1"/>
+          </p:cNvPicPr>
+          <p:nvPr/>
+        </p:nvPicPr>
+        <p:blipFill>
+          <a:blip r:embed="rId4">
+            <a:extLst>
+              <a:ext uri="{28A0092B-C50C-407E-A947-70E740481C1C}">
+                <a14:useLocalDpi xmlns:a14="http://schemas.microsoft.com/office/drawing/2010/main" val="0"/>
+              </a:ext>
+            </a:extLst>
+          </a:blip>
+          <a:stretch>
+            <a:fillRect/>
+          </a:stretch>
+        </p:blipFill>
+        <p:spPr>
+          <a:xfrm>
+            <a:off x="5351342" y="1825625"/>
+            <a:ext cx="6840658" cy="3365162"/>
+          </a:xfrm>
+          <a:prstGeom prst="rect">
+            <a:avLst/>
+          </a:prstGeom>
+        </p:spPr>
+      </p:pic>
+      <p:sp>
+        <p:nvSpPr>
+          <p:cNvPr id="16" name="Textfeld 15">
+            <a:extLst>
+              <a:ext uri="{FF2B5EF4-FFF2-40B4-BE49-F238E27FC236}">
+                <a16:creationId xmlns:a16="http://schemas.microsoft.com/office/drawing/2014/main" id="{0D3C84F5-784C-AC73-0D65-41A4D64ED76E}"/>
+              </a:ext>
+            </a:extLst>
+          </p:cNvPr>
+          <p:cNvSpPr txBox="1"/>
+          <p:nvPr/>
+        </p:nvSpPr>
+        <p:spPr>
+          <a:xfrm>
+            <a:off x="967842" y="6364803"/>
+            <a:ext cx="1633139" cy="369332"/>
+          </a:xfrm>
+          <a:prstGeom prst="rect">
+            <a:avLst/>
+          </a:prstGeom>
+          <a:noFill/>
+        </p:spPr>
+        <p:txBody>
+          <a:bodyPr wrap="none" rtlCol="0">
+            <a:spAutoFit/>
+          </a:bodyPr>
+          <a:lstStyle/>
+          <a:p>
+            <a:r>
+              <a:rPr lang="de-DE" dirty="0"/>
+              <a:t>(</a:t>
+            </a:r>
+            <a:r>
+              <a:rPr lang="de-DE" dirty="0" err="1"/>
+              <a:t>for</a:t>
+            </a:r>
+            <a:r>
+              <a:rPr lang="de-DE" dirty="0"/>
+              <a:t> </a:t>
+            </a:r>
+            <a:r>
+              <a:rPr lang="de-DE" dirty="0" err="1"/>
+              <a:t>step</a:t>
+            </a:r>
+            <a:r>
+              <a:rPr lang="de-DE" dirty="0"/>
+              <a:t> </a:t>
+            </a:r>
+            <a:r>
+              <a:rPr lang="de-DE" dirty="0" err="1"/>
+              <a:t>input</a:t>
+            </a:r>
+            <a:r>
+              <a:rPr lang="de-DE" dirty="0"/>
+              <a:t>)</a:t>
+            </a:r>
+          </a:p>
+        </p:txBody>
+      </p:sp>
+      <p:cxnSp>
+        <p:nvCxnSpPr>
+          <p:cNvPr id="18" name="Gerade Verbindung mit Pfeil 17">
+            <a:extLst>
+              <a:ext uri="{FF2B5EF4-FFF2-40B4-BE49-F238E27FC236}">
+                <a16:creationId xmlns:a16="http://schemas.microsoft.com/office/drawing/2014/main" id="{ECC3753B-CAB1-01FF-F023-9CC8549FB8C9}"/>
+              </a:ext>
+            </a:extLst>
+          </p:cNvPr>
+          <p:cNvCxnSpPr>
+            <a:cxnSpLocks/>
+            <a:stCxn id="16" idx="0"/>
+          </p:cNvCxnSpPr>
+          <p:nvPr/>
+        </p:nvCxnSpPr>
+        <p:spPr>
+          <a:xfrm flipH="1" flipV="1">
+            <a:off x="1704513" y="6098285"/>
+            <a:ext cx="79899" cy="266518"/>
+          </a:xfrm>
+          <a:prstGeom prst="straightConnector1">
+            <a:avLst/>
+          </a:prstGeom>
+          <a:ln>
+            <a:tailEnd type="triangle"/>
+          </a:ln>
+        </p:spPr>
+        <p:style>
+          <a:lnRef idx="2">
+            <a:schemeClr val="accent1"/>
+          </a:lnRef>
+          <a:fillRef idx="0">
+            <a:schemeClr val="accent1"/>
+          </a:fillRef>
+          <a:effectRef idx="1">
+            <a:schemeClr val="accent1"/>
+          </a:effectRef>
+          <a:fontRef idx="minor">
+            <a:schemeClr val="tx1"/>
+          </a:fontRef>
+        </p:style>
+      </p:cxnSp>
+      <p:sp>
+        <p:nvSpPr>
+          <p:cNvPr id="21" name="Textfeld 20">
+            <a:extLst>
+              <a:ext uri="{FF2B5EF4-FFF2-40B4-BE49-F238E27FC236}">
+                <a16:creationId xmlns:a16="http://schemas.microsoft.com/office/drawing/2014/main" id="{CF4B3D22-0CE3-B13B-4D31-635A55F59978}"/>
+              </a:ext>
+            </a:extLst>
+          </p:cNvPr>
+          <p:cNvSpPr txBox="1"/>
+          <p:nvPr/>
+        </p:nvSpPr>
+        <p:spPr>
+          <a:xfrm>
+            <a:off x="4145871" y="3185040"/>
+            <a:ext cx="1757779" cy="646331"/>
+          </a:xfrm>
+          <a:prstGeom prst="rect">
+            <a:avLst/>
+          </a:prstGeom>
+          <a:noFill/>
+        </p:spPr>
+        <p:txBody>
+          <a:bodyPr wrap="square" rtlCol="0">
+            <a:spAutoFit/>
+          </a:bodyPr>
+          <a:lstStyle/>
+          <a:p>
+            <a:r>
+              <a:rPr lang="de-DE" dirty="0"/>
+              <a:t>same </a:t>
+            </a:r>
+            <a:r>
+              <a:rPr lang="de-DE" dirty="0" err="1"/>
+              <a:t>dynamics</a:t>
+            </a:r>
+            <a:r>
+              <a:rPr lang="de-DE" dirty="0"/>
+              <a:t> </a:t>
+            </a:r>
+            <a:r>
+              <a:rPr lang="de-DE" dirty="0" err="1"/>
+              <a:t>as</a:t>
+            </a:r>
+            <a:r>
+              <a:rPr lang="de-DE" dirty="0"/>
+              <a:t> </a:t>
+            </a:r>
+            <a:r>
+              <a:rPr lang="de-DE" dirty="0" err="1"/>
+              <a:t>step</a:t>
+            </a:r>
+            <a:r>
+              <a:rPr lang="de-DE" dirty="0"/>
+              <a:t> </a:t>
+            </a:r>
+            <a:r>
+              <a:rPr lang="de-DE" dirty="0" err="1"/>
+              <a:t>input</a:t>
+            </a:r>
+            <a:endParaRPr lang="de-DE" dirty="0"/>
           </a:p>
         </p:txBody>
       </p:sp>
@@ -14851,81 +17959,754 @@
             </a:r>
             <a:r>
               <a:rPr lang="de-DE" dirty="0"/>
-              <a:t>: LC and RLC </a:t>
-            </a:r>
-            <a:r>
-              <a:rPr lang="de-DE" dirty="0" err="1"/>
-              <a:t>Circuits</a:t>
-            </a:r>
-            <a:endParaRPr lang="de-DE" dirty="0"/>
+              <a:t>: RLC Series Circuit</a:t>
+            </a:r>
           </a:p>
         </p:txBody>
       </p:sp>
-      <p:sp>
-        <p:nvSpPr>
-          <p:cNvPr id="3" name="Inhaltsplatzhalter 2">
-            <a:extLst>
-              <a:ext uri="{FF2B5EF4-FFF2-40B4-BE49-F238E27FC236}">
-                <a16:creationId xmlns:a16="http://schemas.microsoft.com/office/drawing/2014/main" id="{B776577C-FB27-48A1-08F9-6C0DDED2A899}"/>
-              </a:ext>
-            </a:extLst>
-          </p:cNvPr>
-          <p:cNvSpPr>
-            <a:spLocks noGrp="1"/>
-          </p:cNvSpPr>
-          <p:nvPr>
-            <p:ph idx="1"/>
-          </p:nvPr>
-        </p:nvSpPr>
-        <p:spPr/>
-        <p:txBody>
-          <a:bodyPr/>
-          <a:lstStyle/>
-          <a:p>
-            <a:r>
-              <a:rPr lang="de-DE" dirty="0"/>
-              <a:t>…</a:t>
-            </a:r>
-          </a:p>
-          <a:p>
-            <a:r>
-              <a:rPr lang="de-DE" dirty="0" err="1"/>
-              <a:t>Resonance</a:t>
-            </a:r>
-            <a:endParaRPr lang="de-DE" dirty="0"/>
-          </a:p>
-          <a:p>
-            <a:r>
-              <a:rPr lang="de-DE" dirty="0"/>
-              <a:t>Filters </a:t>
-            </a:r>
-            <a:r>
-              <a:rPr lang="de-DE" dirty="0" err="1"/>
-              <a:t>for</a:t>
-            </a:r>
-            <a:r>
-              <a:rPr lang="de-DE" dirty="0"/>
-              <a:t> </a:t>
-            </a:r>
-            <a:r>
-              <a:rPr lang="de-DE" dirty="0" err="1"/>
-              <a:t>frequency</a:t>
-            </a:r>
-            <a:r>
-              <a:rPr lang="de-DE" dirty="0"/>
-              <a:t> </a:t>
-            </a:r>
-            <a:r>
-              <a:rPr lang="de-DE" dirty="0" err="1"/>
-              <a:t>response</a:t>
-            </a:r>
-            <a:r>
-              <a:rPr lang="de-DE" dirty="0"/>
-              <a:t> …</a:t>
-            </a:r>
-          </a:p>
-        </p:txBody>
-      </p:sp>
+      <mc:AlternateContent xmlns:mc="http://schemas.openxmlformats.org/markup-compatibility/2006" xmlns:a14="http://schemas.microsoft.com/office/drawing/2010/main">
+        <mc:Choice Requires="a14">
+          <p:sp>
+            <p:nvSpPr>
+              <p:cNvPr id="3" name="Inhaltsplatzhalter 2">
+                <a:extLst>
+                  <a:ext uri="{FF2B5EF4-FFF2-40B4-BE49-F238E27FC236}">
+                    <a16:creationId xmlns:a16="http://schemas.microsoft.com/office/drawing/2014/main" id="{B776577C-FB27-48A1-08F9-6C0DDED2A899}"/>
+                  </a:ext>
+                </a:extLst>
+              </p:cNvPr>
+              <p:cNvSpPr>
+                <a:spLocks noGrp="1"/>
+              </p:cNvSpPr>
+              <p:nvPr>
+                <p:ph idx="1"/>
+              </p:nvPr>
+            </p:nvSpPr>
+            <p:spPr>
+              <a:xfrm>
+                <a:off x="838200" y="1825624"/>
+                <a:ext cx="10515600" cy="4667251"/>
+              </a:xfrm>
+            </p:spPr>
+            <p:txBody>
+              <a:bodyPr>
+                <a:normAutofit lnSpcReduction="10000"/>
+              </a:bodyPr>
+              <a:lstStyle/>
+              <a:p>
+                <a:pPr marL="0" indent="0">
+                  <a:buNone/>
+                </a:pPr>
+                <a14:m>
+                  <m:oMathPara xmlns:m="http://schemas.openxmlformats.org/officeDocument/2006/math">
+                    <m:oMathParaPr>
+                      <m:jc m:val="centerGroup"/>
+                    </m:oMathParaPr>
+                    <m:oMath xmlns:m="http://schemas.openxmlformats.org/officeDocument/2006/math">
+                      <m:r>
+                        <a:rPr lang="de-DE" b="0" i="1" smtClean="0">
+                          <a:latin typeface="Cambria Math" panose="02040503050406030204" pitchFamily="18" charset="0"/>
+                        </a:rPr>
+                        <m:t>𝐿𝐶</m:t>
+                      </m:r>
+                      <m:sSub>
+                        <m:sSubPr>
+                          <m:ctrlPr>
+                            <a:rPr lang="de-DE" b="0" i="1" smtClean="0">
+                              <a:latin typeface="Cambria Math" panose="02040503050406030204" pitchFamily="18" charset="0"/>
+                            </a:rPr>
+                          </m:ctrlPr>
+                        </m:sSubPr>
+                        <m:e>
+                          <m:acc>
+                            <m:accPr>
+                              <m:chr m:val="̈"/>
+                              <m:ctrlPr>
+                                <a:rPr lang="de-DE" b="0" i="1" smtClean="0">
+                                  <a:latin typeface="Cambria Math" panose="02040503050406030204" pitchFamily="18" charset="0"/>
+                                </a:rPr>
+                              </m:ctrlPr>
+                            </m:accPr>
+                            <m:e>
+                              <m:r>
+                                <a:rPr lang="de-DE" b="0" i="1" smtClean="0">
+                                  <a:latin typeface="Cambria Math" panose="02040503050406030204" pitchFamily="18" charset="0"/>
+                                </a:rPr>
+                                <m:t>𝑣</m:t>
+                              </m:r>
+                            </m:e>
+                          </m:acc>
+                        </m:e>
+                        <m:sub>
+                          <m:r>
+                            <a:rPr lang="de-DE" b="0" i="1" smtClean="0">
+                              <a:latin typeface="Cambria Math" panose="02040503050406030204" pitchFamily="18" charset="0"/>
+                            </a:rPr>
+                            <m:t>𝐶</m:t>
+                          </m:r>
+                        </m:sub>
+                      </m:sSub>
+                      <m:r>
+                        <a:rPr lang="de-DE" i="1">
+                          <a:latin typeface="Cambria Math" panose="02040503050406030204" pitchFamily="18" charset="0"/>
+                        </a:rPr>
+                        <m:t>+</m:t>
+                      </m:r>
+                      <m:r>
+                        <a:rPr lang="de-DE" b="0" i="1" smtClean="0">
+                          <a:latin typeface="Cambria Math" panose="02040503050406030204" pitchFamily="18" charset="0"/>
+                        </a:rPr>
+                        <m:t>𝑅𝐶</m:t>
+                      </m:r>
+                      <m:sSub>
+                        <m:sSubPr>
+                          <m:ctrlPr>
+                            <a:rPr lang="de-DE" b="0" i="1" smtClean="0">
+                              <a:latin typeface="Cambria Math" panose="02040503050406030204" pitchFamily="18" charset="0"/>
+                            </a:rPr>
+                          </m:ctrlPr>
+                        </m:sSubPr>
+                        <m:e>
+                          <m:acc>
+                            <m:accPr>
+                              <m:chr m:val="̇"/>
+                              <m:ctrlPr>
+                                <a:rPr lang="de-DE" b="0" i="1" smtClean="0">
+                                  <a:latin typeface="Cambria Math" panose="02040503050406030204" pitchFamily="18" charset="0"/>
+                                </a:rPr>
+                              </m:ctrlPr>
+                            </m:accPr>
+                            <m:e>
+                              <m:r>
+                                <a:rPr lang="de-DE" b="0" i="1" smtClean="0">
+                                  <a:latin typeface="Cambria Math" panose="02040503050406030204" pitchFamily="18" charset="0"/>
+                                </a:rPr>
+                                <m:t>𝑣</m:t>
+                              </m:r>
+                            </m:e>
+                          </m:acc>
+                        </m:e>
+                        <m:sub>
+                          <m:r>
+                            <a:rPr lang="de-DE" b="0" i="1" smtClean="0">
+                              <a:latin typeface="Cambria Math" panose="02040503050406030204" pitchFamily="18" charset="0"/>
+                            </a:rPr>
+                            <m:t>𝐶</m:t>
+                          </m:r>
+                        </m:sub>
+                      </m:sSub>
+                      <m:r>
+                        <a:rPr lang="de-DE" i="1">
+                          <a:latin typeface="Cambria Math" panose="02040503050406030204" pitchFamily="18" charset="0"/>
+                        </a:rPr>
+                        <m:t>+</m:t>
+                      </m:r>
+                      <m:sSub>
+                        <m:sSubPr>
+                          <m:ctrlPr>
+                            <a:rPr lang="de-DE" i="1" smtClean="0">
+                              <a:latin typeface="Cambria Math" panose="02040503050406030204" pitchFamily="18" charset="0"/>
+                            </a:rPr>
+                          </m:ctrlPr>
+                        </m:sSubPr>
+                        <m:e>
+                          <m:r>
+                            <a:rPr lang="de-DE" b="0" i="1" smtClean="0">
+                              <a:latin typeface="Cambria Math" panose="02040503050406030204" pitchFamily="18" charset="0"/>
+                            </a:rPr>
+                            <m:t>𝑣</m:t>
+                          </m:r>
+                        </m:e>
+                        <m:sub>
+                          <m:r>
+                            <a:rPr lang="de-DE" b="0" i="1" smtClean="0">
+                              <a:latin typeface="Cambria Math" panose="02040503050406030204" pitchFamily="18" charset="0"/>
+                            </a:rPr>
+                            <m:t>𝐶</m:t>
+                          </m:r>
+                        </m:sub>
+                      </m:sSub>
+                      <m:r>
+                        <a:rPr lang="de-DE" i="1">
+                          <a:latin typeface="Cambria Math" panose="02040503050406030204" pitchFamily="18" charset="0"/>
+                        </a:rPr>
+                        <m:t>=</m:t>
+                      </m:r>
+                      <m:r>
+                        <a:rPr lang="de-DE" b="0" i="1" smtClean="0">
+                          <a:latin typeface="Cambria Math" panose="02040503050406030204" pitchFamily="18" charset="0"/>
+                        </a:rPr>
+                        <m:t>𝑢</m:t>
+                      </m:r>
+                      <m:r>
+                        <a:rPr lang="de-DE" i="1">
+                          <a:latin typeface="Cambria Math" panose="02040503050406030204" pitchFamily="18" charset="0"/>
+                        </a:rPr>
+                        <m:t>(</m:t>
+                      </m:r>
+                      <m:r>
+                        <a:rPr lang="de-DE" i="1">
+                          <a:latin typeface="Cambria Math" panose="02040503050406030204" pitchFamily="18" charset="0"/>
+                        </a:rPr>
+                        <m:t>𝑡</m:t>
+                      </m:r>
+                      <m:r>
+                        <a:rPr lang="de-DE" i="1">
+                          <a:latin typeface="Cambria Math" panose="02040503050406030204" pitchFamily="18" charset="0"/>
+                        </a:rPr>
+                        <m:t>)</m:t>
+                      </m:r>
+                    </m:oMath>
+                  </m:oMathPara>
+                </a14:m>
+                <a:endParaRPr lang="de-DE" dirty="0"/>
+              </a:p>
+              <a:p>
+                <a:pPr marL="0" indent="0">
+                  <a:buNone/>
+                </a:pPr>
+                <a:endParaRPr lang="de-DE" dirty="0"/>
+              </a:p>
+              <a:p>
+                <a:pPr marL="0" indent="0">
+                  <a:buNone/>
+                </a:pPr>
+                <a:endParaRPr lang="de-DE" dirty="0"/>
+              </a:p>
+              <a:p>
+                <a:pPr marL="0" indent="0" algn="ctr">
+                  <a:buNone/>
+                </a:pPr>
+                <a14:m>
+                  <m:oMath xmlns:m="http://schemas.openxmlformats.org/officeDocument/2006/math">
+                    <m:sSub>
+                      <m:sSubPr>
+                        <m:ctrlPr>
+                          <a:rPr lang="el-GR" i="1">
+                            <a:latin typeface="Cambria Math" panose="02040503050406030204" pitchFamily="18" charset="0"/>
+                            <a:ea typeface="Cambria Math" panose="02040503050406030204" pitchFamily="18" charset="0"/>
+                          </a:rPr>
+                        </m:ctrlPr>
+                      </m:sSubPr>
+                      <m:e>
+                        <m:r>
+                          <a:rPr lang="el-GR" i="1">
+                            <a:latin typeface="Cambria Math" panose="02040503050406030204" pitchFamily="18" charset="0"/>
+                            <a:ea typeface="Cambria Math" panose="02040503050406030204" pitchFamily="18" charset="0"/>
+                          </a:rPr>
+                          <m:t>𝜔</m:t>
+                        </m:r>
+                      </m:e>
+                      <m:sub>
+                        <m:r>
+                          <a:rPr lang="de-DE" i="1">
+                            <a:latin typeface="Cambria Math" panose="02040503050406030204" pitchFamily="18" charset="0"/>
+                            <a:ea typeface="Cambria Math" panose="02040503050406030204" pitchFamily="18" charset="0"/>
+                          </a:rPr>
+                          <m:t>𝑛</m:t>
+                        </m:r>
+                      </m:sub>
+                    </m:sSub>
+                    <m:r>
+                      <a:rPr lang="de-DE" i="1">
+                        <a:latin typeface="Cambria Math" panose="02040503050406030204" pitchFamily="18" charset="0"/>
+                        <a:ea typeface="Cambria Math" panose="02040503050406030204" pitchFamily="18" charset="0"/>
+                      </a:rPr>
+                      <m:t>=</m:t>
+                    </m:r>
+                    <m:rad>
+                      <m:radPr>
+                        <m:degHide m:val="on"/>
+                        <m:ctrlPr>
+                          <a:rPr lang="de-DE" i="1">
+                            <a:latin typeface="Cambria Math" panose="02040503050406030204" pitchFamily="18" charset="0"/>
+                            <a:ea typeface="Cambria Math" panose="02040503050406030204" pitchFamily="18" charset="0"/>
+                          </a:rPr>
+                        </m:ctrlPr>
+                      </m:radPr>
+                      <m:deg/>
+                      <m:e>
+                        <m:f>
+                          <m:fPr>
+                            <m:ctrlPr>
+                              <a:rPr lang="de-DE" i="1">
+                                <a:latin typeface="Cambria Math" panose="02040503050406030204" pitchFamily="18" charset="0"/>
+                                <a:ea typeface="Cambria Math" panose="02040503050406030204" pitchFamily="18" charset="0"/>
+                              </a:rPr>
+                            </m:ctrlPr>
+                          </m:fPr>
+                          <m:num>
+                            <m:r>
+                              <a:rPr lang="de-DE" b="0" i="1" smtClean="0">
+                                <a:latin typeface="Cambria Math" panose="02040503050406030204" pitchFamily="18" charset="0"/>
+                                <a:ea typeface="Cambria Math" panose="02040503050406030204" pitchFamily="18" charset="0"/>
+                              </a:rPr>
+                              <m:t>1</m:t>
+                            </m:r>
+                          </m:num>
+                          <m:den>
+                            <m:r>
+                              <a:rPr lang="de-DE" b="0" i="1" smtClean="0">
+                                <a:latin typeface="Cambria Math" panose="02040503050406030204" pitchFamily="18" charset="0"/>
+                                <a:ea typeface="Cambria Math" panose="02040503050406030204" pitchFamily="18" charset="0"/>
+                              </a:rPr>
+                              <m:t>𝐿𝐶</m:t>
+                            </m:r>
+                          </m:den>
+                        </m:f>
+                      </m:e>
+                    </m:rad>
+                  </m:oMath>
+                </a14:m>
+                <a:r>
+                  <a:rPr lang="de-DE" i="1" dirty="0">
+                    <a:latin typeface="Cambria Math" panose="02040503050406030204" pitchFamily="18" charset="0"/>
+                    <a:ea typeface="Cambria Math" panose="02040503050406030204" pitchFamily="18" charset="0"/>
+                  </a:rPr>
+                  <a:t>,   </a:t>
+                </a:r>
+                <a14:m>
+                  <m:oMath xmlns:m="http://schemas.openxmlformats.org/officeDocument/2006/math">
+                    <m:r>
+                      <a:rPr lang="el-GR" i="1">
+                        <a:latin typeface="Cambria Math" panose="02040503050406030204" pitchFamily="18" charset="0"/>
+                        <a:ea typeface="Cambria Math" panose="02040503050406030204" pitchFamily="18" charset="0"/>
+                      </a:rPr>
+                      <m:t>𝜁</m:t>
+                    </m:r>
+                    <m:r>
+                      <a:rPr lang="de-DE" i="1">
+                        <a:latin typeface="Cambria Math" panose="02040503050406030204" pitchFamily="18" charset="0"/>
+                        <a:ea typeface="Cambria Math" panose="02040503050406030204" pitchFamily="18" charset="0"/>
+                      </a:rPr>
+                      <m:t>=</m:t>
+                    </m:r>
+                    <m:f>
+                      <m:fPr>
+                        <m:ctrlPr>
+                          <a:rPr lang="de-DE" i="1">
+                            <a:latin typeface="Cambria Math" panose="02040503050406030204" pitchFamily="18" charset="0"/>
+                            <a:ea typeface="Cambria Math" panose="02040503050406030204" pitchFamily="18" charset="0"/>
+                          </a:rPr>
+                        </m:ctrlPr>
+                      </m:fPr>
+                      <m:num>
+                        <m:r>
+                          <a:rPr lang="de-DE" b="0" i="1" smtClean="0">
+                            <a:latin typeface="Cambria Math" panose="02040503050406030204" pitchFamily="18" charset="0"/>
+                            <a:ea typeface="Cambria Math" panose="02040503050406030204" pitchFamily="18" charset="0"/>
+                          </a:rPr>
+                          <m:t>𝑅</m:t>
+                        </m:r>
+                      </m:num>
+                      <m:den>
+                        <m:r>
+                          <a:rPr lang="de-DE" i="1">
+                            <a:latin typeface="Cambria Math" panose="02040503050406030204" pitchFamily="18" charset="0"/>
+                            <a:ea typeface="Cambria Math" panose="02040503050406030204" pitchFamily="18" charset="0"/>
+                          </a:rPr>
+                          <m:t>2</m:t>
+                        </m:r>
+                      </m:den>
+                    </m:f>
+                    <m:rad>
+                      <m:radPr>
+                        <m:degHide m:val="on"/>
+                        <m:ctrlPr>
+                          <a:rPr lang="de-DE" i="1" smtClean="0">
+                            <a:latin typeface="Cambria Math" panose="02040503050406030204" pitchFamily="18" charset="0"/>
+                            <a:ea typeface="Cambria Math" panose="02040503050406030204" pitchFamily="18" charset="0"/>
+                          </a:rPr>
+                        </m:ctrlPr>
+                      </m:radPr>
+                      <m:deg/>
+                      <m:e>
+                        <m:f>
+                          <m:fPr>
+                            <m:ctrlPr>
+                              <a:rPr lang="de-DE" i="1" smtClean="0">
+                                <a:latin typeface="Cambria Math" panose="02040503050406030204" pitchFamily="18" charset="0"/>
+                                <a:ea typeface="Cambria Math" panose="02040503050406030204" pitchFamily="18" charset="0"/>
+                              </a:rPr>
+                            </m:ctrlPr>
+                          </m:fPr>
+                          <m:num>
+                            <m:r>
+                              <a:rPr lang="de-DE" b="0" i="1" smtClean="0">
+                                <a:latin typeface="Cambria Math" panose="02040503050406030204" pitchFamily="18" charset="0"/>
+                                <a:ea typeface="Cambria Math" panose="02040503050406030204" pitchFamily="18" charset="0"/>
+                              </a:rPr>
+                              <m:t>𝐶</m:t>
+                            </m:r>
+                          </m:num>
+                          <m:den>
+                            <m:r>
+                              <a:rPr lang="de-DE" b="0" i="1" smtClean="0">
+                                <a:latin typeface="Cambria Math" panose="02040503050406030204" pitchFamily="18" charset="0"/>
+                                <a:ea typeface="Cambria Math" panose="02040503050406030204" pitchFamily="18" charset="0"/>
+                              </a:rPr>
+                              <m:t>𝐿</m:t>
+                            </m:r>
+                          </m:den>
+                        </m:f>
+                      </m:e>
+                    </m:rad>
+                  </m:oMath>
+                </a14:m>
+                <a:r>
+                  <a:rPr lang="de-DE" dirty="0"/>
+                  <a:t>,   </a:t>
+                </a:r>
+                <a14:m>
+                  <m:oMath xmlns:m="http://schemas.openxmlformats.org/officeDocument/2006/math">
+                    <m:r>
+                      <a:rPr lang="de-DE" i="1">
+                        <a:latin typeface="Cambria Math" panose="02040503050406030204" pitchFamily="18" charset="0"/>
+                      </a:rPr>
+                      <m:t>𝐾</m:t>
+                    </m:r>
+                    <m:r>
+                      <a:rPr lang="de-DE" i="1">
+                        <a:latin typeface="Cambria Math" panose="02040503050406030204" pitchFamily="18" charset="0"/>
+                      </a:rPr>
+                      <m:t>=1</m:t>
+                    </m:r>
+                  </m:oMath>
+                </a14:m>
+                <a:endParaRPr lang="de-DE" dirty="0"/>
+              </a:p>
+              <a:p>
+                <a:pPr marL="0" indent="0">
+                  <a:buNone/>
+                </a:pPr>
+                <a:endParaRPr lang="de-DE" sz="2400" dirty="0"/>
+              </a:p>
+              <a:p>
+                <a:r>
+                  <a:rPr lang="de-DE" sz="2400" dirty="0" err="1"/>
+                  <a:t>Without</a:t>
+                </a:r>
+                <a:r>
+                  <a:rPr lang="de-DE" sz="2400" dirty="0"/>
+                  <a:t> </a:t>
+                </a:r>
+                <a14:m>
+                  <m:oMath xmlns:m="http://schemas.openxmlformats.org/officeDocument/2006/math">
+                    <m:r>
+                      <a:rPr lang="de-DE" sz="2400" i="1">
+                        <a:latin typeface="Cambria Math" panose="02040503050406030204" pitchFamily="18" charset="0"/>
+                      </a:rPr>
+                      <m:t>𝑅</m:t>
+                    </m:r>
+                  </m:oMath>
+                </a14:m>
+                <a:r>
+                  <a:rPr lang="de-DE" sz="2400" dirty="0"/>
+                  <a:t>: </a:t>
+                </a:r>
+                <a:r>
+                  <a:rPr lang="de-DE" sz="2400" dirty="0" err="1"/>
+                  <a:t>undamped</a:t>
+                </a:r>
+                <a:endParaRPr lang="de-DE" sz="2400" dirty="0"/>
+              </a:p>
+              <a:p>
+                <a:r>
+                  <a:rPr lang="de-DE" sz="2400" dirty="0"/>
+                  <a:t>An </a:t>
+                </a:r>
+                <a14:m>
+                  <m:oMath xmlns:m="http://schemas.openxmlformats.org/officeDocument/2006/math">
+                    <m:r>
+                      <a:rPr lang="de-DE" sz="2400" i="1">
+                        <a:latin typeface="Cambria Math" panose="02040503050406030204" pitchFamily="18" charset="0"/>
+                      </a:rPr>
+                      <m:t>𝑅</m:t>
+                    </m:r>
+                    <m:r>
+                      <a:rPr lang="de-DE" sz="2400" b="0" i="1" smtClean="0">
+                        <a:latin typeface="Cambria Math" panose="02040503050406030204" pitchFamily="18" charset="0"/>
+                      </a:rPr>
+                      <m:t>𝐿</m:t>
+                    </m:r>
+                    <m:r>
+                      <a:rPr lang="de-DE" sz="2400" i="1">
+                        <a:latin typeface="Cambria Math" panose="02040503050406030204" pitchFamily="18" charset="0"/>
+                      </a:rPr>
+                      <m:t>𝐶</m:t>
+                    </m:r>
+                  </m:oMath>
+                </a14:m>
+                <a:r>
+                  <a:rPr lang="de-DE" sz="2400" dirty="0"/>
+                  <a:t> </a:t>
+                </a:r>
+                <a:r>
+                  <a:rPr lang="de-DE" sz="2400" dirty="0" err="1"/>
+                  <a:t>circuit</a:t>
+                </a:r>
+                <a:r>
+                  <a:rPr lang="de-DE" sz="2400" dirty="0"/>
+                  <a:t> </a:t>
+                </a:r>
+                <a:r>
+                  <a:rPr lang="de-DE" sz="2400" dirty="0" err="1"/>
+                  <a:t>is</a:t>
+                </a:r>
+                <a:r>
+                  <a:rPr lang="de-DE" sz="2400" dirty="0"/>
+                  <a:t> a PT2 </a:t>
+                </a:r>
+                <a:r>
+                  <a:rPr lang="de-DE" sz="2400" dirty="0" err="1"/>
+                  <a:t>system</a:t>
+                </a:r>
+                <a:r>
+                  <a:rPr lang="de-DE" sz="2400" dirty="0"/>
+                  <a:t> </a:t>
+                </a:r>
+                <a:r>
+                  <a:rPr lang="de-DE" sz="2400" dirty="0" err="1"/>
+                  <a:t>whose</a:t>
+                </a:r>
+                <a:r>
+                  <a:rPr lang="de-DE" sz="2400" dirty="0"/>
+                  <a:t> </a:t>
+                </a:r>
+                <a:r>
+                  <a:rPr lang="de-DE" sz="2400" dirty="0" err="1"/>
+                  <a:t>step</a:t>
+                </a:r>
+                <a:r>
+                  <a:rPr lang="de-DE" sz="2400" dirty="0"/>
+                  <a:t> </a:t>
+                </a:r>
+                <a:r>
+                  <a:rPr lang="de-DE" sz="2400" dirty="0" err="1"/>
+                  <a:t>response</a:t>
+                </a:r>
+                <a:r>
+                  <a:rPr lang="de-DE" sz="2400" dirty="0"/>
+                  <a:t> </a:t>
+                </a:r>
+                <a:r>
+                  <a:rPr lang="de-DE" sz="2400" dirty="0" err="1"/>
+                  <a:t>is</a:t>
+                </a:r>
+                <a:r>
+                  <a:rPr lang="de-DE" sz="2400" dirty="0"/>
+                  <a:t> </a:t>
+                </a:r>
+                <a:r>
+                  <a:rPr lang="de-DE" sz="2400" dirty="0" err="1"/>
+                  <a:t>governed</a:t>
+                </a:r>
+                <a:r>
+                  <a:rPr lang="de-DE" sz="2400" dirty="0"/>
+                  <a:t> </a:t>
+                </a:r>
+                <a:r>
+                  <a:rPr lang="de-DE" sz="2400" dirty="0" err="1"/>
+                  <a:t>by</a:t>
+                </a:r>
+                <a:r>
+                  <a:rPr lang="de-DE" sz="2400" dirty="0"/>
+                  <a:t> </a:t>
+                </a:r>
+                <a:r>
+                  <a:rPr lang="de-DE" sz="2400" dirty="0" err="1"/>
+                  <a:t>natural</a:t>
+                </a:r>
+                <a:r>
+                  <a:rPr lang="de-DE" sz="2400" dirty="0"/>
+                  <a:t> </a:t>
+                </a:r>
+                <a:r>
+                  <a:rPr lang="de-DE" sz="2400" dirty="0" err="1"/>
+                  <a:t>frequency</a:t>
+                </a:r>
+                <a:r>
+                  <a:rPr lang="de-DE" sz="2400" dirty="0"/>
+                  <a:t> and </a:t>
+                </a:r>
+                <a:r>
+                  <a:rPr lang="de-DE" sz="2400" dirty="0" err="1"/>
+                  <a:t>damping</a:t>
+                </a:r>
+                <a:r>
+                  <a:rPr lang="de-DE" sz="2400" dirty="0"/>
+                  <a:t>, </a:t>
+                </a:r>
+                <a:r>
+                  <a:rPr lang="de-DE" sz="2400" dirty="0" err="1"/>
+                  <a:t>exactly</a:t>
+                </a:r>
+                <a:r>
+                  <a:rPr lang="de-DE" sz="2400" dirty="0"/>
+                  <a:t> like a </a:t>
+                </a:r>
+                <a:r>
+                  <a:rPr lang="de-DE" sz="2400" dirty="0" err="1"/>
+                  <a:t>mass</a:t>
+                </a:r>
+                <a:r>
+                  <a:rPr lang="de-DE" sz="2400" dirty="0"/>
+                  <a:t>–spring–</a:t>
+                </a:r>
+                <a:r>
+                  <a:rPr lang="de-DE" sz="2400" dirty="0" err="1"/>
+                  <a:t>damper</a:t>
+                </a:r>
+                <a:r>
+                  <a:rPr lang="de-DE" sz="2400" dirty="0"/>
+                  <a:t> </a:t>
+                </a:r>
+                <a:r>
+                  <a:rPr lang="de-DE" sz="2400" dirty="0" err="1"/>
+                  <a:t>system</a:t>
+                </a:r>
+                <a:r>
+                  <a:rPr lang="de-DE" sz="2400" dirty="0"/>
+                  <a:t>.</a:t>
+                </a:r>
+              </a:p>
+              <a:p>
+                <a:r>
+                  <a:rPr lang="de-DE" sz="2400" dirty="0" err="1"/>
+                  <a:t>Frequency</a:t>
+                </a:r>
+                <a:r>
+                  <a:rPr lang="de-DE" sz="2400" dirty="0"/>
+                  <a:t> </a:t>
+                </a:r>
+                <a:r>
+                  <a:rPr lang="de-DE" sz="2400" dirty="0" err="1"/>
+                  <a:t>response</a:t>
+                </a:r>
+                <a:r>
+                  <a:rPr lang="de-DE" sz="2400" dirty="0"/>
+                  <a:t> (</a:t>
+                </a:r>
+                <a:r>
+                  <a:rPr lang="de-DE" sz="2400" dirty="0" err="1"/>
+                  <a:t>resonance</a:t>
+                </a:r>
+                <a:r>
+                  <a:rPr lang="de-DE" sz="2400" dirty="0"/>
+                  <a:t>) </a:t>
+                </a:r>
+                <a:r>
+                  <a:rPr lang="de-DE" sz="2400" dirty="0" err="1"/>
+                  <a:t>describes</a:t>
+                </a:r>
+                <a:r>
+                  <a:rPr lang="de-DE" sz="2400" dirty="0"/>
+                  <a:t> </a:t>
+                </a:r>
+                <a:r>
+                  <a:rPr lang="de-DE" sz="2400" dirty="0" err="1"/>
+                  <a:t>sinusoidal</a:t>
+                </a:r>
+                <a:r>
+                  <a:rPr lang="de-DE" sz="2400" dirty="0"/>
+                  <a:t> </a:t>
+                </a:r>
+                <a:r>
+                  <a:rPr lang="de-DE" sz="2400" dirty="0" err="1"/>
+                  <a:t>forcing</a:t>
+                </a:r>
+                <a:r>
+                  <a:rPr lang="de-DE" sz="2400" dirty="0"/>
+                  <a:t>. Here </a:t>
+                </a:r>
+                <a:r>
+                  <a:rPr lang="de-DE" sz="2400" dirty="0" err="1"/>
+                  <a:t>we</a:t>
+                </a:r>
+                <a:r>
+                  <a:rPr lang="de-DE" sz="2400" dirty="0"/>
+                  <a:t> </a:t>
+                </a:r>
+                <a:r>
+                  <a:rPr lang="de-DE" sz="2400" dirty="0" err="1"/>
+                  <a:t>focus</a:t>
+                </a:r>
+                <a:r>
+                  <a:rPr lang="de-DE" sz="2400" dirty="0"/>
+                  <a:t> on </a:t>
+                </a:r>
+                <a:r>
+                  <a:rPr lang="de-DE" sz="2400" dirty="0" err="1"/>
+                  <a:t>step</a:t>
+                </a:r>
+                <a:r>
+                  <a:rPr lang="de-DE" sz="2400" dirty="0"/>
+                  <a:t> </a:t>
+                </a:r>
+                <a:r>
+                  <a:rPr lang="de-DE" sz="2400" dirty="0" err="1"/>
+                  <a:t>response</a:t>
+                </a:r>
+                <a:r>
+                  <a:rPr lang="de-DE" sz="2400" dirty="0"/>
+                  <a:t> and transient </a:t>
+                </a:r>
+                <a:r>
+                  <a:rPr lang="de-DE" sz="2400" dirty="0" err="1"/>
+                  <a:t>behavior</a:t>
+                </a:r>
+                <a:r>
+                  <a:rPr lang="de-DE" sz="2400" dirty="0"/>
+                  <a:t>.</a:t>
+                </a:r>
+              </a:p>
+            </p:txBody>
+          </p:sp>
+        </mc:Choice>
+        <mc:Fallback xmlns="">
+          <p:sp>
+            <p:nvSpPr>
+              <p:cNvPr id="3" name="Inhaltsplatzhalter 2">
+                <a:extLst>
+                  <a:ext uri="{FF2B5EF4-FFF2-40B4-BE49-F238E27FC236}">
+                    <a16:creationId xmlns:a16="http://schemas.microsoft.com/office/drawing/2014/main" id="{B776577C-FB27-48A1-08F9-6C0DDED2A899}"/>
+                  </a:ext>
+                </a:extLst>
+              </p:cNvPr>
+              <p:cNvSpPr>
+                <a:spLocks noGrp="1" noRot="1" noChangeAspect="1" noMove="1" noResize="1" noEditPoints="1" noAdjustHandles="1" noChangeArrowheads="1" noChangeShapeType="1" noTextEdit="1"/>
+              </p:cNvSpPr>
+              <p:nvPr>
+                <p:ph idx="1"/>
+              </p:nvPr>
+            </p:nvSpPr>
+            <p:spPr>
+              <a:xfrm>
+                <a:off x="838200" y="1825624"/>
+                <a:ext cx="10515600" cy="4667251"/>
+              </a:xfrm>
+              <a:blipFill>
+                <a:blip r:embed="rId2"/>
+                <a:stretch>
+                  <a:fillRect l="-844" r="-483"/>
+                </a:stretch>
+              </a:blipFill>
+            </p:spPr>
+            <p:txBody>
+              <a:bodyPr/>
+              <a:lstStyle/>
+              <a:p>
+                <a:r>
+                  <a:rPr lang="de-DE">
+                    <a:noFill/>
+                  </a:rPr>
+                  <a:t> </a:t>
+                </a:r>
+              </a:p>
+            </p:txBody>
+          </p:sp>
+        </mc:Fallback>
+      </mc:AlternateContent>
       <p:sp>
         <p:nvSpPr>
           <p:cNvPr id="4" name="Foliennummernplatzhalter 3">
@@ -14955,765 +18736,12 @@
           </a:p>
         </p:txBody>
       </p:sp>
-    </p:spTree>
-    <p:extLst>
-      <p:ext uri="{BB962C8B-B14F-4D97-AF65-F5344CB8AC3E}">
-        <p14:creationId xmlns:p14="http://schemas.microsoft.com/office/powerpoint/2010/main" val="1540953940"/>
-      </p:ext>
-    </p:extLst>
-  </p:cSld>
-  <p:clrMapOvr>
-    <a:masterClrMapping/>
-  </p:clrMapOvr>
-</p:sld>
-</file>
-
-<file path=ppt/slides/slide22.xml><?xml version="1.0" encoding="utf-8"?>
-<p:sld xmlns:a="http://schemas.openxmlformats.org/drawingml/2006/main" xmlns:r="http://schemas.openxmlformats.org/officeDocument/2006/relationships" xmlns:p="http://schemas.openxmlformats.org/presentationml/2006/main">
-  <p:cSld>
-    <p:spTree>
-      <p:nvGrpSpPr>
-        <p:cNvPr id="1" name=""/>
-        <p:cNvGrpSpPr/>
-        <p:nvPr/>
-      </p:nvGrpSpPr>
-      <p:grpSpPr>
-        <a:xfrm>
-          <a:off x="0" y="0"/>
-          <a:ext cx="0" cy="0"/>
-          <a:chOff x="0" y="0"/>
-          <a:chExt cx="0" cy="0"/>
-        </a:xfrm>
-      </p:grpSpPr>
       <p:sp>
         <p:nvSpPr>
-          <p:cNvPr id="2" name="Titel 1">
+          <p:cNvPr id="5" name="Textfeld 4">
             <a:extLst>
               <a:ext uri="{FF2B5EF4-FFF2-40B4-BE49-F238E27FC236}">
-                <a16:creationId xmlns:a16="http://schemas.microsoft.com/office/drawing/2014/main" id="{18E84638-C982-10BE-20D3-8A434FD9C642}"/>
-              </a:ext>
-            </a:extLst>
-          </p:cNvPr>
-          <p:cNvSpPr>
-            <a:spLocks noGrp="1"/>
-          </p:cNvSpPr>
-          <p:nvPr>
-            <p:ph type="title"/>
-          </p:nvPr>
-        </p:nvSpPr>
-        <p:spPr/>
-        <p:txBody>
-          <a:bodyPr/>
-          <a:lstStyle/>
-          <a:p>
-            <a:r>
-              <a:rPr lang="de-DE" dirty="0"/>
-              <a:t>Series Resonant Circuit</a:t>
-            </a:r>
-          </a:p>
-        </p:txBody>
-      </p:sp>
-      <mc:AlternateContent xmlns:mc="http://schemas.openxmlformats.org/markup-compatibility/2006" xmlns:a14="http://schemas.microsoft.com/office/drawing/2010/main">
-        <mc:Choice Requires="a14">
-          <p:sp>
-            <p:nvSpPr>
-              <p:cNvPr id="3" name="Inhaltsplatzhalter 2">
-                <a:extLst>
-                  <a:ext uri="{FF2B5EF4-FFF2-40B4-BE49-F238E27FC236}">
-                    <a16:creationId xmlns:a16="http://schemas.microsoft.com/office/drawing/2014/main" id="{6A81C956-F98E-4012-2BF8-F0E74D05EF31}"/>
-                  </a:ext>
-                </a:extLst>
-              </p:cNvPr>
-              <p:cNvSpPr>
-                <a:spLocks noGrp="1"/>
-              </p:cNvSpPr>
-              <p:nvPr>
-                <p:ph idx="1"/>
-              </p:nvPr>
-            </p:nvSpPr>
-            <p:spPr>
-              <a:xfrm>
-                <a:off x="838200" y="1825625"/>
-                <a:ext cx="6333467" cy="4351338"/>
-              </a:xfrm>
-            </p:spPr>
-            <p:txBody>
-              <a:bodyPr>
-                <a:normAutofit fontScale="85000" lnSpcReduction="20000"/>
-              </a:bodyPr>
-              <a:lstStyle/>
-              <a:p>
-                <a:pPr marL="0" indent="0">
-                  <a:buNone/>
-                </a:pPr>
-                <a14:m>
-                  <m:oMathPara xmlns:m="http://schemas.openxmlformats.org/officeDocument/2006/math">
-                    <m:oMathParaPr>
-                      <m:jc m:val="centerGroup"/>
-                    </m:oMathParaPr>
-                    <m:oMath xmlns:m="http://schemas.openxmlformats.org/officeDocument/2006/math">
-                      <m:bar>
-                        <m:barPr>
-                          <m:ctrlPr>
-                            <a:rPr lang="de-DE" i="1">
-                              <a:latin typeface="Cambria Math" panose="02040503050406030204" pitchFamily="18" charset="0"/>
-                            </a:rPr>
-                          </m:ctrlPr>
-                        </m:barPr>
-                        <m:e>
-                          <m:r>
-                            <a:rPr lang="de-DE" i="1">
-                              <a:latin typeface="Cambria Math" panose="02040503050406030204" pitchFamily="18" charset="0"/>
-                            </a:rPr>
-                            <m:t>𝑍</m:t>
-                          </m:r>
-                        </m:e>
-                      </m:bar>
-                      <m:r>
-                        <a:rPr lang="de-DE">
-                          <a:latin typeface="Cambria Math" panose="02040503050406030204" pitchFamily="18" charset="0"/>
-                        </a:rPr>
-                        <m:t>=</m:t>
-                      </m:r>
-                      <m:r>
-                        <a:rPr lang="de-DE" i="1">
-                          <a:latin typeface="Cambria Math" panose="02040503050406030204" pitchFamily="18" charset="0"/>
-                        </a:rPr>
-                        <m:t>𝑅</m:t>
-                      </m:r>
-                      <m:r>
-                        <a:rPr lang="de-DE">
-                          <a:latin typeface="Cambria Math" panose="02040503050406030204" pitchFamily="18" charset="0"/>
-                        </a:rPr>
-                        <m:t>+</m:t>
-                      </m:r>
-                      <m:r>
-                        <a:rPr lang="de-DE" i="1">
-                          <a:latin typeface="Cambria Math" panose="02040503050406030204" pitchFamily="18" charset="0"/>
-                        </a:rPr>
-                        <m:t>𝑗</m:t>
-                      </m:r>
-                      <m:d>
-                        <m:dPr>
-                          <m:ctrlPr>
-                            <a:rPr lang="de-DE" i="1">
-                              <a:latin typeface="Cambria Math" panose="02040503050406030204" pitchFamily="18" charset="0"/>
-                            </a:rPr>
-                          </m:ctrlPr>
-                        </m:dPr>
-                        <m:e>
-                          <m:r>
-                            <a:rPr lang="de-DE" i="1">
-                              <a:latin typeface="Cambria Math" panose="02040503050406030204" pitchFamily="18" charset="0"/>
-                            </a:rPr>
-                            <m:t>𝜔</m:t>
-                          </m:r>
-                          <m:r>
-                            <a:rPr lang="de-DE" i="1">
-                              <a:latin typeface="Cambria Math" panose="02040503050406030204" pitchFamily="18" charset="0"/>
-                            </a:rPr>
-                            <m:t>𝐿</m:t>
-                          </m:r>
-                          <m:r>
-                            <a:rPr lang="de-DE">
-                              <a:latin typeface="Cambria Math" panose="02040503050406030204" pitchFamily="18" charset="0"/>
-                            </a:rPr>
-                            <m:t>−</m:t>
-                          </m:r>
-                          <m:f>
-                            <m:fPr>
-                              <m:ctrlPr>
-                                <a:rPr lang="de-DE" i="1">
-                                  <a:latin typeface="Cambria Math" panose="02040503050406030204" pitchFamily="18" charset="0"/>
-                                </a:rPr>
-                              </m:ctrlPr>
-                            </m:fPr>
-                            <m:num>
-                              <m:r>
-                                <a:rPr lang="de-DE">
-                                  <a:latin typeface="Cambria Math" panose="02040503050406030204" pitchFamily="18" charset="0"/>
-                                </a:rPr>
-                                <m:t>1</m:t>
-                              </m:r>
-                            </m:num>
-                            <m:den>
-                              <m:r>
-                                <a:rPr lang="de-DE" i="1">
-                                  <a:latin typeface="Cambria Math" panose="02040503050406030204" pitchFamily="18" charset="0"/>
-                                </a:rPr>
-                                <m:t>𝜔</m:t>
-                              </m:r>
-                              <m:r>
-                                <a:rPr lang="de-DE" i="1">
-                                  <a:latin typeface="Cambria Math" panose="02040503050406030204" pitchFamily="18" charset="0"/>
-                                </a:rPr>
-                                <m:t>𝐶</m:t>
-                              </m:r>
-                            </m:den>
-                          </m:f>
-                        </m:e>
-                      </m:d>
-                    </m:oMath>
-                  </m:oMathPara>
-                </a14:m>
-                <a:endParaRPr lang="de-DE" dirty="0"/>
-              </a:p>
-              <a:p>
-                <a:pPr marL="0" indent="0">
-                  <a:buNone/>
-                </a:pPr>
-                <a:endParaRPr lang="de-DE" dirty="0"/>
-              </a:p>
-              <a:p>
-                <a:pPr marL="0" indent="0">
-                  <a:buNone/>
-                </a:pPr>
-                <a:r>
-                  <a:rPr lang="de-DE" dirty="0" err="1"/>
-                  <a:t>resonance</a:t>
-                </a:r>
-                <a:r>
-                  <a:rPr lang="de-DE" dirty="0"/>
-                  <a:t> </a:t>
-                </a:r>
-                <a:r>
-                  <a:rPr lang="de-DE" dirty="0" err="1"/>
-                  <a:t>frequency</a:t>
-                </a:r>
-                <a:r>
-                  <a:rPr lang="de-DE" dirty="0"/>
-                  <a:t> </a:t>
-                </a:r>
-                <a14:m>
-                  <m:oMath xmlns:m="http://schemas.openxmlformats.org/officeDocument/2006/math">
-                    <m:sSub>
-                      <m:sSubPr>
-                        <m:ctrlPr>
-                          <a:rPr lang="de-DE" i="1">
-                            <a:latin typeface="Cambria Math" panose="02040503050406030204" pitchFamily="18" charset="0"/>
-                          </a:rPr>
-                        </m:ctrlPr>
-                      </m:sSubPr>
-                      <m:e>
-                        <m:r>
-                          <a:rPr lang="de-DE" i="1">
-                            <a:latin typeface="Cambria Math" panose="02040503050406030204" pitchFamily="18" charset="0"/>
-                          </a:rPr>
-                          <m:t>𝑓</m:t>
-                        </m:r>
-                      </m:e>
-                      <m:sub>
-                        <m:r>
-                          <a:rPr lang="de-DE">
-                            <a:latin typeface="Cambria Math" panose="02040503050406030204" pitchFamily="18" charset="0"/>
-                          </a:rPr>
-                          <m:t>0</m:t>
-                        </m:r>
-                      </m:sub>
-                    </m:sSub>
-                  </m:oMath>
-                </a14:m>
-                <a:r>
-                  <a:rPr lang="de-DE" dirty="0"/>
-                  <a:t>: </a:t>
-                </a:r>
-                <a:r>
-                  <a:rPr lang="de-DE" dirty="0" err="1"/>
-                  <a:t>inductive</a:t>
-                </a:r>
-                <a:r>
-                  <a:rPr lang="de-DE" dirty="0"/>
-                  <a:t> and </a:t>
-                </a:r>
-                <a:r>
-                  <a:rPr lang="de-DE" dirty="0" err="1"/>
-                  <a:t>capacitive</a:t>
-                </a:r>
-                <a:r>
-                  <a:rPr lang="de-DE" dirty="0"/>
-                  <a:t> </a:t>
-                </a:r>
-                <a:r>
-                  <a:rPr lang="de-DE" dirty="0" err="1"/>
-                  <a:t>reactances</a:t>
-                </a:r>
-                <a:r>
-                  <a:rPr lang="de-DE" dirty="0"/>
-                  <a:t> </a:t>
-                </a:r>
-                <a:r>
-                  <a:rPr lang="de-DE" dirty="0" err="1"/>
-                  <a:t>cancel</a:t>
-                </a:r>
-                <a:r>
-                  <a:rPr lang="de-DE" dirty="0"/>
-                  <a:t> </a:t>
-                </a:r>
-                <a:r>
-                  <a:rPr lang="de-DE" dirty="0" err="1"/>
-                  <a:t>each</a:t>
-                </a:r>
-                <a:r>
-                  <a:rPr lang="de-DE" dirty="0"/>
-                  <a:t> </a:t>
-                </a:r>
-                <a:r>
-                  <a:rPr lang="de-DE" dirty="0" err="1"/>
-                  <a:t>other</a:t>
-                </a:r>
-                <a:r>
-                  <a:rPr lang="de-DE" dirty="0"/>
-                  <a:t> out</a:t>
-                </a:r>
-              </a:p>
-              <a:p>
-                <a:pPr marL="0" indent="0">
-                  <a:buNone/>
-                </a:pPr>
-                <a:endParaRPr lang="de-DE" dirty="0"/>
-              </a:p>
-              <a:p>
-                <a:pPr marL="0" indent="0">
-                  <a:buNone/>
-                </a:pPr>
-                <a14:m>
-                  <m:oMathPara xmlns:m="http://schemas.openxmlformats.org/officeDocument/2006/math">
-                    <m:oMathParaPr>
-                      <m:jc m:val="centerGroup"/>
-                    </m:oMathParaPr>
-                    <m:oMath xmlns:m="http://schemas.openxmlformats.org/officeDocument/2006/math">
-                      <m:sSub>
-                        <m:sSubPr>
-                          <m:ctrlPr>
-                            <a:rPr lang="de-DE" i="1">
-                              <a:latin typeface="Cambria Math" panose="02040503050406030204" pitchFamily="18" charset="0"/>
-                            </a:rPr>
-                          </m:ctrlPr>
-                        </m:sSubPr>
-                        <m:e>
-                          <m:r>
-                            <a:rPr lang="de-DE" i="1">
-                              <a:latin typeface="Cambria Math" panose="02040503050406030204" pitchFamily="18" charset="0"/>
-                            </a:rPr>
-                            <m:t>𝜔</m:t>
-                          </m:r>
-                        </m:e>
-                        <m:sub>
-                          <m:r>
-                            <a:rPr lang="de-DE">
-                              <a:latin typeface="Cambria Math" panose="02040503050406030204" pitchFamily="18" charset="0"/>
-                            </a:rPr>
-                            <m:t>0</m:t>
-                          </m:r>
-                        </m:sub>
-                      </m:sSub>
-                      <m:r>
-                        <a:rPr lang="de-DE" i="1">
-                          <a:latin typeface="Cambria Math" panose="02040503050406030204" pitchFamily="18" charset="0"/>
-                        </a:rPr>
-                        <m:t>𝐿</m:t>
-                      </m:r>
-                      <m:r>
-                        <a:rPr lang="de-DE">
-                          <a:latin typeface="Cambria Math" panose="02040503050406030204" pitchFamily="18" charset="0"/>
-                        </a:rPr>
-                        <m:t>−</m:t>
-                      </m:r>
-                      <m:f>
-                        <m:fPr>
-                          <m:ctrlPr>
-                            <a:rPr lang="de-DE" i="1">
-                              <a:latin typeface="Cambria Math" panose="02040503050406030204" pitchFamily="18" charset="0"/>
-                            </a:rPr>
-                          </m:ctrlPr>
-                        </m:fPr>
-                        <m:num>
-                          <m:r>
-                            <a:rPr lang="de-DE">
-                              <a:latin typeface="Cambria Math" panose="02040503050406030204" pitchFamily="18" charset="0"/>
-                            </a:rPr>
-                            <m:t>1</m:t>
-                          </m:r>
-                        </m:num>
-                        <m:den>
-                          <m:sSub>
-                            <m:sSubPr>
-                              <m:ctrlPr>
-                                <a:rPr lang="de-DE" i="1">
-                                  <a:latin typeface="Cambria Math" panose="02040503050406030204" pitchFamily="18" charset="0"/>
-                                </a:rPr>
-                              </m:ctrlPr>
-                            </m:sSubPr>
-                            <m:e>
-                              <m:r>
-                                <a:rPr lang="de-DE" i="1">
-                                  <a:latin typeface="Cambria Math" panose="02040503050406030204" pitchFamily="18" charset="0"/>
-                                </a:rPr>
-                                <m:t>𝜔</m:t>
-                              </m:r>
-                            </m:e>
-                            <m:sub>
-                              <m:r>
-                                <a:rPr lang="de-DE">
-                                  <a:latin typeface="Cambria Math" panose="02040503050406030204" pitchFamily="18" charset="0"/>
-                                </a:rPr>
-                                <m:t>0</m:t>
-                              </m:r>
-                            </m:sub>
-                          </m:sSub>
-                          <m:r>
-                            <a:rPr lang="de-DE" i="1">
-                              <a:latin typeface="Cambria Math" panose="02040503050406030204" pitchFamily="18" charset="0"/>
-                            </a:rPr>
-                            <m:t>𝐶</m:t>
-                          </m:r>
-                        </m:den>
-                      </m:f>
-                      <m:r>
-                        <a:rPr lang="de-DE">
-                          <a:latin typeface="Cambria Math" panose="02040503050406030204" pitchFamily="18" charset="0"/>
-                        </a:rPr>
-                        <m:t>=0</m:t>
-                      </m:r>
-                    </m:oMath>
-                  </m:oMathPara>
-                </a14:m>
-                <a:endParaRPr lang="de-DE" dirty="0">
-                  <a:latin typeface="Cambria Math" panose="02040503050406030204" pitchFamily="18" charset="0"/>
-                </a:endParaRPr>
-              </a:p>
-              <a:p>
-                <a:pPr marL="0" indent="0">
-                  <a:buNone/>
-                </a:pPr>
-                <a14:m>
-                  <m:oMathPara xmlns:m="http://schemas.openxmlformats.org/officeDocument/2006/math">
-                    <m:oMathParaPr>
-                      <m:jc m:val="centerGroup"/>
-                    </m:oMathParaPr>
-                    <m:oMath xmlns:m="http://schemas.openxmlformats.org/officeDocument/2006/math">
-                      <m:r>
-                        <a:rPr lang="de-DE" i="1" smtClean="0">
-                          <a:latin typeface="Cambria Math" panose="02040503050406030204" pitchFamily="18" charset="0"/>
-                          <a:ea typeface="Cambria Math" panose="02040503050406030204" pitchFamily="18" charset="0"/>
-                        </a:rPr>
-                        <m:t>→</m:t>
-                      </m:r>
-                      <m:sSub>
-                        <m:sSubPr>
-                          <m:ctrlPr>
-                            <a:rPr lang="de-DE" i="1">
-                              <a:latin typeface="Cambria Math" panose="02040503050406030204" pitchFamily="18" charset="0"/>
-                            </a:rPr>
-                          </m:ctrlPr>
-                        </m:sSubPr>
-                        <m:e>
-                          <m:r>
-                            <a:rPr lang="de-DE" i="1">
-                              <a:latin typeface="Cambria Math" panose="02040503050406030204" pitchFamily="18" charset="0"/>
-                            </a:rPr>
-                            <m:t>𝜔</m:t>
-                          </m:r>
-                        </m:e>
-                        <m:sub>
-                          <m:r>
-                            <a:rPr lang="de-DE">
-                              <a:latin typeface="Cambria Math" panose="02040503050406030204" pitchFamily="18" charset="0"/>
-                            </a:rPr>
-                            <m:t>0</m:t>
-                          </m:r>
-                        </m:sub>
-                      </m:sSub>
-                      <m:r>
-                        <a:rPr lang="de-DE">
-                          <a:latin typeface="Cambria Math" panose="02040503050406030204" pitchFamily="18" charset="0"/>
-                        </a:rPr>
-                        <m:t>=2</m:t>
-                      </m:r>
-                      <m:r>
-                        <a:rPr lang="de-DE" i="1">
-                          <a:latin typeface="Cambria Math" panose="02040503050406030204" pitchFamily="18" charset="0"/>
-                        </a:rPr>
-                        <m:t>𝜋</m:t>
-                      </m:r>
-                      <m:sSub>
-                        <m:sSubPr>
-                          <m:ctrlPr>
-                            <a:rPr lang="de-DE" i="1">
-                              <a:latin typeface="Cambria Math" panose="02040503050406030204" pitchFamily="18" charset="0"/>
-                            </a:rPr>
-                          </m:ctrlPr>
-                        </m:sSubPr>
-                        <m:e>
-                          <m:r>
-                            <a:rPr lang="de-DE" i="1">
-                              <a:latin typeface="Cambria Math" panose="02040503050406030204" pitchFamily="18" charset="0"/>
-                            </a:rPr>
-                            <m:t>𝑓</m:t>
-                          </m:r>
-                        </m:e>
-                        <m:sub>
-                          <m:r>
-                            <a:rPr lang="de-DE">
-                              <a:latin typeface="Cambria Math" panose="02040503050406030204" pitchFamily="18" charset="0"/>
-                            </a:rPr>
-                            <m:t>0</m:t>
-                          </m:r>
-                        </m:sub>
-                      </m:sSub>
-                      <m:r>
-                        <a:rPr lang="de-DE">
-                          <a:latin typeface="Cambria Math" panose="02040503050406030204" pitchFamily="18" charset="0"/>
-                        </a:rPr>
-                        <m:t>=</m:t>
-                      </m:r>
-                      <m:f>
-                        <m:fPr>
-                          <m:ctrlPr>
-                            <a:rPr lang="de-DE" i="1">
-                              <a:latin typeface="Cambria Math" panose="02040503050406030204" pitchFamily="18" charset="0"/>
-                            </a:rPr>
-                          </m:ctrlPr>
-                        </m:fPr>
-                        <m:num>
-                          <m:r>
-                            <a:rPr lang="de-DE">
-                              <a:latin typeface="Cambria Math" panose="02040503050406030204" pitchFamily="18" charset="0"/>
-                            </a:rPr>
-                            <m:t>1</m:t>
-                          </m:r>
-                        </m:num>
-                        <m:den>
-                          <m:rad>
-                            <m:radPr>
-                              <m:degHide m:val="on"/>
-                              <m:ctrlPr>
-                                <a:rPr lang="de-DE" i="1">
-                                  <a:latin typeface="Cambria Math" panose="02040503050406030204" pitchFamily="18" charset="0"/>
-                                </a:rPr>
-                              </m:ctrlPr>
-                            </m:radPr>
-                            <m:deg/>
-                            <m:e>
-                              <m:r>
-                                <a:rPr lang="de-DE" i="1">
-                                  <a:latin typeface="Cambria Math" panose="02040503050406030204" pitchFamily="18" charset="0"/>
-                                </a:rPr>
-                                <m:t>𝐿𝐶</m:t>
-                              </m:r>
-                            </m:e>
-                          </m:rad>
-                        </m:den>
-                      </m:f>
-                    </m:oMath>
-                  </m:oMathPara>
-                </a14:m>
-                <a:endParaRPr lang="de-DE" dirty="0"/>
-              </a:p>
-              <a:p>
-                <a:pPr marL="0" indent="0">
-                  <a:buNone/>
-                </a:pPr>
-                <a:endParaRPr lang="de-DE" dirty="0"/>
-              </a:p>
-              <a:p>
-                <a:pPr marL="0" indent="0">
-                  <a:buNone/>
-                </a:pPr>
-                <a14:m>
-                  <m:oMathPara xmlns:m="http://schemas.openxmlformats.org/officeDocument/2006/math">
-                    <m:oMathParaPr>
-                      <m:jc m:val="centerGroup"/>
-                    </m:oMathParaPr>
-                    <m:oMath xmlns:m="http://schemas.openxmlformats.org/officeDocument/2006/math">
-                      <m:bar>
-                        <m:barPr>
-                          <m:ctrlPr>
-                            <a:rPr lang="de-DE" i="1">
-                              <a:latin typeface="Cambria Math" panose="02040503050406030204" pitchFamily="18" charset="0"/>
-                            </a:rPr>
-                          </m:ctrlPr>
-                        </m:barPr>
-                        <m:e>
-                          <m:r>
-                            <a:rPr lang="de-DE" i="1">
-                              <a:latin typeface="Cambria Math" panose="02040503050406030204" pitchFamily="18" charset="0"/>
-                            </a:rPr>
-                            <m:t>𝑍</m:t>
-                          </m:r>
-                        </m:e>
-                      </m:bar>
-                      <m:d>
-                        <m:dPr>
-                          <m:ctrlPr>
-                            <a:rPr lang="de-DE" i="1">
-                              <a:latin typeface="Cambria Math" panose="02040503050406030204" pitchFamily="18" charset="0"/>
-                            </a:rPr>
-                          </m:ctrlPr>
-                        </m:dPr>
-                        <m:e>
-                          <m:sSub>
-                            <m:sSubPr>
-                              <m:ctrlPr>
-                                <a:rPr lang="de-DE" i="1">
-                                  <a:latin typeface="Cambria Math" panose="02040503050406030204" pitchFamily="18" charset="0"/>
-                                </a:rPr>
-                              </m:ctrlPr>
-                            </m:sSubPr>
-                            <m:e>
-                              <m:r>
-                                <a:rPr lang="de-DE" i="1">
-                                  <a:latin typeface="Cambria Math" panose="02040503050406030204" pitchFamily="18" charset="0"/>
-                                </a:rPr>
-                                <m:t>𝜔</m:t>
-                              </m:r>
-                            </m:e>
-                            <m:sub>
-                              <m:r>
-                                <a:rPr lang="de-DE">
-                                  <a:latin typeface="Cambria Math" panose="02040503050406030204" pitchFamily="18" charset="0"/>
-                                </a:rPr>
-                                <m:t>0</m:t>
-                              </m:r>
-                            </m:sub>
-                          </m:sSub>
-                        </m:e>
-                      </m:d>
-                      <m:r>
-                        <a:rPr lang="de-DE">
-                          <a:latin typeface="Cambria Math" panose="02040503050406030204" pitchFamily="18" charset="0"/>
-                        </a:rPr>
-                        <m:t>=</m:t>
-                      </m:r>
-                      <m:r>
-                        <a:rPr lang="de-DE" i="1">
-                          <a:latin typeface="Cambria Math" panose="02040503050406030204" pitchFamily="18" charset="0"/>
-                        </a:rPr>
-                        <m:t>𝑅</m:t>
-                      </m:r>
-                    </m:oMath>
-                  </m:oMathPara>
-                </a14:m>
-                <a:endParaRPr lang="de-DE" dirty="0"/>
-              </a:p>
-            </p:txBody>
-          </p:sp>
-        </mc:Choice>
-        <mc:Fallback xmlns="">
-          <p:sp>
-            <p:nvSpPr>
-              <p:cNvPr id="3" name="Inhaltsplatzhalter 2">
-                <a:extLst>
-                  <a:ext uri="{FF2B5EF4-FFF2-40B4-BE49-F238E27FC236}">
-                    <a16:creationId xmlns:a16="http://schemas.microsoft.com/office/drawing/2014/main" id="{6A81C956-F98E-4012-2BF8-F0E74D05EF31}"/>
-                  </a:ext>
-                </a:extLst>
-              </p:cNvPr>
-              <p:cNvSpPr>
-                <a:spLocks noGrp="1" noRot="1" noChangeAspect="1" noMove="1" noResize="1" noEditPoints="1" noAdjustHandles="1" noChangeArrowheads="1" noChangeShapeType="1" noTextEdit="1"/>
-              </p:cNvSpPr>
-              <p:nvPr>
-                <p:ph idx="1"/>
-              </p:nvPr>
-            </p:nvSpPr>
-            <p:spPr>
-              <a:xfrm>
-                <a:off x="838200" y="1825625"/>
-                <a:ext cx="6333467" cy="4351338"/>
-              </a:xfrm>
-              <a:blipFill>
-                <a:blip r:embed="rId2"/>
-                <a:stretch>
-                  <a:fillRect l="-1603"/>
-                </a:stretch>
-              </a:blipFill>
-            </p:spPr>
-            <p:txBody>
-              <a:bodyPr/>
-              <a:lstStyle/>
-              <a:p>
-                <a:r>
-                  <a:rPr lang="de-DE">
-                    <a:noFill/>
-                  </a:rPr>
-                  <a:t> </a:t>
-                </a:r>
-              </a:p>
-            </p:txBody>
-          </p:sp>
-        </mc:Fallback>
-      </mc:AlternateContent>
-      <p:sp>
-        <p:nvSpPr>
-          <p:cNvPr id="4" name="Foliennummernplatzhalter 3">
-            <a:extLst>
-              <a:ext uri="{FF2B5EF4-FFF2-40B4-BE49-F238E27FC236}">
-                <a16:creationId xmlns:a16="http://schemas.microsoft.com/office/drawing/2014/main" id="{2DDC4D0D-B959-7B54-F052-8C4FC3159DA6}"/>
-              </a:ext>
-            </a:extLst>
-          </p:cNvPr>
-          <p:cNvSpPr>
-            <a:spLocks noGrp="1"/>
-          </p:cNvSpPr>
-          <p:nvPr>
-            <p:ph type="sldNum" sz="quarter" idx="12"/>
-          </p:nvPr>
-        </p:nvSpPr>
-        <p:spPr/>
-        <p:txBody>
-          <a:bodyPr/>
-          <a:lstStyle/>
-          <a:p>
-            <a:fld id="{C3D1D914-B947-8E44-8E93-2211406D860E}" type="slidenum">
-              <a:rPr lang="de-DE" smtClean="0"/>
-              <a:t>22</a:t>
-            </a:fld>
-            <a:endParaRPr lang="de-DE"/>
-          </a:p>
-        </p:txBody>
-      </p:sp>
-      <p:pic>
-        <p:nvPicPr>
-          <p:cNvPr id="5" name="Inhaltsplatzhalter 4">
-            <a:extLst>
-              <a:ext uri="{FF2B5EF4-FFF2-40B4-BE49-F238E27FC236}">
-                <a16:creationId xmlns:a16="http://schemas.microsoft.com/office/drawing/2014/main" id="{3C1DC3EC-C4B9-C938-2070-158EC93D7CE1}"/>
-              </a:ext>
-            </a:extLst>
-          </p:cNvPr>
-          <p:cNvPicPr>
-            <a:picLocks noChangeAspect="1"/>
-          </p:cNvPicPr>
-          <p:nvPr/>
-        </p:nvPicPr>
-        <p:blipFill>
-          <a:blip r:embed="rId3" cstate="print">
-            <a:extLst>
-              <a:ext uri="{28A0092B-C50C-407E-A947-70E740481C1C}">
-                <a14:useLocalDpi xmlns:a14="http://schemas.microsoft.com/office/drawing/2010/main" val="0"/>
-              </a:ext>
-            </a:extLst>
-          </a:blip>
-          <a:stretch>
-            <a:fillRect/>
-          </a:stretch>
-        </p:blipFill>
-        <p:spPr>
-          <a:xfrm>
-            <a:off x="7171667" y="2304680"/>
-            <a:ext cx="4357722" cy="2245903"/>
-          </a:xfrm>
-          <a:prstGeom prst="rect">
-            <a:avLst/>
-          </a:prstGeom>
-        </p:spPr>
-      </p:pic>
-      <p:sp>
-        <p:nvSpPr>
-          <p:cNvPr id="7" name="Textfeld 6">
-            <a:extLst>
-              <a:ext uri="{FF2B5EF4-FFF2-40B4-BE49-F238E27FC236}">
-                <a16:creationId xmlns:a16="http://schemas.microsoft.com/office/drawing/2014/main" id="{0F267D04-5EB5-A661-CA0C-712C86781FD7}"/>
+                <a16:creationId xmlns:a16="http://schemas.microsoft.com/office/drawing/2014/main" id="{E041D073-0E9B-EB23-C1A8-59F7E0D72763}"/>
               </a:ext>
             </a:extLst>
           </p:cNvPr>
@@ -15722,8 +18750,8 @@
         </p:nvSpPr>
         <p:spPr>
           <a:xfrm>
-            <a:off x="7171667" y="5496910"/>
-            <a:ext cx="2490169" cy="461665"/>
+            <a:off x="8256233" y="1103345"/>
+            <a:ext cx="2534540" cy="461665"/>
           </a:xfrm>
           <a:prstGeom prst="rect">
             <a:avLst/>
@@ -15738,7 +18766,7 @@
           <a:p>
             <a:r>
               <a:rPr lang="de-DE" sz="2400" dirty="0" err="1"/>
-              <a:t>forced</a:t>
+              <a:t>step</a:t>
             </a:r>
             <a:r>
               <a:rPr lang="de-DE" sz="2400" dirty="0"/>
@@ -15746,7 +18774,15 @@
             </a:r>
             <a:r>
               <a:rPr lang="de-DE" sz="2400" dirty="0" err="1"/>
-              <a:t>oscillation</a:t>
+              <a:t>voltage</a:t>
+            </a:r>
+            <a:r>
+              <a:rPr lang="de-DE" sz="2400" dirty="0"/>
+              <a:t> </a:t>
+            </a:r>
+            <a:r>
+              <a:rPr lang="de-DE" sz="2400" dirty="0" err="1"/>
+              <a:t>input</a:t>
             </a:r>
             <a:endParaRPr lang="de-DE" sz="2400" dirty="0"/>
           </a:p>
@@ -15754,20 +18790,23 @@
       </p:sp>
       <p:cxnSp>
         <p:nvCxnSpPr>
-          <p:cNvPr id="9" name="Gerade Verbindung mit Pfeil 8">
+          <p:cNvPr id="7" name="Gerade Verbindung mit Pfeil 6">
             <a:extLst>
               <a:ext uri="{FF2B5EF4-FFF2-40B4-BE49-F238E27FC236}">
-                <a16:creationId xmlns:a16="http://schemas.microsoft.com/office/drawing/2014/main" id="{54A0F95D-4214-41CE-530D-25EDCF1CC937}"/>
+                <a16:creationId xmlns:a16="http://schemas.microsoft.com/office/drawing/2014/main" id="{74E62E3A-FA88-086C-31CA-4F93C23B62D2}"/>
               </a:ext>
             </a:extLst>
           </p:cNvPr>
-          <p:cNvCxnSpPr/>
+          <p:cNvCxnSpPr>
+            <a:cxnSpLocks/>
+            <a:stCxn id="5" idx="1"/>
+          </p:cNvCxnSpPr>
           <p:nvPr/>
         </p:nvCxnSpPr>
         <p:spPr>
-          <a:xfrm flipH="1" flipV="1">
-            <a:off x="7367752" y="4001294"/>
-            <a:ext cx="126124" cy="1579699"/>
+          <a:xfrm flipH="1">
+            <a:off x="7599285" y="1334178"/>
+            <a:ext cx="656948" cy="610032"/>
           </a:xfrm>
           <a:prstGeom prst="straightConnector1">
             <a:avLst/>
@@ -15793,10 +18832,10 @@
       </p:cxnSp>
       <p:sp>
         <p:nvSpPr>
-          <p:cNvPr id="10" name="Textfeld 9">
+          <p:cNvPr id="9" name="Textfeld 8">
             <a:extLst>
               <a:ext uri="{FF2B5EF4-FFF2-40B4-BE49-F238E27FC236}">
-                <a16:creationId xmlns:a16="http://schemas.microsoft.com/office/drawing/2014/main" id="{787EB48B-EFD9-94F7-AE86-18CA5A8F68D3}"/>
+                <a16:creationId xmlns:a16="http://schemas.microsoft.com/office/drawing/2014/main" id="{DAECF696-5BD3-6BB2-5A73-71CD57F5039A}"/>
               </a:ext>
             </a:extLst>
           </p:cNvPr>
@@ -15805,8 +18844,8 @@
         </p:nvSpPr>
         <p:spPr>
           <a:xfrm>
-            <a:off x="7626112" y="1211359"/>
-            <a:ext cx="1350050" cy="461665"/>
+            <a:off x="7112494" y="2451598"/>
+            <a:ext cx="3505960" cy="461665"/>
           </a:xfrm>
           <a:prstGeom prst="rect">
             <a:avLst/>
@@ -15821,7 +18860,23 @@
           <a:p>
             <a:r>
               <a:rPr lang="de-DE" sz="2400" dirty="0" err="1"/>
-              <a:t>damping</a:t>
+              <a:t>output</a:t>
+            </a:r>
+            <a:r>
+              <a:rPr lang="de-DE" sz="2400" dirty="0"/>
+              <a:t>: </a:t>
+            </a:r>
+            <a:r>
+              <a:rPr lang="de-DE" sz="2400" dirty="0" err="1"/>
+              <a:t>capacitor</a:t>
+            </a:r>
+            <a:r>
+              <a:rPr lang="de-DE" sz="2400" dirty="0"/>
+              <a:t> </a:t>
+            </a:r>
+            <a:r>
+              <a:rPr lang="de-DE" sz="2400" dirty="0" err="1"/>
+              <a:t>voltage</a:t>
             </a:r>
             <a:endParaRPr lang="de-DE" sz="2400" dirty="0"/>
           </a:p>
@@ -15829,22 +18884,22 @@
       </p:sp>
       <p:cxnSp>
         <p:nvCxnSpPr>
-          <p:cNvPr id="12" name="Gerade Verbindung mit Pfeil 11">
+          <p:cNvPr id="11" name="Gerade Verbindung mit Pfeil 10">
             <a:extLst>
               <a:ext uri="{FF2B5EF4-FFF2-40B4-BE49-F238E27FC236}">
-                <a16:creationId xmlns:a16="http://schemas.microsoft.com/office/drawing/2014/main" id="{051B736B-A12D-C42D-A17E-0B74C4D5152B}"/>
+                <a16:creationId xmlns:a16="http://schemas.microsoft.com/office/drawing/2014/main" id="{138487B8-9771-9580-F617-0AE759C7A161}"/>
               </a:ext>
             </a:extLst>
           </p:cNvPr>
           <p:cNvCxnSpPr>
-            <a:stCxn id="10" idx="2"/>
+            <a:cxnSpLocks/>
           </p:cNvCxnSpPr>
           <p:nvPr/>
         </p:nvCxnSpPr>
         <p:spPr>
-          <a:xfrm>
-            <a:off x="8301137" y="1673024"/>
-            <a:ext cx="380408" cy="1110985"/>
+          <a:xfrm flipH="1" flipV="1">
+            <a:off x="6755907" y="2272683"/>
+            <a:ext cx="346229" cy="408373"/>
           </a:xfrm>
           <a:prstGeom prst="straightConnector1">
             <a:avLst/>
@@ -15868,10 +18923,57 @@
           </a:fontRef>
         </p:style>
       </p:cxnSp>
+      <p:pic>
+        <p:nvPicPr>
+          <p:cNvPr id="1026" name="Picture 2">
+            <a:extLst>
+              <a:ext uri="{FF2B5EF4-FFF2-40B4-BE49-F238E27FC236}">
+                <a16:creationId xmlns:a16="http://schemas.microsoft.com/office/drawing/2014/main" id="{5F5D570C-A5DB-DD63-D9E0-F8AF60485699}"/>
+              </a:ext>
+            </a:extLst>
+          </p:cNvPr>
+          <p:cNvPicPr>
+            <a:picLocks noChangeAspect="1" noChangeArrowheads="1"/>
+          </p:cNvPicPr>
+          <p:nvPr/>
+        </p:nvPicPr>
+        <p:blipFill>
+          <a:blip r:embed="rId3">
+            <a:extLst>
+              <a:ext uri="{28A0092B-C50C-407E-A947-70E740481C1C}">
+                <a14:useLocalDpi xmlns:a14="http://schemas.microsoft.com/office/drawing/2010/main" val="0"/>
+              </a:ext>
+            </a:extLst>
+          </a:blip>
+          <a:srcRect/>
+          <a:stretch>
+            <a:fillRect/>
+          </a:stretch>
+        </p:blipFill>
+        <p:spPr bwMode="auto">
+          <a:xfrm>
+            <a:off x="939620" y="1433827"/>
+            <a:ext cx="1967099" cy="2725422"/>
+          </a:xfrm>
+          <a:prstGeom prst="rect">
+            <a:avLst/>
+          </a:prstGeom>
+          <a:noFill/>
+          <a:extLst>
+            <a:ext uri="{909E8E84-426E-40DD-AFC4-6F175D3DCCD1}">
+              <a14:hiddenFill xmlns:a14="http://schemas.microsoft.com/office/drawing/2010/main">
+                <a:solidFill>
+                  <a:srgbClr val="FFFFFF"/>
+                </a:solidFill>
+              </a14:hiddenFill>
+            </a:ext>
+          </a:extLst>
+        </p:spPr>
+      </p:pic>
     </p:spTree>
     <p:extLst>
       <p:ext uri="{BB962C8B-B14F-4D97-AF65-F5344CB8AC3E}">
-        <p14:creationId xmlns:p14="http://schemas.microsoft.com/office/powerpoint/2010/main" val="2733354083"/>
+        <p14:creationId xmlns:p14="http://schemas.microsoft.com/office/powerpoint/2010/main" val="1540953940"/>
       </p:ext>
     </p:extLst>
   </p:cSld>
@@ -15881,1127 +18983,7 @@
 </p:sld>
 </file>
 
-<file path=ppt/slides/slide23.xml><?xml version="1.0" encoding="utf-8"?>
-<p:sld xmlns:a="http://schemas.openxmlformats.org/drawingml/2006/main" xmlns:r="http://schemas.openxmlformats.org/officeDocument/2006/relationships" xmlns:p="http://schemas.openxmlformats.org/presentationml/2006/main">
-  <p:cSld>
-    <p:spTree>
-      <p:nvGrpSpPr>
-        <p:cNvPr id="1" name="">
-          <a:extLst>
-            <a:ext uri="{FF2B5EF4-FFF2-40B4-BE49-F238E27FC236}">
-              <a16:creationId xmlns:a16="http://schemas.microsoft.com/office/drawing/2014/main" id="{08C64EF0-7405-66A2-88B3-9851EEAF6224}"/>
-            </a:ext>
-          </a:extLst>
-        </p:cNvPr>
-        <p:cNvGrpSpPr/>
-        <p:nvPr/>
-      </p:nvGrpSpPr>
-      <p:grpSpPr>
-        <a:xfrm>
-          <a:off x="0" y="0"/>
-          <a:ext cx="0" cy="0"/>
-          <a:chOff x="0" y="0"/>
-          <a:chExt cx="0" cy="0"/>
-        </a:xfrm>
-      </p:grpSpPr>
-      <p:pic>
-        <p:nvPicPr>
-          <p:cNvPr id="6" name="Inhaltsplatzhalter 4">
-            <a:extLst>
-              <a:ext uri="{FF2B5EF4-FFF2-40B4-BE49-F238E27FC236}">
-                <a16:creationId xmlns:a16="http://schemas.microsoft.com/office/drawing/2014/main" id="{D3897AF6-FCE5-18D8-7D48-E66BFDC84231}"/>
-              </a:ext>
-            </a:extLst>
-          </p:cNvPr>
-          <p:cNvPicPr>
-            <a:picLocks noChangeAspect="1"/>
-          </p:cNvPicPr>
-          <p:nvPr/>
-        </p:nvPicPr>
-        <p:blipFill>
-          <a:blip r:embed="rId2" cstate="print">
-            <a:extLst>
-              <a:ext uri="{28A0092B-C50C-407E-A947-70E740481C1C}">
-                <a14:useLocalDpi xmlns:a14="http://schemas.microsoft.com/office/drawing/2010/main" val="0"/>
-              </a:ext>
-            </a:extLst>
-          </a:blip>
-          <a:stretch>
-            <a:fillRect/>
-          </a:stretch>
-        </p:blipFill>
-        <p:spPr>
-          <a:xfrm>
-            <a:off x="7171667" y="2782667"/>
-            <a:ext cx="4357722" cy="2251284"/>
-          </a:xfrm>
-          <a:prstGeom prst="rect">
-            <a:avLst/>
-          </a:prstGeom>
-        </p:spPr>
-      </p:pic>
-      <p:sp>
-        <p:nvSpPr>
-          <p:cNvPr id="2" name="Titel 1">
-            <a:extLst>
-              <a:ext uri="{FF2B5EF4-FFF2-40B4-BE49-F238E27FC236}">
-                <a16:creationId xmlns:a16="http://schemas.microsoft.com/office/drawing/2014/main" id="{75E046E7-1957-23C9-7BFA-8EFF81E08F5A}"/>
-              </a:ext>
-            </a:extLst>
-          </p:cNvPr>
-          <p:cNvSpPr>
-            <a:spLocks noGrp="1"/>
-          </p:cNvSpPr>
-          <p:nvPr>
-            <p:ph type="title"/>
-          </p:nvPr>
-        </p:nvSpPr>
-        <p:spPr/>
-        <p:txBody>
-          <a:bodyPr/>
-          <a:lstStyle/>
-          <a:p>
-            <a:r>
-              <a:rPr lang="de-DE" dirty="0"/>
-              <a:t>Parallel Resonant Circuit</a:t>
-            </a:r>
-          </a:p>
-        </p:txBody>
-      </p:sp>
-      <mc:AlternateContent xmlns:mc="http://schemas.openxmlformats.org/markup-compatibility/2006" xmlns:a14="http://schemas.microsoft.com/office/drawing/2010/main">
-        <mc:Choice Requires="a14">
-          <p:sp>
-            <p:nvSpPr>
-              <p:cNvPr id="3" name="Inhaltsplatzhalter 2">
-                <a:extLst>
-                  <a:ext uri="{FF2B5EF4-FFF2-40B4-BE49-F238E27FC236}">
-                    <a16:creationId xmlns:a16="http://schemas.microsoft.com/office/drawing/2014/main" id="{2B5DD263-2145-87EE-D7B1-ABB6DF2D1CF2}"/>
-                  </a:ext>
-                </a:extLst>
-              </p:cNvPr>
-              <p:cNvSpPr>
-                <a:spLocks noGrp="1"/>
-              </p:cNvSpPr>
-              <p:nvPr>
-                <p:ph idx="1"/>
-              </p:nvPr>
-            </p:nvSpPr>
-            <p:spPr>
-              <a:xfrm>
-                <a:off x="838200" y="1825624"/>
-                <a:ext cx="6333467" cy="4530725"/>
-              </a:xfrm>
-            </p:spPr>
-            <p:txBody>
-              <a:bodyPr>
-                <a:noAutofit/>
-              </a:bodyPr>
-              <a:lstStyle/>
-              <a:p>
-                <a:pPr marL="0" indent="0">
-                  <a:buNone/>
-                </a:pPr>
-                <a14:m>
-                  <m:oMathPara xmlns:m="http://schemas.openxmlformats.org/officeDocument/2006/math">
-                    <m:oMathParaPr>
-                      <m:jc m:val="centerGroup"/>
-                    </m:oMathParaPr>
-                    <m:oMath xmlns:m="http://schemas.openxmlformats.org/officeDocument/2006/math">
-                      <m:bar>
-                        <m:barPr>
-                          <m:ctrlPr>
-                            <a:rPr lang="de-DE" sz="2400" i="1">
-                              <a:latin typeface="Cambria Math" panose="02040503050406030204" pitchFamily="18" charset="0"/>
-                            </a:rPr>
-                          </m:ctrlPr>
-                        </m:barPr>
-                        <m:e>
-                          <m:r>
-                            <a:rPr lang="de-DE" sz="2400" i="1">
-                              <a:latin typeface="Cambria Math" panose="02040503050406030204" pitchFamily="18" charset="0"/>
-                            </a:rPr>
-                            <m:t>𝑌</m:t>
-                          </m:r>
-                        </m:e>
-                      </m:bar>
-                      <m:r>
-                        <a:rPr lang="de-DE" sz="2400">
-                          <a:latin typeface="Cambria Math" panose="02040503050406030204" pitchFamily="18" charset="0"/>
-                        </a:rPr>
-                        <m:t>=</m:t>
-                      </m:r>
-                      <m:r>
-                        <a:rPr lang="de-DE" sz="2400" i="1">
-                          <a:latin typeface="Cambria Math" panose="02040503050406030204" pitchFamily="18" charset="0"/>
-                        </a:rPr>
-                        <m:t>𝐺</m:t>
-                      </m:r>
-                      <m:r>
-                        <a:rPr lang="de-DE" sz="2400">
-                          <a:latin typeface="Cambria Math" panose="02040503050406030204" pitchFamily="18" charset="0"/>
-                        </a:rPr>
-                        <m:t>+</m:t>
-                      </m:r>
-                      <m:r>
-                        <a:rPr lang="de-DE" sz="2400" i="1">
-                          <a:latin typeface="Cambria Math" panose="02040503050406030204" pitchFamily="18" charset="0"/>
-                        </a:rPr>
-                        <m:t>𝑗</m:t>
-                      </m:r>
-                      <m:d>
-                        <m:dPr>
-                          <m:ctrlPr>
-                            <a:rPr lang="de-DE" sz="2400" i="1">
-                              <a:latin typeface="Cambria Math" panose="02040503050406030204" pitchFamily="18" charset="0"/>
-                            </a:rPr>
-                          </m:ctrlPr>
-                        </m:dPr>
-                        <m:e>
-                          <m:r>
-                            <a:rPr lang="de-DE" sz="2400" i="1">
-                              <a:latin typeface="Cambria Math" panose="02040503050406030204" pitchFamily="18" charset="0"/>
-                            </a:rPr>
-                            <m:t>𝜔</m:t>
-                          </m:r>
-                          <m:r>
-                            <a:rPr lang="de-DE" sz="2400" i="1">
-                              <a:latin typeface="Cambria Math" panose="02040503050406030204" pitchFamily="18" charset="0"/>
-                            </a:rPr>
-                            <m:t>𝐶</m:t>
-                          </m:r>
-                          <m:r>
-                            <a:rPr lang="de-DE" sz="2400">
-                              <a:latin typeface="Cambria Math" panose="02040503050406030204" pitchFamily="18" charset="0"/>
-                            </a:rPr>
-                            <m:t>−</m:t>
-                          </m:r>
-                          <m:f>
-                            <m:fPr>
-                              <m:ctrlPr>
-                                <a:rPr lang="de-DE" sz="2400" i="1">
-                                  <a:latin typeface="Cambria Math" panose="02040503050406030204" pitchFamily="18" charset="0"/>
-                                </a:rPr>
-                              </m:ctrlPr>
-                            </m:fPr>
-                            <m:num>
-                              <m:r>
-                                <a:rPr lang="de-DE" sz="2400">
-                                  <a:latin typeface="Cambria Math" panose="02040503050406030204" pitchFamily="18" charset="0"/>
-                                </a:rPr>
-                                <m:t>1</m:t>
-                              </m:r>
-                            </m:num>
-                            <m:den>
-                              <m:r>
-                                <a:rPr lang="de-DE" sz="2400" i="1">
-                                  <a:latin typeface="Cambria Math" panose="02040503050406030204" pitchFamily="18" charset="0"/>
-                                </a:rPr>
-                                <m:t>𝜔</m:t>
-                              </m:r>
-                              <m:r>
-                                <a:rPr lang="de-DE" sz="2400" i="1">
-                                  <a:latin typeface="Cambria Math" panose="02040503050406030204" pitchFamily="18" charset="0"/>
-                                </a:rPr>
-                                <m:t>𝐿</m:t>
-                              </m:r>
-                            </m:den>
-                          </m:f>
-                        </m:e>
-                      </m:d>
-                    </m:oMath>
-                  </m:oMathPara>
-                </a14:m>
-                <a:endParaRPr lang="de-DE" sz="2400" dirty="0"/>
-              </a:p>
-              <a:p>
-                <a:pPr marL="0" indent="0">
-                  <a:buNone/>
-                </a:pPr>
-                <a:endParaRPr lang="de-DE" sz="2400" dirty="0"/>
-              </a:p>
-              <a:p>
-                <a:pPr marL="0" indent="0">
-                  <a:buNone/>
-                </a:pPr>
-                <a14:m>
-                  <m:oMathPara xmlns:m="http://schemas.openxmlformats.org/officeDocument/2006/math">
-                    <m:oMathParaPr>
-                      <m:jc m:val="centerGroup"/>
-                    </m:oMathParaPr>
-                    <m:oMath xmlns:m="http://schemas.openxmlformats.org/officeDocument/2006/math">
-                      <m:sSub>
-                        <m:sSubPr>
-                          <m:ctrlPr>
-                            <a:rPr lang="de-DE" sz="2400" i="1">
-                              <a:latin typeface="Cambria Math" panose="02040503050406030204" pitchFamily="18" charset="0"/>
-                            </a:rPr>
-                          </m:ctrlPr>
-                        </m:sSubPr>
-                        <m:e>
-                          <m:r>
-                            <a:rPr lang="de-DE" sz="2400" i="1">
-                              <a:latin typeface="Cambria Math" panose="02040503050406030204" pitchFamily="18" charset="0"/>
-                            </a:rPr>
-                            <m:t>𝜔</m:t>
-                          </m:r>
-                        </m:e>
-                        <m:sub>
-                          <m:r>
-                            <a:rPr lang="de-DE" sz="2400">
-                              <a:latin typeface="Cambria Math" panose="02040503050406030204" pitchFamily="18" charset="0"/>
-                            </a:rPr>
-                            <m:t>0</m:t>
-                          </m:r>
-                        </m:sub>
-                      </m:sSub>
-                      <m:r>
-                        <a:rPr lang="de-DE" sz="2400" i="1">
-                          <a:latin typeface="Cambria Math" panose="02040503050406030204" pitchFamily="18" charset="0"/>
-                        </a:rPr>
-                        <m:t>𝐶</m:t>
-                      </m:r>
-                      <m:r>
-                        <a:rPr lang="de-DE" sz="2400">
-                          <a:latin typeface="Cambria Math" panose="02040503050406030204" pitchFamily="18" charset="0"/>
-                        </a:rPr>
-                        <m:t>−</m:t>
-                      </m:r>
-                      <m:f>
-                        <m:fPr>
-                          <m:ctrlPr>
-                            <a:rPr lang="de-DE" sz="2400" i="1">
-                              <a:latin typeface="Cambria Math" panose="02040503050406030204" pitchFamily="18" charset="0"/>
-                            </a:rPr>
-                          </m:ctrlPr>
-                        </m:fPr>
-                        <m:num>
-                          <m:r>
-                            <a:rPr lang="de-DE" sz="2400">
-                              <a:latin typeface="Cambria Math" panose="02040503050406030204" pitchFamily="18" charset="0"/>
-                            </a:rPr>
-                            <m:t>1</m:t>
-                          </m:r>
-                        </m:num>
-                        <m:den>
-                          <m:sSub>
-                            <m:sSubPr>
-                              <m:ctrlPr>
-                                <a:rPr lang="de-DE" sz="2400" i="1">
-                                  <a:latin typeface="Cambria Math" panose="02040503050406030204" pitchFamily="18" charset="0"/>
-                                </a:rPr>
-                              </m:ctrlPr>
-                            </m:sSubPr>
-                            <m:e>
-                              <m:r>
-                                <a:rPr lang="de-DE" sz="2400" i="1">
-                                  <a:latin typeface="Cambria Math" panose="02040503050406030204" pitchFamily="18" charset="0"/>
-                                </a:rPr>
-                                <m:t>𝜔</m:t>
-                              </m:r>
-                            </m:e>
-                            <m:sub>
-                              <m:r>
-                                <a:rPr lang="de-DE" sz="2400">
-                                  <a:latin typeface="Cambria Math" panose="02040503050406030204" pitchFamily="18" charset="0"/>
-                                </a:rPr>
-                                <m:t>0</m:t>
-                              </m:r>
-                            </m:sub>
-                          </m:sSub>
-                          <m:r>
-                            <a:rPr lang="de-DE" sz="2400" i="1">
-                              <a:latin typeface="Cambria Math" panose="02040503050406030204" pitchFamily="18" charset="0"/>
-                            </a:rPr>
-                            <m:t>𝐿</m:t>
-                          </m:r>
-                        </m:den>
-                      </m:f>
-                      <m:r>
-                        <a:rPr lang="de-DE" sz="2400">
-                          <a:latin typeface="Cambria Math" panose="02040503050406030204" pitchFamily="18" charset="0"/>
-                        </a:rPr>
-                        <m:t>=0</m:t>
-                      </m:r>
-                    </m:oMath>
-                  </m:oMathPara>
-                </a14:m>
-                <a:endParaRPr lang="de-DE" sz="2400" dirty="0">
-                  <a:latin typeface="Cambria Math" panose="02040503050406030204" pitchFamily="18" charset="0"/>
-                </a:endParaRPr>
-              </a:p>
-              <a:p>
-                <a:pPr marL="0" indent="0">
-                  <a:buNone/>
-                </a:pPr>
-                <a14:m>
-                  <m:oMathPara xmlns:m="http://schemas.openxmlformats.org/officeDocument/2006/math">
-                    <m:oMathParaPr>
-                      <m:jc m:val="centerGroup"/>
-                    </m:oMathParaPr>
-                    <m:oMath xmlns:m="http://schemas.openxmlformats.org/officeDocument/2006/math">
-                      <m:r>
-                        <a:rPr lang="de-DE" sz="2400" i="1" smtClean="0">
-                          <a:latin typeface="Cambria Math" panose="02040503050406030204" pitchFamily="18" charset="0"/>
-                          <a:ea typeface="Cambria Math" panose="02040503050406030204" pitchFamily="18" charset="0"/>
-                        </a:rPr>
-                        <m:t>→</m:t>
-                      </m:r>
-                      <m:sSub>
-                        <m:sSubPr>
-                          <m:ctrlPr>
-                            <a:rPr lang="de-DE" sz="2400" i="1">
-                              <a:latin typeface="Cambria Math" panose="02040503050406030204" pitchFamily="18" charset="0"/>
-                            </a:rPr>
-                          </m:ctrlPr>
-                        </m:sSubPr>
-                        <m:e>
-                          <m:r>
-                            <a:rPr lang="de-DE" sz="2400" i="1">
-                              <a:latin typeface="Cambria Math" panose="02040503050406030204" pitchFamily="18" charset="0"/>
-                            </a:rPr>
-                            <m:t>𝜔</m:t>
-                          </m:r>
-                        </m:e>
-                        <m:sub>
-                          <m:r>
-                            <a:rPr lang="de-DE" sz="2400">
-                              <a:latin typeface="Cambria Math" panose="02040503050406030204" pitchFamily="18" charset="0"/>
-                            </a:rPr>
-                            <m:t>0</m:t>
-                          </m:r>
-                        </m:sub>
-                      </m:sSub>
-                      <m:r>
-                        <a:rPr lang="de-DE" sz="2400">
-                          <a:latin typeface="Cambria Math" panose="02040503050406030204" pitchFamily="18" charset="0"/>
-                        </a:rPr>
-                        <m:t>=2</m:t>
-                      </m:r>
-                      <m:r>
-                        <a:rPr lang="de-DE" sz="2400" i="1">
-                          <a:latin typeface="Cambria Math" panose="02040503050406030204" pitchFamily="18" charset="0"/>
-                        </a:rPr>
-                        <m:t>𝜋</m:t>
-                      </m:r>
-                      <m:sSub>
-                        <m:sSubPr>
-                          <m:ctrlPr>
-                            <a:rPr lang="de-DE" sz="2400" i="1">
-                              <a:latin typeface="Cambria Math" panose="02040503050406030204" pitchFamily="18" charset="0"/>
-                            </a:rPr>
-                          </m:ctrlPr>
-                        </m:sSubPr>
-                        <m:e>
-                          <m:r>
-                            <a:rPr lang="de-DE" sz="2400" i="1">
-                              <a:latin typeface="Cambria Math" panose="02040503050406030204" pitchFamily="18" charset="0"/>
-                            </a:rPr>
-                            <m:t>𝑓</m:t>
-                          </m:r>
-                        </m:e>
-                        <m:sub>
-                          <m:r>
-                            <a:rPr lang="de-DE" sz="2400">
-                              <a:latin typeface="Cambria Math" panose="02040503050406030204" pitchFamily="18" charset="0"/>
-                            </a:rPr>
-                            <m:t>0</m:t>
-                          </m:r>
-                        </m:sub>
-                      </m:sSub>
-                      <m:r>
-                        <a:rPr lang="de-DE" sz="2400">
-                          <a:latin typeface="Cambria Math" panose="02040503050406030204" pitchFamily="18" charset="0"/>
-                        </a:rPr>
-                        <m:t>=</m:t>
-                      </m:r>
-                      <m:f>
-                        <m:fPr>
-                          <m:ctrlPr>
-                            <a:rPr lang="de-DE" sz="2400" i="1">
-                              <a:latin typeface="Cambria Math" panose="02040503050406030204" pitchFamily="18" charset="0"/>
-                            </a:rPr>
-                          </m:ctrlPr>
-                        </m:fPr>
-                        <m:num>
-                          <m:r>
-                            <a:rPr lang="de-DE" sz="2400">
-                              <a:latin typeface="Cambria Math" panose="02040503050406030204" pitchFamily="18" charset="0"/>
-                            </a:rPr>
-                            <m:t>1</m:t>
-                          </m:r>
-                        </m:num>
-                        <m:den>
-                          <m:rad>
-                            <m:radPr>
-                              <m:degHide m:val="on"/>
-                              <m:ctrlPr>
-                                <a:rPr lang="de-DE" sz="2400" i="1">
-                                  <a:latin typeface="Cambria Math" panose="02040503050406030204" pitchFamily="18" charset="0"/>
-                                </a:rPr>
-                              </m:ctrlPr>
-                            </m:radPr>
-                            <m:deg/>
-                            <m:e>
-                              <m:r>
-                                <a:rPr lang="de-DE" sz="2400" i="1">
-                                  <a:latin typeface="Cambria Math" panose="02040503050406030204" pitchFamily="18" charset="0"/>
-                                </a:rPr>
-                                <m:t>𝐿𝐶</m:t>
-                              </m:r>
-                            </m:e>
-                          </m:rad>
-                        </m:den>
-                      </m:f>
-                    </m:oMath>
-                  </m:oMathPara>
-                </a14:m>
-                <a:endParaRPr lang="de-DE" sz="2400" dirty="0"/>
-              </a:p>
-              <a:p>
-                <a:pPr marL="0" indent="0">
-                  <a:buNone/>
-                </a:pPr>
-                <a:endParaRPr lang="de-DE" sz="2400" dirty="0"/>
-              </a:p>
-              <a:p>
-                <a:pPr marL="0" indent="0">
-                  <a:buNone/>
-                </a:pPr>
-                <a14:m>
-                  <m:oMathPara xmlns:m="http://schemas.openxmlformats.org/officeDocument/2006/math">
-                    <m:oMathParaPr>
-                      <m:jc m:val="centerGroup"/>
-                    </m:oMathParaPr>
-                    <m:oMath xmlns:m="http://schemas.openxmlformats.org/officeDocument/2006/math">
-                      <m:bar>
-                        <m:barPr>
-                          <m:ctrlPr>
-                            <a:rPr lang="de-DE" sz="2400" i="1">
-                              <a:latin typeface="Cambria Math" panose="02040503050406030204" pitchFamily="18" charset="0"/>
-                            </a:rPr>
-                          </m:ctrlPr>
-                        </m:barPr>
-                        <m:e>
-                          <m:r>
-                            <a:rPr lang="de-DE" sz="2400" b="0" i="1" smtClean="0">
-                              <a:latin typeface="Cambria Math" panose="02040503050406030204" pitchFamily="18" charset="0"/>
-                            </a:rPr>
-                            <m:t>𝑌</m:t>
-                          </m:r>
-                        </m:e>
-                      </m:bar>
-                      <m:d>
-                        <m:dPr>
-                          <m:ctrlPr>
-                            <a:rPr lang="de-DE" sz="2400" i="1">
-                              <a:latin typeface="Cambria Math" panose="02040503050406030204" pitchFamily="18" charset="0"/>
-                            </a:rPr>
-                          </m:ctrlPr>
-                        </m:dPr>
-                        <m:e>
-                          <m:sSub>
-                            <m:sSubPr>
-                              <m:ctrlPr>
-                                <a:rPr lang="de-DE" sz="2400" i="1">
-                                  <a:latin typeface="Cambria Math" panose="02040503050406030204" pitchFamily="18" charset="0"/>
-                                </a:rPr>
-                              </m:ctrlPr>
-                            </m:sSubPr>
-                            <m:e>
-                              <m:r>
-                                <a:rPr lang="de-DE" sz="2400" i="1">
-                                  <a:latin typeface="Cambria Math" panose="02040503050406030204" pitchFamily="18" charset="0"/>
-                                </a:rPr>
-                                <m:t>𝜔</m:t>
-                              </m:r>
-                            </m:e>
-                            <m:sub>
-                              <m:r>
-                                <a:rPr lang="de-DE" sz="2400">
-                                  <a:latin typeface="Cambria Math" panose="02040503050406030204" pitchFamily="18" charset="0"/>
-                                </a:rPr>
-                                <m:t>0</m:t>
-                              </m:r>
-                            </m:sub>
-                          </m:sSub>
-                        </m:e>
-                      </m:d>
-                      <m:r>
-                        <a:rPr lang="de-DE" sz="2400">
-                          <a:latin typeface="Cambria Math" panose="02040503050406030204" pitchFamily="18" charset="0"/>
-                        </a:rPr>
-                        <m:t>=</m:t>
-                      </m:r>
-                      <m:r>
-                        <a:rPr lang="de-DE" sz="2400" b="0" i="1" smtClean="0">
-                          <a:latin typeface="Cambria Math" panose="02040503050406030204" pitchFamily="18" charset="0"/>
-                        </a:rPr>
-                        <m:t>𝐺</m:t>
-                      </m:r>
-                    </m:oMath>
-                  </m:oMathPara>
-                </a14:m>
-                <a:endParaRPr lang="de-DE" sz="2400" dirty="0"/>
-              </a:p>
-              <a:p>
-                <a:pPr marL="0" indent="0">
-                  <a:buNone/>
-                </a:pPr>
-                <a:endParaRPr lang="de-DE" sz="2400" dirty="0"/>
-              </a:p>
-              <a:p>
-                <a:pPr marL="0" indent="0">
-                  <a:buNone/>
-                </a:pPr>
-                <a:r>
-                  <a:rPr lang="de-DE" sz="2400" dirty="0" err="1">
-                    <a:sym typeface="Wingdings" pitchFamily="2" charset="2"/>
-                  </a:rPr>
-                  <a:t>admittance</a:t>
-                </a:r>
-                <a:r>
-                  <a:rPr lang="de-DE" sz="2400" dirty="0">
-                    <a:sym typeface="Wingdings" pitchFamily="2" charset="2"/>
-                  </a:rPr>
-                  <a:t> minimal at </a:t>
-                </a:r>
-                <a:r>
-                  <a:rPr lang="de-DE" sz="2400" dirty="0" err="1">
-                    <a:sym typeface="Wingdings" pitchFamily="2" charset="2"/>
-                  </a:rPr>
-                  <a:t>resonance</a:t>
-                </a:r>
-                <a:r>
-                  <a:rPr lang="de-DE" sz="2400" dirty="0">
-                    <a:sym typeface="Wingdings" pitchFamily="2" charset="2"/>
-                  </a:rPr>
-                  <a:t> (</a:t>
-                </a:r>
-                <a:r>
-                  <a:rPr lang="de-DE" sz="2400" dirty="0" err="1">
-                    <a:sym typeface="Wingdings" pitchFamily="2" charset="2"/>
-                  </a:rPr>
-                  <a:t>impedance</a:t>
-                </a:r>
-                <a:r>
-                  <a:rPr lang="de-DE" sz="2400" dirty="0">
-                    <a:sym typeface="Wingdings" pitchFamily="2" charset="2"/>
-                  </a:rPr>
-                  <a:t> maximal)  total </a:t>
-                </a:r>
-                <a:r>
-                  <a:rPr lang="de-DE" sz="2400" dirty="0" err="1">
-                    <a:sym typeface="Wingdings" pitchFamily="2" charset="2"/>
-                  </a:rPr>
-                  <a:t>current</a:t>
-                </a:r>
-                <a:r>
-                  <a:rPr lang="de-DE" sz="2400" dirty="0">
-                    <a:sym typeface="Wingdings" pitchFamily="2" charset="2"/>
-                  </a:rPr>
-                  <a:t> minimal (</a:t>
-                </a:r>
-                <a14:m>
-                  <m:oMath xmlns:m="http://schemas.openxmlformats.org/officeDocument/2006/math">
-                    <m:sSub>
-                      <m:sSubPr>
-                        <m:ctrlPr>
-                          <a:rPr lang="de-DE" sz="2400" i="1">
-                            <a:latin typeface="Cambria Math" panose="02040503050406030204" pitchFamily="18" charset="0"/>
-                          </a:rPr>
-                        </m:ctrlPr>
-                      </m:sSubPr>
-                      <m:e>
-                        <m:bar>
-                          <m:barPr>
-                            <m:ctrlPr>
-                              <a:rPr lang="de-DE" sz="2400" i="1">
-                                <a:latin typeface="Cambria Math" panose="02040503050406030204" pitchFamily="18" charset="0"/>
-                              </a:rPr>
-                            </m:ctrlPr>
-                          </m:barPr>
-                          <m:e>
-                            <m:r>
-                              <a:rPr lang="de-DE" sz="2400" i="1">
-                                <a:latin typeface="Cambria Math" panose="02040503050406030204" pitchFamily="18" charset="0"/>
-                              </a:rPr>
-                              <m:t>𝐼</m:t>
-                            </m:r>
-                          </m:e>
-                        </m:bar>
-                      </m:e>
-                      <m:sub>
-                        <m:r>
-                          <a:rPr lang="de-DE" sz="2400" i="1">
-                            <a:latin typeface="Cambria Math" panose="02040503050406030204" pitchFamily="18" charset="0"/>
-                          </a:rPr>
-                          <m:t>𝐿</m:t>
-                        </m:r>
-                      </m:sub>
-                    </m:sSub>
-                    <m:r>
-                      <a:rPr lang="de-DE" sz="2400" i="1">
-                        <a:latin typeface="Cambria Math" panose="02040503050406030204" pitchFamily="18" charset="0"/>
-                      </a:rPr>
-                      <m:t>=</m:t>
-                    </m:r>
-                    <m:sSub>
-                      <m:sSubPr>
-                        <m:ctrlPr>
-                          <a:rPr lang="de-DE" sz="2400" i="1">
-                            <a:latin typeface="Cambria Math" panose="02040503050406030204" pitchFamily="18" charset="0"/>
-                          </a:rPr>
-                        </m:ctrlPr>
-                      </m:sSubPr>
-                      <m:e>
-                        <m:r>
-                          <a:rPr lang="de-DE" sz="2400" i="1">
-                            <a:latin typeface="Cambria Math" panose="02040503050406030204" pitchFamily="18" charset="0"/>
-                          </a:rPr>
-                          <m:t>−</m:t>
-                        </m:r>
-                        <m:bar>
-                          <m:barPr>
-                            <m:ctrlPr>
-                              <a:rPr lang="de-DE" sz="2400" i="1">
-                                <a:latin typeface="Cambria Math" panose="02040503050406030204" pitchFamily="18" charset="0"/>
-                              </a:rPr>
-                            </m:ctrlPr>
-                          </m:barPr>
-                          <m:e>
-                            <m:r>
-                              <a:rPr lang="de-DE" sz="2400" i="1">
-                                <a:latin typeface="Cambria Math" panose="02040503050406030204" pitchFamily="18" charset="0"/>
-                              </a:rPr>
-                              <m:t>𝐼</m:t>
-                            </m:r>
-                          </m:e>
-                        </m:bar>
-                      </m:e>
-                      <m:sub>
-                        <m:r>
-                          <a:rPr lang="de-DE" sz="2400" i="1">
-                            <a:latin typeface="Cambria Math" panose="02040503050406030204" pitchFamily="18" charset="0"/>
-                          </a:rPr>
-                          <m:t>𝐶</m:t>
-                        </m:r>
-                      </m:sub>
-                    </m:sSub>
-                  </m:oMath>
-                </a14:m>
-                <a:r>
-                  <a:rPr lang="de-DE" sz="2400" dirty="0">
-                    <a:sym typeface="Wingdings" pitchFamily="2" charset="2"/>
-                  </a:rPr>
-                  <a:t>)</a:t>
-                </a:r>
-                <a:endParaRPr lang="de-DE" sz="2400" dirty="0"/>
-              </a:p>
-            </p:txBody>
-          </p:sp>
-        </mc:Choice>
-        <mc:Fallback xmlns="">
-          <p:sp>
-            <p:nvSpPr>
-              <p:cNvPr id="3" name="Inhaltsplatzhalter 2">
-                <a:extLst>
-                  <a:ext uri="{FF2B5EF4-FFF2-40B4-BE49-F238E27FC236}">
-                    <a16:creationId xmlns:a16="http://schemas.microsoft.com/office/drawing/2014/main" id="{2B5DD263-2145-87EE-D7B1-ABB6DF2D1CF2}"/>
-                  </a:ext>
-                </a:extLst>
-              </p:cNvPr>
-              <p:cNvSpPr>
-                <a:spLocks noGrp="1" noRot="1" noChangeAspect="1" noMove="1" noResize="1" noEditPoints="1" noAdjustHandles="1" noChangeArrowheads="1" noChangeShapeType="1" noTextEdit="1"/>
-              </p:cNvSpPr>
-              <p:nvPr>
-                <p:ph idx="1"/>
-              </p:nvPr>
-            </p:nvSpPr>
-            <p:spPr>
-              <a:xfrm>
-                <a:off x="838200" y="1825624"/>
-                <a:ext cx="6333467" cy="4530725"/>
-              </a:xfrm>
-              <a:blipFill>
-                <a:blip r:embed="rId3"/>
-                <a:stretch>
-                  <a:fillRect l="-1603" r="-200" b="-4190"/>
-                </a:stretch>
-              </a:blipFill>
-            </p:spPr>
-            <p:txBody>
-              <a:bodyPr/>
-              <a:lstStyle/>
-              <a:p>
-                <a:r>
-                  <a:rPr lang="de-DE">
-                    <a:noFill/>
-                  </a:rPr>
-                  <a:t> </a:t>
-                </a:r>
-              </a:p>
-            </p:txBody>
-          </p:sp>
-        </mc:Fallback>
-      </mc:AlternateContent>
-      <p:sp>
-        <p:nvSpPr>
-          <p:cNvPr id="4" name="Foliennummernplatzhalter 3">
-            <a:extLst>
-              <a:ext uri="{FF2B5EF4-FFF2-40B4-BE49-F238E27FC236}">
-                <a16:creationId xmlns:a16="http://schemas.microsoft.com/office/drawing/2014/main" id="{857C6127-CD32-94D3-0969-A1B39658BF87}"/>
-              </a:ext>
-            </a:extLst>
-          </p:cNvPr>
-          <p:cNvSpPr>
-            <a:spLocks noGrp="1"/>
-          </p:cNvSpPr>
-          <p:nvPr>
-            <p:ph type="sldNum" sz="quarter" idx="12"/>
-          </p:nvPr>
-        </p:nvSpPr>
-        <p:spPr/>
-        <p:txBody>
-          <a:bodyPr/>
-          <a:lstStyle/>
-          <a:p>
-            <a:fld id="{C3D1D914-B947-8E44-8E93-2211406D860E}" type="slidenum">
-              <a:rPr lang="de-DE" smtClean="0"/>
-              <a:t>23</a:t>
-            </a:fld>
-            <a:endParaRPr lang="de-DE"/>
-          </a:p>
-        </p:txBody>
-      </p:sp>
-      <mc:AlternateContent xmlns:mc="http://schemas.openxmlformats.org/markup-compatibility/2006" xmlns:a14="http://schemas.microsoft.com/office/drawing/2010/main">
-        <mc:Choice Requires="a14">
-          <p:sp>
-            <p:nvSpPr>
-              <p:cNvPr id="9" name="Textfeld 8">
-                <a:extLst>
-                  <a:ext uri="{FF2B5EF4-FFF2-40B4-BE49-F238E27FC236}">
-                    <a16:creationId xmlns:a16="http://schemas.microsoft.com/office/drawing/2014/main" id="{68E67E88-A863-D3D6-7B45-6D6DAB3D4A8E}"/>
-                  </a:ext>
-                </a:extLst>
-              </p:cNvPr>
-              <p:cNvSpPr txBox="1"/>
-              <p:nvPr/>
-            </p:nvSpPr>
-            <p:spPr>
-              <a:xfrm>
-                <a:off x="7171667" y="1913512"/>
-                <a:ext cx="4357722" cy="646331"/>
-              </a:xfrm>
-              <a:prstGeom prst="rect">
-                <a:avLst/>
-              </a:prstGeom>
-              <a:noFill/>
-            </p:spPr>
-            <p:txBody>
-              <a:bodyPr wrap="square">
-                <a:spAutoFit/>
-              </a:bodyPr>
-              <a:lstStyle/>
-              <a:p>
-                <a:r>
-                  <a:rPr lang="de-DE" dirty="0" err="1">
-                    <a:solidFill>
-                      <a:srgbClr val="1F1F1F"/>
-                    </a:solidFill>
-                    <a:latin typeface="Helvetica Neue" panose="02000503000000020004" pitchFamily="2" charset="0"/>
-                  </a:rPr>
-                  <a:t>b</a:t>
-                </a:r>
-                <a:r>
-                  <a:rPr lang="de-DE" b="0" i="0" u="none" strike="noStrike" dirty="0" err="1">
-                    <a:solidFill>
-                      <a:srgbClr val="1F1F1F"/>
-                    </a:solidFill>
-                    <a:effectLst/>
-                    <a:latin typeface="Helvetica Neue" panose="02000503000000020004" pitchFamily="2" charset="0"/>
-                  </a:rPr>
-                  <a:t>elow</a:t>
-                </a:r>
-                <a:r>
-                  <a:rPr lang="de-DE" b="0" i="0" u="none" strike="noStrike" dirty="0">
-                    <a:solidFill>
-                      <a:srgbClr val="1F1F1F"/>
-                    </a:solidFill>
-                    <a:effectLst/>
-                    <a:latin typeface="Helvetica Neue" panose="02000503000000020004" pitchFamily="2" charset="0"/>
-                  </a:rPr>
-                  <a:t> </a:t>
-                </a:r>
-                <a14:m>
-                  <m:oMath xmlns:m="http://schemas.openxmlformats.org/officeDocument/2006/math">
-                    <m:sSub>
-                      <m:sSubPr>
-                        <m:ctrlPr>
-                          <a:rPr lang="de-DE" i="1">
-                            <a:latin typeface="Cambria Math" panose="02040503050406030204" pitchFamily="18" charset="0"/>
-                          </a:rPr>
-                        </m:ctrlPr>
-                      </m:sSubPr>
-                      <m:e>
-                        <m:r>
-                          <a:rPr lang="de-DE" i="1">
-                            <a:latin typeface="Cambria Math" panose="02040503050406030204" pitchFamily="18" charset="0"/>
-                          </a:rPr>
-                          <m:t>𝜔</m:t>
-                        </m:r>
-                      </m:e>
-                      <m:sub>
-                        <m:r>
-                          <a:rPr lang="de-DE">
-                            <a:latin typeface="Cambria Math" panose="02040503050406030204" pitchFamily="18" charset="0"/>
-                          </a:rPr>
-                          <m:t>0</m:t>
-                        </m:r>
-                      </m:sub>
-                    </m:sSub>
-                  </m:oMath>
-                </a14:m>
-                <a:r>
-                  <a:rPr lang="de-DE" b="0" i="0" u="none" strike="noStrike" dirty="0">
-                    <a:solidFill>
-                      <a:srgbClr val="1F1F1F"/>
-                    </a:solidFill>
-                    <a:effectLst/>
-                    <a:latin typeface="Helvetica Neue" panose="02000503000000020004" pitchFamily="2" charset="0"/>
-                  </a:rPr>
-                  <a:t>: </a:t>
-                </a:r>
-                <a:r>
-                  <a:rPr lang="de-DE" b="0" i="0" u="none" strike="noStrike" dirty="0" err="1">
-                    <a:solidFill>
-                      <a:srgbClr val="1F1F1F"/>
-                    </a:solidFill>
-                    <a:effectLst/>
-                    <a:latin typeface="Helvetica Neue" panose="02000503000000020004" pitchFamily="2" charset="0"/>
-                  </a:rPr>
-                  <a:t>determined</a:t>
-                </a:r>
-                <a:r>
-                  <a:rPr lang="de-DE" b="0" i="0" u="none" strike="noStrike" dirty="0">
-                    <a:solidFill>
-                      <a:srgbClr val="1F1F1F"/>
-                    </a:solidFill>
-                    <a:effectLst/>
-                    <a:latin typeface="Helvetica Neue" panose="02000503000000020004" pitchFamily="2" charset="0"/>
-                  </a:rPr>
-                  <a:t> </a:t>
-                </a:r>
-                <a:r>
-                  <a:rPr lang="de-DE" b="0" i="0" u="none" strike="noStrike" dirty="0" err="1">
-                    <a:solidFill>
-                      <a:srgbClr val="1F1F1F"/>
-                    </a:solidFill>
-                    <a:effectLst/>
-                    <a:latin typeface="Helvetica Neue" panose="02000503000000020004" pitchFamily="2" charset="0"/>
-                  </a:rPr>
-                  <a:t>by</a:t>
-                </a:r>
-                <a:r>
-                  <a:rPr lang="de-DE" b="0" i="0" u="none" strike="noStrike" dirty="0">
-                    <a:solidFill>
-                      <a:srgbClr val="1F1F1F"/>
-                    </a:solidFill>
-                    <a:effectLst/>
-                    <a:latin typeface="Helvetica Neue" panose="02000503000000020004" pitchFamily="2" charset="0"/>
-                  </a:rPr>
-                  <a:t> </a:t>
-                </a:r>
-                <a:r>
-                  <a:rPr lang="de-DE" b="0" i="0" u="none" strike="noStrike" dirty="0" err="1">
-                    <a:solidFill>
-                      <a:srgbClr val="1F1F1F"/>
-                    </a:solidFill>
-                    <a:effectLst/>
-                    <a:latin typeface="Helvetica Neue" panose="02000503000000020004" pitchFamily="2" charset="0"/>
-                  </a:rPr>
-                  <a:t>inductance</a:t>
-                </a:r>
-                <a:endParaRPr lang="de-DE" dirty="0">
-                  <a:solidFill>
-                    <a:srgbClr val="1F1F1F"/>
-                  </a:solidFill>
-                  <a:latin typeface="Helvetica Neue" panose="02000503000000020004" pitchFamily="2" charset="0"/>
-                </a:endParaRPr>
-              </a:p>
-              <a:p>
-                <a:r>
-                  <a:rPr lang="de-DE" b="0" i="0" u="none" strike="noStrike" dirty="0" err="1">
-                    <a:solidFill>
-                      <a:srgbClr val="1F1F1F"/>
-                    </a:solidFill>
-                    <a:effectLst/>
-                    <a:latin typeface="Helvetica Neue" panose="02000503000000020004" pitchFamily="2" charset="0"/>
-                  </a:rPr>
-                  <a:t>above</a:t>
-                </a:r>
-                <a:r>
-                  <a:rPr lang="de-DE" b="0" i="0" u="none" strike="noStrike" dirty="0">
-                    <a:solidFill>
-                      <a:srgbClr val="1F1F1F"/>
-                    </a:solidFill>
-                    <a:effectLst/>
-                    <a:latin typeface="Helvetica Neue" panose="02000503000000020004" pitchFamily="2" charset="0"/>
-                  </a:rPr>
-                  <a:t> </a:t>
-                </a:r>
-                <a14:m>
-                  <m:oMath xmlns:m="http://schemas.openxmlformats.org/officeDocument/2006/math">
-                    <m:sSub>
-                      <m:sSubPr>
-                        <m:ctrlPr>
-                          <a:rPr lang="de-DE" i="1">
-                            <a:latin typeface="Cambria Math" panose="02040503050406030204" pitchFamily="18" charset="0"/>
-                          </a:rPr>
-                        </m:ctrlPr>
-                      </m:sSubPr>
-                      <m:e>
-                        <m:r>
-                          <a:rPr lang="de-DE" i="1">
-                            <a:latin typeface="Cambria Math" panose="02040503050406030204" pitchFamily="18" charset="0"/>
-                          </a:rPr>
-                          <m:t>𝜔</m:t>
-                        </m:r>
-                      </m:e>
-                      <m:sub>
-                        <m:r>
-                          <a:rPr lang="de-DE">
-                            <a:latin typeface="Cambria Math" panose="02040503050406030204" pitchFamily="18" charset="0"/>
-                          </a:rPr>
-                          <m:t>0</m:t>
-                        </m:r>
-                      </m:sub>
-                    </m:sSub>
-                  </m:oMath>
-                </a14:m>
-                <a:r>
-                  <a:rPr lang="de-DE" b="0" i="0" u="none" strike="noStrike" dirty="0">
-                    <a:solidFill>
-                      <a:srgbClr val="1F1F1F"/>
-                    </a:solidFill>
-                    <a:effectLst/>
-                    <a:latin typeface="Helvetica Neue" panose="02000503000000020004" pitchFamily="2" charset="0"/>
-                  </a:rPr>
-                  <a:t>: </a:t>
-                </a:r>
-                <a:r>
-                  <a:rPr lang="de-DE" b="0" i="0" u="none" strike="noStrike" dirty="0" err="1">
-                    <a:solidFill>
-                      <a:srgbClr val="1F1F1F"/>
-                    </a:solidFill>
-                    <a:effectLst/>
-                    <a:latin typeface="Helvetica Neue" panose="02000503000000020004" pitchFamily="2" charset="0"/>
-                  </a:rPr>
-                  <a:t>determined</a:t>
-                </a:r>
-                <a:r>
-                  <a:rPr lang="de-DE" b="0" i="0" u="none" strike="noStrike" dirty="0">
-                    <a:solidFill>
-                      <a:srgbClr val="1F1F1F"/>
-                    </a:solidFill>
-                    <a:effectLst/>
-                    <a:latin typeface="Helvetica Neue" panose="02000503000000020004" pitchFamily="2" charset="0"/>
-                  </a:rPr>
-                  <a:t> </a:t>
-                </a:r>
-                <a:r>
-                  <a:rPr lang="de-DE" b="0" i="0" u="none" strike="noStrike" dirty="0" err="1">
-                    <a:solidFill>
-                      <a:srgbClr val="1F1F1F"/>
-                    </a:solidFill>
-                    <a:effectLst/>
-                    <a:latin typeface="Helvetica Neue" panose="02000503000000020004" pitchFamily="2" charset="0"/>
-                  </a:rPr>
-                  <a:t>by</a:t>
-                </a:r>
-                <a:r>
-                  <a:rPr lang="de-DE" b="0" i="0" u="none" strike="noStrike" dirty="0">
-                    <a:solidFill>
-                      <a:srgbClr val="1F1F1F"/>
-                    </a:solidFill>
-                    <a:effectLst/>
-                    <a:latin typeface="Helvetica Neue" panose="02000503000000020004" pitchFamily="2" charset="0"/>
-                  </a:rPr>
-                  <a:t> </a:t>
-                </a:r>
-                <a:r>
-                  <a:rPr lang="de-DE" b="0" i="0" u="none" strike="noStrike" dirty="0" err="1">
-                    <a:solidFill>
-                      <a:srgbClr val="1F1F1F"/>
-                    </a:solidFill>
-                    <a:effectLst/>
-                    <a:latin typeface="Helvetica Neue" panose="02000503000000020004" pitchFamily="2" charset="0"/>
-                  </a:rPr>
-                  <a:t>capacitance</a:t>
-                </a:r>
-                <a:endParaRPr lang="de-DE" dirty="0"/>
-              </a:p>
-            </p:txBody>
-          </p:sp>
-        </mc:Choice>
-        <mc:Fallback xmlns="">
-          <p:sp>
-            <p:nvSpPr>
-              <p:cNvPr id="9" name="Textfeld 8">
-                <a:extLst>
-                  <a:ext uri="{FF2B5EF4-FFF2-40B4-BE49-F238E27FC236}">
-                    <a16:creationId xmlns:a16="http://schemas.microsoft.com/office/drawing/2014/main" id="{68E67E88-A863-D3D6-7B45-6D6DAB3D4A8E}"/>
-                  </a:ext>
-                </a:extLst>
-              </p:cNvPr>
-              <p:cNvSpPr txBox="1">
-                <a:spLocks noRot="1" noChangeAspect="1" noMove="1" noResize="1" noEditPoints="1" noAdjustHandles="1" noChangeArrowheads="1" noChangeShapeType="1" noTextEdit="1"/>
-              </p:cNvSpPr>
-              <p:nvPr/>
-            </p:nvSpPr>
-            <p:spPr>
-              <a:xfrm>
-                <a:off x="7171667" y="1913512"/>
-                <a:ext cx="4357722" cy="646331"/>
-              </a:xfrm>
-              <a:prstGeom prst="rect">
-                <a:avLst/>
-              </a:prstGeom>
-              <a:blipFill>
-                <a:blip r:embed="rId4"/>
-                <a:stretch>
-                  <a:fillRect l="-1163" t="-3846" b="-11538"/>
-                </a:stretch>
-              </a:blipFill>
-            </p:spPr>
-            <p:txBody>
-              <a:bodyPr/>
-              <a:lstStyle/>
-              <a:p>
-                <a:r>
-                  <a:rPr lang="de-DE">
-                    <a:noFill/>
-                  </a:rPr>
-                  <a:t> </a:t>
-                </a:r>
-              </a:p>
-            </p:txBody>
-          </p:sp>
-        </mc:Fallback>
-      </mc:AlternateContent>
-    </p:spTree>
-    <p:extLst>
-      <p:ext uri="{BB962C8B-B14F-4D97-AF65-F5344CB8AC3E}">
-        <p14:creationId xmlns:p14="http://schemas.microsoft.com/office/powerpoint/2010/main" val="1340035781"/>
-      </p:ext>
-    </p:extLst>
-  </p:cSld>
-  <p:clrMapOvr>
-    <a:masterClrMapping/>
-  </p:clrMapOvr>
-</p:sld>
-</file>
-
-<file path=ppt/slides/slide24.xml><?xml version="1.0" encoding="utf-8"?>
+<file path=ppt/slides/slide22.xml><?xml version="1.0" encoding="utf-8"?>
 <p:sld xmlns:a="http://schemas.openxmlformats.org/drawingml/2006/main" xmlns:r="http://schemas.openxmlformats.org/officeDocument/2006/relationships" xmlns:p="http://schemas.openxmlformats.org/presentationml/2006/main">
   <p:cSld>
     <p:spTree>
@@ -17314,12 +19296,861 @@
           <a:p>
             <a:fld id="{08C366F5-AFAD-49CB-854A-9D9E238FCA13}" type="slidenum">
               <a:rPr lang="en-GB" smtClean="0"/>
-              <a:t>24</a:t>
+              <a:t>22</a:t>
             </a:fld>
             <a:endParaRPr lang="en-GB"/>
           </a:p>
         </p:txBody>
       </p:sp>
+      <mc:AlternateContent xmlns:mc="http://schemas.openxmlformats.org/markup-compatibility/2006">
+        <mc:Choice xmlns:a14="http://schemas.microsoft.com/office/drawing/2010/main" Requires="a14">
+          <p:sp>
+            <p:nvSpPr>
+              <p:cNvPr id="5" name="Textfeld 4">
+                <a:extLst>
+                  <a:ext uri="{FF2B5EF4-FFF2-40B4-BE49-F238E27FC236}">
+                    <a16:creationId xmlns:a16="http://schemas.microsoft.com/office/drawing/2014/main" id="{2F1755DB-4D43-E552-C661-F2B6CC928071}"/>
+                  </a:ext>
+                </a:extLst>
+              </p:cNvPr>
+              <p:cNvSpPr txBox="1"/>
+              <p:nvPr/>
+            </p:nvSpPr>
+            <p:spPr>
+              <a:xfrm>
+                <a:off x="7947011" y="2232026"/>
+                <a:ext cx="2089033" cy="553998"/>
+              </a:xfrm>
+              <a:prstGeom prst="rect">
+                <a:avLst/>
+              </a:prstGeom>
+              <a:noFill/>
+            </p:spPr>
+            <p:txBody>
+              <a:bodyPr wrap="none" lIns="0" tIns="0" rIns="0" bIns="0" rtlCol="0">
+                <a:spAutoFit/>
+              </a:bodyPr>
+              <a:lstStyle/>
+              <a:p>
+                <a14:m>
+                  <m:oMathPara xmlns:m="http://schemas.openxmlformats.org/officeDocument/2006/math">
+                    <m:oMathParaPr>
+                      <m:jc m:val="centerGroup"/>
+                    </m:oMathParaPr>
+                    <m:oMath xmlns:m="http://schemas.openxmlformats.org/officeDocument/2006/math">
+                      <m:r>
+                        <a:rPr lang="de-DE" b="0" i="1" smtClean="0">
+                          <a:latin typeface="Cambria Math" panose="02040503050406030204" pitchFamily="18" charset="0"/>
+                        </a:rPr>
+                        <m:t>𝑢</m:t>
+                      </m:r>
+                      <m:d>
+                        <m:dPr>
+                          <m:ctrlPr>
+                            <a:rPr lang="de-DE" b="0" i="1" smtClean="0">
+                              <a:latin typeface="Cambria Math" panose="02040503050406030204" pitchFamily="18" charset="0"/>
+                            </a:rPr>
+                          </m:ctrlPr>
+                        </m:dPr>
+                        <m:e>
+                          <m:r>
+                            <a:rPr lang="de-DE" b="0" i="1" smtClean="0">
+                              <a:latin typeface="Cambria Math" panose="02040503050406030204" pitchFamily="18" charset="0"/>
+                            </a:rPr>
+                            <m:t>𝑡</m:t>
+                          </m:r>
+                        </m:e>
+                      </m:d>
+                      <m:r>
+                        <a:rPr lang="de-DE" b="0" i="1" smtClean="0">
+                          <a:latin typeface="Cambria Math" panose="02040503050406030204" pitchFamily="18" charset="0"/>
+                          <a:ea typeface="Cambria Math" panose="02040503050406030204" pitchFamily="18" charset="0"/>
+                        </a:rPr>
+                        <m:t>→</m:t>
+                      </m:r>
+                      <m:r>
+                        <a:rPr lang="de-DE" b="0" i="1" smtClean="0">
+                          <a:latin typeface="Cambria Math" panose="02040503050406030204" pitchFamily="18" charset="0"/>
+                          <a:ea typeface="Cambria Math" panose="02040503050406030204" pitchFamily="18" charset="0"/>
+                        </a:rPr>
+                        <m:t>𝑦</m:t>
+                      </m:r>
+                      <m:d>
+                        <m:dPr>
+                          <m:ctrlPr>
+                            <a:rPr lang="de-DE" b="0" i="1" smtClean="0">
+                              <a:latin typeface="Cambria Math" panose="02040503050406030204" pitchFamily="18" charset="0"/>
+                              <a:ea typeface="Cambria Math" panose="02040503050406030204" pitchFamily="18" charset="0"/>
+                            </a:rPr>
+                          </m:ctrlPr>
+                        </m:dPr>
+                        <m:e>
+                          <m:r>
+                            <a:rPr lang="de-DE" b="0" i="1" smtClean="0">
+                              <a:latin typeface="Cambria Math" panose="02040503050406030204" pitchFamily="18" charset="0"/>
+                              <a:ea typeface="Cambria Math" panose="02040503050406030204" pitchFamily="18" charset="0"/>
+                            </a:rPr>
+                            <m:t>𝑡</m:t>
+                          </m:r>
+                        </m:e>
+                      </m:d>
+                    </m:oMath>
+                  </m:oMathPara>
+                </a14:m>
+                <a:endParaRPr lang="de-DE" b="0" i="1" dirty="0">
+                  <a:latin typeface="Cambria Math" panose="02040503050406030204" pitchFamily="18" charset="0"/>
+                  <a:ea typeface="Cambria Math" panose="02040503050406030204" pitchFamily="18" charset="0"/>
+                </a:endParaRPr>
+              </a:p>
+              <a:p>
+                <a14:m>
+                  <m:oMathPara xmlns:m="http://schemas.openxmlformats.org/officeDocument/2006/math">
+                    <m:oMathParaPr>
+                      <m:jc m:val="centerGroup"/>
+                    </m:oMathParaPr>
+                    <m:oMath xmlns:m="http://schemas.openxmlformats.org/officeDocument/2006/math">
+                      <m:r>
+                        <a:rPr lang="de-DE" b="0" i="1" smtClean="0">
+                          <a:latin typeface="Cambria Math" panose="02040503050406030204" pitchFamily="18" charset="0"/>
+                          <a:ea typeface="Cambria Math" panose="02040503050406030204" pitchFamily="18" charset="0"/>
+                        </a:rPr>
+                        <m:t>⇒</m:t>
+                      </m:r>
+                      <m:r>
+                        <a:rPr lang="de-DE" b="0" i="1" smtClean="0">
+                          <a:latin typeface="Cambria Math" panose="02040503050406030204" pitchFamily="18" charset="0"/>
+                          <a:ea typeface="Cambria Math" panose="02040503050406030204" pitchFamily="18" charset="0"/>
+                        </a:rPr>
+                        <m:t>𝑎</m:t>
+                      </m:r>
+                      <m:r>
+                        <a:rPr lang="de-DE" b="0" i="1" smtClean="0">
+                          <a:latin typeface="Cambria Math" panose="02040503050406030204" pitchFamily="18" charset="0"/>
+                          <a:ea typeface="Cambria Math" panose="02040503050406030204" pitchFamily="18" charset="0"/>
+                        </a:rPr>
+                        <m:t>∙</m:t>
+                      </m:r>
+                      <m:r>
+                        <a:rPr lang="de-DE" b="0" i="1" smtClean="0">
+                          <a:latin typeface="Cambria Math" panose="02040503050406030204" pitchFamily="18" charset="0"/>
+                          <a:ea typeface="Cambria Math" panose="02040503050406030204" pitchFamily="18" charset="0"/>
+                        </a:rPr>
+                        <m:t>𝑢</m:t>
+                      </m:r>
+                      <m:r>
+                        <a:rPr lang="de-DE" b="0" i="1" smtClean="0">
+                          <a:latin typeface="Cambria Math" panose="02040503050406030204" pitchFamily="18" charset="0"/>
+                          <a:ea typeface="Cambria Math" panose="02040503050406030204" pitchFamily="18" charset="0"/>
+                        </a:rPr>
+                        <m:t>(</m:t>
+                      </m:r>
+                      <m:r>
+                        <a:rPr lang="de-DE" b="0" i="1" smtClean="0">
+                          <a:latin typeface="Cambria Math" panose="02040503050406030204" pitchFamily="18" charset="0"/>
+                          <a:ea typeface="Cambria Math" panose="02040503050406030204" pitchFamily="18" charset="0"/>
+                        </a:rPr>
+                        <m:t>𝑡</m:t>
+                      </m:r>
+                      <m:r>
+                        <a:rPr lang="de-DE" b="0" i="1" smtClean="0">
+                          <a:latin typeface="Cambria Math" panose="02040503050406030204" pitchFamily="18" charset="0"/>
+                          <a:ea typeface="Cambria Math" panose="02040503050406030204" pitchFamily="18" charset="0"/>
+                        </a:rPr>
+                        <m:t>)→</m:t>
+                      </m:r>
+                      <m:r>
+                        <a:rPr lang="de-DE" b="0" i="1" smtClean="0">
+                          <a:latin typeface="Cambria Math" panose="02040503050406030204" pitchFamily="18" charset="0"/>
+                          <a:ea typeface="Cambria Math" panose="02040503050406030204" pitchFamily="18" charset="0"/>
+                        </a:rPr>
+                        <m:t>𝑎</m:t>
+                      </m:r>
+                      <m:r>
+                        <a:rPr lang="de-DE" b="0" i="1" smtClean="0">
+                          <a:latin typeface="Cambria Math" panose="02040503050406030204" pitchFamily="18" charset="0"/>
+                          <a:ea typeface="Cambria Math" panose="02040503050406030204" pitchFamily="18" charset="0"/>
+                        </a:rPr>
+                        <m:t>∙</m:t>
+                      </m:r>
+                      <m:r>
+                        <a:rPr lang="de-DE" b="0" i="1" smtClean="0">
+                          <a:latin typeface="Cambria Math" panose="02040503050406030204" pitchFamily="18" charset="0"/>
+                          <a:ea typeface="Cambria Math" panose="02040503050406030204" pitchFamily="18" charset="0"/>
+                        </a:rPr>
+                        <m:t>𝑦</m:t>
+                      </m:r>
+                      <m:r>
+                        <a:rPr lang="de-DE" b="0" i="1" smtClean="0">
+                          <a:latin typeface="Cambria Math" panose="02040503050406030204" pitchFamily="18" charset="0"/>
+                          <a:ea typeface="Cambria Math" panose="02040503050406030204" pitchFamily="18" charset="0"/>
+                        </a:rPr>
+                        <m:t>(</m:t>
+                      </m:r>
+                      <m:r>
+                        <a:rPr lang="de-DE" b="0" i="1" smtClean="0">
+                          <a:latin typeface="Cambria Math" panose="02040503050406030204" pitchFamily="18" charset="0"/>
+                          <a:ea typeface="Cambria Math" panose="02040503050406030204" pitchFamily="18" charset="0"/>
+                        </a:rPr>
+                        <m:t>𝑡</m:t>
+                      </m:r>
+                      <m:r>
+                        <a:rPr lang="de-DE" b="0" i="1" smtClean="0">
+                          <a:latin typeface="Cambria Math" panose="02040503050406030204" pitchFamily="18" charset="0"/>
+                          <a:ea typeface="Cambria Math" panose="02040503050406030204" pitchFamily="18" charset="0"/>
+                        </a:rPr>
+                        <m:t>)</m:t>
+                      </m:r>
+                    </m:oMath>
+                  </m:oMathPara>
+                </a14:m>
+                <a:endParaRPr lang="de-DE" dirty="0"/>
+              </a:p>
+            </p:txBody>
+          </p:sp>
+        </mc:Choice>
+        <mc:Fallback>
+          <p:sp>
+            <p:nvSpPr>
+              <p:cNvPr id="5" name="Textfeld 4">
+                <a:extLst>
+                  <a:ext uri="{FF2B5EF4-FFF2-40B4-BE49-F238E27FC236}">
+                    <a16:creationId xmlns:a16="http://schemas.microsoft.com/office/drawing/2014/main" id="{2F1755DB-4D43-E552-C661-F2B6CC928071}"/>
+                  </a:ext>
+                </a:extLst>
+              </p:cNvPr>
+              <p:cNvSpPr txBox="1">
+                <a:spLocks noRot="1" noChangeAspect="1" noMove="1" noResize="1" noEditPoints="1" noAdjustHandles="1" noChangeArrowheads="1" noChangeShapeType="1" noTextEdit="1"/>
+              </p:cNvSpPr>
+              <p:nvPr/>
+            </p:nvSpPr>
+            <p:spPr>
+              <a:xfrm>
+                <a:off x="7947011" y="2232026"/>
+                <a:ext cx="2089033" cy="553998"/>
+              </a:xfrm>
+              <a:prstGeom prst="rect">
+                <a:avLst/>
+              </a:prstGeom>
+              <a:blipFill>
+                <a:blip r:embed="rId2"/>
+                <a:stretch>
+                  <a:fillRect l="-1205" r="-3614" b="-15556"/>
+                </a:stretch>
+              </a:blipFill>
+            </p:spPr>
+            <p:txBody>
+              <a:bodyPr/>
+              <a:lstStyle/>
+              <a:p>
+                <a:r>
+                  <a:rPr lang="de-DE">
+                    <a:noFill/>
+                  </a:rPr>
+                  <a:t> </a:t>
+                </a:r>
+              </a:p>
+            </p:txBody>
+          </p:sp>
+        </mc:Fallback>
+      </mc:AlternateContent>
+      <mc:AlternateContent xmlns:mc="http://schemas.openxmlformats.org/markup-compatibility/2006">
+        <mc:Choice xmlns:a14="http://schemas.microsoft.com/office/drawing/2010/main" Requires="a14">
+          <p:sp>
+            <p:nvSpPr>
+              <p:cNvPr id="7" name="Textfeld 6">
+                <a:extLst>
+                  <a:ext uri="{FF2B5EF4-FFF2-40B4-BE49-F238E27FC236}">
+                    <a16:creationId xmlns:a16="http://schemas.microsoft.com/office/drawing/2014/main" id="{19E29DD8-B0F3-DCDF-B26A-20F98CA89592}"/>
+                  </a:ext>
+                </a:extLst>
+              </p:cNvPr>
+              <p:cNvSpPr txBox="1"/>
+              <p:nvPr/>
+            </p:nvSpPr>
+            <p:spPr>
+              <a:xfrm>
+                <a:off x="7947011" y="3429000"/>
+                <a:ext cx="3530454" cy="646331"/>
+              </a:xfrm>
+              <a:prstGeom prst="rect">
+                <a:avLst/>
+              </a:prstGeom>
+              <a:noFill/>
+            </p:spPr>
+            <p:txBody>
+              <a:bodyPr wrap="square">
+                <a:spAutoFit/>
+              </a:bodyPr>
+              <a:lstStyle/>
+              <a:p>
+                <a:pPr/>
+                <a14:m>
+                  <m:oMathPara xmlns:m="http://schemas.openxmlformats.org/officeDocument/2006/math">
+                    <m:oMathParaPr>
+                      <m:jc m:val="centerGroup"/>
+                    </m:oMathParaPr>
+                    <m:oMath xmlns:m="http://schemas.openxmlformats.org/officeDocument/2006/math">
+                      <m:sSub>
+                        <m:sSubPr>
+                          <m:ctrlPr>
+                            <a:rPr lang="de-DE" b="0" i="1" smtClean="0">
+                              <a:latin typeface="Cambria Math" panose="02040503050406030204" pitchFamily="18" charset="0"/>
+                            </a:rPr>
+                          </m:ctrlPr>
+                        </m:sSubPr>
+                        <m:e>
+                          <m:r>
+                            <a:rPr lang="de-DE" b="0" i="1" smtClean="0">
+                              <a:latin typeface="Cambria Math" panose="02040503050406030204" pitchFamily="18" charset="0"/>
+                            </a:rPr>
+                            <m:t>𝑢</m:t>
+                          </m:r>
+                        </m:e>
+                        <m:sub>
+                          <m:r>
+                            <a:rPr lang="de-DE" b="0" i="1" smtClean="0">
+                              <a:latin typeface="Cambria Math" panose="02040503050406030204" pitchFamily="18" charset="0"/>
+                            </a:rPr>
+                            <m:t>1</m:t>
+                          </m:r>
+                        </m:sub>
+                      </m:sSub>
+                      <m:d>
+                        <m:dPr>
+                          <m:ctrlPr>
+                            <a:rPr lang="de-DE" b="0" i="1" smtClean="0">
+                              <a:latin typeface="Cambria Math" panose="02040503050406030204" pitchFamily="18" charset="0"/>
+                            </a:rPr>
+                          </m:ctrlPr>
+                        </m:dPr>
+                        <m:e>
+                          <m:r>
+                            <a:rPr lang="de-DE" b="0" i="1" smtClean="0">
+                              <a:latin typeface="Cambria Math" panose="02040503050406030204" pitchFamily="18" charset="0"/>
+                            </a:rPr>
+                            <m:t>𝑡</m:t>
+                          </m:r>
+                        </m:e>
+                      </m:d>
+                      <m:r>
+                        <a:rPr lang="de-DE" b="0" i="1" smtClean="0">
+                          <a:latin typeface="Cambria Math" panose="02040503050406030204" pitchFamily="18" charset="0"/>
+                          <a:ea typeface="Cambria Math" panose="02040503050406030204" pitchFamily="18" charset="0"/>
+                        </a:rPr>
+                        <m:t>→</m:t>
+                      </m:r>
+                      <m:sSub>
+                        <m:sSubPr>
+                          <m:ctrlPr>
+                            <a:rPr lang="de-DE" b="0" i="1" smtClean="0">
+                              <a:latin typeface="Cambria Math" panose="02040503050406030204" pitchFamily="18" charset="0"/>
+                              <a:ea typeface="Cambria Math" panose="02040503050406030204" pitchFamily="18" charset="0"/>
+                            </a:rPr>
+                          </m:ctrlPr>
+                        </m:sSubPr>
+                        <m:e>
+                          <m:r>
+                            <a:rPr lang="de-DE" b="0" i="1" smtClean="0">
+                              <a:latin typeface="Cambria Math" panose="02040503050406030204" pitchFamily="18" charset="0"/>
+                              <a:ea typeface="Cambria Math" panose="02040503050406030204" pitchFamily="18" charset="0"/>
+                            </a:rPr>
+                            <m:t>𝑦</m:t>
+                          </m:r>
+                        </m:e>
+                        <m:sub>
+                          <m:r>
+                            <a:rPr lang="de-DE" b="0" i="1" smtClean="0">
+                              <a:latin typeface="Cambria Math" panose="02040503050406030204" pitchFamily="18" charset="0"/>
+                              <a:ea typeface="Cambria Math" panose="02040503050406030204" pitchFamily="18" charset="0"/>
+                            </a:rPr>
+                            <m:t>1</m:t>
+                          </m:r>
+                        </m:sub>
+                      </m:sSub>
+                      <m:d>
+                        <m:dPr>
+                          <m:ctrlPr>
+                            <a:rPr lang="de-DE" b="0" i="1" smtClean="0">
+                              <a:latin typeface="Cambria Math" panose="02040503050406030204" pitchFamily="18" charset="0"/>
+                              <a:ea typeface="Cambria Math" panose="02040503050406030204" pitchFamily="18" charset="0"/>
+                            </a:rPr>
+                          </m:ctrlPr>
+                        </m:dPr>
+                        <m:e>
+                          <m:r>
+                            <a:rPr lang="de-DE" b="0" i="1" smtClean="0">
+                              <a:latin typeface="Cambria Math" panose="02040503050406030204" pitchFamily="18" charset="0"/>
+                              <a:ea typeface="Cambria Math" panose="02040503050406030204" pitchFamily="18" charset="0"/>
+                            </a:rPr>
+                            <m:t>𝑡</m:t>
+                          </m:r>
+                        </m:e>
+                      </m:d>
+                      <m:r>
+                        <a:rPr lang="de-DE" b="0" i="1" smtClean="0">
+                          <a:latin typeface="Cambria Math" panose="02040503050406030204" pitchFamily="18" charset="0"/>
+                          <a:ea typeface="Cambria Math" panose="02040503050406030204" pitchFamily="18" charset="0"/>
+                        </a:rPr>
+                        <m:t>, </m:t>
+                      </m:r>
+                      <m:sSub>
+                        <m:sSubPr>
+                          <m:ctrlPr>
+                            <a:rPr lang="de-DE" i="1">
+                              <a:latin typeface="Cambria Math" panose="02040503050406030204" pitchFamily="18" charset="0"/>
+                            </a:rPr>
+                          </m:ctrlPr>
+                        </m:sSubPr>
+                        <m:e>
+                          <m:r>
+                            <a:rPr lang="de-DE" b="0" i="1" smtClean="0">
+                              <a:latin typeface="Cambria Math" panose="02040503050406030204" pitchFamily="18" charset="0"/>
+                            </a:rPr>
+                            <m:t>  </m:t>
+                          </m:r>
+                          <m:r>
+                            <a:rPr lang="de-DE" i="1">
+                              <a:latin typeface="Cambria Math" panose="02040503050406030204" pitchFamily="18" charset="0"/>
+                            </a:rPr>
+                            <m:t>𝑢</m:t>
+                          </m:r>
+                        </m:e>
+                        <m:sub>
+                          <m:r>
+                            <a:rPr lang="de-DE" b="0" i="1" smtClean="0">
+                              <a:latin typeface="Cambria Math" panose="02040503050406030204" pitchFamily="18" charset="0"/>
+                            </a:rPr>
+                            <m:t>2</m:t>
+                          </m:r>
+                        </m:sub>
+                      </m:sSub>
+                      <m:d>
+                        <m:dPr>
+                          <m:ctrlPr>
+                            <a:rPr lang="de-DE" i="1">
+                              <a:latin typeface="Cambria Math" panose="02040503050406030204" pitchFamily="18" charset="0"/>
+                            </a:rPr>
+                          </m:ctrlPr>
+                        </m:dPr>
+                        <m:e>
+                          <m:r>
+                            <a:rPr lang="de-DE" i="1">
+                              <a:latin typeface="Cambria Math" panose="02040503050406030204" pitchFamily="18" charset="0"/>
+                            </a:rPr>
+                            <m:t>𝑡</m:t>
+                          </m:r>
+                        </m:e>
+                      </m:d>
+                      <m:r>
+                        <a:rPr lang="de-DE" i="1">
+                          <a:latin typeface="Cambria Math" panose="02040503050406030204" pitchFamily="18" charset="0"/>
+                          <a:ea typeface="Cambria Math" panose="02040503050406030204" pitchFamily="18" charset="0"/>
+                        </a:rPr>
+                        <m:t>→</m:t>
+                      </m:r>
+                      <m:sSub>
+                        <m:sSubPr>
+                          <m:ctrlPr>
+                            <a:rPr lang="de-DE" i="1">
+                              <a:latin typeface="Cambria Math" panose="02040503050406030204" pitchFamily="18" charset="0"/>
+                              <a:ea typeface="Cambria Math" panose="02040503050406030204" pitchFamily="18" charset="0"/>
+                            </a:rPr>
+                          </m:ctrlPr>
+                        </m:sSubPr>
+                        <m:e>
+                          <m:r>
+                            <a:rPr lang="de-DE" i="1">
+                              <a:latin typeface="Cambria Math" panose="02040503050406030204" pitchFamily="18" charset="0"/>
+                              <a:ea typeface="Cambria Math" panose="02040503050406030204" pitchFamily="18" charset="0"/>
+                            </a:rPr>
+                            <m:t>𝑦</m:t>
+                          </m:r>
+                        </m:e>
+                        <m:sub>
+                          <m:r>
+                            <a:rPr lang="de-DE" b="0" i="1" smtClean="0">
+                              <a:latin typeface="Cambria Math" panose="02040503050406030204" pitchFamily="18" charset="0"/>
+                              <a:ea typeface="Cambria Math" panose="02040503050406030204" pitchFamily="18" charset="0"/>
+                            </a:rPr>
+                            <m:t>2</m:t>
+                          </m:r>
+                        </m:sub>
+                      </m:sSub>
+                      <m:d>
+                        <m:dPr>
+                          <m:ctrlPr>
+                            <a:rPr lang="de-DE" i="1">
+                              <a:latin typeface="Cambria Math" panose="02040503050406030204" pitchFamily="18" charset="0"/>
+                              <a:ea typeface="Cambria Math" panose="02040503050406030204" pitchFamily="18" charset="0"/>
+                            </a:rPr>
+                          </m:ctrlPr>
+                        </m:dPr>
+                        <m:e>
+                          <m:r>
+                            <a:rPr lang="de-DE" i="1">
+                              <a:latin typeface="Cambria Math" panose="02040503050406030204" pitchFamily="18" charset="0"/>
+                              <a:ea typeface="Cambria Math" panose="02040503050406030204" pitchFamily="18" charset="0"/>
+                            </a:rPr>
+                            <m:t>𝑡</m:t>
+                          </m:r>
+                        </m:e>
+                      </m:d>
+                    </m:oMath>
+                  </m:oMathPara>
+                </a14:m>
+                <a:endParaRPr lang="de-DE" i="1" dirty="0">
+                  <a:latin typeface="Cambria Math" panose="02040503050406030204" pitchFamily="18" charset="0"/>
+                  <a:ea typeface="Cambria Math" panose="02040503050406030204" pitchFamily="18" charset="0"/>
+                </a:endParaRPr>
+              </a:p>
+              <a:p>
+                <a:pPr/>
+                <a14:m>
+                  <m:oMathPara xmlns:m="http://schemas.openxmlformats.org/officeDocument/2006/math">
+                    <m:oMathParaPr>
+                      <m:jc m:val="centerGroup"/>
+                    </m:oMathParaPr>
+                    <m:oMath xmlns:m="http://schemas.openxmlformats.org/officeDocument/2006/math">
+                      <m:r>
+                        <a:rPr lang="de-DE" b="0" i="1" smtClean="0">
+                          <a:latin typeface="Cambria Math" panose="02040503050406030204" pitchFamily="18" charset="0"/>
+                          <a:ea typeface="Cambria Math" panose="02040503050406030204" pitchFamily="18" charset="0"/>
+                        </a:rPr>
+                        <m:t>⇒</m:t>
+                      </m:r>
+                      <m:sSub>
+                        <m:sSubPr>
+                          <m:ctrlPr>
+                            <a:rPr lang="de-DE" i="1">
+                              <a:latin typeface="Cambria Math" panose="02040503050406030204" pitchFamily="18" charset="0"/>
+                            </a:rPr>
+                          </m:ctrlPr>
+                        </m:sSubPr>
+                        <m:e>
+                          <m:r>
+                            <a:rPr lang="de-DE" i="1">
+                              <a:latin typeface="Cambria Math" panose="02040503050406030204" pitchFamily="18" charset="0"/>
+                            </a:rPr>
+                            <m:t>𝑢</m:t>
+                          </m:r>
+                        </m:e>
+                        <m:sub>
+                          <m:r>
+                            <a:rPr lang="de-DE" i="1">
+                              <a:latin typeface="Cambria Math" panose="02040503050406030204" pitchFamily="18" charset="0"/>
+                            </a:rPr>
+                            <m:t>1</m:t>
+                          </m:r>
+                        </m:sub>
+                      </m:sSub>
+                      <m:d>
+                        <m:dPr>
+                          <m:ctrlPr>
+                            <a:rPr lang="de-DE" i="1">
+                              <a:latin typeface="Cambria Math" panose="02040503050406030204" pitchFamily="18" charset="0"/>
+                            </a:rPr>
+                          </m:ctrlPr>
+                        </m:dPr>
+                        <m:e>
+                          <m:r>
+                            <a:rPr lang="de-DE" i="1">
+                              <a:latin typeface="Cambria Math" panose="02040503050406030204" pitchFamily="18" charset="0"/>
+                            </a:rPr>
+                            <m:t>𝑡</m:t>
+                          </m:r>
+                        </m:e>
+                      </m:d>
+                      <m:r>
+                        <a:rPr lang="de-DE" b="0" i="1" smtClean="0">
+                          <a:latin typeface="Cambria Math" panose="02040503050406030204" pitchFamily="18" charset="0"/>
+                        </a:rPr>
+                        <m:t>+</m:t>
+                      </m:r>
+                      <m:sSub>
+                        <m:sSubPr>
+                          <m:ctrlPr>
+                            <a:rPr lang="de-DE" i="1">
+                              <a:latin typeface="Cambria Math" panose="02040503050406030204" pitchFamily="18" charset="0"/>
+                            </a:rPr>
+                          </m:ctrlPr>
+                        </m:sSubPr>
+                        <m:e>
+                          <m:r>
+                            <a:rPr lang="de-DE" i="1">
+                              <a:latin typeface="Cambria Math" panose="02040503050406030204" pitchFamily="18" charset="0"/>
+                            </a:rPr>
+                            <m:t>𝑢</m:t>
+                          </m:r>
+                        </m:e>
+                        <m:sub>
+                          <m:r>
+                            <a:rPr lang="de-DE" b="0" i="1" smtClean="0">
+                              <a:latin typeface="Cambria Math" panose="02040503050406030204" pitchFamily="18" charset="0"/>
+                            </a:rPr>
+                            <m:t>2</m:t>
+                          </m:r>
+                        </m:sub>
+                      </m:sSub>
+                      <m:d>
+                        <m:dPr>
+                          <m:ctrlPr>
+                            <a:rPr lang="de-DE" i="1">
+                              <a:latin typeface="Cambria Math" panose="02040503050406030204" pitchFamily="18" charset="0"/>
+                            </a:rPr>
+                          </m:ctrlPr>
+                        </m:dPr>
+                        <m:e>
+                          <m:r>
+                            <a:rPr lang="de-DE" i="1">
+                              <a:latin typeface="Cambria Math" panose="02040503050406030204" pitchFamily="18" charset="0"/>
+                            </a:rPr>
+                            <m:t>𝑡</m:t>
+                          </m:r>
+                        </m:e>
+                      </m:d>
+                      <m:r>
+                        <a:rPr lang="de-DE" b="0" i="1" smtClean="0">
+                          <a:latin typeface="Cambria Math" panose="02040503050406030204" pitchFamily="18" charset="0"/>
+                          <a:ea typeface="Cambria Math" panose="02040503050406030204" pitchFamily="18" charset="0"/>
+                        </a:rPr>
+                        <m:t>→</m:t>
+                      </m:r>
+                      <m:sSub>
+                        <m:sSubPr>
+                          <m:ctrlPr>
+                            <a:rPr lang="de-DE" i="1">
+                              <a:latin typeface="Cambria Math" panose="02040503050406030204" pitchFamily="18" charset="0"/>
+                              <a:ea typeface="Cambria Math" panose="02040503050406030204" pitchFamily="18" charset="0"/>
+                            </a:rPr>
+                          </m:ctrlPr>
+                        </m:sSubPr>
+                        <m:e>
+                          <m:r>
+                            <a:rPr lang="de-DE" i="1">
+                              <a:latin typeface="Cambria Math" panose="02040503050406030204" pitchFamily="18" charset="0"/>
+                              <a:ea typeface="Cambria Math" panose="02040503050406030204" pitchFamily="18" charset="0"/>
+                            </a:rPr>
+                            <m:t>𝑦</m:t>
+                          </m:r>
+                        </m:e>
+                        <m:sub>
+                          <m:r>
+                            <a:rPr lang="de-DE" i="1">
+                              <a:latin typeface="Cambria Math" panose="02040503050406030204" pitchFamily="18" charset="0"/>
+                              <a:ea typeface="Cambria Math" panose="02040503050406030204" pitchFamily="18" charset="0"/>
+                            </a:rPr>
+                            <m:t>1</m:t>
+                          </m:r>
+                        </m:sub>
+                      </m:sSub>
+                      <m:d>
+                        <m:dPr>
+                          <m:ctrlPr>
+                            <a:rPr lang="de-DE" i="1">
+                              <a:latin typeface="Cambria Math" panose="02040503050406030204" pitchFamily="18" charset="0"/>
+                              <a:ea typeface="Cambria Math" panose="02040503050406030204" pitchFamily="18" charset="0"/>
+                            </a:rPr>
+                          </m:ctrlPr>
+                        </m:dPr>
+                        <m:e>
+                          <m:r>
+                            <a:rPr lang="de-DE" i="1">
+                              <a:latin typeface="Cambria Math" panose="02040503050406030204" pitchFamily="18" charset="0"/>
+                              <a:ea typeface="Cambria Math" panose="02040503050406030204" pitchFamily="18" charset="0"/>
+                            </a:rPr>
+                            <m:t>𝑡</m:t>
+                          </m:r>
+                        </m:e>
+                      </m:d>
+                      <m:r>
+                        <a:rPr lang="de-DE" b="0" i="1" smtClean="0">
+                          <a:latin typeface="Cambria Math" panose="02040503050406030204" pitchFamily="18" charset="0"/>
+                          <a:ea typeface="Cambria Math" panose="02040503050406030204" pitchFamily="18" charset="0"/>
+                        </a:rPr>
+                        <m:t>+</m:t>
+                      </m:r>
+                      <m:sSub>
+                        <m:sSubPr>
+                          <m:ctrlPr>
+                            <a:rPr lang="de-DE" i="1">
+                              <a:latin typeface="Cambria Math" panose="02040503050406030204" pitchFamily="18" charset="0"/>
+                              <a:ea typeface="Cambria Math" panose="02040503050406030204" pitchFamily="18" charset="0"/>
+                            </a:rPr>
+                          </m:ctrlPr>
+                        </m:sSubPr>
+                        <m:e>
+                          <m:r>
+                            <a:rPr lang="de-DE" i="1">
+                              <a:latin typeface="Cambria Math" panose="02040503050406030204" pitchFamily="18" charset="0"/>
+                              <a:ea typeface="Cambria Math" panose="02040503050406030204" pitchFamily="18" charset="0"/>
+                            </a:rPr>
+                            <m:t>𝑦</m:t>
+                          </m:r>
+                        </m:e>
+                        <m:sub>
+                          <m:r>
+                            <a:rPr lang="de-DE" b="0" i="1" smtClean="0">
+                              <a:latin typeface="Cambria Math" panose="02040503050406030204" pitchFamily="18" charset="0"/>
+                              <a:ea typeface="Cambria Math" panose="02040503050406030204" pitchFamily="18" charset="0"/>
+                            </a:rPr>
+                            <m:t>2</m:t>
+                          </m:r>
+                        </m:sub>
+                      </m:sSub>
+                      <m:d>
+                        <m:dPr>
+                          <m:ctrlPr>
+                            <a:rPr lang="de-DE" i="1">
+                              <a:latin typeface="Cambria Math" panose="02040503050406030204" pitchFamily="18" charset="0"/>
+                              <a:ea typeface="Cambria Math" panose="02040503050406030204" pitchFamily="18" charset="0"/>
+                            </a:rPr>
+                          </m:ctrlPr>
+                        </m:dPr>
+                        <m:e>
+                          <m:r>
+                            <a:rPr lang="de-DE" i="1">
+                              <a:latin typeface="Cambria Math" panose="02040503050406030204" pitchFamily="18" charset="0"/>
+                              <a:ea typeface="Cambria Math" panose="02040503050406030204" pitchFamily="18" charset="0"/>
+                            </a:rPr>
+                            <m:t>𝑡</m:t>
+                          </m:r>
+                        </m:e>
+                      </m:d>
+                    </m:oMath>
+                  </m:oMathPara>
+                </a14:m>
+                <a:endParaRPr lang="de-DE" dirty="0"/>
+              </a:p>
+            </p:txBody>
+          </p:sp>
+        </mc:Choice>
+        <mc:Fallback>
+          <p:sp>
+            <p:nvSpPr>
+              <p:cNvPr id="7" name="Textfeld 6">
+                <a:extLst>
+                  <a:ext uri="{FF2B5EF4-FFF2-40B4-BE49-F238E27FC236}">
+                    <a16:creationId xmlns:a16="http://schemas.microsoft.com/office/drawing/2014/main" id="{19E29DD8-B0F3-DCDF-B26A-20F98CA89592}"/>
+                  </a:ext>
+                </a:extLst>
+              </p:cNvPr>
+              <p:cNvSpPr txBox="1">
+                <a:spLocks noRot="1" noChangeAspect="1" noMove="1" noResize="1" noEditPoints="1" noAdjustHandles="1" noChangeArrowheads="1" noChangeShapeType="1" noTextEdit="1"/>
+              </p:cNvSpPr>
+              <p:nvPr/>
+            </p:nvSpPr>
+            <p:spPr>
+              <a:xfrm>
+                <a:off x="7947011" y="3429000"/>
+                <a:ext cx="3530454" cy="646331"/>
+              </a:xfrm>
+              <a:prstGeom prst="rect">
+                <a:avLst/>
+              </a:prstGeom>
+              <a:blipFill>
+                <a:blip r:embed="rId3"/>
+                <a:stretch>
+                  <a:fillRect b="-1923"/>
+                </a:stretch>
+              </a:blipFill>
+            </p:spPr>
+            <p:txBody>
+              <a:bodyPr/>
+              <a:lstStyle/>
+              <a:p>
+                <a:r>
+                  <a:rPr lang="de-DE">
+                    <a:noFill/>
+                  </a:rPr>
+                  <a:t> </a:t>
+                </a:r>
+              </a:p>
+            </p:txBody>
+          </p:sp>
+        </mc:Fallback>
+      </mc:AlternateContent>
+      <p:cxnSp>
+        <p:nvCxnSpPr>
+          <p:cNvPr id="11" name="Gerade Verbindung mit Pfeil 10">
+            <a:extLst>
+              <a:ext uri="{FF2B5EF4-FFF2-40B4-BE49-F238E27FC236}">
+                <a16:creationId xmlns:a16="http://schemas.microsoft.com/office/drawing/2014/main" id="{7AF01E19-EED3-0E00-ACC9-B60D000D4FFF}"/>
+              </a:ext>
+            </a:extLst>
+          </p:cNvPr>
+          <p:cNvCxnSpPr>
+            <a:endCxn id="7" idx="1"/>
+          </p:cNvCxnSpPr>
+          <p:nvPr/>
+        </p:nvCxnSpPr>
+        <p:spPr>
+          <a:xfrm>
+            <a:off x="6927574" y="3299791"/>
+            <a:ext cx="1019437" cy="452375"/>
+          </a:xfrm>
+          <a:prstGeom prst="straightConnector1">
+            <a:avLst/>
+          </a:prstGeom>
+          <a:ln>
+            <a:tailEnd type="triangle"/>
+          </a:ln>
+        </p:spPr>
+        <p:style>
+          <a:lnRef idx="2">
+            <a:schemeClr val="accent1"/>
+          </a:lnRef>
+          <a:fillRef idx="0">
+            <a:schemeClr val="accent1"/>
+          </a:fillRef>
+          <a:effectRef idx="1">
+            <a:schemeClr val="accent1"/>
+          </a:effectRef>
+          <a:fontRef idx="minor">
+            <a:schemeClr val="tx1"/>
+          </a:fontRef>
+        </p:style>
+      </p:cxnSp>
+      <p:cxnSp>
+        <p:nvCxnSpPr>
+          <p:cNvPr id="13" name="Gerade Verbindung mit Pfeil 12">
+            <a:extLst>
+              <a:ext uri="{FF2B5EF4-FFF2-40B4-BE49-F238E27FC236}">
+                <a16:creationId xmlns:a16="http://schemas.microsoft.com/office/drawing/2014/main" id="{3A58A0B2-442D-7AB7-6986-15C8E352A0DA}"/>
+              </a:ext>
+            </a:extLst>
+          </p:cNvPr>
+          <p:cNvCxnSpPr>
+            <a:endCxn id="5" idx="1"/>
+          </p:cNvCxnSpPr>
+          <p:nvPr/>
+        </p:nvCxnSpPr>
+        <p:spPr>
+          <a:xfrm flipV="1">
+            <a:off x="5138530" y="2509025"/>
+            <a:ext cx="2808481" cy="432958"/>
+          </a:xfrm>
+          <a:prstGeom prst="straightConnector1">
+            <a:avLst/>
+          </a:prstGeom>
+          <a:ln>
+            <a:tailEnd type="triangle"/>
+          </a:ln>
+        </p:spPr>
+        <p:style>
+          <a:lnRef idx="2">
+            <a:schemeClr val="accent1"/>
+          </a:lnRef>
+          <a:fillRef idx="0">
+            <a:schemeClr val="accent1"/>
+          </a:fillRef>
+          <a:effectRef idx="1">
+            <a:schemeClr val="accent1"/>
+          </a:effectRef>
+          <a:fontRef idx="minor">
+            <a:schemeClr val="tx1"/>
+          </a:fontRef>
+        </p:style>
+      </p:cxnSp>
     </p:spTree>
     <p:extLst>
       <p:ext uri="{BB962C8B-B14F-4D97-AF65-F5344CB8AC3E}">
@@ -17333,7 +20164,7 @@
 </p:sld>
 </file>
 
-<file path=ppt/slides/slide25.xml><?xml version="1.0" encoding="utf-8"?>
+<file path=ppt/slides/slide23.xml><?xml version="1.0" encoding="utf-8"?>
 <p:sld xmlns:a="http://schemas.openxmlformats.org/drawingml/2006/main" xmlns:r="http://schemas.openxmlformats.org/officeDocument/2006/relationships" xmlns:p="http://schemas.openxmlformats.org/presentationml/2006/main">
   <p:cSld>
     <p:spTree>
@@ -17378,145 +20209,355 @@
           </a:p>
         </p:txBody>
       </p:sp>
-      <p:sp>
-        <p:nvSpPr>
-          <p:cNvPr id="3" name="Inhaltsplatzhalter 2">
-            <a:extLst>
-              <a:ext uri="{FF2B5EF4-FFF2-40B4-BE49-F238E27FC236}">
-                <a16:creationId xmlns:a16="http://schemas.microsoft.com/office/drawing/2014/main" id="{F9AE5EC4-52A4-BBD7-A547-E7DA4C4B3937}"/>
-              </a:ext>
-            </a:extLst>
-          </p:cNvPr>
-          <p:cNvSpPr>
-            <a:spLocks noGrp="1"/>
-          </p:cNvSpPr>
-          <p:nvPr>
-            <p:ph idx="1"/>
-          </p:nvPr>
-        </p:nvSpPr>
-        <p:spPr/>
-        <p:txBody>
-          <a:bodyPr/>
-          <a:lstStyle/>
-          <a:p>
-            <a:r>
-              <a:rPr lang="de-DE" dirty="0"/>
-              <a:t>Delay </a:t>
-            </a:r>
-            <a:r>
-              <a:rPr lang="de-DE" dirty="0" err="1"/>
-              <a:t>between</a:t>
-            </a:r>
-            <a:r>
-              <a:rPr lang="de-DE" dirty="0"/>
-              <a:t> </a:t>
-            </a:r>
-            <a:r>
-              <a:rPr lang="de-DE" dirty="0" err="1"/>
-              <a:t>input</a:t>
-            </a:r>
-            <a:r>
-              <a:rPr lang="de-DE" dirty="0"/>
-              <a:t> and </a:t>
-            </a:r>
-            <a:r>
-              <a:rPr lang="de-DE" dirty="0" err="1"/>
-              <a:t>output</a:t>
-            </a:r>
-            <a:endParaRPr lang="de-DE" dirty="0"/>
-          </a:p>
-          <a:p>
-            <a:r>
-              <a:rPr lang="de-DE" dirty="0"/>
-              <a:t>Common in </a:t>
-            </a:r>
-            <a:r>
-              <a:rPr lang="de-DE" dirty="0" err="1"/>
-              <a:t>processes</a:t>
-            </a:r>
-            <a:r>
-              <a:rPr lang="de-DE" dirty="0"/>
-              <a:t> and </a:t>
-            </a:r>
-            <a:r>
-              <a:rPr lang="de-DE" dirty="0" err="1"/>
-              <a:t>networks</a:t>
-            </a:r>
-            <a:endParaRPr lang="de-DE" dirty="0"/>
-          </a:p>
-          <a:p>
-            <a:r>
-              <a:rPr lang="de-DE" dirty="0" err="1"/>
-              <a:t>Makes</a:t>
-            </a:r>
-            <a:r>
-              <a:rPr lang="de-DE" dirty="0"/>
-              <a:t> </a:t>
-            </a:r>
-            <a:r>
-              <a:rPr lang="de-DE" dirty="0" err="1"/>
-              <a:t>control</a:t>
-            </a:r>
-            <a:r>
-              <a:rPr lang="de-DE" dirty="0"/>
-              <a:t> </a:t>
-            </a:r>
-            <a:r>
-              <a:rPr lang="de-DE" dirty="0" err="1"/>
-              <a:t>more</a:t>
-            </a:r>
-            <a:r>
-              <a:rPr lang="de-DE" dirty="0"/>
-              <a:t> </a:t>
-            </a:r>
-            <a:r>
-              <a:rPr lang="de-DE" dirty="0" err="1"/>
-              <a:t>difficult</a:t>
-            </a:r>
-            <a:endParaRPr lang="de-DE" dirty="0"/>
-          </a:p>
-          <a:p>
-            <a:pPr marL="0" indent="0">
-              <a:buNone/>
-            </a:pPr>
-            <a:endParaRPr lang="de-DE" dirty="0"/>
-          </a:p>
-          <a:p>
-            <a:pPr marL="0" indent="0">
-              <a:buNone/>
-            </a:pPr>
-            <a:r>
-              <a:rPr lang="de-DE" b="1" dirty="0"/>
-              <a:t>Plot:</a:t>
-            </a:r>
-            <a:r>
-              <a:rPr lang="de-DE" dirty="0"/>
-              <a:t> </a:t>
-            </a:r>
-            <a:r>
-              <a:rPr lang="de-DE" dirty="0" err="1"/>
-              <a:t>delayed</a:t>
-            </a:r>
-            <a:r>
-              <a:rPr lang="de-DE" dirty="0"/>
-              <a:t> </a:t>
-            </a:r>
-            <a:r>
-              <a:rPr lang="de-DE" dirty="0" err="1"/>
-              <a:t>step</a:t>
-            </a:r>
-            <a:r>
-              <a:rPr lang="de-DE" dirty="0"/>
-              <a:t> </a:t>
-            </a:r>
-            <a:r>
-              <a:rPr lang="de-DE" dirty="0" err="1"/>
-              <a:t>response</a:t>
-            </a:r>
-            <a:endParaRPr lang="de-DE" dirty="0"/>
-          </a:p>
-        </p:txBody>
-      </p:sp>
+      <mc:AlternateContent xmlns:mc="http://schemas.openxmlformats.org/markup-compatibility/2006" xmlns:a14="http://schemas.microsoft.com/office/drawing/2010/main">
+        <mc:Choice Requires="a14">
+          <p:sp>
+            <p:nvSpPr>
+              <p:cNvPr id="3" name="Inhaltsplatzhalter 2">
+                <a:extLst>
+                  <a:ext uri="{FF2B5EF4-FFF2-40B4-BE49-F238E27FC236}">
+                    <a16:creationId xmlns:a16="http://schemas.microsoft.com/office/drawing/2014/main" id="{F9AE5EC4-52A4-BBD7-A547-E7DA4C4B3937}"/>
+                  </a:ext>
+                </a:extLst>
+              </p:cNvPr>
+              <p:cNvSpPr>
+                <a:spLocks noGrp="1"/>
+              </p:cNvSpPr>
+              <p:nvPr>
+                <p:ph idx="1"/>
+              </p:nvPr>
+            </p:nvSpPr>
+            <p:spPr/>
+            <p:txBody>
+              <a:bodyPr>
+                <a:normAutofit lnSpcReduction="10000"/>
+              </a:bodyPr>
+              <a:lstStyle/>
+              <a:p>
+                <a:pPr marL="0" indent="0">
+                  <a:buNone/>
+                </a:pPr>
+                <a:r>
+                  <a:rPr lang="de-DE" dirty="0"/>
+                  <a:t>Time </a:t>
+                </a:r>
+                <a:r>
+                  <a:rPr lang="de-DE" dirty="0" err="1"/>
+                  <a:t>delay</a:t>
+                </a:r>
+                <a:r>
+                  <a:rPr lang="de-DE" dirty="0"/>
+                  <a:t> </a:t>
+                </a:r>
+                <a:r>
+                  <a:rPr lang="de-DE" dirty="0" err="1"/>
+                  <a:t>between</a:t>
+                </a:r>
+                <a:r>
+                  <a:rPr lang="de-DE" dirty="0"/>
+                  <a:t> </a:t>
+                </a:r>
+                <a:r>
+                  <a:rPr lang="de-DE" dirty="0" err="1"/>
+                  <a:t>input</a:t>
+                </a:r>
+                <a:r>
+                  <a:rPr lang="de-DE" dirty="0"/>
+                  <a:t> and </a:t>
+                </a:r>
+                <a:r>
+                  <a:rPr lang="de-DE" dirty="0" err="1"/>
+                  <a:t>output</a:t>
+                </a:r>
+                <a:r>
+                  <a:rPr lang="de-DE" dirty="0"/>
+                  <a:t>:	</a:t>
+                </a:r>
+                <a14:m>
+                  <m:oMath xmlns:m="http://schemas.openxmlformats.org/officeDocument/2006/math">
+                    <m:r>
+                      <a:rPr lang="de-DE" b="0" i="1" smtClean="0">
+                        <a:latin typeface="Cambria Math" panose="02040503050406030204" pitchFamily="18" charset="0"/>
+                      </a:rPr>
+                      <m:t>𝑦</m:t>
+                    </m:r>
+                    <m:d>
+                      <m:dPr>
+                        <m:ctrlPr>
+                          <a:rPr lang="de-DE" b="0" i="1" smtClean="0">
+                            <a:latin typeface="Cambria Math" panose="02040503050406030204" pitchFamily="18" charset="0"/>
+                          </a:rPr>
+                        </m:ctrlPr>
+                      </m:dPr>
+                      <m:e>
+                        <m:r>
+                          <a:rPr lang="de-DE" b="0" i="1" smtClean="0">
+                            <a:latin typeface="Cambria Math" panose="02040503050406030204" pitchFamily="18" charset="0"/>
+                          </a:rPr>
+                          <m:t>𝑡</m:t>
+                        </m:r>
+                      </m:e>
+                    </m:d>
+                    <m:r>
+                      <a:rPr lang="de-DE" b="0" i="1" smtClean="0">
+                        <a:latin typeface="Cambria Math" panose="02040503050406030204" pitchFamily="18" charset="0"/>
+                      </a:rPr>
+                      <m:t>=</m:t>
+                    </m:r>
+                    <m:r>
+                      <a:rPr lang="de-DE" b="0" i="1" smtClean="0">
+                        <a:latin typeface="Cambria Math" panose="02040503050406030204" pitchFamily="18" charset="0"/>
+                      </a:rPr>
+                      <m:t>𝑢</m:t>
+                    </m:r>
+                    <m:r>
+                      <a:rPr lang="de-DE" b="0" i="1" smtClean="0">
+                        <a:latin typeface="Cambria Math" panose="02040503050406030204" pitchFamily="18" charset="0"/>
+                      </a:rPr>
+                      <m:t>(</m:t>
+                    </m:r>
+                    <m:r>
+                      <a:rPr lang="de-DE" b="0" i="1" smtClean="0">
+                        <a:latin typeface="Cambria Math" panose="02040503050406030204" pitchFamily="18" charset="0"/>
+                      </a:rPr>
+                      <m:t>𝑡</m:t>
+                    </m:r>
+                    <m:r>
+                      <a:rPr lang="de-DE" b="0" i="1" smtClean="0">
+                        <a:latin typeface="Cambria Math" panose="02040503050406030204" pitchFamily="18" charset="0"/>
+                      </a:rPr>
+                      <m:t>−</m:t>
+                    </m:r>
+                    <m:sSub>
+                      <m:sSubPr>
+                        <m:ctrlPr>
+                          <a:rPr lang="de-DE" b="0" i="1" smtClean="0">
+                            <a:latin typeface="Cambria Math" panose="02040503050406030204" pitchFamily="18" charset="0"/>
+                          </a:rPr>
+                        </m:ctrlPr>
+                      </m:sSubPr>
+                      <m:e>
+                        <m:r>
+                          <a:rPr lang="de-DE" b="0" i="1" smtClean="0">
+                            <a:latin typeface="Cambria Math" panose="02040503050406030204" pitchFamily="18" charset="0"/>
+                          </a:rPr>
+                          <m:t>𝑇</m:t>
+                        </m:r>
+                      </m:e>
+                      <m:sub>
+                        <m:r>
+                          <a:rPr lang="de-DE" b="0" i="1" smtClean="0">
+                            <a:latin typeface="Cambria Math" panose="02040503050406030204" pitchFamily="18" charset="0"/>
+                          </a:rPr>
+                          <m:t>𝑑</m:t>
+                        </m:r>
+                      </m:sub>
+                    </m:sSub>
+                    <m:r>
+                      <a:rPr lang="de-DE" b="0" i="1" smtClean="0">
+                        <a:latin typeface="Cambria Math" panose="02040503050406030204" pitchFamily="18" charset="0"/>
+                      </a:rPr>
+                      <m:t>)</m:t>
+                    </m:r>
+                  </m:oMath>
+                </a14:m>
+                <a:endParaRPr lang="de-DE" dirty="0"/>
+              </a:p>
+              <a:p>
+                <a:pPr marL="0" indent="0">
+                  <a:buNone/>
+                </a:pPr>
+                <a:endParaRPr lang="de-DE" dirty="0"/>
+              </a:p>
+              <a:p>
+                <a:pPr marL="0" indent="0">
+                  <a:buNone/>
+                </a:pPr>
+                <a:r>
+                  <a:rPr lang="de-DE" dirty="0"/>
+                  <a:t>Common in </a:t>
+                </a:r>
+                <a:r>
+                  <a:rPr lang="de-DE" dirty="0" err="1"/>
+                  <a:t>processes</a:t>
+                </a:r>
+                <a:r>
+                  <a:rPr lang="de-DE" dirty="0"/>
+                  <a:t> and </a:t>
+                </a:r>
+                <a:r>
+                  <a:rPr lang="de-DE" dirty="0" err="1"/>
+                  <a:t>networks</a:t>
+                </a:r>
+                <a:endParaRPr lang="de-DE" dirty="0"/>
+              </a:p>
+              <a:p>
+                <a:pPr lvl="1"/>
+                <a:r>
+                  <a:rPr lang="de-DE" dirty="0"/>
+                  <a:t>Transport </a:t>
+                </a:r>
+                <a:r>
+                  <a:rPr lang="de-DE" dirty="0" err="1"/>
+                  <a:t>phenomena</a:t>
+                </a:r>
+                <a:endParaRPr lang="de-DE" dirty="0"/>
+              </a:p>
+              <a:p>
+                <a:pPr lvl="1"/>
+                <a:r>
+                  <a:rPr lang="de-DE" dirty="0"/>
+                  <a:t>Measurement </a:t>
+                </a:r>
+                <a:r>
+                  <a:rPr lang="de-DE" dirty="0" err="1"/>
+                  <a:t>delays</a:t>
+                </a:r>
+                <a:endParaRPr lang="de-DE" dirty="0"/>
+              </a:p>
+              <a:p>
+                <a:pPr lvl="1"/>
+                <a:r>
+                  <a:rPr lang="de-DE" dirty="0" err="1"/>
+                  <a:t>Computation</a:t>
+                </a:r>
+                <a:r>
+                  <a:rPr lang="de-DE" dirty="0"/>
+                  <a:t> </a:t>
+                </a:r>
+                <a:r>
+                  <a:rPr lang="de-DE" dirty="0" err="1"/>
+                  <a:t>delays</a:t>
+                </a:r>
+                <a:endParaRPr lang="de-DE" dirty="0"/>
+              </a:p>
+              <a:p>
+                <a:pPr marL="0" indent="0">
+                  <a:buNone/>
+                </a:pPr>
+                <a:endParaRPr lang="de-DE" dirty="0"/>
+              </a:p>
+              <a:p>
+                <a:pPr marL="0" indent="0">
+                  <a:buNone/>
+                </a:pPr>
+                <a:r>
+                  <a:rPr lang="de-DE" dirty="0" err="1"/>
+                  <a:t>Makes</a:t>
+                </a:r>
+                <a:r>
+                  <a:rPr lang="de-DE" dirty="0"/>
+                  <a:t> </a:t>
+                </a:r>
+                <a:r>
+                  <a:rPr lang="de-DE" dirty="0" err="1"/>
+                  <a:t>control</a:t>
+                </a:r>
+                <a:r>
+                  <a:rPr lang="de-DE" dirty="0"/>
+                  <a:t> </a:t>
+                </a:r>
+                <a:r>
+                  <a:rPr lang="de-DE" dirty="0" err="1"/>
+                  <a:t>more</a:t>
+                </a:r>
+                <a:r>
+                  <a:rPr lang="de-DE" dirty="0"/>
+                  <a:t> </a:t>
+                </a:r>
+                <a:r>
+                  <a:rPr lang="de-DE" dirty="0" err="1"/>
+                  <a:t>difficult</a:t>
+                </a:r>
+                <a:endParaRPr lang="de-DE" dirty="0"/>
+              </a:p>
+              <a:p>
+                <a:pPr lvl="1"/>
+                <a:r>
+                  <a:rPr lang="de-DE" dirty="0" err="1"/>
+                  <a:t>Degrades</a:t>
+                </a:r>
+                <a:r>
+                  <a:rPr lang="de-DE" dirty="0"/>
+                  <a:t> </a:t>
+                </a:r>
+                <a:r>
+                  <a:rPr lang="de-DE" dirty="0" err="1"/>
+                  <a:t>stability</a:t>
+                </a:r>
+                <a:r>
+                  <a:rPr lang="de-DE" dirty="0"/>
+                  <a:t> </a:t>
+                </a:r>
+                <a:r>
+                  <a:rPr lang="de-DE" dirty="0" err="1"/>
+                  <a:t>margins</a:t>
+                </a:r>
+                <a:endParaRPr lang="de-DE" dirty="0"/>
+              </a:p>
+              <a:p>
+                <a:pPr lvl="1"/>
+                <a:r>
+                  <a:rPr lang="de-DE" dirty="0"/>
+                  <a:t>Limits </a:t>
+                </a:r>
+                <a:r>
+                  <a:rPr lang="de-DE" dirty="0" err="1"/>
+                  <a:t>achievable</a:t>
+                </a:r>
+                <a:r>
+                  <a:rPr lang="de-DE" dirty="0"/>
+                  <a:t> </a:t>
+                </a:r>
+                <a:r>
+                  <a:rPr lang="de-DE" dirty="0" err="1"/>
+                  <a:t>performance</a:t>
+                </a:r>
+                <a:endParaRPr lang="de-DE" dirty="0"/>
+              </a:p>
+            </p:txBody>
+          </p:sp>
+        </mc:Choice>
+        <mc:Fallback xmlns="">
+          <p:sp>
+            <p:nvSpPr>
+              <p:cNvPr id="3" name="Inhaltsplatzhalter 2">
+                <a:extLst>
+                  <a:ext uri="{FF2B5EF4-FFF2-40B4-BE49-F238E27FC236}">
+                    <a16:creationId xmlns:a16="http://schemas.microsoft.com/office/drawing/2014/main" id="{F9AE5EC4-52A4-BBD7-A547-E7DA4C4B3937}"/>
+                  </a:ext>
+                </a:extLst>
+              </p:cNvPr>
+              <p:cNvSpPr>
+                <a:spLocks noGrp="1" noRot="1" noChangeAspect="1" noMove="1" noResize="1" noEditPoints="1" noAdjustHandles="1" noChangeArrowheads="1" noChangeShapeType="1" noTextEdit="1"/>
+              </p:cNvSpPr>
+              <p:nvPr>
+                <p:ph idx="1"/>
+              </p:nvPr>
+            </p:nvSpPr>
+            <p:spPr>
+              <a:blipFill>
+                <a:blip r:embed="rId2"/>
+                <a:stretch>
+                  <a:fillRect l="-1206" t="-3198"/>
+                </a:stretch>
+              </a:blipFill>
+            </p:spPr>
+            <p:txBody>
+              <a:bodyPr/>
+              <a:lstStyle/>
+              <a:p>
+                <a:r>
+                  <a:rPr lang="de-DE">
+                    <a:noFill/>
+                  </a:rPr>
+                  <a:t> </a:t>
+                </a:r>
+              </a:p>
+            </p:txBody>
+          </p:sp>
+        </mc:Fallback>
+      </mc:AlternateContent>
       <p:sp>
         <p:nvSpPr>
           <p:cNvPr id="4" name="Foliennummernplatzhalter 3">
@@ -17540,12 +20581,42 @@
           <a:p>
             <a:fld id="{08C366F5-AFAD-49CB-854A-9D9E238FCA13}" type="slidenum">
               <a:rPr lang="en-GB" smtClean="0"/>
-              <a:t>25</a:t>
+              <a:t>23</a:t>
             </a:fld>
             <a:endParaRPr lang="en-GB"/>
           </a:p>
         </p:txBody>
       </p:sp>
+      <p:pic>
+        <p:nvPicPr>
+          <p:cNvPr id="6" name="Grafik 5">
+            <a:extLst>
+              <a:ext uri="{FF2B5EF4-FFF2-40B4-BE49-F238E27FC236}">
+                <a16:creationId xmlns:a16="http://schemas.microsoft.com/office/drawing/2014/main" id="{CA4D1A9C-C7EB-9033-19BD-68A68CB7C9F9}"/>
+              </a:ext>
+            </a:extLst>
+          </p:cNvPr>
+          <p:cNvPicPr>
+            <a:picLocks noChangeAspect="1"/>
+          </p:cNvPicPr>
+          <p:nvPr/>
+        </p:nvPicPr>
+        <p:blipFill>
+          <a:blip r:embed="rId3"/>
+          <a:stretch>
+            <a:fillRect/>
+          </a:stretch>
+        </p:blipFill>
+        <p:spPr>
+          <a:xfrm>
+            <a:off x="7086745" y="2425670"/>
+            <a:ext cx="4674688" cy="3751293"/>
+          </a:xfrm>
+          <a:prstGeom prst="rect">
+            <a:avLst/>
+          </a:prstGeom>
+        </p:spPr>
+      </p:pic>
     </p:spTree>
     <p:extLst>
       <p:ext uri="{BB962C8B-B14F-4D97-AF65-F5344CB8AC3E}">
@@ -17559,7 +20630,7 @@
 </p:sld>
 </file>
 
-<file path=ppt/slides/slide26.xml><?xml version="1.0" encoding="utf-8"?>
+<file path=ppt/slides/slide24.xml><?xml version="1.0" encoding="utf-8"?>
 <p:sld xmlns:a="http://schemas.openxmlformats.org/drawingml/2006/main" xmlns:r="http://schemas.openxmlformats.org/officeDocument/2006/relationships" xmlns:p="http://schemas.openxmlformats.org/presentationml/2006/main">
   <p:cSld>
     <p:spTree>
@@ -17830,7 +20901,7 @@
           <a:p>
             <a:fld id="{08C366F5-AFAD-49CB-854A-9D9E238FCA13}" type="slidenum">
               <a:rPr lang="en-GB" smtClean="0"/>
-              <a:t>26</a:t>
+              <a:t>24</a:t>
             </a:fld>
             <a:endParaRPr lang="en-GB"/>
           </a:p>
@@ -17849,7 +20920,7 @@
 </p:sld>
 </file>
 
-<file path=ppt/slides/slide27.xml><?xml version="1.0" encoding="utf-8"?>
+<file path=ppt/slides/slide25.xml><?xml version="1.0" encoding="utf-8"?>
 <p:sld xmlns:a="http://schemas.openxmlformats.org/drawingml/2006/main" xmlns:r="http://schemas.openxmlformats.org/officeDocument/2006/relationships" xmlns:p="http://schemas.openxmlformats.org/presentationml/2006/main">
   <p:cSld>
     <p:spTree>
@@ -18057,7 +21128,7 @@
           <a:p>
             <a:fld id="{08C366F5-AFAD-49CB-854A-9D9E238FCA13}" type="slidenum">
               <a:rPr lang="en-GB" smtClean="0"/>
-              <a:t>27</a:t>
+              <a:t>25</a:t>
             </a:fld>
             <a:endParaRPr lang="en-GB"/>
           </a:p>
@@ -18968,8 +22039,8 @@
           </a:p>
         </p:txBody>
       </p:sp>
-      <mc:AlternateContent xmlns:mc="http://schemas.openxmlformats.org/markup-compatibility/2006">
-        <mc:Choice xmlns:a14="http://schemas.microsoft.com/office/drawing/2010/main" Requires="a14">
+      <mc:AlternateContent xmlns:mc="http://schemas.openxmlformats.org/markup-compatibility/2006" xmlns:a14="http://schemas.microsoft.com/office/drawing/2010/main">
+        <mc:Choice Requires="a14">
           <p:sp>
             <p:nvSpPr>
               <p:cNvPr id="5" name="Inhaltsplatzhalter 4">
@@ -19197,7 +22268,7 @@
             </p:txBody>
           </p:sp>
         </mc:Choice>
-        <mc:Fallback>
+        <mc:Fallback xmlns="">
           <p:sp>
             <p:nvSpPr>
               <p:cNvPr id="5" name="Inhaltsplatzhalter 4">

--- a/slides/1_systems.pptx
+++ b/slides/1_systems.pptx
@@ -5,7 +5,7 @@
     <p:sldMasterId id="2147483648" r:id="rId1"/>
   </p:sldMasterIdLst>
   <p:notesMasterIdLst>
-    <p:notesMasterId r:id="rId32"/>
+    <p:notesMasterId r:id="rId34"/>
   </p:notesMasterIdLst>
   <p:sldIdLst>
     <p:sldId id="256" r:id="rId2"/>
@@ -21,23 +21,25 @@
     <p:sldId id="273" r:id="rId12"/>
     <p:sldId id="309" r:id="rId13"/>
     <p:sldId id="274" r:id="rId14"/>
-    <p:sldId id="311" r:id="rId15"/>
-    <p:sldId id="313" r:id="rId16"/>
-    <p:sldId id="310" r:id="rId17"/>
-    <p:sldId id="281" r:id="rId18"/>
-    <p:sldId id="306" r:id="rId19"/>
-    <p:sldId id="307" r:id="rId20"/>
-    <p:sldId id="308" r:id="rId21"/>
-    <p:sldId id="275" r:id="rId22"/>
-    <p:sldId id="312" r:id="rId23"/>
-    <p:sldId id="314" r:id="rId24"/>
-    <p:sldId id="315" r:id="rId25"/>
-    <p:sldId id="282" r:id="rId26"/>
-    <p:sldId id="283" r:id="rId27"/>
-    <p:sldId id="271" r:id="rId28"/>
-    <p:sldId id="276" r:id="rId29"/>
-    <p:sldId id="280" r:id="rId30"/>
-    <p:sldId id="277" r:id="rId31"/>
+    <p:sldId id="317" r:id="rId15"/>
+    <p:sldId id="311" r:id="rId16"/>
+    <p:sldId id="313" r:id="rId17"/>
+    <p:sldId id="310" r:id="rId18"/>
+    <p:sldId id="281" r:id="rId19"/>
+    <p:sldId id="306" r:id="rId20"/>
+    <p:sldId id="307" r:id="rId21"/>
+    <p:sldId id="308" r:id="rId22"/>
+    <p:sldId id="275" r:id="rId23"/>
+    <p:sldId id="312" r:id="rId24"/>
+    <p:sldId id="314" r:id="rId25"/>
+    <p:sldId id="315" r:id="rId26"/>
+    <p:sldId id="282" r:id="rId27"/>
+    <p:sldId id="283" r:id="rId28"/>
+    <p:sldId id="271" r:id="rId29"/>
+    <p:sldId id="276" r:id="rId30"/>
+    <p:sldId id="316" r:id="rId31"/>
+    <p:sldId id="280" r:id="rId32"/>
+    <p:sldId id="277" r:id="rId33"/>
   </p:sldIdLst>
   <p:sldSz cx="12192000" cy="6858000"/>
   <p:notesSz cx="6858000" cy="9144000"/>
@@ -237,7 +239,7 @@
           <a:p>
             <a:fld id="{506E0FD1-891F-4B1E-916D-E9B585160BB8}" type="datetimeFigureOut">
               <a:rPr lang="en-GB" smtClean="0"/>
-              <a:t>01/02/2026</a:t>
+              <a:t>03/02/2026</a:t>
             </a:fld>
             <a:endParaRPr lang="en-GB"/>
           </a:p>
@@ -654,7 +656,7 @@
           <a:p>
             <a:fld id="{D68C3F22-27B2-44E3-9C5F-D08126455F6F}" type="datetime1">
               <a:rPr lang="en-GB" smtClean="0"/>
-              <a:t>01/02/2026</a:t>
+              <a:t>03/02/2026</a:t>
             </a:fld>
             <a:endParaRPr lang="en-GB"/>
           </a:p>
@@ -854,7 +856,7 @@
           <a:p>
             <a:fld id="{1CD03846-7BF6-4FB6-A921-FF3379ADBD4C}" type="datetime1">
               <a:rPr lang="en-GB" smtClean="0"/>
-              <a:t>01/02/2026</a:t>
+              <a:t>03/02/2026</a:t>
             </a:fld>
             <a:endParaRPr lang="en-GB"/>
           </a:p>
@@ -1064,7 +1066,7 @@
           <a:p>
             <a:fld id="{99E1B91A-3FD0-4144-9C84-63E9688ED2FE}" type="datetime1">
               <a:rPr lang="en-GB" smtClean="0"/>
-              <a:t>01/02/2026</a:t>
+              <a:t>03/02/2026</a:t>
             </a:fld>
             <a:endParaRPr lang="en-GB"/>
           </a:p>
@@ -1264,7 +1266,7 @@
           <a:p>
             <a:fld id="{5295ED7B-FEAD-4734-819F-93EF4B0EA908}" type="datetime1">
               <a:rPr lang="en-GB" smtClean="0"/>
-              <a:t>01/02/2026</a:t>
+              <a:t>03/02/2026</a:t>
             </a:fld>
             <a:endParaRPr lang="en-GB"/>
           </a:p>
@@ -1540,7 +1542,7 @@
           <a:p>
             <a:fld id="{D2D5D4B4-C926-4B45-8815-1ED8911179A2}" type="datetime1">
               <a:rPr lang="en-GB" smtClean="0"/>
-              <a:t>01/02/2026</a:t>
+              <a:t>03/02/2026</a:t>
             </a:fld>
             <a:endParaRPr lang="en-GB"/>
           </a:p>
@@ -1808,7 +1810,7 @@
           <a:p>
             <a:fld id="{B4C5210A-0E37-4935-93AF-69F21A5F712F}" type="datetime1">
               <a:rPr lang="en-GB" smtClean="0"/>
-              <a:t>01/02/2026</a:t>
+              <a:t>03/02/2026</a:t>
             </a:fld>
             <a:endParaRPr lang="en-GB"/>
           </a:p>
@@ -2223,7 +2225,7 @@
           <a:p>
             <a:fld id="{3D3A6B2F-436C-4691-80E8-9C890E000E9D}" type="datetime1">
               <a:rPr lang="en-GB" smtClean="0"/>
-              <a:t>01/02/2026</a:t>
+              <a:t>03/02/2026</a:t>
             </a:fld>
             <a:endParaRPr lang="en-GB"/>
           </a:p>
@@ -2365,7 +2367,7 @@
           <a:p>
             <a:fld id="{84385F4C-D74B-496F-8D21-97E3549C783B}" type="datetime1">
               <a:rPr lang="en-GB" smtClean="0"/>
-              <a:t>01/02/2026</a:t>
+              <a:t>03/02/2026</a:t>
             </a:fld>
             <a:endParaRPr lang="en-GB"/>
           </a:p>
@@ -2478,7 +2480,7 @@
           <a:p>
             <a:fld id="{0CBDCB32-C241-4703-A832-4EB47BD54E83}" type="datetime1">
               <a:rPr lang="en-GB" smtClean="0"/>
-              <a:t>01/02/2026</a:t>
+              <a:t>03/02/2026</a:t>
             </a:fld>
             <a:endParaRPr lang="en-GB"/>
           </a:p>
@@ -2791,7 +2793,7 @@
           <a:p>
             <a:fld id="{85C150FF-BE95-4D25-A16A-E368A81CBF24}" type="datetime1">
               <a:rPr lang="en-GB" smtClean="0"/>
-              <a:t>01/02/2026</a:t>
+              <a:t>03/02/2026</a:t>
             </a:fld>
             <a:endParaRPr lang="en-GB"/>
           </a:p>
@@ -3080,7 +3082,7 @@
           <a:p>
             <a:fld id="{F3C5DB4B-B349-43C9-A424-BADA723AD9F1}" type="datetime1">
               <a:rPr lang="en-GB" smtClean="0"/>
-              <a:t>01/02/2026</a:t>
+              <a:t>03/02/2026</a:t>
             </a:fld>
             <a:endParaRPr lang="en-GB"/>
           </a:p>
@@ -3323,7 +3325,7 @@
           <a:p>
             <a:fld id="{12632426-0A0C-405F-A3D0-2D11AA44702A}" type="datetime1">
               <a:rPr lang="en-GB" smtClean="0"/>
-              <a:t>01/02/2026</a:t>
+              <a:t>03/02/2026</a:t>
             </a:fld>
             <a:endParaRPr lang="en-GB"/>
           </a:p>
@@ -3878,40 +3880,40 @@
             <p:spPr/>
             <p:txBody>
               <a:bodyPr>
-                <a:normAutofit fontScale="92500" lnSpcReduction="20000"/>
+                <a:noAutofit/>
               </a:bodyPr>
               <a:lstStyle/>
               <a:p>
                 <a:r>
-                  <a:rPr lang="de-DE" dirty="0"/>
+                  <a:rPr lang="de-DE" sz="2400" dirty="0"/>
                   <a:t>Output proportional </a:t>
                 </a:r>
                 <a:r>
-                  <a:rPr lang="de-DE" dirty="0" err="1"/>
+                  <a:rPr lang="de-DE" sz="2400" dirty="0" err="1"/>
                   <a:t>to</a:t>
                 </a:r>
                 <a:r>
-                  <a:rPr lang="de-DE" dirty="0"/>
+                  <a:rPr lang="de-DE" sz="2400" dirty="0"/>
                   <a:t> </a:t>
                 </a:r>
                 <a:r>
-                  <a:rPr lang="de-DE" dirty="0" err="1"/>
+                  <a:rPr lang="de-DE" sz="2400" dirty="0" err="1"/>
                   <a:t>input</a:t>
                 </a:r>
-                <a:endParaRPr lang="de-DE" dirty="0"/>
+                <a:endParaRPr lang="de-DE" sz="2400" dirty="0"/>
               </a:p>
               <a:p>
                 <a:pPr marL="0" indent="0">
                   <a:buNone/>
                 </a:pPr>
                 <a:r>
-                  <a:rPr lang="de-DE" dirty="0"/>
+                  <a:rPr lang="de-DE" sz="2400" dirty="0"/>
                   <a:t>	</a:t>
                 </a:r>
                 <a14:m>
                   <m:oMath xmlns:m="http://schemas.openxmlformats.org/officeDocument/2006/math">
                     <m:r>
-                      <a:rPr lang="de-DE" i="1">
+                      <a:rPr lang="de-DE" sz="2400" i="1">
                         <a:latin typeface="Cambria Math" panose="02040503050406030204" pitchFamily="18" charset="0"/>
                       </a:rPr>
                       <m:t>𝑦</m:t>
@@ -3919,14 +3921,14 @@
                     <m:d>
                       <m:dPr>
                         <m:ctrlPr>
-                          <a:rPr lang="de-DE" i="1">
+                          <a:rPr lang="de-DE" sz="2400" i="1">
                             <a:latin typeface="Cambria Math" panose="02040503050406030204" pitchFamily="18" charset="0"/>
                           </a:rPr>
                         </m:ctrlPr>
                       </m:dPr>
                       <m:e>
                         <m:r>
-                          <a:rPr lang="de-DE" i="1">
+                          <a:rPr lang="de-DE" sz="2400" i="1">
                             <a:latin typeface="Cambria Math" panose="02040503050406030204" pitchFamily="18" charset="0"/>
                           </a:rPr>
                           <m:t>𝑡</m:t>
@@ -3934,133 +3936,133 @@
                       </m:e>
                     </m:d>
                     <m:r>
-                      <a:rPr lang="de-DE" i="1">
+                      <a:rPr lang="de-DE" sz="2400" i="1">
                         <a:latin typeface="Cambria Math" panose="02040503050406030204" pitchFamily="18" charset="0"/>
                       </a:rPr>
                       <m:t>=</m:t>
                     </m:r>
                     <m:r>
-                      <a:rPr lang="de-DE" b="0" i="1" smtClean="0">
+                      <a:rPr lang="de-DE" sz="2400" b="0" i="1" smtClean="0">
                         <a:latin typeface="Cambria Math" panose="02040503050406030204" pitchFamily="18" charset="0"/>
                       </a:rPr>
                       <m:t>𝐾</m:t>
                     </m:r>
                     <m:r>
-                      <a:rPr lang="de-DE" i="1">
+                      <a:rPr lang="de-DE" sz="2400" i="1">
                         <a:latin typeface="Cambria Math" panose="02040503050406030204" pitchFamily="18" charset="0"/>
                         <a:ea typeface="Cambria Math" panose="02040503050406030204" pitchFamily="18" charset="0"/>
                       </a:rPr>
                       <m:t>∙</m:t>
                     </m:r>
                     <m:r>
-                      <a:rPr lang="de-DE" i="1">
+                      <a:rPr lang="de-DE" sz="2400" i="1">
                         <a:latin typeface="Cambria Math" panose="02040503050406030204" pitchFamily="18" charset="0"/>
                       </a:rPr>
                       <m:t>𝑢</m:t>
                     </m:r>
                     <m:r>
-                      <a:rPr lang="de-DE" i="1">
+                      <a:rPr lang="de-DE" sz="2400" i="1">
                         <a:latin typeface="Cambria Math" panose="02040503050406030204" pitchFamily="18" charset="0"/>
                       </a:rPr>
                       <m:t>(</m:t>
                     </m:r>
                     <m:r>
-                      <a:rPr lang="de-DE" i="1">
+                      <a:rPr lang="de-DE" sz="2400" i="1">
                         <a:latin typeface="Cambria Math" panose="02040503050406030204" pitchFamily="18" charset="0"/>
                       </a:rPr>
                       <m:t>𝑡</m:t>
                     </m:r>
                     <m:r>
-                      <a:rPr lang="de-DE" i="1">
+                      <a:rPr lang="de-DE" sz="2400" i="1">
                         <a:latin typeface="Cambria Math" panose="02040503050406030204" pitchFamily="18" charset="0"/>
                       </a:rPr>
                       <m:t>)</m:t>
                     </m:r>
                   </m:oMath>
                 </a14:m>
-                <a:endParaRPr lang="de-DE" dirty="0"/>
+                <a:endParaRPr lang="de-DE" sz="2400" dirty="0"/>
               </a:p>
               <a:p>
                 <a:pPr marL="0" indent="0">
                   <a:buNone/>
                 </a:pPr>
-                <a:endParaRPr lang="de-DE" dirty="0"/>
+                <a:endParaRPr lang="de-DE" sz="2400" dirty="0"/>
               </a:p>
               <a:p>
                 <a:r>
-                  <a:rPr lang="de-DE" dirty="0"/>
+                  <a:rPr lang="de-DE" sz="2400" dirty="0"/>
                   <a:t>Static </a:t>
                 </a:r>
                 <a:r>
-                  <a:rPr lang="de-DE" dirty="0" err="1"/>
+                  <a:rPr lang="de-DE" sz="2400" dirty="0" err="1"/>
                   <a:t>gain</a:t>
                 </a:r>
                 <a:r>
-                  <a:rPr lang="de-DE" dirty="0"/>
+                  <a:rPr lang="de-DE" sz="2400" dirty="0"/>
                   <a:t> (</a:t>
                 </a:r>
                 <a:r>
-                  <a:rPr lang="de-DE" dirty="0" err="1"/>
+                  <a:rPr lang="de-DE" sz="2400" dirty="0" err="1"/>
                   <a:t>gain</a:t>
                 </a:r>
                 <a:r>
-                  <a:rPr lang="de-DE" dirty="0"/>
+                  <a:rPr lang="de-DE" sz="2400" dirty="0"/>
                   <a:t> = </a:t>
                 </a:r>
                 <a:r>
-                  <a:rPr lang="de-DE" dirty="0" err="1"/>
+                  <a:rPr lang="de-DE" sz="2400" dirty="0" err="1"/>
                   <a:t>output</a:t>
                 </a:r>
                 <a:r>
-                  <a:rPr lang="de-DE" dirty="0"/>
+                  <a:rPr lang="de-DE" sz="2400" dirty="0"/>
                   <a:t> </a:t>
                 </a:r>
                 <a:r>
-                  <a:rPr lang="de-DE" dirty="0" err="1"/>
+                  <a:rPr lang="de-DE" sz="2400" dirty="0" err="1"/>
                   <a:t>divided</a:t>
                 </a:r>
                 <a:r>
-                  <a:rPr lang="de-DE" dirty="0"/>
+                  <a:rPr lang="de-DE" sz="2400" dirty="0"/>
                   <a:t> </a:t>
                 </a:r>
                 <a:r>
-                  <a:rPr lang="de-DE" dirty="0" err="1"/>
+                  <a:rPr lang="de-DE" sz="2400" dirty="0" err="1"/>
                   <a:t>by</a:t>
                 </a:r>
                 <a:r>
-                  <a:rPr lang="de-DE" dirty="0"/>
+                  <a:rPr lang="de-DE" sz="2400" dirty="0"/>
                   <a:t> </a:t>
                 </a:r>
                 <a:r>
-                  <a:rPr lang="de-DE" dirty="0" err="1"/>
+                  <a:rPr lang="de-DE" sz="2400" dirty="0" err="1"/>
                   <a:t>input</a:t>
                 </a:r>
                 <a:r>
-                  <a:rPr lang="de-DE" dirty="0"/>
+                  <a:rPr lang="de-DE" sz="2400" dirty="0"/>
                   <a:t>), aka DC </a:t>
                 </a:r>
                 <a:r>
-                  <a:rPr lang="de-DE" dirty="0" err="1"/>
+                  <a:rPr lang="de-DE" sz="2400" dirty="0" err="1"/>
                   <a:t>gain</a:t>
                 </a:r>
                 <a:r>
-                  <a:rPr lang="de-DE" dirty="0"/>
+                  <a:rPr lang="de-DE" sz="2400" dirty="0"/>
                   <a:t> (</a:t>
                 </a:r>
                 <a:r>
-                  <a:rPr lang="de-DE" dirty="0" err="1"/>
+                  <a:rPr lang="de-DE" sz="2400" dirty="0" err="1"/>
                   <a:t>zero</a:t>
                 </a:r>
                 <a:r>
-                  <a:rPr lang="de-DE" dirty="0"/>
+                  <a:rPr lang="de-DE" sz="2400" dirty="0"/>
                   <a:t> </a:t>
                 </a:r>
                 <a:r>
-                  <a:rPr lang="de-DE" dirty="0" err="1"/>
+                  <a:rPr lang="de-DE" sz="2400" dirty="0" err="1"/>
                   <a:t>frequency</a:t>
                 </a:r>
                 <a:r>
-                  <a:rPr lang="de-DE" dirty="0"/>
+                  <a:rPr lang="de-DE" sz="2400" dirty="0"/>
                   <a:t>)</a:t>
                 </a:r>
               </a:p>
@@ -4068,36 +4070,36 @@
                 <a:pPr marL="0" indent="0">
                   <a:buNone/>
                 </a:pPr>
-                <a:endParaRPr lang="de-DE" dirty="0"/>
+                <a:endParaRPr lang="de-DE" sz="2400" dirty="0"/>
               </a:p>
               <a:p>
                 <a:r>
-                  <a:rPr lang="de-DE" dirty="0" err="1"/>
+                  <a:rPr lang="de-DE" sz="2400" dirty="0" err="1"/>
                   <a:t>No</a:t>
                 </a:r>
                 <a:r>
-                  <a:rPr lang="de-DE" dirty="0"/>
+                  <a:rPr lang="de-DE" sz="2400" dirty="0"/>
                   <a:t> </a:t>
                 </a:r>
                 <a:r>
-                  <a:rPr lang="de-DE" dirty="0" err="1"/>
+                  <a:rPr lang="de-DE" sz="2400" dirty="0" err="1"/>
                   <a:t>dynamics</a:t>
                 </a:r>
-                <a:endParaRPr lang="de-DE" dirty="0"/>
+                <a:endParaRPr lang="de-DE" sz="2400" dirty="0"/>
               </a:p>
               <a:p>
                 <a:pPr marL="0" indent="0">
                   <a:buNone/>
                 </a:pPr>
-                <a:endParaRPr lang="de-DE" dirty="0"/>
+                <a:endParaRPr lang="de-DE" sz="2400" dirty="0"/>
               </a:p>
               <a:p>
                 <a:r>
-                  <a:rPr lang="de-DE" dirty="0" err="1"/>
+                  <a:rPr lang="de-DE" sz="2400" dirty="0" err="1"/>
                   <a:t>Examples</a:t>
                 </a:r>
                 <a:r>
-                  <a:rPr lang="de-DE" dirty="0"/>
+                  <a:rPr lang="de-DE" sz="2400" dirty="0"/>
                   <a:t>:</a:t>
                 </a:r>
               </a:p>
@@ -4213,7 +4215,7 @@
               <a:blipFill>
                 <a:blip r:embed="rId2"/>
                 <a:stretch>
-                  <a:fillRect l="-965" t="-3488"/>
+                  <a:fillRect l="-844" t="-2035" b="-4651"/>
                 </a:stretch>
               </a:blipFill>
             </p:spPr>
@@ -4277,8 +4279,8 @@
         </p:nvCxnSpPr>
         <p:spPr>
           <a:xfrm flipV="1">
-            <a:off x="2530136" y="2601157"/>
-            <a:ext cx="337351" cy="470517"/>
+            <a:off x="2464904" y="2601157"/>
+            <a:ext cx="402583" cy="629060"/>
           </a:xfrm>
           <a:prstGeom prst="straightConnector1">
             <a:avLst/>
@@ -5861,10 +5863,10 @@
       </p:pic>
       <p:pic>
         <p:nvPicPr>
-          <p:cNvPr id="21" name="Grafik 20" descr="Ein Bild, das Text, Schrift, Screenshot, Reihe enthält.&#10;&#10;KI-generierte Inhalte können fehlerhaft sein.">
+          <p:cNvPr id="9" name="Grafik 8" descr="Ein Bild, das Text, Reihe, Diagramm, Schrift enthält.&#10;&#10;KI-generierte Inhalte können fehlerhaft sein.">
             <a:extLst>
               <a:ext uri="{FF2B5EF4-FFF2-40B4-BE49-F238E27FC236}">
-                <a16:creationId xmlns:a16="http://schemas.microsoft.com/office/drawing/2014/main" id="{D372E6B8-3781-4876-DBBB-52EE1840EF4C}"/>
+                <a16:creationId xmlns:a16="http://schemas.microsoft.com/office/drawing/2014/main" id="{277ABE33-F6AD-D0A2-0780-C841CCA225AF}"/>
               </a:ext>
             </a:extLst>
           </p:cNvPr>
@@ -5887,8 +5889,8 @@
         </p:blipFill>
         <p:spPr>
           <a:xfrm>
-            <a:off x="6096000" y="3713362"/>
-            <a:ext cx="3069264" cy="1680253"/>
+            <a:off x="6742898" y="3568427"/>
+            <a:ext cx="5251262" cy="1925733"/>
           </a:xfrm>
           <a:prstGeom prst="rect">
             <a:avLst/>
@@ -5927,10 +5929,10 @@
       </p:grpSpPr>
       <p:pic>
         <p:nvPicPr>
-          <p:cNvPr id="5" name="Grafik 4">
+          <p:cNvPr id="10" name="Grafik 9">
             <a:extLst>
               <a:ext uri="{FF2B5EF4-FFF2-40B4-BE49-F238E27FC236}">
-                <a16:creationId xmlns:a16="http://schemas.microsoft.com/office/drawing/2014/main" id="{67B3AFA5-F42B-1CAA-6F55-BCB974EFB65F}"/>
+                <a16:creationId xmlns:a16="http://schemas.microsoft.com/office/drawing/2014/main" id="{9BD9ACDD-5536-F40F-D02A-E110185686F3}"/>
               </a:ext>
             </a:extLst>
           </p:cNvPr>
@@ -5947,8 +5949,8 @@
         </p:blipFill>
         <p:spPr>
           <a:xfrm>
-            <a:off x="6320901" y="2658286"/>
-            <a:ext cx="5032899" cy="3834589"/>
+            <a:off x="6320901" y="2590024"/>
+            <a:ext cx="5112785" cy="3834589"/>
           </a:xfrm>
           <a:prstGeom prst="rect">
             <a:avLst/>
@@ -5983,8 +5985,8 @@
           </a:p>
         </p:txBody>
       </p:sp>
-      <mc:AlternateContent xmlns:mc="http://schemas.openxmlformats.org/markup-compatibility/2006">
-        <mc:Choice xmlns:a14="http://schemas.microsoft.com/office/drawing/2010/main" Requires="a14">
+      <mc:AlternateContent xmlns:mc="http://schemas.openxmlformats.org/markup-compatibility/2006" xmlns:a14="http://schemas.microsoft.com/office/drawing/2010/main">
+        <mc:Choice Requires="a14">
           <p:sp>
             <p:nvSpPr>
               <p:cNvPr id="3" name="Inhaltsplatzhalter 2">
@@ -6490,7 +6492,7 @@
             </p:txBody>
           </p:sp>
         </mc:Choice>
-        <mc:Fallback>
+        <mc:Fallback xmlns="">
           <p:sp>
             <p:nvSpPr>
               <p:cNvPr id="3" name="Inhaltsplatzhalter 2">
@@ -6610,8 +6612,8 @@
           </a:p>
         </p:txBody>
       </p:sp>
-      <mc:AlternateContent xmlns:mc="http://schemas.openxmlformats.org/markup-compatibility/2006">
-        <mc:Choice xmlns:a14="http://schemas.microsoft.com/office/drawing/2010/main" Requires="a14">
+      <mc:AlternateContent xmlns:mc="http://schemas.openxmlformats.org/markup-compatibility/2006" xmlns:a14="http://schemas.microsoft.com/office/drawing/2010/main">
+        <mc:Choice Requires="a14">
           <p:sp>
             <p:nvSpPr>
               <p:cNvPr id="6" name="Textfeld 5">
@@ -6807,13 +6809,7 @@
                                 <a:rPr lang="de-DE" b="0" i="1" smtClean="0">
                                   <a:latin typeface="Cambria Math" panose="02040503050406030204" pitchFamily="18" charset="0"/>
                                 </a:rPr>
-                                <m:t>0, </m:t>
-                              </m:r>
-                              <m:r>
-                                <a:rPr lang="de-DE" b="0" i="1" smtClean="0">
-                                  <a:latin typeface="Cambria Math" panose="02040503050406030204" pitchFamily="18" charset="0"/>
-                                </a:rPr>
-                                <m:t>        </m:t>
+                                <m:t>0,         </m:t>
                               </m:r>
                               <m:r>
                                 <a:rPr lang="de-DE" b="0" i="1" smtClean="0">
@@ -6861,13 +6857,7 @@
                                 <a:rPr lang="de-DE" b="0" i="1" smtClean="0">
                                   <a:latin typeface="Cambria Math" panose="02040503050406030204" pitchFamily="18" charset="0"/>
                                 </a:rPr>
-                                <m:t>, </m:t>
-                              </m:r>
-                              <m:r>
-                                <a:rPr lang="de-DE" b="0" i="1" smtClean="0">
-                                  <a:latin typeface="Cambria Math" panose="02040503050406030204" pitchFamily="18" charset="0"/>
-                                </a:rPr>
-                                <m:t> </m:t>
+                                <m:t>,  </m:t>
                               </m:r>
                               <m:r>
                                 <a:rPr lang="de-DE" b="0" i="1" smtClean="0">
@@ -6897,7 +6887,7 @@
             </p:txBody>
           </p:sp>
         </mc:Choice>
-        <mc:Fallback>
+        <mc:Fallback xmlns="">
           <p:sp>
             <p:nvSpPr>
               <p:cNvPr id="6" name="Textfeld 5">
@@ -6990,8 +6980,8 @@
           </a:fontRef>
         </p:style>
       </p:cxnSp>
-      <mc:AlternateContent xmlns:mc="http://schemas.openxmlformats.org/markup-compatibility/2006">
-        <mc:Choice xmlns:a14="http://schemas.microsoft.com/office/drawing/2010/main" Requires="a14">
+      <mc:AlternateContent xmlns:mc="http://schemas.openxmlformats.org/markup-compatibility/2006" xmlns:a14="http://schemas.microsoft.com/office/drawing/2010/main">
+        <mc:Choice Requires="a14">
           <p:sp>
             <p:nvSpPr>
               <p:cNvPr id="8" name="Textfeld 7">
@@ -7020,6 +7010,7 @@
               </a:bodyPr>
               <a:lstStyle/>
               <a:p>
+                <a:pPr/>
                 <a14:m>
                   <m:oMathPara xmlns:m="http://schemas.openxmlformats.org/officeDocument/2006/math">
                     <m:oMathParaPr>
@@ -7047,6 +7038,7 @@
                 <a:endParaRPr lang="de-DE" dirty="0"/>
               </a:p>
               <a:p>
+                <a:pPr/>
                 <a14:m>
                   <m:oMathPara xmlns:m="http://schemas.openxmlformats.org/officeDocument/2006/math">
                     <m:oMathParaPr>
@@ -7095,7 +7087,7 @@
             </p:txBody>
           </p:sp>
         </mc:Choice>
-        <mc:Fallback>
+        <mc:Fallback xmlns="">
           <p:sp>
             <p:nvSpPr>
               <p:cNvPr id="8" name="Textfeld 7">
@@ -7172,6 +7164,163 @@
       </p:grpSpPr>
       <p:sp>
         <p:nvSpPr>
+          <p:cNvPr id="2" name="Titel 1">
+            <a:extLst>
+              <a:ext uri="{FF2B5EF4-FFF2-40B4-BE49-F238E27FC236}">
+                <a16:creationId xmlns:a16="http://schemas.microsoft.com/office/drawing/2014/main" id="{BDBB8547-AEE4-B255-5E90-6ED98B386E08}"/>
+              </a:ext>
+            </a:extLst>
+          </p:cNvPr>
+          <p:cNvSpPr>
+            <a:spLocks noGrp="1"/>
+          </p:cNvSpPr>
+          <p:nvPr>
+            <p:ph type="title"/>
+          </p:nvPr>
+        </p:nvSpPr>
+        <p:spPr/>
+        <p:txBody>
+          <a:bodyPr/>
+          <a:lstStyle/>
+          <a:p>
+            <a:r>
+              <a:rPr lang="de-DE" dirty="0" err="1"/>
+              <a:t>Gain</a:t>
+            </a:r>
+            <a:r>
+              <a:rPr lang="de-DE" dirty="0"/>
+              <a:t> and Time Constant</a:t>
+            </a:r>
+          </a:p>
+        </p:txBody>
+      </p:sp>
+      <p:sp>
+        <p:nvSpPr>
+          <p:cNvPr id="4" name="Foliennummernplatzhalter 3">
+            <a:extLst>
+              <a:ext uri="{FF2B5EF4-FFF2-40B4-BE49-F238E27FC236}">
+                <a16:creationId xmlns:a16="http://schemas.microsoft.com/office/drawing/2014/main" id="{31FCC748-1ECC-6B54-2760-821AF3C96C3E}"/>
+              </a:ext>
+            </a:extLst>
+          </p:cNvPr>
+          <p:cNvSpPr>
+            <a:spLocks noGrp="1"/>
+          </p:cNvSpPr>
+          <p:nvPr>
+            <p:ph type="sldNum" sz="quarter" idx="12"/>
+          </p:nvPr>
+        </p:nvSpPr>
+        <p:spPr/>
+        <p:txBody>
+          <a:bodyPr/>
+          <a:lstStyle/>
+          <a:p>
+            <a:fld id="{08C366F5-AFAD-49CB-854A-9D9E238FCA13}" type="slidenum">
+              <a:rPr lang="en-GB" smtClean="0"/>
+              <a:t>14</a:t>
+            </a:fld>
+            <a:endParaRPr lang="en-GB"/>
+          </a:p>
+        </p:txBody>
+      </p:sp>
+      <p:pic>
+        <p:nvPicPr>
+          <p:cNvPr id="6" name="Grafik 5" descr="Ein Bild, das Reihe, Diagramm enthält.&#10;&#10;KI-generierte Inhalte können fehlerhaft sein.">
+            <a:extLst>
+              <a:ext uri="{FF2B5EF4-FFF2-40B4-BE49-F238E27FC236}">
+                <a16:creationId xmlns:a16="http://schemas.microsoft.com/office/drawing/2014/main" id="{9C3298DA-8247-0E24-AF2E-29BAE8A8C00A}"/>
+              </a:ext>
+            </a:extLst>
+          </p:cNvPr>
+          <p:cNvPicPr>
+            <a:picLocks noChangeAspect="1"/>
+          </p:cNvPicPr>
+          <p:nvPr/>
+        </p:nvPicPr>
+        <p:blipFill>
+          <a:blip r:embed="rId2">
+            <a:extLst>
+              <a:ext uri="{28A0092B-C50C-407E-A947-70E740481C1C}">
+                <a14:useLocalDpi xmlns:a14="http://schemas.microsoft.com/office/drawing/2010/main" val="0"/>
+              </a:ext>
+            </a:extLst>
+          </a:blip>
+          <a:stretch>
+            <a:fillRect/>
+          </a:stretch>
+        </p:blipFill>
+        <p:spPr>
+          <a:xfrm>
+            <a:off x="2166730" y="1640064"/>
+            <a:ext cx="7858539" cy="5081411"/>
+          </a:xfrm>
+          <a:prstGeom prst="rect">
+            <a:avLst/>
+          </a:prstGeom>
+        </p:spPr>
+      </p:pic>
+    </p:spTree>
+    <p:extLst>
+      <p:ext uri="{BB962C8B-B14F-4D97-AF65-F5344CB8AC3E}">
+        <p14:creationId xmlns:p14="http://schemas.microsoft.com/office/powerpoint/2010/main" val="602055323"/>
+      </p:ext>
+    </p:extLst>
+  </p:cSld>
+  <p:clrMapOvr>
+    <a:masterClrMapping/>
+  </p:clrMapOvr>
+</p:sld>
+</file>
+
+<file path=ppt/slides/slide15.xml><?xml version="1.0" encoding="utf-8"?>
+<p:sld xmlns:a="http://schemas.openxmlformats.org/drawingml/2006/main" xmlns:r="http://schemas.openxmlformats.org/officeDocument/2006/relationships" xmlns:p="http://schemas.openxmlformats.org/presentationml/2006/main">
+  <p:cSld>
+    <p:spTree>
+      <p:nvGrpSpPr>
+        <p:cNvPr id="1" name=""/>
+        <p:cNvGrpSpPr/>
+        <p:nvPr/>
+      </p:nvGrpSpPr>
+      <p:grpSpPr>
+        <a:xfrm>
+          <a:off x="0" y="0"/>
+          <a:ext cx="0" cy="0"/>
+          <a:chOff x="0" y="0"/>
+          <a:chExt cx="0" cy="0"/>
+        </a:xfrm>
+      </p:grpSpPr>
+      <p:pic>
+        <p:nvPicPr>
+          <p:cNvPr id="2" name="Grafik 1">
+            <a:extLst>
+              <a:ext uri="{FF2B5EF4-FFF2-40B4-BE49-F238E27FC236}">
+                <a16:creationId xmlns:a16="http://schemas.microsoft.com/office/drawing/2014/main" id="{F192040B-8DCE-C5AA-4D7E-6E6F8EE2EA2B}"/>
+              </a:ext>
+            </a:extLst>
+          </p:cNvPr>
+          <p:cNvPicPr>
+            <a:picLocks noChangeAspect="1"/>
+          </p:cNvPicPr>
+          <p:nvPr/>
+        </p:nvPicPr>
+        <p:blipFill>
+          <a:blip r:embed="rId2"/>
+          <a:stretch>
+            <a:fillRect/>
+          </a:stretch>
+        </p:blipFill>
+        <p:spPr>
+          <a:xfrm>
+            <a:off x="6320901" y="2590024"/>
+            <a:ext cx="5112785" cy="3834589"/>
+          </a:xfrm>
+          <a:prstGeom prst="rect">
+            <a:avLst/>
+          </a:prstGeom>
+        </p:spPr>
+      </p:pic>
+      <p:sp>
+        <p:nvSpPr>
           <p:cNvPr id="6" name="Titel 5">
             <a:extLst>
               <a:ext uri="{FF2B5EF4-FFF2-40B4-BE49-F238E27FC236}">
@@ -7211,8 +7360,8 @@
           </a:p>
         </p:txBody>
       </p:sp>
-      <mc:AlternateContent xmlns:mc="http://schemas.openxmlformats.org/markup-compatibility/2006">
-        <mc:Choice xmlns:a14="http://schemas.microsoft.com/office/drawing/2010/main" Requires="a14">
+      <mc:AlternateContent xmlns:mc="http://schemas.openxmlformats.org/markup-compatibility/2006" xmlns:a14="http://schemas.microsoft.com/office/drawing/2010/main">
+        <mc:Choice Requires="a14">
           <p:sp>
             <p:nvSpPr>
               <p:cNvPr id="3" name="Inhaltsplatzhalter 2">
@@ -7960,7 +8109,7 @@
             </p:txBody>
           </p:sp>
         </mc:Choice>
-        <mc:Fallback>
+        <mc:Fallback xmlns="">
           <p:sp>
             <p:nvSpPr>
               <p:cNvPr id="3" name="Inhaltsplatzhalter 2">
@@ -7983,7 +8132,7 @@
                 <a:ext cx="5257800" cy="4351338"/>
               </a:xfrm>
               <a:blipFill>
-                <a:blip r:embed="rId2"/>
+                <a:blip r:embed="rId3"/>
                 <a:stretch>
                   <a:fillRect l="-1928" t="-2035" b="-7849"/>
                 </a:stretch>
@@ -8027,44 +8176,14 @@
           <a:p>
             <a:fld id="{08C366F5-AFAD-49CB-854A-9D9E238FCA13}" type="slidenum">
               <a:rPr lang="en-GB" smtClean="0"/>
-              <a:t>14</a:t>
+              <a:t>15</a:t>
             </a:fld>
             <a:endParaRPr lang="en-GB"/>
           </a:p>
         </p:txBody>
       </p:sp>
-      <p:pic>
-        <p:nvPicPr>
-          <p:cNvPr id="12" name="Grafik 11">
-            <a:extLst>
-              <a:ext uri="{FF2B5EF4-FFF2-40B4-BE49-F238E27FC236}">
-                <a16:creationId xmlns:a16="http://schemas.microsoft.com/office/drawing/2014/main" id="{DC493B3A-F133-0085-F002-59B87D4DF411}"/>
-              </a:ext>
-            </a:extLst>
-          </p:cNvPr>
-          <p:cNvPicPr>
-            <a:picLocks noChangeAspect="1"/>
-          </p:cNvPicPr>
-          <p:nvPr/>
-        </p:nvPicPr>
-        <p:blipFill>
-          <a:blip r:embed="rId3"/>
-          <a:stretch>
-            <a:fillRect/>
-          </a:stretch>
-        </p:blipFill>
-        <p:spPr>
-          <a:xfrm>
-            <a:off x="6320901" y="2658286"/>
-            <a:ext cx="5032899" cy="3834589"/>
-          </a:xfrm>
-          <a:prstGeom prst="rect">
-            <a:avLst/>
-          </a:prstGeom>
-        </p:spPr>
-      </p:pic>
-      <mc:AlternateContent xmlns:mc="http://schemas.openxmlformats.org/markup-compatibility/2006">
-        <mc:Choice xmlns:a14="http://schemas.microsoft.com/office/drawing/2010/main" Requires="a14">
+      <mc:AlternateContent xmlns:mc="http://schemas.openxmlformats.org/markup-compatibility/2006" xmlns:a14="http://schemas.microsoft.com/office/drawing/2010/main">
+        <mc:Choice Requires="a14">
           <p:sp>
             <p:nvSpPr>
               <p:cNvPr id="13" name="Textfeld 12">
@@ -8093,6 +8212,7 @@
               </a:bodyPr>
               <a:lstStyle/>
               <a:p>
+                <a:pPr/>
                 <a14:m>
                   <m:oMathPara xmlns:m="http://schemas.openxmlformats.org/officeDocument/2006/math">
                     <m:oMathParaPr>
@@ -8120,6 +8240,7 @@
                 <a:endParaRPr lang="de-DE" dirty="0"/>
               </a:p>
               <a:p>
+                <a:pPr/>
                 <a14:m>
                   <m:oMathPara xmlns:m="http://schemas.openxmlformats.org/officeDocument/2006/math">
                     <m:oMathParaPr>
@@ -8168,7 +8289,7 @@
             </p:txBody>
           </p:sp>
         </mc:Choice>
-        <mc:Fallback>
+        <mc:Fallback xmlns="">
           <p:sp>
             <p:nvSpPr>
               <p:cNvPr id="13" name="Textfeld 12">
@@ -8367,7 +8488,7 @@
 </p:sld>
 </file>
 
-<file path=ppt/slides/slide15.xml><?xml version="1.0" encoding="utf-8"?>
+<file path=ppt/slides/slide16.xml><?xml version="1.0" encoding="utf-8"?>
 <p:sld xmlns:a="http://schemas.openxmlformats.org/drawingml/2006/main" xmlns:r="http://schemas.openxmlformats.org/officeDocument/2006/relationships" xmlns:p="http://schemas.openxmlformats.org/presentationml/2006/main">
   <p:cSld>
     <p:spTree>
@@ -8433,8 +8554,8 @@
           </a:p>
         </p:txBody>
       </p:sp>
-      <mc:AlternateContent xmlns:mc="http://schemas.openxmlformats.org/markup-compatibility/2006">
-        <mc:Choice xmlns:a14="http://schemas.microsoft.com/office/drawing/2010/main" Requires="a14">
+      <mc:AlternateContent xmlns:mc="http://schemas.openxmlformats.org/markup-compatibility/2006" xmlns:a14="http://schemas.microsoft.com/office/drawing/2010/main">
+        <mc:Choice Requires="a14">
           <p:sp>
             <p:nvSpPr>
               <p:cNvPr id="3" name="Inhaltsplatzhalter 2">
@@ -8696,14 +8817,6 @@
                 </a:r>
                 <a:r>
                   <a:rPr lang="de-DE" sz="2400" dirty="0" err="1"/>
-                  <a:t>for</a:t>
-                </a:r>
-                <a:r>
-                  <a:rPr lang="de-DE" sz="2400" dirty="0"/>
-                  <a:t> a </a:t>
-                </a:r>
-                <a:r>
-                  <a:rPr lang="de-DE" sz="2400" dirty="0" err="1"/>
                   <a:t>constant</a:t>
                 </a:r>
                 <a:r>
@@ -8752,15 +8865,17 @@
                 </a14:m>
                 <a:r>
                   <a:rPr lang="de-DE" sz="2400" dirty="0"/>
-                  <a:t>), </a:t>
-                </a:r>
-                <a:r>
-                  <a:rPr lang="de-DE" sz="2400" dirty="0" err="1"/>
-                  <a:t>guess</a:t>
+                  <a:t>) </a:t>
+                </a:r>
+                <a:r>
+                  <a:rPr lang="de-DE" sz="2400" dirty="0">
+                    <a:sym typeface="Wingdings" pitchFamily="2" charset="2"/>
+                  </a:rPr>
+                  <a:t></a:t>
                 </a:r>
                 <a:r>
                   <a:rPr lang="de-DE" sz="2400" dirty="0"/>
-                  <a:t> a </a:t>
+                  <a:t> </a:t>
                 </a:r>
                 <a:r>
                   <a:rPr lang="de-DE" sz="2400" dirty="0" err="1"/>
@@ -8776,7 +8891,7 @@
                 </a:r>
                 <a:r>
                   <a:rPr lang="de-DE" sz="2400" dirty="0"/>
-                  <a:t> (</a:t>
+                  <a:t> </a:t>
                 </a:r>
                 <a14:m>
                   <m:oMath xmlns:m="http://schemas.openxmlformats.org/officeDocument/2006/math">
@@ -8807,10 +8922,6 @@
                     </m:sSub>
                   </m:oMath>
                 </a14:m>
-                <a:r>
-                  <a:rPr lang="de-DE" sz="2400" dirty="0"/>
-                  <a:t>)</a:t>
-                </a:r>
                 <a:endParaRPr lang="de-DE" sz="2400" i="1" dirty="0">
                   <a:latin typeface="Cambria Math" panose="02040503050406030204" pitchFamily="18" charset="0"/>
                 </a:endParaRPr>
@@ -9571,7 +9682,7 @@
             </p:txBody>
           </p:sp>
         </mc:Choice>
-        <mc:Fallback>
+        <mc:Fallback xmlns="">
           <p:sp>
             <p:nvSpPr>
               <p:cNvPr id="3" name="Inhaltsplatzhalter 2">
@@ -9638,7 +9749,7 @@
           <a:p>
             <a:fld id="{08C366F5-AFAD-49CB-854A-9D9E238FCA13}" type="slidenum">
               <a:rPr lang="en-GB" smtClean="0"/>
-              <a:t>15</a:t>
+              <a:t>16</a:t>
             </a:fld>
             <a:endParaRPr lang="en-GB"/>
           </a:p>
@@ -9657,7 +9768,7 @@
 </p:sld>
 </file>
 
-<file path=ppt/slides/slide16.xml><?xml version="1.0" encoding="utf-8"?>
+<file path=ppt/slides/slide17.xml><?xml version="1.0" encoding="utf-8"?>
 <p:sld xmlns:a="http://schemas.openxmlformats.org/drawingml/2006/main" xmlns:r="http://schemas.openxmlformats.org/officeDocument/2006/relationships" xmlns:p="http://schemas.openxmlformats.org/presentationml/2006/main">
   <p:cSld>
     <p:spTree>
@@ -10113,7 +10224,7 @@
           <a:p>
             <a:fld id="{08C366F5-AFAD-49CB-854A-9D9E238FCA13}" type="slidenum">
               <a:rPr lang="en-GB" smtClean="0"/>
-              <a:t>16</a:t>
+              <a:t>17</a:t>
             </a:fld>
             <a:endParaRPr lang="en-GB"/>
           </a:p>
@@ -10703,7 +10814,7 @@
 </p:sld>
 </file>
 
-<file path=ppt/slides/slide17.xml><?xml version="1.0" encoding="utf-8"?>
+<file path=ppt/slides/slide18.xml><?xml version="1.0" encoding="utf-8"?>
 <p:sld xmlns:a="http://schemas.openxmlformats.org/drawingml/2006/main" xmlns:r="http://schemas.openxmlformats.org/officeDocument/2006/relationships" xmlns:p="http://schemas.openxmlformats.org/presentationml/2006/main">
   <p:cSld>
     <p:spTree>
@@ -11166,7 +11277,7 @@
           <a:p>
             <a:fld id="{08C366F5-AFAD-49CB-854A-9D9E238FCA13}" type="slidenum">
               <a:rPr lang="en-GB" smtClean="0"/>
-              <a:t>17</a:t>
+              <a:t>18</a:t>
             </a:fld>
             <a:endParaRPr lang="en-GB"/>
           </a:p>
@@ -11185,7 +11296,7 @@
 </p:sld>
 </file>
 
-<file path=ppt/slides/slide18.xml><?xml version="1.0" encoding="utf-8"?>
+<file path=ppt/slides/slide19.xml><?xml version="1.0" encoding="utf-8"?>
 <p:sld xmlns:a="http://schemas.openxmlformats.org/drawingml/2006/main" xmlns:r="http://schemas.openxmlformats.org/officeDocument/2006/relationships" xmlns:p="http://schemas.openxmlformats.org/presentationml/2006/main">
   <p:cSld>
     <p:spTree>
@@ -11253,7 +11364,7 @@
           <a:p>
             <a:fld id="{9803FC7C-1F2C-4946-B702-1A52A755583B}" type="slidenum">
               <a:rPr lang="de-DE" smtClean="0"/>
-              <a:t>18</a:t>
+              <a:t>19</a:t>
             </a:fld>
             <a:endParaRPr lang="de-DE"/>
           </a:p>
@@ -11329,8 +11440,8 @@
           </a:prstGeom>
         </p:spPr>
       </p:pic>
-      <mc:AlternateContent xmlns:mc="http://schemas.openxmlformats.org/markup-compatibility/2006">
-        <mc:Choice xmlns:a14="http://schemas.microsoft.com/office/drawing/2010/main" Requires="a14">
+      <mc:AlternateContent xmlns:mc="http://schemas.openxmlformats.org/markup-compatibility/2006" xmlns:a14="http://schemas.microsoft.com/office/drawing/2010/main">
+        <mc:Choice Requires="a14">
           <p:sp>
             <p:nvSpPr>
               <p:cNvPr id="8" name="Textfeld 7">
@@ -11612,7 +11723,7 @@
             </p:txBody>
           </p:sp>
         </mc:Choice>
-        <mc:Fallback>
+        <mc:Fallback xmlns="">
           <p:sp>
             <p:nvSpPr>
               <p:cNvPr id="8" name="Textfeld 7">
@@ -13186,7 +13297,286 @@
 </p:sld>
 </file>
 
-<file path=ppt/slides/slide19.xml><?xml version="1.0" encoding="utf-8"?>
+<file path=ppt/slides/slide2.xml><?xml version="1.0" encoding="utf-8"?>
+<p:sld xmlns:a="http://schemas.openxmlformats.org/drawingml/2006/main" xmlns:r="http://schemas.openxmlformats.org/officeDocument/2006/relationships" xmlns:p="http://schemas.openxmlformats.org/presentationml/2006/main">
+  <p:cSld>
+    <p:spTree>
+      <p:nvGrpSpPr>
+        <p:cNvPr id="1" name=""/>
+        <p:cNvGrpSpPr/>
+        <p:nvPr/>
+      </p:nvGrpSpPr>
+      <p:grpSpPr>
+        <a:xfrm>
+          <a:off x="0" y="0"/>
+          <a:ext cx="0" cy="0"/>
+          <a:chOff x="0" y="0"/>
+          <a:chExt cx="0" cy="0"/>
+        </a:xfrm>
+      </p:grpSpPr>
+      <p:sp>
+        <p:nvSpPr>
+          <p:cNvPr id="4" name="Title 3">
+            <a:extLst>
+              <a:ext uri="{FF2B5EF4-FFF2-40B4-BE49-F238E27FC236}">
+                <a16:creationId xmlns:a16="http://schemas.microsoft.com/office/drawing/2014/main" id="{080AD447-446B-E09E-6F4A-522C1DBB462E}"/>
+              </a:ext>
+            </a:extLst>
+          </p:cNvPr>
+          <p:cNvSpPr>
+            <a:spLocks noGrp="1"/>
+          </p:cNvSpPr>
+          <p:nvPr>
+            <p:ph type="title"/>
+          </p:nvPr>
+        </p:nvSpPr>
+        <p:spPr/>
+        <p:txBody>
+          <a:bodyPr/>
+          <a:lstStyle/>
+          <a:p>
+            <a:r>
+              <a:rPr lang="en-GB" dirty="0"/>
+              <a:t>Course Schedule</a:t>
+            </a:r>
+          </a:p>
+        </p:txBody>
+      </p:sp>
+      <p:sp>
+        <p:nvSpPr>
+          <p:cNvPr id="6" name="Inhaltsplatzhalter 5">
+            <a:extLst>
+              <a:ext uri="{FF2B5EF4-FFF2-40B4-BE49-F238E27FC236}">
+                <a16:creationId xmlns:a16="http://schemas.microsoft.com/office/drawing/2014/main" id="{CF502483-E45D-7D7D-D169-ACA4F8327D26}"/>
+              </a:ext>
+            </a:extLst>
+          </p:cNvPr>
+          <p:cNvSpPr>
+            <a:spLocks noGrp="1"/>
+          </p:cNvSpPr>
+          <p:nvPr>
+            <p:ph sz="half" idx="1"/>
+          </p:nvPr>
+        </p:nvSpPr>
+        <p:spPr/>
+        <p:txBody>
+          <a:bodyPr>
+            <a:normAutofit/>
+          </a:bodyPr>
+          <a:lstStyle/>
+          <a:p>
+            <a:pPr marL="514350" indent="-514350">
+              <a:buFont typeface="+mj-lt"/>
+              <a:buAutoNum type="arabicPeriod"/>
+            </a:pPr>
+            <a:r>
+              <a:rPr lang="de-DE" dirty="0"/>
+              <a:t>Systems</a:t>
+            </a:r>
+          </a:p>
+          <a:p>
+            <a:pPr marL="514350" indent="-514350">
+              <a:buFont typeface="+mj-lt"/>
+              <a:buAutoNum type="arabicPeriod"/>
+            </a:pPr>
+            <a:endParaRPr lang="de-DE" dirty="0"/>
+          </a:p>
+          <a:p>
+            <a:pPr marL="514350" indent="-514350">
+              <a:buFont typeface="+mj-lt"/>
+              <a:buAutoNum type="arabicPeriod"/>
+            </a:pPr>
+            <a:r>
+              <a:rPr lang="de-DE" dirty="0" err="1"/>
+              <a:t>Continuous</a:t>
+            </a:r>
+            <a:r>
+              <a:rPr lang="de-DE" dirty="0"/>
+              <a:t>-time Controllers</a:t>
+            </a:r>
+          </a:p>
+          <a:p>
+            <a:pPr marL="514350" indent="-514350">
+              <a:buFont typeface="+mj-lt"/>
+              <a:buAutoNum type="arabicPeriod"/>
+            </a:pPr>
+            <a:endParaRPr lang="de-DE" dirty="0"/>
+          </a:p>
+          <a:p>
+            <a:pPr marL="514350" indent="-514350">
+              <a:buFont typeface="+mj-lt"/>
+              <a:buAutoNum type="arabicPeriod"/>
+            </a:pPr>
+            <a:r>
+              <a:rPr lang="de-DE" dirty="0"/>
+              <a:t>Laplace Domain</a:t>
+            </a:r>
+          </a:p>
+          <a:p>
+            <a:pPr marL="514350" indent="-514350">
+              <a:buFont typeface="+mj-lt"/>
+              <a:buAutoNum type="arabicPeriod"/>
+            </a:pPr>
+            <a:endParaRPr lang="de-DE" dirty="0"/>
+          </a:p>
+          <a:p>
+            <a:pPr marL="514350" indent="-514350">
+              <a:buFont typeface="+mj-lt"/>
+              <a:buAutoNum type="arabicPeriod"/>
+            </a:pPr>
+            <a:r>
+              <a:rPr lang="de-DE" dirty="0"/>
+              <a:t>Poles/Zeros &amp; </a:t>
+            </a:r>
+            <a:r>
+              <a:rPr lang="de-DE" dirty="0" err="1"/>
+              <a:t>Stability</a:t>
+            </a:r>
+            <a:endParaRPr lang="de-DE" dirty="0"/>
+          </a:p>
+        </p:txBody>
+      </p:sp>
+      <p:sp>
+        <p:nvSpPr>
+          <p:cNvPr id="7" name="Inhaltsplatzhalter 6">
+            <a:extLst>
+              <a:ext uri="{FF2B5EF4-FFF2-40B4-BE49-F238E27FC236}">
+                <a16:creationId xmlns:a16="http://schemas.microsoft.com/office/drawing/2014/main" id="{B671907E-FFFA-73EF-8E7D-4AB4EBDD957B}"/>
+              </a:ext>
+            </a:extLst>
+          </p:cNvPr>
+          <p:cNvSpPr>
+            <a:spLocks noGrp="1"/>
+          </p:cNvSpPr>
+          <p:nvPr>
+            <p:ph sz="half" idx="2"/>
+          </p:nvPr>
+        </p:nvSpPr>
+        <p:spPr/>
+        <p:txBody>
+          <a:bodyPr>
+            <a:normAutofit/>
+          </a:bodyPr>
+          <a:lstStyle/>
+          <a:p>
+            <a:pPr marL="514350" indent="-514350">
+              <a:buFont typeface="+mj-lt"/>
+              <a:buAutoNum type="arabicPeriod" startAt="5"/>
+            </a:pPr>
+            <a:r>
+              <a:rPr lang="de-DE" dirty="0"/>
+              <a:t>Controller Design</a:t>
+            </a:r>
+          </a:p>
+          <a:p>
+            <a:pPr marL="514350" indent="-514350">
+              <a:buFont typeface="+mj-lt"/>
+              <a:buAutoNum type="arabicPeriod" startAt="5"/>
+            </a:pPr>
+            <a:endParaRPr lang="de-DE" dirty="0"/>
+          </a:p>
+          <a:p>
+            <a:pPr marL="514350" indent="-514350">
+              <a:buFont typeface="+mj-lt"/>
+              <a:buAutoNum type="arabicPeriod" startAt="5"/>
+            </a:pPr>
+            <a:r>
+              <a:rPr lang="de-DE" dirty="0" err="1"/>
+              <a:t>Discrete</a:t>
+            </a:r>
+            <a:r>
+              <a:rPr lang="de-DE" dirty="0"/>
+              <a:t>-time Controllers</a:t>
+            </a:r>
+          </a:p>
+          <a:p>
+            <a:pPr marL="514350" indent="-514350">
+              <a:buFont typeface="+mj-lt"/>
+              <a:buAutoNum type="arabicPeriod" startAt="5"/>
+            </a:pPr>
+            <a:endParaRPr lang="de-DE" dirty="0"/>
+          </a:p>
+          <a:p>
+            <a:pPr marL="514350" indent="-514350">
+              <a:buFont typeface="+mj-lt"/>
+              <a:buAutoNum type="arabicPeriod" startAt="5"/>
+            </a:pPr>
+            <a:r>
+              <a:rPr lang="de-DE" dirty="0"/>
+              <a:t>State Space </a:t>
+            </a:r>
+            <a:r>
+              <a:rPr lang="de-DE" dirty="0" err="1"/>
+              <a:t>Representation</a:t>
+            </a:r>
+            <a:endParaRPr lang="de-DE" dirty="0"/>
+          </a:p>
+          <a:p>
+            <a:pPr marL="514350" indent="-514350">
+              <a:buFont typeface="+mj-lt"/>
+              <a:buAutoNum type="arabicPeriod" startAt="5"/>
+            </a:pPr>
+            <a:endParaRPr lang="de-DE" dirty="0"/>
+          </a:p>
+          <a:p>
+            <a:pPr marL="514350" indent="-514350">
+              <a:buFont typeface="+mj-lt"/>
+              <a:buAutoNum type="arabicPeriod" startAt="5"/>
+            </a:pPr>
+            <a:r>
+              <a:rPr lang="de-DE" dirty="0" err="1"/>
+              <a:t>Advanced</a:t>
+            </a:r>
+            <a:r>
+              <a:rPr lang="de-DE" dirty="0"/>
+              <a:t> Control Methods</a:t>
+            </a:r>
+          </a:p>
+        </p:txBody>
+      </p:sp>
+      <p:sp>
+        <p:nvSpPr>
+          <p:cNvPr id="3" name="Slide Number Placeholder 2">
+            <a:extLst>
+              <a:ext uri="{FF2B5EF4-FFF2-40B4-BE49-F238E27FC236}">
+                <a16:creationId xmlns:a16="http://schemas.microsoft.com/office/drawing/2014/main" id="{A0664D44-83AC-6A7A-17E0-C1AE2ED18FF5}"/>
+              </a:ext>
+            </a:extLst>
+          </p:cNvPr>
+          <p:cNvSpPr>
+            <a:spLocks noGrp="1"/>
+          </p:cNvSpPr>
+          <p:nvPr>
+            <p:ph type="sldNum" sz="quarter" idx="12"/>
+          </p:nvPr>
+        </p:nvSpPr>
+        <p:spPr/>
+        <p:txBody>
+          <a:bodyPr/>
+          <a:lstStyle/>
+          <a:p>
+            <a:fld id="{08C366F5-AFAD-49CB-854A-9D9E238FCA13}" type="slidenum">
+              <a:rPr lang="en-GB" smtClean="0"/>
+              <a:t>2</a:t>
+            </a:fld>
+            <a:endParaRPr lang="en-GB" dirty="0"/>
+          </a:p>
+        </p:txBody>
+      </p:sp>
+    </p:spTree>
+    <p:extLst>
+      <p:ext uri="{BB962C8B-B14F-4D97-AF65-F5344CB8AC3E}">
+        <p14:creationId xmlns:p14="http://schemas.microsoft.com/office/powerpoint/2010/main" val="310336692"/>
+      </p:ext>
+    </p:extLst>
+  </p:cSld>
+  <p:clrMapOvr>
+    <a:masterClrMapping/>
+  </p:clrMapOvr>
+</p:sld>
+</file>
+
+<file path=ppt/slides/slide20.xml><?xml version="1.0" encoding="utf-8"?>
 <p:sld xmlns:a="http://schemas.openxmlformats.org/drawingml/2006/main" xmlns:r="http://schemas.openxmlformats.org/officeDocument/2006/relationships" xmlns:p="http://schemas.openxmlformats.org/presentationml/2006/main">
   <p:cSld>
     <p:spTree>
@@ -13254,7 +13644,7 @@
           <a:p>
             <a:fld id="{9803FC7C-1F2C-4946-B702-1A52A755583B}" type="slidenum">
               <a:rPr lang="de-DE" smtClean="0"/>
-              <a:t>19</a:t>
+              <a:t>20</a:t>
             </a:fld>
             <a:endParaRPr lang="de-DE"/>
           </a:p>
@@ -13385,8 +13775,8 @@
           </a:p>
         </p:txBody>
       </p:sp>
-      <mc:AlternateContent xmlns:mc="http://schemas.openxmlformats.org/markup-compatibility/2006">
-        <mc:Choice xmlns:a14="http://schemas.microsoft.com/office/drawing/2010/main" Requires="a14">
+      <mc:AlternateContent xmlns:mc="http://schemas.openxmlformats.org/markup-compatibility/2006" xmlns:a14="http://schemas.microsoft.com/office/drawing/2010/main">
+        <mc:Choice Requires="a14">
           <p:sp>
             <p:nvSpPr>
               <p:cNvPr id="8" name="Textfeld 7">
@@ -13827,7 +14217,7 @@
             </p:txBody>
           </p:sp>
         </mc:Choice>
-        <mc:Fallback>
+        <mc:Fallback xmlns="">
           <p:sp>
             <p:nvSpPr>
               <p:cNvPr id="8" name="Textfeld 7">
@@ -14533,286 +14923,7 @@
 </p:sld>
 </file>
 
-<file path=ppt/slides/slide2.xml><?xml version="1.0" encoding="utf-8"?>
-<p:sld xmlns:a="http://schemas.openxmlformats.org/drawingml/2006/main" xmlns:r="http://schemas.openxmlformats.org/officeDocument/2006/relationships" xmlns:p="http://schemas.openxmlformats.org/presentationml/2006/main">
-  <p:cSld>
-    <p:spTree>
-      <p:nvGrpSpPr>
-        <p:cNvPr id="1" name=""/>
-        <p:cNvGrpSpPr/>
-        <p:nvPr/>
-      </p:nvGrpSpPr>
-      <p:grpSpPr>
-        <a:xfrm>
-          <a:off x="0" y="0"/>
-          <a:ext cx="0" cy="0"/>
-          <a:chOff x="0" y="0"/>
-          <a:chExt cx="0" cy="0"/>
-        </a:xfrm>
-      </p:grpSpPr>
-      <p:sp>
-        <p:nvSpPr>
-          <p:cNvPr id="4" name="Title 3">
-            <a:extLst>
-              <a:ext uri="{FF2B5EF4-FFF2-40B4-BE49-F238E27FC236}">
-                <a16:creationId xmlns:a16="http://schemas.microsoft.com/office/drawing/2014/main" id="{080AD447-446B-E09E-6F4A-522C1DBB462E}"/>
-              </a:ext>
-            </a:extLst>
-          </p:cNvPr>
-          <p:cNvSpPr>
-            <a:spLocks noGrp="1"/>
-          </p:cNvSpPr>
-          <p:nvPr>
-            <p:ph type="title"/>
-          </p:nvPr>
-        </p:nvSpPr>
-        <p:spPr/>
-        <p:txBody>
-          <a:bodyPr/>
-          <a:lstStyle/>
-          <a:p>
-            <a:r>
-              <a:rPr lang="en-GB" dirty="0"/>
-              <a:t>Course Schedule</a:t>
-            </a:r>
-          </a:p>
-        </p:txBody>
-      </p:sp>
-      <p:sp>
-        <p:nvSpPr>
-          <p:cNvPr id="6" name="Inhaltsplatzhalter 5">
-            <a:extLst>
-              <a:ext uri="{FF2B5EF4-FFF2-40B4-BE49-F238E27FC236}">
-                <a16:creationId xmlns:a16="http://schemas.microsoft.com/office/drawing/2014/main" id="{CF502483-E45D-7D7D-D169-ACA4F8327D26}"/>
-              </a:ext>
-            </a:extLst>
-          </p:cNvPr>
-          <p:cNvSpPr>
-            <a:spLocks noGrp="1"/>
-          </p:cNvSpPr>
-          <p:nvPr>
-            <p:ph sz="half" idx="1"/>
-          </p:nvPr>
-        </p:nvSpPr>
-        <p:spPr/>
-        <p:txBody>
-          <a:bodyPr>
-            <a:normAutofit/>
-          </a:bodyPr>
-          <a:lstStyle/>
-          <a:p>
-            <a:pPr marL="514350" indent="-514350">
-              <a:buFont typeface="+mj-lt"/>
-              <a:buAutoNum type="arabicPeriod"/>
-            </a:pPr>
-            <a:r>
-              <a:rPr lang="de-DE" dirty="0"/>
-              <a:t>Systems</a:t>
-            </a:r>
-          </a:p>
-          <a:p>
-            <a:pPr marL="514350" indent="-514350">
-              <a:buFont typeface="+mj-lt"/>
-              <a:buAutoNum type="arabicPeriod"/>
-            </a:pPr>
-            <a:endParaRPr lang="de-DE" dirty="0"/>
-          </a:p>
-          <a:p>
-            <a:pPr marL="514350" indent="-514350">
-              <a:buFont typeface="+mj-lt"/>
-              <a:buAutoNum type="arabicPeriod"/>
-            </a:pPr>
-            <a:r>
-              <a:rPr lang="de-DE" dirty="0" err="1"/>
-              <a:t>Continuous</a:t>
-            </a:r>
-            <a:r>
-              <a:rPr lang="de-DE" dirty="0"/>
-              <a:t>-time Controllers</a:t>
-            </a:r>
-          </a:p>
-          <a:p>
-            <a:pPr marL="514350" indent="-514350">
-              <a:buFont typeface="+mj-lt"/>
-              <a:buAutoNum type="arabicPeriod"/>
-            </a:pPr>
-            <a:endParaRPr lang="de-DE" dirty="0"/>
-          </a:p>
-          <a:p>
-            <a:pPr marL="514350" indent="-514350">
-              <a:buFont typeface="+mj-lt"/>
-              <a:buAutoNum type="arabicPeriod"/>
-            </a:pPr>
-            <a:r>
-              <a:rPr lang="de-DE" dirty="0"/>
-              <a:t>Laplace Domain</a:t>
-            </a:r>
-          </a:p>
-          <a:p>
-            <a:pPr marL="514350" indent="-514350">
-              <a:buFont typeface="+mj-lt"/>
-              <a:buAutoNum type="arabicPeriod"/>
-            </a:pPr>
-            <a:endParaRPr lang="de-DE" dirty="0"/>
-          </a:p>
-          <a:p>
-            <a:pPr marL="514350" indent="-514350">
-              <a:buFont typeface="+mj-lt"/>
-              <a:buAutoNum type="arabicPeriod"/>
-            </a:pPr>
-            <a:r>
-              <a:rPr lang="de-DE" dirty="0"/>
-              <a:t>Poles/Zeros &amp; </a:t>
-            </a:r>
-            <a:r>
-              <a:rPr lang="de-DE" dirty="0" err="1"/>
-              <a:t>Stability</a:t>
-            </a:r>
-            <a:endParaRPr lang="de-DE" dirty="0"/>
-          </a:p>
-        </p:txBody>
-      </p:sp>
-      <p:sp>
-        <p:nvSpPr>
-          <p:cNvPr id="7" name="Inhaltsplatzhalter 6">
-            <a:extLst>
-              <a:ext uri="{FF2B5EF4-FFF2-40B4-BE49-F238E27FC236}">
-                <a16:creationId xmlns:a16="http://schemas.microsoft.com/office/drawing/2014/main" id="{B671907E-FFFA-73EF-8E7D-4AB4EBDD957B}"/>
-              </a:ext>
-            </a:extLst>
-          </p:cNvPr>
-          <p:cNvSpPr>
-            <a:spLocks noGrp="1"/>
-          </p:cNvSpPr>
-          <p:nvPr>
-            <p:ph sz="half" idx="2"/>
-          </p:nvPr>
-        </p:nvSpPr>
-        <p:spPr/>
-        <p:txBody>
-          <a:bodyPr>
-            <a:normAutofit/>
-          </a:bodyPr>
-          <a:lstStyle/>
-          <a:p>
-            <a:pPr marL="514350" indent="-514350">
-              <a:buFont typeface="+mj-lt"/>
-              <a:buAutoNum type="arabicPeriod" startAt="5"/>
-            </a:pPr>
-            <a:r>
-              <a:rPr lang="de-DE" dirty="0"/>
-              <a:t>Controller Design</a:t>
-            </a:r>
-          </a:p>
-          <a:p>
-            <a:pPr marL="514350" indent="-514350">
-              <a:buFont typeface="+mj-lt"/>
-              <a:buAutoNum type="arabicPeriod" startAt="5"/>
-            </a:pPr>
-            <a:endParaRPr lang="de-DE" dirty="0"/>
-          </a:p>
-          <a:p>
-            <a:pPr marL="514350" indent="-514350">
-              <a:buFont typeface="+mj-lt"/>
-              <a:buAutoNum type="arabicPeriod" startAt="5"/>
-            </a:pPr>
-            <a:r>
-              <a:rPr lang="de-DE" dirty="0" err="1"/>
-              <a:t>Discrete</a:t>
-            </a:r>
-            <a:r>
-              <a:rPr lang="de-DE" dirty="0"/>
-              <a:t>-time Controllers</a:t>
-            </a:r>
-          </a:p>
-          <a:p>
-            <a:pPr marL="514350" indent="-514350">
-              <a:buFont typeface="+mj-lt"/>
-              <a:buAutoNum type="arabicPeriod" startAt="5"/>
-            </a:pPr>
-            <a:endParaRPr lang="de-DE" dirty="0"/>
-          </a:p>
-          <a:p>
-            <a:pPr marL="514350" indent="-514350">
-              <a:buFont typeface="+mj-lt"/>
-              <a:buAutoNum type="arabicPeriod" startAt="5"/>
-            </a:pPr>
-            <a:r>
-              <a:rPr lang="de-DE" dirty="0"/>
-              <a:t>State Space </a:t>
-            </a:r>
-            <a:r>
-              <a:rPr lang="de-DE" dirty="0" err="1"/>
-              <a:t>Representation</a:t>
-            </a:r>
-            <a:endParaRPr lang="de-DE" dirty="0"/>
-          </a:p>
-          <a:p>
-            <a:pPr marL="514350" indent="-514350">
-              <a:buFont typeface="+mj-lt"/>
-              <a:buAutoNum type="arabicPeriod" startAt="5"/>
-            </a:pPr>
-            <a:endParaRPr lang="de-DE" dirty="0"/>
-          </a:p>
-          <a:p>
-            <a:pPr marL="514350" indent="-514350">
-              <a:buFont typeface="+mj-lt"/>
-              <a:buAutoNum type="arabicPeriod" startAt="5"/>
-            </a:pPr>
-            <a:r>
-              <a:rPr lang="de-DE" dirty="0" err="1"/>
-              <a:t>Advanced</a:t>
-            </a:r>
-            <a:r>
-              <a:rPr lang="de-DE" dirty="0"/>
-              <a:t> Control Methods</a:t>
-            </a:r>
-          </a:p>
-        </p:txBody>
-      </p:sp>
-      <p:sp>
-        <p:nvSpPr>
-          <p:cNvPr id="3" name="Slide Number Placeholder 2">
-            <a:extLst>
-              <a:ext uri="{FF2B5EF4-FFF2-40B4-BE49-F238E27FC236}">
-                <a16:creationId xmlns:a16="http://schemas.microsoft.com/office/drawing/2014/main" id="{A0664D44-83AC-6A7A-17E0-C1AE2ED18FF5}"/>
-              </a:ext>
-            </a:extLst>
-          </p:cNvPr>
-          <p:cNvSpPr>
-            <a:spLocks noGrp="1"/>
-          </p:cNvSpPr>
-          <p:nvPr>
-            <p:ph type="sldNum" sz="quarter" idx="12"/>
-          </p:nvPr>
-        </p:nvSpPr>
-        <p:spPr/>
-        <p:txBody>
-          <a:bodyPr/>
-          <a:lstStyle/>
-          <a:p>
-            <a:fld id="{08C366F5-AFAD-49CB-854A-9D9E238FCA13}" type="slidenum">
-              <a:rPr lang="en-GB" smtClean="0"/>
-              <a:t>2</a:t>
-            </a:fld>
-            <a:endParaRPr lang="en-GB" dirty="0"/>
-          </a:p>
-        </p:txBody>
-      </p:sp>
-    </p:spTree>
-    <p:extLst>
-      <p:ext uri="{BB962C8B-B14F-4D97-AF65-F5344CB8AC3E}">
-        <p14:creationId xmlns:p14="http://schemas.microsoft.com/office/powerpoint/2010/main" val="310336692"/>
-      </p:ext>
-    </p:extLst>
-  </p:cSld>
-  <p:clrMapOvr>
-    <a:masterClrMapping/>
-  </p:clrMapOvr>
-</p:sld>
-</file>
-
-<file path=ppt/slides/slide20.xml><?xml version="1.0" encoding="utf-8"?>
+<file path=ppt/slides/slide21.xml><?xml version="1.0" encoding="utf-8"?>
 <p:sld xmlns:a="http://schemas.openxmlformats.org/drawingml/2006/main" xmlns:r="http://schemas.openxmlformats.org/officeDocument/2006/relationships" xmlns:p="http://schemas.openxmlformats.org/presentationml/2006/main">
   <p:cSld>
     <p:spTree>
@@ -14886,7 +14997,7 @@
           <a:p>
             <a:fld id="{9803FC7C-1F2C-4946-B702-1A52A755583B}" type="slidenum">
               <a:rPr lang="de-DE" smtClean="0"/>
-              <a:t>20</a:t>
+              <a:t>21</a:t>
             </a:fld>
             <a:endParaRPr lang="de-DE"/>
           </a:p>
@@ -16658,7 +16769,7 @@
 </p:sld>
 </file>
 
-<file path=ppt/slides/slide21.xml><?xml version="1.0" encoding="utf-8"?>
+<file path=ppt/slides/slide22.xml><?xml version="1.0" encoding="utf-8"?>
 <p:sld xmlns:a="http://schemas.openxmlformats.org/drawingml/2006/main" xmlns:r="http://schemas.openxmlformats.org/officeDocument/2006/relationships" xmlns:p="http://schemas.openxmlformats.org/presentationml/2006/main">
   <p:cSld>
     <p:spTree>
@@ -16677,10 +16788,10 @@
       </p:grpSpPr>
       <p:pic>
         <p:nvPicPr>
-          <p:cNvPr id="6" name="Grafik 5">
+          <p:cNvPr id="7" name="Grafik 6">
             <a:extLst>
               <a:ext uri="{FF2B5EF4-FFF2-40B4-BE49-F238E27FC236}">
-                <a16:creationId xmlns:a16="http://schemas.microsoft.com/office/drawing/2014/main" id="{34BFEDDF-DBCB-1E43-1FD3-BC01194BE697}"/>
+                <a16:creationId xmlns:a16="http://schemas.microsoft.com/office/drawing/2014/main" id="{01665C22-EB67-009B-48E2-4F112F3FEB44}"/>
               </a:ext>
             </a:extLst>
           </p:cNvPr>
@@ -16697,8 +16808,8 @@
         </p:blipFill>
         <p:spPr>
           <a:xfrm>
-            <a:off x="6954175" y="2502734"/>
-            <a:ext cx="5237825" cy="4036913"/>
+            <a:off x="6871035" y="2502734"/>
+            <a:ext cx="5320965" cy="4036913"/>
           </a:xfrm>
           <a:prstGeom prst="rect">
             <a:avLst/>
@@ -16733,8 +16844,8 @@
           </a:p>
         </p:txBody>
       </p:sp>
-      <mc:AlternateContent xmlns:mc="http://schemas.openxmlformats.org/markup-compatibility/2006">
-        <mc:Choice xmlns:a14="http://schemas.microsoft.com/office/drawing/2010/main" Requires="a14">
+      <mc:AlternateContent xmlns:mc="http://schemas.openxmlformats.org/markup-compatibility/2006" xmlns:a14="http://schemas.microsoft.com/office/drawing/2010/main">
+        <mc:Choice Requires="a14">
           <p:sp>
             <p:nvSpPr>
               <p:cNvPr id="3" name="Inhaltsplatzhalter 2">
@@ -17324,7 +17435,7 @@
             </p:txBody>
           </p:sp>
         </mc:Choice>
-        <mc:Fallback>
+        <mc:Fallback xmlns="">
           <p:sp>
             <p:nvSpPr>
               <p:cNvPr id="3" name="Inhaltsplatzhalter 2">
@@ -17391,7 +17502,7 @@
           <a:p>
             <a:fld id="{08C366F5-AFAD-49CB-854A-9D9E238FCA13}" type="slidenum">
               <a:rPr lang="en-GB" smtClean="0"/>
-              <a:t>21</a:t>
+              <a:t>22</a:t>
             </a:fld>
             <a:endParaRPr lang="en-GB"/>
           </a:p>
@@ -17444,8 +17555,8 @@
           </a:p>
         </p:txBody>
       </p:sp>
-      <mc:AlternateContent xmlns:mc="http://schemas.openxmlformats.org/markup-compatibility/2006">
-        <mc:Choice xmlns:a14="http://schemas.microsoft.com/office/drawing/2010/main" Requires="a14">
+      <mc:AlternateContent xmlns:mc="http://schemas.openxmlformats.org/markup-compatibility/2006" xmlns:a14="http://schemas.microsoft.com/office/drawing/2010/main">
+        <mc:Choice Requires="a14">
           <p:sp>
             <p:nvSpPr>
               <p:cNvPr id="9" name="Textfeld 8">
@@ -17474,6 +17585,7 @@
               </a:bodyPr>
               <a:lstStyle/>
               <a:p>
+                <a:pPr/>
                 <a14:m>
                   <m:oMathPara xmlns:m="http://schemas.openxmlformats.org/officeDocument/2006/math">
                     <m:oMathParaPr>
@@ -17523,6 +17635,7 @@
                 </a:endParaRPr>
               </a:p>
               <a:p>
+                <a:pPr/>
                 <a14:m>
                   <m:oMathPara xmlns:m="http://schemas.openxmlformats.org/officeDocument/2006/math">
                     <m:oMathParaPr>
@@ -17550,6 +17663,7 @@
                 <a:endParaRPr lang="de-DE" dirty="0"/>
               </a:p>
               <a:p>
+                <a:pPr/>
                 <a14:m>
                   <m:oMathPara xmlns:m="http://schemas.openxmlformats.org/officeDocument/2006/math">
                     <m:oMathParaPr>
@@ -17598,7 +17712,7 @@
             </p:txBody>
           </p:sp>
         </mc:Choice>
-        <mc:Fallback>
+        <mc:Fallback xmlns="">
           <p:sp>
             <p:nvSpPr>
               <p:cNvPr id="9" name="Textfeld 8">
@@ -17846,7 +17960,7 @@
 </p:sld>
 </file>
 
-<file path=ppt/slides/slide22.xml><?xml version="1.0" encoding="utf-8"?>
+<file path=ppt/slides/slide23.xml><?xml version="1.0" encoding="utf-8"?>
 <p:sld xmlns:a="http://schemas.openxmlformats.org/drawingml/2006/main" xmlns:r="http://schemas.openxmlformats.org/officeDocument/2006/relationships" xmlns:p="http://schemas.openxmlformats.org/presentationml/2006/main">
   <p:cSld>
     <p:spTree>
@@ -17865,10 +17979,10 @@
       </p:grpSpPr>
       <p:pic>
         <p:nvPicPr>
-          <p:cNvPr id="5" name="Grafik 4">
+          <p:cNvPr id="6" name="Grafik 5">
             <a:extLst>
               <a:ext uri="{FF2B5EF4-FFF2-40B4-BE49-F238E27FC236}">
-                <a16:creationId xmlns:a16="http://schemas.microsoft.com/office/drawing/2014/main" id="{EC049229-8D31-EDD9-1789-A504B2908CBE}"/>
+                <a16:creationId xmlns:a16="http://schemas.microsoft.com/office/drawing/2014/main" id="{99C8FDDD-72B7-CFB2-F3D3-6580A5013A13}"/>
               </a:ext>
             </a:extLst>
           </p:cNvPr>
@@ -17885,8 +17999,8 @@
         </p:blipFill>
         <p:spPr>
           <a:xfrm>
-            <a:off x="6954175" y="2502734"/>
-            <a:ext cx="5237825" cy="4036913"/>
+            <a:off x="6871035" y="2502734"/>
+            <a:ext cx="5320965" cy="4036913"/>
           </a:xfrm>
           <a:prstGeom prst="rect">
             <a:avLst/>
@@ -17934,8 +18048,8 @@
           </a:p>
         </p:txBody>
       </p:sp>
-      <mc:AlternateContent xmlns:mc="http://schemas.openxmlformats.org/markup-compatibility/2006">
-        <mc:Choice xmlns:a14="http://schemas.microsoft.com/office/drawing/2010/main" Requires="a14">
+      <mc:AlternateContent xmlns:mc="http://schemas.openxmlformats.org/markup-compatibility/2006" xmlns:a14="http://schemas.microsoft.com/office/drawing/2010/main">
+        <mc:Choice Requires="a14">
           <p:sp>
             <p:nvSpPr>
               <p:cNvPr id="3" name="Inhaltsplatzhalter 2">
@@ -18535,7 +18649,7 @@
             </p:txBody>
           </p:sp>
         </mc:Choice>
-        <mc:Fallback>
+        <mc:Fallback xmlns="">
           <p:sp>
             <p:nvSpPr>
               <p:cNvPr id="3" name="Inhaltsplatzhalter 2">
@@ -18602,14 +18716,14 @@
           <a:p>
             <a:fld id="{08C366F5-AFAD-49CB-854A-9D9E238FCA13}" type="slidenum">
               <a:rPr lang="en-GB" smtClean="0"/>
-              <a:t>22</a:t>
+              <a:t>23</a:t>
             </a:fld>
             <a:endParaRPr lang="en-GB"/>
           </a:p>
         </p:txBody>
       </p:sp>
-      <mc:AlternateContent xmlns:mc="http://schemas.openxmlformats.org/markup-compatibility/2006">
-        <mc:Choice xmlns:a14="http://schemas.microsoft.com/office/drawing/2010/main" Requires="a14">
+      <mc:AlternateContent xmlns:mc="http://schemas.openxmlformats.org/markup-compatibility/2006" xmlns:a14="http://schemas.microsoft.com/office/drawing/2010/main">
+        <mc:Choice Requires="a14">
           <p:sp>
             <p:nvSpPr>
               <p:cNvPr id="7" name="Textfeld 6">
@@ -18638,6 +18752,7 @@
               </a:bodyPr>
               <a:lstStyle/>
               <a:p>
+                <a:pPr/>
                 <a14:m>
                   <m:oMathPara xmlns:m="http://schemas.openxmlformats.org/officeDocument/2006/math">
                     <m:oMathParaPr>
@@ -18687,6 +18802,7 @@
                 </a:endParaRPr>
               </a:p>
               <a:p>
+                <a:pPr/>
                 <a14:m>
                   <m:oMathPara xmlns:m="http://schemas.openxmlformats.org/officeDocument/2006/math">
                     <m:oMathParaPr>
@@ -18714,6 +18830,7 @@
                 <a:endParaRPr lang="de-DE" dirty="0"/>
               </a:p>
               <a:p>
+                <a:pPr/>
                 <a14:m>
                   <m:oMathPara xmlns:m="http://schemas.openxmlformats.org/officeDocument/2006/math">
                     <m:oMathParaPr>
@@ -18762,7 +18879,7 @@
             </p:txBody>
           </p:sp>
         </mc:Choice>
-        <mc:Fallback>
+        <mc:Fallback xmlns="">
           <p:sp>
             <p:nvSpPr>
               <p:cNvPr id="7" name="Textfeld 6">
@@ -18854,8 +18971,8 @@
           </a:p>
         </p:txBody>
       </p:sp>
-      <mc:AlternateContent xmlns:mc="http://schemas.openxmlformats.org/markup-compatibility/2006">
-        <mc:Choice xmlns:a14="http://schemas.microsoft.com/office/drawing/2010/main" Requires="a14">
+      <mc:AlternateContent xmlns:mc="http://schemas.openxmlformats.org/markup-compatibility/2006" xmlns:a14="http://schemas.microsoft.com/office/drawing/2010/main">
+        <mc:Choice Requires="a14">
           <p:sp>
             <p:nvSpPr>
               <p:cNvPr id="10" name="Textfeld 9">
@@ -20001,7 +20118,7 @@
             </p:txBody>
           </p:sp>
         </mc:Choice>
-        <mc:Fallback>
+        <mc:Fallback xmlns="">
           <p:sp>
             <p:nvSpPr>
               <p:cNvPr id="10" name="Textfeld 9">
@@ -20046,8 +20163,8 @@
           </p:sp>
         </mc:Fallback>
       </mc:AlternateContent>
-      <mc:AlternateContent xmlns:mc="http://schemas.openxmlformats.org/markup-compatibility/2006">
-        <mc:Choice xmlns:a14="http://schemas.microsoft.com/office/drawing/2010/main" Requires="a14">
+      <mc:AlternateContent xmlns:mc="http://schemas.openxmlformats.org/markup-compatibility/2006" xmlns:a14="http://schemas.microsoft.com/office/drawing/2010/main">
+        <mc:Choice Requires="a14">
           <p:sp>
             <p:nvSpPr>
               <p:cNvPr id="11" name="Textfeld 10">
@@ -21121,7 +21238,7 @@
             </p:txBody>
           </p:sp>
         </mc:Choice>
-        <mc:Fallback>
+        <mc:Fallback xmlns="">
           <p:sp>
             <p:nvSpPr>
               <p:cNvPr id="11" name="Textfeld 10">
@@ -21179,7 +21296,7 @@
 </p:sld>
 </file>
 
-<file path=ppt/slides/slide23.xml><?xml version="1.0" encoding="utf-8"?>
+<file path=ppt/slides/slide24.xml><?xml version="1.0" encoding="utf-8"?>
 <p:sld xmlns:a="http://schemas.openxmlformats.org/drawingml/2006/main" xmlns:r="http://schemas.openxmlformats.org/officeDocument/2006/relationships" xmlns:p="http://schemas.openxmlformats.org/presentationml/2006/main">
   <p:cSld>
     <p:spTree>
@@ -21245,8 +21362,8 @@
           </a:p>
         </p:txBody>
       </p:sp>
-      <mc:AlternateContent xmlns:mc="http://schemas.openxmlformats.org/markup-compatibility/2006">
-        <mc:Choice xmlns:a14="http://schemas.microsoft.com/office/drawing/2010/main" Requires="a14">
+      <mc:AlternateContent xmlns:mc="http://schemas.openxmlformats.org/markup-compatibility/2006" xmlns:a14="http://schemas.microsoft.com/office/drawing/2010/main">
+        <mc:Choice Requires="a14">
           <p:sp>
             <p:nvSpPr>
               <p:cNvPr id="3" name="Inhaltsplatzhalter 2">
@@ -21292,14 +21409,6 @@
                 </a:r>
                 <a:r>
                   <a:rPr lang="de-DE" dirty="0" err="1"/>
-                  <a:t>for</a:t>
-                </a:r>
-                <a:r>
-                  <a:rPr lang="de-DE" dirty="0"/>
-                  <a:t> a </a:t>
-                </a:r>
-                <a:r>
-                  <a:rPr lang="de-DE" dirty="0" err="1"/>
                   <a:t>constant</a:t>
                 </a:r>
                 <a:r>
@@ -21354,15 +21463,17 @@
                 </a14:m>
                 <a:r>
                   <a:rPr lang="de-DE" dirty="0"/>
-                  <a:t>), </a:t>
-                </a:r>
-                <a:r>
-                  <a:rPr lang="de-DE" dirty="0" err="1"/>
-                  <a:t>guess</a:t>
+                  <a:t>) </a:t>
+                </a:r>
+                <a:r>
+                  <a:rPr lang="de-DE" dirty="0">
+                    <a:sym typeface="Wingdings" pitchFamily="2" charset="2"/>
+                  </a:rPr>
+                  <a:t></a:t>
                 </a:r>
                 <a:r>
                   <a:rPr lang="de-DE" dirty="0"/>
-                  <a:t> a </a:t>
+                  <a:t> </a:t>
                 </a:r>
                 <a:r>
                   <a:rPr lang="de-DE" dirty="0" err="1"/>
@@ -21378,7 +21489,7 @@
                 </a:r>
                 <a:r>
                   <a:rPr lang="de-DE" dirty="0"/>
-                  <a:t> (</a:t>
+                  <a:t> </a:t>
                 </a:r>
                 <a14:m>
                   <m:oMath xmlns:m="http://schemas.openxmlformats.org/officeDocument/2006/math">
@@ -21409,10 +21520,6 @@
                     </m:sSub>
                   </m:oMath>
                 </a14:m>
-                <a:r>
-                  <a:rPr lang="de-DE" dirty="0"/>
-                  <a:t>)</a:t>
-                </a:r>
                 <a:endParaRPr lang="de-DE" i="1" dirty="0">
                   <a:latin typeface="Cambria Math" panose="02040503050406030204" pitchFamily="18" charset="0"/>
                 </a:endParaRPr>
@@ -21431,13 +21538,7 @@
                       <a:rPr lang="de-DE" i="1">
                         <a:latin typeface="Cambria Math" panose="02040503050406030204" pitchFamily="18" charset="0"/>
                       </a:rPr>
-                      <m:t>0</m:t>
-                    </m:r>
-                    <m:r>
-                      <a:rPr lang="de-DE" i="1">
-                        <a:latin typeface="Cambria Math" panose="02040503050406030204" pitchFamily="18" charset="0"/>
-                      </a:rPr>
-                      <m:t>+</m:t>
+                      <m:t>0+</m:t>
                     </m:r>
                     <m:r>
                       <a:rPr lang="de-DE" b="0" i="1" smtClean="0">
@@ -22298,13 +22399,7 @@
                       <a:rPr lang="de-DE" i="1">
                         <a:latin typeface="Cambria Math" panose="02040503050406030204" pitchFamily="18" charset="0"/>
                       </a:rPr>
-                      <m:t>=</m:t>
-                    </m:r>
-                    <m:r>
-                      <a:rPr lang="de-DE" i="1">
-                        <a:latin typeface="Cambria Math" panose="02040503050406030204" pitchFamily="18" charset="0"/>
-                      </a:rPr>
-                      <m:t>0</m:t>
+                      <m:t>=0</m:t>
                     </m:r>
                   </m:oMath>
                 </a14:m>
@@ -24554,7 +24649,7 @@
             </p:txBody>
           </p:sp>
         </mc:Choice>
-        <mc:Fallback>
+        <mc:Fallback xmlns="">
           <p:sp>
             <p:nvSpPr>
               <p:cNvPr id="3" name="Inhaltsplatzhalter 2">
@@ -24621,7 +24716,7 @@
           <a:p>
             <a:fld id="{08C366F5-AFAD-49CB-854A-9D9E238FCA13}" type="slidenum">
               <a:rPr lang="en-GB" smtClean="0"/>
-              <a:t>23</a:t>
+              <a:t>24</a:t>
             </a:fld>
             <a:endParaRPr lang="en-GB"/>
           </a:p>
@@ -24640,7 +24735,7 @@
 </p:sld>
 </file>
 
-<file path=ppt/slides/slide24.xml><?xml version="1.0" encoding="utf-8"?>
+<file path=ppt/slides/slide25.xml><?xml version="1.0" encoding="utf-8"?>
 <p:sld xmlns:a="http://schemas.openxmlformats.org/drawingml/2006/main" xmlns:r="http://schemas.openxmlformats.org/officeDocument/2006/relationships" xmlns:p="http://schemas.openxmlformats.org/presentationml/2006/main">
   <p:cSld>
     <p:spTree>
@@ -24657,8 +24752,8 @@
           <a:chExt cx="0" cy="0"/>
         </a:xfrm>
       </p:grpSpPr>
-      <mc:AlternateContent xmlns:mc="http://schemas.openxmlformats.org/markup-compatibility/2006">
-        <mc:Choice xmlns:a14="http://schemas.microsoft.com/office/drawing/2010/main" Requires="a14">
+      <mc:AlternateContent xmlns:mc="http://schemas.openxmlformats.org/markup-compatibility/2006" xmlns:a14="http://schemas.microsoft.com/office/drawing/2010/main">
+        <mc:Choice Requires="a14">
           <p:sp>
             <p:nvSpPr>
               <p:cNvPr id="3" name="Inhaltsplatzhalter 2">
@@ -25814,19 +25909,7 @@
                       <a:rPr lang="de-DE" i="1">
                         <a:latin typeface="Cambria Math" panose="02040503050406030204" pitchFamily="18" charset="0"/>
                       </a:rPr>
-                      <m:t>0</m:t>
-                    </m:r>
-                    <m:r>
-                      <a:rPr lang="de-DE" i="1">
-                        <a:latin typeface="Cambria Math" panose="02040503050406030204" pitchFamily="18" charset="0"/>
-                      </a:rPr>
-                      <m:t>=</m:t>
-                    </m:r>
-                    <m:r>
-                      <a:rPr lang="de-DE" i="1">
-                        <a:latin typeface="Cambria Math" panose="02040503050406030204" pitchFamily="18" charset="0"/>
-                      </a:rPr>
-                      <m:t>−</m:t>
+                      <m:t>0=−</m:t>
                     </m:r>
                     <m:sSub>
                       <m:sSubPr>
@@ -29447,7 +29530,7 @@
             </p:txBody>
           </p:sp>
         </mc:Choice>
-        <mc:Fallback>
+        <mc:Fallback xmlns="">
           <p:sp>
             <p:nvSpPr>
               <p:cNvPr id="3" name="Inhaltsplatzhalter 2">
@@ -29514,7 +29597,7 @@
           <a:p>
             <a:fld id="{08C366F5-AFAD-49CB-854A-9D9E238FCA13}" type="slidenum">
               <a:rPr lang="en-GB" smtClean="0"/>
-              <a:t>24</a:t>
+              <a:t>25</a:t>
             </a:fld>
             <a:endParaRPr lang="en-GB"/>
           </a:p>
@@ -29533,7 +29616,7 @@
 </p:sld>
 </file>
 
-<file path=ppt/slides/slide25.xml><?xml version="1.0" encoding="utf-8"?>
+<file path=ppt/slides/slide26.xml><?xml version="1.0" encoding="utf-8"?>
 <p:sld xmlns:a="http://schemas.openxmlformats.org/drawingml/2006/main" xmlns:r="http://schemas.openxmlformats.org/officeDocument/2006/relationships" xmlns:p="http://schemas.openxmlformats.org/presentationml/2006/main">
   <p:cSld>
     <p:spTree>
@@ -30314,7 +30397,7 @@
           <a:p>
             <a:fld id="{08C366F5-AFAD-49CB-854A-9D9E238FCA13}" type="slidenum">
               <a:rPr lang="en-GB" smtClean="0"/>
-              <a:t>25</a:t>
+              <a:t>26</a:t>
             </a:fld>
             <a:endParaRPr lang="en-GB"/>
           </a:p>
@@ -30806,7 +30889,7 @@
 </p:sld>
 </file>
 
-<file path=ppt/slides/slide26.xml><?xml version="1.0" encoding="utf-8"?>
+<file path=ppt/slides/slide27.xml><?xml version="1.0" encoding="utf-8"?>
 <p:sld xmlns:a="http://schemas.openxmlformats.org/drawingml/2006/main" xmlns:r="http://schemas.openxmlformats.org/officeDocument/2006/relationships" xmlns:p="http://schemas.openxmlformats.org/presentationml/2006/main">
   <p:cSld>
     <p:spTree>
@@ -31621,7 +31704,7 @@
           <a:p>
             <a:fld id="{08C366F5-AFAD-49CB-854A-9D9E238FCA13}" type="slidenum">
               <a:rPr lang="en-GB" smtClean="0"/>
-              <a:t>26</a:t>
+              <a:t>27</a:t>
             </a:fld>
             <a:endParaRPr lang="en-GB"/>
           </a:p>
@@ -31874,7 +31957,7 @@
 </p:sld>
 </file>
 
-<file path=ppt/slides/slide27.xml><?xml version="1.0" encoding="utf-8"?>
+<file path=ppt/slides/slide28.xml><?xml version="1.0" encoding="utf-8"?>
 <p:sld xmlns:a="http://schemas.openxmlformats.org/drawingml/2006/main" xmlns:r="http://schemas.openxmlformats.org/officeDocument/2006/relationships" xmlns:p="http://schemas.openxmlformats.org/presentationml/2006/main">
   <p:cSld>
     <p:spTree>
@@ -32187,7 +32270,7 @@
           <a:p>
             <a:fld id="{08C366F5-AFAD-49CB-854A-9D9E238FCA13}" type="slidenum">
               <a:rPr lang="en-GB" smtClean="0"/>
-              <a:t>27</a:t>
+              <a:t>28</a:t>
             </a:fld>
             <a:endParaRPr lang="en-GB"/>
           </a:p>
@@ -33057,7 +33140,7 @@
 </p:sld>
 </file>
 
-<file path=ppt/slides/slide28.xml><?xml version="1.0" encoding="utf-8"?>
+<file path=ppt/slides/slide29.xml><?xml version="1.0" encoding="utf-8"?>
 <p:sld xmlns:a="http://schemas.openxmlformats.org/drawingml/2006/main" xmlns:r="http://schemas.openxmlformats.org/officeDocument/2006/relationships" xmlns:p="http://schemas.openxmlformats.org/presentationml/2006/main">
   <p:cSld>
     <p:spTree>
@@ -33474,7 +33557,7 @@
           <a:p>
             <a:fld id="{08C366F5-AFAD-49CB-854A-9D9E238FCA13}" type="slidenum">
               <a:rPr lang="en-GB" smtClean="0"/>
-              <a:t>28</a:t>
+              <a:t>29</a:t>
             </a:fld>
             <a:endParaRPr lang="en-GB"/>
           </a:p>
@@ -33514,296 +33597,6 @@
     <p:extLst>
       <p:ext uri="{BB962C8B-B14F-4D97-AF65-F5344CB8AC3E}">
         <p14:creationId xmlns:p14="http://schemas.microsoft.com/office/powerpoint/2010/main" val="2198874170"/>
-      </p:ext>
-    </p:extLst>
-  </p:cSld>
-  <p:clrMapOvr>
-    <a:masterClrMapping/>
-  </p:clrMapOvr>
-</p:sld>
-</file>
-
-<file path=ppt/slides/slide29.xml><?xml version="1.0" encoding="utf-8"?>
-<p:sld xmlns:a="http://schemas.openxmlformats.org/drawingml/2006/main" xmlns:r="http://schemas.openxmlformats.org/officeDocument/2006/relationships" xmlns:p="http://schemas.openxmlformats.org/presentationml/2006/main">
-  <p:cSld>
-    <p:spTree>
-      <p:nvGrpSpPr>
-        <p:cNvPr id="1" name=""/>
-        <p:cNvGrpSpPr/>
-        <p:nvPr/>
-      </p:nvGrpSpPr>
-      <p:grpSpPr>
-        <a:xfrm>
-          <a:off x="0" y="0"/>
-          <a:ext cx="0" cy="0"/>
-          <a:chOff x="0" y="0"/>
-          <a:chExt cx="0" cy="0"/>
-        </a:xfrm>
-      </p:grpSpPr>
-      <p:sp>
-        <p:nvSpPr>
-          <p:cNvPr id="2" name="Titel 1">
-            <a:extLst>
-              <a:ext uri="{FF2B5EF4-FFF2-40B4-BE49-F238E27FC236}">
-                <a16:creationId xmlns:a16="http://schemas.microsoft.com/office/drawing/2014/main" id="{4AE5FA7C-2287-C261-41A5-D8069B865C60}"/>
-              </a:ext>
-            </a:extLst>
-          </p:cNvPr>
-          <p:cNvSpPr>
-            <a:spLocks noGrp="1"/>
-          </p:cNvSpPr>
-          <p:nvPr>
-            <p:ph type="title"/>
-          </p:nvPr>
-        </p:nvSpPr>
-        <p:spPr/>
-        <p:txBody>
-          <a:bodyPr/>
-          <a:lstStyle/>
-          <a:p>
-            <a:r>
-              <a:rPr lang="de-DE" dirty="0"/>
-              <a:t>Outlook: </a:t>
-            </a:r>
-            <a:r>
-              <a:rPr lang="de-DE" dirty="0" err="1"/>
-              <a:t>Frequency</a:t>
-            </a:r>
-            <a:r>
-              <a:rPr lang="de-DE" dirty="0"/>
-              <a:t> Response</a:t>
-            </a:r>
-          </a:p>
-        </p:txBody>
-      </p:sp>
-      <p:sp>
-        <p:nvSpPr>
-          <p:cNvPr id="3" name="Inhaltsplatzhalter 2">
-            <a:extLst>
-              <a:ext uri="{FF2B5EF4-FFF2-40B4-BE49-F238E27FC236}">
-                <a16:creationId xmlns:a16="http://schemas.microsoft.com/office/drawing/2014/main" id="{6BCBEB6F-2DFA-DF21-924F-54FF262E1253}"/>
-              </a:ext>
-            </a:extLst>
-          </p:cNvPr>
-          <p:cNvSpPr>
-            <a:spLocks noGrp="1"/>
-          </p:cNvSpPr>
-          <p:nvPr>
-            <p:ph idx="1"/>
-          </p:nvPr>
-        </p:nvSpPr>
-        <p:spPr/>
-        <p:txBody>
-          <a:bodyPr/>
-          <a:lstStyle/>
-          <a:p>
-            <a:pPr marL="0" indent="0">
-              <a:buNone/>
-            </a:pPr>
-            <a:r>
-              <a:rPr lang="de-DE" dirty="0"/>
-              <a:t>So </a:t>
-            </a:r>
-            <a:r>
-              <a:rPr lang="de-DE" dirty="0" err="1"/>
-              <a:t>far</a:t>
-            </a:r>
-            <a:r>
-              <a:rPr lang="de-DE" dirty="0"/>
-              <a:t>, </a:t>
-            </a:r>
-            <a:r>
-              <a:rPr lang="de-DE" dirty="0" err="1"/>
-              <a:t>we</a:t>
-            </a:r>
-            <a:r>
-              <a:rPr lang="de-DE" dirty="0"/>
-              <a:t> </a:t>
-            </a:r>
-            <a:r>
-              <a:rPr lang="de-DE" dirty="0" err="1"/>
-              <a:t>tested</a:t>
-            </a:r>
-            <a:r>
-              <a:rPr lang="de-DE" dirty="0"/>
-              <a:t> </a:t>
-            </a:r>
-            <a:r>
-              <a:rPr lang="de-DE" dirty="0" err="1"/>
-              <a:t>systems</a:t>
-            </a:r>
-            <a:r>
-              <a:rPr lang="de-DE" dirty="0"/>
-              <a:t> </a:t>
-            </a:r>
-            <a:r>
-              <a:rPr lang="de-DE" dirty="0" err="1"/>
-              <a:t>with</a:t>
-            </a:r>
-            <a:r>
-              <a:rPr lang="de-DE" dirty="0"/>
-              <a:t> </a:t>
-            </a:r>
-            <a:r>
-              <a:rPr lang="de-DE" dirty="0" err="1"/>
-              <a:t>steps</a:t>
-            </a:r>
-            <a:r>
-              <a:rPr lang="de-DE" dirty="0"/>
-              <a:t>.</a:t>
-            </a:r>
-          </a:p>
-          <a:p>
-            <a:pPr marL="0" indent="0">
-              <a:buNone/>
-            </a:pPr>
-            <a:endParaRPr lang="de-DE" dirty="0"/>
-          </a:p>
-          <a:p>
-            <a:pPr marL="0" indent="0">
-              <a:buNone/>
-            </a:pPr>
-            <a:r>
-              <a:rPr lang="de-DE" dirty="0" err="1"/>
-              <a:t>What</a:t>
-            </a:r>
-            <a:r>
-              <a:rPr lang="de-DE" dirty="0"/>
-              <a:t> </a:t>
-            </a:r>
-            <a:r>
-              <a:rPr lang="de-DE" dirty="0" err="1"/>
-              <a:t>if</a:t>
-            </a:r>
-            <a:r>
-              <a:rPr lang="de-DE" dirty="0"/>
-              <a:t> </a:t>
-            </a:r>
-            <a:r>
-              <a:rPr lang="de-DE" dirty="0" err="1"/>
-              <a:t>the</a:t>
-            </a:r>
-            <a:r>
-              <a:rPr lang="de-DE" dirty="0"/>
-              <a:t> </a:t>
-            </a:r>
-            <a:r>
-              <a:rPr lang="de-DE" dirty="0" err="1"/>
-              <a:t>input</a:t>
-            </a:r>
-            <a:r>
-              <a:rPr lang="de-DE" dirty="0"/>
-              <a:t> </a:t>
-            </a:r>
-            <a:r>
-              <a:rPr lang="de-DE" dirty="0" err="1"/>
-              <a:t>oscillates</a:t>
-            </a:r>
-            <a:r>
-              <a:rPr lang="de-DE" dirty="0"/>
-              <a:t>?</a:t>
-            </a:r>
-          </a:p>
-          <a:p>
-            <a:r>
-              <a:rPr lang="de-DE" dirty="0"/>
-              <a:t>slow </a:t>
-            </a:r>
-            <a:r>
-              <a:rPr lang="de-DE" dirty="0" err="1"/>
-              <a:t>sinusoid</a:t>
-            </a:r>
-            <a:r>
-              <a:rPr lang="de-DE" dirty="0"/>
-              <a:t> → </a:t>
-            </a:r>
-            <a:r>
-              <a:rPr lang="de-DE" dirty="0" err="1"/>
-              <a:t>output</a:t>
-            </a:r>
-            <a:r>
-              <a:rPr lang="de-DE" dirty="0"/>
-              <a:t> </a:t>
-            </a:r>
-            <a:r>
-              <a:rPr lang="de-DE" dirty="0" err="1"/>
-              <a:t>follows</a:t>
-            </a:r>
-            <a:endParaRPr lang="de-DE" dirty="0"/>
-          </a:p>
-          <a:p>
-            <a:r>
-              <a:rPr lang="de-DE" dirty="0"/>
-              <a:t>fast </a:t>
-            </a:r>
-            <a:r>
-              <a:rPr lang="de-DE" dirty="0" err="1"/>
-              <a:t>sinusoid</a:t>
-            </a:r>
-            <a:r>
-              <a:rPr lang="de-DE" dirty="0"/>
-              <a:t> → </a:t>
-            </a:r>
-            <a:r>
-              <a:rPr lang="de-DE" dirty="0" err="1"/>
-              <a:t>output</a:t>
-            </a:r>
-            <a:r>
-              <a:rPr lang="de-DE" dirty="0"/>
-              <a:t> </a:t>
-            </a:r>
-            <a:r>
-              <a:rPr lang="de-DE" dirty="0" err="1"/>
-              <a:t>attenuated</a:t>
-            </a:r>
-            <a:r>
-              <a:rPr lang="de-DE" dirty="0"/>
-              <a:t> / </a:t>
-            </a:r>
-            <a:r>
-              <a:rPr lang="de-DE" dirty="0" err="1"/>
-              <a:t>phase-shifted</a:t>
-            </a:r>
-            <a:endParaRPr lang="de-DE" dirty="0"/>
-          </a:p>
-          <a:p>
-            <a:endParaRPr lang="de-DE" dirty="0"/>
-          </a:p>
-        </p:txBody>
-      </p:sp>
-      <p:sp>
-        <p:nvSpPr>
-          <p:cNvPr id="4" name="Foliennummernplatzhalter 3">
-            <a:extLst>
-              <a:ext uri="{FF2B5EF4-FFF2-40B4-BE49-F238E27FC236}">
-                <a16:creationId xmlns:a16="http://schemas.microsoft.com/office/drawing/2014/main" id="{5BD29095-79B9-73D6-ADBC-0F7A62DAB7AF}"/>
-              </a:ext>
-            </a:extLst>
-          </p:cNvPr>
-          <p:cNvSpPr>
-            <a:spLocks noGrp="1"/>
-          </p:cNvSpPr>
-          <p:nvPr>
-            <p:ph type="sldNum" sz="quarter" idx="12"/>
-          </p:nvPr>
-        </p:nvSpPr>
-        <p:spPr/>
-        <p:txBody>
-          <a:bodyPr/>
-          <a:lstStyle/>
-          <a:p>
-            <a:fld id="{08C366F5-AFAD-49CB-854A-9D9E238FCA13}" type="slidenum">
-              <a:rPr lang="en-GB" smtClean="0"/>
-              <a:t>29</a:t>
-            </a:fld>
-            <a:endParaRPr lang="en-GB"/>
-          </a:p>
-        </p:txBody>
-      </p:sp>
-    </p:spTree>
-    <p:extLst>
-      <p:ext uri="{BB962C8B-B14F-4D97-AF65-F5344CB8AC3E}">
-        <p14:creationId xmlns:p14="http://schemas.microsoft.com/office/powerpoint/2010/main" val="1369297702"/>
       </p:ext>
     </p:extLst>
   </p:cSld>
@@ -34020,6 +33813,431 @@
           <p:cNvPr id="2" name="Titel 1">
             <a:extLst>
               <a:ext uri="{FF2B5EF4-FFF2-40B4-BE49-F238E27FC236}">
+                <a16:creationId xmlns:a16="http://schemas.microsoft.com/office/drawing/2014/main" id="{84F9F8F5-4DF8-B3DA-4C6D-AA2B467EE413}"/>
+              </a:ext>
+            </a:extLst>
+          </p:cNvPr>
+          <p:cNvSpPr>
+            <a:spLocks noGrp="1"/>
+          </p:cNvSpPr>
+          <p:nvPr>
+            <p:ph type="title"/>
+          </p:nvPr>
+        </p:nvSpPr>
+        <p:spPr/>
+        <p:txBody>
+          <a:bodyPr/>
+          <a:lstStyle/>
+          <a:p>
+            <a:r>
+              <a:rPr lang="de-DE" dirty="0" err="1"/>
+              <a:t>Step</a:t>
+            </a:r>
+            <a:r>
+              <a:rPr lang="de-DE" dirty="0"/>
+              <a:t> Responses </a:t>
+            </a:r>
+            <a:r>
+              <a:rPr lang="de-DE" dirty="0" err="1"/>
+              <a:t>of</a:t>
+            </a:r>
+            <a:r>
+              <a:rPr lang="de-DE" dirty="0"/>
+              <a:t> Higher-Order Systems</a:t>
+            </a:r>
+          </a:p>
+        </p:txBody>
+      </p:sp>
+      <p:sp>
+        <p:nvSpPr>
+          <p:cNvPr id="4" name="Foliennummernplatzhalter 3">
+            <a:extLst>
+              <a:ext uri="{FF2B5EF4-FFF2-40B4-BE49-F238E27FC236}">
+                <a16:creationId xmlns:a16="http://schemas.microsoft.com/office/drawing/2014/main" id="{69431AC4-E923-2B53-1360-2B9FAF653FEE}"/>
+              </a:ext>
+            </a:extLst>
+          </p:cNvPr>
+          <p:cNvSpPr>
+            <a:spLocks noGrp="1"/>
+          </p:cNvSpPr>
+          <p:nvPr>
+            <p:ph type="sldNum" sz="quarter" idx="12"/>
+          </p:nvPr>
+        </p:nvSpPr>
+        <p:spPr/>
+        <p:txBody>
+          <a:bodyPr/>
+          <a:lstStyle/>
+          <a:p>
+            <a:fld id="{08C366F5-AFAD-49CB-854A-9D9E238FCA13}" type="slidenum">
+              <a:rPr lang="en-GB" smtClean="0"/>
+              <a:t>30</a:t>
+            </a:fld>
+            <a:endParaRPr lang="en-GB"/>
+          </a:p>
+        </p:txBody>
+      </p:sp>
+      <p:pic>
+        <p:nvPicPr>
+          <p:cNvPr id="6" name="Grafik 5" descr="Ein Bild, das Reihe, Diagramm, Entwurf, Muster enthält.&#10;&#10;KI-generierte Inhalte können fehlerhaft sein.">
+            <a:extLst>
+              <a:ext uri="{FF2B5EF4-FFF2-40B4-BE49-F238E27FC236}">
+                <a16:creationId xmlns:a16="http://schemas.microsoft.com/office/drawing/2014/main" id="{21E9C161-0853-B768-541D-1B86962F2A4D}"/>
+              </a:ext>
+            </a:extLst>
+          </p:cNvPr>
+          <p:cNvPicPr>
+            <a:picLocks noChangeAspect="1"/>
+          </p:cNvPicPr>
+          <p:nvPr/>
+        </p:nvPicPr>
+        <p:blipFill>
+          <a:blip r:embed="rId2">
+            <a:extLst>
+              <a:ext uri="{28A0092B-C50C-407E-A947-70E740481C1C}">
+                <a14:useLocalDpi xmlns:a14="http://schemas.microsoft.com/office/drawing/2010/main" val="0"/>
+              </a:ext>
+            </a:extLst>
+          </a:blip>
+          <a:stretch>
+            <a:fillRect/>
+          </a:stretch>
+        </p:blipFill>
+        <p:spPr>
+          <a:xfrm>
+            <a:off x="1313402" y="1551877"/>
+            <a:ext cx="8668798" cy="5169598"/>
+          </a:xfrm>
+          <a:prstGeom prst="rect">
+            <a:avLst/>
+          </a:prstGeom>
+        </p:spPr>
+      </p:pic>
+    </p:spTree>
+    <p:extLst>
+      <p:ext uri="{BB962C8B-B14F-4D97-AF65-F5344CB8AC3E}">
+        <p14:creationId xmlns:p14="http://schemas.microsoft.com/office/powerpoint/2010/main" val="3823066134"/>
+      </p:ext>
+    </p:extLst>
+  </p:cSld>
+  <p:clrMapOvr>
+    <a:masterClrMapping/>
+  </p:clrMapOvr>
+</p:sld>
+</file>
+
+<file path=ppt/slides/slide31.xml><?xml version="1.0" encoding="utf-8"?>
+<p:sld xmlns:a="http://schemas.openxmlformats.org/drawingml/2006/main" xmlns:r="http://schemas.openxmlformats.org/officeDocument/2006/relationships" xmlns:p="http://schemas.openxmlformats.org/presentationml/2006/main">
+  <p:cSld>
+    <p:spTree>
+      <p:nvGrpSpPr>
+        <p:cNvPr id="1" name=""/>
+        <p:cNvGrpSpPr/>
+        <p:nvPr/>
+      </p:nvGrpSpPr>
+      <p:grpSpPr>
+        <a:xfrm>
+          <a:off x="0" y="0"/>
+          <a:ext cx="0" cy="0"/>
+          <a:chOff x="0" y="0"/>
+          <a:chExt cx="0" cy="0"/>
+        </a:xfrm>
+      </p:grpSpPr>
+      <p:sp>
+        <p:nvSpPr>
+          <p:cNvPr id="2" name="Titel 1">
+            <a:extLst>
+              <a:ext uri="{FF2B5EF4-FFF2-40B4-BE49-F238E27FC236}">
+                <a16:creationId xmlns:a16="http://schemas.microsoft.com/office/drawing/2014/main" id="{4AE5FA7C-2287-C261-41A5-D8069B865C60}"/>
+              </a:ext>
+            </a:extLst>
+          </p:cNvPr>
+          <p:cNvSpPr>
+            <a:spLocks noGrp="1"/>
+          </p:cNvSpPr>
+          <p:nvPr>
+            <p:ph type="title"/>
+          </p:nvPr>
+        </p:nvSpPr>
+        <p:spPr/>
+        <p:txBody>
+          <a:bodyPr/>
+          <a:lstStyle/>
+          <a:p>
+            <a:r>
+              <a:rPr lang="de-DE" dirty="0"/>
+              <a:t>Outlook: </a:t>
+            </a:r>
+            <a:r>
+              <a:rPr lang="de-DE" dirty="0" err="1"/>
+              <a:t>Frequency</a:t>
+            </a:r>
+            <a:r>
+              <a:rPr lang="de-DE" dirty="0"/>
+              <a:t> Response</a:t>
+            </a:r>
+          </a:p>
+        </p:txBody>
+      </p:sp>
+      <p:sp>
+        <p:nvSpPr>
+          <p:cNvPr id="3" name="Inhaltsplatzhalter 2">
+            <a:extLst>
+              <a:ext uri="{FF2B5EF4-FFF2-40B4-BE49-F238E27FC236}">
+                <a16:creationId xmlns:a16="http://schemas.microsoft.com/office/drawing/2014/main" id="{6BCBEB6F-2DFA-DF21-924F-54FF262E1253}"/>
+              </a:ext>
+            </a:extLst>
+          </p:cNvPr>
+          <p:cNvSpPr>
+            <a:spLocks noGrp="1"/>
+          </p:cNvSpPr>
+          <p:nvPr>
+            <p:ph idx="1"/>
+          </p:nvPr>
+        </p:nvSpPr>
+        <p:spPr/>
+        <p:txBody>
+          <a:bodyPr/>
+          <a:lstStyle/>
+          <a:p>
+            <a:pPr marL="0" indent="0">
+              <a:buNone/>
+            </a:pPr>
+            <a:r>
+              <a:rPr lang="de-DE" dirty="0"/>
+              <a:t>So </a:t>
+            </a:r>
+            <a:r>
+              <a:rPr lang="de-DE" dirty="0" err="1"/>
+              <a:t>far</a:t>
+            </a:r>
+            <a:r>
+              <a:rPr lang="de-DE" dirty="0"/>
+              <a:t>, </a:t>
+            </a:r>
+            <a:r>
+              <a:rPr lang="de-DE" dirty="0" err="1"/>
+              <a:t>we</a:t>
+            </a:r>
+            <a:r>
+              <a:rPr lang="de-DE" dirty="0"/>
+              <a:t> </a:t>
+            </a:r>
+            <a:r>
+              <a:rPr lang="de-DE" dirty="0" err="1"/>
+              <a:t>tested</a:t>
+            </a:r>
+            <a:r>
+              <a:rPr lang="de-DE" dirty="0"/>
+              <a:t> </a:t>
+            </a:r>
+            <a:r>
+              <a:rPr lang="de-DE" dirty="0" err="1"/>
+              <a:t>systems</a:t>
+            </a:r>
+            <a:r>
+              <a:rPr lang="de-DE" dirty="0"/>
+              <a:t> </a:t>
+            </a:r>
+            <a:r>
+              <a:rPr lang="de-DE" dirty="0" err="1"/>
+              <a:t>with</a:t>
+            </a:r>
+            <a:r>
+              <a:rPr lang="de-DE" dirty="0"/>
+              <a:t> </a:t>
+            </a:r>
+            <a:r>
+              <a:rPr lang="de-DE" dirty="0" err="1"/>
+              <a:t>steps</a:t>
+            </a:r>
+            <a:r>
+              <a:rPr lang="de-DE" dirty="0"/>
+              <a:t>.</a:t>
+            </a:r>
+          </a:p>
+          <a:p>
+            <a:pPr marL="0" indent="0">
+              <a:buNone/>
+            </a:pPr>
+            <a:endParaRPr lang="de-DE" dirty="0"/>
+          </a:p>
+          <a:p>
+            <a:pPr marL="0" indent="0">
+              <a:buNone/>
+            </a:pPr>
+            <a:r>
+              <a:rPr lang="de-DE" dirty="0" err="1"/>
+              <a:t>What</a:t>
+            </a:r>
+            <a:r>
+              <a:rPr lang="de-DE" dirty="0"/>
+              <a:t> </a:t>
+            </a:r>
+            <a:r>
+              <a:rPr lang="de-DE" dirty="0" err="1"/>
+              <a:t>if</a:t>
+            </a:r>
+            <a:r>
+              <a:rPr lang="de-DE" dirty="0"/>
+              <a:t> </a:t>
+            </a:r>
+            <a:r>
+              <a:rPr lang="de-DE" dirty="0" err="1"/>
+              <a:t>the</a:t>
+            </a:r>
+            <a:r>
+              <a:rPr lang="de-DE" dirty="0"/>
+              <a:t> </a:t>
+            </a:r>
+            <a:r>
+              <a:rPr lang="de-DE" dirty="0" err="1"/>
+              <a:t>input</a:t>
+            </a:r>
+            <a:r>
+              <a:rPr lang="de-DE" dirty="0"/>
+              <a:t> </a:t>
+            </a:r>
+            <a:r>
+              <a:rPr lang="de-DE" dirty="0" err="1"/>
+              <a:t>oscillates</a:t>
+            </a:r>
+            <a:r>
+              <a:rPr lang="de-DE" dirty="0"/>
+              <a:t>?</a:t>
+            </a:r>
+          </a:p>
+          <a:p>
+            <a:r>
+              <a:rPr lang="de-DE" dirty="0"/>
+              <a:t>slow </a:t>
+            </a:r>
+            <a:r>
+              <a:rPr lang="de-DE" dirty="0" err="1"/>
+              <a:t>sinusoid</a:t>
+            </a:r>
+            <a:r>
+              <a:rPr lang="de-DE" dirty="0"/>
+              <a:t> → </a:t>
+            </a:r>
+            <a:r>
+              <a:rPr lang="de-DE" dirty="0" err="1"/>
+              <a:t>output</a:t>
+            </a:r>
+            <a:r>
+              <a:rPr lang="de-DE" dirty="0"/>
+              <a:t> </a:t>
+            </a:r>
+            <a:r>
+              <a:rPr lang="de-DE" dirty="0" err="1"/>
+              <a:t>follows</a:t>
+            </a:r>
+            <a:endParaRPr lang="de-DE" dirty="0"/>
+          </a:p>
+          <a:p>
+            <a:r>
+              <a:rPr lang="de-DE" dirty="0"/>
+              <a:t>fast </a:t>
+            </a:r>
+            <a:r>
+              <a:rPr lang="de-DE" dirty="0" err="1"/>
+              <a:t>sinusoid</a:t>
+            </a:r>
+            <a:r>
+              <a:rPr lang="de-DE" dirty="0"/>
+              <a:t> → </a:t>
+            </a:r>
+            <a:r>
+              <a:rPr lang="de-DE" dirty="0" err="1"/>
+              <a:t>output</a:t>
+            </a:r>
+            <a:r>
+              <a:rPr lang="de-DE" dirty="0"/>
+              <a:t> </a:t>
+            </a:r>
+            <a:r>
+              <a:rPr lang="de-DE" dirty="0" err="1"/>
+              <a:t>attenuated</a:t>
+            </a:r>
+            <a:r>
+              <a:rPr lang="de-DE" dirty="0"/>
+              <a:t> / </a:t>
+            </a:r>
+            <a:r>
+              <a:rPr lang="de-DE" dirty="0" err="1"/>
+              <a:t>phase-shifted</a:t>
+            </a:r>
+            <a:endParaRPr lang="de-DE" dirty="0"/>
+          </a:p>
+          <a:p>
+            <a:endParaRPr lang="de-DE" dirty="0"/>
+          </a:p>
+        </p:txBody>
+      </p:sp>
+      <p:sp>
+        <p:nvSpPr>
+          <p:cNvPr id="4" name="Foliennummernplatzhalter 3">
+            <a:extLst>
+              <a:ext uri="{FF2B5EF4-FFF2-40B4-BE49-F238E27FC236}">
+                <a16:creationId xmlns:a16="http://schemas.microsoft.com/office/drawing/2014/main" id="{5BD29095-79B9-73D6-ADBC-0F7A62DAB7AF}"/>
+              </a:ext>
+            </a:extLst>
+          </p:cNvPr>
+          <p:cNvSpPr>
+            <a:spLocks noGrp="1"/>
+          </p:cNvSpPr>
+          <p:nvPr>
+            <p:ph type="sldNum" sz="quarter" idx="12"/>
+          </p:nvPr>
+        </p:nvSpPr>
+        <p:spPr/>
+        <p:txBody>
+          <a:bodyPr/>
+          <a:lstStyle/>
+          <a:p>
+            <a:fld id="{08C366F5-AFAD-49CB-854A-9D9E238FCA13}" type="slidenum">
+              <a:rPr lang="en-GB" smtClean="0"/>
+              <a:t>31</a:t>
+            </a:fld>
+            <a:endParaRPr lang="en-GB"/>
+          </a:p>
+        </p:txBody>
+      </p:sp>
+    </p:spTree>
+    <p:extLst>
+      <p:ext uri="{BB962C8B-B14F-4D97-AF65-F5344CB8AC3E}">
+        <p14:creationId xmlns:p14="http://schemas.microsoft.com/office/powerpoint/2010/main" val="1369297702"/>
+      </p:ext>
+    </p:extLst>
+  </p:cSld>
+  <p:clrMapOvr>
+    <a:masterClrMapping/>
+  </p:clrMapOvr>
+</p:sld>
+</file>
+
+<file path=ppt/slides/slide32.xml><?xml version="1.0" encoding="utf-8"?>
+<p:sld xmlns:a="http://schemas.openxmlformats.org/drawingml/2006/main" xmlns:r="http://schemas.openxmlformats.org/officeDocument/2006/relationships" xmlns:p="http://schemas.openxmlformats.org/presentationml/2006/main">
+  <p:cSld>
+    <p:spTree>
+      <p:nvGrpSpPr>
+        <p:cNvPr id="1" name=""/>
+        <p:cNvGrpSpPr/>
+        <p:nvPr/>
+      </p:nvGrpSpPr>
+      <p:grpSpPr>
+        <a:xfrm>
+          <a:off x="0" y="0"/>
+          <a:ext cx="0" cy="0"/>
+          <a:chOff x="0" y="0"/>
+          <a:chExt cx="0" cy="0"/>
+        </a:xfrm>
+      </p:grpSpPr>
+      <p:sp>
+        <p:nvSpPr>
+          <p:cNvPr id="2" name="Titel 1">
+            <a:extLst>
+              <a:ext uri="{FF2B5EF4-FFF2-40B4-BE49-F238E27FC236}">
                 <a16:creationId xmlns:a16="http://schemas.microsoft.com/office/drawing/2014/main" id="{389529AB-26C3-8699-F6E0-44E6F99C40EC}"/>
               </a:ext>
             </a:extLst>
@@ -34206,7 +34424,7 @@
           <a:p>
             <a:fld id="{08C366F5-AFAD-49CB-854A-9D9E238FCA13}" type="slidenum">
               <a:rPr lang="en-GB" smtClean="0"/>
-              <a:t>30</a:t>
+              <a:t>32</a:t>
             </a:fld>
             <a:endParaRPr lang="en-GB"/>
           </a:p>
@@ -34904,6 +35122,42 @@
           <a:chExt cx="0" cy="0"/>
         </a:xfrm>
       </p:grpSpPr>
+      <p:pic>
+        <p:nvPicPr>
+          <p:cNvPr id="3" name="Grafik 2" descr="Ein Bild, das Text, Schrift, Screenshot, Reihe enthält.&#10;&#10;KI-generierte Inhalte können fehlerhaft sein.">
+            <a:extLst>
+              <a:ext uri="{FF2B5EF4-FFF2-40B4-BE49-F238E27FC236}">
+                <a16:creationId xmlns:a16="http://schemas.microsoft.com/office/drawing/2014/main" id="{FC4B5636-F87D-E2AF-2ABE-795C927F0D53}"/>
+              </a:ext>
+            </a:extLst>
+          </p:cNvPr>
+          <p:cNvPicPr>
+            <a:picLocks noChangeAspect="1"/>
+          </p:cNvPicPr>
+          <p:nvPr/>
+        </p:nvPicPr>
+        <p:blipFill>
+          <a:blip r:embed="rId2">
+            <a:extLst>
+              <a:ext uri="{28A0092B-C50C-407E-A947-70E740481C1C}">
+                <a14:useLocalDpi xmlns:a14="http://schemas.microsoft.com/office/drawing/2010/main" val="0"/>
+              </a:ext>
+            </a:extLst>
+          </a:blip>
+          <a:stretch>
+            <a:fillRect/>
+          </a:stretch>
+        </p:blipFill>
+        <p:spPr>
+          <a:xfrm>
+            <a:off x="8610600" y="79522"/>
+            <a:ext cx="3581400" cy="1960619"/>
+          </a:xfrm>
+          <a:prstGeom prst="rect">
+            <a:avLst/>
+          </a:prstGeom>
+        </p:spPr>
+      </p:pic>
       <p:sp>
         <p:nvSpPr>
           <p:cNvPr id="2" name="Titel 1">
@@ -35180,7 +35434,7 @@
             </p:nvSpPr>
             <p:spPr>
               <a:blipFill>
-                <a:blip r:embed="rId2"/>
+                <a:blip r:embed="rId3"/>
                 <a:stretch>
                   <a:fillRect l="-1956" t="-2616"/>
                 </a:stretch>
@@ -35415,6 +35669,129 @@
           </a:p>
         </p:txBody>
       </p:sp>
+      <mc:AlternateContent xmlns:mc="http://schemas.openxmlformats.org/markup-compatibility/2006" xmlns:a14="http://schemas.microsoft.com/office/drawing/2010/main">
+        <mc:Choice Requires="a14">
+          <p:sp>
+            <p:nvSpPr>
+              <p:cNvPr id="7" name="Textfeld 6">
+                <a:extLst>
+                  <a:ext uri="{FF2B5EF4-FFF2-40B4-BE49-F238E27FC236}">
+                    <a16:creationId xmlns:a16="http://schemas.microsoft.com/office/drawing/2014/main" id="{FF2FF93A-9DDE-784C-040C-59756B583062}"/>
+                  </a:ext>
+                </a:extLst>
+              </p:cNvPr>
+              <p:cNvSpPr txBox="1"/>
+              <p:nvPr/>
+            </p:nvSpPr>
+            <p:spPr>
+              <a:xfrm>
+                <a:off x="9806143" y="2034862"/>
+                <a:ext cx="2147896" cy="369332"/>
+              </a:xfrm>
+              <a:prstGeom prst="rect">
+                <a:avLst/>
+              </a:prstGeom>
+              <a:noFill/>
+            </p:spPr>
+            <p:txBody>
+              <a:bodyPr wrap="none" rtlCol="0">
+                <a:spAutoFit/>
+              </a:bodyPr>
+              <a:lstStyle/>
+              <a:p>
+                <a:r>
+                  <a:rPr lang="de-DE" dirty="0"/>
+                  <a:t>(derivatives </a:t>
+                </a:r>
+                <a:r>
+                  <a:rPr lang="de-DE" dirty="0" err="1"/>
+                  <a:t>of</a:t>
+                </a:r>
+                <a:r>
+                  <a:rPr lang="de-DE" dirty="0"/>
+                  <a:t> </a:t>
+                </a:r>
+                <a14:m>
+                  <m:oMath xmlns:m="http://schemas.openxmlformats.org/officeDocument/2006/math">
+                    <m:r>
+                      <a:rPr lang="de-DE" b="0" i="1" smtClean="0">
+                        <a:latin typeface="Cambria Math" panose="02040503050406030204" pitchFamily="18" charset="0"/>
+                      </a:rPr>
+                      <m:t>𝑥</m:t>
+                    </m:r>
+                    <m:r>
+                      <a:rPr lang="de-DE" b="0" i="1" smtClean="0">
+                        <a:latin typeface="Cambria Math" panose="02040503050406030204" pitchFamily="18" charset="0"/>
+                      </a:rPr>
+                      <m:t>(</m:t>
+                    </m:r>
+                    <m:r>
+                      <a:rPr lang="de-DE" b="0" i="1" smtClean="0">
+                        <a:latin typeface="Cambria Math" panose="02040503050406030204" pitchFamily="18" charset="0"/>
+                      </a:rPr>
+                      <m:t>𝑡</m:t>
+                    </m:r>
+                    <m:r>
+                      <a:rPr lang="de-DE" b="0" i="1" smtClean="0">
+                        <a:latin typeface="Cambria Math" panose="02040503050406030204" pitchFamily="18" charset="0"/>
+                      </a:rPr>
+                      <m:t>)</m:t>
+                    </m:r>
+                  </m:oMath>
+                </a14:m>
+                <a:r>
+                  <a:rPr lang="de-DE" dirty="0"/>
+                  <a:t>)</a:t>
+                </a:r>
+              </a:p>
+            </p:txBody>
+          </p:sp>
+        </mc:Choice>
+        <mc:Fallback xmlns="">
+          <p:sp>
+            <p:nvSpPr>
+              <p:cNvPr id="7" name="Textfeld 6">
+                <a:extLst>
+                  <a:ext uri="{FF2B5EF4-FFF2-40B4-BE49-F238E27FC236}">
+                    <a16:creationId xmlns:a16="http://schemas.microsoft.com/office/drawing/2014/main" id="{FF2FF93A-9DDE-784C-040C-59756B583062}"/>
+                  </a:ext>
+                </a:extLst>
+              </p:cNvPr>
+              <p:cNvSpPr txBox="1">
+                <a:spLocks noRot="1" noChangeAspect="1" noMove="1" noResize="1" noEditPoints="1" noAdjustHandles="1" noChangeArrowheads="1" noChangeShapeType="1" noTextEdit="1"/>
+              </p:cNvSpPr>
+              <p:nvPr/>
+            </p:nvSpPr>
+            <p:spPr>
+              <a:xfrm>
+                <a:off x="9806143" y="2034862"/>
+                <a:ext cx="2147896" cy="369332"/>
+              </a:xfrm>
+              <a:prstGeom prst="rect">
+                <a:avLst/>
+              </a:prstGeom>
+              <a:blipFill>
+                <a:blip r:embed="rId4"/>
+                <a:stretch>
+                  <a:fillRect l="-2353" t="-10000" b="-26667"/>
+                </a:stretch>
+              </a:blipFill>
+            </p:spPr>
+            <p:txBody>
+              <a:bodyPr/>
+              <a:lstStyle/>
+              <a:p>
+                <a:r>
+                  <a:rPr lang="de-DE">
+                    <a:noFill/>
+                  </a:rPr>
+                  <a:t> </a:t>
+                </a:r>
+              </a:p>
+            </p:txBody>
+          </p:sp>
+        </mc:Fallback>
+      </mc:AlternateContent>
     </p:spTree>
     <p:extLst>
       <p:ext uri="{BB962C8B-B14F-4D97-AF65-F5344CB8AC3E}">
@@ -37677,6 +38054,10 @@
               </a:p>
               <a:p>
                 <a:r>
+                  <a:rPr lang="de-DE" sz="2000" dirty="0"/>
+                  <a:t>(</a:t>
+                </a:r>
+                <a:r>
                   <a:rPr lang="de-DE" sz="2000" dirty="0" err="1"/>
                   <a:t>even</a:t>
                 </a:r>
@@ -37742,12 +38123,9 @@
                     </m:acc>
                   </m:oMath>
                 </a14:m>
-                <a:endParaRPr lang="de-DE" sz="2000" dirty="0"/>
-              </a:p>
-              <a:p>
                 <a:r>
                   <a:rPr lang="de-DE" sz="2000" dirty="0"/>
-                  <a:t>(first-order </a:t>
+                  <a:t>, first-order </a:t>
                 </a:r>
                 <a:r>
                   <a:rPr lang="de-DE" sz="2000" dirty="0" err="1"/>
@@ -38609,8 +38987,8 @@
         </p:nvSpPr>
         <p:spPr>
           <a:xfrm>
-            <a:off x="2074279" y="4587300"/>
-            <a:ext cx="1195199" cy="369332"/>
+            <a:off x="1994767" y="4587300"/>
+            <a:ext cx="1416926" cy="369332"/>
           </a:xfrm>
           <a:prstGeom prst="rect">
             <a:avLst/>
@@ -38629,7 +39007,7 @@
             </a:r>
             <a:r>
               <a:rPr lang="de-DE" dirty="0" err="1"/>
-              <a:t>damping</a:t>
+              <a:t>dissipation</a:t>
             </a:r>
             <a:r>
               <a:rPr lang="de-DE" dirty="0"/>

--- a/slides/1_systems.pptx
+++ b/slides/1_systems.pptx
@@ -239,7 +239,7 @@
           <a:p>
             <a:fld id="{506E0FD1-891F-4B1E-916D-E9B585160BB8}" type="datetimeFigureOut">
               <a:rPr lang="en-GB" smtClean="0"/>
-              <a:t>03/02/2026</a:t>
+              <a:t>04/02/2026</a:t>
             </a:fld>
             <a:endParaRPr lang="en-GB"/>
           </a:p>
@@ -656,7 +656,7 @@
           <a:p>
             <a:fld id="{D68C3F22-27B2-44E3-9C5F-D08126455F6F}" type="datetime1">
               <a:rPr lang="en-GB" smtClean="0"/>
-              <a:t>03/02/2026</a:t>
+              <a:t>04/02/2026</a:t>
             </a:fld>
             <a:endParaRPr lang="en-GB"/>
           </a:p>
@@ -856,7 +856,7 @@
           <a:p>
             <a:fld id="{1CD03846-7BF6-4FB6-A921-FF3379ADBD4C}" type="datetime1">
               <a:rPr lang="en-GB" smtClean="0"/>
-              <a:t>03/02/2026</a:t>
+              <a:t>04/02/2026</a:t>
             </a:fld>
             <a:endParaRPr lang="en-GB"/>
           </a:p>
@@ -1066,7 +1066,7 @@
           <a:p>
             <a:fld id="{99E1B91A-3FD0-4144-9C84-63E9688ED2FE}" type="datetime1">
               <a:rPr lang="en-GB" smtClean="0"/>
-              <a:t>03/02/2026</a:t>
+              <a:t>04/02/2026</a:t>
             </a:fld>
             <a:endParaRPr lang="en-GB"/>
           </a:p>
@@ -1266,7 +1266,7 @@
           <a:p>
             <a:fld id="{5295ED7B-FEAD-4734-819F-93EF4B0EA908}" type="datetime1">
               <a:rPr lang="en-GB" smtClean="0"/>
-              <a:t>03/02/2026</a:t>
+              <a:t>04/02/2026</a:t>
             </a:fld>
             <a:endParaRPr lang="en-GB"/>
           </a:p>
@@ -1542,7 +1542,7 @@
           <a:p>
             <a:fld id="{D2D5D4B4-C926-4B45-8815-1ED8911179A2}" type="datetime1">
               <a:rPr lang="en-GB" smtClean="0"/>
-              <a:t>03/02/2026</a:t>
+              <a:t>04/02/2026</a:t>
             </a:fld>
             <a:endParaRPr lang="en-GB"/>
           </a:p>
@@ -1810,7 +1810,7 @@
           <a:p>
             <a:fld id="{B4C5210A-0E37-4935-93AF-69F21A5F712F}" type="datetime1">
               <a:rPr lang="en-GB" smtClean="0"/>
-              <a:t>03/02/2026</a:t>
+              <a:t>04/02/2026</a:t>
             </a:fld>
             <a:endParaRPr lang="en-GB"/>
           </a:p>
@@ -2225,7 +2225,7 @@
           <a:p>
             <a:fld id="{3D3A6B2F-436C-4691-80E8-9C890E000E9D}" type="datetime1">
               <a:rPr lang="en-GB" smtClean="0"/>
-              <a:t>03/02/2026</a:t>
+              <a:t>04/02/2026</a:t>
             </a:fld>
             <a:endParaRPr lang="en-GB"/>
           </a:p>
@@ -2367,7 +2367,7 @@
           <a:p>
             <a:fld id="{84385F4C-D74B-496F-8D21-97E3549C783B}" type="datetime1">
               <a:rPr lang="en-GB" smtClean="0"/>
-              <a:t>03/02/2026</a:t>
+              <a:t>04/02/2026</a:t>
             </a:fld>
             <a:endParaRPr lang="en-GB"/>
           </a:p>
@@ -2480,7 +2480,7 @@
           <a:p>
             <a:fld id="{0CBDCB32-C241-4703-A832-4EB47BD54E83}" type="datetime1">
               <a:rPr lang="en-GB" smtClean="0"/>
-              <a:t>03/02/2026</a:t>
+              <a:t>04/02/2026</a:t>
             </a:fld>
             <a:endParaRPr lang="en-GB"/>
           </a:p>
@@ -2793,7 +2793,7 @@
           <a:p>
             <a:fld id="{85C150FF-BE95-4D25-A16A-E368A81CBF24}" type="datetime1">
               <a:rPr lang="en-GB" smtClean="0"/>
-              <a:t>03/02/2026</a:t>
+              <a:t>04/02/2026</a:t>
             </a:fld>
             <a:endParaRPr lang="en-GB"/>
           </a:p>
@@ -3082,7 +3082,7 @@
           <a:p>
             <a:fld id="{F3C5DB4B-B349-43C9-A424-BADA723AD9F1}" type="datetime1">
               <a:rPr lang="en-GB" smtClean="0"/>
-              <a:t>03/02/2026</a:t>
+              <a:t>04/02/2026</a:t>
             </a:fld>
             <a:endParaRPr lang="en-GB"/>
           </a:p>
@@ -3325,7 +3325,7 @@
           <a:p>
             <a:fld id="{12632426-0A0C-405F-A3D0-2D11AA44702A}" type="datetime1">
               <a:rPr lang="en-GB" smtClean="0"/>
-              <a:t>03/02/2026</a:t>
+              <a:t>04/02/2026</a:t>
             </a:fld>
             <a:endParaRPr lang="en-GB"/>
           </a:p>
@@ -33879,10 +33879,10 @@
       </p:sp>
       <p:pic>
         <p:nvPicPr>
-          <p:cNvPr id="6" name="Grafik 5" descr="Ein Bild, das Reihe, Diagramm, Entwurf, Muster enthält.&#10;&#10;KI-generierte Inhalte können fehlerhaft sein.">
+          <p:cNvPr id="3" name="Grafik 2">
             <a:extLst>
               <a:ext uri="{FF2B5EF4-FFF2-40B4-BE49-F238E27FC236}">
-                <a16:creationId xmlns:a16="http://schemas.microsoft.com/office/drawing/2014/main" id="{21E9C161-0853-B768-541D-1B86962F2A4D}"/>
+                <a16:creationId xmlns:a16="http://schemas.microsoft.com/office/drawing/2014/main" id="{5055636F-CEC6-5112-E387-095FDF6196C3}"/>
               </a:ext>
             </a:extLst>
           </p:cNvPr>
@@ -33892,27 +33892,192 @@
           <p:nvPr/>
         </p:nvPicPr>
         <p:blipFill>
-          <a:blip r:embed="rId2">
-            <a:extLst>
-              <a:ext uri="{28A0092B-C50C-407E-A947-70E740481C1C}">
-                <a14:useLocalDpi xmlns:a14="http://schemas.microsoft.com/office/drawing/2010/main" val="0"/>
-              </a:ext>
-            </a:extLst>
-          </a:blip>
+          <a:blip r:embed="rId2"/>
           <a:stretch>
             <a:fillRect/>
           </a:stretch>
         </p:blipFill>
         <p:spPr>
           <a:xfrm>
-            <a:off x="1313402" y="1551877"/>
-            <a:ext cx="8668798" cy="5169598"/>
+            <a:off x="838200" y="1629637"/>
+            <a:ext cx="7727398" cy="4909275"/>
           </a:xfrm>
           <a:prstGeom prst="rect">
             <a:avLst/>
           </a:prstGeom>
         </p:spPr>
       </p:pic>
+      <p:sp>
+        <p:nvSpPr>
+          <p:cNvPr id="5" name="Textfeld 4">
+            <a:extLst>
+              <a:ext uri="{FF2B5EF4-FFF2-40B4-BE49-F238E27FC236}">
+                <a16:creationId xmlns:a16="http://schemas.microsoft.com/office/drawing/2014/main" id="{99E1AEC0-F52F-9949-AB14-1F7CB6916133}"/>
+              </a:ext>
+            </a:extLst>
+          </p:cNvPr>
+          <p:cNvSpPr txBox="1"/>
+          <p:nvPr/>
+        </p:nvSpPr>
+        <p:spPr>
+          <a:xfrm>
+            <a:off x="8610600" y="2823189"/>
+            <a:ext cx="3299101" cy="1200329"/>
+          </a:xfrm>
+          <a:prstGeom prst="rect">
+            <a:avLst/>
+          </a:prstGeom>
+          <a:noFill/>
+        </p:spPr>
+        <p:txBody>
+          <a:bodyPr wrap="square" rtlCol="0">
+            <a:spAutoFit/>
+          </a:bodyPr>
+          <a:lstStyle/>
+          <a:p>
+            <a:r>
+              <a:rPr lang="de-DE" dirty="0"/>
+              <a:t>The </a:t>
+            </a:r>
+            <a:r>
+              <a:rPr lang="de-DE" dirty="0" err="1"/>
+              <a:t>higher</a:t>
+            </a:r>
+            <a:r>
+              <a:rPr lang="de-DE" dirty="0"/>
+              <a:t> </a:t>
+            </a:r>
+            <a:r>
+              <a:rPr lang="de-DE" dirty="0" err="1"/>
+              <a:t>the</a:t>
+            </a:r>
+            <a:r>
+              <a:rPr lang="de-DE" dirty="0"/>
+              <a:t> </a:t>
+            </a:r>
+            <a:r>
+              <a:rPr lang="de-DE" dirty="0" err="1"/>
+              <a:t>order</a:t>
+            </a:r>
+            <a:r>
+              <a:rPr lang="de-DE" dirty="0"/>
+              <a:t>, </a:t>
+            </a:r>
+            <a:r>
+              <a:rPr lang="de-DE" dirty="0" err="1"/>
+              <a:t>the</a:t>
+            </a:r>
+            <a:r>
+              <a:rPr lang="de-DE" dirty="0"/>
+              <a:t> </a:t>
+            </a:r>
+            <a:r>
+              <a:rPr lang="de-DE" dirty="0" err="1"/>
+              <a:t>more</a:t>
+            </a:r>
+            <a:r>
+              <a:rPr lang="de-DE" dirty="0"/>
+              <a:t> </a:t>
+            </a:r>
+            <a:r>
+              <a:rPr lang="de-DE" dirty="0" err="1"/>
+              <a:t>the</a:t>
+            </a:r>
+            <a:r>
+              <a:rPr lang="de-DE" dirty="0"/>
+              <a:t> </a:t>
+            </a:r>
+            <a:r>
+              <a:rPr lang="de-DE" dirty="0" err="1"/>
+              <a:t>step</a:t>
+            </a:r>
+            <a:r>
+              <a:rPr lang="de-DE" dirty="0"/>
+              <a:t> </a:t>
+            </a:r>
+            <a:r>
+              <a:rPr lang="de-DE" dirty="0" err="1"/>
+              <a:t>response</a:t>
+            </a:r>
+            <a:r>
+              <a:rPr lang="de-DE" dirty="0"/>
+              <a:t> </a:t>
+            </a:r>
+            <a:r>
+              <a:rPr lang="de-DE" dirty="0" err="1"/>
+              <a:t>looks</a:t>
+            </a:r>
+            <a:r>
+              <a:rPr lang="de-DE" dirty="0"/>
+              <a:t> like a </a:t>
+            </a:r>
+            <a:r>
+              <a:rPr lang="de-DE" dirty="0" err="1"/>
+              <a:t>delayed</a:t>
+            </a:r>
+            <a:r>
+              <a:rPr lang="de-DE" dirty="0"/>
+              <a:t> </a:t>
+            </a:r>
+            <a:r>
+              <a:rPr lang="de-DE" dirty="0" err="1"/>
+              <a:t>step</a:t>
+            </a:r>
+            <a:r>
+              <a:rPr lang="de-DE" dirty="0"/>
+              <a:t>, </a:t>
+            </a:r>
+            <a:r>
+              <a:rPr lang="de-DE" dirty="0" err="1"/>
+              <a:t>even</a:t>
+            </a:r>
+            <a:r>
+              <a:rPr lang="de-DE" dirty="0"/>
+              <a:t> </a:t>
+            </a:r>
+            <a:r>
+              <a:rPr lang="de-DE" dirty="0" err="1"/>
+              <a:t>though</a:t>
+            </a:r>
+            <a:r>
+              <a:rPr lang="de-DE" dirty="0"/>
+              <a:t> </a:t>
+            </a:r>
+            <a:r>
+              <a:rPr lang="de-DE" dirty="0" err="1"/>
+              <a:t>there’s</a:t>
+            </a:r>
+            <a:r>
+              <a:rPr lang="de-DE" dirty="0"/>
+              <a:t> </a:t>
+            </a:r>
+            <a:r>
+              <a:rPr lang="de-DE" dirty="0" err="1"/>
+              <a:t>no</a:t>
+            </a:r>
+            <a:r>
+              <a:rPr lang="de-DE" dirty="0"/>
+              <a:t> </a:t>
+            </a:r>
+            <a:r>
+              <a:rPr lang="de-DE" dirty="0" err="1"/>
+              <a:t>actual</a:t>
+            </a:r>
+            <a:r>
+              <a:rPr lang="de-DE" dirty="0"/>
+              <a:t> </a:t>
+            </a:r>
+            <a:r>
+              <a:rPr lang="de-DE" dirty="0" err="1"/>
+              <a:t>dead</a:t>
+            </a:r>
+            <a:r>
+              <a:rPr lang="de-DE" dirty="0"/>
+              <a:t> time.</a:t>
+            </a:r>
+          </a:p>
+        </p:txBody>
+      </p:sp>
     </p:spTree>
     <p:extLst>
       <p:ext uri="{BB962C8B-B14F-4D97-AF65-F5344CB8AC3E}">

--- a/slides/1_systems.pptx
+++ b/slides/1_systems.pptx
@@ -239,7 +239,7 @@
           <a:p>
             <a:fld id="{506E0FD1-891F-4B1E-916D-E9B585160BB8}" type="datetimeFigureOut">
               <a:rPr lang="en-GB" smtClean="0"/>
-              <a:t>04/02/2026</a:t>
+              <a:t>06/02/2026</a:t>
             </a:fld>
             <a:endParaRPr lang="en-GB"/>
           </a:p>
@@ -656,7 +656,7 @@
           <a:p>
             <a:fld id="{D68C3F22-27B2-44E3-9C5F-D08126455F6F}" type="datetime1">
               <a:rPr lang="en-GB" smtClean="0"/>
-              <a:t>04/02/2026</a:t>
+              <a:t>06/02/2026</a:t>
             </a:fld>
             <a:endParaRPr lang="en-GB"/>
           </a:p>
@@ -856,7 +856,7 @@
           <a:p>
             <a:fld id="{1CD03846-7BF6-4FB6-A921-FF3379ADBD4C}" type="datetime1">
               <a:rPr lang="en-GB" smtClean="0"/>
-              <a:t>04/02/2026</a:t>
+              <a:t>06/02/2026</a:t>
             </a:fld>
             <a:endParaRPr lang="en-GB"/>
           </a:p>
@@ -1066,7 +1066,7 @@
           <a:p>
             <a:fld id="{99E1B91A-3FD0-4144-9C84-63E9688ED2FE}" type="datetime1">
               <a:rPr lang="en-GB" smtClean="0"/>
-              <a:t>04/02/2026</a:t>
+              <a:t>06/02/2026</a:t>
             </a:fld>
             <a:endParaRPr lang="en-GB"/>
           </a:p>
@@ -1266,7 +1266,7 @@
           <a:p>
             <a:fld id="{5295ED7B-FEAD-4734-819F-93EF4B0EA908}" type="datetime1">
               <a:rPr lang="en-GB" smtClean="0"/>
-              <a:t>04/02/2026</a:t>
+              <a:t>06/02/2026</a:t>
             </a:fld>
             <a:endParaRPr lang="en-GB"/>
           </a:p>
@@ -1542,7 +1542,7 @@
           <a:p>
             <a:fld id="{D2D5D4B4-C926-4B45-8815-1ED8911179A2}" type="datetime1">
               <a:rPr lang="en-GB" smtClean="0"/>
-              <a:t>04/02/2026</a:t>
+              <a:t>06/02/2026</a:t>
             </a:fld>
             <a:endParaRPr lang="en-GB"/>
           </a:p>
@@ -1810,7 +1810,7 @@
           <a:p>
             <a:fld id="{B4C5210A-0E37-4935-93AF-69F21A5F712F}" type="datetime1">
               <a:rPr lang="en-GB" smtClean="0"/>
-              <a:t>04/02/2026</a:t>
+              <a:t>06/02/2026</a:t>
             </a:fld>
             <a:endParaRPr lang="en-GB"/>
           </a:p>
@@ -2225,7 +2225,7 @@
           <a:p>
             <a:fld id="{3D3A6B2F-436C-4691-80E8-9C890E000E9D}" type="datetime1">
               <a:rPr lang="en-GB" smtClean="0"/>
-              <a:t>04/02/2026</a:t>
+              <a:t>06/02/2026</a:t>
             </a:fld>
             <a:endParaRPr lang="en-GB"/>
           </a:p>
@@ -2367,7 +2367,7 @@
           <a:p>
             <a:fld id="{84385F4C-D74B-496F-8D21-97E3549C783B}" type="datetime1">
               <a:rPr lang="en-GB" smtClean="0"/>
-              <a:t>04/02/2026</a:t>
+              <a:t>06/02/2026</a:t>
             </a:fld>
             <a:endParaRPr lang="en-GB"/>
           </a:p>
@@ -2480,7 +2480,7 @@
           <a:p>
             <a:fld id="{0CBDCB32-C241-4703-A832-4EB47BD54E83}" type="datetime1">
               <a:rPr lang="en-GB" smtClean="0"/>
-              <a:t>04/02/2026</a:t>
+              <a:t>06/02/2026</a:t>
             </a:fld>
             <a:endParaRPr lang="en-GB"/>
           </a:p>
@@ -2793,7 +2793,7 @@
           <a:p>
             <a:fld id="{85C150FF-BE95-4D25-A16A-E368A81CBF24}" type="datetime1">
               <a:rPr lang="en-GB" smtClean="0"/>
-              <a:t>04/02/2026</a:t>
+              <a:t>06/02/2026</a:t>
             </a:fld>
             <a:endParaRPr lang="en-GB"/>
           </a:p>
@@ -3082,7 +3082,7 @@
           <a:p>
             <a:fld id="{F3C5DB4B-B349-43C9-A424-BADA723AD9F1}" type="datetime1">
               <a:rPr lang="en-GB" smtClean="0"/>
-              <a:t>04/02/2026</a:t>
+              <a:t>06/02/2026</a:t>
             </a:fld>
             <a:endParaRPr lang="en-GB"/>
           </a:p>
@@ -3325,7 +3325,7 @@
           <a:p>
             <a:fld id="{12632426-0A0C-405F-A3D0-2D11AA44702A}" type="datetime1">
               <a:rPr lang="en-GB" smtClean="0"/>
-              <a:t>04/02/2026</a:t>
+              <a:t>06/02/2026</a:t>
             </a:fld>
             <a:endParaRPr lang="en-GB"/>
           </a:p>
@@ -29678,8 +29678,8 @@
           </a:p>
         </p:txBody>
       </p:sp>
-      <mc:AlternateContent xmlns:mc="http://schemas.openxmlformats.org/markup-compatibility/2006" xmlns:a14="http://schemas.microsoft.com/office/drawing/2010/main">
-        <mc:Choice Requires="a14">
+      <mc:AlternateContent xmlns:mc="http://schemas.openxmlformats.org/markup-compatibility/2006">
+        <mc:Choice xmlns:a14="http://schemas.microsoft.com/office/drawing/2010/main" Requires="a14">
           <p:sp>
             <p:nvSpPr>
               <p:cNvPr id="3" name="Inhaltsplatzhalter 2">
@@ -30164,11 +30164,24 @@
                       <m:t>=0</m:t>
                     </m:r>
                     <m:r>
-                      <a:rPr lang="de-DE" i="1" smtClean="0">
+                      <a:rPr lang="de-DE" b="0" i="1" smtClean="0">
+                        <a:latin typeface="Cambria Math" panose="02040503050406030204" pitchFamily="18" charset="0"/>
+                      </a:rPr>
+                      <m:t>  </m:t>
+                    </m:r>
+                    <m:r>
+                      <a:rPr lang="de-DE" i="1">
                         <a:latin typeface="Cambria Math" panose="02040503050406030204" pitchFamily="18" charset="0"/>
                         <a:ea typeface="Cambria Math" panose="02040503050406030204" pitchFamily="18" charset="0"/>
                       </a:rPr>
-                      <m:t>⟹</m:t>
+                      <m:t>⇒</m:t>
+                    </m:r>
+                    <m:r>
+                      <a:rPr lang="de-DE" b="0" i="1" smtClean="0">
+                        <a:latin typeface="Cambria Math" panose="02040503050406030204" pitchFamily="18" charset="0"/>
+                        <a:ea typeface="Cambria Math" panose="02040503050406030204" pitchFamily="18" charset="0"/>
+                      </a:rPr>
+                      <m:t>  </m:t>
                     </m:r>
                     <m:r>
                       <a:rPr lang="de-DE" i="1">
@@ -30330,7 +30343,7 @@
             </p:txBody>
           </p:sp>
         </mc:Choice>
-        <mc:Fallback xmlns="">
+        <mc:Fallback>
           <p:sp>
             <p:nvSpPr>
               <p:cNvPr id="3" name="Inhaltsplatzhalter 2">

--- a/slides/1_systems.pptx
+++ b/slides/1_systems.pptx
@@ -5,7 +5,7 @@
     <p:sldMasterId id="2147483648" r:id="rId1"/>
   </p:sldMasterIdLst>
   <p:notesMasterIdLst>
-    <p:notesMasterId r:id="rId34"/>
+    <p:notesMasterId r:id="rId35"/>
   </p:notesMasterIdLst>
   <p:sldIdLst>
     <p:sldId id="256" r:id="rId2"/>
@@ -34,12 +34,13 @@
     <p:sldId id="314" r:id="rId25"/>
     <p:sldId id="315" r:id="rId26"/>
     <p:sldId id="282" r:id="rId27"/>
-    <p:sldId id="283" r:id="rId28"/>
-    <p:sldId id="271" r:id="rId29"/>
-    <p:sldId id="276" r:id="rId30"/>
-    <p:sldId id="316" r:id="rId31"/>
-    <p:sldId id="280" r:id="rId32"/>
-    <p:sldId id="277" r:id="rId33"/>
+    <p:sldId id="318" r:id="rId28"/>
+    <p:sldId id="283" r:id="rId29"/>
+    <p:sldId id="271" r:id="rId30"/>
+    <p:sldId id="276" r:id="rId31"/>
+    <p:sldId id="316" r:id="rId32"/>
+    <p:sldId id="280" r:id="rId33"/>
+    <p:sldId id="277" r:id="rId34"/>
   </p:sldIdLst>
   <p:sldSz cx="12192000" cy="6858000"/>
   <p:notesSz cx="6858000" cy="9144000"/>
@@ -239,7 +240,7 @@
           <a:p>
             <a:fld id="{506E0FD1-891F-4B1E-916D-E9B585160BB8}" type="datetimeFigureOut">
               <a:rPr lang="en-GB" smtClean="0"/>
-              <a:t>06/02/2026</a:t>
+              <a:t>16/02/2026</a:t>
             </a:fld>
             <a:endParaRPr lang="en-GB"/>
           </a:p>
@@ -656,7 +657,7 @@
           <a:p>
             <a:fld id="{D68C3F22-27B2-44E3-9C5F-D08126455F6F}" type="datetime1">
               <a:rPr lang="en-GB" smtClean="0"/>
-              <a:t>06/02/2026</a:t>
+              <a:t>16/02/2026</a:t>
             </a:fld>
             <a:endParaRPr lang="en-GB"/>
           </a:p>
@@ -856,7 +857,7 @@
           <a:p>
             <a:fld id="{1CD03846-7BF6-4FB6-A921-FF3379ADBD4C}" type="datetime1">
               <a:rPr lang="en-GB" smtClean="0"/>
-              <a:t>06/02/2026</a:t>
+              <a:t>16/02/2026</a:t>
             </a:fld>
             <a:endParaRPr lang="en-GB"/>
           </a:p>
@@ -1066,7 +1067,7 @@
           <a:p>
             <a:fld id="{99E1B91A-3FD0-4144-9C84-63E9688ED2FE}" type="datetime1">
               <a:rPr lang="en-GB" smtClean="0"/>
-              <a:t>06/02/2026</a:t>
+              <a:t>16/02/2026</a:t>
             </a:fld>
             <a:endParaRPr lang="en-GB"/>
           </a:p>
@@ -1266,7 +1267,7 @@
           <a:p>
             <a:fld id="{5295ED7B-FEAD-4734-819F-93EF4B0EA908}" type="datetime1">
               <a:rPr lang="en-GB" smtClean="0"/>
-              <a:t>06/02/2026</a:t>
+              <a:t>16/02/2026</a:t>
             </a:fld>
             <a:endParaRPr lang="en-GB"/>
           </a:p>
@@ -1542,7 +1543,7 @@
           <a:p>
             <a:fld id="{D2D5D4B4-C926-4B45-8815-1ED8911179A2}" type="datetime1">
               <a:rPr lang="en-GB" smtClean="0"/>
-              <a:t>06/02/2026</a:t>
+              <a:t>16/02/2026</a:t>
             </a:fld>
             <a:endParaRPr lang="en-GB"/>
           </a:p>
@@ -1810,7 +1811,7 @@
           <a:p>
             <a:fld id="{B4C5210A-0E37-4935-93AF-69F21A5F712F}" type="datetime1">
               <a:rPr lang="en-GB" smtClean="0"/>
-              <a:t>06/02/2026</a:t>
+              <a:t>16/02/2026</a:t>
             </a:fld>
             <a:endParaRPr lang="en-GB"/>
           </a:p>
@@ -2225,7 +2226,7 @@
           <a:p>
             <a:fld id="{3D3A6B2F-436C-4691-80E8-9C890E000E9D}" type="datetime1">
               <a:rPr lang="en-GB" smtClean="0"/>
-              <a:t>06/02/2026</a:t>
+              <a:t>16/02/2026</a:t>
             </a:fld>
             <a:endParaRPr lang="en-GB"/>
           </a:p>
@@ -2367,7 +2368,7 @@
           <a:p>
             <a:fld id="{84385F4C-D74B-496F-8D21-97E3549C783B}" type="datetime1">
               <a:rPr lang="en-GB" smtClean="0"/>
-              <a:t>06/02/2026</a:t>
+              <a:t>16/02/2026</a:t>
             </a:fld>
             <a:endParaRPr lang="en-GB"/>
           </a:p>
@@ -2480,7 +2481,7 @@
           <a:p>
             <a:fld id="{0CBDCB32-C241-4703-A832-4EB47BD54E83}" type="datetime1">
               <a:rPr lang="en-GB" smtClean="0"/>
-              <a:t>06/02/2026</a:t>
+              <a:t>16/02/2026</a:t>
             </a:fld>
             <a:endParaRPr lang="en-GB"/>
           </a:p>
@@ -2793,7 +2794,7 @@
           <a:p>
             <a:fld id="{85C150FF-BE95-4D25-A16A-E368A81CBF24}" type="datetime1">
               <a:rPr lang="en-GB" smtClean="0"/>
-              <a:t>06/02/2026</a:t>
+              <a:t>16/02/2026</a:t>
             </a:fld>
             <a:endParaRPr lang="en-GB"/>
           </a:p>
@@ -3082,7 +3083,7 @@
           <a:p>
             <a:fld id="{F3C5DB4B-B349-43C9-A424-BADA723AD9F1}" type="datetime1">
               <a:rPr lang="en-GB" smtClean="0"/>
-              <a:t>06/02/2026</a:t>
+              <a:t>16/02/2026</a:t>
             </a:fld>
             <a:endParaRPr lang="en-GB"/>
           </a:p>
@@ -3325,7 +3326,7 @@
           <a:p>
             <a:fld id="{12632426-0A0C-405F-A3D0-2D11AA44702A}" type="datetime1">
               <a:rPr lang="en-GB" smtClean="0"/>
-              <a:t>06/02/2026</a:t>
+              <a:t>16/02/2026</a:t>
             </a:fld>
             <a:endParaRPr lang="en-GB"/>
           </a:p>
@@ -29678,8 +29679,8 @@
           </a:p>
         </p:txBody>
       </p:sp>
-      <mc:AlternateContent xmlns:mc="http://schemas.openxmlformats.org/markup-compatibility/2006">
-        <mc:Choice xmlns:a14="http://schemas.microsoft.com/office/drawing/2010/main" Requires="a14">
+      <mc:AlternateContent xmlns:mc="http://schemas.openxmlformats.org/markup-compatibility/2006" xmlns:a14="http://schemas.microsoft.com/office/drawing/2010/main">
+        <mc:Choice Requires="a14">
           <p:sp>
             <p:nvSpPr>
               <p:cNvPr id="3" name="Inhaltsplatzhalter 2">
@@ -30161,13 +30162,7 @@
                       <a:rPr lang="de-DE" b="0" i="1" smtClean="0">
                         <a:latin typeface="Cambria Math" panose="02040503050406030204" pitchFamily="18" charset="0"/>
                       </a:rPr>
-                      <m:t>=0</m:t>
-                    </m:r>
-                    <m:r>
-                      <a:rPr lang="de-DE" b="0" i="1" smtClean="0">
-                        <a:latin typeface="Cambria Math" panose="02040503050406030204" pitchFamily="18" charset="0"/>
-                      </a:rPr>
-                      <m:t>  </m:t>
+                      <m:t>=0  </m:t>
                     </m:r>
                     <m:r>
                       <a:rPr lang="de-DE" i="1">
@@ -30343,7 +30338,7 @@
             </p:txBody>
           </p:sp>
         </mc:Choice>
-        <mc:Fallback>
+        <mc:Fallback xmlns="">
           <p:sp>
             <p:nvSpPr>
               <p:cNvPr id="3" name="Inhaltsplatzhalter 2">
@@ -30840,7 +30835,7 @@
         <p:spPr>
           <a:xfrm>
             <a:off x="4145871" y="3185040"/>
-            <a:ext cx="1757779" cy="646331"/>
+            <a:ext cx="1757779" cy="923330"/>
           </a:xfrm>
           <a:prstGeom prst="rect">
             <a:avLst/>
@@ -30852,6 +30847,16 @@
             <a:spAutoFit/>
           </a:bodyPr>
           <a:lstStyle/>
+          <a:p>
+            <a:r>
+              <a:rPr lang="de-DE" dirty="0" err="1"/>
+              <a:t>impulse</a:t>
+            </a:r>
+            <a:r>
+              <a:rPr lang="de-DE" dirty="0"/>
+              <a:t>:</a:t>
+            </a:r>
+          </a:p>
           <a:p>
             <a:r>
               <a:rPr lang="de-DE" dirty="0"/>
@@ -30903,6 +30908,235 @@
 </file>
 
 <file path=ppt/slides/slide27.xml><?xml version="1.0" encoding="utf-8"?>
+<p:sld xmlns:a="http://schemas.openxmlformats.org/drawingml/2006/main" xmlns:r="http://schemas.openxmlformats.org/officeDocument/2006/relationships" xmlns:p="http://schemas.openxmlformats.org/presentationml/2006/main">
+  <p:cSld>
+    <p:spTree>
+      <p:nvGrpSpPr>
+        <p:cNvPr id="1" name=""/>
+        <p:cNvGrpSpPr/>
+        <p:nvPr/>
+      </p:nvGrpSpPr>
+      <p:grpSpPr>
+        <a:xfrm>
+          <a:off x="0" y="0"/>
+          <a:ext cx="0" cy="0"/>
+          <a:chOff x="0" y="0"/>
+          <a:chExt cx="0" cy="0"/>
+        </a:xfrm>
+      </p:grpSpPr>
+      <p:pic>
+        <p:nvPicPr>
+          <p:cNvPr id="6" name="Grafik 5" descr="Ein Bild, das Text, Reihe, Diagramm, Zahl enthält.&#10;&#10;KI-generierte Inhalte können fehlerhaft sein.">
+            <a:extLst>
+              <a:ext uri="{FF2B5EF4-FFF2-40B4-BE49-F238E27FC236}">
+                <a16:creationId xmlns:a16="http://schemas.microsoft.com/office/drawing/2014/main" id="{C2983263-B164-34FF-E305-281445B7B915}"/>
+              </a:ext>
+            </a:extLst>
+          </p:cNvPr>
+          <p:cNvPicPr>
+            <a:picLocks noChangeAspect="1"/>
+          </p:cNvPicPr>
+          <p:nvPr/>
+        </p:nvPicPr>
+        <p:blipFill>
+          <a:blip r:embed="rId2">
+            <a:extLst>
+              <a:ext uri="{28A0092B-C50C-407E-A947-70E740481C1C}">
+                <a14:useLocalDpi xmlns:a14="http://schemas.microsoft.com/office/drawing/2010/main" val="0"/>
+              </a:ext>
+            </a:extLst>
+          </a:blip>
+          <a:stretch>
+            <a:fillRect/>
+          </a:stretch>
+        </p:blipFill>
+        <p:spPr>
+          <a:xfrm>
+            <a:off x="5887469" y="1232065"/>
+            <a:ext cx="3282018" cy="2611240"/>
+          </a:xfrm>
+          <a:prstGeom prst="rect">
+            <a:avLst/>
+          </a:prstGeom>
+        </p:spPr>
+      </p:pic>
+      <p:pic>
+        <p:nvPicPr>
+          <p:cNvPr id="11" name="Grafik 10">
+            <a:extLst>
+              <a:ext uri="{FF2B5EF4-FFF2-40B4-BE49-F238E27FC236}">
+                <a16:creationId xmlns:a16="http://schemas.microsoft.com/office/drawing/2014/main" id="{7BEC4502-07A1-FC55-7616-3C68D5ED981F}"/>
+              </a:ext>
+            </a:extLst>
+          </p:cNvPr>
+          <p:cNvPicPr>
+            <a:picLocks noChangeAspect="1"/>
+          </p:cNvPicPr>
+          <p:nvPr/>
+        </p:nvPicPr>
+        <p:blipFill>
+          <a:blip r:embed="rId3"/>
+          <a:stretch>
+            <a:fillRect/>
+          </a:stretch>
+        </p:blipFill>
+        <p:spPr>
+          <a:xfrm>
+            <a:off x="6191344" y="3817199"/>
+            <a:ext cx="5460539" cy="2539151"/>
+          </a:xfrm>
+          <a:prstGeom prst="rect">
+            <a:avLst/>
+          </a:prstGeom>
+        </p:spPr>
+      </p:pic>
+      <p:sp>
+        <p:nvSpPr>
+          <p:cNvPr id="2" name="Titel 1">
+            <a:extLst>
+              <a:ext uri="{FF2B5EF4-FFF2-40B4-BE49-F238E27FC236}">
+                <a16:creationId xmlns:a16="http://schemas.microsoft.com/office/drawing/2014/main" id="{1F1E493E-F9E8-B141-B5A6-D960EE78A8D0}"/>
+              </a:ext>
+            </a:extLst>
+          </p:cNvPr>
+          <p:cNvSpPr>
+            <a:spLocks noGrp="1"/>
+          </p:cNvSpPr>
+          <p:nvPr>
+            <p:ph type="title"/>
+          </p:nvPr>
+        </p:nvSpPr>
+        <p:spPr/>
+        <p:txBody>
+          <a:bodyPr/>
+          <a:lstStyle/>
+          <a:p>
+            <a:r>
+              <a:rPr lang="de-DE" dirty="0" err="1"/>
+              <a:t>Step</a:t>
+            </a:r>
+            <a:r>
+              <a:rPr lang="de-DE" dirty="0"/>
+              <a:t> and Impulse Response</a:t>
+            </a:r>
+          </a:p>
+        </p:txBody>
+      </p:sp>
+      <p:sp>
+        <p:nvSpPr>
+          <p:cNvPr id="4" name="Foliennummernplatzhalter 3">
+            <a:extLst>
+              <a:ext uri="{FF2B5EF4-FFF2-40B4-BE49-F238E27FC236}">
+                <a16:creationId xmlns:a16="http://schemas.microsoft.com/office/drawing/2014/main" id="{FB642D4C-3133-8842-0920-06E0EE1B014C}"/>
+              </a:ext>
+            </a:extLst>
+          </p:cNvPr>
+          <p:cNvSpPr>
+            <a:spLocks noGrp="1"/>
+          </p:cNvSpPr>
+          <p:nvPr>
+            <p:ph type="sldNum" sz="quarter" idx="12"/>
+          </p:nvPr>
+        </p:nvSpPr>
+        <p:spPr/>
+        <p:txBody>
+          <a:bodyPr/>
+          <a:lstStyle/>
+          <a:p>
+            <a:fld id="{08C366F5-AFAD-49CB-854A-9D9E238FCA13}" type="slidenum">
+              <a:rPr lang="en-GB" smtClean="0"/>
+              <a:t>27</a:t>
+            </a:fld>
+            <a:endParaRPr lang="en-GB"/>
+          </a:p>
+        </p:txBody>
+      </p:sp>
+      <p:pic>
+        <p:nvPicPr>
+          <p:cNvPr id="8" name="Grafik 7" descr="Ein Bild, das Text, Reihe, Diagramm, Zahl enthält.&#10;&#10;KI-generierte Inhalte können fehlerhaft sein.">
+            <a:extLst>
+              <a:ext uri="{FF2B5EF4-FFF2-40B4-BE49-F238E27FC236}">
+                <a16:creationId xmlns:a16="http://schemas.microsoft.com/office/drawing/2014/main" id="{7B015B22-9D8B-8B6F-2198-93E7327F1D2E}"/>
+              </a:ext>
+            </a:extLst>
+          </p:cNvPr>
+          <p:cNvPicPr>
+            <a:picLocks noChangeAspect="1"/>
+          </p:cNvPicPr>
+          <p:nvPr/>
+        </p:nvPicPr>
+        <p:blipFill>
+          <a:blip r:embed="rId4">
+            <a:extLst>
+              <a:ext uri="{28A0092B-C50C-407E-A947-70E740481C1C}">
+                <a14:useLocalDpi xmlns:a14="http://schemas.microsoft.com/office/drawing/2010/main" val="0"/>
+              </a:ext>
+            </a:extLst>
+          </a:blip>
+          <a:stretch>
+            <a:fillRect/>
+          </a:stretch>
+        </p:blipFill>
+        <p:spPr>
+          <a:xfrm>
+            <a:off x="99391" y="1440784"/>
+            <a:ext cx="3405073" cy="2729066"/>
+          </a:xfrm>
+          <a:prstGeom prst="rect">
+            <a:avLst/>
+          </a:prstGeom>
+        </p:spPr>
+      </p:pic>
+      <p:pic>
+        <p:nvPicPr>
+          <p:cNvPr id="10" name="Grafik 9" descr="Ein Bild, das Reihe, Diagramm, Zahl enthält.&#10;&#10;KI-generierte Inhalte können fehlerhaft sein.">
+            <a:extLst>
+              <a:ext uri="{FF2B5EF4-FFF2-40B4-BE49-F238E27FC236}">
+                <a16:creationId xmlns:a16="http://schemas.microsoft.com/office/drawing/2014/main" id="{ACE53A99-5DB1-04D3-C422-BE937EEC5FEF}"/>
+              </a:ext>
+            </a:extLst>
+          </p:cNvPr>
+          <p:cNvPicPr>
+            <a:picLocks noChangeAspect="1"/>
+          </p:cNvPicPr>
+          <p:nvPr/>
+        </p:nvPicPr>
+        <p:blipFill>
+          <a:blip r:embed="rId5">
+            <a:extLst>
+              <a:ext uri="{28A0092B-C50C-407E-A947-70E740481C1C}">
+                <a14:useLocalDpi xmlns:a14="http://schemas.microsoft.com/office/drawing/2010/main" val="0"/>
+              </a:ext>
+            </a:extLst>
+          </a:blip>
+          <a:stretch>
+            <a:fillRect/>
+          </a:stretch>
+        </p:blipFill>
+        <p:spPr>
+          <a:xfrm>
+            <a:off x="298083" y="4318849"/>
+            <a:ext cx="5595178" cy="2539151"/>
+          </a:xfrm>
+          <a:prstGeom prst="rect">
+            <a:avLst/>
+          </a:prstGeom>
+        </p:spPr>
+      </p:pic>
+    </p:spTree>
+    <p:extLst>
+      <p:ext uri="{BB962C8B-B14F-4D97-AF65-F5344CB8AC3E}">
+        <p14:creationId xmlns:p14="http://schemas.microsoft.com/office/powerpoint/2010/main" val="4014158033"/>
+      </p:ext>
+    </p:extLst>
+  </p:cSld>
+  <p:clrMapOvr>
+    <a:masterClrMapping/>
+  </p:clrMapOvr>
+</p:sld>
+</file>
+
+<file path=ppt/slides/slide28.xml><?xml version="1.0" encoding="utf-8"?>
 <p:sld xmlns:a="http://schemas.openxmlformats.org/drawingml/2006/main" xmlns:r="http://schemas.openxmlformats.org/officeDocument/2006/relationships" xmlns:p="http://schemas.openxmlformats.org/presentationml/2006/main">
   <p:cSld>
     <p:spTree>
@@ -31717,7 +31951,7 @@
           <a:p>
             <a:fld id="{08C366F5-AFAD-49CB-854A-9D9E238FCA13}" type="slidenum">
               <a:rPr lang="en-GB" smtClean="0"/>
-              <a:t>27</a:t>
+              <a:t>28</a:t>
             </a:fld>
             <a:endParaRPr lang="en-GB"/>
           </a:p>
@@ -31970,7 +32204,7 @@
 </p:sld>
 </file>
 
-<file path=ppt/slides/slide28.xml><?xml version="1.0" encoding="utf-8"?>
+<file path=ppt/slides/slide29.xml><?xml version="1.0" encoding="utf-8"?>
 <p:sld xmlns:a="http://schemas.openxmlformats.org/drawingml/2006/main" xmlns:r="http://schemas.openxmlformats.org/officeDocument/2006/relationships" xmlns:p="http://schemas.openxmlformats.org/presentationml/2006/main">
   <p:cSld>
     <p:spTree>
@@ -32283,7 +32517,7 @@
           <a:p>
             <a:fld id="{08C366F5-AFAD-49CB-854A-9D9E238FCA13}" type="slidenum">
               <a:rPr lang="en-GB" smtClean="0"/>
-              <a:t>28</a:t>
+              <a:t>29</a:t>
             </a:fld>
             <a:endParaRPr lang="en-GB"/>
           </a:p>
@@ -33153,472 +33387,6 @@
 </p:sld>
 </file>
 
-<file path=ppt/slides/slide29.xml><?xml version="1.0" encoding="utf-8"?>
-<p:sld xmlns:a="http://schemas.openxmlformats.org/drawingml/2006/main" xmlns:r="http://schemas.openxmlformats.org/officeDocument/2006/relationships" xmlns:p="http://schemas.openxmlformats.org/presentationml/2006/main">
-  <p:cSld>
-    <p:spTree>
-      <p:nvGrpSpPr>
-        <p:cNvPr id="1" name=""/>
-        <p:cNvGrpSpPr/>
-        <p:nvPr/>
-      </p:nvGrpSpPr>
-      <p:grpSpPr>
-        <a:xfrm>
-          <a:off x="0" y="0"/>
-          <a:ext cx="0" cy="0"/>
-          <a:chOff x="0" y="0"/>
-          <a:chExt cx="0" cy="0"/>
-        </a:xfrm>
-      </p:grpSpPr>
-      <p:sp>
-        <p:nvSpPr>
-          <p:cNvPr id="2" name="Titel 1">
-            <a:extLst>
-              <a:ext uri="{FF2B5EF4-FFF2-40B4-BE49-F238E27FC236}">
-                <a16:creationId xmlns:a16="http://schemas.microsoft.com/office/drawing/2014/main" id="{D5744C1E-E015-47BF-5487-BEED8BB417DD}"/>
-              </a:ext>
-            </a:extLst>
-          </p:cNvPr>
-          <p:cNvSpPr>
-            <a:spLocks noGrp="1"/>
-          </p:cNvSpPr>
-          <p:nvPr>
-            <p:ph type="title"/>
-          </p:nvPr>
-        </p:nvSpPr>
-        <p:spPr/>
-        <p:txBody>
-          <a:bodyPr/>
-          <a:lstStyle/>
-          <a:p>
-            <a:r>
-              <a:rPr lang="de-DE" dirty="0"/>
-              <a:t>Dead Time</a:t>
-            </a:r>
-          </a:p>
-        </p:txBody>
-      </p:sp>
-      <mc:AlternateContent xmlns:mc="http://schemas.openxmlformats.org/markup-compatibility/2006" xmlns:a14="http://schemas.microsoft.com/office/drawing/2010/main">
-        <mc:Choice Requires="a14">
-          <p:sp>
-            <p:nvSpPr>
-              <p:cNvPr id="3" name="Inhaltsplatzhalter 2">
-                <a:extLst>
-                  <a:ext uri="{FF2B5EF4-FFF2-40B4-BE49-F238E27FC236}">
-                    <a16:creationId xmlns:a16="http://schemas.microsoft.com/office/drawing/2014/main" id="{F9AE5EC4-52A4-BBD7-A547-E7DA4C4B3937}"/>
-                  </a:ext>
-                </a:extLst>
-              </p:cNvPr>
-              <p:cNvSpPr>
-                <a:spLocks noGrp="1"/>
-              </p:cNvSpPr>
-              <p:nvPr>
-                <p:ph idx="1"/>
-              </p:nvPr>
-            </p:nvSpPr>
-            <p:spPr/>
-            <p:txBody>
-              <a:bodyPr>
-                <a:normAutofit lnSpcReduction="10000"/>
-              </a:bodyPr>
-              <a:lstStyle/>
-              <a:p>
-                <a:pPr marL="0" indent="0">
-                  <a:buNone/>
-                </a:pPr>
-                <a:r>
-                  <a:rPr lang="de-DE" dirty="0"/>
-                  <a:t>Time </a:t>
-                </a:r>
-                <a:r>
-                  <a:rPr lang="de-DE" dirty="0" err="1"/>
-                  <a:t>delay</a:t>
-                </a:r>
-                <a:r>
-                  <a:rPr lang="de-DE" dirty="0"/>
-                  <a:t> </a:t>
-                </a:r>
-                <a:r>
-                  <a:rPr lang="de-DE" dirty="0" err="1"/>
-                  <a:t>between</a:t>
-                </a:r>
-                <a:r>
-                  <a:rPr lang="de-DE" dirty="0"/>
-                  <a:t> </a:t>
-                </a:r>
-                <a:r>
-                  <a:rPr lang="de-DE" dirty="0" err="1"/>
-                  <a:t>input</a:t>
-                </a:r>
-                <a:r>
-                  <a:rPr lang="de-DE" dirty="0"/>
-                  <a:t> and </a:t>
-                </a:r>
-                <a:r>
-                  <a:rPr lang="de-DE" dirty="0" err="1"/>
-                  <a:t>output</a:t>
-                </a:r>
-                <a:r>
-                  <a:rPr lang="de-DE" dirty="0"/>
-                  <a:t>:	</a:t>
-                </a:r>
-                <a14:m>
-                  <m:oMath xmlns:m="http://schemas.openxmlformats.org/officeDocument/2006/math">
-                    <m:r>
-                      <a:rPr lang="de-DE" b="0" i="1" smtClean="0">
-                        <a:latin typeface="Cambria Math" panose="02040503050406030204" pitchFamily="18" charset="0"/>
-                      </a:rPr>
-                      <m:t>𝑦</m:t>
-                    </m:r>
-                    <m:d>
-                      <m:dPr>
-                        <m:ctrlPr>
-                          <a:rPr lang="de-DE" b="0" i="1" smtClean="0">
-                            <a:latin typeface="Cambria Math" panose="02040503050406030204" pitchFamily="18" charset="0"/>
-                          </a:rPr>
-                        </m:ctrlPr>
-                      </m:dPr>
-                      <m:e>
-                        <m:r>
-                          <a:rPr lang="de-DE" b="0" i="1" smtClean="0">
-                            <a:latin typeface="Cambria Math" panose="02040503050406030204" pitchFamily="18" charset="0"/>
-                          </a:rPr>
-                          <m:t>𝑡</m:t>
-                        </m:r>
-                      </m:e>
-                    </m:d>
-                    <m:r>
-                      <a:rPr lang="de-DE" b="0" i="1" smtClean="0">
-                        <a:latin typeface="Cambria Math" panose="02040503050406030204" pitchFamily="18" charset="0"/>
-                      </a:rPr>
-                      <m:t>=</m:t>
-                    </m:r>
-                    <m:r>
-                      <a:rPr lang="de-DE" b="0" i="1" smtClean="0">
-                        <a:latin typeface="Cambria Math" panose="02040503050406030204" pitchFamily="18" charset="0"/>
-                      </a:rPr>
-                      <m:t>𝑢</m:t>
-                    </m:r>
-                    <m:r>
-                      <a:rPr lang="de-DE" b="0" i="1" smtClean="0">
-                        <a:latin typeface="Cambria Math" panose="02040503050406030204" pitchFamily="18" charset="0"/>
-                      </a:rPr>
-                      <m:t>(</m:t>
-                    </m:r>
-                    <m:r>
-                      <a:rPr lang="de-DE" b="0" i="1" smtClean="0">
-                        <a:latin typeface="Cambria Math" panose="02040503050406030204" pitchFamily="18" charset="0"/>
-                      </a:rPr>
-                      <m:t>𝑡</m:t>
-                    </m:r>
-                    <m:r>
-                      <a:rPr lang="de-DE" b="0" i="1" smtClean="0">
-                        <a:latin typeface="Cambria Math" panose="02040503050406030204" pitchFamily="18" charset="0"/>
-                      </a:rPr>
-                      <m:t>−</m:t>
-                    </m:r>
-                    <m:sSub>
-                      <m:sSubPr>
-                        <m:ctrlPr>
-                          <a:rPr lang="de-DE" b="0" i="1" smtClean="0">
-                            <a:latin typeface="Cambria Math" panose="02040503050406030204" pitchFamily="18" charset="0"/>
-                          </a:rPr>
-                        </m:ctrlPr>
-                      </m:sSubPr>
-                      <m:e>
-                        <m:r>
-                          <a:rPr lang="de-DE" b="0" i="1" smtClean="0">
-                            <a:latin typeface="Cambria Math" panose="02040503050406030204" pitchFamily="18" charset="0"/>
-                          </a:rPr>
-                          <m:t>𝑇</m:t>
-                        </m:r>
-                      </m:e>
-                      <m:sub>
-                        <m:r>
-                          <a:rPr lang="de-DE" b="0" i="1" smtClean="0">
-                            <a:latin typeface="Cambria Math" panose="02040503050406030204" pitchFamily="18" charset="0"/>
-                          </a:rPr>
-                          <m:t>𝑑</m:t>
-                        </m:r>
-                      </m:sub>
-                    </m:sSub>
-                    <m:r>
-                      <a:rPr lang="de-DE" b="0" i="1" smtClean="0">
-                        <a:latin typeface="Cambria Math" panose="02040503050406030204" pitchFamily="18" charset="0"/>
-                      </a:rPr>
-                      <m:t>)</m:t>
-                    </m:r>
-                  </m:oMath>
-                </a14:m>
-                <a:endParaRPr lang="de-DE" dirty="0"/>
-              </a:p>
-              <a:p>
-                <a:pPr marL="0" indent="0">
-                  <a:buNone/>
-                </a:pPr>
-                <a:endParaRPr lang="de-DE" dirty="0"/>
-              </a:p>
-              <a:p>
-                <a:pPr marL="0" indent="0">
-                  <a:buNone/>
-                </a:pPr>
-                <a:r>
-                  <a:rPr lang="de-DE" dirty="0"/>
-                  <a:t>Common in </a:t>
-                </a:r>
-                <a:r>
-                  <a:rPr lang="de-DE" dirty="0" err="1"/>
-                  <a:t>processes</a:t>
-                </a:r>
-                <a:r>
-                  <a:rPr lang="de-DE" dirty="0"/>
-                  <a:t> and </a:t>
-                </a:r>
-                <a:r>
-                  <a:rPr lang="de-DE" dirty="0" err="1"/>
-                  <a:t>networks</a:t>
-                </a:r>
-                <a:endParaRPr lang="de-DE" dirty="0"/>
-              </a:p>
-              <a:p>
-                <a:pPr lvl="1"/>
-                <a:r>
-                  <a:rPr lang="de-DE" dirty="0"/>
-                  <a:t>Transport </a:t>
-                </a:r>
-                <a:r>
-                  <a:rPr lang="de-DE" dirty="0" err="1"/>
-                  <a:t>phenomena</a:t>
-                </a:r>
-                <a:endParaRPr lang="de-DE" dirty="0"/>
-              </a:p>
-              <a:p>
-                <a:pPr lvl="1"/>
-                <a:r>
-                  <a:rPr lang="de-DE" dirty="0"/>
-                  <a:t>Measurement </a:t>
-                </a:r>
-                <a:r>
-                  <a:rPr lang="de-DE" dirty="0" err="1"/>
-                  <a:t>delays</a:t>
-                </a:r>
-                <a:endParaRPr lang="de-DE" dirty="0"/>
-              </a:p>
-              <a:p>
-                <a:pPr lvl="1"/>
-                <a:r>
-                  <a:rPr lang="de-DE" dirty="0" err="1"/>
-                  <a:t>Computation</a:t>
-                </a:r>
-                <a:r>
-                  <a:rPr lang="de-DE" dirty="0"/>
-                  <a:t> </a:t>
-                </a:r>
-                <a:r>
-                  <a:rPr lang="de-DE" dirty="0" err="1"/>
-                  <a:t>delays</a:t>
-                </a:r>
-                <a:endParaRPr lang="de-DE" dirty="0"/>
-              </a:p>
-              <a:p>
-                <a:pPr marL="0" indent="0">
-                  <a:buNone/>
-                </a:pPr>
-                <a:endParaRPr lang="de-DE" dirty="0"/>
-              </a:p>
-              <a:p>
-                <a:pPr marL="0" indent="0">
-                  <a:buNone/>
-                </a:pPr>
-                <a:r>
-                  <a:rPr lang="de-DE" dirty="0" err="1"/>
-                  <a:t>Makes</a:t>
-                </a:r>
-                <a:r>
-                  <a:rPr lang="de-DE" dirty="0"/>
-                  <a:t> </a:t>
-                </a:r>
-                <a:r>
-                  <a:rPr lang="de-DE" dirty="0" err="1"/>
-                  <a:t>control</a:t>
-                </a:r>
-                <a:r>
-                  <a:rPr lang="de-DE" dirty="0"/>
-                  <a:t> </a:t>
-                </a:r>
-                <a:r>
-                  <a:rPr lang="de-DE" dirty="0" err="1"/>
-                  <a:t>more</a:t>
-                </a:r>
-                <a:r>
-                  <a:rPr lang="de-DE" dirty="0"/>
-                  <a:t> </a:t>
-                </a:r>
-                <a:r>
-                  <a:rPr lang="de-DE" dirty="0" err="1"/>
-                  <a:t>difficult</a:t>
-                </a:r>
-                <a:endParaRPr lang="de-DE" dirty="0"/>
-              </a:p>
-              <a:p>
-                <a:pPr lvl="1"/>
-                <a:r>
-                  <a:rPr lang="de-DE" dirty="0" err="1"/>
-                  <a:t>Degrades</a:t>
-                </a:r>
-                <a:r>
-                  <a:rPr lang="de-DE" dirty="0"/>
-                  <a:t> </a:t>
-                </a:r>
-                <a:r>
-                  <a:rPr lang="de-DE" dirty="0" err="1"/>
-                  <a:t>stability</a:t>
-                </a:r>
-                <a:r>
-                  <a:rPr lang="de-DE" dirty="0"/>
-                  <a:t> </a:t>
-                </a:r>
-                <a:r>
-                  <a:rPr lang="de-DE" dirty="0" err="1"/>
-                  <a:t>margins</a:t>
-                </a:r>
-                <a:endParaRPr lang="de-DE" dirty="0"/>
-              </a:p>
-              <a:p>
-                <a:pPr lvl="1"/>
-                <a:r>
-                  <a:rPr lang="de-DE" dirty="0"/>
-                  <a:t>Limits </a:t>
-                </a:r>
-                <a:r>
-                  <a:rPr lang="de-DE" dirty="0" err="1"/>
-                  <a:t>achievable</a:t>
-                </a:r>
-                <a:r>
-                  <a:rPr lang="de-DE" dirty="0"/>
-                  <a:t> </a:t>
-                </a:r>
-                <a:r>
-                  <a:rPr lang="de-DE" dirty="0" err="1"/>
-                  <a:t>performance</a:t>
-                </a:r>
-                <a:endParaRPr lang="de-DE" dirty="0"/>
-              </a:p>
-            </p:txBody>
-          </p:sp>
-        </mc:Choice>
-        <mc:Fallback xmlns="">
-          <p:sp>
-            <p:nvSpPr>
-              <p:cNvPr id="3" name="Inhaltsplatzhalter 2">
-                <a:extLst>
-                  <a:ext uri="{FF2B5EF4-FFF2-40B4-BE49-F238E27FC236}">
-                    <a16:creationId xmlns:a16="http://schemas.microsoft.com/office/drawing/2014/main" id="{F9AE5EC4-52A4-BBD7-A547-E7DA4C4B3937}"/>
-                  </a:ext>
-                </a:extLst>
-              </p:cNvPr>
-              <p:cNvSpPr>
-                <a:spLocks noGrp="1" noRot="1" noChangeAspect="1" noMove="1" noResize="1" noEditPoints="1" noAdjustHandles="1" noChangeArrowheads="1" noChangeShapeType="1" noTextEdit="1"/>
-              </p:cNvSpPr>
-              <p:nvPr>
-                <p:ph idx="1"/>
-              </p:nvPr>
-            </p:nvSpPr>
-            <p:spPr>
-              <a:blipFill>
-                <a:blip r:embed="rId2"/>
-                <a:stretch>
-                  <a:fillRect l="-1206" t="-3198"/>
-                </a:stretch>
-              </a:blipFill>
-            </p:spPr>
-            <p:txBody>
-              <a:bodyPr/>
-              <a:lstStyle/>
-              <a:p>
-                <a:r>
-                  <a:rPr lang="de-DE">
-                    <a:noFill/>
-                  </a:rPr>
-                  <a:t> </a:t>
-                </a:r>
-              </a:p>
-            </p:txBody>
-          </p:sp>
-        </mc:Fallback>
-      </mc:AlternateContent>
-      <p:sp>
-        <p:nvSpPr>
-          <p:cNvPr id="4" name="Foliennummernplatzhalter 3">
-            <a:extLst>
-              <a:ext uri="{FF2B5EF4-FFF2-40B4-BE49-F238E27FC236}">
-                <a16:creationId xmlns:a16="http://schemas.microsoft.com/office/drawing/2014/main" id="{01B8C4DB-992A-84DE-7144-6A990A34D033}"/>
-              </a:ext>
-            </a:extLst>
-          </p:cNvPr>
-          <p:cNvSpPr>
-            <a:spLocks noGrp="1"/>
-          </p:cNvSpPr>
-          <p:nvPr>
-            <p:ph type="sldNum" sz="quarter" idx="12"/>
-          </p:nvPr>
-        </p:nvSpPr>
-        <p:spPr/>
-        <p:txBody>
-          <a:bodyPr/>
-          <a:lstStyle/>
-          <a:p>
-            <a:fld id="{08C366F5-AFAD-49CB-854A-9D9E238FCA13}" type="slidenum">
-              <a:rPr lang="en-GB" smtClean="0"/>
-              <a:t>29</a:t>
-            </a:fld>
-            <a:endParaRPr lang="en-GB"/>
-          </a:p>
-        </p:txBody>
-      </p:sp>
-      <p:pic>
-        <p:nvPicPr>
-          <p:cNvPr id="6" name="Grafik 5">
-            <a:extLst>
-              <a:ext uri="{FF2B5EF4-FFF2-40B4-BE49-F238E27FC236}">
-                <a16:creationId xmlns:a16="http://schemas.microsoft.com/office/drawing/2014/main" id="{CA4D1A9C-C7EB-9033-19BD-68A68CB7C9F9}"/>
-              </a:ext>
-            </a:extLst>
-          </p:cNvPr>
-          <p:cNvPicPr>
-            <a:picLocks noChangeAspect="1"/>
-          </p:cNvPicPr>
-          <p:nvPr/>
-        </p:nvPicPr>
-        <p:blipFill>
-          <a:blip r:embed="rId3"/>
-          <a:stretch>
-            <a:fillRect/>
-          </a:stretch>
-        </p:blipFill>
-        <p:spPr>
-          <a:xfrm>
-            <a:off x="7086745" y="2425670"/>
-            <a:ext cx="4674688" cy="3751293"/>
-          </a:xfrm>
-          <a:prstGeom prst="rect">
-            <a:avLst/>
-          </a:prstGeom>
-        </p:spPr>
-      </p:pic>
-    </p:spTree>
-    <p:extLst>
-      <p:ext uri="{BB962C8B-B14F-4D97-AF65-F5344CB8AC3E}">
-        <p14:creationId xmlns:p14="http://schemas.microsoft.com/office/powerpoint/2010/main" val="2198874170"/>
-      </p:ext>
-    </p:extLst>
-  </p:cSld>
-  <p:clrMapOvr>
-    <a:masterClrMapping/>
-  </p:clrMapOvr>
-</p:sld>
-</file>
-
 <file path=ppt/slides/slide3.xml><?xml version="1.0" encoding="utf-8"?>
 <p:sld xmlns:a="http://schemas.openxmlformats.org/drawingml/2006/main" xmlns:r="http://schemas.openxmlformats.org/officeDocument/2006/relationships" xmlns:p="http://schemas.openxmlformats.org/presentationml/2006/main">
   <p:cSld>
@@ -33826,6 +33594,472 @@
           <p:cNvPr id="2" name="Titel 1">
             <a:extLst>
               <a:ext uri="{FF2B5EF4-FFF2-40B4-BE49-F238E27FC236}">
+                <a16:creationId xmlns:a16="http://schemas.microsoft.com/office/drawing/2014/main" id="{D5744C1E-E015-47BF-5487-BEED8BB417DD}"/>
+              </a:ext>
+            </a:extLst>
+          </p:cNvPr>
+          <p:cNvSpPr>
+            <a:spLocks noGrp="1"/>
+          </p:cNvSpPr>
+          <p:nvPr>
+            <p:ph type="title"/>
+          </p:nvPr>
+        </p:nvSpPr>
+        <p:spPr/>
+        <p:txBody>
+          <a:bodyPr/>
+          <a:lstStyle/>
+          <a:p>
+            <a:r>
+              <a:rPr lang="de-DE" dirty="0"/>
+              <a:t>Dead Time</a:t>
+            </a:r>
+          </a:p>
+        </p:txBody>
+      </p:sp>
+      <mc:AlternateContent xmlns:mc="http://schemas.openxmlformats.org/markup-compatibility/2006" xmlns:a14="http://schemas.microsoft.com/office/drawing/2010/main">
+        <mc:Choice Requires="a14">
+          <p:sp>
+            <p:nvSpPr>
+              <p:cNvPr id="3" name="Inhaltsplatzhalter 2">
+                <a:extLst>
+                  <a:ext uri="{FF2B5EF4-FFF2-40B4-BE49-F238E27FC236}">
+                    <a16:creationId xmlns:a16="http://schemas.microsoft.com/office/drawing/2014/main" id="{F9AE5EC4-52A4-BBD7-A547-E7DA4C4B3937}"/>
+                  </a:ext>
+                </a:extLst>
+              </p:cNvPr>
+              <p:cNvSpPr>
+                <a:spLocks noGrp="1"/>
+              </p:cNvSpPr>
+              <p:nvPr>
+                <p:ph idx="1"/>
+              </p:nvPr>
+            </p:nvSpPr>
+            <p:spPr/>
+            <p:txBody>
+              <a:bodyPr>
+                <a:normAutofit lnSpcReduction="10000"/>
+              </a:bodyPr>
+              <a:lstStyle/>
+              <a:p>
+                <a:pPr marL="0" indent="0">
+                  <a:buNone/>
+                </a:pPr>
+                <a:r>
+                  <a:rPr lang="de-DE" dirty="0"/>
+                  <a:t>Time </a:t>
+                </a:r>
+                <a:r>
+                  <a:rPr lang="de-DE" dirty="0" err="1"/>
+                  <a:t>delay</a:t>
+                </a:r>
+                <a:r>
+                  <a:rPr lang="de-DE" dirty="0"/>
+                  <a:t> </a:t>
+                </a:r>
+                <a:r>
+                  <a:rPr lang="de-DE" dirty="0" err="1"/>
+                  <a:t>between</a:t>
+                </a:r>
+                <a:r>
+                  <a:rPr lang="de-DE" dirty="0"/>
+                  <a:t> </a:t>
+                </a:r>
+                <a:r>
+                  <a:rPr lang="de-DE" dirty="0" err="1"/>
+                  <a:t>input</a:t>
+                </a:r>
+                <a:r>
+                  <a:rPr lang="de-DE" dirty="0"/>
+                  <a:t> and </a:t>
+                </a:r>
+                <a:r>
+                  <a:rPr lang="de-DE" dirty="0" err="1"/>
+                  <a:t>output</a:t>
+                </a:r>
+                <a:r>
+                  <a:rPr lang="de-DE" dirty="0"/>
+                  <a:t>:	</a:t>
+                </a:r>
+                <a14:m>
+                  <m:oMath xmlns:m="http://schemas.openxmlformats.org/officeDocument/2006/math">
+                    <m:r>
+                      <a:rPr lang="de-DE" b="0" i="1" smtClean="0">
+                        <a:latin typeface="Cambria Math" panose="02040503050406030204" pitchFamily="18" charset="0"/>
+                      </a:rPr>
+                      <m:t>𝑦</m:t>
+                    </m:r>
+                    <m:d>
+                      <m:dPr>
+                        <m:ctrlPr>
+                          <a:rPr lang="de-DE" b="0" i="1" smtClean="0">
+                            <a:latin typeface="Cambria Math" panose="02040503050406030204" pitchFamily="18" charset="0"/>
+                          </a:rPr>
+                        </m:ctrlPr>
+                      </m:dPr>
+                      <m:e>
+                        <m:r>
+                          <a:rPr lang="de-DE" b="0" i="1" smtClean="0">
+                            <a:latin typeface="Cambria Math" panose="02040503050406030204" pitchFamily="18" charset="0"/>
+                          </a:rPr>
+                          <m:t>𝑡</m:t>
+                        </m:r>
+                      </m:e>
+                    </m:d>
+                    <m:r>
+                      <a:rPr lang="de-DE" b="0" i="1" smtClean="0">
+                        <a:latin typeface="Cambria Math" panose="02040503050406030204" pitchFamily="18" charset="0"/>
+                      </a:rPr>
+                      <m:t>=</m:t>
+                    </m:r>
+                    <m:r>
+                      <a:rPr lang="de-DE" b="0" i="1" smtClean="0">
+                        <a:latin typeface="Cambria Math" panose="02040503050406030204" pitchFamily="18" charset="0"/>
+                      </a:rPr>
+                      <m:t>𝑢</m:t>
+                    </m:r>
+                    <m:r>
+                      <a:rPr lang="de-DE" b="0" i="1" smtClean="0">
+                        <a:latin typeface="Cambria Math" panose="02040503050406030204" pitchFamily="18" charset="0"/>
+                      </a:rPr>
+                      <m:t>(</m:t>
+                    </m:r>
+                    <m:r>
+                      <a:rPr lang="de-DE" b="0" i="1" smtClean="0">
+                        <a:latin typeface="Cambria Math" panose="02040503050406030204" pitchFamily="18" charset="0"/>
+                      </a:rPr>
+                      <m:t>𝑡</m:t>
+                    </m:r>
+                    <m:r>
+                      <a:rPr lang="de-DE" b="0" i="1" smtClean="0">
+                        <a:latin typeface="Cambria Math" panose="02040503050406030204" pitchFamily="18" charset="0"/>
+                      </a:rPr>
+                      <m:t>−</m:t>
+                    </m:r>
+                    <m:sSub>
+                      <m:sSubPr>
+                        <m:ctrlPr>
+                          <a:rPr lang="de-DE" b="0" i="1" smtClean="0">
+                            <a:latin typeface="Cambria Math" panose="02040503050406030204" pitchFamily="18" charset="0"/>
+                          </a:rPr>
+                        </m:ctrlPr>
+                      </m:sSubPr>
+                      <m:e>
+                        <m:r>
+                          <a:rPr lang="de-DE" b="0" i="1" smtClean="0">
+                            <a:latin typeface="Cambria Math" panose="02040503050406030204" pitchFamily="18" charset="0"/>
+                          </a:rPr>
+                          <m:t>𝑇</m:t>
+                        </m:r>
+                      </m:e>
+                      <m:sub>
+                        <m:r>
+                          <a:rPr lang="de-DE" b="0" i="1" smtClean="0">
+                            <a:latin typeface="Cambria Math" panose="02040503050406030204" pitchFamily="18" charset="0"/>
+                          </a:rPr>
+                          <m:t>𝑑</m:t>
+                        </m:r>
+                      </m:sub>
+                    </m:sSub>
+                    <m:r>
+                      <a:rPr lang="de-DE" b="0" i="1" smtClean="0">
+                        <a:latin typeface="Cambria Math" panose="02040503050406030204" pitchFamily="18" charset="0"/>
+                      </a:rPr>
+                      <m:t>)</m:t>
+                    </m:r>
+                  </m:oMath>
+                </a14:m>
+                <a:endParaRPr lang="de-DE" dirty="0"/>
+              </a:p>
+              <a:p>
+                <a:pPr marL="0" indent="0">
+                  <a:buNone/>
+                </a:pPr>
+                <a:endParaRPr lang="de-DE" dirty="0"/>
+              </a:p>
+              <a:p>
+                <a:pPr marL="0" indent="0">
+                  <a:buNone/>
+                </a:pPr>
+                <a:r>
+                  <a:rPr lang="de-DE" dirty="0"/>
+                  <a:t>Common in </a:t>
+                </a:r>
+                <a:r>
+                  <a:rPr lang="de-DE" dirty="0" err="1"/>
+                  <a:t>processes</a:t>
+                </a:r>
+                <a:r>
+                  <a:rPr lang="de-DE" dirty="0"/>
+                  <a:t> and </a:t>
+                </a:r>
+                <a:r>
+                  <a:rPr lang="de-DE" dirty="0" err="1"/>
+                  <a:t>networks</a:t>
+                </a:r>
+                <a:endParaRPr lang="de-DE" dirty="0"/>
+              </a:p>
+              <a:p>
+                <a:pPr lvl="1"/>
+                <a:r>
+                  <a:rPr lang="de-DE" dirty="0"/>
+                  <a:t>Transport </a:t>
+                </a:r>
+                <a:r>
+                  <a:rPr lang="de-DE" dirty="0" err="1"/>
+                  <a:t>phenomena</a:t>
+                </a:r>
+                <a:endParaRPr lang="de-DE" dirty="0"/>
+              </a:p>
+              <a:p>
+                <a:pPr lvl="1"/>
+                <a:r>
+                  <a:rPr lang="de-DE" dirty="0"/>
+                  <a:t>Measurement </a:t>
+                </a:r>
+                <a:r>
+                  <a:rPr lang="de-DE" dirty="0" err="1"/>
+                  <a:t>delays</a:t>
+                </a:r>
+                <a:endParaRPr lang="de-DE" dirty="0"/>
+              </a:p>
+              <a:p>
+                <a:pPr lvl="1"/>
+                <a:r>
+                  <a:rPr lang="de-DE" dirty="0" err="1"/>
+                  <a:t>Computation</a:t>
+                </a:r>
+                <a:r>
+                  <a:rPr lang="de-DE" dirty="0"/>
+                  <a:t> </a:t>
+                </a:r>
+                <a:r>
+                  <a:rPr lang="de-DE" dirty="0" err="1"/>
+                  <a:t>delays</a:t>
+                </a:r>
+                <a:endParaRPr lang="de-DE" dirty="0"/>
+              </a:p>
+              <a:p>
+                <a:pPr marL="0" indent="0">
+                  <a:buNone/>
+                </a:pPr>
+                <a:endParaRPr lang="de-DE" dirty="0"/>
+              </a:p>
+              <a:p>
+                <a:pPr marL="0" indent="0">
+                  <a:buNone/>
+                </a:pPr>
+                <a:r>
+                  <a:rPr lang="de-DE" dirty="0" err="1"/>
+                  <a:t>Makes</a:t>
+                </a:r>
+                <a:r>
+                  <a:rPr lang="de-DE" dirty="0"/>
+                  <a:t> </a:t>
+                </a:r>
+                <a:r>
+                  <a:rPr lang="de-DE" dirty="0" err="1"/>
+                  <a:t>control</a:t>
+                </a:r>
+                <a:r>
+                  <a:rPr lang="de-DE" dirty="0"/>
+                  <a:t> </a:t>
+                </a:r>
+                <a:r>
+                  <a:rPr lang="de-DE" dirty="0" err="1"/>
+                  <a:t>more</a:t>
+                </a:r>
+                <a:r>
+                  <a:rPr lang="de-DE" dirty="0"/>
+                  <a:t> </a:t>
+                </a:r>
+                <a:r>
+                  <a:rPr lang="de-DE" dirty="0" err="1"/>
+                  <a:t>difficult</a:t>
+                </a:r>
+                <a:endParaRPr lang="de-DE" dirty="0"/>
+              </a:p>
+              <a:p>
+                <a:pPr lvl="1"/>
+                <a:r>
+                  <a:rPr lang="de-DE" dirty="0" err="1"/>
+                  <a:t>Degrades</a:t>
+                </a:r>
+                <a:r>
+                  <a:rPr lang="de-DE" dirty="0"/>
+                  <a:t> </a:t>
+                </a:r>
+                <a:r>
+                  <a:rPr lang="de-DE" dirty="0" err="1"/>
+                  <a:t>stability</a:t>
+                </a:r>
+                <a:r>
+                  <a:rPr lang="de-DE" dirty="0"/>
+                  <a:t> </a:t>
+                </a:r>
+                <a:r>
+                  <a:rPr lang="de-DE" dirty="0" err="1"/>
+                  <a:t>margins</a:t>
+                </a:r>
+                <a:endParaRPr lang="de-DE" dirty="0"/>
+              </a:p>
+              <a:p>
+                <a:pPr lvl="1"/>
+                <a:r>
+                  <a:rPr lang="de-DE" dirty="0"/>
+                  <a:t>Limits </a:t>
+                </a:r>
+                <a:r>
+                  <a:rPr lang="de-DE" dirty="0" err="1"/>
+                  <a:t>achievable</a:t>
+                </a:r>
+                <a:r>
+                  <a:rPr lang="de-DE" dirty="0"/>
+                  <a:t> </a:t>
+                </a:r>
+                <a:r>
+                  <a:rPr lang="de-DE" dirty="0" err="1"/>
+                  <a:t>performance</a:t>
+                </a:r>
+                <a:endParaRPr lang="de-DE" dirty="0"/>
+              </a:p>
+            </p:txBody>
+          </p:sp>
+        </mc:Choice>
+        <mc:Fallback xmlns="">
+          <p:sp>
+            <p:nvSpPr>
+              <p:cNvPr id="3" name="Inhaltsplatzhalter 2">
+                <a:extLst>
+                  <a:ext uri="{FF2B5EF4-FFF2-40B4-BE49-F238E27FC236}">
+                    <a16:creationId xmlns:a16="http://schemas.microsoft.com/office/drawing/2014/main" id="{F9AE5EC4-52A4-BBD7-A547-E7DA4C4B3937}"/>
+                  </a:ext>
+                </a:extLst>
+              </p:cNvPr>
+              <p:cNvSpPr>
+                <a:spLocks noGrp="1" noRot="1" noChangeAspect="1" noMove="1" noResize="1" noEditPoints="1" noAdjustHandles="1" noChangeArrowheads="1" noChangeShapeType="1" noTextEdit="1"/>
+              </p:cNvSpPr>
+              <p:nvPr>
+                <p:ph idx="1"/>
+              </p:nvPr>
+            </p:nvSpPr>
+            <p:spPr>
+              <a:blipFill>
+                <a:blip r:embed="rId2"/>
+                <a:stretch>
+                  <a:fillRect l="-1206" t="-3198"/>
+                </a:stretch>
+              </a:blipFill>
+            </p:spPr>
+            <p:txBody>
+              <a:bodyPr/>
+              <a:lstStyle/>
+              <a:p>
+                <a:r>
+                  <a:rPr lang="de-DE">
+                    <a:noFill/>
+                  </a:rPr>
+                  <a:t> </a:t>
+                </a:r>
+              </a:p>
+            </p:txBody>
+          </p:sp>
+        </mc:Fallback>
+      </mc:AlternateContent>
+      <p:sp>
+        <p:nvSpPr>
+          <p:cNvPr id="4" name="Foliennummernplatzhalter 3">
+            <a:extLst>
+              <a:ext uri="{FF2B5EF4-FFF2-40B4-BE49-F238E27FC236}">
+                <a16:creationId xmlns:a16="http://schemas.microsoft.com/office/drawing/2014/main" id="{01B8C4DB-992A-84DE-7144-6A990A34D033}"/>
+              </a:ext>
+            </a:extLst>
+          </p:cNvPr>
+          <p:cNvSpPr>
+            <a:spLocks noGrp="1"/>
+          </p:cNvSpPr>
+          <p:nvPr>
+            <p:ph type="sldNum" sz="quarter" idx="12"/>
+          </p:nvPr>
+        </p:nvSpPr>
+        <p:spPr/>
+        <p:txBody>
+          <a:bodyPr/>
+          <a:lstStyle/>
+          <a:p>
+            <a:fld id="{08C366F5-AFAD-49CB-854A-9D9E238FCA13}" type="slidenum">
+              <a:rPr lang="en-GB" smtClean="0"/>
+              <a:t>30</a:t>
+            </a:fld>
+            <a:endParaRPr lang="en-GB"/>
+          </a:p>
+        </p:txBody>
+      </p:sp>
+      <p:pic>
+        <p:nvPicPr>
+          <p:cNvPr id="6" name="Grafik 5">
+            <a:extLst>
+              <a:ext uri="{FF2B5EF4-FFF2-40B4-BE49-F238E27FC236}">
+                <a16:creationId xmlns:a16="http://schemas.microsoft.com/office/drawing/2014/main" id="{CA4D1A9C-C7EB-9033-19BD-68A68CB7C9F9}"/>
+              </a:ext>
+            </a:extLst>
+          </p:cNvPr>
+          <p:cNvPicPr>
+            <a:picLocks noChangeAspect="1"/>
+          </p:cNvPicPr>
+          <p:nvPr/>
+        </p:nvPicPr>
+        <p:blipFill>
+          <a:blip r:embed="rId3"/>
+          <a:stretch>
+            <a:fillRect/>
+          </a:stretch>
+        </p:blipFill>
+        <p:spPr>
+          <a:xfrm>
+            <a:off x="7086745" y="2425670"/>
+            <a:ext cx="4674688" cy="3751293"/>
+          </a:xfrm>
+          <a:prstGeom prst="rect">
+            <a:avLst/>
+          </a:prstGeom>
+        </p:spPr>
+      </p:pic>
+    </p:spTree>
+    <p:extLst>
+      <p:ext uri="{BB962C8B-B14F-4D97-AF65-F5344CB8AC3E}">
+        <p14:creationId xmlns:p14="http://schemas.microsoft.com/office/powerpoint/2010/main" val="2198874170"/>
+      </p:ext>
+    </p:extLst>
+  </p:cSld>
+  <p:clrMapOvr>
+    <a:masterClrMapping/>
+  </p:clrMapOvr>
+</p:sld>
+</file>
+
+<file path=ppt/slides/slide31.xml><?xml version="1.0" encoding="utf-8"?>
+<p:sld xmlns:a="http://schemas.openxmlformats.org/drawingml/2006/main" xmlns:r="http://schemas.openxmlformats.org/officeDocument/2006/relationships" xmlns:p="http://schemas.openxmlformats.org/presentationml/2006/main">
+  <p:cSld>
+    <p:spTree>
+      <p:nvGrpSpPr>
+        <p:cNvPr id="1" name=""/>
+        <p:cNvGrpSpPr/>
+        <p:nvPr/>
+      </p:nvGrpSpPr>
+      <p:grpSpPr>
+        <a:xfrm>
+          <a:off x="0" y="0"/>
+          <a:ext cx="0" cy="0"/>
+          <a:chOff x="0" y="0"/>
+          <a:chExt cx="0" cy="0"/>
+        </a:xfrm>
+      </p:grpSpPr>
+      <p:sp>
+        <p:nvSpPr>
+          <p:cNvPr id="2" name="Titel 1">
+            <a:extLst>
+              <a:ext uri="{FF2B5EF4-FFF2-40B4-BE49-F238E27FC236}">
                 <a16:creationId xmlns:a16="http://schemas.microsoft.com/office/drawing/2014/main" id="{84F9F8F5-4DF8-B3DA-4C6D-AA2B467EE413}"/>
               </a:ext>
             </a:extLst>
@@ -33884,7 +34118,7 @@
           <a:p>
             <a:fld id="{08C366F5-AFAD-49CB-854A-9D9E238FCA13}" type="slidenum">
               <a:rPr lang="en-GB" smtClean="0"/>
-              <a:t>30</a:t>
+              <a:t>31</a:t>
             </a:fld>
             <a:endParaRPr lang="en-GB"/>
           </a:p>
@@ -34104,7 +34338,7 @@
 </p:sld>
 </file>
 
-<file path=ppt/slides/slide31.xml><?xml version="1.0" encoding="utf-8"?>
+<file path=ppt/slides/slide32.xml><?xml version="1.0" encoding="utf-8"?>
 <p:sld xmlns:a="http://schemas.openxmlformats.org/drawingml/2006/main" xmlns:r="http://schemas.openxmlformats.org/officeDocument/2006/relationships" xmlns:p="http://schemas.openxmlformats.org/presentationml/2006/main">
   <p:cSld>
     <p:spTree>
@@ -34375,7 +34609,7 @@
           <a:p>
             <a:fld id="{08C366F5-AFAD-49CB-854A-9D9E238FCA13}" type="slidenum">
               <a:rPr lang="en-GB" smtClean="0"/>
-              <a:t>31</a:t>
+              <a:t>32</a:t>
             </a:fld>
             <a:endParaRPr lang="en-GB"/>
           </a:p>
@@ -34394,7 +34628,7 @@
 </p:sld>
 </file>
 
-<file path=ppt/slides/slide32.xml><?xml version="1.0" encoding="utf-8"?>
+<file path=ppt/slides/slide33.xml><?xml version="1.0" encoding="utf-8"?>
 <p:sld xmlns:a="http://schemas.openxmlformats.org/drawingml/2006/main" xmlns:r="http://schemas.openxmlformats.org/officeDocument/2006/relationships" xmlns:p="http://schemas.openxmlformats.org/presentationml/2006/main">
   <p:cSld>
     <p:spTree>
@@ -34602,7 +34836,7 @@
           <a:p>
             <a:fld id="{08C366F5-AFAD-49CB-854A-9D9E238FCA13}" type="slidenum">
               <a:rPr lang="en-GB" smtClean="0"/>
-              <a:t>32</a:t>
+              <a:t>33</a:t>
             </a:fld>
             <a:endParaRPr lang="en-GB"/>
           </a:p>
